--- a/mm_Group3_Project_1_Presentation.pptx
+++ b/mm_Group3_Project_1_Presentation.pptx
@@ -5,13 +5,40 @@
     <p:sldMasterId id="2147483648" r:id="rId1"/>
   </p:sldMasterIdLst>
   <p:notesMasterIdLst>
-    <p:notesMasterId r:id="rId6"/>
+    <p:notesMasterId r:id="rId33"/>
   </p:notesMasterIdLst>
   <p:sldIdLst>
     <p:sldId id="256" r:id="rId2"/>
-    <p:sldId id="257" r:id="rId3"/>
-    <p:sldId id="258" r:id="rId4"/>
-    <p:sldId id="259" r:id="rId5"/>
+    <p:sldId id="262" r:id="rId3"/>
+    <p:sldId id="263" r:id="rId4"/>
+    <p:sldId id="264" r:id="rId5"/>
+    <p:sldId id="269" r:id="rId6"/>
+    <p:sldId id="265" r:id="rId7"/>
+    <p:sldId id="266" r:id="rId8"/>
+    <p:sldId id="267" r:id="rId9"/>
+    <p:sldId id="268" r:id="rId10"/>
+    <p:sldId id="270" r:id="rId11"/>
+    <p:sldId id="278" r:id="rId12"/>
+    <p:sldId id="295" r:id="rId13"/>
+    <p:sldId id="271" r:id="rId14"/>
+    <p:sldId id="276" r:id="rId15"/>
+    <p:sldId id="277" r:id="rId16"/>
+    <p:sldId id="274" r:id="rId17"/>
+    <p:sldId id="272" r:id="rId18"/>
+    <p:sldId id="283" r:id="rId19"/>
+    <p:sldId id="290" r:id="rId20"/>
+    <p:sldId id="291" r:id="rId21"/>
+    <p:sldId id="292" r:id="rId22"/>
+    <p:sldId id="294" r:id="rId23"/>
+    <p:sldId id="282" r:id="rId24"/>
+    <p:sldId id="279" r:id="rId25"/>
+    <p:sldId id="280" r:id="rId26"/>
+    <p:sldId id="273" r:id="rId27"/>
+    <p:sldId id="285" r:id="rId28"/>
+    <p:sldId id="284" r:id="rId29"/>
+    <p:sldId id="286" r:id="rId30"/>
+    <p:sldId id="287" r:id="rId31"/>
+    <p:sldId id="288" r:id="rId32"/>
   </p:sldIdLst>
   <p:sldSz cx="12192000" cy="6858000"/>
   <p:notesSz cx="6858000" cy="9144000"/>
@@ -116,9 +143,36 @@
         <p14:section name="Default Section" id="{17985AB1-9573-42A4-9B8E-D6582C8A33AC}">
           <p14:sldIdLst>
             <p14:sldId id="256"/>
-            <p14:sldId id="257"/>
-            <p14:sldId id="258"/>
-            <p14:sldId id="259"/>
+            <p14:sldId id="262"/>
+            <p14:sldId id="263"/>
+            <p14:sldId id="264"/>
+            <p14:sldId id="269"/>
+            <p14:sldId id="265"/>
+            <p14:sldId id="266"/>
+            <p14:sldId id="267"/>
+            <p14:sldId id="268"/>
+            <p14:sldId id="270"/>
+            <p14:sldId id="278"/>
+            <p14:sldId id="295"/>
+            <p14:sldId id="271"/>
+            <p14:sldId id="276"/>
+            <p14:sldId id="277"/>
+            <p14:sldId id="274"/>
+            <p14:sldId id="272"/>
+            <p14:sldId id="283"/>
+            <p14:sldId id="290"/>
+            <p14:sldId id="291"/>
+            <p14:sldId id="292"/>
+            <p14:sldId id="294"/>
+            <p14:sldId id="282"/>
+            <p14:sldId id="279"/>
+            <p14:sldId id="280"/>
+            <p14:sldId id="273"/>
+            <p14:sldId id="285"/>
+            <p14:sldId id="284"/>
+            <p14:sldId id="286"/>
+            <p14:sldId id="287"/>
+            <p14:sldId id="288"/>
           </p14:sldIdLst>
         </p14:section>
       </p14:sectionLst>
@@ -209,7 +263,7 @@
           <a:p>
             <a:fld id="{2BDC494C-2600-49DE-8E12-4ADCEEE338A0}" type="datetimeFigureOut">
               <a:rPr lang="en-US" smtClean="0"/>
-              <a:t>4/29/2023</a:t>
+              <a:t>5/3/2023</a:t>
             </a:fld>
             <a:endParaRPr lang="en-US"/>
           </a:p>
@@ -548,7 +602,7 @@
               <a:rPr lang="en-US" smtClean="0"/>
               <a:t>1</a:t>
             </a:fld>
-            <a:endParaRPr lang="en-US"/>
+            <a:endParaRPr lang="en-US" dirty="0"/>
           </a:p>
         </p:txBody>
       </p:sp>
@@ -556,113 +610,6 @@
     <p:extLst>
       <p:ext uri="{BB962C8B-B14F-4D97-AF65-F5344CB8AC3E}">
         <p14:creationId xmlns:p14="http://schemas.microsoft.com/office/powerpoint/2010/main" val="1937341488"/>
-      </p:ext>
-    </p:extLst>
-  </p:cSld>
-  <p:clrMapOvr>
-    <a:masterClrMapping/>
-  </p:clrMapOvr>
-</p:notes>
-</file>
-
-<file path=ppt/notesSlides/notesSlide2.xml><?xml version="1.0" encoding="utf-8"?>
-<p:notes xmlns:a="http://schemas.openxmlformats.org/drawingml/2006/main" xmlns:r="http://schemas.openxmlformats.org/officeDocument/2006/relationships" xmlns:p="http://schemas.openxmlformats.org/presentationml/2006/main">
-  <p:cSld>
-    <p:spTree>
-      <p:nvGrpSpPr>
-        <p:cNvPr id="1" name=""/>
-        <p:cNvGrpSpPr/>
-        <p:nvPr/>
-      </p:nvGrpSpPr>
-      <p:grpSpPr>
-        <a:xfrm>
-          <a:off x="0" y="0"/>
-          <a:ext cx="0" cy="0"/>
-          <a:chOff x="0" y="0"/>
-          <a:chExt cx="0" cy="0"/>
-        </a:xfrm>
-      </p:grpSpPr>
-      <p:sp>
-        <p:nvSpPr>
-          <p:cNvPr id="2" name="Slide Image Placeholder 1"/>
-          <p:cNvSpPr>
-            <a:spLocks noGrp="1" noRot="1" noChangeAspect="1"/>
-          </p:cNvSpPr>
-          <p:nvPr>
-            <p:ph type="sldImg"/>
-          </p:nvPr>
-        </p:nvSpPr>
-        <p:spPr/>
-      </p:sp>
-      <p:sp>
-        <p:nvSpPr>
-          <p:cNvPr id="3" name="Notes Placeholder 2"/>
-          <p:cNvSpPr>
-            <a:spLocks noGrp="1"/>
-          </p:cNvSpPr>
-          <p:nvPr>
-            <p:ph type="body" idx="1"/>
-          </p:nvPr>
-        </p:nvSpPr>
-        <p:spPr/>
-        <p:txBody>
-          <a:bodyPr/>
-          <a:lstStyle/>
-          <a:p>
-            <a:pPr marL="0" marR="0" indent="0" algn="l" defTabSz="914400" rtl="0" eaLnBrk="1" fontAlgn="auto" latinLnBrk="0" hangingPunct="1">
-              <a:lnSpc>
-                <a:spcPct val="100000"/>
-              </a:lnSpc>
-              <a:spcBef>
-                <a:spcPts val="0"/>
-              </a:spcBef>
-              <a:spcAft>
-                <a:spcPts val="0"/>
-              </a:spcAft>
-              <a:buClrTx/>
-              <a:buSzTx/>
-              <a:buFontTx/>
-              <a:buNone/>
-              <a:tabLst/>
-              <a:defRPr/>
-            </a:pPr>
-            <a:r>
-              <a:rPr lang="en-US" sz="1200" dirty="0" smtClean="0"/>
-              <a:t>The first step was to look at historical data of average winning percentage by season and years the Magic made the playoffs  </a:t>
-            </a:r>
-          </a:p>
-          <a:p>
-            <a:endParaRPr lang="en-US" dirty="0"/>
-          </a:p>
-        </p:txBody>
-      </p:sp>
-      <p:sp>
-        <p:nvSpPr>
-          <p:cNvPr id="4" name="Slide Number Placeholder 3"/>
-          <p:cNvSpPr>
-            <a:spLocks noGrp="1"/>
-          </p:cNvSpPr>
-          <p:nvPr>
-            <p:ph type="sldNum" sz="quarter" idx="10"/>
-          </p:nvPr>
-        </p:nvSpPr>
-        <p:spPr/>
-        <p:txBody>
-          <a:bodyPr/>
-          <a:lstStyle/>
-          <a:p>
-            <a:fld id="{750096D4-F279-49AA-9FBB-8752C1E5353E}" type="slidenum">
-              <a:rPr lang="en-US" smtClean="0"/>
-              <a:t>3</a:t>
-            </a:fld>
-            <a:endParaRPr lang="en-US"/>
-          </a:p>
-        </p:txBody>
-      </p:sp>
-    </p:spTree>
-    <p:extLst>
-      <p:ext uri="{BB962C8B-B14F-4D97-AF65-F5344CB8AC3E}">
-        <p14:creationId xmlns:p14="http://schemas.microsoft.com/office/powerpoint/2010/main" val="3114245019"/>
       </p:ext>
     </p:extLst>
   </p:cSld>
@@ -694,7 +641,7 @@
           <p:cNvPr id="2" name="Title 1">
             <a:extLst>
               <a:ext uri="{FF2B5EF4-FFF2-40B4-BE49-F238E27FC236}">
-                <a16:creationId xmlns="" xmlns:a16="http://schemas.microsoft.com/office/drawing/2014/main" id="{C26A6E78-EADA-0877-E4E4-7A54410847BF}"/>
+                <a16:creationId xmlns:a16="http://schemas.microsoft.com/office/drawing/2014/main" xmlns="" id="{C26A6E78-EADA-0877-E4E4-7A54410847BF}"/>
               </a:ext>
             </a:extLst>
           </p:cNvPr>
@@ -731,7 +678,7 @@
           <p:cNvPr id="3" name="Subtitle 2">
             <a:extLst>
               <a:ext uri="{FF2B5EF4-FFF2-40B4-BE49-F238E27FC236}">
-                <a16:creationId xmlns="" xmlns:a16="http://schemas.microsoft.com/office/drawing/2014/main" id="{B98E5113-1D46-24A5-AAA2-B1068DD9B362}"/>
+                <a16:creationId xmlns:a16="http://schemas.microsoft.com/office/drawing/2014/main" xmlns="" id="{B98E5113-1D46-24A5-AAA2-B1068DD9B362}"/>
               </a:ext>
             </a:extLst>
           </p:cNvPr>
@@ -801,7 +748,7 @@
           <p:cNvPr id="4" name="Date Placeholder 3">
             <a:extLst>
               <a:ext uri="{FF2B5EF4-FFF2-40B4-BE49-F238E27FC236}">
-                <a16:creationId xmlns="" xmlns:a16="http://schemas.microsoft.com/office/drawing/2014/main" id="{9E5F5324-DEED-857D-5E57-C08FFE8F762E}"/>
+                <a16:creationId xmlns:a16="http://schemas.microsoft.com/office/drawing/2014/main" xmlns="" id="{9E5F5324-DEED-857D-5E57-C08FFE8F762E}"/>
               </a:ext>
             </a:extLst>
           </p:cNvPr>
@@ -819,7 +766,7 @@
           <a:p>
             <a:fld id="{D0854996-1FBB-4E33-95BB-317CB7872D99}" type="datetimeFigureOut">
               <a:rPr lang="en-US" smtClean="0"/>
-              <a:t>4/29/2023</a:t>
+              <a:t>5/3/2023</a:t>
             </a:fld>
             <a:endParaRPr lang="en-US"/>
           </a:p>
@@ -830,7 +777,7 @@
           <p:cNvPr id="5" name="Footer Placeholder 4">
             <a:extLst>
               <a:ext uri="{FF2B5EF4-FFF2-40B4-BE49-F238E27FC236}">
-                <a16:creationId xmlns="" xmlns:a16="http://schemas.microsoft.com/office/drawing/2014/main" id="{DD603586-51D6-A836-1376-6B23AA0F47B1}"/>
+                <a16:creationId xmlns:a16="http://schemas.microsoft.com/office/drawing/2014/main" xmlns="" id="{DD603586-51D6-A836-1376-6B23AA0F47B1}"/>
               </a:ext>
             </a:extLst>
           </p:cNvPr>
@@ -855,7 +802,7 @@
           <p:cNvPr id="6" name="Slide Number Placeholder 5">
             <a:extLst>
               <a:ext uri="{FF2B5EF4-FFF2-40B4-BE49-F238E27FC236}">
-                <a16:creationId xmlns="" xmlns:a16="http://schemas.microsoft.com/office/drawing/2014/main" id="{32BC0964-58EB-59D0-9F0A-00F87C261FD6}"/>
+                <a16:creationId xmlns:a16="http://schemas.microsoft.com/office/drawing/2014/main" xmlns="" id="{32BC0964-58EB-59D0-9F0A-00F87C261FD6}"/>
               </a:ext>
             </a:extLst>
           </p:cNvPr>
@@ -914,7 +861,7 @@
           <p:cNvPr id="2" name="Title 1">
             <a:extLst>
               <a:ext uri="{FF2B5EF4-FFF2-40B4-BE49-F238E27FC236}">
-                <a16:creationId xmlns="" xmlns:a16="http://schemas.microsoft.com/office/drawing/2014/main" id="{B491F420-F134-26B6-2CD5-0F4CDF9910D9}"/>
+                <a16:creationId xmlns:a16="http://schemas.microsoft.com/office/drawing/2014/main" xmlns="" id="{B491F420-F134-26B6-2CD5-0F4CDF9910D9}"/>
               </a:ext>
             </a:extLst>
           </p:cNvPr>
@@ -942,7 +889,7 @@
           <p:cNvPr id="3" name="Vertical Text Placeholder 2">
             <a:extLst>
               <a:ext uri="{FF2B5EF4-FFF2-40B4-BE49-F238E27FC236}">
-                <a16:creationId xmlns="" xmlns:a16="http://schemas.microsoft.com/office/drawing/2014/main" id="{6FD508D2-D202-FD9B-1EE9-D097B163C3E9}"/>
+                <a16:creationId xmlns:a16="http://schemas.microsoft.com/office/drawing/2014/main" xmlns="" id="{6FD508D2-D202-FD9B-1EE9-D097B163C3E9}"/>
               </a:ext>
             </a:extLst>
           </p:cNvPr>
@@ -999,7 +946,7 @@
           <p:cNvPr id="4" name="Date Placeholder 3">
             <a:extLst>
               <a:ext uri="{FF2B5EF4-FFF2-40B4-BE49-F238E27FC236}">
-                <a16:creationId xmlns="" xmlns:a16="http://schemas.microsoft.com/office/drawing/2014/main" id="{6ACBC9A3-04FC-4E95-AA8F-E07E8EAA7F74}"/>
+                <a16:creationId xmlns:a16="http://schemas.microsoft.com/office/drawing/2014/main" xmlns="" id="{6ACBC9A3-04FC-4E95-AA8F-E07E8EAA7F74}"/>
               </a:ext>
             </a:extLst>
           </p:cNvPr>
@@ -1017,7 +964,7 @@
           <a:p>
             <a:fld id="{D0854996-1FBB-4E33-95BB-317CB7872D99}" type="datetimeFigureOut">
               <a:rPr lang="en-US" smtClean="0"/>
-              <a:t>4/29/2023</a:t>
+              <a:t>5/3/2023</a:t>
             </a:fld>
             <a:endParaRPr lang="en-US"/>
           </a:p>
@@ -1028,7 +975,7 @@
           <p:cNvPr id="5" name="Footer Placeholder 4">
             <a:extLst>
               <a:ext uri="{FF2B5EF4-FFF2-40B4-BE49-F238E27FC236}">
-                <a16:creationId xmlns="" xmlns:a16="http://schemas.microsoft.com/office/drawing/2014/main" id="{B280F340-C07D-C230-78A2-7894FBC4C7E5}"/>
+                <a16:creationId xmlns:a16="http://schemas.microsoft.com/office/drawing/2014/main" xmlns="" id="{B280F340-C07D-C230-78A2-7894FBC4C7E5}"/>
               </a:ext>
             </a:extLst>
           </p:cNvPr>
@@ -1053,7 +1000,7 @@
           <p:cNvPr id="6" name="Slide Number Placeholder 5">
             <a:extLst>
               <a:ext uri="{FF2B5EF4-FFF2-40B4-BE49-F238E27FC236}">
-                <a16:creationId xmlns="" xmlns:a16="http://schemas.microsoft.com/office/drawing/2014/main" id="{BEC89597-8A87-DF40-A148-C271BAF68DF7}"/>
+                <a16:creationId xmlns:a16="http://schemas.microsoft.com/office/drawing/2014/main" xmlns="" id="{BEC89597-8A87-DF40-A148-C271BAF68DF7}"/>
               </a:ext>
             </a:extLst>
           </p:cNvPr>
@@ -1112,7 +1059,7 @@
           <p:cNvPr id="2" name="Vertical Title 1">
             <a:extLst>
               <a:ext uri="{FF2B5EF4-FFF2-40B4-BE49-F238E27FC236}">
-                <a16:creationId xmlns="" xmlns:a16="http://schemas.microsoft.com/office/drawing/2014/main" id="{17D3CADE-FCBF-AD39-2A3A-A0759116FE96}"/>
+                <a16:creationId xmlns:a16="http://schemas.microsoft.com/office/drawing/2014/main" xmlns="" id="{17D3CADE-FCBF-AD39-2A3A-A0759116FE96}"/>
               </a:ext>
             </a:extLst>
           </p:cNvPr>
@@ -1145,7 +1092,7 @@
           <p:cNvPr id="3" name="Vertical Text Placeholder 2">
             <a:extLst>
               <a:ext uri="{FF2B5EF4-FFF2-40B4-BE49-F238E27FC236}">
-                <a16:creationId xmlns="" xmlns:a16="http://schemas.microsoft.com/office/drawing/2014/main" id="{8A6A0359-7757-03C6-41F0-42CDB1BC2D44}"/>
+                <a16:creationId xmlns:a16="http://schemas.microsoft.com/office/drawing/2014/main" xmlns="" id="{8A6A0359-7757-03C6-41F0-42CDB1BC2D44}"/>
               </a:ext>
             </a:extLst>
           </p:cNvPr>
@@ -1207,7 +1154,7 @@
           <p:cNvPr id="4" name="Date Placeholder 3">
             <a:extLst>
               <a:ext uri="{FF2B5EF4-FFF2-40B4-BE49-F238E27FC236}">
-                <a16:creationId xmlns="" xmlns:a16="http://schemas.microsoft.com/office/drawing/2014/main" id="{DA506DEA-BF6D-340D-84F9-C396AAED664C}"/>
+                <a16:creationId xmlns:a16="http://schemas.microsoft.com/office/drawing/2014/main" xmlns="" id="{DA506DEA-BF6D-340D-84F9-C396AAED664C}"/>
               </a:ext>
             </a:extLst>
           </p:cNvPr>
@@ -1225,7 +1172,7 @@
           <a:p>
             <a:fld id="{D0854996-1FBB-4E33-95BB-317CB7872D99}" type="datetimeFigureOut">
               <a:rPr lang="en-US" smtClean="0"/>
-              <a:t>4/29/2023</a:t>
+              <a:t>5/3/2023</a:t>
             </a:fld>
             <a:endParaRPr lang="en-US"/>
           </a:p>
@@ -1236,7 +1183,7 @@
           <p:cNvPr id="5" name="Footer Placeholder 4">
             <a:extLst>
               <a:ext uri="{FF2B5EF4-FFF2-40B4-BE49-F238E27FC236}">
-                <a16:creationId xmlns="" xmlns:a16="http://schemas.microsoft.com/office/drawing/2014/main" id="{723D2974-1B4C-82C2-030D-AEAF59955D18}"/>
+                <a16:creationId xmlns:a16="http://schemas.microsoft.com/office/drawing/2014/main" xmlns="" id="{723D2974-1B4C-82C2-030D-AEAF59955D18}"/>
               </a:ext>
             </a:extLst>
           </p:cNvPr>
@@ -1261,7 +1208,7 @@
           <p:cNvPr id="6" name="Slide Number Placeholder 5">
             <a:extLst>
               <a:ext uri="{FF2B5EF4-FFF2-40B4-BE49-F238E27FC236}">
-                <a16:creationId xmlns="" xmlns:a16="http://schemas.microsoft.com/office/drawing/2014/main" id="{34A38BA7-7CA7-B7DF-27D7-109C9FB6DE37}"/>
+                <a16:creationId xmlns:a16="http://schemas.microsoft.com/office/drawing/2014/main" xmlns="" id="{34A38BA7-7CA7-B7DF-27D7-109C9FB6DE37}"/>
               </a:ext>
             </a:extLst>
           </p:cNvPr>
@@ -1320,7 +1267,7 @@
           <p:cNvPr id="2" name="Title 1">
             <a:extLst>
               <a:ext uri="{FF2B5EF4-FFF2-40B4-BE49-F238E27FC236}">
-                <a16:creationId xmlns="" xmlns:a16="http://schemas.microsoft.com/office/drawing/2014/main" id="{EA208DBE-C1CC-B7FB-EBE1-7990BA17E0AB}"/>
+                <a16:creationId xmlns:a16="http://schemas.microsoft.com/office/drawing/2014/main" xmlns="" id="{EA208DBE-C1CC-B7FB-EBE1-7990BA17E0AB}"/>
               </a:ext>
             </a:extLst>
           </p:cNvPr>
@@ -1348,7 +1295,7 @@
           <p:cNvPr id="3" name="Content Placeholder 2">
             <a:extLst>
               <a:ext uri="{FF2B5EF4-FFF2-40B4-BE49-F238E27FC236}">
-                <a16:creationId xmlns="" xmlns:a16="http://schemas.microsoft.com/office/drawing/2014/main" id="{80A22C23-BFC2-58C0-0D68-88937172D459}"/>
+                <a16:creationId xmlns:a16="http://schemas.microsoft.com/office/drawing/2014/main" xmlns="" id="{80A22C23-BFC2-58C0-0D68-88937172D459}"/>
               </a:ext>
             </a:extLst>
           </p:cNvPr>
@@ -1405,7 +1352,7 @@
           <p:cNvPr id="4" name="Date Placeholder 3">
             <a:extLst>
               <a:ext uri="{FF2B5EF4-FFF2-40B4-BE49-F238E27FC236}">
-                <a16:creationId xmlns="" xmlns:a16="http://schemas.microsoft.com/office/drawing/2014/main" id="{C7BF0553-7E38-2D36-F267-115A83C0CABE}"/>
+                <a16:creationId xmlns:a16="http://schemas.microsoft.com/office/drawing/2014/main" xmlns="" id="{C7BF0553-7E38-2D36-F267-115A83C0CABE}"/>
               </a:ext>
             </a:extLst>
           </p:cNvPr>
@@ -1423,7 +1370,7 @@
           <a:p>
             <a:fld id="{D0854996-1FBB-4E33-95BB-317CB7872D99}" type="datetimeFigureOut">
               <a:rPr lang="en-US" smtClean="0"/>
-              <a:t>4/29/2023</a:t>
+              <a:t>5/3/2023</a:t>
             </a:fld>
             <a:endParaRPr lang="en-US"/>
           </a:p>
@@ -1434,7 +1381,7 @@
           <p:cNvPr id="5" name="Footer Placeholder 4">
             <a:extLst>
               <a:ext uri="{FF2B5EF4-FFF2-40B4-BE49-F238E27FC236}">
-                <a16:creationId xmlns="" xmlns:a16="http://schemas.microsoft.com/office/drawing/2014/main" id="{D07898A0-9C5E-B5D6-DDB1-52BC9C29EF04}"/>
+                <a16:creationId xmlns:a16="http://schemas.microsoft.com/office/drawing/2014/main" xmlns="" id="{D07898A0-9C5E-B5D6-DDB1-52BC9C29EF04}"/>
               </a:ext>
             </a:extLst>
           </p:cNvPr>
@@ -1459,7 +1406,7 @@
           <p:cNvPr id="6" name="Slide Number Placeholder 5">
             <a:extLst>
               <a:ext uri="{FF2B5EF4-FFF2-40B4-BE49-F238E27FC236}">
-                <a16:creationId xmlns="" xmlns:a16="http://schemas.microsoft.com/office/drawing/2014/main" id="{F6DD8C3F-C498-77DE-6EBA-8EB9D6BC8D93}"/>
+                <a16:creationId xmlns:a16="http://schemas.microsoft.com/office/drawing/2014/main" xmlns="" id="{F6DD8C3F-C498-77DE-6EBA-8EB9D6BC8D93}"/>
               </a:ext>
             </a:extLst>
           </p:cNvPr>
@@ -1518,7 +1465,7 @@
           <p:cNvPr id="2" name="Title 1">
             <a:extLst>
               <a:ext uri="{FF2B5EF4-FFF2-40B4-BE49-F238E27FC236}">
-                <a16:creationId xmlns="" xmlns:a16="http://schemas.microsoft.com/office/drawing/2014/main" id="{B6EE2795-D97C-7C26-9805-681F13B7BDF5}"/>
+                <a16:creationId xmlns:a16="http://schemas.microsoft.com/office/drawing/2014/main" xmlns="" id="{B6EE2795-D97C-7C26-9805-681F13B7BDF5}"/>
               </a:ext>
             </a:extLst>
           </p:cNvPr>
@@ -1555,7 +1502,7 @@
           <p:cNvPr id="3" name="Text Placeholder 2">
             <a:extLst>
               <a:ext uri="{FF2B5EF4-FFF2-40B4-BE49-F238E27FC236}">
-                <a16:creationId xmlns="" xmlns:a16="http://schemas.microsoft.com/office/drawing/2014/main" id="{79F5E2BB-21D5-3908-69DA-5FE2D3FAC4D6}"/>
+                <a16:creationId xmlns:a16="http://schemas.microsoft.com/office/drawing/2014/main" xmlns="" id="{79F5E2BB-21D5-3908-69DA-5FE2D3FAC4D6}"/>
               </a:ext>
             </a:extLst>
           </p:cNvPr>
@@ -1680,7 +1627,7 @@
           <p:cNvPr id="4" name="Date Placeholder 3">
             <a:extLst>
               <a:ext uri="{FF2B5EF4-FFF2-40B4-BE49-F238E27FC236}">
-                <a16:creationId xmlns="" xmlns:a16="http://schemas.microsoft.com/office/drawing/2014/main" id="{EB062665-D5D0-D7E8-A720-1C7EE892C45B}"/>
+                <a16:creationId xmlns:a16="http://schemas.microsoft.com/office/drawing/2014/main" xmlns="" id="{EB062665-D5D0-D7E8-A720-1C7EE892C45B}"/>
               </a:ext>
             </a:extLst>
           </p:cNvPr>
@@ -1698,7 +1645,7 @@
           <a:p>
             <a:fld id="{D0854996-1FBB-4E33-95BB-317CB7872D99}" type="datetimeFigureOut">
               <a:rPr lang="en-US" smtClean="0"/>
-              <a:t>4/29/2023</a:t>
+              <a:t>5/3/2023</a:t>
             </a:fld>
             <a:endParaRPr lang="en-US"/>
           </a:p>
@@ -1709,7 +1656,7 @@
           <p:cNvPr id="5" name="Footer Placeholder 4">
             <a:extLst>
               <a:ext uri="{FF2B5EF4-FFF2-40B4-BE49-F238E27FC236}">
-                <a16:creationId xmlns="" xmlns:a16="http://schemas.microsoft.com/office/drawing/2014/main" id="{03B29897-DB1A-5E0B-8C6C-93D82E772703}"/>
+                <a16:creationId xmlns:a16="http://schemas.microsoft.com/office/drawing/2014/main" xmlns="" id="{03B29897-DB1A-5E0B-8C6C-93D82E772703}"/>
               </a:ext>
             </a:extLst>
           </p:cNvPr>
@@ -1734,7 +1681,7 @@
           <p:cNvPr id="6" name="Slide Number Placeholder 5">
             <a:extLst>
               <a:ext uri="{FF2B5EF4-FFF2-40B4-BE49-F238E27FC236}">
-                <a16:creationId xmlns="" xmlns:a16="http://schemas.microsoft.com/office/drawing/2014/main" id="{6D9AE3A4-3794-4A8F-E94B-5E3D41E7D58B}"/>
+                <a16:creationId xmlns:a16="http://schemas.microsoft.com/office/drawing/2014/main" xmlns="" id="{6D9AE3A4-3794-4A8F-E94B-5E3D41E7D58B}"/>
               </a:ext>
             </a:extLst>
           </p:cNvPr>
@@ -1793,7 +1740,7 @@
           <p:cNvPr id="2" name="Title 1">
             <a:extLst>
               <a:ext uri="{FF2B5EF4-FFF2-40B4-BE49-F238E27FC236}">
-                <a16:creationId xmlns="" xmlns:a16="http://schemas.microsoft.com/office/drawing/2014/main" id="{437FADD9-0D37-31D3-3762-2A4555C01562}"/>
+                <a16:creationId xmlns:a16="http://schemas.microsoft.com/office/drawing/2014/main" xmlns="" id="{437FADD9-0D37-31D3-3762-2A4555C01562}"/>
               </a:ext>
             </a:extLst>
           </p:cNvPr>
@@ -1821,7 +1768,7 @@
           <p:cNvPr id="3" name="Content Placeholder 2">
             <a:extLst>
               <a:ext uri="{FF2B5EF4-FFF2-40B4-BE49-F238E27FC236}">
-                <a16:creationId xmlns="" xmlns:a16="http://schemas.microsoft.com/office/drawing/2014/main" id="{4FE2A18B-5FDD-78ED-B903-7C6EFB474D15}"/>
+                <a16:creationId xmlns:a16="http://schemas.microsoft.com/office/drawing/2014/main" xmlns="" id="{4FE2A18B-5FDD-78ED-B903-7C6EFB474D15}"/>
               </a:ext>
             </a:extLst>
           </p:cNvPr>
@@ -1883,7 +1830,7 @@
           <p:cNvPr id="4" name="Content Placeholder 3">
             <a:extLst>
               <a:ext uri="{FF2B5EF4-FFF2-40B4-BE49-F238E27FC236}">
-                <a16:creationId xmlns="" xmlns:a16="http://schemas.microsoft.com/office/drawing/2014/main" id="{2322C815-ED44-0DD4-A7D1-05F6FDD919A4}"/>
+                <a16:creationId xmlns:a16="http://schemas.microsoft.com/office/drawing/2014/main" xmlns="" id="{2322C815-ED44-0DD4-A7D1-05F6FDD919A4}"/>
               </a:ext>
             </a:extLst>
           </p:cNvPr>
@@ -1945,7 +1892,7 @@
           <p:cNvPr id="5" name="Date Placeholder 4">
             <a:extLst>
               <a:ext uri="{FF2B5EF4-FFF2-40B4-BE49-F238E27FC236}">
-                <a16:creationId xmlns="" xmlns:a16="http://schemas.microsoft.com/office/drawing/2014/main" id="{B6862A28-53DE-3FFA-10DC-557A16CB9FA1}"/>
+                <a16:creationId xmlns:a16="http://schemas.microsoft.com/office/drawing/2014/main" xmlns="" id="{B6862A28-53DE-3FFA-10DC-557A16CB9FA1}"/>
               </a:ext>
             </a:extLst>
           </p:cNvPr>
@@ -1963,7 +1910,7 @@
           <a:p>
             <a:fld id="{D0854996-1FBB-4E33-95BB-317CB7872D99}" type="datetimeFigureOut">
               <a:rPr lang="en-US" smtClean="0"/>
-              <a:t>4/29/2023</a:t>
+              <a:t>5/3/2023</a:t>
             </a:fld>
             <a:endParaRPr lang="en-US"/>
           </a:p>
@@ -1974,7 +1921,7 @@
           <p:cNvPr id="6" name="Footer Placeholder 5">
             <a:extLst>
               <a:ext uri="{FF2B5EF4-FFF2-40B4-BE49-F238E27FC236}">
-                <a16:creationId xmlns="" xmlns:a16="http://schemas.microsoft.com/office/drawing/2014/main" id="{D9117D43-02A1-4AB2-C5EE-082AF7DCC9B9}"/>
+                <a16:creationId xmlns:a16="http://schemas.microsoft.com/office/drawing/2014/main" xmlns="" id="{D9117D43-02A1-4AB2-C5EE-082AF7DCC9B9}"/>
               </a:ext>
             </a:extLst>
           </p:cNvPr>
@@ -1999,7 +1946,7 @@
           <p:cNvPr id="7" name="Slide Number Placeholder 6">
             <a:extLst>
               <a:ext uri="{FF2B5EF4-FFF2-40B4-BE49-F238E27FC236}">
-                <a16:creationId xmlns="" xmlns:a16="http://schemas.microsoft.com/office/drawing/2014/main" id="{6843E39E-286D-B8E2-0801-760CB25C878F}"/>
+                <a16:creationId xmlns:a16="http://schemas.microsoft.com/office/drawing/2014/main" xmlns="" id="{6843E39E-286D-B8E2-0801-760CB25C878F}"/>
               </a:ext>
             </a:extLst>
           </p:cNvPr>
@@ -2058,7 +2005,7 @@
           <p:cNvPr id="2" name="Title 1">
             <a:extLst>
               <a:ext uri="{FF2B5EF4-FFF2-40B4-BE49-F238E27FC236}">
-                <a16:creationId xmlns="" xmlns:a16="http://schemas.microsoft.com/office/drawing/2014/main" id="{8E18856C-5621-1D14-2E16-B6A5ADF4A6A1}"/>
+                <a16:creationId xmlns:a16="http://schemas.microsoft.com/office/drawing/2014/main" xmlns="" id="{8E18856C-5621-1D14-2E16-B6A5ADF4A6A1}"/>
               </a:ext>
             </a:extLst>
           </p:cNvPr>
@@ -2091,7 +2038,7 @@
           <p:cNvPr id="3" name="Text Placeholder 2">
             <a:extLst>
               <a:ext uri="{FF2B5EF4-FFF2-40B4-BE49-F238E27FC236}">
-                <a16:creationId xmlns="" xmlns:a16="http://schemas.microsoft.com/office/drawing/2014/main" id="{10939CFD-1387-ED03-A9C3-4F1C2E5DDB86}"/>
+                <a16:creationId xmlns:a16="http://schemas.microsoft.com/office/drawing/2014/main" xmlns="" id="{10939CFD-1387-ED03-A9C3-4F1C2E5DDB86}"/>
               </a:ext>
             </a:extLst>
           </p:cNvPr>
@@ -2162,7 +2109,7 @@
           <p:cNvPr id="4" name="Content Placeholder 3">
             <a:extLst>
               <a:ext uri="{FF2B5EF4-FFF2-40B4-BE49-F238E27FC236}">
-                <a16:creationId xmlns="" xmlns:a16="http://schemas.microsoft.com/office/drawing/2014/main" id="{CDD0D842-7521-DABF-523C-530EB07786AB}"/>
+                <a16:creationId xmlns:a16="http://schemas.microsoft.com/office/drawing/2014/main" xmlns="" id="{CDD0D842-7521-DABF-523C-530EB07786AB}"/>
               </a:ext>
             </a:extLst>
           </p:cNvPr>
@@ -2224,7 +2171,7 @@
           <p:cNvPr id="5" name="Text Placeholder 4">
             <a:extLst>
               <a:ext uri="{FF2B5EF4-FFF2-40B4-BE49-F238E27FC236}">
-                <a16:creationId xmlns="" xmlns:a16="http://schemas.microsoft.com/office/drawing/2014/main" id="{D2946555-4F1C-262A-D3EE-C38D8F57C1AB}"/>
+                <a16:creationId xmlns:a16="http://schemas.microsoft.com/office/drawing/2014/main" xmlns="" id="{D2946555-4F1C-262A-D3EE-C38D8F57C1AB}"/>
               </a:ext>
             </a:extLst>
           </p:cNvPr>
@@ -2295,7 +2242,7 @@
           <p:cNvPr id="6" name="Content Placeholder 5">
             <a:extLst>
               <a:ext uri="{FF2B5EF4-FFF2-40B4-BE49-F238E27FC236}">
-                <a16:creationId xmlns="" xmlns:a16="http://schemas.microsoft.com/office/drawing/2014/main" id="{CAF1A528-2FBD-1F79-A495-C46F13769C59}"/>
+                <a16:creationId xmlns:a16="http://schemas.microsoft.com/office/drawing/2014/main" xmlns="" id="{CAF1A528-2FBD-1F79-A495-C46F13769C59}"/>
               </a:ext>
             </a:extLst>
           </p:cNvPr>
@@ -2357,7 +2304,7 @@
           <p:cNvPr id="7" name="Date Placeholder 6">
             <a:extLst>
               <a:ext uri="{FF2B5EF4-FFF2-40B4-BE49-F238E27FC236}">
-                <a16:creationId xmlns="" xmlns:a16="http://schemas.microsoft.com/office/drawing/2014/main" id="{2778BE5C-04EF-E6BD-0717-37F872FF16C3}"/>
+                <a16:creationId xmlns:a16="http://schemas.microsoft.com/office/drawing/2014/main" xmlns="" id="{2778BE5C-04EF-E6BD-0717-37F872FF16C3}"/>
               </a:ext>
             </a:extLst>
           </p:cNvPr>
@@ -2375,7 +2322,7 @@
           <a:p>
             <a:fld id="{D0854996-1FBB-4E33-95BB-317CB7872D99}" type="datetimeFigureOut">
               <a:rPr lang="en-US" smtClean="0"/>
-              <a:t>4/29/2023</a:t>
+              <a:t>5/3/2023</a:t>
             </a:fld>
             <a:endParaRPr lang="en-US"/>
           </a:p>
@@ -2386,7 +2333,7 @@
           <p:cNvPr id="8" name="Footer Placeholder 7">
             <a:extLst>
               <a:ext uri="{FF2B5EF4-FFF2-40B4-BE49-F238E27FC236}">
-                <a16:creationId xmlns="" xmlns:a16="http://schemas.microsoft.com/office/drawing/2014/main" id="{38A96267-3810-CB64-D205-372FA67F7A09}"/>
+                <a16:creationId xmlns:a16="http://schemas.microsoft.com/office/drawing/2014/main" xmlns="" id="{38A96267-3810-CB64-D205-372FA67F7A09}"/>
               </a:ext>
             </a:extLst>
           </p:cNvPr>
@@ -2411,7 +2358,7 @@
           <p:cNvPr id="9" name="Slide Number Placeholder 8">
             <a:extLst>
               <a:ext uri="{FF2B5EF4-FFF2-40B4-BE49-F238E27FC236}">
-                <a16:creationId xmlns="" xmlns:a16="http://schemas.microsoft.com/office/drawing/2014/main" id="{0D3B3BA1-2C34-F5D6-87F6-7B3B41E87C3F}"/>
+                <a16:creationId xmlns:a16="http://schemas.microsoft.com/office/drawing/2014/main" xmlns="" id="{0D3B3BA1-2C34-F5D6-87F6-7B3B41E87C3F}"/>
               </a:ext>
             </a:extLst>
           </p:cNvPr>
@@ -2470,7 +2417,7 @@
           <p:cNvPr id="2" name="Title 1">
             <a:extLst>
               <a:ext uri="{FF2B5EF4-FFF2-40B4-BE49-F238E27FC236}">
-                <a16:creationId xmlns="" xmlns:a16="http://schemas.microsoft.com/office/drawing/2014/main" id="{2BD0AAD7-06E9-6B86-C224-A84B16BC092F}"/>
+                <a16:creationId xmlns:a16="http://schemas.microsoft.com/office/drawing/2014/main" xmlns="" id="{2BD0AAD7-06E9-6B86-C224-A84B16BC092F}"/>
               </a:ext>
             </a:extLst>
           </p:cNvPr>
@@ -2498,7 +2445,7 @@
           <p:cNvPr id="3" name="Date Placeholder 2">
             <a:extLst>
               <a:ext uri="{FF2B5EF4-FFF2-40B4-BE49-F238E27FC236}">
-                <a16:creationId xmlns="" xmlns:a16="http://schemas.microsoft.com/office/drawing/2014/main" id="{85A9E503-8771-838F-5AAC-893EC50231D1}"/>
+                <a16:creationId xmlns:a16="http://schemas.microsoft.com/office/drawing/2014/main" xmlns="" id="{85A9E503-8771-838F-5AAC-893EC50231D1}"/>
               </a:ext>
             </a:extLst>
           </p:cNvPr>
@@ -2516,7 +2463,7 @@
           <a:p>
             <a:fld id="{D0854996-1FBB-4E33-95BB-317CB7872D99}" type="datetimeFigureOut">
               <a:rPr lang="en-US" smtClean="0"/>
-              <a:t>4/29/2023</a:t>
+              <a:t>5/3/2023</a:t>
             </a:fld>
             <a:endParaRPr lang="en-US"/>
           </a:p>
@@ -2527,7 +2474,7 @@
           <p:cNvPr id="4" name="Footer Placeholder 3">
             <a:extLst>
               <a:ext uri="{FF2B5EF4-FFF2-40B4-BE49-F238E27FC236}">
-                <a16:creationId xmlns="" xmlns:a16="http://schemas.microsoft.com/office/drawing/2014/main" id="{E473AE5A-85B9-E0C6-35EE-05D7579BFEBE}"/>
+                <a16:creationId xmlns:a16="http://schemas.microsoft.com/office/drawing/2014/main" xmlns="" id="{E473AE5A-85B9-E0C6-35EE-05D7579BFEBE}"/>
               </a:ext>
             </a:extLst>
           </p:cNvPr>
@@ -2552,7 +2499,7 @@
           <p:cNvPr id="5" name="Slide Number Placeholder 4">
             <a:extLst>
               <a:ext uri="{FF2B5EF4-FFF2-40B4-BE49-F238E27FC236}">
-                <a16:creationId xmlns="" xmlns:a16="http://schemas.microsoft.com/office/drawing/2014/main" id="{02088C77-B791-6EC6-3382-1FDFD09DA7B1}"/>
+                <a16:creationId xmlns:a16="http://schemas.microsoft.com/office/drawing/2014/main" xmlns="" id="{02088C77-B791-6EC6-3382-1FDFD09DA7B1}"/>
               </a:ext>
             </a:extLst>
           </p:cNvPr>
@@ -2611,7 +2558,7 @@
           <p:cNvPr id="2" name="Date Placeholder 1">
             <a:extLst>
               <a:ext uri="{FF2B5EF4-FFF2-40B4-BE49-F238E27FC236}">
-                <a16:creationId xmlns="" xmlns:a16="http://schemas.microsoft.com/office/drawing/2014/main" id="{53F38818-2B01-FB61-F1D0-B3CFD45CE39C}"/>
+                <a16:creationId xmlns:a16="http://schemas.microsoft.com/office/drawing/2014/main" xmlns="" id="{53F38818-2B01-FB61-F1D0-B3CFD45CE39C}"/>
               </a:ext>
             </a:extLst>
           </p:cNvPr>
@@ -2629,7 +2576,7 @@
           <a:p>
             <a:fld id="{D0854996-1FBB-4E33-95BB-317CB7872D99}" type="datetimeFigureOut">
               <a:rPr lang="en-US" smtClean="0"/>
-              <a:t>4/29/2023</a:t>
+              <a:t>5/3/2023</a:t>
             </a:fld>
             <a:endParaRPr lang="en-US"/>
           </a:p>
@@ -2640,7 +2587,7 @@
           <p:cNvPr id="3" name="Footer Placeholder 2">
             <a:extLst>
               <a:ext uri="{FF2B5EF4-FFF2-40B4-BE49-F238E27FC236}">
-                <a16:creationId xmlns="" xmlns:a16="http://schemas.microsoft.com/office/drawing/2014/main" id="{2455AFB9-0F6F-1646-E3F9-164927FE5C3E}"/>
+                <a16:creationId xmlns:a16="http://schemas.microsoft.com/office/drawing/2014/main" xmlns="" id="{2455AFB9-0F6F-1646-E3F9-164927FE5C3E}"/>
               </a:ext>
             </a:extLst>
           </p:cNvPr>
@@ -2665,7 +2612,7 @@
           <p:cNvPr id="4" name="Slide Number Placeholder 3">
             <a:extLst>
               <a:ext uri="{FF2B5EF4-FFF2-40B4-BE49-F238E27FC236}">
-                <a16:creationId xmlns="" xmlns:a16="http://schemas.microsoft.com/office/drawing/2014/main" id="{9668AD29-83CB-DCB3-07F7-E8FBC7A6037F}"/>
+                <a16:creationId xmlns:a16="http://schemas.microsoft.com/office/drawing/2014/main" xmlns="" id="{9668AD29-83CB-DCB3-07F7-E8FBC7A6037F}"/>
               </a:ext>
             </a:extLst>
           </p:cNvPr>
@@ -2724,7 +2671,7 @@
           <p:cNvPr id="2" name="Title 1">
             <a:extLst>
               <a:ext uri="{FF2B5EF4-FFF2-40B4-BE49-F238E27FC236}">
-                <a16:creationId xmlns="" xmlns:a16="http://schemas.microsoft.com/office/drawing/2014/main" id="{D7DC9D5E-27B8-AD9A-2659-5932A57F3DB5}"/>
+                <a16:creationId xmlns:a16="http://schemas.microsoft.com/office/drawing/2014/main" xmlns="" id="{D7DC9D5E-27B8-AD9A-2659-5932A57F3DB5}"/>
               </a:ext>
             </a:extLst>
           </p:cNvPr>
@@ -2761,7 +2708,7 @@
           <p:cNvPr id="3" name="Content Placeholder 2">
             <a:extLst>
               <a:ext uri="{FF2B5EF4-FFF2-40B4-BE49-F238E27FC236}">
-                <a16:creationId xmlns="" xmlns:a16="http://schemas.microsoft.com/office/drawing/2014/main" id="{30923FB5-E2BF-A4B2-A2D0-A00A3D1898BC}"/>
+                <a16:creationId xmlns:a16="http://schemas.microsoft.com/office/drawing/2014/main" xmlns="" id="{30923FB5-E2BF-A4B2-A2D0-A00A3D1898BC}"/>
               </a:ext>
             </a:extLst>
           </p:cNvPr>
@@ -2851,7 +2798,7 @@
           <p:cNvPr id="4" name="Text Placeholder 3">
             <a:extLst>
               <a:ext uri="{FF2B5EF4-FFF2-40B4-BE49-F238E27FC236}">
-                <a16:creationId xmlns="" xmlns:a16="http://schemas.microsoft.com/office/drawing/2014/main" id="{C893FAE0-A790-3272-ED87-714BF6202D63}"/>
+                <a16:creationId xmlns:a16="http://schemas.microsoft.com/office/drawing/2014/main" xmlns="" id="{C893FAE0-A790-3272-ED87-714BF6202D63}"/>
               </a:ext>
             </a:extLst>
           </p:cNvPr>
@@ -2922,7 +2869,7 @@
           <p:cNvPr id="5" name="Date Placeholder 4">
             <a:extLst>
               <a:ext uri="{FF2B5EF4-FFF2-40B4-BE49-F238E27FC236}">
-                <a16:creationId xmlns="" xmlns:a16="http://schemas.microsoft.com/office/drawing/2014/main" id="{B81C0A93-0475-6608-27DF-CFCC73458A8F}"/>
+                <a16:creationId xmlns:a16="http://schemas.microsoft.com/office/drawing/2014/main" xmlns="" id="{B81C0A93-0475-6608-27DF-CFCC73458A8F}"/>
               </a:ext>
             </a:extLst>
           </p:cNvPr>
@@ -2940,7 +2887,7 @@
           <a:p>
             <a:fld id="{D0854996-1FBB-4E33-95BB-317CB7872D99}" type="datetimeFigureOut">
               <a:rPr lang="en-US" smtClean="0"/>
-              <a:t>4/29/2023</a:t>
+              <a:t>5/3/2023</a:t>
             </a:fld>
             <a:endParaRPr lang="en-US"/>
           </a:p>
@@ -2951,7 +2898,7 @@
           <p:cNvPr id="6" name="Footer Placeholder 5">
             <a:extLst>
               <a:ext uri="{FF2B5EF4-FFF2-40B4-BE49-F238E27FC236}">
-                <a16:creationId xmlns="" xmlns:a16="http://schemas.microsoft.com/office/drawing/2014/main" id="{B04A9B06-1F86-EEF8-8473-D61924456931}"/>
+                <a16:creationId xmlns:a16="http://schemas.microsoft.com/office/drawing/2014/main" xmlns="" id="{B04A9B06-1F86-EEF8-8473-D61924456931}"/>
               </a:ext>
             </a:extLst>
           </p:cNvPr>
@@ -2976,7 +2923,7 @@
           <p:cNvPr id="7" name="Slide Number Placeholder 6">
             <a:extLst>
               <a:ext uri="{FF2B5EF4-FFF2-40B4-BE49-F238E27FC236}">
-                <a16:creationId xmlns="" xmlns:a16="http://schemas.microsoft.com/office/drawing/2014/main" id="{6173C552-D150-C781-6D84-17DA2BBF1656}"/>
+                <a16:creationId xmlns:a16="http://schemas.microsoft.com/office/drawing/2014/main" xmlns="" id="{6173C552-D150-C781-6D84-17DA2BBF1656}"/>
               </a:ext>
             </a:extLst>
           </p:cNvPr>
@@ -3035,7 +2982,7 @@
           <p:cNvPr id="2" name="Title 1">
             <a:extLst>
               <a:ext uri="{FF2B5EF4-FFF2-40B4-BE49-F238E27FC236}">
-                <a16:creationId xmlns="" xmlns:a16="http://schemas.microsoft.com/office/drawing/2014/main" id="{86A723BF-75CB-BA9C-52EC-1BAAA2273C37}"/>
+                <a16:creationId xmlns:a16="http://schemas.microsoft.com/office/drawing/2014/main" xmlns="" id="{86A723BF-75CB-BA9C-52EC-1BAAA2273C37}"/>
               </a:ext>
             </a:extLst>
           </p:cNvPr>
@@ -3072,7 +3019,7 @@
           <p:cNvPr id="3" name="Picture Placeholder 2">
             <a:extLst>
               <a:ext uri="{FF2B5EF4-FFF2-40B4-BE49-F238E27FC236}">
-                <a16:creationId xmlns="" xmlns:a16="http://schemas.microsoft.com/office/drawing/2014/main" id="{D7342387-DCA6-0EBE-87AD-F51858ADD85C}"/>
+                <a16:creationId xmlns:a16="http://schemas.microsoft.com/office/drawing/2014/main" xmlns="" id="{D7342387-DCA6-0EBE-87AD-F51858ADD85C}"/>
               </a:ext>
             </a:extLst>
           </p:cNvPr>
@@ -3139,7 +3086,7 @@
           <p:cNvPr id="4" name="Text Placeholder 3">
             <a:extLst>
               <a:ext uri="{FF2B5EF4-FFF2-40B4-BE49-F238E27FC236}">
-                <a16:creationId xmlns="" xmlns:a16="http://schemas.microsoft.com/office/drawing/2014/main" id="{4914F6DB-85BF-D03D-EE41-A7B0601C1B49}"/>
+                <a16:creationId xmlns:a16="http://schemas.microsoft.com/office/drawing/2014/main" xmlns="" id="{4914F6DB-85BF-D03D-EE41-A7B0601C1B49}"/>
               </a:ext>
             </a:extLst>
           </p:cNvPr>
@@ -3210,7 +3157,7 @@
           <p:cNvPr id="5" name="Date Placeholder 4">
             <a:extLst>
               <a:ext uri="{FF2B5EF4-FFF2-40B4-BE49-F238E27FC236}">
-                <a16:creationId xmlns="" xmlns:a16="http://schemas.microsoft.com/office/drawing/2014/main" id="{EFF8CA06-1788-C8CE-9527-09F3A79C0B43}"/>
+                <a16:creationId xmlns:a16="http://schemas.microsoft.com/office/drawing/2014/main" xmlns="" id="{EFF8CA06-1788-C8CE-9527-09F3A79C0B43}"/>
               </a:ext>
             </a:extLst>
           </p:cNvPr>
@@ -3228,7 +3175,7 @@
           <a:p>
             <a:fld id="{D0854996-1FBB-4E33-95BB-317CB7872D99}" type="datetimeFigureOut">
               <a:rPr lang="en-US" smtClean="0"/>
-              <a:t>4/29/2023</a:t>
+              <a:t>5/3/2023</a:t>
             </a:fld>
             <a:endParaRPr lang="en-US"/>
           </a:p>
@@ -3239,7 +3186,7 @@
           <p:cNvPr id="6" name="Footer Placeholder 5">
             <a:extLst>
               <a:ext uri="{FF2B5EF4-FFF2-40B4-BE49-F238E27FC236}">
-                <a16:creationId xmlns="" xmlns:a16="http://schemas.microsoft.com/office/drawing/2014/main" id="{637E81F4-FE36-EC6A-644C-8B7717C70BB1}"/>
+                <a16:creationId xmlns:a16="http://schemas.microsoft.com/office/drawing/2014/main" xmlns="" id="{637E81F4-FE36-EC6A-644C-8B7717C70BB1}"/>
               </a:ext>
             </a:extLst>
           </p:cNvPr>
@@ -3264,7 +3211,7 @@
           <p:cNvPr id="7" name="Slide Number Placeholder 6">
             <a:extLst>
               <a:ext uri="{FF2B5EF4-FFF2-40B4-BE49-F238E27FC236}">
-                <a16:creationId xmlns="" xmlns:a16="http://schemas.microsoft.com/office/drawing/2014/main" id="{CD942980-D98D-3100-036C-E95E52FEB56D}"/>
+                <a16:creationId xmlns:a16="http://schemas.microsoft.com/office/drawing/2014/main" xmlns="" id="{CD942980-D98D-3100-036C-E95E52FEB56D}"/>
               </a:ext>
             </a:extLst>
           </p:cNvPr>
@@ -3328,7 +3275,7 @@
           <p:cNvPr id="2" name="Title Placeholder 1">
             <a:extLst>
               <a:ext uri="{FF2B5EF4-FFF2-40B4-BE49-F238E27FC236}">
-                <a16:creationId xmlns="" xmlns:a16="http://schemas.microsoft.com/office/drawing/2014/main" id="{D2A0DF5A-3A69-A5EC-E167-4D8338DCD260}"/>
+                <a16:creationId xmlns:a16="http://schemas.microsoft.com/office/drawing/2014/main" xmlns="" id="{D2A0DF5A-3A69-A5EC-E167-4D8338DCD260}"/>
               </a:ext>
             </a:extLst>
           </p:cNvPr>
@@ -3366,7 +3313,7 @@
           <p:cNvPr id="3" name="Text Placeholder 2">
             <a:extLst>
               <a:ext uri="{FF2B5EF4-FFF2-40B4-BE49-F238E27FC236}">
-                <a16:creationId xmlns="" xmlns:a16="http://schemas.microsoft.com/office/drawing/2014/main" id="{D6C72EDA-195E-D008-9012-693195B751A6}"/>
+                <a16:creationId xmlns:a16="http://schemas.microsoft.com/office/drawing/2014/main" xmlns="" id="{D6C72EDA-195E-D008-9012-693195B751A6}"/>
               </a:ext>
             </a:extLst>
           </p:cNvPr>
@@ -3433,7 +3380,7 @@
           <p:cNvPr id="4" name="Date Placeholder 3">
             <a:extLst>
               <a:ext uri="{FF2B5EF4-FFF2-40B4-BE49-F238E27FC236}">
-                <a16:creationId xmlns="" xmlns:a16="http://schemas.microsoft.com/office/drawing/2014/main" id="{B4F781D0-7BBD-6ACD-E311-BBECA04468ED}"/>
+                <a16:creationId xmlns:a16="http://schemas.microsoft.com/office/drawing/2014/main" xmlns="" id="{B4F781D0-7BBD-6ACD-E311-BBECA04468ED}"/>
               </a:ext>
             </a:extLst>
           </p:cNvPr>
@@ -3469,7 +3416,7 @@
           <a:p>
             <a:fld id="{D0854996-1FBB-4E33-95BB-317CB7872D99}" type="datetimeFigureOut">
               <a:rPr lang="en-US" smtClean="0"/>
-              <a:t>4/29/2023</a:t>
+              <a:t>5/3/2023</a:t>
             </a:fld>
             <a:endParaRPr lang="en-US"/>
           </a:p>
@@ -3480,7 +3427,7 @@
           <p:cNvPr id="5" name="Footer Placeholder 4">
             <a:extLst>
               <a:ext uri="{FF2B5EF4-FFF2-40B4-BE49-F238E27FC236}">
-                <a16:creationId xmlns="" xmlns:a16="http://schemas.microsoft.com/office/drawing/2014/main" id="{02469B86-7943-5512-14B4-A5099AFAEED6}"/>
+                <a16:creationId xmlns:a16="http://schemas.microsoft.com/office/drawing/2014/main" xmlns="" id="{02469B86-7943-5512-14B4-A5099AFAEED6}"/>
               </a:ext>
             </a:extLst>
           </p:cNvPr>
@@ -3523,7 +3470,7 @@
           <p:cNvPr id="6" name="Slide Number Placeholder 5">
             <a:extLst>
               <a:ext uri="{FF2B5EF4-FFF2-40B4-BE49-F238E27FC236}">
-                <a16:creationId xmlns="" xmlns:a16="http://schemas.microsoft.com/office/drawing/2014/main" id="{DC623C1E-0FC3-571B-9CE7-2037AA9F7240}"/>
+                <a16:creationId xmlns:a16="http://schemas.microsoft.com/office/drawing/2014/main" xmlns="" id="{DC623C1E-0FC3-571B-9CE7-2037AA9F7240}"/>
               </a:ext>
             </a:extLst>
           </p:cNvPr>
@@ -3891,7 +3838,7 @@
           <p:cNvPr id="2" name="Title 1">
             <a:extLst>
               <a:ext uri="{FF2B5EF4-FFF2-40B4-BE49-F238E27FC236}">
-                <a16:creationId xmlns="" xmlns:a16="http://schemas.microsoft.com/office/drawing/2014/main" id="{E40C16C4-4789-4048-D9A5-1506B502EF1C}"/>
+                <a16:creationId xmlns:a16="http://schemas.microsoft.com/office/drawing/2014/main" xmlns="" id="{E40C16C4-4789-4048-D9A5-1506B502EF1C}"/>
               </a:ext>
             </a:extLst>
           </p:cNvPr>
@@ -3899,13 +3846,13 @@
             <a:spLocks noGrp="1"/>
           </p:cNvSpPr>
           <p:nvPr>
-            <p:ph type="ctrTitle"/>
+            <p:ph type="title"/>
           </p:nvPr>
         </p:nvSpPr>
         <p:spPr>
           <a:xfrm>
-            <a:off x="1524000" y="313899"/>
-            <a:ext cx="9144000" cy="3196064"/>
+            <a:off x="838200" y="365125"/>
+            <a:ext cx="10515600" cy="5761355"/>
           </a:xfrm>
         </p:spPr>
         <p:txBody>
@@ -3914,58 +3861,33 @@
           </a:bodyPr>
           <a:lstStyle/>
           <a:p>
-            <a:r>
-              <a:rPr lang="en-US" sz="5300" b="1" dirty="0" smtClean="0"/>
-              <a:t>An Exploratory Data Analysis on the Orlando Magic</a:t>
-            </a:r>
-            <a:r>
-              <a:rPr lang="en-US" b="1" dirty="0" smtClean="0"/>
+            <a:pPr algn="ctr"/>
+            <a:r>
+              <a:rPr lang="en-US" sz="4800" dirty="0"/>
+              <a:t>An Exploratory Data Analysis  (EDA)</a:t>
+            </a:r>
+            <a:br>
+              <a:rPr lang="en-US" sz="4800" dirty="0"/>
+            </a:br>
+            <a:r>
+              <a:rPr lang="en-US" dirty="0"/>
+              <a:t>of the </a:t>
+            </a:r>
+            <a:r>
+              <a:rPr lang="en-US" sz="5400" dirty="0"/>
               <a:t/>
             </a:r>
             <a:br>
-              <a:rPr lang="en-US" b="1" dirty="0" smtClean="0"/>
+              <a:rPr lang="en-US" sz="5400" dirty="0"/>
             </a:br>
             <a:r>
-              <a:rPr lang="en-US" sz="4000" dirty="0" smtClean="0"/>
-              <a:t>by</a:t>
+              <a:rPr lang="en-US" sz="6000" b="1" dirty="0"/>
+              <a:t>Orlando Magic</a:t>
             </a:r>
             <a:br>
-              <a:rPr lang="en-US" sz="4000" dirty="0" smtClean="0"/>
+              <a:rPr lang="en-US" sz="6000" b="1" dirty="0"/>
             </a:br>
-            <a:r>
-              <a:rPr lang="en-US" sz="4000" dirty="0" smtClean="0"/>
-              <a:t> Exploratory Magic</a:t>
-            </a:r>
-            <a:endParaRPr lang="en-US" sz="4000" dirty="0"/>
-          </a:p>
-        </p:txBody>
-      </p:sp>
-      <p:sp>
-        <p:nvSpPr>
-          <p:cNvPr id="3" name="Subtitle 2">
-            <a:extLst>
-              <a:ext uri="{FF2B5EF4-FFF2-40B4-BE49-F238E27FC236}">
-                <a16:creationId xmlns="" xmlns:a16="http://schemas.microsoft.com/office/drawing/2014/main" id="{07F6D285-7AC3-A23B-DD7D-14F55FF1D9FA}"/>
-              </a:ext>
-            </a:extLst>
-          </p:cNvPr>
-          <p:cNvSpPr>
-            <a:spLocks noGrp="1"/>
-          </p:cNvSpPr>
-          <p:nvPr>
-            <p:ph type="subTitle" idx="1"/>
-          </p:nvPr>
-        </p:nvSpPr>
-        <p:spPr/>
-        <p:txBody>
-          <a:bodyPr/>
-          <a:lstStyle/>
-          <a:p>
-            <a:r>
-              <a:rPr lang="en-US" dirty="0" smtClean="0"/>
-              <a:t>Let our analysis transform your business into a champion.</a:t>
-            </a:r>
-            <a:endParaRPr lang="en-US" dirty="0"/>
+            <a:endParaRPr lang="en-US" sz="6000" dirty="0"/>
           </a:p>
         </p:txBody>
       </p:sp>
@@ -3989,6 +3911,1659 @@
 </p:sld>
 </file>
 
+<file path=ppt/slides/slide10.xml><?xml version="1.0" encoding="utf-8"?>
+<p:sld xmlns:a="http://schemas.openxmlformats.org/drawingml/2006/main" xmlns:r="http://schemas.openxmlformats.org/officeDocument/2006/relationships" xmlns:p="http://schemas.openxmlformats.org/presentationml/2006/main">
+  <p:cSld>
+    <p:spTree>
+      <p:nvGrpSpPr>
+        <p:cNvPr id="1" name=""/>
+        <p:cNvGrpSpPr/>
+        <p:nvPr/>
+      </p:nvGrpSpPr>
+      <p:grpSpPr>
+        <a:xfrm>
+          <a:off x="0" y="0"/>
+          <a:ext cx="0" cy="0"/>
+          <a:chOff x="0" y="0"/>
+          <a:chExt cx="0" cy="0"/>
+        </a:xfrm>
+      </p:grpSpPr>
+      <p:sp>
+        <p:nvSpPr>
+          <p:cNvPr id="2" name="Title 1"/>
+          <p:cNvSpPr>
+            <a:spLocks noGrp="1"/>
+          </p:cNvSpPr>
+          <p:nvPr>
+            <p:ph type="title"/>
+          </p:nvPr>
+        </p:nvSpPr>
+        <p:spPr>
+          <a:xfrm>
+            <a:off x="831850" y="239561"/>
+            <a:ext cx="10515600" cy="1427874"/>
+          </a:xfrm>
+        </p:spPr>
+        <p:txBody>
+          <a:bodyPr>
+            <a:normAutofit/>
+          </a:bodyPr>
+          <a:lstStyle/>
+          <a:p>
+            <a:pPr algn="ctr"/>
+            <a:r>
+              <a:rPr lang="en-US" dirty="0">
+                <a:solidFill>
+                  <a:prstClr val="black"/>
+                </a:solidFill>
+              </a:rPr>
+              <a:t>SECTION </a:t>
+            </a:r>
+            <a:r>
+              <a:rPr lang="en-US" dirty="0" smtClean="0">
+                <a:solidFill>
+                  <a:prstClr val="black"/>
+                </a:solidFill>
+              </a:rPr>
+              <a:t>3</a:t>
+            </a:r>
+            <a:endParaRPr lang="en-US" sz="2400" dirty="0"/>
+          </a:p>
+        </p:txBody>
+      </p:sp>
+      <p:sp>
+        <p:nvSpPr>
+          <p:cNvPr id="3" name="Text Placeholder 2"/>
+          <p:cNvSpPr>
+            <a:spLocks noGrp="1"/>
+          </p:cNvSpPr>
+          <p:nvPr>
+            <p:ph type="body" idx="1"/>
+          </p:nvPr>
+        </p:nvSpPr>
+        <p:spPr>
+          <a:xfrm>
+            <a:off x="831850" y="1721224"/>
+            <a:ext cx="10515600" cy="4912657"/>
+          </a:xfrm>
+        </p:spPr>
+        <p:txBody>
+          <a:bodyPr>
+            <a:noAutofit/>
+          </a:bodyPr>
+          <a:lstStyle/>
+          <a:p>
+            <a:pPr>
+              <a:buFont typeface="Arial"/>
+              <a:buChar char="•"/>
+            </a:pPr>
+            <a:r>
+              <a:rPr lang="en-US" sz="1600" dirty="0" smtClean="0">
+                <a:solidFill>
+                  <a:srgbClr val="2B2B2B"/>
+                </a:solidFill>
+              </a:rPr>
+              <a:t>Course requirement</a:t>
+            </a:r>
+          </a:p>
+          <a:p>
+            <a:pPr lvl="1">
+              <a:buFont typeface="Arial"/>
+              <a:buChar char="•"/>
+            </a:pPr>
+            <a:r>
+              <a:rPr lang="en-US" sz="1600" dirty="0">
+                <a:solidFill>
+                  <a:srgbClr val="2B2B2B"/>
+                </a:solidFill>
+              </a:rPr>
+              <a:t>The approach that your group took to achieve the project goals:</a:t>
+            </a:r>
+          </a:p>
+          <a:p>
+            <a:pPr marL="1200150" lvl="2" indent="-285750">
+              <a:buFont typeface="Arial"/>
+              <a:buChar char="•"/>
+            </a:pPr>
+            <a:r>
+              <a:rPr lang="en-US" sz="1600" dirty="0">
+                <a:solidFill>
+                  <a:srgbClr val="2B2B2B"/>
+                </a:solidFill>
+              </a:rPr>
+              <a:t>Include any relevant code or demonstrations of the application or analysis.</a:t>
+            </a:r>
+          </a:p>
+          <a:p>
+            <a:pPr marL="1200150" lvl="2" indent="-285750">
+              <a:buFont typeface="Arial"/>
+              <a:buChar char="•"/>
+            </a:pPr>
+            <a:r>
+              <a:rPr lang="en-US" sz="1600" dirty="0">
+                <a:solidFill>
+                  <a:srgbClr val="2B2B2B"/>
+                </a:solidFill>
+              </a:rPr>
+              <a:t>Discuss </a:t>
+            </a:r>
+            <a:r>
+              <a:rPr lang="en-US" sz="1600" dirty="0" smtClean="0">
+                <a:solidFill>
+                  <a:srgbClr val="2B2B2B"/>
+                </a:solidFill>
+              </a:rPr>
+              <a:t> any </a:t>
+            </a:r>
+            <a:r>
+              <a:rPr lang="en-US" sz="1600" dirty="0">
+                <a:solidFill>
+                  <a:srgbClr val="2B2B2B"/>
+                </a:solidFill>
+              </a:rPr>
+              <a:t>unanticipated insights or problems that arose and how you resolved them</a:t>
+            </a:r>
+            <a:r>
+              <a:rPr lang="en-US" sz="1600" dirty="0" smtClean="0">
+                <a:solidFill>
+                  <a:srgbClr val="2B2B2B"/>
+                </a:solidFill>
+              </a:rPr>
+              <a:t>.</a:t>
+            </a:r>
+          </a:p>
+          <a:p>
+            <a:pPr marL="285750" indent="-285750">
+              <a:buFont typeface="Arial"/>
+              <a:buChar char="•"/>
+            </a:pPr>
+            <a:r>
+              <a:rPr lang="en-US" sz="1600" dirty="0" smtClean="0">
+                <a:solidFill>
+                  <a:srgbClr val="2B2B2B"/>
+                </a:solidFill>
+              </a:rPr>
+              <a:t>Cindy’s requirement</a:t>
+            </a:r>
+          </a:p>
+          <a:p>
+            <a:pPr marL="742950" lvl="1" indent="-285750">
+              <a:buFont typeface="Arial"/>
+              <a:buChar char="•"/>
+            </a:pPr>
+            <a:r>
+              <a:rPr lang="en-US" sz="1600" dirty="0" smtClean="0">
+                <a:solidFill>
+                  <a:srgbClr val="2B2B2B"/>
+                </a:solidFill>
+              </a:rPr>
+              <a:t>The analysis process (accompanied by your </a:t>
+            </a:r>
+            <a:r>
+              <a:rPr lang="en-US" sz="1600" dirty="0" err="1" smtClean="0">
+                <a:solidFill>
+                  <a:srgbClr val="2B2B2B"/>
+                </a:solidFill>
+              </a:rPr>
+              <a:t>Jupyter</a:t>
+            </a:r>
+            <a:r>
+              <a:rPr lang="en-US" sz="1600" dirty="0" smtClean="0">
+                <a:solidFill>
+                  <a:srgbClr val="2B2B2B"/>
+                </a:solidFill>
+              </a:rPr>
+              <a:t> Notebook)</a:t>
+            </a:r>
+            <a:endParaRPr lang="en-US" sz="1600" dirty="0">
+              <a:solidFill>
+                <a:srgbClr val="2B2B2B"/>
+              </a:solidFill>
+            </a:endParaRPr>
+          </a:p>
+          <a:p>
+            <a:pPr marL="285750" indent="-285750">
+              <a:buFont typeface="Arial"/>
+              <a:buChar char="•"/>
+            </a:pPr>
+            <a:r>
+              <a:rPr lang="en-US" sz="1600" dirty="0" smtClean="0">
+                <a:solidFill>
+                  <a:srgbClr val="2B2B2B"/>
+                </a:solidFill>
+              </a:rPr>
+              <a:t>Time: 2 Minutes</a:t>
+            </a:r>
+          </a:p>
+          <a:p>
+            <a:pPr marL="285750" indent="-285750">
+              <a:buFont typeface="Arial"/>
+              <a:buChar char="•"/>
+            </a:pPr>
+            <a:r>
+              <a:rPr lang="en-US" sz="1600" dirty="0" smtClean="0">
+                <a:solidFill>
+                  <a:srgbClr val="2B2B2B"/>
+                </a:solidFill>
+              </a:rPr>
+              <a:t>Assignment</a:t>
+            </a:r>
+          </a:p>
+          <a:p>
+            <a:pPr marL="742950" lvl="1" indent="-285750">
+              <a:buFont typeface="Arial"/>
+              <a:buChar char="•"/>
+            </a:pPr>
+            <a:r>
+              <a:rPr lang="en-US" sz="1600" dirty="0" smtClean="0">
+                <a:solidFill>
+                  <a:srgbClr val="2B2B2B"/>
+                </a:solidFill>
+              </a:rPr>
+              <a:t>Intro – Candace</a:t>
+            </a:r>
+          </a:p>
+          <a:p>
+            <a:pPr marL="1200150" lvl="2" indent="-285750">
+              <a:buFont typeface="Arial"/>
+              <a:buChar char="•"/>
+            </a:pPr>
+            <a:r>
+              <a:rPr lang="en-US" sz="1600" dirty="0" smtClean="0">
+                <a:solidFill>
+                  <a:srgbClr val="2B2B2B"/>
+                </a:solidFill>
+              </a:rPr>
+              <a:t>Slides</a:t>
+            </a:r>
+          </a:p>
+          <a:p>
+            <a:pPr marL="1657350" lvl="3" indent="-285750">
+              <a:buFont typeface="Arial"/>
+              <a:buChar char="•"/>
+            </a:pPr>
+            <a:r>
+              <a:rPr lang="en-US" dirty="0" smtClean="0">
+                <a:solidFill>
+                  <a:srgbClr val="2B2B2B"/>
+                </a:solidFill>
+              </a:rPr>
+              <a:t>Candace</a:t>
+            </a:r>
+          </a:p>
+          <a:p>
+            <a:pPr marL="1657350" lvl="3" indent="-285750">
+              <a:buFont typeface="Arial"/>
+              <a:buChar char="•"/>
+            </a:pPr>
+            <a:r>
+              <a:rPr lang="en-US" dirty="0" smtClean="0">
+                <a:solidFill>
+                  <a:srgbClr val="2B2B2B"/>
+                </a:solidFill>
+              </a:rPr>
+              <a:t>Brenton</a:t>
+            </a:r>
+          </a:p>
+          <a:p>
+            <a:pPr marL="1657350" lvl="3" indent="-285750">
+              <a:buFont typeface="Arial"/>
+              <a:buChar char="•"/>
+            </a:pPr>
+            <a:r>
+              <a:rPr lang="en-US" dirty="0" smtClean="0">
+                <a:solidFill>
+                  <a:srgbClr val="2B2B2B"/>
+                </a:solidFill>
+              </a:rPr>
+              <a:t>Dario</a:t>
+            </a:r>
+          </a:p>
+          <a:p>
+            <a:pPr marL="1657350" lvl="3" indent="-285750">
+              <a:buFont typeface="Arial"/>
+              <a:buChar char="•"/>
+            </a:pPr>
+            <a:r>
+              <a:rPr lang="en-US" dirty="0" smtClean="0">
+                <a:solidFill>
+                  <a:srgbClr val="2B2B2B"/>
+                </a:solidFill>
+              </a:rPr>
+              <a:t>Mark</a:t>
+            </a:r>
+          </a:p>
+          <a:p>
+            <a:pPr marL="1657350" lvl="3" indent="-285750">
+              <a:buFont typeface="Arial"/>
+              <a:buChar char="•"/>
+            </a:pPr>
+            <a:r>
+              <a:rPr lang="en-US" dirty="0" smtClean="0">
+                <a:solidFill>
+                  <a:srgbClr val="2B2B2B"/>
+                </a:solidFill>
+              </a:rPr>
+              <a:t>Jessica</a:t>
+            </a:r>
+          </a:p>
+          <a:p>
+            <a:pPr lvl="3"/>
+            <a:r>
+              <a:rPr lang="en-US" dirty="0" smtClean="0">
+                <a:solidFill>
+                  <a:srgbClr val="2B2B2B"/>
+                </a:solidFill>
+              </a:rPr>
+              <a:t>	</a:t>
+            </a:r>
+            <a:endParaRPr lang="en-US" dirty="0" smtClean="0"/>
+          </a:p>
+          <a:p>
+            <a:endParaRPr lang="en-US" sz="1600" dirty="0"/>
+          </a:p>
+        </p:txBody>
+      </p:sp>
+    </p:spTree>
+    <p:extLst>
+      <p:ext uri="{BB962C8B-B14F-4D97-AF65-F5344CB8AC3E}">
+        <p14:creationId xmlns:p14="http://schemas.microsoft.com/office/powerpoint/2010/main" val="846020092"/>
+      </p:ext>
+    </p:extLst>
+  </p:cSld>
+  <p:clrMapOvr>
+    <a:masterClrMapping/>
+  </p:clrMapOvr>
+  <p:timing>
+    <p:tnLst>
+      <p:par>
+        <p:cTn id="1" dur="indefinite" restart="never" nodeType="tmRoot"/>
+      </p:par>
+    </p:tnLst>
+  </p:timing>
+</p:sld>
+</file>
+
+<file path=ppt/slides/slide11.xml><?xml version="1.0" encoding="utf-8"?>
+<p:sld xmlns:a="http://schemas.openxmlformats.org/drawingml/2006/main" xmlns:r="http://schemas.openxmlformats.org/officeDocument/2006/relationships" xmlns:p="http://schemas.openxmlformats.org/presentationml/2006/main">
+  <p:cSld>
+    <p:spTree>
+      <p:nvGrpSpPr>
+        <p:cNvPr id="1" name=""/>
+        <p:cNvGrpSpPr/>
+        <p:nvPr/>
+      </p:nvGrpSpPr>
+      <p:grpSpPr>
+        <a:xfrm>
+          <a:off x="0" y="0"/>
+          <a:ext cx="0" cy="0"/>
+          <a:chOff x="0" y="0"/>
+          <a:chExt cx="0" cy="0"/>
+        </a:xfrm>
+      </p:grpSpPr>
+      <p:sp>
+        <p:nvSpPr>
+          <p:cNvPr id="2" name="Title 1"/>
+          <p:cNvSpPr>
+            <a:spLocks noGrp="1"/>
+          </p:cNvSpPr>
+          <p:nvPr>
+            <p:ph type="title"/>
+          </p:nvPr>
+        </p:nvSpPr>
+        <p:spPr/>
+        <p:txBody>
+          <a:bodyPr>
+            <a:normAutofit/>
+          </a:bodyPr>
+          <a:lstStyle/>
+          <a:p>
+            <a:pPr algn="ctr"/>
+            <a:r>
+              <a:rPr lang="en-US" sz="3600" b="1" dirty="0">
+                <a:solidFill>
+                  <a:prstClr val="black"/>
+                </a:solidFill>
+              </a:rPr>
+              <a:t>Question 1 – Regular Season vs Playoff Percentage</a:t>
+            </a:r>
+            <a:endParaRPr lang="en-US" sz="2800" b="1" dirty="0"/>
+          </a:p>
+        </p:txBody>
+      </p:sp>
+      <p:sp>
+        <p:nvSpPr>
+          <p:cNvPr id="3" name="Content Placeholder 2"/>
+          <p:cNvSpPr>
+            <a:spLocks noGrp="1"/>
+          </p:cNvSpPr>
+          <p:nvPr>
+            <p:ph idx="1"/>
+          </p:nvPr>
+        </p:nvSpPr>
+        <p:spPr/>
+        <p:txBody>
+          <a:bodyPr/>
+          <a:lstStyle/>
+          <a:p>
+            <a:r>
+              <a:rPr lang="en-US" dirty="0" smtClean="0"/>
+              <a:t>Data was collected through the python module </a:t>
+            </a:r>
+            <a:r>
+              <a:rPr lang="en-US" dirty="0" err="1" smtClean="0"/>
+              <a:t>nba_api</a:t>
+            </a:r>
+            <a:endParaRPr lang="en-US" dirty="0" smtClean="0"/>
+          </a:p>
+          <a:p>
+            <a:r>
+              <a:rPr lang="en-US" dirty="0" smtClean="0"/>
+              <a:t>The data was filtered to include only seasons where the Magic made the playoffs</a:t>
+            </a:r>
+          </a:p>
+          <a:p>
+            <a:r>
+              <a:rPr lang="en-US" dirty="0" smtClean="0"/>
+              <a:t>A two-plot line chart was created to show the different winning percentages</a:t>
+            </a:r>
+          </a:p>
+          <a:p>
+            <a:r>
+              <a:rPr lang="en-US" dirty="0" smtClean="0"/>
+              <a:t>A bar chart was created to show the number of games played in each playoff season</a:t>
+            </a:r>
+          </a:p>
+          <a:p>
+            <a:r>
+              <a:rPr lang="en-US" dirty="0" smtClean="0"/>
+              <a:t>A T test was applied to determine whether or not there was a correlation </a:t>
+            </a:r>
+            <a:endParaRPr lang="en-US" dirty="0"/>
+          </a:p>
+        </p:txBody>
+      </p:sp>
+    </p:spTree>
+    <p:extLst>
+      <p:ext uri="{BB962C8B-B14F-4D97-AF65-F5344CB8AC3E}">
+        <p14:creationId xmlns:p14="http://schemas.microsoft.com/office/powerpoint/2010/main" val="235788088"/>
+      </p:ext>
+    </p:extLst>
+  </p:cSld>
+  <p:clrMapOvr>
+    <a:masterClrMapping/>
+  </p:clrMapOvr>
+  <p:timing>
+    <p:tnLst>
+      <p:par>
+        <p:cTn id="1" dur="indefinite" restart="never" nodeType="tmRoot"/>
+      </p:par>
+    </p:tnLst>
+  </p:timing>
+</p:sld>
+</file>
+
+<file path=ppt/slides/slide12.xml><?xml version="1.0" encoding="utf-8"?>
+<p:sld xmlns:a="http://schemas.openxmlformats.org/drawingml/2006/main" xmlns:r="http://schemas.openxmlformats.org/officeDocument/2006/relationships" xmlns:p="http://schemas.openxmlformats.org/presentationml/2006/main">
+  <p:cSld>
+    <p:spTree>
+      <p:nvGrpSpPr>
+        <p:cNvPr id="1" name=""/>
+        <p:cNvGrpSpPr/>
+        <p:nvPr/>
+      </p:nvGrpSpPr>
+      <p:grpSpPr>
+        <a:xfrm>
+          <a:off x="0" y="0"/>
+          <a:ext cx="0" cy="0"/>
+          <a:chOff x="0" y="0"/>
+          <a:chExt cx="0" cy="0"/>
+        </a:xfrm>
+      </p:grpSpPr>
+      <p:sp>
+        <p:nvSpPr>
+          <p:cNvPr id="2" name="Title 1">
+            <a:extLst>
+              <a:ext uri="{FF2B5EF4-FFF2-40B4-BE49-F238E27FC236}">
+                <a16:creationId xmlns:a16="http://schemas.microsoft.com/office/drawing/2014/main" xmlns="" id="{F231DA39-FB02-DB33-0970-E23096131913}"/>
+              </a:ext>
+            </a:extLst>
+          </p:cNvPr>
+          <p:cNvSpPr>
+            <a:spLocks noGrp="1"/>
+          </p:cNvSpPr>
+          <p:nvPr>
+            <p:ph type="title"/>
+          </p:nvPr>
+        </p:nvSpPr>
+        <p:spPr/>
+        <p:txBody>
+          <a:bodyPr/>
+          <a:lstStyle/>
+          <a:p>
+            <a:pPr algn="ctr"/>
+            <a:r>
+              <a:rPr lang="en-US" b="1" dirty="0"/>
+              <a:t>Question 4 - </a:t>
+            </a:r>
+            <a:r>
+              <a:rPr lang="en-US" b="1" dirty="0">
+                <a:solidFill>
+                  <a:srgbClr val="000000"/>
+                </a:solidFill>
+              </a:rPr>
+              <a:t>KPIs most closely </a:t>
+            </a:r>
+            <a:r>
+              <a:rPr lang="en-US" b="1" dirty="0" smtClean="0">
+                <a:solidFill>
+                  <a:srgbClr val="000000"/>
+                </a:solidFill>
+              </a:rPr>
+              <a:t>related </a:t>
+            </a:r>
+            <a:r>
+              <a:rPr lang="en-US" b="1" dirty="0">
+                <a:solidFill>
+                  <a:srgbClr val="000000"/>
+                </a:solidFill>
+              </a:rPr>
+              <a:t>to wins </a:t>
+            </a:r>
+            <a:r>
+              <a:rPr lang="en-US" b="1" dirty="0" smtClean="0"/>
+              <a:t/>
+            </a:r>
+            <a:br>
+              <a:rPr lang="en-US" b="1" dirty="0" smtClean="0"/>
+            </a:br>
+            <a:r>
+              <a:rPr lang="en-US" dirty="0"/>
+              <a:t> KPIs studied for the Orlando Magic</a:t>
+            </a:r>
+          </a:p>
+        </p:txBody>
+      </p:sp>
+      <p:sp>
+        <p:nvSpPr>
+          <p:cNvPr id="3" name="Content Placeholder 2">
+            <a:extLst>
+              <a:ext uri="{FF2B5EF4-FFF2-40B4-BE49-F238E27FC236}">
+                <a16:creationId xmlns:a16="http://schemas.microsoft.com/office/drawing/2014/main" xmlns="" id="{6CBB8C9F-8AF7-7AF3-C4F4-7DEDCFB073B7}"/>
+              </a:ext>
+            </a:extLst>
+          </p:cNvPr>
+          <p:cNvSpPr>
+            <a:spLocks noGrp="1"/>
+          </p:cNvSpPr>
+          <p:nvPr>
+            <p:ph idx="1"/>
+          </p:nvPr>
+        </p:nvSpPr>
+        <p:spPr/>
+        <p:txBody>
+          <a:bodyPr/>
+          <a:lstStyle/>
+          <a:p>
+            <a:r>
+              <a:rPr lang="en-US" dirty="0"/>
+              <a:t>Steals </a:t>
+            </a:r>
+          </a:p>
+          <a:p>
+            <a:r>
+              <a:rPr lang="en-US" dirty="0"/>
+              <a:t>Blocks </a:t>
+            </a:r>
+          </a:p>
+          <a:p>
+            <a:r>
+              <a:rPr lang="en-US" dirty="0"/>
+              <a:t>Turnover </a:t>
+            </a:r>
+          </a:p>
+          <a:p>
+            <a:r>
+              <a:rPr lang="en-US" dirty="0"/>
+              <a:t>Field Goals Made </a:t>
+            </a:r>
+          </a:p>
+          <a:p>
+            <a:r>
+              <a:rPr lang="en-US" dirty="0"/>
+              <a:t>3 Points Made </a:t>
+            </a:r>
+          </a:p>
+          <a:p>
+            <a:r>
+              <a:rPr lang="en-US" dirty="0"/>
+              <a:t>Free Throw Made </a:t>
+            </a:r>
+          </a:p>
+          <a:p>
+            <a:r>
+              <a:rPr lang="en-US" dirty="0"/>
+              <a:t>Rebounds – includes offensive and defensives</a:t>
+            </a:r>
+          </a:p>
+          <a:p>
+            <a:endParaRPr lang="en-US" dirty="0"/>
+          </a:p>
+          <a:p>
+            <a:endParaRPr lang="en-US" dirty="0"/>
+          </a:p>
+        </p:txBody>
+      </p:sp>
+    </p:spTree>
+    <p:extLst>
+      <p:ext uri="{BB962C8B-B14F-4D97-AF65-F5344CB8AC3E}">
+        <p14:creationId xmlns:p14="http://schemas.microsoft.com/office/powerpoint/2010/main" val="1664335298"/>
+      </p:ext>
+    </p:extLst>
+  </p:cSld>
+  <p:clrMapOvr>
+    <a:masterClrMapping/>
+  </p:clrMapOvr>
+</p:sld>
+</file>
+
+<file path=ppt/slides/slide13.xml><?xml version="1.0" encoding="utf-8"?>
+<p:sld xmlns:a="http://schemas.openxmlformats.org/drawingml/2006/main" xmlns:r="http://schemas.openxmlformats.org/officeDocument/2006/relationships" xmlns:p="http://schemas.openxmlformats.org/presentationml/2006/main">
+  <p:cSld>
+    <p:spTree>
+      <p:nvGrpSpPr>
+        <p:cNvPr id="1" name=""/>
+        <p:cNvGrpSpPr/>
+        <p:nvPr/>
+      </p:nvGrpSpPr>
+      <p:grpSpPr>
+        <a:xfrm>
+          <a:off x="0" y="0"/>
+          <a:ext cx="0" cy="0"/>
+          <a:chOff x="0" y="0"/>
+          <a:chExt cx="0" cy="0"/>
+        </a:xfrm>
+      </p:grpSpPr>
+      <p:sp>
+        <p:nvSpPr>
+          <p:cNvPr id="2" name="Title 1"/>
+          <p:cNvSpPr>
+            <a:spLocks noGrp="1"/>
+          </p:cNvSpPr>
+          <p:nvPr>
+            <p:ph type="title"/>
+          </p:nvPr>
+        </p:nvSpPr>
+        <p:spPr/>
+        <p:txBody>
+          <a:bodyPr/>
+          <a:lstStyle/>
+          <a:p>
+            <a:r>
+              <a:rPr lang="en-US" dirty="0" smtClean="0"/>
+              <a:t>Candace</a:t>
+            </a:r>
+            <a:endParaRPr lang="en-US" dirty="0"/>
+          </a:p>
+        </p:txBody>
+      </p:sp>
+      <p:sp>
+        <p:nvSpPr>
+          <p:cNvPr id="3" name="Content Placeholder 2"/>
+          <p:cNvSpPr>
+            <a:spLocks noGrp="1"/>
+          </p:cNvSpPr>
+          <p:nvPr>
+            <p:ph idx="1"/>
+          </p:nvPr>
+        </p:nvSpPr>
+        <p:spPr/>
+        <p:txBody>
+          <a:bodyPr/>
+          <a:lstStyle/>
+          <a:p>
+            <a:endParaRPr lang="en-US" dirty="0"/>
+          </a:p>
+        </p:txBody>
+      </p:sp>
+    </p:spTree>
+    <p:extLst>
+      <p:ext uri="{BB962C8B-B14F-4D97-AF65-F5344CB8AC3E}">
+        <p14:creationId xmlns:p14="http://schemas.microsoft.com/office/powerpoint/2010/main" val="763356041"/>
+      </p:ext>
+    </p:extLst>
+  </p:cSld>
+  <p:clrMapOvr>
+    <a:masterClrMapping/>
+  </p:clrMapOvr>
+  <p:timing>
+    <p:tnLst>
+      <p:par>
+        <p:cTn id="1" dur="indefinite" restart="never" nodeType="tmRoot"/>
+      </p:par>
+    </p:tnLst>
+  </p:timing>
+</p:sld>
+</file>
+
+<file path=ppt/slides/slide14.xml><?xml version="1.0" encoding="utf-8"?>
+<p:sld xmlns:a="http://schemas.openxmlformats.org/drawingml/2006/main" xmlns:r="http://schemas.openxmlformats.org/officeDocument/2006/relationships" xmlns:p="http://schemas.openxmlformats.org/presentationml/2006/main">
+  <p:cSld>
+    <p:spTree>
+      <p:nvGrpSpPr>
+        <p:cNvPr id="1" name=""/>
+        <p:cNvGrpSpPr/>
+        <p:nvPr/>
+      </p:nvGrpSpPr>
+      <p:grpSpPr>
+        <a:xfrm>
+          <a:off x="0" y="0"/>
+          <a:ext cx="0" cy="0"/>
+          <a:chOff x="0" y="0"/>
+          <a:chExt cx="0" cy="0"/>
+        </a:xfrm>
+      </p:grpSpPr>
+      <p:sp>
+        <p:nvSpPr>
+          <p:cNvPr id="2" name="Title 1"/>
+          <p:cNvSpPr>
+            <a:spLocks noGrp="1"/>
+          </p:cNvSpPr>
+          <p:nvPr>
+            <p:ph type="title"/>
+          </p:nvPr>
+        </p:nvSpPr>
+        <p:spPr/>
+        <p:txBody>
+          <a:bodyPr/>
+          <a:lstStyle/>
+          <a:p>
+            <a:r>
+              <a:rPr lang="en-US" dirty="0" smtClean="0"/>
+              <a:t>Brenton</a:t>
+            </a:r>
+            <a:endParaRPr lang="en-US" dirty="0"/>
+          </a:p>
+        </p:txBody>
+      </p:sp>
+      <p:sp>
+        <p:nvSpPr>
+          <p:cNvPr id="3" name="Content Placeholder 2"/>
+          <p:cNvSpPr>
+            <a:spLocks noGrp="1"/>
+          </p:cNvSpPr>
+          <p:nvPr>
+            <p:ph idx="1"/>
+          </p:nvPr>
+        </p:nvSpPr>
+        <p:spPr/>
+        <p:txBody>
+          <a:bodyPr/>
+          <a:lstStyle/>
+          <a:p>
+            <a:endParaRPr lang="en-US" dirty="0"/>
+          </a:p>
+        </p:txBody>
+      </p:sp>
+    </p:spTree>
+    <p:extLst>
+      <p:ext uri="{BB962C8B-B14F-4D97-AF65-F5344CB8AC3E}">
+        <p14:creationId xmlns:p14="http://schemas.microsoft.com/office/powerpoint/2010/main" val="2080606105"/>
+      </p:ext>
+    </p:extLst>
+  </p:cSld>
+  <p:clrMapOvr>
+    <a:masterClrMapping/>
+  </p:clrMapOvr>
+  <p:timing>
+    <p:tnLst>
+      <p:par>
+        <p:cTn id="1" dur="indefinite" restart="never" nodeType="tmRoot"/>
+      </p:par>
+    </p:tnLst>
+  </p:timing>
+</p:sld>
+</file>
+
+<file path=ppt/slides/slide15.xml><?xml version="1.0" encoding="utf-8"?>
+<p:sld xmlns:a="http://schemas.openxmlformats.org/drawingml/2006/main" xmlns:r="http://schemas.openxmlformats.org/officeDocument/2006/relationships" xmlns:p="http://schemas.openxmlformats.org/presentationml/2006/main">
+  <p:cSld>
+    <p:spTree>
+      <p:nvGrpSpPr>
+        <p:cNvPr id="1" name=""/>
+        <p:cNvGrpSpPr/>
+        <p:nvPr/>
+      </p:nvGrpSpPr>
+      <p:grpSpPr>
+        <a:xfrm>
+          <a:off x="0" y="0"/>
+          <a:ext cx="0" cy="0"/>
+          <a:chOff x="0" y="0"/>
+          <a:chExt cx="0" cy="0"/>
+        </a:xfrm>
+      </p:grpSpPr>
+      <p:sp>
+        <p:nvSpPr>
+          <p:cNvPr id="2" name="Title 1"/>
+          <p:cNvSpPr>
+            <a:spLocks noGrp="1"/>
+          </p:cNvSpPr>
+          <p:nvPr>
+            <p:ph type="title"/>
+          </p:nvPr>
+        </p:nvSpPr>
+        <p:spPr/>
+        <p:txBody>
+          <a:bodyPr/>
+          <a:lstStyle/>
+          <a:p>
+            <a:r>
+              <a:rPr lang="en-US" dirty="0" smtClean="0"/>
+              <a:t>Dario</a:t>
+            </a:r>
+            <a:endParaRPr lang="en-US" dirty="0"/>
+          </a:p>
+        </p:txBody>
+      </p:sp>
+      <p:sp>
+        <p:nvSpPr>
+          <p:cNvPr id="3" name="Content Placeholder 2"/>
+          <p:cNvSpPr>
+            <a:spLocks noGrp="1"/>
+          </p:cNvSpPr>
+          <p:nvPr>
+            <p:ph idx="1"/>
+          </p:nvPr>
+        </p:nvSpPr>
+        <p:spPr/>
+        <p:txBody>
+          <a:bodyPr/>
+          <a:lstStyle/>
+          <a:p>
+            <a:endParaRPr lang="en-US" dirty="0"/>
+          </a:p>
+        </p:txBody>
+      </p:sp>
+    </p:spTree>
+    <p:extLst>
+      <p:ext uri="{BB962C8B-B14F-4D97-AF65-F5344CB8AC3E}">
+        <p14:creationId xmlns:p14="http://schemas.microsoft.com/office/powerpoint/2010/main" val="3429720316"/>
+      </p:ext>
+    </p:extLst>
+  </p:cSld>
+  <p:clrMapOvr>
+    <a:masterClrMapping/>
+  </p:clrMapOvr>
+  <p:timing>
+    <p:tnLst>
+      <p:par>
+        <p:cTn id="1" dur="indefinite" restart="never" nodeType="tmRoot"/>
+      </p:par>
+    </p:tnLst>
+  </p:timing>
+</p:sld>
+</file>
+
+<file path=ppt/slides/slide16.xml><?xml version="1.0" encoding="utf-8"?>
+<p:sld xmlns:a="http://schemas.openxmlformats.org/drawingml/2006/main" xmlns:r="http://schemas.openxmlformats.org/officeDocument/2006/relationships" xmlns:p="http://schemas.openxmlformats.org/presentationml/2006/main">
+  <p:cSld>
+    <p:spTree>
+      <p:nvGrpSpPr>
+        <p:cNvPr id="1" name=""/>
+        <p:cNvGrpSpPr/>
+        <p:nvPr/>
+      </p:nvGrpSpPr>
+      <p:grpSpPr>
+        <a:xfrm>
+          <a:off x="0" y="0"/>
+          <a:ext cx="0" cy="0"/>
+          <a:chOff x="0" y="0"/>
+          <a:chExt cx="0" cy="0"/>
+        </a:xfrm>
+      </p:grpSpPr>
+      <p:sp>
+        <p:nvSpPr>
+          <p:cNvPr id="2" name="Title 1"/>
+          <p:cNvSpPr>
+            <a:spLocks noGrp="1"/>
+          </p:cNvSpPr>
+          <p:nvPr>
+            <p:ph type="title"/>
+          </p:nvPr>
+        </p:nvSpPr>
+        <p:spPr/>
+        <p:txBody>
+          <a:bodyPr/>
+          <a:lstStyle/>
+          <a:p>
+            <a:r>
+              <a:rPr lang="en-US" dirty="0" smtClean="0"/>
+              <a:t>Jessica	</a:t>
+            </a:r>
+            <a:endParaRPr lang="en-US" dirty="0"/>
+          </a:p>
+        </p:txBody>
+      </p:sp>
+      <p:sp>
+        <p:nvSpPr>
+          <p:cNvPr id="4" name="Content Placeholder 3"/>
+          <p:cNvSpPr>
+            <a:spLocks noGrp="1"/>
+          </p:cNvSpPr>
+          <p:nvPr>
+            <p:ph idx="1"/>
+          </p:nvPr>
+        </p:nvSpPr>
+        <p:spPr/>
+        <p:txBody>
+          <a:bodyPr/>
+          <a:lstStyle/>
+          <a:p>
+            <a:endParaRPr lang="en-US"/>
+          </a:p>
+        </p:txBody>
+      </p:sp>
+    </p:spTree>
+    <p:extLst>
+      <p:ext uri="{BB962C8B-B14F-4D97-AF65-F5344CB8AC3E}">
+        <p14:creationId xmlns:p14="http://schemas.microsoft.com/office/powerpoint/2010/main" val="455439407"/>
+      </p:ext>
+    </p:extLst>
+  </p:cSld>
+  <p:clrMapOvr>
+    <a:masterClrMapping/>
+  </p:clrMapOvr>
+  <p:timing>
+    <p:tnLst>
+      <p:par>
+        <p:cTn id="1" dur="indefinite" restart="never" nodeType="tmRoot"/>
+      </p:par>
+    </p:tnLst>
+  </p:timing>
+</p:sld>
+</file>
+
+<file path=ppt/slides/slide17.xml><?xml version="1.0" encoding="utf-8"?>
+<p:sld xmlns:a="http://schemas.openxmlformats.org/drawingml/2006/main" xmlns:r="http://schemas.openxmlformats.org/officeDocument/2006/relationships" xmlns:p="http://schemas.openxmlformats.org/presentationml/2006/main">
+  <p:cSld>
+    <p:spTree>
+      <p:nvGrpSpPr>
+        <p:cNvPr id="1" name=""/>
+        <p:cNvGrpSpPr/>
+        <p:nvPr/>
+      </p:nvGrpSpPr>
+      <p:grpSpPr>
+        <a:xfrm>
+          <a:off x="0" y="0"/>
+          <a:ext cx="0" cy="0"/>
+          <a:chOff x="0" y="0"/>
+          <a:chExt cx="0" cy="0"/>
+        </a:xfrm>
+      </p:grpSpPr>
+      <p:sp>
+        <p:nvSpPr>
+          <p:cNvPr id="2" name="Title 1"/>
+          <p:cNvSpPr>
+            <a:spLocks noGrp="1"/>
+          </p:cNvSpPr>
+          <p:nvPr>
+            <p:ph type="title"/>
+          </p:nvPr>
+        </p:nvSpPr>
+        <p:spPr>
+          <a:xfrm>
+            <a:off x="831850" y="239561"/>
+            <a:ext cx="10515600" cy="1427874"/>
+          </a:xfrm>
+        </p:spPr>
+        <p:txBody>
+          <a:bodyPr>
+            <a:normAutofit/>
+          </a:bodyPr>
+          <a:lstStyle/>
+          <a:p>
+            <a:pPr algn="ctr"/>
+            <a:r>
+              <a:rPr lang="en-US" dirty="0">
+                <a:solidFill>
+                  <a:prstClr val="black"/>
+                </a:solidFill>
+              </a:rPr>
+              <a:t>SECTION </a:t>
+            </a:r>
+            <a:r>
+              <a:rPr lang="en-US" dirty="0" smtClean="0">
+                <a:solidFill>
+                  <a:prstClr val="black"/>
+                </a:solidFill>
+              </a:rPr>
+              <a:t>4</a:t>
+            </a:r>
+            <a:endParaRPr lang="en-US" sz="2400" dirty="0"/>
+          </a:p>
+        </p:txBody>
+      </p:sp>
+      <p:sp>
+        <p:nvSpPr>
+          <p:cNvPr id="3" name="Text Placeholder 2"/>
+          <p:cNvSpPr>
+            <a:spLocks noGrp="1"/>
+          </p:cNvSpPr>
+          <p:nvPr>
+            <p:ph type="body" idx="1"/>
+          </p:nvPr>
+        </p:nvSpPr>
+        <p:spPr>
+          <a:xfrm>
+            <a:off x="831850" y="1721225"/>
+            <a:ext cx="10515600" cy="4368426"/>
+          </a:xfrm>
+        </p:spPr>
+        <p:txBody>
+          <a:bodyPr>
+            <a:noAutofit/>
+          </a:bodyPr>
+          <a:lstStyle/>
+          <a:p>
+            <a:pPr>
+              <a:buFont typeface="Arial"/>
+              <a:buChar char="•"/>
+            </a:pPr>
+            <a:r>
+              <a:rPr lang="en-US" sz="1600" dirty="0" smtClean="0">
+                <a:solidFill>
+                  <a:srgbClr val="2B2B2B"/>
+                </a:solidFill>
+              </a:rPr>
+              <a:t>Course requirement</a:t>
+            </a:r>
+          </a:p>
+          <a:p>
+            <a:pPr marL="800100" lvl="1" indent="-342900">
+              <a:buFont typeface="Arial" panose="020B0604020202020204" pitchFamily="34" charset="0"/>
+              <a:buChar char="•"/>
+            </a:pPr>
+            <a:r>
+              <a:rPr lang="en-US" sz="1600" dirty="0">
+                <a:solidFill>
+                  <a:prstClr val="black"/>
+                </a:solidFill>
+                <a:latin typeface="Calibri Light" panose="020F0302020204030204"/>
+                <a:ea typeface="+mj-ea"/>
+                <a:cs typeface="+mj-cs"/>
+              </a:rPr>
+              <a:t>The results/conclusions of the application or </a:t>
+            </a:r>
+            <a:r>
+              <a:rPr lang="en-US" sz="1600" dirty="0" smtClean="0">
+                <a:solidFill>
+                  <a:prstClr val="black"/>
+                </a:solidFill>
+                <a:latin typeface="Calibri Light" panose="020F0302020204030204"/>
+                <a:ea typeface="+mj-ea"/>
+                <a:cs typeface="+mj-cs"/>
+              </a:rPr>
+              <a:t>analysis:</a:t>
+            </a:r>
+          </a:p>
+          <a:p>
+            <a:pPr marL="1200150" lvl="2" indent="-285750">
+              <a:buFont typeface="Arial" panose="020B0604020202020204" pitchFamily="34" charset="0"/>
+              <a:buChar char="•"/>
+            </a:pPr>
+            <a:r>
+              <a:rPr lang="en-US" sz="1400" dirty="0" smtClean="0">
+                <a:solidFill>
+                  <a:srgbClr val="2B2B2B"/>
+                </a:solidFill>
+              </a:rPr>
+              <a:t>Include </a:t>
+            </a:r>
+            <a:r>
+              <a:rPr lang="en-US" sz="1400" dirty="0">
+                <a:solidFill>
+                  <a:srgbClr val="2B2B2B"/>
+                </a:solidFill>
+              </a:rPr>
+              <a:t>relevant images or examples to support your work.</a:t>
+            </a:r>
+          </a:p>
+          <a:p>
+            <a:pPr marL="1200150" lvl="2" indent="-285750">
+              <a:buFont typeface="Arial"/>
+              <a:buChar char="•"/>
+            </a:pPr>
+            <a:r>
+              <a:rPr lang="en-US" sz="1400" dirty="0" smtClean="0">
+                <a:solidFill>
+                  <a:srgbClr val="2B2B2B"/>
+                </a:solidFill>
+              </a:rPr>
+              <a:t>If </a:t>
+            </a:r>
+            <a:r>
+              <a:rPr lang="en-US" sz="1400" dirty="0">
+                <a:solidFill>
+                  <a:srgbClr val="2B2B2B"/>
+                </a:solidFill>
+              </a:rPr>
+              <a:t>the project goal was not achieved, discuss the issues and how you attempted to resolve them.</a:t>
+            </a:r>
+          </a:p>
+          <a:p>
+            <a:r>
+              <a:rPr lang="en-US" sz="1600" dirty="0"/>
+              <a:t/>
+            </a:r>
+            <a:br>
+              <a:rPr lang="en-US" sz="1600" dirty="0"/>
+            </a:br>
+            <a:r>
+              <a:rPr lang="en-US" sz="1600" dirty="0" smtClean="0">
+                <a:solidFill>
+                  <a:srgbClr val="2B2B2B"/>
+                </a:solidFill>
+              </a:rPr>
+              <a:t>Cindy’s requirement</a:t>
+            </a:r>
+          </a:p>
+          <a:p>
+            <a:pPr marL="742950" lvl="1" indent="-285750">
+              <a:buFont typeface="Arial"/>
+              <a:buChar char="•"/>
+            </a:pPr>
+            <a:r>
+              <a:rPr lang="en-US" sz="1600" dirty="0" smtClean="0">
+                <a:solidFill>
+                  <a:srgbClr val="2B2B2B"/>
+                </a:solidFill>
+              </a:rPr>
+              <a:t>Your conclusions, including a numerical summary and visualizations of the summary </a:t>
+            </a:r>
+            <a:endParaRPr lang="en-US" sz="1600" dirty="0">
+              <a:solidFill>
+                <a:srgbClr val="2B2B2B"/>
+              </a:solidFill>
+            </a:endParaRPr>
+          </a:p>
+          <a:p>
+            <a:pPr marL="285750" indent="-285750">
+              <a:buFont typeface="Arial"/>
+              <a:buChar char="•"/>
+            </a:pPr>
+            <a:r>
+              <a:rPr lang="en-US" sz="1600" dirty="0" smtClean="0">
+                <a:solidFill>
+                  <a:srgbClr val="2B2B2B"/>
+                </a:solidFill>
+              </a:rPr>
+              <a:t>Time: 2 Minutes</a:t>
+            </a:r>
+          </a:p>
+          <a:p>
+            <a:pPr marL="285750" indent="-285750">
+              <a:buFont typeface="Arial"/>
+              <a:buChar char="•"/>
+            </a:pPr>
+            <a:r>
+              <a:rPr lang="en-US" sz="1600" dirty="0" smtClean="0">
+                <a:solidFill>
+                  <a:srgbClr val="2B2B2B"/>
+                </a:solidFill>
+              </a:rPr>
+              <a:t>Assignment</a:t>
+            </a:r>
+          </a:p>
+          <a:p>
+            <a:pPr marL="742950" lvl="1" indent="-285750">
+              <a:buFont typeface="Arial"/>
+              <a:buChar char="•"/>
+            </a:pPr>
+            <a:r>
+              <a:rPr lang="en-US" sz="1600" dirty="0" smtClean="0">
+                <a:solidFill>
+                  <a:srgbClr val="2B2B2B"/>
+                </a:solidFill>
+              </a:rPr>
+              <a:t>Intro – Candace</a:t>
+            </a:r>
+          </a:p>
+          <a:p>
+            <a:pPr marL="1200150" lvl="2" indent="-285750">
+              <a:buFont typeface="Arial"/>
+              <a:buChar char="•"/>
+            </a:pPr>
+            <a:r>
+              <a:rPr lang="en-US" sz="1600" dirty="0" smtClean="0">
+                <a:solidFill>
+                  <a:srgbClr val="2B2B2B"/>
+                </a:solidFill>
+              </a:rPr>
+              <a:t>Slides</a:t>
+            </a:r>
+          </a:p>
+          <a:p>
+            <a:pPr marL="1657350" lvl="3" indent="-285750">
+              <a:buFont typeface="Arial"/>
+              <a:buChar char="•"/>
+            </a:pPr>
+            <a:r>
+              <a:rPr lang="en-US" dirty="0" smtClean="0">
+                <a:solidFill>
+                  <a:srgbClr val="2B2B2B"/>
+                </a:solidFill>
+              </a:rPr>
+              <a:t>Brenton</a:t>
+            </a:r>
+          </a:p>
+          <a:p>
+            <a:pPr marL="1657350" lvl="3" indent="-285750">
+              <a:buFont typeface="Arial"/>
+              <a:buChar char="•"/>
+            </a:pPr>
+            <a:r>
+              <a:rPr lang="en-US" dirty="0" smtClean="0">
+                <a:solidFill>
+                  <a:srgbClr val="2B2B2B"/>
+                </a:solidFill>
+              </a:rPr>
+              <a:t>Dario</a:t>
+            </a:r>
+          </a:p>
+          <a:p>
+            <a:pPr marL="1657350" lvl="3" indent="-285750">
+              <a:buFont typeface="Arial"/>
+              <a:buChar char="•"/>
+            </a:pPr>
+            <a:r>
+              <a:rPr lang="en-US" dirty="0" smtClean="0">
+                <a:solidFill>
+                  <a:srgbClr val="2B2B2B"/>
+                </a:solidFill>
+              </a:rPr>
+              <a:t>Mark</a:t>
+            </a:r>
+          </a:p>
+          <a:p>
+            <a:pPr marL="1657350" lvl="3" indent="-285750">
+              <a:buFont typeface="Arial"/>
+              <a:buChar char="•"/>
+            </a:pPr>
+            <a:r>
+              <a:rPr lang="en-US" dirty="0" smtClean="0">
+                <a:solidFill>
+                  <a:srgbClr val="2B2B2B"/>
+                </a:solidFill>
+              </a:rPr>
+              <a:t>Jessica</a:t>
+            </a:r>
+          </a:p>
+          <a:p>
+            <a:pPr marL="1657350" lvl="3" indent="-285750">
+              <a:buFont typeface="Arial"/>
+              <a:buChar char="•"/>
+            </a:pPr>
+            <a:r>
+              <a:rPr lang="en-US" dirty="0">
+                <a:solidFill>
+                  <a:srgbClr val="2B2B2B"/>
+                </a:solidFill>
+              </a:rPr>
+              <a:t>Candace</a:t>
+            </a:r>
+          </a:p>
+          <a:p>
+            <a:pPr marL="1657350" lvl="3" indent="-285750">
+              <a:buFont typeface="Arial"/>
+              <a:buChar char="•"/>
+            </a:pPr>
+            <a:endParaRPr lang="en-US" dirty="0" smtClean="0"/>
+          </a:p>
+          <a:p>
+            <a:endParaRPr lang="en-US" sz="1600" dirty="0"/>
+          </a:p>
+        </p:txBody>
+      </p:sp>
+    </p:spTree>
+    <p:extLst>
+      <p:ext uri="{BB962C8B-B14F-4D97-AF65-F5344CB8AC3E}">
+        <p14:creationId xmlns:p14="http://schemas.microsoft.com/office/powerpoint/2010/main" val="3578810854"/>
+      </p:ext>
+    </p:extLst>
+  </p:cSld>
+  <p:clrMapOvr>
+    <a:masterClrMapping/>
+  </p:clrMapOvr>
+  <p:timing>
+    <p:tnLst>
+      <p:par>
+        <p:cTn id="1" dur="indefinite" restart="never" nodeType="tmRoot"/>
+      </p:par>
+    </p:tnLst>
+  </p:timing>
+</p:sld>
+</file>
+
+<file path=ppt/slides/slide18.xml><?xml version="1.0" encoding="utf-8"?>
+<p:sld xmlns:a="http://schemas.openxmlformats.org/drawingml/2006/main" xmlns:r="http://schemas.openxmlformats.org/officeDocument/2006/relationships" xmlns:p="http://schemas.openxmlformats.org/presentationml/2006/main">
+  <p:cSld>
+    <p:spTree>
+      <p:nvGrpSpPr>
+        <p:cNvPr id="1" name=""/>
+        <p:cNvGrpSpPr/>
+        <p:nvPr/>
+      </p:nvGrpSpPr>
+      <p:grpSpPr>
+        <a:xfrm>
+          <a:off x="0" y="0"/>
+          <a:ext cx="0" cy="0"/>
+          <a:chOff x="0" y="0"/>
+          <a:chExt cx="0" cy="0"/>
+        </a:xfrm>
+      </p:grpSpPr>
+      <p:sp>
+        <p:nvSpPr>
+          <p:cNvPr id="2" name="Title 1"/>
+          <p:cNvSpPr>
+            <a:spLocks noGrp="1"/>
+          </p:cNvSpPr>
+          <p:nvPr>
+            <p:ph type="title"/>
+          </p:nvPr>
+        </p:nvSpPr>
+        <p:spPr/>
+        <p:txBody>
+          <a:bodyPr/>
+          <a:lstStyle/>
+          <a:p>
+            <a:pPr algn="ctr"/>
+            <a:r>
+              <a:rPr lang="en-US" sz="3600" b="1" dirty="0"/>
+              <a:t>Question 1 – Regular Season vs Playoff Percentage</a:t>
+            </a:r>
+            <a:endParaRPr lang="en-US" sz="3600" dirty="0"/>
+          </a:p>
+        </p:txBody>
+      </p:sp>
+      <p:pic>
+        <p:nvPicPr>
+          <p:cNvPr id="4" name="Content Placeholder 3"/>
+          <p:cNvPicPr>
+            <a:picLocks noGrp="1" noChangeAspect="1"/>
+          </p:cNvPicPr>
+          <p:nvPr>
+            <p:ph sz="half" idx="1"/>
+          </p:nvPr>
+        </p:nvPicPr>
+        <p:blipFill>
+          <a:blip r:embed="rId2">
+            <a:extLst>
+              <a:ext uri="{28A0092B-C50C-407E-A947-70E740481C1C}">
+                <a14:useLocalDpi xmlns:a14="http://schemas.microsoft.com/office/drawing/2010/main" val="0"/>
+              </a:ext>
+            </a:extLst>
+          </a:blip>
+          <a:stretch>
+            <a:fillRect/>
+          </a:stretch>
+        </p:blipFill>
+        <p:spPr>
+          <a:xfrm>
+            <a:off x="6583680" y="4092734"/>
+            <a:ext cx="4983480" cy="2590800"/>
+          </a:xfrm>
+        </p:spPr>
+      </p:pic>
+      <p:sp>
+        <p:nvSpPr>
+          <p:cNvPr id="6" name="Content Placeholder 5"/>
+          <p:cNvSpPr>
+            <a:spLocks noGrp="1"/>
+          </p:cNvSpPr>
+          <p:nvPr>
+            <p:ph sz="half" idx="2"/>
+          </p:nvPr>
+        </p:nvSpPr>
+        <p:spPr>
+          <a:xfrm>
+            <a:off x="655320" y="1825625"/>
+            <a:ext cx="4541520" cy="4351338"/>
+          </a:xfrm>
+        </p:spPr>
+        <p:txBody>
+          <a:bodyPr/>
+          <a:lstStyle/>
+          <a:p>
+            <a:r>
+              <a:rPr lang="en-US" dirty="0"/>
+              <a:t>The two-line plot data </a:t>
+            </a:r>
+            <a:r>
+              <a:rPr lang="en-US" dirty="0" smtClean="0"/>
+              <a:t>of regular season vs playoff games was </a:t>
+            </a:r>
+            <a:r>
+              <a:rPr lang="en-US" dirty="0"/>
+              <a:t>used </a:t>
+            </a:r>
+            <a:r>
+              <a:rPr lang="en-US" dirty="0" smtClean="0"/>
+              <a:t>to determine the p value</a:t>
+            </a:r>
+          </a:p>
+          <a:p>
+            <a:r>
+              <a:rPr lang="en-US" dirty="0" smtClean="0"/>
+              <a:t>The p value was calculated as 6.11315173e-05, which shows a strong correlation. </a:t>
+            </a:r>
+          </a:p>
+        </p:txBody>
+      </p:sp>
+      <p:pic>
+        <p:nvPicPr>
+          <p:cNvPr id="5" name="Picture 4"/>
+          <p:cNvPicPr>
+            <a:picLocks noChangeAspect="1"/>
+          </p:cNvPicPr>
+          <p:nvPr/>
+        </p:nvPicPr>
+        <p:blipFill>
+          <a:blip r:embed="rId3">
+            <a:extLst>
+              <a:ext uri="{28A0092B-C50C-407E-A947-70E740481C1C}">
+                <a14:useLocalDpi xmlns:a14="http://schemas.microsoft.com/office/drawing/2010/main" val="0"/>
+              </a:ext>
+            </a:extLst>
+          </a:blip>
+          <a:stretch>
+            <a:fillRect/>
+          </a:stretch>
+        </p:blipFill>
+        <p:spPr>
+          <a:xfrm>
+            <a:off x="6598920" y="1600200"/>
+            <a:ext cx="5003940" cy="2407920"/>
+          </a:xfrm>
+          <a:prstGeom prst="rect">
+            <a:avLst/>
+          </a:prstGeom>
+        </p:spPr>
+      </p:pic>
+    </p:spTree>
+    <p:extLst>
+      <p:ext uri="{BB962C8B-B14F-4D97-AF65-F5344CB8AC3E}">
+        <p14:creationId xmlns:p14="http://schemas.microsoft.com/office/powerpoint/2010/main" val="2896972427"/>
+      </p:ext>
+    </p:extLst>
+  </p:cSld>
+  <p:clrMapOvr>
+    <a:masterClrMapping/>
+  </p:clrMapOvr>
+  <p:timing>
+    <p:tnLst>
+      <p:par>
+        <p:cTn id="1" dur="indefinite" restart="never" nodeType="tmRoot"/>
+      </p:par>
+    </p:tnLst>
+  </p:timing>
+</p:sld>
+</file>
+
+<file path=ppt/slides/slide19.xml><?xml version="1.0" encoding="utf-8"?>
+<p:sld xmlns:a="http://schemas.openxmlformats.org/drawingml/2006/main" xmlns:r="http://schemas.openxmlformats.org/officeDocument/2006/relationships" xmlns:p="http://schemas.openxmlformats.org/presentationml/2006/main">
+  <p:cSld>
+    <p:spTree>
+      <p:nvGrpSpPr>
+        <p:cNvPr id="1" name=""/>
+        <p:cNvGrpSpPr/>
+        <p:nvPr/>
+      </p:nvGrpSpPr>
+      <p:grpSpPr>
+        <a:xfrm>
+          <a:off x="0" y="0"/>
+          <a:ext cx="0" cy="0"/>
+          <a:chOff x="0" y="0"/>
+          <a:chExt cx="0" cy="0"/>
+        </a:xfrm>
+      </p:grpSpPr>
+      <p:sp>
+        <p:nvSpPr>
+          <p:cNvPr id="2" name="Title 1">
+            <a:extLst>
+              <a:ext uri="{FF2B5EF4-FFF2-40B4-BE49-F238E27FC236}">
+                <a16:creationId xmlns:a16="http://schemas.microsoft.com/office/drawing/2014/main" xmlns="" id="{4037983E-A1E4-8924-A985-57397BD6762A}"/>
+              </a:ext>
+            </a:extLst>
+          </p:cNvPr>
+          <p:cNvSpPr>
+            <a:spLocks noGrp="1"/>
+          </p:cNvSpPr>
+          <p:nvPr>
+            <p:ph type="title"/>
+          </p:nvPr>
+        </p:nvSpPr>
+        <p:spPr/>
+        <p:txBody>
+          <a:bodyPr>
+            <a:normAutofit fontScale="90000"/>
+          </a:bodyPr>
+          <a:lstStyle/>
+          <a:p>
+            <a:pPr algn="ctr"/>
+            <a:r>
+              <a:rPr lang="en-US" sz="4000" b="1" dirty="0" smtClean="0"/>
+              <a:t>Question 4 - </a:t>
+            </a:r>
+            <a:r>
+              <a:rPr lang="en-US" sz="4000" b="1" dirty="0">
+                <a:solidFill>
+                  <a:srgbClr val="000000"/>
+                </a:solidFill>
+              </a:rPr>
+              <a:t>KPIs most closely relate to wins </a:t>
+            </a:r>
+            <a:r>
+              <a:rPr lang="en-US" b="1" dirty="0" smtClean="0"/>
+              <a:t/>
+            </a:r>
+            <a:br>
+              <a:rPr lang="en-US" b="1" dirty="0" smtClean="0"/>
+            </a:br>
+            <a:r>
+              <a:rPr lang="en-US" sz="3600" b="1" dirty="0" smtClean="0"/>
+              <a:t>Linear </a:t>
+            </a:r>
+            <a:r>
+              <a:rPr lang="en-US" sz="3600" b="1" dirty="0"/>
+              <a:t>Regression: </a:t>
+            </a:r>
+            <a:br>
+              <a:rPr lang="en-US" sz="3600" b="1" dirty="0"/>
+            </a:br>
+            <a:r>
+              <a:rPr lang="en-US" sz="3600" b="1" dirty="0"/>
+              <a:t>Summary of the R-values of the KPIs studied</a:t>
+            </a:r>
+          </a:p>
+        </p:txBody>
+      </p:sp>
+      <p:pic>
+        <p:nvPicPr>
+          <p:cNvPr id="7" name="Content Placeholder 6" descr="Table&#10;&#10;Description automatically generated">
+            <a:extLst>
+              <a:ext uri="{FF2B5EF4-FFF2-40B4-BE49-F238E27FC236}">
+                <a16:creationId xmlns:a16="http://schemas.microsoft.com/office/drawing/2014/main" xmlns="" id="{07A5C1CF-BB1C-D01B-BC10-D02C55BB3FC7}"/>
+              </a:ext>
+            </a:extLst>
+          </p:cNvPr>
+          <p:cNvPicPr>
+            <a:picLocks noGrp="1" noChangeAspect="1"/>
+          </p:cNvPicPr>
+          <p:nvPr>
+            <p:ph idx="1"/>
+          </p:nvPr>
+        </p:nvPicPr>
+        <p:blipFill rotWithShape="1">
+          <a:blip r:embed="rId2">
+            <a:extLst>
+              <a:ext uri="{28A0092B-C50C-407E-A947-70E740481C1C}">
+                <a14:useLocalDpi xmlns:a14="http://schemas.microsoft.com/office/drawing/2010/main" val="0"/>
+              </a:ext>
+            </a:extLst>
+          </a:blip>
+          <a:srcRect t="5937" r="20376"/>
+          <a:stretch/>
+        </p:blipFill>
+        <p:spPr>
+          <a:xfrm>
+            <a:off x="5028047" y="1967024"/>
+            <a:ext cx="6392559" cy="4209940"/>
+          </a:xfrm>
+        </p:spPr>
+      </p:pic>
+      <p:pic>
+        <p:nvPicPr>
+          <p:cNvPr id="5" name="Picture 4">
+            <a:extLst>
+              <a:ext uri="{FF2B5EF4-FFF2-40B4-BE49-F238E27FC236}">
+                <a16:creationId xmlns:a16="http://schemas.microsoft.com/office/drawing/2014/main" xmlns="" id="{A4C6AC7E-EF8A-E3F5-9D18-07FECE5D4F52}"/>
+              </a:ext>
+            </a:extLst>
+          </p:cNvPr>
+          <p:cNvPicPr>
+            <a:picLocks noChangeAspect="1"/>
+          </p:cNvPicPr>
+          <p:nvPr/>
+        </p:nvPicPr>
+        <p:blipFill>
+          <a:blip r:embed="rId3"/>
+          <a:stretch>
+            <a:fillRect/>
+          </a:stretch>
+        </p:blipFill>
+        <p:spPr>
+          <a:xfrm>
+            <a:off x="771395" y="1828800"/>
+            <a:ext cx="4481090" cy="4348164"/>
+          </a:xfrm>
+          <a:prstGeom prst="rect">
+            <a:avLst/>
+          </a:prstGeom>
+        </p:spPr>
+      </p:pic>
+    </p:spTree>
+    <p:extLst>
+      <p:ext uri="{BB962C8B-B14F-4D97-AF65-F5344CB8AC3E}">
+        <p14:creationId xmlns:p14="http://schemas.microsoft.com/office/powerpoint/2010/main" val="2849149121"/>
+      </p:ext>
+    </p:extLst>
+  </p:cSld>
+  <p:clrMapOvr>
+    <a:masterClrMapping/>
+  </p:clrMapOvr>
+</p:sld>
+</file>
+
 <file path=ppt/slides/slide2.xml><?xml version="1.0" encoding="utf-8"?>
 <p:sld xmlns:a="http://schemas.openxmlformats.org/drawingml/2006/main" xmlns:r="http://schemas.openxmlformats.org/officeDocument/2006/relationships" xmlns:p="http://schemas.openxmlformats.org/presentationml/2006/main">
   <p:cSld>
@@ -4018,38 +5593,8 @@
         </p:nvSpPr>
         <p:spPr>
           <a:xfrm>
-            <a:off x="838200" y="365127"/>
-            <a:ext cx="10515600" cy="644808"/>
-          </a:xfrm>
-        </p:spPr>
-        <p:txBody>
-          <a:bodyPr>
-            <a:normAutofit fontScale="90000"/>
-          </a:bodyPr>
-          <a:lstStyle/>
-          <a:p>
-            <a:r>
-              <a:rPr lang="en-US" b="1" dirty="0" smtClean="0"/>
-              <a:t>Problem Statement</a:t>
-            </a:r>
-            <a:endParaRPr lang="en-US" b="1" dirty="0"/>
-          </a:p>
-        </p:txBody>
-      </p:sp>
-      <p:sp>
-        <p:nvSpPr>
-          <p:cNvPr id="3" name="Content Placeholder 2"/>
-          <p:cNvSpPr>
-            <a:spLocks noGrp="1"/>
-          </p:cNvSpPr>
-          <p:nvPr>
-            <p:ph idx="1"/>
-          </p:nvPr>
-        </p:nvSpPr>
-        <p:spPr>
-          <a:xfrm>
-            <a:off x="838200" y="1009934"/>
-            <a:ext cx="10515600" cy="5213445"/>
+            <a:off x="831850" y="239561"/>
+            <a:ext cx="10515600" cy="1427874"/>
           </a:xfrm>
         </p:spPr>
         <p:txBody>
@@ -4058,51 +5603,1836 @@
           </a:bodyPr>
           <a:lstStyle/>
           <a:p>
+            <a:pPr algn="ctr"/>
+            <a:r>
+              <a:rPr lang="en-US" dirty="0" smtClean="0"/>
+              <a:t>SECTION 1</a:t>
+            </a:r>
+            <a:br>
+              <a:rPr lang="en-US" dirty="0" smtClean="0"/>
+            </a:br>
+            <a:endParaRPr lang="en-US" sz="2000" dirty="0"/>
+          </a:p>
+        </p:txBody>
+      </p:sp>
+      <p:sp>
+        <p:nvSpPr>
+          <p:cNvPr id="3" name="Text Placeholder 2"/>
+          <p:cNvSpPr>
+            <a:spLocks noGrp="1"/>
+          </p:cNvSpPr>
+          <p:nvPr>
+            <p:ph type="body" idx="1"/>
+          </p:nvPr>
+        </p:nvSpPr>
+        <p:spPr>
+          <a:xfrm>
+            <a:off x="831850" y="1721225"/>
+            <a:ext cx="10515600" cy="4368426"/>
+          </a:xfrm>
+        </p:spPr>
+        <p:txBody>
+          <a:bodyPr>
+            <a:normAutofit/>
+          </a:bodyPr>
+          <a:lstStyle/>
+          <a:p>
+            <a:pPr>
+              <a:buFont typeface="Arial"/>
+              <a:buChar char="•"/>
+            </a:pPr>
+            <a:r>
+              <a:rPr lang="en-US" dirty="0" smtClean="0">
+                <a:solidFill>
+                  <a:srgbClr val="2B2B2B"/>
+                </a:solidFill>
+                <a:latin typeface="Roboto"/>
+              </a:rPr>
+              <a:t>Course requirement</a:t>
+            </a:r>
+          </a:p>
+          <a:p>
+            <a:pPr lvl="1">
+              <a:buFont typeface="Arial"/>
+              <a:buChar char="•"/>
+            </a:pPr>
+            <a:r>
+              <a:rPr lang="en-US" dirty="0" smtClean="0">
+                <a:solidFill>
+                  <a:srgbClr val="2B2B2B"/>
+                </a:solidFill>
+                <a:latin typeface="Roboto"/>
+              </a:rPr>
+              <a:t>An </a:t>
+            </a:r>
+            <a:r>
+              <a:rPr lang="en-US" dirty="0">
+                <a:solidFill>
+                  <a:srgbClr val="2B2B2B"/>
+                </a:solidFill>
+                <a:latin typeface="Roboto"/>
+              </a:rPr>
+              <a:t>executive summary or overview of the project and project goals:</a:t>
+            </a:r>
+          </a:p>
+          <a:p>
+            <a:pPr marL="1200150" lvl="2" indent="-285750">
+              <a:buFont typeface="Arial"/>
+              <a:buChar char="•"/>
+            </a:pPr>
+            <a:r>
+              <a:rPr lang="en-US" dirty="0">
+                <a:solidFill>
+                  <a:srgbClr val="2B2B2B"/>
+                </a:solidFill>
+                <a:latin typeface="Roboto"/>
+              </a:rPr>
+              <a:t>Explain how the project relates to the industry you selected</a:t>
+            </a:r>
+            <a:r>
+              <a:rPr lang="en-US" dirty="0" smtClean="0">
+                <a:solidFill>
+                  <a:srgbClr val="2B2B2B"/>
+                </a:solidFill>
+                <a:latin typeface="Roboto"/>
+              </a:rPr>
+              <a:t>.</a:t>
+            </a:r>
+          </a:p>
+          <a:p>
+            <a:pPr marL="742950" lvl="1" indent="-285750">
+              <a:buFont typeface="Arial"/>
+              <a:buChar char="•"/>
+            </a:pPr>
+            <a:endParaRPr lang="en-US" dirty="0">
+              <a:solidFill>
+                <a:srgbClr val="2B2B2B"/>
+              </a:solidFill>
+              <a:latin typeface="Roboto"/>
+            </a:endParaRPr>
+          </a:p>
+          <a:p>
+            <a:pPr marL="285750" indent="-285750">
+              <a:buFont typeface="Arial"/>
+              <a:buChar char="•"/>
+            </a:pPr>
+            <a:r>
+              <a:rPr lang="en-US" dirty="0" smtClean="0">
+                <a:solidFill>
+                  <a:srgbClr val="2B2B2B"/>
+                </a:solidFill>
+                <a:latin typeface="Roboto"/>
+              </a:rPr>
+              <a:t>Cindy’s requirement</a:t>
+            </a:r>
+          </a:p>
+          <a:p>
+            <a:pPr marL="742950" lvl="1" indent="-285750">
+              <a:buFont typeface="Arial"/>
+              <a:buChar char="•"/>
+            </a:pPr>
+            <a:r>
+              <a:rPr lang="en-US" dirty="0" smtClean="0">
+                <a:solidFill>
+                  <a:srgbClr val="2B2B2B"/>
+                </a:solidFill>
+                <a:latin typeface="Roboto"/>
+              </a:rPr>
+              <a:t>Questions that you found interesting and what motivated you to answer them</a:t>
+            </a:r>
+          </a:p>
+          <a:p>
+            <a:pPr marL="742950" lvl="1" indent="-285750">
+              <a:buFont typeface="Arial"/>
+              <a:buChar char="•"/>
+            </a:pPr>
+            <a:endParaRPr lang="en-US" dirty="0" smtClean="0">
+              <a:solidFill>
+                <a:srgbClr val="2B2B2B"/>
+              </a:solidFill>
+              <a:latin typeface="Roboto"/>
+            </a:endParaRPr>
+          </a:p>
+          <a:p>
+            <a:pPr marL="285750" indent="-285750">
+              <a:buFont typeface="Arial"/>
+              <a:buChar char="•"/>
+            </a:pPr>
+            <a:r>
+              <a:rPr lang="en-US" dirty="0" smtClean="0">
+                <a:solidFill>
+                  <a:srgbClr val="2B2B2B"/>
+                </a:solidFill>
+                <a:latin typeface="Roboto"/>
+              </a:rPr>
+              <a:t>Time: 30 Seconds</a:t>
+            </a:r>
+            <a:endParaRPr lang="en-US" dirty="0">
+              <a:solidFill>
+                <a:srgbClr val="2B2B2B"/>
+              </a:solidFill>
+              <a:latin typeface="Roboto"/>
+            </a:endParaRPr>
+          </a:p>
+          <a:p>
+            <a:pPr marL="285750" indent="-285750">
+              <a:buFont typeface="Arial"/>
+              <a:buChar char="•"/>
+            </a:pPr>
+            <a:r>
+              <a:rPr lang="en-US" dirty="0" smtClean="0">
+                <a:solidFill>
+                  <a:srgbClr val="2B2B2B"/>
+                </a:solidFill>
+                <a:latin typeface="Roboto"/>
+              </a:rPr>
+              <a:t>Assignment – Mark</a:t>
+            </a:r>
+            <a:endParaRPr lang="en-US" dirty="0" smtClean="0"/>
+          </a:p>
+          <a:p>
+            <a:endParaRPr lang="en-US" dirty="0"/>
+          </a:p>
+        </p:txBody>
+      </p:sp>
+    </p:spTree>
+    <p:extLst>
+      <p:ext uri="{BB962C8B-B14F-4D97-AF65-F5344CB8AC3E}">
+        <p14:creationId xmlns:p14="http://schemas.microsoft.com/office/powerpoint/2010/main" val="28424026"/>
+      </p:ext>
+    </p:extLst>
+  </p:cSld>
+  <p:clrMapOvr>
+    <a:masterClrMapping/>
+  </p:clrMapOvr>
+  <p:timing>
+    <p:tnLst>
+      <p:par>
+        <p:cTn id="1" dur="indefinite" restart="never" nodeType="tmRoot"/>
+      </p:par>
+    </p:tnLst>
+  </p:timing>
+</p:sld>
+</file>
+
+<file path=ppt/slides/slide20.xml><?xml version="1.0" encoding="utf-8"?>
+<p:sld xmlns:a="http://schemas.openxmlformats.org/drawingml/2006/main" xmlns:r="http://schemas.openxmlformats.org/officeDocument/2006/relationships" xmlns:p="http://schemas.openxmlformats.org/presentationml/2006/main">
+  <p:cSld>
+    <p:spTree>
+      <p:nvGrpSpPr>
+        <p:cNvPr id="1" name=""/>
+        <p:cNvGrpSpPr/>
+        <p:nvPr/>
+      </p:nvGrpSpPr>
+      <p:grpSpPr>
+        <a:xfrm>
+          <a:off x="0" y="0"/>
+          <a:ext cx="0" cy="0"/>
+          <a:chOff x="0" y="0"/>
+          <a:chExt cx="0" cy="0"/>
+        </a:xfrm>
+      </p:grpSpPr>
+      <p:pic>
+        <p:nvPicPr>
+          <p:cNvPr id="5" name="Picture 4">
+            <a:extLst>
+              <a:ext uri="{FF2B5EF4-FFF2-40B4-BE49-F238E27FC236}">
+                <a16:creationId xmlns:a16="http://schemas.microsoft.com/office/drawing/2014/main" xmlns="" id="{98A0F710-97E4-0DCB-02CF-E8885BE8DA0D}"/>
+              </a:ext>
+            </a:extLst>
+          </p:cNvPr>
+          <p:cNvPicPr>
+            <a:picLocks noChangeAspect="1"/>
+          </p:cNvPicPr>
+          <p:nvPr/>
+        </p:nvPicPr>
+        <p:blipFill>
+          <a:blip r:embed="rId2"/>
+          <a:stretch>
+            <a:fillRect/>
+          </a:stretch>
+        </p:blipFill>
+        <p:spPr>
+          <a:xfrm>
+            <a:off x="178363" y="118406"/>
+            <a:ext cx="4181424" cy="3310594"/>
+          </a:xfrm>
+          <a:prstGeom prst="rect">
+            <a:avLst/>
+          </a:prstGeom>
+        </p:spPr>
+      </p:pic>
+      <p:pic>
+        <p:nvPicPr>
+          <p:cNvPr id="7" name="Picture 6">
+            <a:extLst>
+              <a:ext uri="{FF2B5EF4-FFF2-40B4-BE49-F238E27FC236}">
+                <a16:creationId xmlns:a16="http://schemas.microsoft.com/office/drawing/2014/main" xmlns="" id="{5BF0E433-7AE4-0294-D087-C6C7A72301C8}"/>
+              </a:ext>
+            </a:extLst>
+          </p:cNvPr>
+          <p:cNvPicPr>
+            <a:picLocks noChangeAspect="1"/>
+          </p:cNvPicPr>
+          <p:nvPr/>
+        </p:nvPicPr>
+        <p:blipFill>
+          <a:blip r:embed="rId3"/>
+          <a:stretch>
+            <a:fillRect/>
+          </a:stretch>
+        </p:blipFill>
+        <p:spPr>
+          <a:xfrm>
+            <a:off x="6964326" y="0"/>
+            <a:ext cx="4540505" cy="3632404"/>
+          </a:xfrm>
+          <a:prstGeom prst="rect">
+            <a:avLst/>
+          </a:prstGeom>
+        </p:spPr>
+      </p:pic>
+      <p:pic>
+        <p:nvPicPr>
+          <p:cNvPr id="9" name="Picture 8">
+            <a:extLst>
+              <a:ext uri="{FF2B5EF4-FFF2-40B4-BE49-F238E27FC236}">
+                <a16:creationId xmlns:a16="http://schemas.microsoft.com/office/drawing/2014/main" xmlns="" id="{35FA5BE4-4E34-E5EB-A6E8-8CF96676ADA0}"/>
+              </a:ext>
+            </a:extLst>
+          </p:cNvPr>
+          <p:cNvPicPr>
+            <a:picLocks noChangeAspect="1"/>
+          </p:cNvPicPr>
+          <p:nvPr/>
+        </p:nvPicPr>
+        <p:blipFill>
+          <a:blip r:embed="rId4"/>
+          <a:stretch>
+            <a:fillRect/>
+          </a:stretch>
+        </p:blipFill>
+        <p:spPr>
+          <a:xfrm>
+            <a:off x="6964327" y="3685567"/>
+            <a:ext cx="4540504" cy="3249630"/>
+          </a:xfrm>
+          <a:prstGeom prst="rect">
+            <a:avLst/>
+          </a:prstGeom>
+        </p:spPr>
+      </p:pic>
+      <p:sp>
+        <p:nvSpPr>
+          <p:cNvPr id="11" name="TextBox 10">
+            <a:extLst>
+              <a:ext uri="{FF2B5EF4-FFF2-40B4-BE49-F238E27FC236}">
+                <a16:creationId xmlns:a16="http://schemas.microsoft.com/office/drawing/2014/main" xmlns="" id="{6D444E06-6FEA-449C-E4B5-46A6ADD0EC3D}"/>
+              </a:ext>
+            </a:extLst>
+          </p:cNvPr>
+          <p:cNvSpPr txBox="1"/>
+          <p:nvPr/>
+        </p:nvSpPr>
+        <p:spPr>
+          <a:xfrm>
+            <a:off x="676537" y="3278461"/>
+            <a:ext cx="4424182" cy="707886"/>
+          </a:xfrm>
+          <a:prstGeom prst="rect">
+            <a:avLst/>
+          </a:prstGeom>
+          <a:noFill/>
+        </p:spPr>
+        <p:txBody>
+          <a:bodyPr wrap="square">
+            <a:spAutoFit/>
+          </a:bodyPr>
+          <a:lstStyle/>
+          <a:p>
+            <a:r>
+              <a:rPr lang="en-US" sz="2000" dirty="0"/>
+              <a:t>3 Points made have a </a:t>
+            </a:r>
+            <a:r>
+              <a:rPr lang="en-US" sz="2000" b="1" dirty="0"/>
+              <a:t>moderate positive </a:t>
+            </a:r>
+            <a:r>
+              <a:rPr lang="en-US" sz="2000" dirty="0"/>
+              <a:t>relation to Wins. </a:t>
+            </a:r>
+          </a:p>
+        </p:txBody>
+      </p:sp>
+      <p:sp>
+        <p:nvSpPr>
+          <p:cNvPr id="13" name="TextBox 12">
+            <a:extLst>
+              <a:ext uri="{FF2B5EF4-FFF2-40B4-BE49-F238E27FC236}">
+                <a16:creationId xmlns:a16="http://schemas.microsoft.com/office/drawing/2014/main" xmlns="" id="{4789D743-00E9-4753-275C-5CEC0035F4DC}"/>
+              </a:ext>
+            </a:extLst>
+          </p:cNvPr>
+          <p:cNvSpPr txBox="1"/>
+          <p:nvPr/>
+        </p:nvSpPr>
+        <p:spPr>
+          <a:xfrm>
+            <a:off x="4793830" y="528260"/>
+            <a:ext cx="2477386" cy="1015663"/>
+          </a:xfrm>
+          <a:prstGeom prst="rect">
+            <a:avLst/>
+          </a:prstGeom>
+          <a:noFill/>
+        </p:spPr>
+        <p:txBody>
+          <a:bodyPr wrap="square">
+            <a:spAutoFit/>
+          </a:bodyPr>
+          <a:lstStyle/>
+          <a:p>
+            <a:r>
+              <a:rPr lang="en-US" sz="2000" dirty="0"/>
+              <a:t>Blocks  and Steals have a </a:t>
+            </a:r>
+            <a:r>
+              <a:rPr lang="en-US" sz="2000" b="1" dirty="0"/>
+              <a:t>weak positive </a:t>
+            </a:r>
+            <a:r>
+              <a:rPr lang="en-US" sz="2000" dirty="0"/>
+              <a:t>relation to Wins.</a:t>
+            </a:r>
+          </a:p>
+        </p:txBody>
+      </p:sp>
+      <p:pic>
+        <p:nvPicPr>
+          <p:cNvPr id="15" name="Content Placeholder 6" descr="Table&#10;&#10;Description automatically generated">
+            <a:extLst>
+              <a:ext uri="{FF2B5EF4-FFF2-40B4-BE49-F238E27FC236}">
+                <a16:creationId xmlns:a16="http://schemas.microsoft.com/office/drawing/2014/main" xmlns="" id="{133673D8-5EBC-BA5D-4DA0-026A32E6208F}"/>
+              </a:ext>
+            </a:extLst>
+          </p:cNvPr>
+          <p:cNvPicPr>
+            <a:picLocks noGrp="1" noChangeAspect="1"/>
+          </p:cNvPicPr>
+          <p:nvPr>
+            <p:ph idx="1"/>
+          </p:nvPr>
+        </p:nvPicPr>
+        <p:blipFill rotWithShape="1">
+          <a:blip r:embed="rId5">
+            <a:extLst>
+              <a:ext uri="{28A0092B-C50C-407E-A947-70E740481C1C}">
+                <a14:useLocalDpi xmlns:a14="http://schemas.microsoft.com/office/drawing/2010/main" val="0"/>
+              </a:ext>
+            </a:extLst>
+          </a:blip>
+          <a:srcRect r="20376" b="40763"/>
+          <a:stretch/>
+        </p:blipFill>
+        <p:spPr>
+          <a:xfrm>
+            <a:off x="178363" y="4049740"/>
+            <a:ext cx="6392558" cy="2577629"/>
+          </a:xfrm>
+        </p:spPr>
+      </p:pic>
+    </p:spTree>
+    <p:extLst>
+      <p:ext uri="{BB962C8B-B14F-4D97-AF65-F5344CB8AC3E}">
+        <p14:creationId xmlns:p14="http://schemas.microsoft.com/office/powerpoint/2010/main" val="3238361752"/>
+      </p:ext>
+    </p:extLst>
+  </p:cSld>
+  <p:clrMapOvr>
+    <a:masterClrMapping/>
+  </p:clrMapOvr>
+</p:sld>
+</file>
+
+<file path=ppt/slides/slide21.xml><?xml version="1.0" encoding="utf-8"?>
+<p:sld xmlns:a="http://schemas.openxmlformats.org/drawingml/2006/main" xmlns:r="http://schemas.openxmlformats.org/officeDocument/2006/relationships" xmlns:p="http://schemas.openxmlformats.org/presentationml/2006/main">
+  <p:cSld>
+    <p:spTree>
+      <p:nvGrpSpPr>
+        <p:cNvPr id="1" name=""/>
+        <p:cNvGrpSpPr/>
+        <p:nvPr/>
+      </p:nvGrpSpPr>
+      <p:grpSpPr>
+        <a:xfrm>
+          <a:off x="0" y="0"/>
+          <a:ext cx="0" cy="0"/>
+          <a:chOff x="0" y="0"/>
+          <a:chExt cx="0" cy="0"/>
+        </a:xfrm>
+      </p:grpSpPr>
+      <p:pic>
+        <p:nvPicPr>
+          <p:cNvPr id="9" name="Picture 8">
+            <a:extLst>
+              <a:ext uri="{FF2B5EF4-FFF2-40B4-BE49-F238E27FC236}">
+                <a16:creationId xmlns:a16="http://schemas.microsoft.com/office/drawing/2014/main" xmlns="" id="{5EDA95B1-CDE9-9E3C-3319-7E6D4D88D641}"/>
+              </a:ext>
+            </a:extLst>
+          </p:cNvPr>
+          <p:cNvPicPr>
+            <a:picLocks noChangeAspect="1"/>
+          </p:cNvPicPr>
+          <p:nvPr/>
+        </p:nvPicPr>
+        <p:blipFill>
+          <a:blip r:embed="rId2"/>
+          <a:stretch>
+            <a:fillRect/>
+          </a:stretch>
+        </p:blipFill>
+        <p:spPr>
+          <a:xfrm>
+            <a:off x="839972" y="198805"/>
+            <a:ext cx="4257424" cy="3156243"/>
+          </a:xfrm>
+          <a:prstGeom prst="rect">
+            <a:avLst/>
+          </a:prstGeom>
+        </p:spPr>
+      </p:pic>
+      <p:pic>
+        <p:nvPicPr>
+          <p:cNvPr id="11" name="Picture 10">
+            <a:extLst>
+              <a:ext uri="{FF2B5EF4-FFF2-40B4-BE49-F238E27FC236}">
+                <a16:creationId xmlns:a16="http://schemas.microsoft.com/office/drawing/2014/main" xmlns="" id="{1CBB3A9B-D3A7-15CF-39D3-A087976A0403}"/>
+              </a:ext>
+            </a:extLst>
+          </p:cNvPr>
+          <p:cNvPicPr>
+            <a:picLocks noChangeAspect="1"/>
+          </p:cNvPicPr>
+          <p:nvPr/>
+        </p:nvPicPr>
+        <p:blipFill>
+          <a:blip r:embed="rId3"/>
+          <a:stretch>
+            <a:fillRect/>
+          </a:stretch>
+        </p:blipFill>
+        <p:spPr>
+          <a:xfrm>
+            <a:off x="6096000" y="103693"/>
+            <a:ext cx="4124403" cy="3413554"/>
+          </a:xfrm>
+          <a:prstGeom prst="rect">
+            <a:avLst/>
+          </a:prstGeom>
+        </p:spPr>
+      </p:pic>
+      <p:pic>
+        <p:nvPicPr>
+          <p:cNvPr id="13" name="Picture 12">
+            <a:extLst>
+              <a:ext uri="{FF2B5EF4-FFF2-40B4-BE49-F238E27FC236}">
+                <a16:creationId xmlns:a16="http://schemas.microsoft.com/office/drawing/2014/main" xmlns="" id="{5DA2A6B4-8D45-DD28-2B69-CA1E6788FBAA}"/>
+              </a:ext>
+            </a:extLst>
+          </p:cNvPr>
+          <p:cNvPicPr>
+            <a:picLocks noChangeAspect="1"/>
+          </p:cNvPicPr>
+          <p:nvPr/>
+        </p:nvPicPr>
+        <p:blipFill>
+          <a:blip r:embed="rId4"/>
+          <a:stretch>
+            <a:fillRect/>
+          </a:stretch>
+        </p:blipFill>
+        <p:spPr>
+          <a:xfrm>
+            <a:off x="707763" y="3245641"/>
+            <a:ext cx="4389633" cy="3497869"/>
+          </a:xfrm>
+          <a:prstGeom prst="rect">
+            <a:avLst/>
+          </a:prstGeom>
+        </p:spPr>
+      </p:pic>
+      <p:sp>
+        <p:nvSpPr>
+          <p:cNvPr id="15" name="TextBox 14">
+            <a:extLst>
+              <a:ext uri="{FF2B5EF4-FFF2-40B4-BE49-F238E27FC236}">
+                <a16:creationId xmlns:a16="http://schemas.microsoft.com/office/drawing/2014/main" xmlns="" id="{8CC867AD-C654-C86F-3DC2-F54C335198CB}"/>
+              </a:ext>
+            </a:extLst>
+          </p:cNvPr>
+          <p:cNvSpPr txBox="1"/>
+          <p:nvPr/>
+        </p:nvSpPr>
+        <p:spPr>
+          <a:xfrm>
+            <a:off x="5670064" y="3517247"/>
+            <a:ext cx="4994392" cy="1477328"/>
+          </a:xfrm>
+          <a:prstGeom prst="rect">
+            <a:avLst/>
+          </a:prstGeom>
+          <a:noFill/>
+        </p:spPr>
+        <p:txBody>
+          <a:bodyPr wrap="square">
+            <a:spAutoFit/>
+          </a:bodyPr>
+          <a:lstStyle/>
+          <a:p>
+            <a:r>
+              <a:rPr lang="en-US" dirty="0"/>
+              <a:t>These variables </a:t>
+            </a:r>
+            <a:r>
+              <a:rPr lang="en-US" dirty="0">
+                <a:solidFill>
+                  <a:srgbClr val="000000"/>
+                </a:solidFill>
+                <a:effectLst/>
+                <a:latin typeface="Helvetica Neue"/>
+              </a:rPr>
+              <a:t>a </a:t>
+            </a:r>
+            <a:r>
+              <a:rPr lang="en-US" b="1" dirty="0">
+                <a:solidFill>
+                  <a:srgbClr val="000000"/>
+                </a:solidFill>
+                <a:effectLst/>
+                <a:latin typeface="Helvetica Neue"/>
+              </a:rPr>
+              <a:t>strong positive</a:t>
+            </a:r>
+            <a:r>
+              <a:rPr lang="en-US" dirty="0">
+                <a:solidFill>
+                  <a:srgbClr val="000000"/>
+                </a:solidFill>
+                <a:effectLst/>
+                <a:latin typeface="Helvetica Neue"/>
+              </a:rPr>
+              <a:t> relationship to Wins </a:t>
+            </a:r>
+            <a:r>
+              <a:rPr lang="en-US" dirty="0"/>
+              <a:t>:</a:t>
+            </a:r>
+          </a:p>
+          <a:p>
+            <a:r>
+              <a:rPr lang="en-US" dirty="0"/>
+              <a:t>1) Field Goals Made</a:t>
+            </a:r>
+          </a:p>
+          <a:p>
+            <a:r>
+              <a:rPr lang="en-US" dirty="0"/>
+              <a:t>2) Free Throws Made</a:t>
+            </a:r>
+          </a:p>
+          <a:p>
+            <a:r>
+              <a:rPr lang="en-US" dirty="0"/>
+              <a:t>3) Rebounds</a:t>
+            </a:r>
+          </a:p>
+        </p:txBody>
+      </p:sp>
+      <p:pic>
+        <p:nvPicPr>
+          <p:cNvPr id="16" name="Picture 15">
+            <a:extLst>
+              <a:ext uri="{FF2B5EF4-FFF2-40B4-BE49-F238E27FC236}">
+                <a16:creationId xmlns:a16="http://schemas.microsoft.com/office/drawing/2014/main" xmlns="" id="{6A417BEC-11D7-CA2A-6C85-8067DE322644}"/>
+              </a:ext>
+            </a:extLst>
+          </p:cNvPr>
+          <p:cNvPicPr>
+            <a:picLocks noChangeAspect="1"/>
+          </p:cNvPicPr>
+          <p:nvPr/>
+        </p:nvPicPr>
+        <p:blipFill rotWithShape="1">
+          <a:blip r:embed="rId5"/>
+          <a:srcRect r="20514" b="72697"/>
+          <a:stretch/>
+        </p:blipFill>
+        <p:spPr>
+          <a:xfrm>
+            <a:off x="5488854" y="5028118"/>
+            <a:ext cx="6382080" cy="1188468"/>
+          </a:xfrm>
+          <a:prstGeom prst="rect">
+            <a:avLst/>
+          </a:prstGeom>
+        </p:spPr>
+      </p:pic>
+    </p:spTree>
+    <p:extLst>
+      <p:ext uri="{BB962C8B-B14F-4D97-AF65-F5344CB8AC3E}">
+        <p14:creationId xmlns:p14="http://schemas.microsoft.com/office/powerpoint/2010/main" val="1813100641"/>
+      </p:ext>
+    </p:extLst>
+  </p:cSld>
+  <p:clrMapOvr>
+    <a:masterClrMapping/>
+  </p:clrMapOvr>
+</p:sld>
+</file>
+
+<file path=ppt/slides/slide22.xml><?xml version="1.0" encoding="utf-8"?>
+<p:sld xmlns:a="http://schemas.openxmlformats.org/drawingml/2006/main" xmlns:r="http://schemas.openxmlformats.org/officeDocument/2006/relationships" xmlns:p="http://schemas.openxmlformats.org/presentationml/2006/main">
+  <p:cSld>
+    <p:spTree>
+      <p:nvGrpSpPr>
+        <p:cNvPr id="1" name=""/>
+        <p:cNvGrpSpPr/>
+        <p:nvPr/>
+      </p:nvGrpSpPr>
+      <p:grpSpPr>
+        <a:xfrm>
+          <a:off x="0" y="0"/>
+          <a:ext cx="0" cy="0"/>
+          <a:chOff x="0" y="0"/>
+          <a:chExt cx="0" cy="0"/>
+        </a:xfrm>
+      </p:grpSpPr>
+      <p:sp>
+        <p:nvSpPr>
+          <p:cNvPr id="2" name="Title 1">
+            <a:extLst>
+              <a:ext uri="{FF2B5EF4-FFF2-40B4-BE49-F238E27FC236}">
+                <a16:creationId xmlns:a16="http://schemas.microsoft.com/office/drawing/2014/main" xmlns="" id="{855EDE46-3743-DF08-EA17-75DBAD128524}"/>
+              </a:ext>
+            </a:extLst>
+          </p:cNvPr>
+          <p:cNvSpPr>
+            <a:spLocks noGrp="1"/>
+          </p:cNvSpPr>
+          <p:nvPr>
+            <p:ph type="title"/>
+          </p:nvPr>
+        </p:nvSpPr>
+        <p:spPr>
+          <a:xfrm>
+            <a:off x="838200" y="286142"/>
+            <a:ext cx="10515600" cy="1250914"/>
+          </a:xfrm>
+        </p:spPr>
+        <p:txBody>
+          <a:bodyPr>
+            <a:normAutofit/>
+          </a:bodyPr>
+          <a:lstStyle/>
+          <a:p>
+            <a:r>
+              <a:rPr lang="en-US" sz="3600" dirty="0" smtClean="0">
+                <a:solidFill>
+                  <a:srgbClr val="000000"/>
+                </a:solidFill>
+                <a:effectLst/>
+                <a:latin typeface="Helvetica Neue"/>
+              </a:rPr>
+              <a:t>Summary:</a:t>
+            </a:r>
+            <a:r>
+              <a:rPr lang="en-US" sz="1800" b="1" i="1" dirty="0">
+                <a:solidFill>
+                  <a:srgbClr val="000000"/>
+                </a:solidFill>
+                <a:effectLst/>
+                <a:latin typeface="Helvetica Neue"/>
+              </a:rPr>
+              <a:t/>
+            </a:r>
+            <a:br>
+              <a:rPr lang="en-US" sz="1800" b="1" i="1" dirty="0">
+                <a:solidFill>
+                  <a:srgbClr val="000000"/>
+                </a:solidFill>
+                <a:effectLst/>
+                <a:latin typeface="Helvetica Neue"/>
+              </a:rPr>
+            </a:br>
+            <a:r>
+              <a:rPr lang="en-US" sz="1800" i="1" dirty="0">
+                <a:solidFill>
+                  <a:srgbClr val="000000"/>
+                </a:solidFill>
+                <a:effectLst/>
+                <a:latin typeface="Helvetica Neue"/>
+              </a:rPr>
+              <a:t>A</a:t>
+            </a:r>
+            <a:r>
+              <a:rPr lang="en-US" sz="1800" dirty="0">
+                <a:solidFill>
+                  <a:srgbClr val="000000"/>
+                </a:solidFill>
+                <a:effectLst/>
+                <a:latin typeface="Helvetica Neue"/>
+              </a:rPr>
+              <a:t>ccording to the Pearson Correlation Coefficient Table, the KPIs all had a positive relation to wins.</a:t>
+            </a:r>
+            <a:endParaRPr lang="en-US" sz="2800" dirty="0"/>
+          </a:p>
+        </p:txBody>
+      </p:sp>
+      <p:sp>
+        <p:nvSpPr>
+          <p:cNvPr id="3" name="Content Placeholder 2">
+            <a:extLst>
+              <a:ext uri="{FF2B5EF4-FFF2-40B4-BE49-F238E27FC236}">
+                <a16:creationId xmlns:a16="http://schemas.microsoft.com/office/drawing/2014/main" xmlns="" id="{BF77DAA5-3E38-A91A-582E-0E0B9597C516}"/>
+              </a:ext>
+            </a:extLst>
+          </p:cNvPr>
+          <p:cNvSpPr>
+            <a:spLocks noGrp="1"/>
+          </p:cNvSpPr>
+          <p:nvPr>
+            <p:ph idx="1"/>
+          </p:nvPr>
+        </p:nvSpPr>
+        <p:spPr>
+          <a:xfrm>
+            <a:off x="8133907" y="1690688"/>
+            <a:ext cx="3965944" cy="4881170"/>
+          </a:xfrm>
+        </p:spPr>
+        <p:txBody>
+          <a:bodyPr>
+            <a:normAutofit fontScale="92500" lnSpcReduction="10000"/>
+          </a:bodyPr>
+          <a:lstStyle/>
+          <a:p>
             <a:pPr marL="0" indent="0">
               <a:buNone/>
             </a:pPr>
             <a:r>
-              <a:rPr lang="en-US" sz="2000" dirty="0" smtClean="0"/>
-              <a:t>In 1989, the Orlando Magic joined the National Basketball Association (NBA) and are one of 12 teams to have never won a championship. At the conclusion of the 2022-2023 season, the front office contracted Exploratory  Magic to analyze player performance based on a number of metrics and to use this information to improve the team performance and win a championship. </a:t>
+              <a:rPr lang="en-US" dirty="0">
+                <a:solidFill>
+                  <a:srgbClr val="000000"/>
+                </a:solidFill>
+                <a:latin typeface="Helvetica Neue"/>
+              </a:rPr>
+              <a:t>However, </a:t>
+            </a:r>
+            <a:r>
+              <a:rPr lang="en-US" dirty="0">
+                <a:solidFill>
+                  <a:srgbClr val="000000"/>
+                </a:solidFill>
+                <a:effectLst/>
+                <a:latin typeface="Helvetica Neue"/>
+              </a:rPr>
+              <a:t>a strong positive relationship to Wins were shown by: </a:t>
             </a:r>
           </a:p>
           <a:p>
             <a:pPr marL="0" indent="0">
               <a:buNone/>
             </a:pPr>
-            <a:endParaRPr lang="en-US" sz="2000" dirty="0"/>
+            <a:r>
+              <a:rPr lang="en-US" sz="2600" b="1" dirty="0">
+                <a:solidFill>
+                  <a:srgbClr val="000000"/>
+                </a:solidFill>
+                <a:effectLst/>
+                <a:latin typeface="Helvetica Neue"/>
+              </a:rPr>
+              <a:t>1) Field Goals Made</a:t>
+            </a:r>
+            <a:endParaRPr lang="en-US" sz="2600" b="1" dirty="0">
+              <a:solidFill>
+                <a:srgbClr val="000000"/>
+              </a:solidFill>
+              <a:latin typeface="Helvetica Neue"/>
+            </a:endParaRPr>
           </a:p>
           <a:p>
             <a:pPr marL="0" indent="0">
               <a:buNone/>
             </a:pPr>
-            <a:endParaRPr lang="en-US" sz="4000" dirty="0" smtClean="0"/>
+            <a:r>
+              <a:rPr lang="en-US" sz="2600" b="1" dirty="0">
+                <a:solidFill>
+                  <a:srgbClr val="000000"/>
+                </a:solidFill>
+                <a:latin typeface="Helvetica Neue"/>
+              </a:rPr>
+              <a:t>2) </a:t>
+            </a:r>
+            <a:r>
+              <a:rPr lang="en-US" sz="2600" b="1" dirty="0">
+                <a:solidFill>
+                  <a:srgbClr val="000000"/>
+                </a:solidFill>
+                <a:effectLst/>
+                <a:latin typeface="Helvetica Neue"/>
+              </a:rPr>
+              <a:t>Free Throws Made</a:t>
+            </a:r>
           </a:p>
           <a:p>
             <a:pPr marL="0" indent="0">
               <a:buNone/>
             </a:pPr>
             <a:r>
-              <a:rPr lang="en-US" sz="4000" dirty="0" smtClean="0"/>
-              <a:t>Methodology</a:t>
+              <a:rPr lang="en-US" sz="2600" b="1" dirty="0">
+                <a:solidFill>
+                  <a:srgbClr val="000000"/>
+                </a:solidFill>
+                <a:latin typeface="Helvetica Neue"/>
+              </a:rPr>
+              <a:t>3) </a:t>
+            </a:r>
+            <a:r>
+              <a:rPr lang="en-US" sz="2600" b="1" dirty="0">
+                <a:solidFill>
+                  <a:srgbClr val="000000"/>
+                </a:solidFill>
+                <a:effectLst/>
+                <a:latin typeface="Helvetica Neue"/>
+              </a:rPr>
+              <a:t>Rebounds</a:t>
             </a:r>
           </a:p>
           <a:p>
             <a:pPr marL="0" indent="0">
               <a:buNone/>
             </a:pPr>
-            <a:r>
-              <a:rPr lang="en-US" sz="2000" dirty="0" smtClean="0"/>
-              <a:t>Analyze metrics of player performance over the 2022-2023 regular season. Compare the Magic players to other players in the league grouping them by position and measuring the most important metrics of each position.</a:t>
-            </a:r>
-            <a:endParaRPr lang="en-US" sz="2000" dirty="0"/>
-          </a:p>
-        </p:txBody>
-      </p:sp>
+            <a:endParaRPr lang="en-US" sz="1200" b="1" dirty="0">
+              <a:solidFill>
+                <a:srgbClr val="000000"/>
+              </a:solidFill>
+              <a:effectLst/>
+              <a:latin typeface="Helvetica Neue"/>
+            </a:endParaRPr>
+          </a:p>
+          <a:p>
+            <a:pPr marL="0" indent="0">
+              <a:buNone/>
+            </a:pPr>
+            <a:r>
+              <a:rPr lang="en-US" b="1" dirty="0">
+                <a:solidFill>
+                  <a:srgbClr val="000000"/>
+                </a:solidFill>
+                <a:effectLst/>
+                <a:latin typeface="Helvetica Neue"/>
+              </a:rPr>
+              <a:t>3 Points made </a:t>
+            </a:r>
+            <a:r>
+              <a:rPr lang="en-US" dirty="0">
+                <a:solidFill>
+                  <a:srgbClr val="000000"/>
+                </a:solidFill>
+                <a:effectLst/>
+                <a:latin typeface="Helvetica Neue"/>
+              </a:rPr>
+              <a:t>have a moderate positive effect on Wins. </a:t>
+            </a:r>
+          </a:p>
+          <a:p>
+            <a:pPr marL="0" indent="0">
+              <a:buNone/>
+            </a:pPr>
+            <a:endParaRPr lang="en-US" sz="1100" dirty="0">
+              <a:solidFill>
+                <a:srgbClr val="000000"/>
+              </a:solidFill>
+              <a:effectLst/>
+              <a:latin typeface="Helvetica Neue"/>
+            </a:endParaRPr>
+          </a:p>
+          <a:p>
+            <a:pPr marL="0" indent="0">
+              <a:buNone/>
+            </a:pPr>
+            <a:r>
+              <a:rPr lang="en-US" b="1" dirty="0">
+                <a:solidFill>
+                  <a:srgbClr val="000000"/>
+                </a:solidFill>
+                <a:effectLst/>
+                <a:latin typeface="Helvetica Neue"/>
+              </a:rPr>
+              <a:t>Steals and Blocks </a:t>
+            </a:r>
+            <a:r>
+              <a:rPr lang="en-US" dirty="0">
+                <a:solidFill>
+                  <a:srgbClr val="000000"/>
+                </a:solidFill>
+                <a:effectLst/>
+                <a:latin typeface="Helvetica Neue"/>
+              </a:rPr>
+              <a:t>are least related to Win.</a:t>
+            </a:r>
+            <a:endParaRPr lang="en-US" dirty="0"/>
+          </a:p>
+        </p:txBody>
+      </p:sp>
+      <p:pic>
+        <p:nvPicPr>
+          <p:cNvPr id="1026" name="Picture 2">
+            <a:extLst>
+              <a:ext uri="{FF2B5EF4-FFF2-40B4-BE49-F238E27FC236}">
+                <a16:creationId xmlns:a16="http://schemas.microsoft.com/office/drawing/2014/main" xmlns="" id="{CB123D68-9F97-5D46-4820-4D45011766D7}"/>
+              </a:ext>
+            </a:extLst>
+          </p:cNvPr>
+          <p:cNvPicPr>
+            <a:picLocks noChangeAspect="1" noChangeArrowheads="1"/>
+          </p:cNvPicPr>
+          <p:nvPr/>
+        </p:nvPicPr>
+        <p:blipFill>
+          <a:blip r:embed="rId2">
+            <a:extLst>
+              <a:ext uri="{28A0092B-C50C-407E-A947-70E740481C1C}">
+                <a14:useLocalDpi xmlns:a14="http://schemas.microsoft.com/office/drawing/2010/main" val="0"/>
+              </a:ext>
+            </a:extLst>
+          </a:blip>
+          <a:srcRect/>
+          <a:stretch>
+            <a:fillRect/>
+          </a:stretch>
+        </p:blipFill>
+        <p:spPr bwMode="auto">
+          <a:xfrm>
+            <a:off x="838200" y="1537055"/>
+            <a:ext cx="7295707" cy="5141130"/>
+          </a:xfrm>
+          <a:prstGeom prst="rect">
+            <a:avLst/>
+          </a:prstGeom>
+          <a:noFill/>
+          <a:extLst>
+            <a:ext uri="{909E8E84-426E-40DD-AFC4-6F175D3DCCD1}">
+              <a14:hiddenFill xmlns:a14="http://schemas.microsoft.com/office/drawing/2010/main">
+                <a:solidFill>
+                  <a:srgbClr val="FFFFFF"/>
+                </a:solidFill>
+              </a14:hiddenFill>
+            </a:ext>
+          </a:extLst>
+        </p:spPr>
+      </p:pic>
     </p:spTree>
     <p:extLst>
       <p:ext uri="{BB962C8B-B14F-4D97-AF65-F5344CB8AC3E}">
-        <p14:creationId xmlns:p14="http://schemas.microsoft.com/office/powerpoint/2010/main" val="4092858882"/>
+        <p14:creationId xmlns:p14="http://schemas.microsoft.com/office/powerpoint/2010/main" val="1931525350"/>
+      </p:ext>
+    </p:extLst>
+  </p:cSld>
+  <p:clrMapOvr>
+    <a:masterClrMapping/>
+  </p:clrMapOvr>
+</p:sld>
+</file>
+
+<file path=ppt/slides/slide23.xml><?xml version="1.0" encoding="utf-8"?>
+<p:sld xmlns:a="http://schemas.openxmlformats.org/drawingml/2006/main" xmlns:r="http://schemas.openxmlformats.org/officeDocument/2006/relationships" xmlns:p="http://schemas.openxmlformats.org/presentationml/2006/main">
+  <p:cSld>
+    <p:spTree>
+      <p:nvGrpSpPr>
+        <p:cNvPr id="1" name=""/>
+        <p:cNvGrpSpPr/>
+        <p:nvPr/>
+      </p:nvGrpSpPr>
+      <p:grpSpPr>
+        <a:xfrm>
+          <a:off x="0" y="0"/>
+          <a:ext cx="0" cy="0"/>
+          <a:chOff x="0" y="0"/>
+          <a:chExt cx="0" cy="0"/>
+        </a:xfrm>
+      </p:grpSpPr>
+      <p:sp>
+        <p:nvSpPr>
+          <p:cNvPr id="2" name="Title 1"/>
+          <p:cNvSpPr>
+            <a:spLocks noGrp="1"/>
+          </p:cNvSpPr>
+          <p:nvPr>
+            <p:ph type="title"/>
+          </p:nvPr>
+        </p:nvSpPr>
+        <p:spPr/>
+        <p:txBody>
+          <a:bodyPr/>
+          <a:lstStyle/>
+          <a:p>
+            <a:r>
+              <a:rPr lang="en-US" dirty="0" smtClean="0"/>
+              <a:t>Dario</a:t>
+            </a:r>
+            <a:endParaRPr lang="en-US" dirty="0"/>
+          </a:p>
+        </p:txBody>
+      </p:sp>
+      <p:sp>
+        <p:nvSpPr>
+          <p:cNvPr id="3" name="Content Placeholder 2"/>
+          <p:cNvSpPr>
+            <a:spLocks noGrp="1"/>
+          </p:cNvSpPr>
+          <p:nvPr>
+            <p:ph idx="1"/>
+          </p:nvPr>
+        </p:nvSpPr>
+        <p:spPr/>
+        <p:txBody>
+          <a:bodyPr/>
+          <a:lstStyle/>
+          <a:p>
+            <a:endParaRPr lang="en-US" dirty="0"/>
+          </a:p>
+        </p:txBody>
+      </p:sp>
+    </p:spTree>
+    <p:extLst>
+      <p:ext uri="{BB962C8B-B14F-4D97-AF65-F5344CB8AC3E}">
+        <p14:creationId xmlns:p14="http://schemas.microsoft.com/office/powerpoint/2010/main" val="804330140"/>
+      </p:ext>
+    </p:extLst>
+  </p:cSld>
+  <p:clrMapOvr>
+    <a:masterClrMapping/>
+  </p:clrMapOvr>
+  <p:timing>
+    <p:tnLst>
+      <p:par>
+        <p:cTn id="1" dur="indefinite" restart="never" nodeType="tmRoot"/>
+      </p:par>
+    </p:tnLst>
+  </p:timing>
+</p:sld>
+</file>
+
+<file path=ppt/slides/slide24.xml><?xml version="1.0" encoding="utf-8"?>
+<p:sld xmlns:a="http://schemas.openxmlformats.org/drawingml/2006/main" xmlns:r="http://schemas.openxmlformats.org/officeDocument/2006/relationships" xmlns:p="http://schemas.openxmlformats.org/presentationml/2006/main">
+  <p:cSld>
+    <p:spTree>
+      <p:nvGrpSpPr>
+        <p:cNvPr id="1" name=""/>
+        <p:cNvGrpSpPr/>
+        <p:nvPr/>
+      </p:nvGrpSpPr>
+      <p:grpSpPr>
+        <a:xfrm>
+          <a:off x="0" y="0"/>
+          <a:ext cx="0" cy="0"/>
+          <a:chOff x="0" y="0"/>
+          <a:chExt cx="0" cy="0"/>
+        </a:xfrm>
+      </p:grpSpPr>
+      <p:sp>
+        <p:nvSpPr>
+          <p:cNvPr id="2" name="Title 1"/>
+          <p:cNvSpPr>
+            <a:spLocks noGrp="1"/>
+          </p:cNvSpPr>
+          <p:nvPr>
+            <p:ph type="title"/>
+          </p:nvPr>
+        </p:nvSpPr>
+        <p:spPr/>
+        <p:txBody>
+          <a:bodyPr/>
+          <a:lstStyle/>
+          <a:p>
+            <a:r>
+              <a:rPr lang="en-US" dirty="0" smtClean="0"/>
+              <a:t>Jessica	</a:t>
+            </a:r>
+            <a:endParaRPr lang="en-US" dirty="0"/>
+          </a:p>
+        </p:txBody>
+      </p:sp>
+      <p:sp>
+        <p:nvSpPr>
+          <p:cNvPr id="4" name="Content Placeholder 3"/>
+          <p:cNvSpPr>
+            <a:spLocks noGrp="1"/>
+          </p:cNvSpPr>
+          <p:nvPr>
+            <p:ph idx="1"/>
+          </p:nvPr>
+        </p:nvSpPr>
+        <p:spPr/>
+        <p:txBody>
+          <a:bodyPr/>
+          <a:lstStyle/>
+          <a:p>
+            <a:endParaRPr lang="en-US"/>
+          </a:p>
+        </p:txBody>
+      </p:sp>
+    </p:spTree>
+    <p:extLst>
+      <p:ext uri="{BB962C8B-B14F-4D97-AF65-F5344CB8AC3E}">
+        <p14:creationId xmlns:p14="http://schemas.microsoft.com/office/powerpoint/2010/main" val="3060557032"/>
+      </p:ext>
+    </p:extLst>
+  </p:cSld>
+  <p:clrMapOvr>
+    <a:masterClrMapping/>
+  </p:clrMapOvr>
+  <p:timing>
+    <p:tnLst>
+      <p:par>
+        <p:cTn id="1" dur="indefinite" restart="never" nodeType="tmRoot"/>
+      </p:par>
+    </p:tnLst>
+  </p:timing>
+</p:sld>
+</file>
+
+<file path=ppt/slides/slide25.xml><?xml version="1.0" encoding="utf-8"?>
+<p:sld xmlns:a="http://schemas.openxmlformats.org/drawingml/2006/main" xmlns:r="http://schemas.openxmlformats.org/officeDocument/2006/relationships" xmlns:p="http://schemas.openxmlformats.org/presentationml/2006/main">
+  <p:cSld>
+    <p:spTree>
+      <p:nvGrpSpPr>
+        <p:cNvPr id="1" name=""/>
+        <p:cNvGrpSpPr/>
+        <p:nvPr/>
+      </p:nvGrpSpPr>
+      <p:grpSpPr>
+        <a:xfrm>
+          <a:off x="0" y="0"/>
+          <a:ext cx="0" cy="0"/>
+          <a:chOff x="0" y="0"/>
+          <a:chExt cx="0" cy="0"/>
+        </a:xfrm>
+      </p:grpSpPr>
+      <p:sp>
+        <p:nvSpPr>
+          <p:cNvPr id="2" name="Title 1"/>
+          <p:cNvSpPr>
+            <a:spLocks noGrp="1"/>
+          </p:cNvSpPr>
+          <p:nvPr>
+            <p:ph type="title"/>
+          </p:nvPr>
+        </p:nvSpPr>
+        <p:spPr/>
+        <p:txBody>
+          <a:bodyPr/>
+          <a:lstStyle/>
+          <a:p>
+            <a:r>
+              <a:rPr lang="en-US" dirty="0" smtClean="0"/>
+              <a:t>Candace</a:t>
+            </a:r>
+            <a:endParaRPr lang="en-US" dirty="0"/>
+          </a:p>
+        </p:txBody>
+      </p:sp>
+      <p:sp>
+        <p:nvSpPr>
+          <p:cNvPr id="4" name="Content Placeholder 3"/>
+          <p:cNvSpPr>
+            <a:spLocks noGrp="1"/>
+          </p:cNvSpPr>
+          <p:nvPr>
+            <p:ph idx="1"/>
+          </p:nvPr>
+        </p:nvSpPr>
+        <p:spPr/>
+        <p:txBody>
+          <a:bodyPr/>
+          <a:lstStyle/>
+          <a:p>
+            <a:endParaRPr lang="en-US"/>
+          </a:p>
+        </p:txBody>
+      </p:sp>
+    </p:spTree>
+    <p:extLst>
+      <p:ext uri="{BB962C8B-B14F-4D97-AF65-F5344CB8AC3E}">
+        <p14:creationId xmlns:p14="http://schemas.microsoft.com/office/powerpoint/2010/main" val="3231821585"/>
+      </p:ext>
+    </p:extLst>
+  </p:cSld>
+  <p:clrMapOvr>
+    <a:masterClrMapping/>
+  </p:clrMapOvr>
+  <p:timing>
+    <p:tnLst>
+      <p:par>
+        <p:cTn id="1" dur="indefinite" restart="never" nodeType="tmRoot"/>
+      </p:par>
+    </p:tnLst>
+  </p:timing>
+</p:sld>
+</file>
+
+<file path=ppt/slides/slide26.xml><?xml version="1.0" encoding="utf-8"?>
+<p:sld xmlns:a="http://schemas.openxmlformats.org/drawingml/2006/main" xmlns:r="http://schemas.openxmlformats.org/officeDocument/2006/relationships" xmlns:p="http://schemas.openxmlformats.org/presentationml/2006/main">
+  <p:cSld>
+    <p:spTree>
+      <p:nvGrpSpPr>
+        <p:cNvPr id="1" name=""/>
+        <p:cNvGrpSpPr/>
+        <p:nvPr/>
+      </p:nvGrpSpPr>
+      <p:grpSpPr>
+        <a:xfrm>
+          <a:off x="0" y="0"/>
+          <a:ext cx="0" cy="0"/>
+          <a:chOff x="0" y="0"/>
+          <a:chExt cx="0" cy="0"/>
+        </a:xfrm>
+      </p:grpSpPr>
+      <p:sp>
+        <p:nvSpPr>
+          <p:cNvPr id="2" name="Title 1"/>
+          <p:cNvSpPr>
+            <a:spLocks noGrp="1"/>
+          </p:cNvSpPr>
+          <p:nvPr>
+            <p:ph type="title"/>
+          </p:nvPr>
+        </p:nvSpPr>
+        <p:spPr>
+          <a:xfrm>
+            <a:off x="831850" y="239561"/>
+            <a:ext cx="10515600" cy="1427874"/>
+          </a:xfrm>
+        </p:spPr>
+        <p:txBody>
+          <a:bodyPr>
+            <a:normAutofit/>
+          </a:bodyPr>
+          <a:lstStyle/>
+          <a:p>
+            <a:pPr algn="ctr"/>
+            <a:r>
+              <a:rPr lang="en-US" dirty="0">
+                <a:solidFill>
+                  <a:prstClr val="black"/>
+                </a:solidFill>
+              </a:rPr>
+              <a:t>SECTION </a:t>
+            </a:r>
+            <a:r>
+              <a:rPr lang="en-US" dirty="0" smtClean="0">
+                <a:solidFill>
+                  <a:prstClr val="black"/>
+                </a:solidFill>
+              </a:rPr>
+              <a:t>5</a:t>
+            </a:r>
+            <a:endParaRPr lang="en-US" sz="2400" dirty="0"/>
+          </a:p>
+        </p:txBody>
+      </p:sp>
+      <p:sp>
+        <p:nvSpPr>
+          <p:cNvPr id="3" name="Text Placeholder 2"/>
+          <p:cNvSpPr>
+            <a:spLocks noGrp="1"/>
+          </p:cNvSpPr>
+          <p:nvPr>
+            <p:ph type="body" idx="1"/>
+          </p:nvPr>
+        </p:nvSpPr>
+        <p:spPr>
+          <a:xfrm>
+            <a:off x="831850" y="1721225"/>
+            <a:ext cx="10515600" cy="4368426"/>
+          </a:xfrm>
+        </p:spPr>
+        <p:txBody>
+          <a:bodyPr>
+            <a:noAutofit/>
+          </a:bodyPr>
+          <a:lstStyle/>
+          <a:p>
+            <a:pPr>
+              <a:buFont typeface="Arial"/>
+              <a:buChar char="•"/>
+            </a:pPr>
+            <a:r>
+              <a:rPr lang="en-US" sz="1600" dirty="0" smtClean="0">
+                <a:solidFill>
+                  <a:srgbClr val="2B2B2B"/>
+                </a:solidFill>
+              </a:rPr>
+              <a:t>Course requirement</a:t>
+            </a:r>
+            <a:endParaRPr lang="en-US" sz="1600" dirty="0">
+              <a:solidFill>
+                <a:srgbClr val="2B2B2B"/>
+              </a:solidFill>
+            </a:endParaRPr>
+          </a:p>
+          <a:p>
+            <a:pPr lvl="1">
+              <a:buFont typeface="Arial"/>
+              <a:buChar char="•"/>
+            </a:pPr>
+            <a:r>
+              <a:rPr lang="en-US" sz="1600" dirty="0">
+                <a:solidFill>
+                  <a:srgbClr val="2B2B2B"/>
+                </a:solidFill>
+              </a:rPr>
+              <a:t>Next steps:</a:t>
+            </a:r>
+          </a:p>
+          <a:p>
+            <a:pPr marL="1200150" lvl="2" indent="-285750">
+              <a:buFont typeface="Arial"/>
+              <a:buChar char="•"/>
+            </a:pPr>
+            <a:r>
+              <a:rPr lang="en-US" sz="1400" dirty="0">
+                <a:solidFill>
+                  <a:srgbClr val="2B2B2B"/>
+                </a:solidFill>
+              </a:rPr>
+              <a:t>Briefly discuss potential next steps for the project.</a:t>
+            </a:r>
+          </a:p>
+          <a:p>
+            <a:r>
+              <a:rPr lang="en-US" sz="1600" dirty="0" smtClean="0">
+                <a:solidFill>
+                  <a:srgbClr val="2B2B2B"/>
+                </a:solidFill>
+              </a:rPr>
+              <a:t>Cindy’s requirement</a:t>
+            </a:r>
+          </a:p>
+          <a:p>
+            <a:pPr marL="742950" lvl="1" indent="-285750">
+              <a:buFont typeface="Arial"/>
+              <a:buChar char="•"/>
+            </a:pPr>
+            <a:r>
+              <a:rPr lang="en-US" sz="1600" dirty="0" smtClean="0">
+                <a:solidFill>
+                  <a:srgbClr val="2B2B2B"/>
+                </a:solidFill>
+              </a:rPr>
+              <a:t>The implications of your findings: what do your findings mean?</a:t>
+            </a:r>
+            <a:endParaRPr lang="en-US" sz="1600" dirty="0">
+              <a:solidFill>
+                <a:srgbClr val="2B2B2B"/>
+              </a:solidFill>
+            </a:endParaRPr>
+          </a:p>
+          <a:p>
+            <a:pPr marL="285750" indent="-285750">
+              <a:buFont typeface="Arial"/>
+              <a:buChar char="•"/>
+            </a:pPr>
+            <a:r>
+              <a:rPr lang="en-US" sz="1600" dirty="0" smtClean="0">
+                <a:solidFill>
+                  <a:srgbClr val="2B2B2B"/>
+                </a:solidFill>
+              </a:rPr>
+              <a:t>Time: .5 minutes</a:t>
+            </a:r>
+          </a:p>
+          <a:p>
+            <a:pPr marL="285750" indent="-285750">
+              <a:buFont typeface="Arial"/>
+              <a:buChar char="•"/>
+            </a:pPr>
+            <a:r>
+              <a:rPr lang="en-US" sz="1600" dirty="0" smtClean="0">
+                <a:solidFill>
+                  <a:srgbClr val="2B2B2B"/>
+                </a:solidFill>
+              </a:rPr>
+              <a:t>Assignment</a:t>
+            </a:r>
+          </a:p>
+          <a:p>
+            <a:pPr marL="742950" lvl="1" indent="-285750">
+              <a:buFont typeface="Arial"/>
+              <a:buChar char="•"/>
+            </a:pPr>
+            <a:r>
+              <a:rPr lang="en-US" sz="1600" dirty="0" smtClean="0">
+                <a:solidFill>
+                  <a:srgbClr val="2B2B2B"/>
+                </a:solidFill>
+              </a:rPr>
+              <a:t>Intro – Candace</a:t>
+            </a:r>
+          </a:p>
+          <a:p>
+            <a:pPr marL="1200150" lvl="2" indent="-285750">
+              <a:buFont typeface="Arial"/>
+              <a:buChar char="•"/>
+            </a:pPr>
+            <a:r>
+              <a:rPr lang="en-US" sz="1600" dirty="0" smtClean="0">
+                <a:solidFill>
+                  <a:srgbClr val="2B2B2B"/>
+                </a:solidFill>
+              </a:rPr>
+              <a:t>Slides</a:t>
+            </a:r>
+          </a:p>
+          <a:p>
+            <a:pPr marL="1657350" lvl="3" indent="-285750">
+              <a:buFont typeface="Arial"/>
+              <a:buChar char="•"/>
+            </a:pPr>
+            <a:r>
+              <a:rPr lang="en-US" dirty="0" smtClean="0">
+                <a:solidFill>
+                  <a:srgbClr val="2B2B2B"/>
+                </a:solidFill>
+              </a:rPr>
+              <a:t>Dario</a:t>
+            </a:r>
+          </a:p>
+          <a:p>
+            <a:pPr marL="1657350" lvl="3" indent="-285750">
+              <a:buFont typeface="Arial"/>
+              <a:buChar char="•"/>
+            </a:pPr>
+            <a:r>
+              <a:rPr lang="en-US" dirty="0" smtClean="0">
+                <a:solidFill>
+                  <a:srgbClr val="2B2B2B"/>
+                </a:solidFill>
+              </a:rPr>
+              <a:t>Mark</a:t>
+            </a:r>
+          </a:p>
+          <a:p>
+            <a:pPr marL="1657350" lvl="3" indent="-285750">
+              <a:buFont typeface="Arial"/>
+              <a:buChar char="•"/>
+            </a:pPr>
+            <a:r>
+              <a:rPr lang="en-US" dirty="0" smtClean="0">
+                <a:solidFill>
+                  <a:srgbClr val="2B2B2B"/>
+                </a:solidFill>
+              </a:rPr>
+              <a:t>Jessica</a:t>
+            </a:r>
+          </a:p>
+          <a:p>
+            <a:pPr marL="1657350" lvl="3" indent="-285750">
+              <a:buFont typeface="Arial"/>
+              <a:buChar char="•"/>
+            </a:pPr>
+            <a:r>
+              <a:rPr lang="en-US" dirty="0">
+                <a:solidFill>
+                  <a:srgbClr val="2B2B2B"/>
+                </a:solidFill>
+              </a:rPr>
+              <a:t>Candace</a:t>
+            </a:r>
+          </a:p>
+          <a:p>
+            <a:pPr marL="1657350" lvl="3" indent="-285750">
+              <a:buFont typeface="Arial"/>
+              <a:buChar char="•"/>
+            </a:pPr>
+            <a:r>
+              <a:rPr lang="en-US">
+                <a:solidFill>
+                  <a:srgbClr val="2B2B2B"/>
+                </a:solidFill>
+              </a:rPr>
+              <a:t>Brenton</a:t>
+            </a:r>
+          </a:p>
+          <a:p>
+            <a:pPr lvl="3"/>
+            <a:endParaRPr lang="en-US" dirty="0" smtClean="0"/>
+          </a:p>
+          <a:p>
+            <a:endParaRPr lang="en-US" sz="1600" dirty="0"/>
+          </a:p>
+        </p:txBody>
+      </p:sp>
+    </p:spTree>
+    <p:extLst>
+      <p:ext uri="{BB962C8B-B14F-4D97-AF65-F5344CB8AC3E}">
+        <p14:creationId xmlns:p14="http://schemas.microsoft.com/office/powerpoint/2010/main" val="3968192572"/>
+      </p:ext>
+    </p:extLst>
+  </p:cSld>
+  <p:clrMapOvr>
+    <a:masterClrMapping/>
+  </p:clrMapOvr>
+  <p:timing>
+    <p:tnLst>
+      <p:par>
+        <p:cTn id="1" dur="indefinite" restart="never" nodeType="tmRoot"/>
+      </p:par>
+    </p:tnLst>
+  </p:timing>
+</p:sld>
+</file>
+
+<file path=ppt/slides/slide27.xml><?xml version="1.0" encoding="utf-8"?>
+<p:sld xmlns:a="http://schemas.openxmlformats.org/drawingml/2006/main" xmlns:r="http://schemas.openxmlformats.org/officeDocument/2006/relationships" xmlns:p="http://schemas.openxmlformats.org/presentationml/2006/main">
+  <p:cSld>
+    <p:spTree>
+      <p:nvGrpSpPr>
+        <p:cNvPr id="1" name=""/>
+        <p:cNvGrpSpPr/>
+        <p:nvPr/>
+      </p:nvGrpSpPr>
+      <p:grpSpPr>
+        <a:xfrm>
+          <a:off x="0" y="0"/>
+          <a:ext cx="0" cy="0"/>
+          <a:chOff x="0" y="0"/>
+          <a:chExt cx="0" cy="0"/>
+        </a:xfrm>
+      </p:grpSpPr>
+      <p:sp>
+        <p:nvSpPr>
+          <p:cNvPr id="2" name="Title 1"/>
+          <p:cNvSpPr>
+            <a:spLocks noGrp="1"/>
+          </p:cNvSpPr>
+          <p:nvPr>
+            <p:ph type="title"/>
+          </p:nvPr>
+        </p:nvSpPr>
+        <p:spPr/>
+        <p:txBody>
+          <a:bodyPr/>
+          <a:lstStyle/>
+          <a:p>
+            <a:pPr algn="ctr"/>
+            <a:r>
+              <a:rPr lang="en-US" sz="3600" b="1" dirty="0"/>
+              <a:t>Question 1 – Regular Season vs Playoff Percentage</a:t>
+            </a:r>
+            <a:endParaRPr lang="en-US" dirty="0"/>
+          </a:p>
+        </p:txBody>
+      </p:sp>
+      <p:sp>
+        <p:nvSpPr>
+          <p:cNvPr id="3" name="Content Placeholder 2"/>
+          <p:cNvSpPr>
+            <a:spLocks noGrp="1"/>
+          </p:cNvSpPr>
+          <p:nvPr>
+            <p:ph idx="1"/>
+          </p:nvPr>
+        </p:nvSpPr>
+        <p:spPr/>
+        <p:txBody>
+          <a:bodyPr/>
+          <a:lstStyle/>
+          <a:p>
+            <a:r>
+              <a:rPr lang="en-US" dirty="0" smtClean="0"/>
+              <a:t>The correlation of season winning percentage versus playoff winning percentage is important because the regular season winning percentage determines home court advantage throughout the playoffs.</a:t>
+            </a:r>
+          </a:p>
+          <a:p>
+            <a:r>
+              <a:rPr lang="en-US" dirty="0" smtClean="0"/>
+              <a:t> Statistics show the team with the home court advantage has won 53 of 74 championships, or 71.6% of the time. </a:t>
+            </a:r>
+          </a:p>
+          <a:p>
+            <a:r>
+              <a:rPr lang="en-US" dirty="0" smtClean="0"/>
+              <a:t>There are no next steps with regard to this KPI</a:t>
+            </a:r>
+            <a:endParaRPr lang="en-US" dirty="0"/>
+          </a:p>
+        </p:txBody>
+      </p:sp>
+    </p:spTree>
+    <p:extLst>
+      <p:ext uri="{BB962C8B-B14F-4D97-AF65-F5344CB8AC3E}">
+        <p14:creationId xmlns:p14="http://schemas.microsoft.com/office/powerpoint/2010/main" val="3669989009"/>
+      </p:ext>
+    </p:extLst>
+  </p:cSld>
+  <p:clrMapOvr>
+    <a:masterClrMapping/>
+  </p:clrMapOvr>
+  <p:timing>
+    <p:tnLst>
+      <p:par>
+        <p:cTn id="1" dur="indefinite" restart="never" nodeType="tmRoot"/>
+      </p:par>
+    </p:tnLst>
+  </p:timing>
+</p:sld>
+</file>
+
+<file path=ppt/slides/slide28.xml><?xml version="1.0" encoding="utf-8"?>
+<p:sld xmlns:a="http://schemas.openxmlformats.org/drawingml/2006/main" xmlns:r="http://schemas.openxmlformats.org/officeDocument/2006/relationships" xmlns:p="http://schemas.openxmlformats.org/presentationml/2006/main">
+  <p:cSld>
+    <p:spTree>
+      <p:nvGrpSpPr>
+        <p:cNvPr id="1" name=""/>
+        <p:cNvGrpSpPr/>
+        <p:nvPr/>
+      </p:nvGrpSpPr>
+      <p:grpSpPr>
+        <a:xfrm>
+          <a:off x="0" y="0"/>
+          <a:ext cx="0" cy="0"/>
+          <a:chOff x="0" y="0"/>
+          <a:chExt cx="0" cy="0"/>
+        </a:xfrm>
+      </p:grpSpPr>
+      <p:sp>
+        <p:nvSpPr>
+          <p:cNvPr id="2" name="Title 1"/>
+          <p:cNvSpPr>
+            <a:spLocks noGrp="1"/>
+          </p:cNvSpPr>
+          <p:nvPr>
+            <p:ph type="title"/>
+          </p:nvPr>
+        </p:nvSpPr>
+        <p:spPr/>
+        <p:txBody>
+          <a:bodyPr/>
+          <a:lstStyle/>
+          <a:p>
+            <a:r>
+              <a:rPr lang="en-US" dirty="0" smtClean="0"/>
+              <a:t>Dario</a:t>
+            </a:r>
+            <a:endParaRPr lang="en-US" dirty="0"/>
+          </a:p>
+        </p:txBody>
+      </p:sp>
+      <p:sp>
+        <p:nvSpPr>
+          <p:cNvPr id="3" name="Content Placeholder 2"/>
+          <p:cNvSpPr>
+            <a:spLocks noGrp="1"/>
+          </p:cNvSpPr>
+          <p:nvPr>
+            <p:ph idx="1"/>
+          </p:nvPr>
+        </p:nvSpPr>
+        <p:spPr/>
+        <p:txBody>
+          <a:bodyPr/>
+          <a:lstStyle/>
+          <a:p>
+            <a:endParaRPr lang="en-US" dirty="0"/>
+          </a:p>
+        </p:txBody>
+      </p:sp>
+    </p:spTree>
+    <p:extLst>
+      <p:ext uri="{BB962C8B-B14F-4D97-AF65-F5344CB8AC3E}">
+        <p14:creationId xmlns:p14="http://schemas.microsoft.com/office/powerpoint/2010/main" val="3628214694"/>
+      </p:ext>
+    </p:extLst>
+  </p:cSld>
+  <p:clrMapOvr>
+    <a:masterClrMapping/>
+  </p:clrMapOvr>
+  <p:timing>
+    <p:tnLst>
+      <p:par>
+        <p:cTn id="1" dur="indefinite" restart="never" nodeType="tmRoot"/>
+      </p:par>
+    </p:tnLst>
+  </p:timing>
+</p:sld>
+</file>
+
+<file path=ppt/slides/slide29.xml><?xml version="1.0" encoding="utf-8"?>
+<p:sld xmlns:a="http://schemas.openxmlformats.org/drawingml/2006/main" xmlns:r="http://schemas.openxmlformats.org/officeDocument/2006/relationships" xmlns:p="http://schemas.openxmlformats.org/presentationml/2006/main">
+  <p:cSld>
+    <p:spTree>
+      <p:nvGrpSpPr>
+        <p:cNvPr id="1" name=""/>
+        <p:cNvGrpSpPr/>
+        <p:nvPr/>
+      </p:nvGrpSpPr>
+      <p:grpSpPr>
+        <a:xfrm>
+          <a:off x="0" y="0"/>
+          <a:ext cx="0" cy="0"/>
+          <a:chOff x="0" y="0"/>
+          <a:chExt cx="0" cy="0"/>
+        </a:xfrm>
+      </p:grpSpPr>
+      <p:sp>
+        <p:nvSpPr>
+          <p:cNvPr id="2" name="Title 1"/>
+          <p:cNvSpPr>
+            <a:spLocks noGrp="1"/>
+          </p:cNvSpPr>
+          <p:nvPr>
+            <p:ph type="title"/>
+          </p:nvPr>
+        </p:nvSpPr>
+        <p:spPr/>
+        <p:txBody>
+          <a:bodyPr/>
+          <a:lstStyle/>
+          <a:p>
+            <a:r>
+              <a:rPr lang="en-US" dirty="0" smtClean="0"/>
+              <a:t>Jessica	</a:t>
+            </a:r>
+            <a:endParaRPr lang="en-US" dirty="0"/>
+          </a:p>
+        </p:txBody>
+      </p:sp>
+      <p:sp>
+        <p:nvSpPr>
+          <p:cNvPr id="4" name="Content Placeholder 3"/>
+          <p:cNvSpPr>
+            <a:spLocks noGrp="1"/>
+          </p:cNvSpPr>
+          <p:nvPr>
+            <p:ph idx="1"/>
+          </p:nvPr>
+        </p:nvSpPr>
+        <p:spPr/>
+        <p:txBody>
+          <a:bodyPr/>
+          <a:lstStyle/>
+          <a:p>
+            <a:endParaRPr lang="en-US"/>
+          </a:p>
+        </p:txBody>
+      </p:sp>
+    </p:spTree>
+    <p:extLst>
+      <p:ext uri="{BB962C8B-B14F-4D97-AF65-F5344CB8AC3E}">
+        <p14:creationId xmlns:p14="http://schemas.microsoft.com/office/powerpoint/2010/main" val="4112603086"/>
       </p:ext>
     </p:extLst>
   </p:cSld>
@@ -4151,11 +7481,12 @@
           <a:bodyPr/>
           <a:lstStyle/>
           <a:p>
-            <a:r>
-              <a:rPr lang="en-US" b="1" dirty="0" smtClean="0"/>
-              <a:t>Introduction – The Orlando Magic</a:t>
-            </a:r>
-            <a:endParaRPr lang="en-US" b="1" dirty="0"/>
+            <a:pPr algn="ctr"/>
+            <a:r>
+              <a:rPr lang="en-US" dirty="0" smtClean="0"/>
+              <a:t>Project Overview</a:t>
+            </a:r>
+            <a:endParaRPr lang="en-US" dirty="0"/>
           </a:p>
         </p:txBody>
       </p:sp>
@@ -4166,92 +7497,336 @@
             <a:spLocks noGrp="1"/>
           </p:cNvSpPr>
           <p:nvPr>
-            <p:ph sz="half" idx="1"/>
-          </p:nvPr>
-        </p:nvSpPr>
-        <p:spPr/>
-        <p:txBody>
-          <a:bodyPr>
-            <a:normAutofit fontScale="85000" lnSpcReduction="10000"/>
-          </a:bodyPr>
-          <a:lstStyle/>
-          <a:p>
-            <a:r>
-              <a:rPr lang="en-US" sz="2400" dirty="0" smtClean="0"/>
-              <a:t>Joined the NBA in 1989 for a total of 34 seasons</a:t>
-            </a:r>
-          </a:p>
-          <a:p>
-            <a:r>
-              <a:rPr lang="en-US" sz="2400" dirty="0" smtClean="0"/>
-              <a:t>One of 12 teams to never win a championship</a:t>
-            </a:r>
-          </a:p>
-          <a:p>
-            <a:r>
-              <a:rPr lang="en-US" sz="2400" dirty="0" smtClean="0"/>
-              <a:t>Has been to the final championship game twice, once in 1995 and once in 2009</a:t>
-            </a:r>
-          </a:p>
-          <a:p>
-            <a:r>
-              <a:rPr lang="en-US" sz="2400" dirty="0" smtClean="0"/>
-              <a:t>Has been to the playoff 16 times</a:t>
-            </a:r>
-          </a:p>
-          <a:p>
-            <a:r>
-              <a:rPr lang="en-US" sz="2400" dirty="0" smtClean="0"/>
-              <a:t>Last playoff appearance was in 2020</a:t>
-            </a:r>
-          </a:p>
-          <a:p>
-            <a:r>
-              <a:rPr lang="en-US" sz="2400" dirty="0" smtClean="0"/>
-              <a:t>Average winning percentage has dropped below .500 over the last  10 seasons with the Magic making the playoffs in 2 of those years </a:t>
-            </a:r>
-          </a:p>
-          <a:p>
-            <a:r>
-              <a:rPr lang="en-US" sz="2400" dirty="0" smtClean="0"/>
-              <a:t>Looking for areas of improvement  to win a championship and return to the glory years</a:t>
-            </a:r>
-          </a:p>
-        </p:txBody>
-      </p:sp>
-      <p:pic>
-        <p:nvPicPr>
-          <p:cNvPr id="10" name="Content Placeholder 9"/>
-          <p:cNvPicPr>
-            <a:picLocks noGrp="1" noChangeAspect="1"/>
-          </p:cNvPicPr>
-          <p:nvPr>
-            <p:ph sz="half" idx="2"/>
-          </p:nvPr>
-        </p:nvPicPr>
-        <p:blipFill>
-          <a:blip r:embed="rId3">
-            <a:extLst>
-              <a:ext uri="{28A0092B-C50C-407E-A947-70E740481C1C}">
-                <a14:useLocalDpi xmlns:a14="http://schemas.microsoft.com/office/drawing/2010/main" val="0"/>
-              </a:ext>
-            </a:extLst>
-          </a:blip>
-          <a:stretch>
-            <a:fillRect/>
-          </a:stretch>
-        </p:blipFill>
+            <p:ph idx="1"/>
+          </p:nvPr>
+        </p:nvSpPr>
         <p:spPr>
           <a:xfrm>
-            <a:off x="7797414" y="1957528"/>
-            <a:ext cx="3200400" cy="3200400"/>
+            <a:off x="396240" y="1825625"/>
+            <a:ext cx="11490960" cy="4351338"/>
           </a:xfrm>
         </p:spPr>
-      </p:pic>
+        <p:txBody>
+          <a:bodyPr>
+            <a:normAutofit/>
+          </a:bodyPr>
+          <a:lstStyle/>
+          <a:p>
+            <a:pPr marL="0" indent="0">
+              <a:buNone/>
+            </a:pPr>
+            <a:r>
+              <a:rPr lang="en-US" sz="1800" dirty="0" smtClean="0"/>
+              <a:t>The Orlando Magic has contracted this group to perform an EDA to look into key performance indicators (KPIs) to determine areas of play that need improvement so the Magic can become a winning team. The group quickly put together a list of questions to look into some of the more popular indicators known throughout the basketball industry.  One motivational factor about this project is that the Magic is local to the Orlando area and an improvement in their performance would help drive fan support. </a:t>
+            </a:r>
+            <a:endParaRPr lang="en-US" sz="1800" dirty="0"/>
+          </a:p>
+          <a:p>
+            <a:endParaRPr lang="en-US" sz="1800" dirty="0"/>
+          </a:p>
+          <a:p>
+            <a:pPr marL="0" indent="0">
+              <a:buNone/>
+            </a:pPr>
+            <a:r>
+              <a:rPr lang="en-US" sz="1800" dirty="0"/>
+              <a:t>    1. Is there a correlation between </a:t>
+            </a:r>
+            <a:r>
+              <a:rPr lang="en-US" sz="1800" dirty="0" smtClean="0"/>
+              <a:t>regular season and playoff </a:t>
+            </a:r>
+            <a:r>
+              <a:rPr lang="en-US" sz="1800" dirty="0"/>
+              <a:t>winning </a:t>
+            </a:r>
+            <a:r>
+              <a:rPr lang="en-US" sz="1800" dirty="0" smtClean="0"/>
+              <a:t>percentage?</a:t>
+            </a:r>
+            <a:endParaRPr lang="en-US" sz="1800" dirty="0"/>
+          </a:p>
+          <a:p>
+            <a:pPr marL="0" indent="0">
+              <a:buNone/>
+            </a:pPr>
+            <a:r>
+              <a:rPr lang="en-US" sz="1800" dirty="0"/>
+              <a:t>    2. Is there a question 2</a:t>
+            </a:r>
+          </a:p>
+          <a:p>
+            <a:pPr marL="0" indent="0">
+              <a:buNone/>
+            </a:pPr>
+            <a:r>
+              <a:rPr lang="en-US" sz="1800" dirty="0"/>
+              <a:t>    3. Is there a question 3</a:t>
+            </a:r>
+          </a:p>
+          <a:p>
+            <a:pPr marL="0" indent="0">
+              <a:lnSpc>
+                <a:spcPct val="150000"/>
+              </a:lnSpc>
+              <a:spcBef>
+                <a:spcPts val="0"/>
+              </a:spcBef>
+              <a:buNone/>
+            </a:pPr>
+            <a:r>
+              <a:rPr lang="en-US" sz="1800" dirty="0"/>
+              <a:t>    4. </a:t>
+            </a:r>
+            <a:r>
+              <a:rPr lang="en-US" sz="1800" dirty="0" smtClean="0"/>
+              <a:t>W</a:t>
+            </a:r>
+            <a:r>
+              <a:rPr lang="en-US" sz="1800" dirty="0" smtClean="0">
+                <a:solidFill>
+                  <a:srgbClr val="000000"/>
+                </a:solidFill>
+              </a:rPr>
+              <a:t>hich </a:t>
+            </a:r>
+            <a:r>
+              <a:rPr lang="en-US" sz="1800" dirty="0">
+                <a:solidFill>
+                  <a:srgbClr val="000000"/>
+                </a:solidFill>
+              </a:rPr>
+              <a:t>KPIs most closely </a:t>
+            </a:r>
+            <a:r>
+              <a:rPr lang="en-US" sz="1800" dirty="0" smtClean="0">
+                <a:solidFill>
+                  <a:srgbClr val="000000"/>
+                </a:solidFill>
+              </a:rPr>
+              <a:t>related </a:t>
+            </a:r>
+            <a:r>
+              <a:rPr lang="en-US" sz="1800" dirty="0">
+                <a:solidFill>
+                  <a:srgbClr val="000000"/>
+                </a:solidFill>
+              </a:rPr>
+              <a:t>to wins for the Orlando Magic Team in the 2022 </a:t>
+            </a:r>
+            <a:r>
+              <a:rPr lang="en-US" sz="1800" dirty="0" smtClean="0">
+                <a:solidFill>
+                  <a:srgbClr val="000000"/>
+                </a:solidFill>
+              </a:rPr>
+              <a:t>- 2023 </a:t>
+            </a:r>
+            <a:r>
+              <a:rPr lang="en-US" sz="1800" dirty="0">
+                <a:solidFill>
+                  <a:srgbClr val="000000"/>
+                </a:solidFill>
+              </a:rPr>
+              <a:t>Games</a:t>
+            </a:r>
+            <a:r>
+              <a:rPr lang="en-US" sz="1800" b="1" i="1" dirty="0">
+                <a:solidFill>
+                  <a:srgbClr val="000000"/>
+                </a:solidFill>
+              </a:rPr>
+              <a:t/>
+            </a:r>
+            <a:br>
+              <a:rPr lang="en-US" sz="1800" b="1" i="1" dirty="0">
+                <a:solidFill>
+                  <a:srgbClr val="000000"/>
+                </a:solidFill>
+              </a:rPr>
+            </a:br>
+            <a:r>
+              <a:rPr lang="en-US" sz="1800" dirty="0" smtClean="0"/>
+              <a:t>    </a:t>
+            </a:r>
+            <a:r>
+              <a:rPr lang="en-US" sz="1800" dirty="0"/>
+              <a:t>5. Is there a question 5</a:t>
+            </a:r>
+          </a:p>
+          <a:p>
+            <a:pPr marL="0" indent="0">
+              <a:buNone/>
+            </a:pPr>
+            <a:r>
+              <a:rPr lang="en-US" sz="1800" dirty="0"/>
+              <a:t>    </a:t>
+            </a:r>
+          </a:p>
+        </p:txBody>
+      </p:sp>
     </p:spTree>
     <p:extLst>
       <p:ext uri="{BB962C8B-B14F-4D97-AF65-F5344CB8AC3E}">
-        <p14:creationId xmlns:p14="http://schemas.microsoft.com/office/powerpoint/2010/main" val="3129636245"/>
+        <p14:creationId xmlns:p14="http://schemas.microsoft.com/office/powerpoint/2010/main" val="269426629"/>
+      </p:ext>
+    </p:extLst>
+  </p:cSld>
+  <p:clrMapOvr>
+    <a:masterClrMapping/>
+  </p:clrMapOvr>
+  <p:timing>
+    <p:tnLst>
+      <p:par>
+        <p:cTn id="1" dur="indefinite" restart="never" nodeType="tmRoot"/>
+      </p:par>
+    </p:tnLst>
+  </p:timing>
+</p:sld>
+</file>
+
+<file path=ppt/slides/slide30.xml><?xml version="1.0" encoding="utf-8"?>
+<p:sld xmlns:a="http://schemas.openxmlformats.org/drawingml/2006/main" xmlns:r="http://schemas.openxmlformats.org/officeDocument/2006/relationships" xmlns:p="http://schemas.openxmlformats.org/presentationml/2006/main">
+  <p:cSld>
+    <p:spTree>
+      <p:nvGrpSpPr>
+        <p:cNvPr id="1" name=""/>
+        <p:cNvGrpSpPr/>
+        <p:nvPr/>
+      </p:nvGrpSpPr>
+      <p:grpSpPr>
+        <a:xfrm>
+          <a:off x="0" y="0"/>
+          <a:ext cx="0" cy="0"/>
+          <a:chOff x="0" y="0"/>
+          <a:chExt cx="0" cy="0"/>
+        </a:xfrm>
+      </p:grpSpPr>
+      <p:sp>
+        <p:nvSpPr>
+          <p:cNvPr id="2" name="Title 1"/>
+          <p:cNvSpPr>
+            <a:spLocks noGrp="1"/>
+          </p:cNvSpPr>
+          <p:nvPr>
+            <p:ph type="title"/>
+          </p:nvPr>
+        </p:nvSpPr>
+        <p:spPr/>
+        <p:txBody>
+          <a:bodyPr/>
+          <a:lstStyle/>
+          <a:p>
+            <a:r>
+              <a:rPr lang="en-US" dirty="0" smtClean="0"/>
+              <a:t>Candace</a:t>
+            </a:r>
+            <a:endParaRPr lang="en-US" dirty="0"/>
+          </a:p>
+        </p:txBody>
+      </p:sp>
+      <p:sp>
+        <p:nvSpPr>
+          <p:cNvPr id="4" name="Content Placeholder 3"/>
+          <p:cNvSpPr>
+            <a:spLocks noGrp="1"/>
+          </p:cNvSpPr>
+          <p:nvPr>
+            <p:ph idx="1"/>
+          </p:nvPr>
+        </p:nvSpPr>
+        <p:spPr/>
+        <p:txBody>
+          <a:bodyPr/>
+          <a:lstStyle/>
+          <a:p>
+            <a:endParaRPr lang="en-US"/>
+          </a:p>
+        </p:txBody>
+      </p:sp>
+    </p:spTree>
+    <p:extLst>
+      <p:ext uri="{BB962C8B-B14F-4D97-AF65-F5344CB8AC3E}">
+        <p14:creationId xmlns:p14="http://schemas.microsoft.com/office/powerpoint/2010/main" val="2593243344"/>
+      </p:ext>
+    </p:extLst>
+  </p:cSld>
+  <p:clrMapOvr>
+    <a:masterClrMapping/>
+  </p:clrMapOvr>
+  <p:timing>
+    <p:tnLst>
+      <p:par>
+        <p:cTn id="1" dur="indefinite" restart="never" nodeType="tmRoot"/>
+      </p:par>
+    </p:tnLst>
+  </p:timing>
+</p:sld>
+</file>
+
+<file path=ppt/slides/slide31.xml><?xml version="1.0" encoding="utf-8"?>
+<p:sld xmlns:a="http://schemas.openxmlformats.org/drawingml/2006/main" xmlns:r="http://schemas.openxmlformats.org/officeDocument/2006/relationships" xmlns:p="http://schemas.openxmlformats.org/presentationml/2006/main">
+  <p:cSld>
+    <p:spTree>
+      <p:nvGrpSpPr>
+        <p:cNvPr id="1" name=""/>
+        <p:cNvGrpSpPr/>
+        <p:nvPr/>
+      </p:nvGrpSpPr>
+      <p:grpSpPr>
+        <a:xfrm>
+          <a:off x="0" y="0"/>
+          <a:ext cx="0" cy="0"/>
+          <a:chOff x="0" y="0"/>
+          <a:chExt cx="0" cy="0"/>
+        </a:xfrm>
+      </p:grpSpPr>
+      <p:sp>
+        <p:nvSpPr>
+          <p:cNvPr id="2" name="Title 1"/>
+          <p:cNvSpPr>
+            <a:spLocks noGrp="1"/>
+          </p:cNvSpPr>
+          <p:nvPr>
+            <p:ph type="title"/>
+          </p:nvPr>
+        </p:nvSpPr>
+        <p:spPr/>
+        <p:txBody>
+          <a:bodyPr/>
+          <a:lstStyle/>
+          <a:p>
+            <a:r>
+              <a:rPr lang="en-US" dirty="0" smtClean="0"/>
+              <a:t>Brenton</a:t>
+            </a:r>
+            <a:endParaRPr lang="en-US" dirty="0"/>
+          </a:p>
+        </p:txBody>
+      </p:sp>
+      <p:sp>
+        <p:nvSpPr>
+          <p:cNvPr id="3" name="Content Placeholder 2"/>
+          <p:cNvSpPr>
+            <a:spLocks noGrp="1"/>
+          </p:cNvSpPr>
+          <p:nvPr>
+            <p:ph idx="1"/>
+          </p:nvPr>
+        </p:nvSpPr>
+        <p:spPr/>
+        <p:txBody>
+          <a:bodyPr/>
+          <a:lstStyle/>
+          <a:p>
+            <a:endParaRPr lang="en-US" dirty="0"/>
+          </a:p>
+        </p:txBody>
+      </p:sp>
+    </p:spTree>
+    <p:extLst>
+      <p:ext uri="{BB962C8B-B14F-4D97-AF65-F5344CB8AC3E}">
+        <p14:creationId xmlns:p14="http://schemas.microsoft.com/office/powerpoint/2010/main" val="3275018559"/>
       </p:ext>
     </p:extLst>
   </p:cSld>
@@ -4295,33 +7870,10 @@
             <p:ph type="title"/>
           </p:nvPr>
         </p:nvSpPr>
-        <p:spPr/>
-        <p:txBody>
-          <a:bodyPr/>
-          <a:lstStyle/>
-          <a:p>
-            <a:r>
-              <a:rPr lang="en-US" b="1" dirty="0" smtClean="0"/>
-              <a:t>Winning Percentage/Playoff History by Year</a:t>
-            </a:r>
-            <a:endParaRPr lang="en-US" b="1" dirty="0"/>
-          </a:p>
-        </p:txBody>
-      </p:sp>
-      <p:sp>
-        <p:nvSpPr>
-          <p:cNvPr id="3" name="Text Placeholder 2"/>
-          <p:cNvSpPr>
-            <a:spLocks noGrp="1"/>
-          </p:cNvSpPr>
-          <p:nvPr>
-            <p:ph type="body" idx="1"/>
-          </p:nvPr>
-        </p:nvSpPr>
         <p:spPr>
           <a:xfrm>
-            <a:off x="648719" y="1446659"/>
-            <a:ext cx="2763221" cy="436728"/>
+            <a:off x="831850" y="274321"/>
+            <a:ext cx="10515600" cy="1097279"/>
           </a:xfrm>
         </p:spPr>
         <p:txBody>
@@ -4330,9 +7882,22 @@
           </a:bodyPr>
           <a:lstStyle/>
           <a:p>
-            <a:r>
-              <a:rPr lang="en-US" dirty="0" smtClean="0"/>
-              <a:t>Winning Percentage</a:t>
+            <a:pPr algn="ctr"/>
+            <a:r>
+              <a:rPr lang="en-US" dirty="0">
+                <a:solidFill>
+                  <a:prstClr val="black"/>
+                </a:solidFill>
+              </a:rPr>
+              <a:t>SECTION </a:t>
+            </a:r>
+            <a:r>
+              <a:rPr lang="en-US" dirty="0" smtClean="0">
+                <a:solidFill>
+                  <a:prstClr val="black"/>
+                </a:solidFill>
+              </a:rPr>
+              <a:t>2</a:t>
             </a:r>
             <a:endParaRPr lang="en-US" dirty="0"/>
           </a:p>
@@ -4340,105 +7905,782 @@
       </p:sp>
       <p:sp>
         <p:nvSpPr>
-          <p:cNvPr id="5" name="Text Placeholder 4"/>
-          <p:cNvSpPr>
-            <a:spLocks noGrp="1"/>
-          </p:cNvSpPr>
-          <p:nvPr>
-            <p:ph type="body" sz="quarter" idx="3"/>
+          <p:cNvPr id="3" name="Text Placeholder 2"/>
+          <p:cNvSpPr>
+            <a:spLocks noGrp="1"/>
+          </p:cNvSpPr>
+          <p:nvPr>
+            <p:ph type="body" idx="1"/>
           </p:nvPr>
         </p:nvSpPr>
         <p:spPr>
           <a:xfrm>
-            <a:off x="573205" y="4176213"/>
-            <a:ext cx="2606722" cy="464024"/>
+            <a:off x="831850" y="1721225"/>
+            <a:ext cx="10515600" cy="4368426"/>
           </a:xfrm>
         </p:spPr>
         <p:txBody>
           <a:bodyPr>
-            <a:normAutofit/>
+            <a:normAutofit fontScale="92500" lnSpcReduction="20000"/>
           </a:bodyPr>
           <a:lstStyle/>
           <a:p>
-            <a:r>
-              <a:rPr lang="en-US" dirty="0" smtClean="0"/>
-              <a:t>Playoff History</a:t>
-            </a:r>
-            <a:endParaRPr lang="en-US" dirty="0"/>
-          </a:p>
-        </p:txBody>
-      </p:sp>
-      <p:pic>
-        <p:nvPicPr>
-          <p:cNvPr id="10" name="Content Placeholder 9"/>
-          <p:cNvPicPr>
-            <a:picLocks noGrp="1" noChangeAspect="1"/>
-          </p:cNvPicPr>
-          <p:nvPr>
-            <p:ph sz="quarter" idx="4"/>
-          </p:nvPr>
-        </p:nvPicPr>
-        <p:blipFill>
-          <a:blip r:embed="rId2" cstate="print">
-            <a:extLst>
-              <a:ext uri="{28A0092B-C50C-407E-A947-70E740481C1C}">
-                <a14:useLocalDpi xmlns:a14="http://schemas.microsoft.com/office/drawing/2010/main" val="0"/>
-              </a:ext>
-            </a:extLst>
-          </a:blip>
-          <a:stretch>
-            <a:fillRect/>
-          </a:stretch>
-        </p:blipFill>
-        <p:spPr>
-          <a:xfrm>
-            <a:off x="1542197" y="4557712"/>
-            <a:ext cx="7328848" cy="2075099"/>
-          </a:xfrm>
-        </p:spPr>
-      </p:pic>
-      <p:pic>
-        <p:nvPicPr>
-          <p:cNvPr id="14" name="Content Placeholder 13"/>
-          <p:cNvPicPr>
-            <a:picLocks noGrp="1"/>
-          </p:cNvPicPr>
-          <p:nvPr>
-            <p:ph sz="half" idx="2"/>
-          </p:nvPr>
-        </p:nvPicPr>
-        <p:blipFill>
-          <a:blip r:embed="rId3" cstate="print">
-            <a:extLst>
-              <a:ext uri="{28A0092B-C50C-407E-A947-70E740481C1C}">
-                <a14:useLocalDpi xmlns:a14="http://schemas.microsoft.com/office/drawing/2010/main" val="0"/>
-              </a:ext>
-            </a:extLst>
-          </a:blip>
-          <a:stretch>
-            <a:fillRect/>
-          </a:stretch>
-        </p:blipFill>
-        <p:spPr>
-          <a:xfrm>
-            <a:off x="627174" y="1828800"/>
-            <a:ext cx="2934268" cy="2347415"/>
-          </a:xfrm>
-          <a:blipFill>
-            <a:blip r:embed="rId4"/>
-            <a:tile tx="0" ty="0" sx="100000" sy="100000" flip="none" algn="tl"/>
-          </a:blipFill>
-          <a:ln>
-            <a:solidFill>
-              <a:schemeClr val="tx1"/>
-            </a:solidFill>
-          </a:ln>
-        </p:spPr>
-      </p:pic>
+            <a:pPr>
+              <a:buFont typeface="Arial"/>
+              <a:buChar char="•"/>
+            </a:pPr>
+            <a:r>
+              <a:rPr lang="en-US" sz="1600" dirty="0" smtClean="0">
+                <a:solidFill>
+                  <a:srgbClr val="2B2B2B"/>
+                </a:solidFill>
+                <a:latin typeface="Roboto"/>
+              </a:rPr>
+              <a:t>Course requirement</a:t>
+            </a:r>
+          </a:p>
+          <a:p>
+            <a:pPr lvl="1">
+              <a:buFont typeface="Arial"/>
+              <a:buChar char="•"/>
+            </a:pPr>
+            <a:r>
+              <a:rPr lang="en-US" sz="1600" dirty="0">
+                <a:solidFill>
+                  <a:srgbClr val="2B2B2B"/>
+                </a:solidFill>
+                <a:latin typeface="Roboto"/>
+              </a:rPr>
+              <a:t>An overview of the data collection, cleanup, and exploration processes:</a:t>
+            </a:r>
+          </a:p>
+          <a:p>
+            <a:pPr marL="1200150" lvl="2" indent="-285750">
+              <a:buFont typeface="Arial"/>
+              <a:buChar char="•"/>
+            </a:pPr>
+            <a:r>
+              <a:rPr lang="en-US" sz="1600" dirty="0">
+                <a:solidFill>
+                  <a:srgbClr val="2B2B2B"/>
+                </a:solidFill>
+                <a:latin typeface="Roboto"/>
+              </a:rPr>
+              <a:t>Describe the source of your data and why you chose it for your project.</a:t>
+            </a:r>
+          </a:p>
+          <a:p>
+            <a:pPr marL="1200150" lvl="2" indent="-285750">
+              <a:buFont typeface="Arial"/>
+              <a:buChar char="•"/>
+            </a:pPr>
+            <a:r>
+              <a:rPr lang="en-US" sz="1600" dirty="0">
+                <a:solidFill>
+                  <a:srgbClr val="2B2B2B"/>
+                </a:solidFill>
+                <a:latin typeface="Roboto"/>
+              </a:rPr>
+              <a:t>Describe the collection, exploration, and cleanup process.</a:t>
+            </a:r>
+          </a:p>
+          <a:p>
+            <a:pPr marL="742950" lvl="1" indent="-285750">
+              <a:buFont typeface="Arial"/>
+              <a:buChar char="•"/>
+            </a:pPr>
+            <a:endParaRPr lang="en-US" sz="1600" dirty="0">
+              <a:solidFill>
+                <a:srgbClr val="2B2B2B"/>
+              </a:solidFill>
+              <a:latin typeface="Roboto"/>
+            </a:endParaRPr>
+          </a:p>
+          <a:p>
+            <a:pPr marL="285750" indent="-285750">
+              <a:buFont typeface="Arial"/>
+              <a:buChar char="•"/>
+            </a:pPr>
+            <a:r>
+              <a:rPr lang="en-US" sz="1600" dirty="0" smtClean="0">
+                <a:solidFill>
+                  <a:srgbClr val="2B2B2B"/>
+                </a:solidFill>
+                <a:latin typeface="Roboto"/>
+              </a:rPr>
+              <a:t>Cindy’s requirement</a:t>
+            </a:r>
+          </a:p>
+          <a:p>
+            <a:pPr marL="742950" lvl="1" indent="-285750">
+              <a:buFont typeface="Arial"/>
+              <a:buChar char="•"/>
+            </a:pPr>
+            <a:r>
+              <a:rPr lang="en-US" sz="1600" dirty="0" smtClean="0">
+                <a:solidFill>
+                  <a:srgbClr val="2B2B2B"/>
+                </a:solidFill>
+                <a:latin typeface="Roboto"/>
+              </a:rPr>
+              <a:t>Where and how you found the data you used to answer these questions</a:t>
+            </a:r>
+          </a:p>
+          <a:p>
+            <a:pPr marL="742950" lvl="1" indent="-285750">
+              <a:buFont typeface="Arial"/>
+              <a:buChar char="•"/>
+            </a:pPr>
+            <a:r>
+              <a:rPr lang="en-US" sz="1600" dirty="0" smtClean="0">
+                <a:solidFill>
+                  <a:srgbClr val="2B2B2B"/>
+                </a:solidFill>
+                <a:latin typeface="Roboto"/>
+              </a:rPr>
+              <a:t>The data exploration and cleanup process (accompanied by your </a:t>
+            </a:r>
+            <a:r>
+              <a:rPr lang="en-US" sz="1600" dirty="0" err="1" smtClean="0">
+                <a:solidFill>
+                  <a:srgbClr val="2B2B2B"/>
+                </a:solidFill>
+                <a:latin typeface="Roboto"/>
+              </a:rPr>
+              <a:t>Jupyter</a:t>
+            </a:r>
+            <a:r>
+              <a:rPr lang="en-US" sz="1600" dirty="0" smtClean="0">
+                <a:solidFill>
+                  <a:srgbClr val="2B2B2B"/>
+                </a:solidFill>
+                <a:latin typeface="Roboto"/>
+              </a:rPr>
+              <a:t> Notebook)</a:t>
+            </a:r>
+            <a:endParaRPr lang="en-US" sz="1600" dirty="0">
+              <a:solidFill>
+                <a:srgbClr val="2B2B2B"/>
+              </a:solidFill>
+              <a:latin typeface="Roboto"/>
+            </a:endParaRPr>
+          </a:p>
+          <a:p>
+            <a:pPr marL="285750" indent="-285750">
+              <a:buFont typeface="Arial"/>
+              <a:buChar char="•"/>
+            </a:pPr>
+            <a:r>
+              <a:rPr lang="en-US" sz="1600" dirty="0" smtClean="0">
+                <a:solidFill>
+                  <a:srgbClr val="2B2B2B"/>
+                </a:solidFill>
+                <a:latin typeface="Roboto"/>
+              </a:rPr>
+              <a:t>Time: 2 minutes</a:t>
+            </a:r>
+          </a:p>
+          <a:p>
+            <a:pPr marL="285750" indent="-285750">
+              <a:buFont typeface="Arial"/>
+              <a:buChar char="•"/>
+            </a:pPr>
+            <a:r>
+              <a:rPr lang="en-US" sz="1600" dirty="0" smtClean="0">
+                <a:solidFill>
+                  <a:srgbClr val="2B2B2B"/>
+                </a:solidFill>
+                <a:latin typeface="Roboto"/>
+              </a:rPr>
+              <a:t>Assignment</a:t>
+            </a:r>
+          </a:p>
+          <a:p>
+            <a:pPr marL="742950" lvl="1" indent="-285750">
+              <a:buFont typeface="Arial"/>
+              <a:buChar char="•"/>
+            </a:pPr>
+            <a:r>
+              <a:rPr lang="en-US" sz="1600" dirty="0" smtClean="0">
+                <a:solidFill>
+                  <a:srgbClr val="2B2B2B"/>
+                </a:solidFill>
+                <a:latin typeface="Roboto"/>
+              </a:rPr>
+              <a:t>Intro – Jessica</a:t>
+            </a:r>
+          </a:p>
+          <a:p>
+            <a:pPr marL="1200150" lvl="2" indent="-285750">
+              <a:buFont typeface="Arial"/>
+              <a:buChar char="•"/>
+            </a:pPr>
+            <a:r>
+              <a:rPr lang="en-US" sz="1600" dirty="0" smtClean="0">
+                <a:solidFill>
+                  <a:srgbClr val="2B2B2B"/>
+                </a:solidFill>
+                <a:latin typeface="Roboto"/>
+              </a:rPr>
+              <a:t>Slides</a:t>
+            </a:r>
+          </a:p>
+          <a:p>
+            <a:pPr marL="1657350" lvl="3" indent="-285750">
+              <a:buFont typeface="Arial"/>
+              <a:buChar char="•"/>
+            </a:pPr>
+            <a:r>
+              <a:rPr lang="en-US" dirty="0" smtClean="0">
+                <a:solidFill>
+                  <a:srgbClr val="2B2B2B"/>
+                </a:solidFill>
+                <a:latin typeface="Roboto"/>
+              </a:rPr>
+              <a:t>Jessica</a:t>
+            </a:r>
+          </a:p>
+          <a:p>
+            <a:pPr marL="1657350" lvl="3" indent="-285750">
+              <a:buFont typeface="Arial"/>
+              <a:buChar char="•"/>
+            </a:pPr>
+            <a:r>
+              <a:rPr lang="en-US" dirty="0" smtClean="0">
+                <a:solidFill>
+                  <a:srgbClr val="2B2B2B"/>
+                </a:solidFill>
+                <a:latin typeface="Roboto"/>
+              </a:rPr>
+              <a:t>Candace</a:t>
+            </a:r>
+          </a:p>
+          <a:p>
+            <a:pPr marL="1657350" lvl="3" indent="-285750">
+              <a:buFont typeface="Arial"/>
+              <a:buChar char="•"/>
+            </a:pPr>
+            <a:r>
+              <a:rPr lang="en-US" dirty="0" smtClean="0">
+                <a:solidFill>
+                  <a:srgbClr val="2B2B2B"/>
+                </a:solidFill>
+                <a:latin typeface="Roboto"/>
+              </a:rPr>
+              <a:t>Brenton</a:t>
+            </a:r>
+          </a:p>
+          <a:p>
+            <a:pPr marL="1657350" lvl="3" indent="-285750">
+              <a:buFont typeface="Arial"/>
+              <a:buChar char="•"/>
+            </a:pPr>
+            <a:r>
+              <a:rPr lang="en-US" dirty="0" smtClean="0">
+                <a:solidFill>
+                  <a:srgbClr val="2B2B2B"/>
+                </a:solidFill>
+                <a:latin typeface="Roboto"/>
+              </a:rPr>
+              <a:t>Dario</a:t>
+            </a:r>
+          </a:p>
+          <a:p>
+            <a:pPr marL="1657350" lvl="3" indent="-285750">
+              <a:buFont typeface="Arial"/>
+              <a:buChar char="•"/>
+            </a:pPr>
+            <a:r>
+              <a:rPr lang="en-US" dirty="0" smtClean="0">
+                <a:solidFill>
+                  <a:srgbClr val="2B2B2B"/>
+                </a:solidFill>
+                <a:latin typeface="Roboto"/>
+              </a:rPr>
+              <a:t>Mark</a:t>
+            </a:r>
+          </a:p>
+          <a:p>
+            <a:pPr lvl="3"/>
+            <a:r>
+              <a:rPr lang="en-US" dirty="0" smtClean="0">
+                <a:solidFill>
+                  <a:srgbClr val="2B2B2B"/>
+                </a:solidFill>
+                <a:latin typeface="Roboto"/>
+              </a:rPr>
+              <a:t>	</a:t>
+            </a:r>
+            <a:endParaRPr lang="en-US" dirty="0" smtClean="0"/>
+          </a:p>
+          <a:p>
+            <a:endParaRPr lang="en-US" sz="1600" dirty="0"/>
+          </a:p>
+        </p:txBody>
+      </p:sp>
     </p:spTree>
     <p:extLst>
       <p:ext uri="{BB962C8B-B14F-4D97-AF65-F5344CB8AC3E}">
-        <p14:creationId xmlns:p14="http://schemas.microsoft.com/office/powerpoint/2010/main" val="2653996792"/>
+        <p14:creationId xmlns:p14="http://schemas.microsoft.com/office/powerpoint/2010/main" val="199709479"/>
+      </p:ext>
+    </p:extLst>
+  </p:cSld>
+  <p:clrMapOvr>
+    <a:masterClrMapping/>
+  </p:clrMapOvr>
+  <p:timing>
+    <p:tnLst>
+      <p:par>
+        <p:cTn id="1" dur="indefinite" restart="never" nodeType="tmRoot"/>
+      </p:par>
+    </p:tnLst>
+  </p:timing>
+</p:sld>
+</file>
+
+<file path=ppt/slides/slide5.xml><?xml version="1.0" encoding="utf-8"?>
+<p:sld xmlns:a="http://schemas.openxmlformats.org/drawingml/2006/main" xmlns:r="http://schemas.openxmlformats.org/officeDocument/2006/relationships" xmlns:p="http://schemas.openxmlformats.org/presentationml/2006/main">
+  <p:cSld>
+    <p:spTree>
+      <p:nvGrpSpPr>
+        <p:cNvPr id="1" name=""/>
+        <p:cNvGrpSpPr/>
+        <p:nvPr/>
+      </p:nvGrpSpPr>
+      <p:grpSpPr>
+        <a:xfrm>
+          <a:off x="0" y="0"/>
+          <a:ext cx="0" cy="0"/>
+          <a:chOff x="0" y="0"/>
+          <a:chExt cx="0" cy="0"/>
+        </a:xfrm>
+      </p:grpSpPr>
+      <p:sp>
+        <p:nvSpPr>
+          <p:cNvPr id="2" name="Title 1"/>
+          <p:cNvSpPr>
+            <a:spLocks noGrp="1"/>
+          </p:cNvSpPr>
+          <p:nvPr>
+            <p:ph type="title"/>
+          </p:nvPr>
+        </p:nvSpPr>
+        <p:spPr/>
+        <p:txBody>
+          <a:bodyPr/>
+          <a:lstStyle/>
+          <a:p>
+            <a:pPr algn="ctr"/>
+            <a:r>
+              <a:rPr lang="en-US" sz="3600" b="1" dirty="0" smtClean="0"/>
+              <a:t>API’s Used for Data Collection</a:t>
+            </a:r>
+            <a:endParaRPr lang="en-US" dirty="0"/>
+          </a:p>
+        </p:txBody>
+      </p:sp>
+      <p:sp>
+        <p:nvSpPr>
+          <p:cNvPr id="3" name="Content Placeholder 2"/>
+          <p:cNvSpPr>
+            <a:spLocks noGrp="1"/>
+          </p:cNvSpPr>
+          <p:nvPr>
+            <p:ph idx="1"/>
+          </p:nvPr>
+        </p:nvSpPr>
+        <p:spPr/>
+        <p:txBody>
+          <a:bodyPr/>
+          <a:lstStyle/>
+          <a:p>
+            <a:r>
+              <a:rPr lang="en-US" dirty="0" smtClean="0"/>
+              <a:t>One source of data came from the python module </a:t>
+            </a:r>
+            <a:r>
+              <a:rPr lang="en-US" dirty="0" err="1" smtClean="0"/>
+              <a:t>nba_api</a:t>
+            </a:r>
+            <a:endParaRPr lang="en-US" dirty="0" smtClean="0"/>
+          </a:p>
+          <a:p>
+            <a:r>
+              <a:rPr lang="en-US" dirty="0" smtClean="0"/>
+              <a:t>The </a:t>
+            </a:r>
+            <a:r>
+              <a:rPr lang="en-US" dirty="0" err="1" smtClean="0"/>
+              <a:t>nba_api</a:t>
+            </a:r>
+            <a:r>
+              <a:rPr lang="en-US" dirty="0" smtClean="0"/>
+              <a:t> contains official data from the NBA  and is the source of data for the website NBA.com</a:t>
+            </a:r>
+          </a:p>
+          <a:p>
+            <a:r>
+              <a:rPr lang="en-US" dirty="0" smtClean="0"/>
+              <a:t>The API was easy to learn but going through the documentation was time consuming, which the group to use other methods in addition to this one</a:t>
+            </a:r>
+          </a:p>
+          <a:p>
+            <a:r>
+              <a:rPr lang="en-US" dirty="0"/>
+              <a:t>The </a:t>
+            </a:r>
+            <a:r>
+              <a:rPr lang="en-US" dirty="0" err="1"/>
+              <a:t>nba_api</a:t>
+            </a:r>
+            <a:r>
+              <a:rPr lang="en-US" dirty="0"/>
+              <a:t> package is Open Source with an </a:t>
+            </a:r>
+            <a:r>
+              <a:rPr lang="en-US" dirty="0">
+                <a:hlinkClick r:id="rId2"/>
+              </a:rPr>
+              <a:t>MIT </a:t>
+            </a:r>
+            <a:r>
+              <a:rPr lang="en-US" dirty="0" smtClean="0">
+                <a:hlinkClick r:id="rId2"/>
+              </a:rPr>
+              <a:t>License</a:t>
+            </a:r>
+            <a:r>
+              <a:rPr lang="en-US" dirty="0"/>
+              <a:t> </a:t>
+            </a:r>
+            <a:r>
+              <a:rPr lang="en-US" dirty="0" smtClean="0"/>
+              <a:t>and does not require an API key</a:t>
+            </a:r>
+            <a:endParaRPr lang="en-US" dirty="0"/>
+          </a:p>
+        </p:txBody>
+      </p:sp>
+    </p:spTree>
+    <p:extLst>
+      <p:ext uri="{BB962C8B-B14F-4D97-AF65-F5344CB8AC3E}">
+        <p14:creationId xmlns:p14="http://schemas.microsoft.com/office/powerpoint/2010/main" val="2229222851"/>
+      </p:ext>
+    </p:extLst>
+  </p:cSld>
+  <p:clrMapOvr>
+    <a:masterClrMapping/>
+  </p:clrMapOvr>
+  <p:timing>
+    <p:tnLst>
+      <p:par>
+        <p:cTn id="1" dur="indefinite" restart="never" nodeType="tmRoot"/>
+      </p:par>
+    </p:tnLst>
+  </p:timing>
+</p:sld>
+</file>
+
+<file path=ppt/slides/slide6.xml><?xml version="1.0" encoding="utf-8"?>
+<p:sld xmlns:a="http://schemas.openxmlformats.org/drawingml/2006/main" xmlns:r="http://schemas.openxmlformats.org/officeDocument/2006/relationships" xmlns:p="http://schemas.openxmlformats.org/presentationml/2006/main">
+  <p:cSld>
+    <p:spTree>
+      <p:nvGrpSpPr>
+        <p:cNvPr id="1" name=""/>
+        <p:cNvGrpSpPr/>
+        <p:nvPr/>
+      </p:nvGrpSpPr>
+      <p:grpSpPr>
+        <a:xfrm>
+          <a:off x="0" y="0"/>
+          <a:ext cx="0" cy="0"/>
+          <a:chOff x="0" y="0"/>
+          <a:chExt cx="0" cy="0"/>
+        </a:xfrm>
+      </p:grpSpPr>
+      <p:sp>
+        <p:nvSpPr>
+          <p:cNvPr id="2" name="Title 1"/>
+          <p:cNvSpPr>
+            <a:spLocks noGrp="1"/>
+          </p:cNvSpPr>
+          <p:nvPr>
+            <p:ph type="title"/>
+          </p:nvPr>
+        </p:nvSpPr>
+        <p:spPr/>
+        <p:txBody>
+          <a:bodyPr/>
+          <a:lstStyle/>
+          <a:p>
+            <a:r>
+              <a:rPr lang="en-US" dirty="0" smtClean="0"/>
+              <a:t>Jessica	</a:t>
+            </a:r>
+            <a:endParaRPr lang="en-US" dirty="0"/>
+          </a:p>
+        </p:txBody>
+      </p:sp>
+      <p:sp>
+        <p:nvSpPr>
+          <p:cNvPr id="4" name="Content Placeholder 3"/>
+          <p:cNvSpPr>
+            <a:spLocks noGrp="1"/>
+          </p:cNvSpPr>
+          <p:nvPr>
+            <p:ph idx="1"/>
+          </p:nvPr>
+        </p:nvSpPr>
+        <p:spPr/>
+        <p:txBody>
+          <a:bodyPr/>
+          <a:lstStyle/>
+          <a:p>
+            <a:endParaRPr lang="en-US"/>
+          </a:p>
+        </p:txBody>
+      </p:sp>
+    </p:spTree>
+    <p:extLst>
+      <p:ext uri="{BB962C8B-B14F-4D97-AF65-F5344CB8AC3E}">
+        <p14:creationId xmlns:p14="http://schemas.microsoft.com/office/powerpoint/2010/main" val="4136625144"/>
+      </p:ext>
+    </p:extLst>
+  </p:cSld>
+  <p:clrMapOvr>
+    <a:masterClrMapping/>
+  </p:clrMapOvr>
+  <p:timing>
+    <p:tnLst>
+      <p:par>
+        <p:cTn id="1" dur="indefinite" restart="never" nodeType="tmRoot"/>
+      </p:par>
+    </p:tnLst>
+  </p:timing>
+</p:sld>
+</file>
+
+<file path=ppt/slides/slide7.xml><?xml version="1.0" encoding="utf-8"?>
+<p:sld xmlns:a="http://schemas.openxmlformats.org/drawingml/2006/main" xmlns:r="http://schemas.openxmlformats.org/officeDocument/2006/relationships" xmlns:p="http://schemas.openxmlformats.org/presentationml/2006/main">
+  <p:cSld>
+    <p:spTree>
+      <p:nvGrpSpPr>
+        <p:cNvPr id="1" name=""/>
+        <p:cNvGrpSpPr/>
+        <p:nvPr/>
+      </p:nvGrpSpPr>
+      <p:grpSpPr>
+        <a:xfrm>
+          <a:off x="0" y="0"/>
+          <a:ext cx="0" cy="0"/>
+          <a:chOff x="0" y="0"/>
+          <a:chExt cx="0" cy="0"/>
+        </a:xfrm>
+      </p:grpSpPr>
+      <p:sp>
+        <p:nvSpPr>
+          <p:cNvPr id="2" name="Title 1"/>
+          <p:cNvSpPr>
+            <a:spLocks noGrp="1"/>
+          </p:cNvSpPr>
+          <p:nvPr>
+            <p:ph type="title"/>
+          </p:nvPr>
+        </p:nvSpPr>
+        <p:spPr/>
+        <p:txBody>
+          <a:bodyPr/>
+          <a:lstStyle/>
+          <a:p>
+            <a:r>
+              <a:rPr lang="en-US" dirty="0" smtClean="0"/>
+              <a:t>Candace</a:t>
+            </a:r>
+            <a:endParaRPr lang="en-US" dirty="0"/>
+          </a:p>
+        </p:txBody>
+      </p:sp>
+      <p:sp>
+        <p:nvSpPr>
+          <p:cNvPr id="4" name="Content Placeholder 3"/>
+          <p:cNvSpPr>
+            <a:spLocks noGrp="1"/>
+          </p:cNvSpPr>
+          <p:nvPr>
+            <p:ph idx="1"/>
+          </p:nvPr>
+        </p:nvSpPr>
+        <p:spPr/>
+        <p:txBody>
+          <a:bodyPr/>
+          <a:lstStyle/>
+          <a:p>
+            <a:endParaRPr lang="en-US"/>
+          </a:p>
+        </p:txBody>
+      </p:sp>
+    </p:spTree>
+    <p:extLst>
+      <p:ext uri="{BB962C8B-B14F-4D97-AF65-F5344CB8AC3E}">
+        <p14:creationId xmlns:p14="http://schemas.microsoft.com/office/powerpoint/2010/main" val="2640450478"/>
+      </p:ext>
+    </p:extLst>
+  </p:cSld>
+  <p:clrMapOvr>
+    <a:masterClrMapping/>
+  </p:clrMapOvr>
+  <p:timing>
+    <p:tnLst>
+      <p:par>
+        <p:cTn id="1" dur="indefinite" restart="never" nodeType="tmRoot"/>
+      </p:par>
+    </p:tnLst>
+  </p:timing>
+</p:sld>
+</file>
+
+<file path=ppt/slides/slide8.xml><?xml version="1.0" encoding="utf-8"?>
+<p:sld xmlns:a="http://schemas.openxmlformats.org/drawingml/2006/main" xmlns:r="http://schemas.openxmlformats.org/officeDocument/2006/relationships" xmlns:p="http://schemas.openxmlformats.org/presentationml/2006/main">
+  <p:cSld>
+    <p:spTree>
+      <p:nvGrpSpPr>
+        <p:cNvPr id="1" name=""/>
+        <p:cNvGrpSpPr/>
+        <p:nvPr/>
+      </p:nvGrpSpPr>
+      <p:grpSpPr>
+        <a:xfrm>
+          <a:off x="0" y="0"/>
+          <a:ext cx="0" cy="0"/>
+          <a:chOff x="0" y="0"/>
+          <a:chExt cx="0" cy="0"/>
+        </a:xfrm>
+      </p:grpSpPr>
+      <p:sp>
+        <p:nvSpPr>
+          <p:cNvPr id="2" name="Title 1"/>
+          <p:cNvSpPr>
+            <a:spLocks noGrp="1"/>
+          </p:cNvSpPr>
+          <p:nvPr>
+            <p:ph type="title"/>
+          </p:nvPr>
+        </p:nvSpPr>
+        <p:spPr/>
+        <p:txBody>
+          <a:bodyPr/>
+          <a:lstStyle/>
+          <a:p>
+            <a:r>
+              <a:rPr lang="en-US" dirty="0" smtClean="0"/>
+              <a:t>Brenton</a:t>
+            </a:r>
+            <a:endParaRPr lang="en-US" dirty="0"/>
+          </a:p>
+        </p:txBody>
+      </p:sp>
+      <p:sp>
+        <p:nvSpPr>
+          <p:cNvPr id="3" name="Content Placeholder 2"/>
+          <p:cNvSpPr>
+            <a:spLocks noGrp="1"/>
+          </p:cNvSpPr>
+          <p:nvPr>
+            <p:ph idx="1"/>
+          </p:nvPr>
+        </p:nvSpPr>
+        <p:spPr/>
+        <p:txBody>
+          <a:bodyPr/>
+          <a:lstStyle/>
+          <a:p>
+            <a:endParaRPr lang="en-US" dirty="0"/>
+          </a:p>
+        </p:txBody>
+      </p:sp>
+    </p:spTree>
+    <p:extLst>
+      <p:ext uri="{BB962C8B-B14F-4D97-AF65-F5344CB8AC3E}">
+        <p14:creationId xmlns:p14="http://schemas.microsoft.com/office/powerpoint/2010/main" val="2323426858"/>
+      </p:ext>
+    </p:extLst>
+  </p:cSld>
+  <p:clrMapOvr>
+    <a:masterClrMapping/>
+  </p:clrMapOvr>
+  <p:timing>
+    <p:tnLst>
+      <p:par>
+        <p:cTn id="1" dur="indefinite" restart="never" nodeType="tmRoot"/>
+      </p:par>
+    </p:tnLst>
+  </p:timing>
+</p:sld>
+</file>
+
+<file path=ppt/slides/slide9.xml><?xml version="1.0" encoding="utf-8"?>
+<p:sld xmlns:a="http://schemas.openxmlformats.org/drawingml/2006/main" xmlns:r="http://schemas.openxmlformats.org/officeDocument/2006/relationships" xmlns:p="http://schemas.openxmlformats.org/presentationml/2006/main">
+  <p:cSld>
+    <p:spTree>
+      <p:nvGrpSpPr>
+        <p:cNvPr id="1" name=""/>
+        <p:cNvGrpSpPr/>
+        <p:nvPr/>
+      </p:nvGrpSpPr>
+      <p:grpSpPr>
+        <a:xfrm>
+          <a:off x="0" y="0"/>
+          <a:ext cx="0" cy="0"/>
+          <a:chOff x="0" y="0"/>
+          <a:chExt cx="0" cy="0"/>
+        </a:xfrm>
+      </p:grpSpPr>
+      <p:sp>
+        <p:nvSpPr>
+          <p:cNvPr id="2" name="Title 1"/>
+          <p:cNvSpPr>
+            <a:spLocks noGrp="1"/>
+          </p:cNvSpPr>
+          <p:nvPr>
+            <p:ph type="title"/>
+          </p:nvPr>
+        </p:nvSpPr>
+        <p:spPr/>
+        <p:txBody>
+          <a:bodyPr/>
+          <a:lstStyle/>
+          <a:p>
+            <a:r>
+              <a:rPr lang="en-US" dirty="0" smtClean="0"/>
+              <a:t>Dario</a:t>
+            </a:r>
+            <a:endParaRPr lang="en-US" dirty="0"/>
+          </a:p>
+        </p:txBody>
+      </p:sp>
+      <p:sp>
+        <p:nvSpPr>
+          <p:cNvPr id="4" name="Content Placeholder 3"/>
+          <p:cNvSpPr>
+            <a:spLocks noGrp="1"/>
+          </p:cNvSpPr>
+          <p:nvPr>
+            <p:ph idx="1"/>
+          </p:nvPr>
+        </p:nvSpPr>
+        <p:spPr/>
+        <p:txBody>
+          <a:bodyPr/>
+          <a:lstStyle/>
+          <a:p>
+            <a:endParaRPr lang="en-US"/>
+          </a:p>
+        </p:txBody>
+      </p:sp>
+    </p:spTree>
+    <p:extLst>
+      <p:ext uri="{BB962C8B-B14F-4D97-AF65-F5344CB8AC3E}">
+        <p14:creationId xmlns:p14="http://schemas.microsoft.com/office/powerpoint/2010/main" val="1004952624"/>
       </p:ext>
     </p:extLst>
   </p:cSld>
@@ -4744,7 +8986,7 @@
   <a:extraClrSchemeLst/>
   <a:extLst>
     <a:ext uri="{05A4C25C-085E-4340-85A3-A5531E510DB2}">
-      <thm15:themeFamily xmlns="" xmlns:thm15="http://schemas.microsoft.com/office/thememl/2012/main" name="Office Theme" id="{62F939B6-93AF-4DB8-9C6B-D6C7DFDC589F}" vid="{4A3C46E8-61CC-4603-A589-7422A47A8E4A}"/>
+      <thm15:themeFamily xmlns:thm15="http://schemas.microsoft.com/office/thememl/2012/main" xmlns="" name="Office Theme" id="{62F939B6-93AF-4DB8-9C6B-D6C7DFDC589F}" vid="{4A3C46E8-61CC-4603-A589-7422A47A8E4A}"/>
     </a:ext>
   </a:extLst>
 </a:theme>

--- a/mm_Group3_Project_1_Presentation.pptx
+++ b/mm_Group3_Project_1_Presentation.pptx
@@ -5,7 +5,7 @@
     <p:sldMasterId id="2147483648" r:id="rId1"/>
   </p:sldMasterIdLst>
   <p:notesMasterIdLst>
-    <p:notesMasterId r:id="rId33"/>
+    <p:notesMasterId r:id="rId38"/>
   </p:notesMasterIdLst>
   <p:sldIdLst>
     <p:sldId id="256" r:id="rId2"/>
@@ -33,12 +33,17 @@
     <p:sldId id="282" r:id="rId24"/>
     <p:sldId id="279" r:id="rId25"/>
     <p:sldId id="280" r:id="rId26"/>
-    <p:sldId id="273" r:id="rId27"/>
-    <p:sldId id="285" r:id="rId28"/>
-    <p:sldId id="284" r:id="rId29"/>
-    <p:sldId id="286" r:id="rId30"/>
-    <p:sldId id="287" r:id="rId31"/>
-    <p:sldId id="288" r:id="rId32"/>
+    <p:sldId id="261" r:id="rId27"/>
+    <p:sldId id="296" r:id="rId28"/>
+    <p:sldId id="297" r:id="rId29"/>
+    <p:sldId id="298" r:id="rId30"/>
+    <p:sldId id="299" r:id="rId31"/>
+    <p:sldId id="273" r:id="rId32"/>
+    <p:sldId id="285" r:id="rId33"/>
+    <p:sldId id="284" r:id="rId34"/>
+    <p:sldId id="286" r:id="rId35"/>
+    <p:sldId id="287" r:id="rId36"/>
+    <p:sldId id="288" r:id="rId37"/>
   </p:sldIdLst>
   <p:sldSz cx="12192000" cy="6858000"/>
   <p:notesSz cx="6858000" cy="9144000"/>
@@ -167,6 +172,11 @@
             <p14:sldId id="282"/>
             <p14:sldId id="279"/>
             <p14:sldId id="280"/>
+            <p14:sldId id="261"/>
+            <p14:sldId id="296"/>
+            <p14:sldId id="297"/>
+            <p14:sldId id="298"/>
+            <p14:sldId id="299"/>
             <p14:sldId id="273"/>
             <p14:sldId id="285"/>
             <p14:sldId id="284"/>
@@ -176,6 +186,20 @@
           </p14:sldIdLst>
         </p14:section>
       </p14:sectionLst>
+    </p:ext>
+    <p:ext uri="{EFAFB233-063F-42B5-8137-9DF3F51BA10A}">
+      <p15:sldGuideLst xmlns:p15="http://schemas.microsoft.com/office/powerpoint/2012/main">
+        <p15:guide id="1" orient="horz" pos="2160">
+          <p15:clr>
+            <a:srgbClr val="A4A3A4"/>
+          </p15:clr>
+        </p15:guide>
+        <p15:guide id="2" pos="3840">
+          <p15:clr>
+            <a:srgbClr val="A4A3A4"/>
+          </p15:clr>
+        </p15:guide>
+      </p15:sldGuideLst>
     </p:ext>
   </p:extLst>
 </p:presentation>
@@ -230,7 +254,7 @@
             </a:lvl1pPr>
           </a:lstStyle>
           <a:p>
-            <a:endParaRPr lang="en-US"/>
+            <a:endParaRPr lang="en-US" dirty="0"/>
           </a:p>
         </p:txBody>
       </p:sp>
@@ -263,9 +287,9 @@
           <a:p>
             <a:fld id="{2BDC494C-2600-49DE-8E12-4ADCEEE338A0}" type="datetimeFigureOut">
               <a:rPr lang="en-US" smtClean="0"/>
-              <a:t>5/3/2023</a:t>
+              <a:t>5/3/23</a:t>
             </a:fld>
-            <a:endParaRPr lang="en-US"/>
+            <a:endParaRPr lang="en-US" dirty="0"/>
           </a:p>
         </p:txBody>
       </p:sp>
@@ -298,7 +322,7 @@
           <a:bodyPr vert="horz" lIns="91440" tIns="45720" rIns="91440" bIns="45720" rtlCol="0" anchor="ctr"/>
           <a:lstStyle/>
           <a:p>
-            <a:endParaRPr lang="en-US"/>
+            <a:endParaRPr lang="en-US" dirty="0"/>
           </a:p>
         </p:txBody>
       </p:sp>
@@ -327,38 +351,37 @@
           <a:p>
             <a:pPr lvl="0"/>
             <a:r>
-              <a:rPr lang="en-US" smtClean="0"/>
+              <a:rPr lang="en-US"/>
               <a:t>Click to edit Master text styles</a:t>
             </a:r>
           </a:p>
           <a:p>
             <a:pPr lvl="1"/>
             <a:r>
-              <a:rPr lang="en-US" smtClean="0"/>
+              <a:rPr lang="en-US"/>
               <a:t>Second level</a:t>
             </a:r>
           </a:p>
           <a:p>
             <a:pPr lvl="2"/>
             <a:r>
-              <a:rPr lang="en-US" smtClean="0"/>
+              <a:rPr lang="en-US"/>
               <a:t>Third level</a:t>
             </a:r>
           </a:p>
           <a:p>
             <a:pPr lvl="3"/>
             <a:r>
-              <a:rPr lang="en-US" smtClean="0"/>
+              <a:rPr lang="en-US"/>
               <a:t>Fourth level</a:t>
             </a:r>
           </a:p>
           <a:p>
             <a:pPr lvl="4"/>
             <a:r>
-              <a:rPr lang="en-US" smtClean="0"/>
+              <a:rPr lang="en-US"/>
               <a:t>Fifth level</a:t>
             </a:r>
-            <a:endParaRPr lang="en-US"/>
           </a:p>
         </p:txBody>
       </p:sp>
@@ -389,7 +412,7 @@
             </a:lvl1pPr>
           </a:lstStyle>
           <a:p>
-            <a:endParaRPr lang="en-US"/>
+            <a:endParaRPr lang="en-US" dirty="0"/>
           </a:p>
         </p:txBody>
       </p:sp>
@@ -424,7 +447,7 @@
               <a:rPr lang="en-US" smtClean="0"/>
               <a:t>‹#›</a:t>
             </a:fld>
-            <a:endParaRPr lang="en-US"/>
+            <a:endParaRPr lang="en-US" dirty="0"/>
           </a:p>
         </p:txBody>
       </p:sp>
@@ -576,10 +599,9 @@
           <a:lstStyle/>
           <a:p>
             <a:r>
-              <a:rPr lang="en-US" dirty="0" smtClean="0"/>
+              <a:rPr lang="en-US" dirty="0"/>
               <a:t>Business Title Page</a:t>
             </a:r>
-            <a:endParaRPr lang="en-US" dirty="0"/>
           </a:p>
         </p:txBody>
       </p:sp>
@@ -641,7 +663,7 @@
           <p:cNvPr id="2" name="Title 1">
             <a:extLst>
               <a:ext uri="{FF2B5EF4-FFF2-40B4-BE49-F238E27FC236}">
-                <a16:creationId xmlns:a16="http://schemas.microsoft.com/office/drawing/2014/main" xmlns="" id="{C26A6E78-EADA-0877-E4E4-7A54410847BF}"/>
+                <a16:creationId xmlns:a16="http://schemas.microsoft.com/office/drawing/2014/main" id="{C26A6E78-EADA-0877-E4E4-7A54410847BF}"/>
               </a:ext>
             </a:extLst>
           </p:cNvPr>
@@ -678,7 +700,7 @@
           <p:cNvPr id="3" name="Subtitle 2">
             <a:extLst>
               <a:ext uri="{FF2B5EF4-FFF2-40B4-BE49-F238E27FC236}">
-                <a16:creationId xmlns:a16="http://schemas.microsoft.com/office/drawing/2014/main" xmlns="" id="{B98E5113-1D46-24A5-AAA2-B1068DD9B362}"/>
+                <a16:creationId xmlns:a16="http://schemas.microsoft.com/office/drawing/2014/main" id="{B98E5113-1D46-24A5-AAA2-B1068DD9B362}"/>
               </a:ext>
             </a:extLst>
           </p:cNvPr>
@@ -748,7 +770,7 @@
           <p:cNvPr id="4" name="Date Placeholder 3">
             <a:extLst>
               <a:ext uri="{FF2B5EF4-FFF2-40B4-BE49-F238E27FC236}">
-                <a16:creationId xmlns:a16="http://schemas.microsoft.com/office/drawing/2014/main" xmlns="" id="{9E5F5324-DEED-857D-5E57-C08FFE8F762E}"/>
+                <a16:creationId xmlns:a16="http://schemas.microsoft.com/office/drawing/2014/main" id="{9E5F5324-DEED-857D-5E57-C08FFE8F762E}"/>
               </a:ext>
             </a:extLst>
           </p:cNvPr>
@@ -766,9 +788,9 @@
           <a:p>
             <a:fld id="{D0854996-1FBB-4E33-95BB-317CB7872D99}" type="datetimeFigureOut">
               <a:rPr lang="en-US" smtClean="0"/>
-              <a:t>5/3/2023</a:t>
+              <a:t>5/3/23</a:t>
             </a:fld>
-            <a:endParaRPr lang="en-US"/>
+            <a:endParaRPr lang="en-US" dirty="0"/>
           </a:p>
         </p:txBody>
       </p:sp>
@@ -777,7 +799,7 @@
           <p:cNvPr id="5" name="Footer Placeholder 4">
             <a:extLst>
               <a:ext uri="{FF2B5EF4-FFF2-40B4-BE49-F238E27FC236}">
-                <a16:creationId xmlns:a16="http://schemas.microsoft.com/office/drawing/2014/main" xmlns="" id="{DD603586-51D6-A836-1376-6B23AA0F47B1}"/>
+                <a16:creationId xmlns:a16="http://schemas.microsoft.com/office/drawing/2014/main" id="{DD603586-51D6-A836-1376-6B23AA0F47B1}"/>
               </a:ext>
             </a:extLst>
           </p:cNvPr>
@@ -793,7 +815,7 @@
           <a:bodyPr/>
           <a:lstStyle/>
           <a:p>
-            <a:endParaRPr lang="en-US"/>
+            <a:endParaRPr lang="en-US" dirty="0"/>
           </a:p>
         </p:txBody>
       </p:sp>
@@ -802,7 +824,7 @@
           <p:cNvPr id="6" name="Slide Number Placeholder 5">
             <a:extLst>
               <a:ext uri="{FF2B5EF4-FFF2-40B4-BE49-F238E27FC236}">
-                <a16:creationId xmlns:a16="http://schemas.microsoft.com/office/drawing/2014/main" xmlns="" id="{32BC0964-58EB-59D0-9F0A-00F87C261FD6}"/>
+                <a16:creationId xmlns:a16="http://schemas.microsoft.com/office/drawing/2014/main" id="{32BC0964-58EB-59D0-9F0A-00F87C261FD6}"/>
               </a:ext>
             </a:extLst>
           </p:cNvPr>
@@ -822,7 +844,7 @@
               <a:rPr lang="en-US" smtClean="0"/>
               <a:t>‹#›</a:t>
             </a:fld>
-            <a:endParaRPr lang="en-US"/>
+            <a:endParaRPr lang="en-US" dirty="0"/>
           </a:p>
         </p:txBody>
       </p:sp>
@@ -861,7 +883,7 @@
           <p:cNvPr id="2" name="Title 1">
             <a:extLst>
               <a:ext uri="{FF2B5EF4-FFF2-40B4-BE49-F238E27FC236}">
-                <a16:creationId xmlns:a16="http://schemas.microsoft.com/office/drawing/2014/main" xmlns="" id="{B491F420-F134-26B6-2CD5-0F4CDF9910D9}"/>
+                <a16:creationId xmlns:a16="http://schemas.microsoft.com/office/drawing/2014/main" id="{B491F420-F134-26B6-2CD5-0F4CDF9910D9}"/>
               </a:ext>
             </a:extLst>
           </p:cNvPr>
@@ -889,7 +911,7 @@
           <p:cNvPr id="3" name="Vertical Text Placeholder 2">
             <a:extLst>
               <a:ext uri="{FF2B5EF4-FFF2-40B4-BE49-F238E27FC236}">
-                <a16:creationId xmlns:a16="http://schemas.microsoft.com/office/drawing/2014/main" xmlns="" id="{6FD508D2-D202-FD9B-1EE9-D097B163C3E9}"/>
+                <a16:creationId xmlns:a16="http://schemas.microsoft.com/office/drawing/2014/main" id="{6FD508D2-D202-FD9B-1EE9-D097B163C3E9}"/>
               </a:ext>
             </a:extLst>
           </p:cNvPr>
@@ -946,7 +968,7 @@
           <p:cNvPr id="4" name="Date Placeholder 3">
             <a:extLst>
               <a:ext uri="{FF2B5EF4-FFF2-40B4-BE49-F238E27FC236}">
-                <a16:creationId xmlns:a16="http://schemas.microsoft.com/office/drawing/2014/main" xmlns="" id="{6ACBC9A3-04FC-4E95-AA8F-E07E8EAA7F74}"/>
+                <a16:creationId xmlns:a16="http://schemas.microsoft.com/office/drawing/2014/main" id="{6ACBC9A3-04FC-4E95-AA8F-E07E8EAA7F74}"/>
               </a:ext>
             </a:extLst>
           </p:cNvPr>
@@ -964,9 +986,9 @@
           <a:p>
             <a:fld id="{D0854996-1FBB-4E33-95BB-317CB7872D99}" type="datetimeFigureOut">
               <a:rPr lang="en-US" smtClean="0"/>
-              <a:t>5/3/2023</a:t>
+              <a:t>5/3/23</a:t>
             </a:fld>
-            <a:endParaRPr lang="en-US"/>
+            <a:endParaRPr lang="en-US" dirty="0"/>
           </a:p>
         </p:txBody>
       </p:sp>
@@ -975,7 +997,7 @@
           <p:cNvPr id="5" name="Footer Placeholder 4">
             <a:extLst>
               <a:ext uri="{FF2B5EF4-FFF2-40B4-BE49-F238E27FC236}">
-                <a16:creationId xmlns:a16="http://schemas.microsoft.com/office/drawing/2014/main" xmlns="" id="{B280F340-C07D-C230-78A2-7894FBC4C7E5}"/>
+                <a16:creationId xmlns:a16="http://schemas.microsoft.com/office/drawing/2014/main" id="{B280F340-C07D-C230-78A2-7894FBC4C7E5}"/>
               </a:ext>
             </a:extLst>
           </p:cNvPr>
@@ -991,7 +1013,7 @@
           <a:bodyPr/>
           <a:lstStyle/>
           <a:p>
-            <a:endParaRPr lang="en-US"/>
+            <a:endParaRPr lang="en-US" dirty="0"/>
           </a:p>
         </p:txBody>
       </p:sp>
@@ -1000,7 +1022,7 @@
           <p:cNvPr id="6" name="Slide Number Placeholder 5">
             <a:extLst>
               <a:ext uri="{FF2B5EF4-FFF2-40B4-BE49-F238E27FC236}">
-                <a16:creationId xmlns:a16="http://schemas.microsoft.com/office/drawing/2014/main" xmlns="" id="{BEC89597-8A87-DF40-A148-C271BAF68DF7}"/>
+                <a16:creationId xmlns:a16="http://schemas.microsoft.com/office/drawing/2014/main" id="{BEC89597-8A87-DF40-A148-C271BAF68DF7}"/>
               </a:ext>
             </a:extLst>
           </p:cNvPr>
@@ -1020,7 +1042,7 @@
               <a:rPr lang="en-US" smtClean="0"/>
               <a:t>‹#›</a:t>
             </a:fld>
-            <a:endParaRPr lang="en-US"/>
+            <a:endParaRPr lang="en-US" dirty="0"/>
           </a:p>
         </p:txBody>
       </p:sp>
@@ -1059,7 +1081,7 @@
           <p:cNvPr id="2" name="Vertical Title 1">
             <a:extLst>
               <a:ext uri="{FF2B5EF4-FFF2-40B4-BE49-F238E27FC236}">
-                <a16:creationId xmlns:a16="http://schemas.microsoft.com/office/drawing/2014/main" xmlns="" id="{17D3CADE-FCBF-AD39-2A3A-A0759116FE96}"/>
+                <a16:creationId xmlns:a16="http://schemas.microsoft.com/office/drawing/2014/main" id="{17D3CADE-FCBF-AD39-2A3A-A0759116FE96}"/>
               </a:ext>
             </a:extLst>
           </p:cNvPr>
@@ -1092,7 +1114,7 @@
           <p:cNvPr id="3" name="Vertical Text Placeholder 2">
             <a:extLst>
               <a:ext uri="{FF2B5EF4-FFF2-40B4-BE49-F238E27FC236}">
-                <a16:creationId xmlns:a16="http://schemas.microsoft.com/office/drawing/2014/main" xmlns="" id="{8A6A0359-7757-03C6-41F0-42CDB1BC2D44}"/>
+                <a16:creationId xmlns:a16="http://schemas.microsoft.com/office/drawing/2014/main" id="{8A6A0359-7757-03C6-41F0-42CDB1BC2D44}"/>
               </a:ext>
             </a:extLst>
           </p:cNvPr>
@@ -1154,7 +1176,7 @@
           <p:cNvPr id="4" name="Date Placeholder 3">
             <a:extLst>
               <a:ext uri="{FF2B5EF4-FFF2-40B4-BE49-F238E27FC236}">
-                <a16:creationId xmlns:a16="http://schemas.microsoft.com/office/drawing/2014/main" xmlns="" id="{DA506DEA-BF6D-340D-84F9-C396AAED664C}"/>
+                <a16:creationId xmlns:a16="http://schemas.microsoft.com/office/drawing/2014/main" id="{DA506DEA-BF6D-340D-84F9-C396AAED664C}"/>
               </a:ext>
             </a:extLst>
           </p:cNvPr>
@@ -1172,9 +1194,9 @@
           <a:p>
             <a:fld id="{D0854996-1FBB-4E33-95BB-317CB7872D99}" type="datetimeFigureOut">
               <a:rPr lang="en-US" smtClean="0"/>
-              <a:t>5/3/2023</a:t>
+              <a:t>5/3/23</a:t>
             </a:fld>
-            <a:endParaRPr lang="en-US"/>
+            <a:endParaRPr lang="en-US" dirty="0"/>
           </a:p>
         </p:txBody>
       </p:sp>
@@ -1183,7 +1205,7 @@
           <p:cNvPr id="5" name="Footer Placeholder 4">
             <a:extLst>
               <a:ext uri="{FF2B5EF4-FFF2-40B4-BE49-F238E27FC236}">
-                <a16:creationId xmlns:a16="http://schemas.microsoft.com/office/drawing/2014/main" xmlns="" id="{723D2974-1B4C-82C2-030D-AEAF59955D18}"/>
+                <a16:creationId xmlns:a16="http://schemas.microsoft.com/office/drawing/2014/main" id="{723D2974-1B4C-82C2-030D-AEAF59955D18}"/>
               </a:ext>
             </a:extLst>
           </p:cNvPr>
@@ -1199,7 +1221,7 @@
           <a:bodyPr/>
           <a:lstStyle/>
           <a:p>
-            <a:endParaRPr lang="en-US"/>
+            <a:endParaRPr lang="en-US" dirty="0"/>
           </a:p>
         </p:txBody>
       </p:sp>
@@ -1208,7 +1230,7 @@
           <p:cNvPr id="6" name="Slide Number Placeholder 5">
             <a:extLst>
               <a:ext uri="{FF2B5EF4-FFF2-40B4-BE49-F238E27FC236}">
-                <a16:creationId xmlns:a16="http://schemas.microsoft.com/office/drawing/2014/main" xmlns="" id="{34A38BA7-7CA7-B7DF-27D7-109C9FB6DE37}"/>
+                <a16:creationId xmlns:a16="http://schemas.microsoft.com/office/drawing/2014/main" id="{34A38BA7-7CA7-B7DF-27D7-109C9FB6DE37}"/>
               </a:ext>
             </a:extLst>
           </p:cNvPr>
@@ -1228,7 +1250,7 @@
               <a:rPr lang="en-US" smtClean="0"/>
               <a:t>‹#›</a:t>
             </a:fld>
-            <a:endParaRPr lang="en-US"/>
+            <a:endParaRPr lang="en-US" dirty="0"/>
           </a:p>
         </p:txBody>
       </p:sp>
@@ -1267,7 +1289,7 @@
           <p:cNvPr id="2" name="Title 1">
             <a:extLst>
               <a:ext uri="{FF2B5EF4-FFF2-40B4-BE49-F238E27FC236}">
-                <a16:creationId xmlns:a16="http://schemas.microsoft.com/office/drawing/2014/main" xmlns="" id="{EA208DBE-C1CC-B7FB-EBE1-7990BA17E0AB}"/>
+                <a16:creationId xmlns:a16="http://schemas.microsoft.com/office/drawing/2014/main" id="{EA208DBE-C1CC-B7FB-EBE1-7990BA17E0AB}"/>
               </a:ext>
             </a:extLst>
           </p:cNvPr>
@@ -1295,7 +1317,7 @@
           <p:cNvPr id="3" name="Content Placeholder 2">
             <a:extLst>
               <a:ext uri="{FF2B5EF4-FFF2-40B4-BE49-F238E27FC236}">
-                <a16:creationId xmlns:a16="http://schemas.microsoft.com/office/drawing/2014/main" xmlns="" id="{80A22C23-BFC2-58C0-0D68-88937172D459}"/>
+                <a16:creationId xmlns:a16="http://schemas.microsoft.com/office/drawing/2014/main" id="{80A22C23-BFC2-58C0-0D68-88937172D459}"/>
               </a:ext>
             </a:extLst>
           </p:cNvPr>
@@ -1352,7 +1374,7 @@
           <p:cNvPr id="4" name="Date Placeholder 3">
             <a:extLst>
               <a:ext uri="{FF2B5EF4-FFF2-40B4-BE49-F238E27FC236}">
-                <a16:creationId xmlns:a16="http://schemas.microsoft.com/office/drawing/2014/main" xmlns="" id="{C7BF0553-7E38-2D36-F267-115A83C0CABE}"/>
+                <a16:creationId xmlns:a16="http://schemas.microsoft.com/office/drawing/2014/main" id="{C7BF0553-7E38-2D36-F267-115A83C0CABE}"/>
               </a:ext>
             </a:extLst>
           </p:cNvPr>
@@ -1370,9 +1392,9 @@
           <a:p>
             <a:fld id="{D0854996-1FBB-4E33-95BB-317CB7872D99}" type="datetimeFigureOut">
               <a:rPr lang="en-US" smtClean="0"/>
-              <a:t>5/3/2023</a:t>
+              <a:t>5/3/23</a:t>
             </a:fld>
-            <a:endParaRPr lang="en-US"/>
+            <a:endParaRPr lang="en-US" dirty="0"/>
           </a:p>
         </p:txBody>
       </p:sp>
@@ -1381,7 +1403,7 @@
           <p:cNvPr id="5" name="Footer Placeholder 4">
             <a:extLst>
               <a:ext uri="{FF2B5EF4-FFF2-40B4-BE49-F238E27FC236}">
-                <a16:creationId xmlns:a16="http://schemas.microsoft.com/office/drawing/2014/main" xmlns="" id="{D07898A0-9C5E-B5D6-DDB1-52BC9C29EF04}"/>
+                <a16:creationId xmlns:a16="http://schemas.microsoft.com/office/drawing/2014/main" id="{D07898A0-9C5E-B5D6-DDB1-52BC9C29EF04}"/>
               </a:ext>
             </a:extLst>
           </p:cNvPr>
@@ -1397,7 +1419,7 @@
           <a:bodyPr/>
           <a:lstStyle/>
           <a:p>
-            <a:endParaRPr lang="en-US"/>
+            <a:endParaRPr lang="en-US" dirty="0"/>
           </a:p>
         </p:txBody>
       </p:sp>
@@ -1406,7 +1428,7 @@
           <p:cNvPr id="6" name="Slide Number Placeholder 5">
             <a:extLst>
               <a:ext uri="{FF2B5EF4-FFF2-40B4-BE49-F238E27FC236}">
-                <a16:creationId xmlns:a16="http://schemas.microsoft.com/office/drawing/2014/main" xmlns="" id="{F6DD8C3F-C498-77DE-6EBA-8EB9D6BC8D93}"/>
+                <a16:creationId xmlns:a16="http://schemas.microsoft.com/office/drawing/2014/main" id="{F6DD8C3F-C498-77DE-6EBA-8EB9D6BC8D93}"/>
               </a:ext>
             </a:extLst>
           </p:cNvPr>
@@ -1426,7 +1448,7 @@
               <a:rPr lang="en-US" smtClean="0"/>
               <a:t>‹#›</a:t>
             </a:fld>
-            <a:endParaRPr lang="en-US"/>
+            <a:endParaRPr lang="en-US" dirty="0"/>
           </a:p>
         </p:txBody>
       </p:sp>
@@ -1465,7 +1487,7 @@
           <p:cNvPr id="2" name="Title 1">
             <a:extLst>
               <a:ext uri="{FF2B5EF4-FFF2-40B4-BE49-F238E27FC236}">
-                <a16:creationId xmlns:a16="http://schemas.microsoft.com/office/drawing/2014/main" xmlns="" id="{B6EE2795-D97C-7C26-9805-681F13B7BDF5}"/>
+                <a16:creationId xmlns:a16="http://schemas.microsoft.com/office/drawing/2014/main" id="{B6EE2795-D97C-7C26-9805-681F13B7BDF5}"/>
               </a:ext>
             </a:extLst>
           </p:cNvPr>
@@ -1502,7 +1524,7 @@
           <p:cNvPr id="3" name="Text Placeholder 2">
             <a:extLst>
               <a:ext uri="{FF2B5EF4-FFF2-40B4-BE49-F238E27FC236}">
-                <a16:creationId xmlns:a16="http://schemas.microsoft.com/office/drawing/2014/main" xmlns="" id="{79F5E2BB-21D5-3908-69DA-5FE2D3FAC4D6}"/>
+                <a16:creationId xmlns:a16="http://schemas.microsoft.com/office/drawing/2014/main" id="{79F5E2BB-21D5-3908-69DA-5FE2D3FAC4D6}"/>
               </a:ext>
             </a:extLst>
           </p:cNvPr>
@@ -1627,7 +1649,7 @@
           <p:cNvPr id="4" name="Date Placeholder 3">
             <a:extLst>
               <a:ext uri="{FF2B5EF4-FFF2-40B4-BE49-F238E27FC236}">
-                <a16:creationId xmlns:a16="http://schemas.microsoft.com/office/drawing/2014/main" xmlns="" id="{EB062665-D5D0-D7E8-A720-1C7EE892C45B}"/>
+                <a16:creationId xmlns:a16="http://schemas.microsoft.com/office/drawing/2014/main" id="{EB062665-D5D0-D7E8-A720-1C7EE892C45B}"/>
               </a:ext>
             </a:extLst>
           </p:cNvPr>
@@ -1645,9 +1667,9 @@
           <a:p>
             <a:fld id="{D0854996-1FBB-4E33-95BB-317CB7872D99}" type="datetimeFigureOut">
               <a:rPr lang="en-US" smtClean="0"/>
-              <a:t>5/3/2023</a:t>
+              <a:t>5/3/23</a:t>
             </a:fld>
-            <a:endParaRPr lang="en-US"/>
+            <a:endParaRPr lang="en-US" dirty="0"/>
           </a:p>
         </p:txBody>
       </p:sp>
@@ -1656,7 +1678,7 @@
           <p:cNvPr id="5" name="Footer Placeholder 4">
             <a:extLst>
               <a:ext uri="{FF2B5EF4-FFF2-40B4-BE49-F238E27FC236}">
-                <a16:creationId xmlns:a16="http://schemas.microsoft.com/office/drawing/2014/main" xmlns="" id="{03B29897-DB1A-5E0B-8C6C-93D82E772703}"/>
+                <a16:creationId xmlns:a16="http://schemas.microsoft.com/office/drawing/2014/main" id="{03B29897-DB1A-5E0B-8C6C-93D82E772703}"/>
               </a:ext>
             </a:extLst>
           </p:cNvPr>
@@ -1672,7 +1694,7 @@
           <a:bodyPr/>
           <a:lstStyle/>
           <a:p>
-            <a:endParaRPr lang="en-US"/>
+            <a:endParaRPr lang="en-US" dirty="0"/>
           </a:p>
         </p:txBody>
       </p:sp>
@@ -1681,7 +1703,7 @@
           <p:cNvPr id="6" name="Slide Number Placeholder 5">
             <a:extLst>
               <a:ext uri="{FF2B5EF4-FFF2-40B4-BE49-F238E27FC236}">
-                <a16:creationId xmlns:a16="http://schemas.microsoft.com/office/drawing/2014/main" xmlns="" id="{6D9AE3A4-3794-4A8F-E94B-5E3D41E7D58B}"/>
+                <a16:creationId xmlns:a16="http://schemas.microsoft.com/office/drawing/2014/main" id="{6D9AE3A4-3794-4A8F-E94B-5E3D41E7D58B}"/>
               </a:ext>
             </a:extLst>
           </p:cNvPr>
@@ -1701,7 +1723,7 @@
               <a:rPr lang="en-US" smtClean="0"/>
               <a:t>‹#›</a:t>
             </a:fld>
-            <a:endParaRPr lang="en-US"/>
+            <a:endParaRPr lang="en-US" dirty="0"/>
           </a:p>
         </p:txBody>
       </p:sp>
@@ -1740,7 +1762,7 @@
           <p:cNvPr id="2" name="Title 1">
             <a:extLst>
               <a:ext uri="{FF2B5EF4-FFF2-40B4-BE49-F238E27FC236}">
-                <a16:creationId xmlns:a16="http://schemas.microsoft.com/office/drawing/2014/main" xmlns="" id="{437FADD9-0D37-31D3-3762-2A4555C01562}"/>
+                <a16:creationId xmlns:a16="http://schemas.microsoft.com/office/drawing/2014/main" id="{437FADD9-0D37-31D3-3762-2A4555C01562}"/>
               </a:ext>
             </a:extLst>
           </p:cNvPr>
@@ -1768,7 +1790,7 @@
           <p:cNvPr id="3" name="Content Placeholder 2">
             <a:extLst>
               <a:ext uri="{FF2B5EF4-FFF2-40B4-BE49-F238E27FC236}">
-                <a16:creationId xmlns:a16="http://schemas.microsoft.com/office/drawing/2014/main" xmlns="" id="{4FE2A18B-5FDD-78ED-B903-7C6EFB474D15}"/>
+                <a16:creationId xmlns:a16="http://schemas.microsoft.com/office/drawing/2014/main" id="{4FE2A18B-5FDD-78ED-B903-7C6EFB474D15}"/>
               </a:ext>
             </a:extLst>
           </p:cNvPr>
@@ -1830,7 +1852,7 @@
           <p:cNvPr id="4" name="Content Placeholder 3">
             <a:extLst>
               <a:ext uri="{FF2B5EF4-FFF2-40B4-BE49-F238E27FC236}">
-                <a16:creationId xmlns:a16="http://schemas.microsoft.com/office/drawing/2014/main" xmlns="" id="{2322C815-ED44-0DD4-A7D1-05F6FDD919A4}"/>
+                <a16:creationId xmlns:a16="http://schemas.microsoft.com/office/drawing/2014/main" id="{2322C815-ED44-0DD4-A7D1-05F6FDD919A4}"/>
               </a:ext>
             </a:extLst>
           </p:cNvPr>
@@ -1892,7 +1914,7 @@
           <p:cNvPr id="5" name="Date Placeholder 4">
             <a:extLst>
               <a:ext uri="{FF2B5EF4-FFF2-40B4-BE49-F238E27FC236}">
-                <a16:creationId xmlns:a16="http://schemas.microsoft.com/office/drawing/2014/main" xmlns="" id="{B6862A28-53DE-3FFA-10DC-557A16CB9FA1}"/>
+                <a16:creationId xmlns:a16="http://schemas.microsoft.com/office/drawing/2014/main" id="{B6862A28-53DE-3FFA-10DC-557A16CB9FA1}"/>
               </a:ext>
             </a:extLst>
           </p:cNvPr>
@@ -1910,9 +1932,9 @@
           <a:p>
             <a:fld id="{D0854996-1FBB-4E33-95BB-317CB7872D99}" type="datetimeFigureOut">
               <a:rPr lang="en-US" smtClean="0"/>
-              <a:t>5/3/2023</a:t>
+              <a:t>5/3/23</a:t>
             </a:fld>
-            <a:endParaRPr lang="en-US"/>
+            <a:endParaRPr lang="en-US" dirty="0"/>
           </a:p>
         </p:txBody>
       </p:sp>
@@ -1921,7 +1943,7 @@
           <p:cNvPr id="6" name="Footer Placeholder 5">
             <a:extLst>
               <a:ext uri="{FF2B5EF4-FFF2-40B4-BE49-F238E27FC236}">
-                <a16:creationId xmlns:a16="http://schemas.microsoft.com/office/drawing/2014/main" xmlns="" id="{D9117D43-02A1-4AB2-C5EE-082AF7DCC9B9}"/>
+                <a16:creationId xmlns:a16="http://schemas.microsoft.com/office/drawing/2014/main" id="{D9117D43-02A1-4AB2-C5EE-082AF7DCC9B9}"/>
               </a:ext>
             </a:extLst>
           </p:cNvPr>
@@ -1937,7 +1959,7 @@
           <a:bodyPr/>
           <a:lstStyle/>
           <a:p>
-            <a:endParaRPr lang="en-US"/>
+            <a:endParaRPr lang="en-US" dirty="0"/>
           </a:p>
         </p:txBody>
       </p:sp>
@@ -1946,7 +1968,7 @@
           <p:cNvPr id="7" name="Slide Number Placeholder 6">
             <a:extLst>
               <a:ext uri="{FF2B5EF4-FFF2-40B4-BE49-F238E27FC236}">
-                <a16:creationId xmlns:a16="http://schemas.microsoft.com/office/drawing/2014/main" xmlns="" id="{6843E39E-286D-B8E2-0801-760CB25C878F}"/>
+                <a16:creationId xmlns:a16="http://schemas.microsoft.com/office/drawing/2014/main" id="{6843E39E-286D-B8E2-0801-760CB25C878F}"/>
               </a:ext>
             </a:extLst>
           </p:cNvPr>
@@ -1966,7 +1988,7 @@
               <a:rPr lang="en-US" smtClean="0"/>
               <a:t>‹#›</a:t>
             </a:fld>
-            <a:endParaRPr lang="en-US"/>
+            <a:endParaRPr lang="en-US" dirty="0"/>
           </a:p>
         </p:txBody>
       </p:sp>
@@ -2005,7 +2027,7 @@
           <p:cNvPr id="2" name="Title 1">
             <a:extLst>
               <a:ext uri="{FF2B5EF4-FFF2-40B4-BE49-F238E27FC236}">
-                <a16:creationId xmlns:a16="http://schemas.microsoft.com/office/drawing/2014/main" xmlns="" id="{8E18856C-5621-1D14-2E16-B6A5ADF4A6A1}"/>
+                <a16:creationId xmlns:a16="http://schemas.microsoft.com/office/drawing/2014/main" id="{8E18856C-5621-1D14-2E16-B6A5ADF4A6A1}"/>
               </a:ext>
             </a:extLst>
           </p:cNvPr>
@@ -2038,7 +2060,7 @@
           <p:cNvPr id="3" name="Text Placeholder 2">
             <a:extLst>
               <a:ext uri="{FF2B5EF4-FFF2-40B4-BE49-F238E27FC236}">
-                <a16:creationId xmlns:a16="http://schemas.microsoft.com/office/drawing/2014/main" xmlns="" id="{10939CFD-1387-ED03-A9C3-4F1C2E5DDB86}"/>
+                <a16:creationId xmlns:a16="http://schemas.microsoft.com/office/drawing/2014/main" id="{10939CFD-1387-ED03-A9C3-4F1C2E5DDB86}"/>
               </a:ext>
             </a:extLst>
           </p:cNvPr>
@@ -2109,7 +2131,7 @@
           <p:cNvPr id="4" name="Content Placeholder 3">
             <a:extLst>
               <a:ext uri="{FF2B5EF4-FFF2-40B4-BE49-F238E27FC236}">
-                <a16:creationId xmlns:a16="http://schemas.microsoft.com/office/drawing/2014/main" xmlns="" id="{CDD0D842-7521-DABF-523C-530EB07786AB}"/>
+                <a16:creationId xmlns:a16="http://schemas.microsoft.com/office/drawing/2014/main" id="{CDD0D842-7521-DABF-523C-530EB07786AB}"/>
               </a:ext>
             </a:extLst>
           </p:cNvPr>
@@ -2171,7 +2193,7 @@
           <p:cNvPr id="5" name="Text Placeholder 4">
             <a:extLst>
               <a:ext uri="{FF2B5EF4-FFF2-40B4-BE49-F238E27FC236}">
-                <a16:creationId xmlns:a16="http://schemas.microsoft.com/office/drawing/2014/main" xmlns="" id="{D2946555-4F1C-262A-D3EE-C38D8F57C1AB}"/>
+                <a16:creationId xmlns:a16="http://schemas.microsoft.com/office/drawing/2014/main" id="{D2946555-4F1C-262A-D3EE-C38D8F57C1AB}"/>
               </a:ext>
             </a:extLst>
           </p:cNvPr>
@@ -2242,7 +2264,7 @@
           <p:cNvPr id="6" name="Content Placeholder 5">
             <a:extLst>
               <a:ext uri="{FF2B5EF4-FFF2-40B4-BE49-F238E27FC236}">
-                <a16:creationId xmlns:a16="http://schemas.microsoft.com/office/drawing/2014/main" xmlns="" id="{CAF1A528-2FBD-1F79-A495-C46F13769C59}"/>
+                <a16:creationId xmlns:a16="http://schemas.microsoft.com/office/drawing/2014/main" id="{CAF1A528-2FBD-1F79-A495-C46F13769C59}"/>
               </a:ext>
             </a:extLst>
           </p:cNvPr>
@@ -2304,7 +2326,7 @@
           <p:cNvPr id="7" name="Date Placeholder 6">
             <a:extLst>
               <a:ext uri="{FF2B5EF4-FFF2-40B4-BE49-F238E27FC236}">
-                <a16:creationId xmlns:a16="http://schemas.microsoft.com/office/drawing/2014/main" xmlns="" id="{2778BE5C-04EF-E6BD-0717-37F872FF16C3}"/>
+                <a16:creationId xmlns:a16="http://schemas.microsoft.com/office/drawing/2014/main" id="{2778BE5C-04EF-E6BD-0717-37F872FF16C3}"/>
               </a:ext>
             </a:extLst>
           </p:cNvPr>
@@ -2322,9 +2344,9 @@
           <a:p>
             <a:fld id="{D0854996-1FBB-4E33-95BB-317CB7872D99}" type="datetimeFigureOut">
               <a:rPr lang="en-US" smtClean="0"/>
-              <a:t>5/3/2023</a:t>
+              <a:t>5/3/23</a:t>
             </a:fld>
-            <a:endParaRPr lang="en-US"/>
+            <a:endParaRPr lang="en-US" dirty="0"/>
           </a:p>
         </p:txBody>
       </p:sp>
@@ -2333,7 +2355,7 @@
           <p:cNvPr id="8" name="Footer Placeholder 7">
             <a:extLst>
               <a:ext uri="{FF2B5EF4-FFF2-40B4-BE49-F238E27FC236}">
-                <a16:creationId xmlns:a16="http://schemas.microsoft.com/office/drawing/2014/main" xmlns="" id="{38A96267-3810-CB64-D205-372FA67F7A09}"/>
+                <a16:creationId xmlns:a16="http://schemas.microsoft.com/office/drawing/2014/main" id="{38A96267-3810-CB64-D205-372FA67F7A09}"/>
               </a:ext>
             </a:extLst>
           </p:cNvPr>
@@ -2349,7 +2371,7 @@
           <a:bodyPr/>
           <a:lstStyle/>
           <a:p>
-            <a:endParaRPr lang="en-US"/>
+            <a:endParaRPr lang="en-US" dirty="0"/>
           </a:p>
         </p:txBody>
       </p:sp>
@@ -2358,7 +2380,7 @@
           <p:cNvPr id="9" name="Slide Number Placeholder 8">
             <a:extLst>
               <a:ext uri="{FF2B5EF4-FFF2-40B4-BE49-F238E27FC236}">
-                <a16:creationId xmlns:a16="http://schemas.microsoft.com/office/drawing/2014/main" xmlns="" id="{0D3B3BA1-2C34-F5D6-87F6-7B3B41E87C3F}"/>
+                <a16:creationId xmlns:a16="http://schemas.microsoft.com/office/drawing/2014/main" id="{0D3B3BA1-2C34-F5D6-87F6-7B3B41E87C3F}"/>
               </a:ext>
             </a:extLst>
           </p:cNvPr>
@@ -2378,7 +2400,7 @@
               <a:rPr lang="en-US" smtClean="0"/>
               <a:t>‹#›</a:t>
             </a:fld>
-            <a:endParaRPr lang="en-US"/>
+            <a:endParaRPr lang="en-US" dirty="0"/>
           </a:p>
         </p:txBody>
       </p:sp>
@@ -2417,7 +2439,7 @@
           <p:cNvPr id="2" name="Title 1">
             <a:extLst>
               <a:ext uri="{FF2B5EF4-FFF2-40B4-BE49-F238E27FC236}">
-                <a16:creationId xmlns:a16="http://schemas.microsoft.com/office/drawing/2014/main" xmlns="" id="{2BD0AAD7-06E9-6B86-C224-A84B16BC092F}"/>
+                <a16:creationId xmlns:a16="http://schemas.microsoft.com/office/drawing/2014/main" id="{2BD0AAD7-06E9-6B86-C224-A84B16BC092F}"/>
               </a:ext>
             </a:extLst>
           </p:cNvPr>
@@ -2445,7 +2467,7 @@
           <p:cNvPr id="3" name="Date Placeholder 2">
             <a:extLst>
               <a:ext uri="{FF2B5EF4-FFF2-40B4-BE49-F238E27FC236}">
-                <a16:creationId xmlns:a16="http://schemas.microsoft.com/office/drawing/2014/main" xmlns="" id="{85A9E503-8771-838F-5AAC-893EC50231D1}"/>
+                <a16:creationId xmlns:a16="http://schemas.microsoft.com/office/drawing/2014/main" id="{85A9E503-8771-838F-5AAC-893EC50231D1}"/>
               </a:ext>
             </a:extLst>
           </p:cNvPr>
@@ -2463,9 +2485,9 @@
           <a:p>
             <a:fld id="{D0854996-1FBB-4E33-95BB-317CB7872D99}" type="datetimeFigureOut">
               <a:rPr lang="en-US" smtClean="0"/>
-              <a:t>5/3/2023</a:t>
+              <a:t>5/3/23</a:t>
             </a:fld>
-            <a:endParaRPr lang="en-US"/>
+            <a:endParaRPr lang="en-US" dirty="0"/>
           </a:p>
         </p:txBody>
       </p:sp>
@@ -2474,7 +2496,7 @@
           <p:cNvPr id="4" name="Footer Placeholder 3">
             <a:extLst>
               <a:ext uri="{FF2B5EF4-FFF2-40B4-BE49-F238E27FC236}">
-                <a16:creationId xmlns:a16="http://schemas.microsoft.com/office/drawing/2014/main" xmlns="" id="{E473AE5A-85B9-E0C6-35EE-05D7579BFEBE}"/>
+                <a16:creationId xmlns:a16="http://schemas.microsoft.com/office/drawing/2014/main" id="{E473AE5A-85B9-E0C6-35EE-05D7579BFEBE}"/>
               </a:ext>
             </a:extLst>
           </p:cNvPr>
@@ -2490,7 +2512,7 @@
           <a:bodyPr/>
           <a:lstStyle/>
           <a:p>
-            <a:endParaRPr lang="en-US"/>
+            <a:endParaRPr lang="en-US" dirty="0"/>
           </a:p>
         </p:txBody>
       </p:sp>
@@ -2499,7 +2521,7 @@
           <p:cNvPr id="5" name="Slide Number Placeholder 4">
             <a:extLst>
               <a:ext uri="{FF2B5EF4-FFF2-40B4-BE49-F238E27FC236}">
-                <a16:creationId xmlns:a16="http://schemas.microsoft.com/office/drawing/2014/main" xmlns="" id="{02088C77-B791-6EC6-3382-1FDFD09DA7B1}"/>
+                <a16:creationId xmlns:a16="http://schemas.microsoft.com/office/drawing/2014/main" id="{02088C77-B791-6EC6-3382-1FDFD09DA7B1}"/>
               </a:ext>
             </a:extLst>
           </p:cNvPr>
@@ -2519,7 +2541,7 @@
               <a:rPr lang="en-US" smtClean="0"/>
               <a:t>‹#›</a:t>
             </a:fld>
-            <a:endParaRPr lang="en-US"/>
+            <a:endParaRPr lang="en-US" dirty="0"/>
           </a:p>
         </p:txBody>
       </p:sp>
@@ -2558,7 +2580,7 @@
           <p:cNvPr id="2" name="Date Placeholder 1">
             <a:extLst>
               <a:ext uri="{FF2B5EF4-FFF2-40B4-BE49-F238E27FC236}">
-                <a16:creationId xmlns:a16="http://schemas.microsoft.com/office/drawing/2014/main" xmlns="" id="{53F38818-2B01-FB61-F1D0-B3CFD45CE39C}"/>
+                <a16:creationId xmlns:a16="http://schemas.microsoft.com/office/drawing/2014/main" id="{53F38818-2B01-FB61-F1D0-B3CFD45CE39C}"/>
               </a:ext>
             </a:extLst>
           </p:cNvPr>
@@ -2576,9 +2598,9 @@
           <a:p>
             <a:fld id="{D0854996-1FBB-4E33-95BB-317CB7872D99}" type="datetimeFigureOut">
               <a:rPr lang="en-US" smtClean="0"/>
-              <a:t>5/3/2023</a:t>
+              <a:t>5/3/23</a:t>
             </a:fld>
-            <a:endParaRPr lang="en-US"/>
+            <a:endParaRPr lang="en-US" dirty="0"/>
           </a:p>
         </p:txBody>
       </p:sp>
@@ -2587,7 +2609,7 @@
           <p:cNvPr id="3" name="Footer Placeholder 2">
             <a:extLst>
               <a:ext uri="{FF2B5EF4-FFF2-40B4-BE49-F238E27FC236}">
-                <a16:creationId xmlns:a16="http://schemas.microsoft.com/office/drawing/2014/main" xmlns="" id="{2455AFB9-0F6F-1646-E3F9-164927FE5C3E}"/>
+                <a16:creationId xmlns:a16="http://schemas.microsoft.com/office/drawing/2014/main" id="{2455AFB9-0F6F-1646-E3F9-164927FE5C3E}"/>
               </a:ext>
             </a:extLst>
           </p:cNvPr>
@@ -2603,7 +2625,7 @@
           <a:bodyPr/>
           <a:lstStyle/>
           <a:p>
-            <a:endParaRPr lang="en-US"/>
+            <a:endParaRPr lang="en-US" dirty="0"/>
           </a:p>
         </p:txBody>
       </p:sp>
@@ -2612,7 +2634,7 @@
           <p:cNvPr id="4" name="Slide Number Placeholder 3">
             <a:extLst>
               <a:ext uri="{FF2B5EF4-FFF2-40B4-BE49-F238E27FC236}">
-                <a16:creationId xmlns:a16="http://schemas.microsoft.com/office/drawing/2014/main" xmlns="" id="{9668AD29-83CB-DCB3-07F7-E8FBC7A6037F}"/>
+                <a16:creationId xmlns:a16="http://schemas.microsoft.com/office/drawing/2014/main" id="{9668AD29-83CB-DCB3-07F7-E8FBC7A6037F}"/>
               </a:ext>
             </a:extLst>
           </p:cNvPr>
@@ -2632,7 +2654,7 @@
               <a:rPr lang="en-US" smtClean="0"/>
               <a:t>‹#›</a:t>
             </a:fld>
-            <a:endParaRPr lang="en-US"/>
+            <a:endParaRPr lang="en-US" dirty="0"/>
           </a:p>
         </p:txBody>
       </p:sp>
@@ -2671,7 +2693,7 @@
           <p:cNvPr id="2" name="Title 1">
             <a:extLst>
               <a:ext uri="{FF2B5EF4-FFF2-40B4-BE49-F238E27FC236}">
-                <a16:creationId xmlns:a16="http://schemas.microsoft.com/office/drawing/2014/main" xmlns="" id="{D7DC9D5E-27B8-AD9A-2659-5932A57F3DB5}"/>
+                <a16:creationId xmlns:a16="http://schemas.microsoft.com/office/drawing/2014/main" id="{D7DC9D5E-27B8-AD9A-2659-5932A57F3DB5}"/>
               </a:ext>
             </a:extLst>
           </p:cNvPr>
@@ -2708,7 +2730,7 @@
           <p:cNvPr id="3" name="Content Placeholder 2">
             <a:extLst>
               <a:ext uri="{FF2B5EF4-FFF2-40B4-BE49-F238E27FC236}">
-                <a16:creationId xmlns:a16="http://schemas.microsoft.com/office/drawing/2014/main" xmlns="" id="{30923FB5-E2BF-A4B2-A2D0-A00A3D1898BC}"/>
+                <a16:creationId xmlns:a16="http://schemas.microsoft.com/office/drawing/2014/main" id="{30923FB5-E2BF-A4B2-A2D0-A00A3D1898BC}"/>
               </a:ext>
             </a:extLst>
           </p:cNvPr>
@@ -2798,7 +2820,7 @@
           <p:cNvPr id="4" name="Text Placeholder 3">
             <a:extLst>
               <a:ext uri="{FF2B5EF4-FFF2-40B4-BE49-F238E27FC236}">
-                <a16:creationId xmlns:a16="http://schemas.microsoft.com/office/drawing/2014/main" xmlns="" id="{C893FAE0-A790-3272-ED87-714BF6202D63}"/>
+                <a16:creationId xmlns:a16="http://schemas.microsoft.com/office/drawing/2014/main" id="{C893FAE0-A790-3272-ED87-714BF6202D63}"/>
               </a:ext>
             </a:extLst>
           </p:cNvPr>
@@ -2869,7 +2891,7 @@
           <p:cNvPr id="5" name="Date Placeholder 4">
             <a:extLst>
               <a:ext uri="{FF2B5EF4-FFF2-40B4-BE49-F238E27FC236}">
-                <a16:creationId xmlns:a16="http://schemas.microsoft.com/office/drawing/2014/main" xmlns="" id="{B81C0A93-0475-6608-27DF-CFCC73458A8F}"/>
+                <a16:creationId xmlns:a16="http://schemas.microsoft.com/office/drawing/2014/main" id="{B81C0A93-0475-6608-27DF-CFCC73458A8F}"/>
               </a:ext>
             </a:extLst>
           </p:cNvPr>
@@ -2887,9 +2909,9 @@
           <a:p>
             <a:fld id="{D0854996-1FBB-4E33-95BB-317CB7872D99}" type="datetimeFigureOut">
               <a:rPr lang="en-US" smtClean="0"/>
-              <a:t>5/3/2023</a:t>
+              <a:t>5/3/23</a:t>
             </a:fld>
-            <a:endParaRPr lang="en-US"/>
+            <a:endParaRPr lang="en-US" dirty="0"/>
           </a:p>
         </p:txBody>
       </p:sp>
@@ -2898,7 +2920,7 @@
           <p:cNvPr id="6" name="Footer Placeholder 5">
             <a:extLst>
               <a:ext uri="{FF2B5EF4-FFF2-40B4-BE49-F238E27FC236}">
-                <a16:creationId xmlns:a16="http://schemas.microsoft.com/office/drawing/2014/main" xmlns="" id="{B04A9B06-1F86-EEF8-8473-D61924456931}"/>
+                <a16:creationId xmlns:a16="http://schemas.microsoft.com/office/drawing/2014/main" id="{B04A9B06-1F86-EEF8-8473-D61924456931}"/>
               </a:ext>
             </a:extLst>
           </p:cNvPr>
@@ -2914,7 +2936,7 @@
           <a:bodyPr/>
           <a:lstStyle/>
           <a:p>
-            <a:endParaRPr lang="en-US"/>
+            <a:endParaRPr lang="en-US" dirty="0"/>
           </a:p>
         </p:txBody>
       </p:sp>
@@ -2923,7 +2945,7 @@
           <p:cNvPr id="7" name="Slide Number Placeholder 6">
             <a:extLst>
               <a:ext uri="{FF2B5EF4-FFF2-40B4-BE49-F238E27FC236}">
-                <a16:creationId xmlns:a16="http://schemas.microsoft.com/office/drawing/2014/main" xmlns="" id="{6173C552-D150-C781-6D84-17DA2BBF1656}"/>
+                <a16:creationId xmlns:a16="http://schemas.microsoft.com/office/drawing/2014/main" id="{6173C552-D150-C781-6D84-17DA2BBF1656}"/>
               </a:ext>
             </a:extLst>
           </p:cNvPr>
@@ -2943,7 +2965,7 @@
               <a:rPr lang="en-US" smtClean="0"/>
               <a:t>‹#›</a:t>
             </a:fld>
-            <a:endParaRPr lang="en-US"/>
+            <a:endParaRPr lang="en-US" dirty="0"/>
           </a:p>
         </p:txBody>
       </p:sp>
@@ -2982,7 +3004,7 @@
           <p:cNvPr id="2" name="Title 1">
             <a:extLst>
               <a:ext uri="{FF2B5EF4-FFF2-40B4-BE49-F238E27FC236}">
-                <a16:creationId xmlns:a16="http://schemas.microsoft.com/office/drawing/2014/main" xmlns="" id="{86A723BF-75CB-BA9C-52EC-1BAAA2273C37}"/>
+                <a16:creationId xmlns:a16="http://schemas.microsoft.com/office/drawing/2014/main" id="{86A723BF-75CB-BA9C-52EC-1BAAA2273C37}"/>
               </a:ext>
             </a:extLst>
           </p:cNvPr>
@@ -3019,7 +3041,7 @@
           <p:cNvPr id="3" name="Picture Placeholder 2">
             <a:extLst>
               <a:ext uri="{FF2B5EF4-FFF2-40B4-BE49-F238E27FC236}">
-                <a16:creationId xmlns:a16="http://schemas.microsoft.com/office/drawing/2014/main" xmlns="" id="{D7342387-DCA6-0EBE-87AD-F51858ADD85C}"/>
+                <a16:creationId xmlns:a16="http://schemas.microsoft.com/office/drawing/2014/main" id="{D7342387-DCA6-0EBE-87AD-F51858ADD85C}"/>
               </a:ext>
             </a:extLst>
           </p:cNvPr>
@@ -3077,7 +3099,7 @@
             </a:lvl9pPr>
           </a:lstStyle>
           <a:p>
-            <a:endParaRPr lang="en-US"/>
+            <a:endParaRPr lang="en-US" dirty="0"/>
           </a:p>
         </p:txBody>
       </p:sp>
@@ -3086,7 +3108,7 @@
           <p:cNvPr id="4" name="Text Placeholder 3">
             <a:extLst>
               <a:ext uri="{FF2B5EF4-FFF2-40B4-BE49-F238E27FC236}">
-                <a16:creationId xmlns:a16="http://schemas.microsoft.com/office/drawing/2014/main" xmlns="" id="{4914F6DB-85BF-D03D-EE41-A7B0601C1B49}"/>
+                <a16:creationId xmlns:a16="http://schemas.microsoft.com/office/drawing/2014/main" id="{4914F6DB-85BF-D03D-EE41-A7B0601C1B49}"/>
               </a:ext>
             </a:extLst>
           </p:cNvPr>
@@ -3157,7 +3179,7 @@
           <p:cNvPr id="5" name="Date Placeholder 4">
             <a:extLst>
               <a:ext uri="{FF2B5EF4-FFF2-40B4-BE49-F238E27FC236}">
-                <a16:creationId xmlns:a16="http://schemas.microsoft.com/office/drawing/2014/main" xmlns="" id="{EFF8CA06-1788-C8CE-9527-09F3A79C0B43}"/>
+                <a16:creationId xmlns:a16="http://schemas.microsoft.com/office/drawing/2014/main" id="{EFF8CA06-1788-C8CE-9527-09F3A79C0B43}"/>
               </a:ext>
             </a:extLst>
           </p:cNvPr>
@@ -3175,9 +3197,9 @@
           <a:p>
             <a:fld id="{D0854996-1FBB-4E33-95BB-317CB7872D99}" type="datetimeFigureOut">
               <a:rPr lang="en-US" smtClean="0"/>
-              <a:t>5/3/2023</a:t>
+              <a:t>5/3/23</a:t>
             </a:fld>
-            <a:endParaRPr lang="en-US"/>
+            <a:endParaRPr lang="en-US" dirty="0"/>
           </a:p>
         </p:txBody>
       </p:sp>
@@ -3186,7 +3208,7 @@
           <p:cNvPr id="6" name="Footer Placeholder 5">
             <a:extLst>
               <a:ext uri="{FF2B5EF4-FFF2-40B4-BE49-F238E27FC236}">
-                <a16:creationId xmlns:a16="http://schemas.microsoft.com/office/drawing/2014/main" xmlns="" id="{637E81F4-FE36-EC6A-644C-8B7717C70BB1}"/>
+                <a16:creationId xmlns:a16="http://schemas.microsoft.com/office/drawing/2014/main" id="{637E81F4-FE36-EC6A-644C-8B7717C70BB1}"/>
               </a:ext>
             </a:extLst>
           </p:cNvPr>
@@ -3202,7 +3224,7 @@
           <a:bodyPr/>
           <a:lstStyle/>
           <a:p>
-            <a:endParaRPr lang="en-US"/>
+            <a:endParaRPr lang="en-US" dirty="0"/>
           </a:p>
         </p:txBody>
       </p:sp>
@@ -3211,7 +3233,7 @@
           <p:cNvPr id="7" name="Slide Number Placeholder 6">
             <a:extLst>
               <a:ext uri="{FF2B5EF4-FFF2-40B4-BE49-F238E27FC236}">
-                <a16:creationId xmlns:a16="http://schemas.microsoft.com/office/drawing/2014/main" xmlns="" id="{CD942980-D98D-3100-036C-E95E52FEB56D}"/>
+                <a16:creationId xmlns:a16="http://schemas.microsoft.com/office/drawing/2014/main" id="{CD942980-D98D-3100-036C-E95E52FEB56D}"/>
               </a:ext>
             </a:extLst>
           </p:cNvPr>
@@ -3231,7 +3253,7 @@
               <a:rPr lang="en-US" smtClean="0"/>
               <a:t>‹#›</a:t>
             </a:fld>
-            <a:endParaRPr lang="en-US"/>
+            <a:endParaRPr lang="en-US" dirty="0"/>
           </a:p>
         </p:txBody>
       </p:sp>
@@ -3275,7 +3297,7 @@
           <p:cNvPr id="2" name="Title Placeholder 1">
             <a:extLst>
               <a:ext uri="{FF2B5EF4-FFF2-40B4-BE49-F238E27FC236}">
-                <a16:creationId xmlns:a16="http://schemas.microsoft.com/office/drawing/2014/main" xmlns="" id="{D2A0DF5A-3A69-A5EC-E167-4D8338DCD260}"/>
+                <a16:creationId xmlns:a16="http://schemas.microsoft.com/office/drawing/2014/main" id="{D2A0DF5A-3A69-A5EC-E167-4D8338DCD260}"/>
               </a:ext>
             </a:extLst>
           </p:cNvPr>
@@ -3313,7 +3335,7 @@
           <p:cNvPr id="3" name="Text Placeholder 2">
             <a:extLst>
               <a:ext uri="{FF2B5EF4-FFF2-40B4-BE49-F238E27FC236}">
-                <a16:creationId xmlns:a16="http://schemas.microsoft.com/office/drawing/2014/main" xmlns="" id="{D6C72EDA-195E-D008-9012-693195B751A6}"/>
+                <a16:creationId xmlns:a16="http://schemas.microsoft.com/office/drawing/2014/main" id="{D6C72EDA-195E-D008-9012-693195B751A6}"/>
               </a:ext>
             </a:extLst>
           </p:cNvPr>
@@ -3380,7 +3402,7 @@
           <p:cNvPr id="4" name="Date Placeholder 3">
             <a:extLst>
               <a:ext uri="{FF2B5EF4-FFF2-40B4-BE49-F238E27FC236}">
-                <a16:creationId xmlns:a16="http://schemas.microsoft.com/office/drawing/2014/main" xmlns="" id="{B4F781D0-7BBD-6ACD-E311-BBECA04468ED}"/>
+                <a16:creationId xmlns:a16="http://schemas.microsoft.com/office/drawing/2014/main" id="{B4F781D0-7BBD-6ACD-E311-BBECA04468ED}"/>
               </a:ext>
             </a:extLst>
           </p:cNvPr>
@@ -3416,9 +3438,9 @@
           <a:p>
             <a:fld id="{D0854996-1FBB-4E33-95BB-317CB7872D99}" type="datetimeFigureOut">
               <a:rPr lang="en-US" smtClean="0"/>
-              <a:t>5/3/2023</a:t>
+              <a:t>5/3/23</a:t>
             </a:fld>
-            <a:endParaRPr lang="en-US"/>
+            <a:endParaRPr lang="en-US" dirty="0"/>
           </a:p>
         </p:txBody>
       </p:sp>
@@ -3427,7 +3449,7 @@
           <p:cNvPr id="5" name="Footer Placeholder 4">
             <a:extLst>
               <a:ext uri="{FF2B5EF4-FFF2-40B4-BE49-F238E27FC236}">
-                <a16:creationId xmlns:a16="http://schemas.microsoft.com/office/drawing/2014/main" xmlns="" id="{02469B86-7943-5512-14B4-A5099AFAEED6}"/>
+                <a16:creationId xmlns:a16="http://schemas.microsoft.com/office/drawing/2014/main" id="{02469B86-7943-5512-14B4-A5099AFAEED6}"/>
               </a:ext>
             </a:extLst>
           </p:cNvPr>
@@ -3461,7 +3483,7 @@
             </a:lvl1pPr>
           </a:lstStyle>
           <a:p>
-            <a:endParaRPr lang="en-US"/>
+            <a:endParaRPr lang="en-US" dirty="0"/>
           </a:p>
         </p:txBody>
       </p:sp>
@@ -3470,7 +3492,7 @@
           <p:cNvPr id="6" name="Slide Number Placeholder 5">
             <a:extLst>
               <a:ext uri="{FF2B5EF4-FFF2-40B4-BE49-F238E27FC236}">
-                <a16:creationId xmlns:a16="http://schemas.microsoft.com/office/drawing/2014/main" xmlns="" id="{DC623C1E-0FC3-571B-9CE7-2037AA9F7240}"/>
+                <a16:creationId xmlns:a16="http://schemas.microsoft.com/office/drawing/2014/main" id="{DC623C1E-0FC3-571B-9CE7-2037AA9F7240}"/>
               </a:ext>
             </a:extLst>
           </p:cNvPr>
@@ -3508,7 +3530,7 @@
               <a:rPr lang="en-US" smtClean="0"/>
               <a:t>‹#›</a:t>
             </a:fld>
-            <a:endParaRPr lang="en-US"/>
+            <a:endParaRPr lang="en-US" dirty="0"/>
           </a:p>
         </p:txBody>
       </p:sp>
@@ -3838,7 +3860,7 @@
           <p:cNvPr id="2" name="Title 1">
             <a:extLst>
               <a:ext uri="{FF2B5EF4-FFF2-40B4-BE49-F238E27FC236}">
-                <a16:creationId xmlns:a16="http://schemas.microsoft.com/office/drawing/2014/main" xmlns="" id="{E40C16C4-4789-4048-D9A5-1506B502EF1C}"/>
+                <a16:creationId xmlns:a16="http://schemas.microsoft.com/office/drawing/2014/main" id="{E40C16C4-4789-4048-D9A5-1506B502EF1C}"/>
               </a:ext>
             </a:extLst>
           </p:cNvPr>
@@ -3872,10 +3894,6 @@
             <a:r>
               <a:rPr lang="en-US" dirty="0"/>
               <a:t>of the </a:t>
-            </a:r>
-            <a:r>
-              <a:rPr lang="en-US" sz="5400" dirty="0"/>
-              <a:t/>
             </a:r>
             <a:br>
               <a:rPr lang="en-US" sz="5400" dirty="0"/>
@@ -3901,13 +3919,6 @@
   <p:clrMapOvr>
     <a:masterClrMapping/>
   </p:clrMapOvr>
-  <p:timing>
-    <p:tnLst>
-      <p:par>
-        <p:cTn id="1" dur="indefinite" restart="never" nodeType="tmRoot"/>
-      </p:par>
-    </p:tnLst>
-  </p:timing>
 </p:sld>
 </file>
 
@@ -3957,15 +3968,7 @@
                   <a:prstClr val="black"/>
                 </a:solidFill>
               </a:rPr>
-              <a:t>SECTION </a:t>
-            </a:r>
-            <a:r>
-              <a:rPr lang="en-US" dirty="0" smtClean="0">
-                <a:solidFill>
-                  <a:prstClr val="black"/>
-                </a:solidFill>
-              </a:rPr>
-              <a:t>3</a:t>
+              <a:t>SECTION 3</a:t>
             </a:r>
             <a:endParaRPr lang="en-US" sz="2400" dirty="0"/>
           </a:p>
@@ -3998,7 +4001,7 @@
               <a:buChar char="•"/>
             </a:pPr>
             <a:r>
-              <a:rPr lang="en-US" sz="1600" dirty="0" smtClean="0">
+              <a:rPr lang="en-US" sz="1600" dirty="0">
                 <a:solidFill>
                   <a:srgbClr val="2B2B2B"/>
                 </a:solidFill>
@@ -4045,31 +4048,7 @@
                   <a:srgbClr val="2B2B2B"/>
                 </a:solidFill>
               </a:rPr>
-              <a:t>Discuss </a:t>
-            </a:r>
-            <a:r>
-              <a:rPr lang="en-US" sz="1600" dirty="0" smtClean="0">
-                <a:solidFill>
-                  <a:srgbClr val="2B2B2B"/>
-                </a:solidFill>
-              </a:rPr>
-              <a:t> any </a:t>
-            </a:r>
-            <a:r>
-              <a:rPr lang="en-US" sz="1600" dirty="0">
-                <a:solidFill>
-                  <a:srgbClr val="2B2B2B"/>
-                </a:solidFill>
-              </a:rPr>
-              <a:t>unanticipated insights or problems that arose and how you resolved them</a:t>
-            </a:r>
-            <a:r>
-              <a:rPr lang="en-US" sz="1600" dirty="0" smtClean="0">
-                <a:solidFill>
-                  <a:srgbClr val="2B2B2B"/>
-                </a:solidFill>
-              </a:rPr>
-              <a:t>.</a:t>
+              <a:t>Discuss  any unanticipated insights or problems that arose and how you resolved them.</a:t>
             </a:r>
           </a:p>
           <a:p>
@@ -4078,7 +4057,7 @@
               <a:buChar char="•"/>
             </a:pPr>
             <a:r>
-              <a:rPr lang="en-US" sz="1600" dirty="0" smtClean="0">
+              <a:rPr lang="en-US" sz="1600" dirty="0">
                 <a:solidFill>
                   <a:srgbClr val="2B2B2B"/>
                 </a:solidFill>
@@ -4092,34 +4071,13 @@
               <a:buChar char="•"/>
             </a:pPr>
             <a:r>
-              <a:rPr lang="en-US" sz="1600" dirty="0" smtClean="0">
+              <a:rPr lang="en-US" sz="1600" dirty="0">
                 <a:solidFill>
                   <a:srgbClr val="2B2B2B"/>
                 </a:solidFill>
               </a:rPr>
-              <a:t>The analysis process (accompanied by your </a:t>
-            </a:r>
-            <a:r>
-              <a:rPr lang="en-US" sz="1600" dirty="0" err="1" smtClean="0">
-                <a:solidFill>
-                  <a:srgbClr val="2B2B2B"/>
-                </a:solidFill>
-              </a:rPr>
-              <a:t>Jupyter</a:t>
-            </a:r>
-            <a:r>
-              <a:rPr lang="en-US" sz="1600" dirty="0" smtClean="0">
-                <a:solidFill>
-                  <a:srgbClr val="2B2B2B"/>
-                </a:solidFill>
-              </a:rPr>
-              <a:t> Notebook)</a:t>
-            </a:r>
-            <a:endParaRPr lang="en-US" sz="1600" dirty="0">
-              <a:solidFill>
-                <a:srgbClr val="2B2B2B"/>
-              </a:solidFill>
-            </a:endParaRPr>
+              <a:t>The analysis process (accompanied by your Jupyter Notebook)</a:t>
+            </a:r>
           </a:p>
           <a:p>
             <a:pPr marL="285750" indent="-285750">
@@ -4127,7 +4085,7 @@
               <a:buChar char="•"/>
             </a:pPr>
             <a:r>
-              <a:rPr lang="en-US" sz="1600" dirty="0" smtClean="0">
+              <a:rPr lang="en-US" sz="1600" dirty="0">
                 <a:solidFill>
                   <a:srgbClr val="2B2B2B"/>
                 </a:solidFill>
@@ -4141,7 +4099,7 @@
               <a:buChar char="•"/>
             </a:pPr>
             <a:r>
-              <a:rPr lang="en-US" sz="1600" dirty="0" smtClean="0">
+              <a:rPr lang="en-US" sz="1600" dirty="0">
                 <a:solidFill>
                   <a:srgbClr val="2B2B2B"/>
                 </a:solidFill>
@@ -4155,7 +4113,7 @@
               <a:buChar char="•"/>
             </a:pPr>
             <a:r>
-              <a:rPr lang="en-US" sz="1600" dirty="0" smtClean="0">
+              <a:rPr lang="en-US" sz="1600" dirty="0">
                 <a:solidFill>
                   <a:srgbClr val="2B2B2B"/>
                 </a:solidFill>
@@ -4169,7 +4127,7 @@
               <a:buChar char="•"/>
             </a:pPr>
             <a:r>
-              <a:rPr lang="en-US" sz="1600" dirty="0" smtClean="0">
+              <a:rPr lang="en-US" sz="1600" dirty="0">
                 <a:solidFill>
                   <a:srgbClr val="2B2B2B"/>
                 </a:solidFill>
@@ -4183,7 +4141,7 @@
               <a:buChar char="•"/>
             </a:pPr>
             <a:r>
-              <a:rPr lang="en-US" dirty="0" smtClean="0">
+              <a:rPr lang="en-US" dirty="0">
                 <a:solidFill>
                   <a:srgbClr val="2B2B2B"/>
                 </a:solidFill>
@@ -4197,7 +4155,7 @@
               <a:buChar char="•"/>
             </a:pPr>
             <a:r>
-              <a:rPr lang="en-US" dirty="0" smtClean="0">
+              <a:rPr lang="en-US" dirty="0">
                 <a:solidFill>
                   <a:srgbClr val="2B2B2B"/>
                 </a:solidFill>
@@ -4211,7 +4169,7 @@
               <a:buChar char="•"/>
             </a:pPr>
             <a:r>
-              <a:rPr lang="en-US" dirty="0" smtClean="0">
+              <a:rPr lang="en-US" dirty="0">
                 <a:solidFill>
                   <a:srgbClr val="2B2B2B"/>
                 </a:solidFill>
@@ -4225,7 +4183,7 @@
               <a:buChar char="•"/>
             </a:pPr>
             <a:r>
-              <a:rPr lang="en-US" dirty="0" smtClean="0">
+              <a:rPr lang="en-US" dirty="0">
                 <a:solidFill>
                   <a:srgbClr val="2B2B2B"/>
                 </a:solidFill>
@@ -4239,7 +4197,7 @@
               <a:buChar char="•"/>
             </a:pPr>
             <a:r>
-              <a:rPr lang="en-US" dirty="0" smtClean="0">
+              <a:rPr lang="en-US" dirty="0">
                 <a:solidFill>
                   <a:srgbClr val="2B2B2B"/>
                 </a:solidFill>
@@ -4250,14 +4208,14 @@
           <a:p>
             <a:pPr lvl="3"/>
             <a:r>
-              <a:rPr lang="en-US" dirty="0" smtClean="0">
+              <a:rPr lang="en-US" dirty="0">
                 <a:solidFill>
                   <a:srgbClr val="2B2B2B"/>
                 </a:solidFill>
               </a:rPr>
               <a:t>	</a:t>
             </a:r>
-            <a:endParaRPr lang="en-US" dirty="0" smtClean="0"/>
+            <a:endParaRPr lang="en-US" dirty="0"/>
           </a:p>
           <a:p>
             <a:endParaRPr lang="en-US" sz="1600" dirty="0"/>
@@ -4274,13 +4232,6 @@
   <p:clrMapOvr>
     <a:masterClrMapping/>
   </p:clrMapOvr>
-  <p:timing>
-    <p:tnLst>
-      <p:par>
-        <p:cTn id="1" dur="indefinite" restart="never" nodeType="tmRoot"/>
-      </p:par>
-    </p:tnLst>
-  </p:timing>
 </p:sld>
 </file>
 
@@ -4347,39 +4298,33 @@
           <a:lstStyle/>
           <a:p>
             <a:r>
-              <a:rPr lang="en-US" dirty="0" smtClean="0"/>
-              <a:t>Data was collected through the python module </a:t>
-            </a:r>
-            <a:r>
-              <a:rPr lang="en-US" dirty="0" err="1" smtClean="0"/>
-              <a:t>nba_api</a:t>
-            </a:r>
-            <a:endParaRPr lang="en-US" dirty="0" smtClean="0"/>
-          </a:p>
-          <a:p>
-            <a:r>
-              <a:rPr lang="en-US" dirty="0" smtClean="0"/>
+              <a:rPr lang="en-US" dirty="0"/>
+              <a:t>Data was collected through the python module nba_api</a:t>
+            </a:r>
+          </a:p>
+          <a:p>
+            <a:r>
+              <a:rPr lang="en-US" dirty="0"/>
               <a:t>The data was filtered to include only seasons where the Magic made the playoffs</a:t>
             </a:r>
           </a:p>
           <a:p>
             <a:r>
-              <a:rPr lang="en-US" dirty="0" smtClean="0"/>
+              <a:rPr lang="en-US" dirty="0"/>
               <a:t>A two-plot line chart was created to show the different winning percentages</a:t>
             </a:r>
           </a:p>
           <a:p>
             <a:r>
-              <a:rPr lang="en-US" dirty="0" smtClean="0"/>
+              <a:rPr lang="en-US" dirty="0"/>
               <a:t>A bar chart was created to show the number of games played in each playoff season</a:t>
             </a:r>
           </a:p>
           <a:p>
             <a:r>
-              <a:rPr lang="en-US" dirty="0" smtClean="0"/>
+              <a:rPr lang="en-US" dirty="0"/>
               <a:t>A T test was applied to determine whether or not there was a correlation </a:t>
             </a:r>
-            <a:endParaRPr lang="en-US" dirty="0"/>
           </a:p>
         </p:txBody>
       </p:sp>
@@ -4393,13 +4338,6 @@
   <p:clrMapOvr>
     <a:masterClrMapping/>
   </p:clrMapOvr>
-  <p:timing>
-    <p:tnLst>
-      <p:par>
-        <p:cTn id="1" dur="indefinite" restart="never" nodeType="tmRoot"/>
-      </p:par>
-    </p:tnLst>
-  </p:timing>
 </p:sld>
 </file>
 
@@ -4425,7 +4363,7 @@
           <p:cNvPr id="2" name="Title 1">
             <a:extLst>
               <a:ext uri="{FF2B5EF4-FFF2-40B4-BE49-F238E27FC236}">
-                <a16:creationId xmlns:a16="http://schemas.microsoft.com/office/drawing/2014/main" xmlns="" id="{F231DA39-FB02-DB33-0970-E23096131913}"/>
+                <a16:creationId xmlns:a16="http://schemas.microsoft.com/office/drawing/2014/main" id="{F231DA39-FB02-DB33-0970-E23096131913}"/>
               </a:ext>
             </a:extLst>
           </p:cNvPr>
@@ -4452,30 +4390,10 @@
                   <a:srgbClr val="000000"/>
                 </a:solidFill>
               </a:rPr>
-              <a:t>KPIs most closely </a:t>
-            </a:r>
-            <a:r>
-              <a:rPr lang="en-US" b="1" dirty="0" smtClean="0">
-                <a:solidFill>
-                  <a:srgbClr val="000000"/>
-                </a:solidFill>
-              </a:rPr>
-              <a:t>related </a:t>
-            </a:r>
-            <a:r>
-              <a:rPr lang="en-US" b="1" dirty="0">
-                <a:solidFill>
-                  <a:srgbClr val="000000"/>
-                </a:solidFill>
-              </a:rPr>
-              <a:t>to wins </a:t>
-            </a:r>
-            <a:r>
-              <a:rPr lang="en-US" b="1" dirty="0" smtClean="0"/>
-              <a:t/>
+              <a:t>KPIs most closely related to wins </a:t>
             </a:r>
             <a:br>
-              <a:rPr lang="en-US" b="1" dirty="0" smtClean="0"/>
+              <a:rPr lang="en-US" b="1" dirty="0"/>
             </a:br>
             <a:r>
               <a:rPr lang="en-US" dirty="0"/>
@@ -4489,7 +4407,7 @@
           <p:cNvPr id="3" name="Content Placeholder 2">
             <a:extLst>
               <a:ext uri="{FF2B5EF4-FFF2-40B4-BE49-F238E27FC236}">
-                <a16:creationId xmlns:a16="http://schemas.microsoft.com/office/drawing/2014/main" xmlns="" id="{6CBB8C9F-8AF7-7AF3-C4F4-7DEDCFB073B7}"/>
+                <a16:creationId xmlns:a16="http://schemas.microsoft.com/office/drawing/2014/main" id="{6CBB8C9F-8AF7-7AF3-C4F4-7DEDCFB073B7}"/>
               </a:ext>
             </a:extLst>
           </p:cNvPr>
@@ -4600,29 +4518,74 @@
           <a:lstStyle/>
           <a:p>
             <a:r>
-              <a:rPr lang="en-US" dirty="0" smtClean="0"/>
+              <a:rPr lang="en-US" dirty="0"/>
               <a:t>Candace</a:t>
             </a:r>
+          </a:p>
+        </p:txBody>
+      </p:sp>
+      <p:sp>
+        <p:nvSpPr>
+          <p:cNvPr id="3" name="Content Placeholder 2"/>
+          <p:cNvSpPr>
+            <a:spLocks noGrp="1"/>
+          </p:cNvSpPr>
+          <p:nvPr>
+            <p:ph idx="1"/>
+          </p:nvPr>
+        </p:nvSpPr>
+        <p:spPr/>
+        <p:txBody>
+          <a:bodyPr/>
+          <a:lstStyle/>
+          <a:p>
+            <a:r>
+              <a:rPr lang="en-US" dirty="0"/>
+              <a:t>I chose to analyze what I thought were the 5 major factors in game performance. </a:t>
+            </a:r>
+          </a:p>
+          <a:p>
+            <a:pPr lvl="1"/>
             <a:endParaRPr lang="en-US" dirty="0"/>
           </a:p>
-        </p:txBody>
-      </p:sp>
-      <p:sp>
-        <p:nvSpPr>
-          <p:cNvPr id="3" name="Content Placeholder 2"/>
-          <p:cNvSpPr>
-            <a:spLocks noGrp="1"/>
-          </p:cNvSpPr>
-          <p:nvPr>
-            <p:ph idx="1"/>
-          </p:nvPr>
-        </p:nvSpPr>
-        <p:spPr/>
-        <p:txBody>
-          <a:bodyPr/>
-          <a:lstStyle/>
-          <a:p>
+          <a:p>
+            <a:pPr lvl="1"/>
+            <a:r>
+              <a:rPr lang="en-US" dirty="0"/>
+              <a:t>Points for an overall metric</a:t>
+            </a:r>
+          </a:p>
+          <a:p>
+            <a:pPr lvl="1"/>
+            <a:r>
+              <a:rPr lang="en-US" dirty="0"/>
+              <a:t>2 Offensive Skills – 3 Pointers, and Field Goals</a:t>
+            </a:r>
+          </a:p>
+          <a:p>
+            <a:pPr lvl="1"/>
+            <a:r>
+              <a:rPr lang="en-US" dirty="0"/>
+              <a:t>2 Defensive Skills – Rebounds and Turnovers</a:t>
+            </a:r>
+          </a:p>
+          <a:p>
+            <a:pPr lvl="1"/>
             <a:endParaRPr lang="en-US" dirty="0"/>
+          </a:p>
+          <a:p>
+            <a:pPr lvl="1"/>
+            <a:r>
+              <a:rPr lang="en-US" sz="2000" dirty="0"/>
+              <a:t>When I’m comparing just the Magic to 3 other teams, I use 3 Point Percentage and Field Goal Percentage to get a wider view of the points being made.</a:t>
+            </a:r>
+          </a:p>
+          <a:p>
+            <a:pPr lvl="1"/>
+            <a:r>
+              <a:rPr lang="en-US" sz="2000" dirty="0"/>
+              <a:t>When I’m comparing the Magic to the entire league, I use 3 Points Made and Field Goals Made to get a more specific look at where the points are coming from.</a:t>
+            </a:r>
           </a:p>
         </p:txBody>
       </p:sp>
@@ -4636,13 +4599,6 @@
   <p:clrMapOvr>
     <a:masterClrMapping/>
   </p:clrMapOvr>
-  <p:timing>
-    <p:tnLst>
-      <p:par>
-        <p:cTn id="1" dur="indefinite" restart="never" nodeType="tmRoot"/>
-      </p:par>
-    </p:tnLst>
-  </p:timing>
 </p:sld>
 </file>
 
@@ -4679,10 +4635,9 @@
           <a:lstStyle/>
           <a:p>
             <a:r>
-              <a:rPr lang="en-US" dirty="0" smtClean="0"/>
+              <a:rPr lang="en-US" dirty="0"/>
               <a:t>Brenton</a:t>
             </a:r>
-            <a:endParaRPr lang="en-US" dirty="0"/>
           </a:p>
         </p:txBody>
       </p:sp>
@@ -4715,13 +4670,6 @@
   <p:clrMapOvr>
     <a:masterClrMapping/>
   </p:clrMapOvr>
-  <p:timing>
-    <p:tnLst>
-      <p:par>
-        <p:cTn id="1" dur="indefinite" restart="never" nodeType="tmRoot"/>
-      </p:par>
-    </p:tnLst>
-  </p:timing>
 </p:sld>
 </file>
 
@@ -4758,10 +4706,9 @@
           <a:lstStyle/>
           <a:p>
             <a:r>
-              <a:rPr lang="en-US" dirty="0" smtClean="0"/>
+              <a:rPr lang="en-US" dirty="0"/>
               <a:t>Dario</a:t>
             </a:r>
-            <a:endParaRPr lang="en-US" dirty="0"/>
           </a:p>
         </p:txBody>
       </p:sp>
@@ -4794,13 +4741,6 @@
   <p:clrMapOvr>
     <a:masterClrMapping/>
   </p:clrMapOvr>
-  <p:timing>
-    <p:tnLst>
-      <p:par>
-        <p:cTn id="1" dur="indefinite" restart="never" nodeType="tmRoot"/>
-      </p:par>
-    </p:tnLst>
-  </p:timing>
 </p:sld>
 </file>
 
@@ -4837,29 +4777,28 @@
           <a:lstStyle/>
           <a:p>
             <a:r>
-              <a:rPr lang="en-US" dirty="0" smtClean="0"/>
+              <a:rPr lang="en-US" dirty="0"/>
               <a:t>Jessica	</a:t>
             </a:r>
+          </a:p>
+        </p:txBody>
+      </p:sp>
+      <p:sp>
+        <p:nvSpPr>
+          <p:cNvPr id="4" name="Content Placeholder 3"/>
+          <p:cNvSpPr>
+            <a:spLocks noGrp="1"/>
+          </p:cNvSpPr>
+          <p:nvPr>
+            <p:ph idx="1"/>
+          </p:nvPr>
+        </p:nvSpPr>
+        <p:spPr/>
+        <p:txBody>
+          <a:bodyPr/>
+          <a:lstStyle/>
+          <a:p>
             <a:endParaRPr lang="en-US" dirty="0"/>
-          </a:p>
-        </p:txBody>
-      </p:sp>
-      <p:sp>
-        <p:nvSpPr>
-          <p:cNvPr id="4" name="Content Placeholder 3"/>
-          <p:cNvSpPr>
-            <a:spLocks noGrp="1"/>
-          </p:cNvSpPr>
-          <p:nvPr>
-            <p:ph idx="1"/>
-          </p:nvPr>
-        </p:nvSpPr>
-        <p:spPr/>
-        <p:txBody>
-          <a:bodyPr/>
-          <a:lstStyle/>
-          <a:p>
-            <a:endParaRPr lang="en-US"/>
           </a:p>
         </p:txBody>
       </p:sp>
@@ -4873,13 +4812,6 @@
   <p:clrMapOvr>
     <a:masterClrMapping/>
   </p:clrMapOvr>
-  <p:timing>
-    <p:tnLst>
-      <p:par>
-        <p:cTn id="1" dur="indefinite" restart="never" nodeType="tmRoot"/>
-      </p:par>
-    </p:tnLst>
-  </p:timing>
 </p:sld>
 </file>
 
@@ -4929,15 +4861,7 @@
                   <a:prstClr val="black"/>
                 </a:solidFill>
               </a:rPr>
-              <a:t>SECTION </a:t>
-            </a:r>
-            <a:r>
-              <a:rPr lang="en-US" dirty="0" smtClean="0">
-                <a:solidFill>
-                  <a:prstClr val="black"/>
-                </a:solidFill>
-              </a:rPr>
-              <a:t>4</a:t>
+              <a:t>SECTION 4</a:t>
             </a:r>
             <a:endParaRPr lang="en-US" sz="2400" dirty="0"/>
           </a:p>
@@ -4970,7 +4894,7 @@
               <a:buChar char="•"/>
             </a:pPr>
             <a:r>
-              <a:rPr lang="en-US" sz="1600" dirty="0" smtClean="0">
+              <a:rPr lang="en-US" sz="1600" dirty="0">
                 <a:solidFill>
                   <a:srgbClr val="2B2B2B"/>
                 </a:solidFill>
@@ -4992,18 +4916,7 @@
                 <a:ea typeface="+mj-ea"/>
                 <a:cs typeface="+mj-cs"/>
               </a:rPr>
-              <a:t>The results/conclusions of the application or </a:t>
-            </a:r>
-            <a:r>
-              <a:rPr lang="en-US" sz="1600" dirty="0" smtClean="0">
-                <a:solidFill>
-                  <a:prstClr val="black"/>
-                </a:solidFill>
-                <a:latin typeface="Calibri Light" panose="020F0302020204030204"/>
-                <a:ea typeface="+mj-ea"/>
-                <a:cs typeface="+mj-cs"/>
-              </a:rPr>
-              <a:t>analysis:</a:t>
+              <a:t>The results/conclusions of the application or analysis:</a:t>
             </a:r>
           </a:p>
           <a:p>
@@ -5012,20 +4925,12 @@
               <a:buChar char="•"/>
             </a:pPr>
             <a:r>
-              <a:rPr lang="en-US" sz="1400" dirty="0" smtClean="0">
+              <a:rPr lang="en-US" sz="1400" dirty="0">
                 <a:solidFill>
                   <a:srgbClr val="2B2B2B"/>
                 </a:solidFill>
               </a:rPr>
-              <a:t>Include </a:t>
-            </a:r>
-            <a:r>
-              <a:rPr lang="en-US" sz="1400" dirty="0">
-                <a:solidFill>
-                  <a:srgbClr val="2B2B2B"/>
-                </a:solidFill>
-              </a:rPr>
-              <a:t>relevant images or examples to support your work.</a:t>
+              <a:t>Include relevant images or examples to support your work.</a:t>
             </a:r>
           </a:p>
           <a:p>
@@ -5034,32 +4939,20 @@
               <a:buChar char="•"/>
             </a:pPr>
             <a:r>
-              <a:rPr lang="en-US" sz="1400" dirty="0" smtClean="0">
+              <a:rPr lang="en-US" sz="1400" dirty="0">
                 <a:solidFill>
                   <a:srgbClr val="2B2B2B"/>
                 </a:solidFill>
               </a:rPr>
-              <a:t>If </a:t>
-            </a:r>
-            <a:r>
-              <a:rPr lang="en-US" sz="1400" dirty="0">
-                <a:solidFill>
-                  <a:srgbClr val="2B2B2B"/>
-                </a:solidFill>
-              </a:rPr>
-              <a:t>the project goal was not achieved, discuss the issues and how you attempted to resolve them.</a:t>
-            </a:r>
-          </a:p>
-          <a:p>
-            <a:r>
-              <a:rPr lang="en-US" sz="1600" dirty="0"/>
-              <a:t/>
-            </a:r>
+              <a:t>If the project goal was not achieved, discuss the issues and how you attempted to resolve them.</a:t>
+            </a:r>
+          </a:p>
+          <a:p>
             <a:br>
               <a:rPr lang="en-US" sz="1600" dirty="0"/>
             </a:br>
             <a:r>
-              <a:rPr lang="en-US" sz="1600" dirty="0" smtClean="0">
+              <a:rPr lang="en-US" sz="1600" dirty="0">
                 <a:solidFill>
                   <a:srgbClr val="2B2B2B"/>
                 </a:solidFill>
@@ -5073,18 +4966,13 @@
               <a:buChar char="•"/>
             </a:pPr>
             <a:r>
-              <a:rPr lang="en-US" sz="1600" dirty="0" smtClean="0">
+              <a:rPr lang="en-US" sz="1600" dirty="0">
                 <a:solidFill>
                   <a:srgbClr val="2B2B2B"/>
                 </a:solidFill>
               </a:rPr>
               <a:t>Your conclusions, including a numerical summary and visualizations of the summary </a:t>
             </a:r>
-            <a:endParaRPr lang="en-US" sz="1600" dirty="0">
-              <a:solidFill>
-                <a:srgbClr val="2B2B2B"/>
-              </a:solidFill>
-            </a:endParaRPr>
           </a:p>
           <a:p>
             <a:pPr marL="285750" indent="-285750">
@@ -5092,7 +4980,7 @@
               <a:buChar char="•"/>
             </a:pPr>
             <a:r>
-              <a:rPr lang="en-US" sz="1600" dirty="0" smtClean="0">
+              <a:rPr lang="en-US" sz="1600" dirty="0">
                 <a:solidFill>
                   <a:srgbClr val="2B2B2B"/>
                 </a:solidFill>
@@ -5106,7 +4994,7 @@
               <a:buChar char="•"/>
             </a:pPr>
             <a:r>
-              <a:rPr lang="en-US" sz="1600" dirty="0" smtClean="0">
+              <a:rPr lang="en-US" sz="1600" dirty="0">
                 <a:solidFill>
                   <a:srgbClr val="2B2B2B"/>
                 </a:solidFill>
@@ -5120,7 +5008,7 @@
               <a:buChar char="•"/>
             </a:pPr>
             <a:r>
-              <a:rPr lang="en-US" sz="1600" dirty="0" smtClean="0">
+              <a:rPr lang="en-US" sz="1600" dirty="0">
                 <a:solidFill>
                   <a:srgbClr val="2B2B2B"/>
                 </a:solidFill>
@@ -5134,7 +5022,7 @@
               <a:buChar char="•"/>
             </a:pPr>
             <a:r>
-              <a:rPr lang="en-US" sz="1600" dirty="0" smtClean="0">
+              <a:rPr lang="en-US" sz="1600" dirty="0">
                 <a:solidFill>
                   <a:srgbClr val="2B2B2B"/>
                 </a:solidFill>
@@ -5148,7 +5036,7 @@
               <a:buChar char="•"/>
             </a:pPr>
             <a:r>
-              <a:rPr lang="en-US" dirty="0" smtClean="0">
+              <a:rPr lang="en-US" dirty="0">
                 <a:solidFill>
                   <a:srgbClr val="2B2B2B"/>
                 </a:solidFill>
@@ -5162,7 +5050,7 @@
               <a:buChar char="•"/>
             </a:pPr>
             <a:r>
-              <a:rPr lang="en-US" dirty="0" smtClean="0">
+              <a:rPr lang="en-US" dirty="0">
                 <a:solidFill>
                   <a:srgbClr val="2B2B2B"/>
                 </a:solidFill>
@@ -5176,7 +5064,7 @@
               <a:buChar char="•"/>
             </a:pPr>
             <a:r>
-              <a:rPr lang="en-US" dirty="0" smtClean="0">
+              <a:rPr lang="en-US" dirty="0">
                 <a:solidFill>
                   <a:srgbClr val="2B2B2B"/>
                 </a:solidFill>
@@ -5190,7 +5078,7 @@
               <a:buChar char="•"/>
             </a:pPr>
             <a:r>
-              <a:rPr lang="en-US" dirty="0" smtClean="0">
+              <a:rPr lang="en-US" dirty="0">
                 <a:solidFill>
                   <a:srgbClr val="2B2B2B"/>
                 </a:solidFill>
@@ -5217,7 +5105,7 @@
               <a:buFont typeface="Arial"/>
               <a:buChar char="•"/>
             </a:pPr>
-            <a:endParaRPr lang="en-US" dirty="0" smtClean="0"/>
+            <a:endParaRPr lang="en-US" dirty="0"/>
           </a:p>
           <a:p>
             <a:endParaRPr lang="en-US" sz="1600" dirty="0"/>
@@ -5234,13 +5122,6 @@
   <p:clrMapOvr>
     <a:masterClrMapping/>
   </p:clrMapOvr>
-  <p:timing>
-    <p:tnLst>
-      <p:par>
-        <p:cTn id="1" dur="indefinite" restart="never" nodeType="tmRoot"/>
-      </p:par>
-    </p:tnLst>
-  </p:timing>
 </p:sld>
 </file>
 
@@ -5336,24 +5217,12 @@
           <a:p>
             <a:r>
               <a:rPr lang="en-US" dirty="0"/>
-              <a:t>The two-line plot data </a:t>
-            </a:r>
-            <a:r>
-              <a:rPr lang="en-US" dirty="0" smtClean="0"/>
-              <a:t>of regular season vs playoff games was </a:t>
-            </a:r>
+              <a:t>The two-line plot data of regular season vs playoff games was used to determine the p value</a:t>
+            </a:r>
+          </a:p>
+          <a:p>
             <a:r>
               <a:rPr lang="en-US" dirty="0"/>
-              <a:t>used </a:t>
-            </a:r>
-            <a:r>
-              <a:rPr lang="en-US" dirty="0" smtClean="0"/>
-              <a:t>to determine the p value</a:t>
-            </a:r>
-          </a:p>
-          <a:p>
-            <a:r>
-              <a:rPr lang="en-US" dirty="0" smtClean="0"/>
               <a:t>The p value was calculated as 6.11315173e-05, which shows a strong correlation. </a:t>
             </a:r>
           </a:p>
@@ -5399,13 +5268,6 @@
   <p:clrMapOvr>
     <a:masterClrMapping/>
   </p:clrMapOvr>
-  <p:timing>
-    <p:tnLst>
-      <p:par>
-        <p:cTn id="1" dur="indefinite" restart="never" nodeType="tmRoot"/>
-      </p:par>
-    </p:tnLst>
-  </p:timing>
 </p:sld>
 </file>
 
@@ -5431,7 +5293,7 @@
           <p:cNvPr id="2" name="Title 1">
             <a:extLst>
               <a:ext uri="{FF2B5EF4-FFF2-40B4-BE49-F238E27FC236}">
-                <a16:creationId xmlns:a16="http://schemas.microsoft.com/office/drawing/2014/main" xmlns="" id="{4037983E-A1E4-8924-A985-57397BD6762A}"/>
+                <a16:creationId xmlns:a16="http://schemas.microsoft.com/office/drawing/2014/main" id="{4037983E-A1E4-8924-A985-57397BD6762A}"/>
               </a:ext>
             </a:extLst>
           </p:cNvPr>
@@ -5451,7 +5313,7 @@
           <a:p>
             <a:pPr algn="ctr"/>
             <a:r>
-              <a:rPr lang="en-US" sz="4000" b="1" dirty="0" smtClean="0"/>
+              <a:rPr lang="en-US" sz="4000" b="1" dirty="0"/>
               <a:t>Question 4 - </a:t>
             </a:r>
             <a:r>
@@ -5462,20 +5324,12 @@
               </a:rPr>
               <a:t>KPIs most closely relate to wins </a:t>
             </a:r>
-            <a:r>
-              <a:rPr lang="en-US" b="1" dirty="0" smtClean="0"/>
-              <a:t/>
-            </a:r>
             <a:br>
-              <a:rPr lang="en-US" b="1" dirty="0" smtClean="0"/>
+              <a:rPr lang="en-US" b="1" dirty="0"/>
             </a:br>
             <a:r>
-              <a:rPr lang="en-US" sz="3600" b="1" dirty="0" smtClean="0"/>
-              <a:t>Linear </a:t>
-            </a:r>
-            <a:r>
               <a:rPr lang="en-US" sz="3600" b="1" dirty="0"/>
-              <a:t>Regression: </a:t>
+              <a:t>Linear Regression: </a:t>
             </a:r>
             <a:br>
               <a:rPr lang="en-US" sz="3600" b="1" dirty="0"/>
@@ -5492,7 +5346,7 @@
           <p:cNvPr id="7" name="Content Placeholder 6" descr="Table&#10;&#10;Description automatically generated">
             <a:extLst>
               <a:ext uri="{FF2B5EF4-FFF2-40B4-BE49-F238E27FC236}">
-                <a16:creationId xmlns:a16="http://schemas.microsoft.com/office/drawing/2014/main" xmlns="" id="{07A5C1CF-BB1C-D01B-BC10-D02C55BB3FC7}"/>
+                <a16:creationId xmlns:a16="http://schemas.microsoft.com/office/drawing/2014/main" id="{07A5C1CF-BB1C-D01B-BC10-D02C55BB3FC7}"/>
               </a:ext>
             </a:extLst>
           </p:cNvPr>
@@ -5526,7 +5380,7 @@
           <p:cNvPr id="5" name="Picture 4">
             <a:extLst>
               <a:ext uri="{FF2B5EF4-FFF2-40B4-BE49-F238E27FC236}">
-                <a16:creationId xmlns:a16="http://schemas.microsoft.com/office/drawing/2014/main" xmlns="" id="{A4C6AC7E-EF8A-E3F5-9D18-07FECE5D4F52}"/>
+                <a16:creationId xmlns:a16="http://schemas.microsoft.com/office/drawing/2014/main" id="{A4C6AC7E-EF8A-E3F5-9D18-07FECE5D4F52}"/>
               </a:ext>
             </a:extLst>
           </p:cNvPr>
@@ -5605,11 +5459,11 @@
           <a:p>
             <a:pPr algn="ctr"/>
             <a:r>
-              <a:rPr lang="en-US" dirty="0" smtClean="0"/>
+              <a:rPr lang="en-US" dirty="0"/>
               <a:t>SECTION 1</a:t>
             </a:r>
             <a:br>
-              <a:rPr lang="en-US" dirty="0" smtClean="0"/>
+              <a:rPr lang="en-US" dirty="0"/>
             </a:br>
             <a:endParaRPr lang="en-US" sz="2000" dirty="0"/>
           </a:p>
@@ -5642,7 +5496,7 @@
               <a:buChar char="•"/>
             </a:pPr>
             <a:r>
-              <a:rPr lang="en-US" dirty="0" smtClean="0">
+              <a:rPr lang="en-US" dirty="0">
                 <a:solidFill>
                   <a:srgbClr val="2B2B2B"/>
                 </a:solidFill>
@@ -5657,22 +5511,13 @@
               <a:buChar char="•"/>
             </a:pPr>
             <a:r>
-              <a:rPr lang="en-US" dirty="0" smtClean="0">
+              <a:rPr lang="en-US" dirty="0">
                 <a:solidFill>
                   <a:srgbClr val="2B2B2B"/>
                 </a:solidFill>
                 <a:latin typeface="Roboto"/>
               </a:rPr>
-              <a:t>An </a:t>
-            </a:r>
-            <a:r>
-              <a:rPr lang="en-US" dirty="0">
-                <a:solidFill>
-                  <a:srgbClr val="2B2B2B"/>
-                </a:solidFill>
-                <a:latin typeface="Roboto"/>
-              </a:rPr>
-              <a:t>executive summary or overview of the project and project goals:</a:t>
+              <a:t>An executive summary or overview of the project and project goals:</a:t>
             </a:r>
           </a:p>
           <a:p>
@@ -5687,16 +5532,7 @@
                 </a:solidFill>
                 <a:latin typeface="Roboto"/>
               </a:rPr>
-              <a:t>Explain how the project relates to the industry you selected</a:t>
-            </a:r>
-            <a:r>
-              <a:rPr lang="en-US" dirty="0" smtClean="0">
-                <a:solidFill>
-                  <a:srgbClr val="2B2B2B"/>
-                </a:solidFill>
-                <a:latin typeface="Roboto"/>
-              </a:rPr>
-              <a:t>.</a:t>
+              <a:t>Explain how the project relates to the industry you selected.</a:t>
             </a:r>
           </a:p>
           <a:p>
@@ -5717,7 +5553,7 @@
               <a:buChar char="•"/>
             </a:pPr>
             <a:r>
-              <a:rPr lang="en-US" dirty="0" smtClean="0">
+              <a:rPr lang="en-US" dirty="0">
                 <a:solidFill>
                   <a:srgbClr val="2B2B2B"/>
                 </a:solidFill>
@@ -5732,7 +5568,7 @@
               <a:buChar char="•"/>
             </a:pPr>
             <a:r>
-              <a:rPr lang="en-US" dirty="0" smtClean="0">
+              <a:rPr lang="en-US" dirty="0">
                 <a:solidFill>
                   <a:srgbClr val="2B2B2B"/>
                 </a:solidFill>
@@ -5746,27 +5582,6 @@
               <a:buFont typeface="Arial"/>
               <a:buChar char="•"/>
             </a:pPr>
-            <a:endParaRPr lang="en-US" dirty="0" smtClean="0">
-              <a:solidFill>
-                <a:srgbClr val="2B2B2B"/>
-              </a:solidFill>
-              <a:latin typeface="Roboto"/>
-            </a:endParaRPr>
-          </a:p>
-          <a:p>
-            <a:pPr marL="285750" indent="-285750">
-              <a:buFont typeface="Arial"/>
-              <a:buChar char="•"/>
-            </a:pPr>
-            <a:r>
-              <a:rPr lang="en-US" dirty="0" smtClean="0">
-                <a:solidFill>
-                  <a:srgbClr val="2B2B2B"/>
-                </a:solidFill>
-                <a:latin typeface="Roboto"/>
-              </a:rPr>
-              <a:t>Time: 30 Seconds</a:t>
-            </a:r>
             <a:endParaRPr lang="en-US" dirty="0">
               <a:solidFill>
                 <a:srgbClr val="2B2B2B"/>
@@ -5780,7 +5595,22 @@
               <a:buChar char="•"/>
             </a:pPr>
             <a:r>
-              <a:rPr lang="en-US" dirty="0" smtClean="0">
+              <a:rPr lang="en-US" dirty="0">
+                <a:solidFill>
+                  <a:srgbClr val="2B2B2B"/>
+                </a:solidFill>
+                <a:latin typeface="Roboto"/>
+              </a:rPr>
+              <a:t>Time: 30 Seconds</a:t>
+            </a:r>
+          </a:p>
+          <a:p>
+            <a:pPr marL="285750" indent="-285750">
+              <a:buFont typeface="Arial"/>
+              <a:buChar char="•"/>
+            </a:pPr>
+            <a:r>
+              <a:rPr lang="en-US" dirty="0">
                 <a:solidFill>
                   <a:srgbClr val="2B2B2B"/>
                 </a:solidFill>
@@ -5788,7 +5618,7 @@
               </a:rPr>
               <a:t>Assignment – Mark</a:t>
             </a:r>
-            <a:endParaRPr lang="en-US" dirty="0" smtClean="0"/>
+            <a:endParaRPr lang="en-US" dirty="0"/>
           </a:p>
           <a:p>
             <a:endParaRPr lang="en-US" dirty="0"/>
@@ -5805,13 +5635,6 @@
   <p:clrMapOvr>
     <a:masterClrMapping/>
   </p:clrMapOvr>
-  <p:timing>
-    <p:tnLst>
-      <p:par>
-        <p:cTn id="1" dur="indefinite" restart="never" nodeType="tmRoot"/>
-      </p:par>
-    </p:tnLst>
-  </p:timing>
 </p:sld>
 </file>
 
@@ -5837,7 +5660,7 @@
           <p:cNvPr id="5" name="Picture 4">
             <a:extLst>
               <a:ext uri="{FF2B5EF4-FFF2-40B4-BE49-F238E27FC236}">
-                <a16:creationId xmlns:a16="http://schemas.microsoft.com/office/drawing/2014/main" xmlns="" id="{98A0F710-97E4-0DCB-02CF-E8885BE8DA0D}"/>
+                <a16:creationId xmlns:a16="http://schemas.microsoft.com/office/drawing/2014/main" id="{98A0F710-97E4-0DCB-02CF-E8885BE8DA0D}"/>
               </a:ext>
             </a:extLst>
           </p:cNvPr>
@@ -5867,7 +5690,7 @@
           <p:cNvPr id="7" name="Picture 6">
             <a:extLst>
               <a:ext uri="{FF2B5EF4-FFF2-40B4-BE49-F238E27FC236}">
-                <a16:creationId xmlns:a16="http://schemas.microsoft.com/office/drawing/2014/main" xmlns="" id="{5BF0E433-7AE4-0294-D087-C6C7A72301C8}"/>
+                <a16:creationId xmlns:a16="http://schemas.microsoft.com/office/drawing/2014/main" id="{5BF0E433-7AE4-0294-D087-C6C7A72301C8}"/>
               </a:ext>
             </a:extLst>
           </p:cNvPr>
@@ -5897,7 +5720,7 @@
           <p:cNvPr id="9" name="Picture 8">
             <a:extLst>
               <a:ext uri="{FF2B5EF4-FFF2-40B4-BE49-F238E27FC236}">
-                <a16:creationId xmlns:a16="http://schemas.microsoft.com/office/drawing/2014/main" xmlns="" id="{35FA5BE4-4E34-E5EB-A6E8-8CF96676ADA0}"/>
+                <a16:creationId xmlns:a16="http://schemas.microsoft.com/office/drawing/2014/main" id="{35FA5BE4-4E34-E5EB-A6E8-8CF96676ADA0}"/>
               </a:ext>
             </a:extLst>
           </p:cNvPr>
@@ -5927,7 +5750,7 @@
           <p:cNvPr id="11" name="TextBox 10">
             <a:extLst>
               <a:ext uri="{FF2B5EF4-FFF2-40B4-BE49-F238E27FC236}">
-                <a16:creationId xmlns:a16="http://schemas.microsoft.com/office/drawing/2014/main" xmlns="" id="{6D444E06-6FEA-449C-E4B5-46A6ADD0EC3D}"/>
+                <a16:creationId xmlns:a16="http://schemas.microsoft.com/office/drawing/2014/main" id="{6D444E06-6FEA-449C-E4B5-46A6ADD0EC3D}"/>
               </a:ext>
             </a:extLst>
           </p:cNvPr>
@@ -5970,7 +5793,7 @@
           <p:cNvPr id="13" name="TextBox 12">
             <a:extLst>
               <a:ext uri="{FF2B5EF4-FFF2-40B4-BE49-F238E27FC236}">
-                <a16:creationId xmlns:a16="http://schemas.microsoft.com/office/drawing/2014/main" xmlns="" id="{4789D743-00E9-4753-275C-5CEC0035F4DC}"/>
+                <a16:creationId xmlns:a16="http://schemas.microsoft.com/office/drawing/2014/main" id="{4789D743-00E9-4753-275C-5CEC0035F4DC}"/>
               </a:ext>
             </a:extLst>
           </p:cNvPr>
@@ -6013,7 +5836,7 @@
           <p:cNvPr id="15" name="Content Placeholder 6" descr="Table&#10;&#10;Description automatically generated">
             <a:extLst>
               <a:ext uri="{FF2B5EF4-FFF2-40B4-BE49-F238E27FC236}">
-                <a16:creationId xmlns:a16="http://schemas.microsoft.com/office/drawing/2014/main" xmlns="" id="{133673D8-5EBC-BA5D-4DA0-026A32E6208F}"/>
+                <a16:creationId xmlns:a16="http://schemas.microsoft.com/office/drawing/2014/main" id="{133673D8-5EBC-BA5D-4DA0-026A32E6208F}"/>
               </a:ext>
             </a:extLst>
           </p:cNvPr>
@@ -6077,7 +5900,7 @@
           <p:cNvPr id="9" name="Picture 8">
             <a:extLst>
               <a:ext uri="{FF2B5EF4-FFF2-40B4-BE49-F238E27FC236}">
-                <a16:creationId xmlns:a16="http://schemas.microsoft.com/office/drawing/2014/main" xmlns="" id="{5EDA95B1-CDE9-9E3C-3319-7E6D4D88D641}"/>
+                <a16:creationId xmlns:a16="http://schemas.microsoft.com/office/drawing/2014/main" id="{5EDA95B1-CDE9-9E3C-3319-7E6D4D88D641}"/>
               </a:ext>
             </a:extLst>
           </p:cNvPr>
@@ -6107,7 +5930,7 @@
           <p:cNvPr id="11" name="Picture 10">
             <a:extLst>
               <a:ext uri="{FF2B5EF4-FFF2-40B4-BE49-F238E27FC236}">
-                <a16:creationId xmlns:a16="http://schemas.microsoft.com/office/drawing/2014/main" xmlns="" id="{1CBB3A9B-D3A7-15CF-39D3-A087976A0403}"/>
+                <a16:creationId xmlns:a16="http://schemas.microsoft.com/office/drawing/2014/main" id="{1CBB3A9B-D3A7-15CF-39D3-A087976A0403}"/>
               </a:ext>
             </a:extLst>
           </p:cNvPr>
@@ -6137,7 +5960,7 @@
           <p:cNvPr id="13" name="Picture 12">
             <a:extLst>
               <a:ext uri="{FF2B5EF4-FFF2-40B4-BE49-F238E27FC236}">
-                <a16:creationId xmlns:a16="http://schemas.microsoft.com/office/drawing/2014/main" xmlns="" id="{5DA2A6B4-8D45-DD28-2B69-CA1E6788FBAA}"/>
+                <a16:creationId xmlns:a16="http://schemas.microsoft.com/office/drawing/2014/main" id="{5DA2A6B4-8D45-DD28-2B69-CA1E6788FBAA}"/>
               </a:ext>
             </a:extLst>
           </p:cNvPr>
@@ -6167,7 +5990,7 @@
           <p:cNvPr id="15" name="TextBox 14">
             <a:extLst>
               <a:ext uri="{FF2B5EF4-FFF2-40B4-BE49-F238E27FC236}">
-                <a16:creationId xmlns:a16="http://schemas.microsoft.com/office/drawing/2014/main" xmlns="" id="{8CC867AD-C654-C86F-3DC2-F54C335198CB}"/>
+                <a16:creationId xmlns:a16="http://schemas.microsoft.com/office/drawing/2014/main" id="{8CC867AD-C654-C86F-3DC2-F54C335198CB}"/>
               </a:ext>
             </a:extLst>
           </p:cNvPr>
@@ -6254,7 +6077,7 @@
           <p:cNvPr id="16" name="Picture 15">
             <a:extLst>
               <a:ext uri="{FF2B5EF4-FFF2-40B4-BE49-F238E27FC236}">
-                <a16:creationId xmlns:a16="http://schemas.microsoft.com/office/drawing/2014/main" xmlns="" id="{6A417BEC-11D7-CA2A-6C85-8067DE322644}"/>
+                <a16:creationId xmlns:a16="http://schemas.microsoft.com/office/drawing/2014/main" id="{6A417BEC-11D7-CA2A-6C85-8067DE322644}"/>
               </a:ext>
             </a:extLst>
           </p:cNvPr>
@@ -6313,7 +6136,7 @@
           <p:cNvPr id="2" name="Title 1">
             <a:extLst>
               <a:ext uri="{FF2B5EF4-FFF2-40B4-BE49-F238E27FC236}">
-                <a16:creationId xmlns:a16="http://schemas.microsoft.com/office/drawing/2014/main" xmlns="" id="{855EDE46-3743-DF08-EA17-75DBAD128524}"/>
+                <a16:creationId xmlns:a16="http://schemas.microsoft.com/office/drawing/2014/main" id="{855EDE46-3743-DF08-EA17-75DBAD128524}"/>
               </a:ext>
             </a:extLst>
           </p:cNvPr>
@@ -6337,7 +6160,7 @@
           <a:lstStyle/>
           <a:p>
             <a:r>
-              <a:rPr lang="en-US" sz="3600" dirty="0" smtClean="0">
+              <a:rPr lang="en-US" sz="3600" dirty="0">
                 <a:solidFill>
                   <a:srgbClr val="000000"/>
                 </a:solidFill>
@@ -6346,16 +6169,6 @@
               </a:rPr>
               <a:t>Summary:</a:t>
             </a:r>
-            <a:r>
-              <a:rPr lang="en-US" sz="1800" b="1" i="1" dirty="0">
-                <a:solidFill>
-                  <a:srgbClr val="000000"/>
-                </a:solidFill>
-                <a:effectLst/>
-                <a:latin typeface="Helvetica Neue"/>
-              </a:rPr>
-              <a:t/>
-            </a:r>
             <a:br>
               <a:rPr lang="en-US" sz="1800" b="1" i="1" dirty="0">
                 <a:solidFill>
@@ -6394,7 +6207,7 @@
           <p:cNvPr id="3" name="Content Placeholder 2">
             <a:extLst>
               <a:ext uri="{FF2B5EF4-FFF2-40B4-BE49-F238E27FC236}">
-                <a16:creationId xmlns:a16="http://schemas.microsoft.com/office/drawing/2014/main" xmlns="" id="{BF77DAA5-3E38-A91A-582E-0E0B9597C516}"/>
+                <a16:creationId xmlns:a16="http://schemas.microsoft.com/office/drawing/2014/main" id="{BF77DAA5-3E38-A91A-582E-0E0B9597C516}"/>
               </a:ext>
             </a:extLst>
           </p:cNvPr>
@@ -6591,7 +6404,7 @@
           <p:cNvPr id="1026" name="Picture 2">
             <a:extLst>
               <a:ext uri="{FF2B5EF4-FFF2-40B4-BE49-F238E27FC236}">
-                <a16:creationId xmlns:a16="http://schemas.microsoft.com/office/drawing/2014/main" xmlns="" id="{CB123D68-9F97-5D46-4820-4D45011766D7}"/>
+                <a16:creationId xmlns:a16="http://schemas.microsoft.com/office/drawing/2014/main" id="{CB123D68-9F97-5D46-4820-4D45011766D7}"/>
               </a:ext>
             </a:extLst>
           </p:cNvPr>
@@ -6679,10 +6492,9 @@
           <a:lstStyle/>
           <a:p>
             <a:r>
-              <a:rPr lang="en-US" dirty="0" smtClean="0"/>
+              <a:rPr lang="en-US" dirty="0"/>
               <a:t>Dario</a:t>
             </a:r>
-            <a:endParaRPr lang="en-US" dirty="0"/>
           </a:p>
         </p:txBody>
       </p:sp>
@@ -6715,13 +6527,6 @@
   <p:clrMapOvr>
     <a:masterClrMapping/>
   </p:clrMapOvr>
-  <p:timing>
-    <p:tnLst>
-      <p:par>
-        <p:cTn id="1" dur="indefinite" restart="never" nodeType="tmRoot"/>
-      </p:par>
-    </p:tnLst>
-  </p:timing>
 </p:sld>
 </file>
 
@@ -6758,29 +6563,28 @@
           <a:lstStyle/>
           <a:p>
             <a:r>
-              <a:rPr lang="en-US" dirty="0" smtClean="0"/>
+              <a:rPr lang="en-US" dirty="0"/>
               <a:t>Jessica	</a:t>
             </a:r>
+          </a:p>
+        </p:txBody>
+      </p:sp>
+      <p:sp>
+        <p:nvSpPr>
+          <p:cNvPr id="4" name="Content Placeholder 3"/>
+          <p:cNvSpPr>
+            <a:spLocks noGrp="1"/>
+          </p:cNvSpPr>
+          <p:nvPr>
+            <p:ph idx="1"/>
+          </p:nvPr>
+        </p:nvSpPr>
+        <p:spPr/>
+        <p:txBody>
+          <a:bodyPr/>
+          <a:lstStyle/>
+          <a:p>
             <a:endParaRPr lang="en-US" dirty="0"/>
-          </a:p>
-        </p:txBody>
-      </p:sp>
-      <p:sp>
-        <p:nvSpPr>
-          <p:cNvPr id="4" name="Content Placeholder 3"/>
-          <p:cNvSpPr>
-            <a:spLocks noGrp="1"/>
-          </p:cNvSpPr>
-          <p:nvPr>
-            <p:ph idx="1"/>
-          </p:nvPr>
-        </p:nvSpPr>
-        <p:spPr/>
-        <p:txBody>
-          <a:bodyPr/>
-          <a:lstStyle/>
-          <a:p>
-            <a:endParaRPr lang="en-US"/>
           </a:p>
         </p:txBody>
       </p:sp>
@@ -6794,13 +6598,6 @@
   <p:clrMapOvr>
     <a:masterClrMapping/>
   </p:clrMapOvr>
-  <p:timing>
-    <p:tnLst>
-      <p:par>
-        <p:cTn id="1" dur="indefinite" restart="never" nodeType="tmRoot"/>
-      </p:par>
-    </p:tnLst>
-  </p:timing>
 </p:sld>
 </file>
 
@@ -6837,29 +6634,105 @@
           <a:lstStyle/>
           <a:p>
             <a:r>
-              <a:rPr lang="en-US" dirty="0" smtClean="0"/>
+              <a:rPr lang="en-US" dirty="0"/>
               <a:t>Candace</a:t>
             </a:r>
+          </a:p>
+        </p:txBody>
+      </p:sp>
+      <p:sp>
+        <p:nvSpPr>
+          <p:cNvPr id="4" name="Content Placeholder 3"/>
+          <p:cNvSpPr>
+            <a:spLocks noGrp="1"/>
+          </p:cNvSpPr>
+          <p:nvPr>
+            <p:ph idx="1"/>
+          </p:nvPr>
+        </p:nvSpPr>
+        <p:spPr/>
+        <p:txBody>
+          <a:bodyPr/>
+          <a:lstStyle/>
+          <a:p>
+            <a:r>
+              <a:rPr lang="en-US" dirty="0"/>
+              <a:t>Orlando Magic vs 1</a:t>
+            </a:r>
+            <a:r>
+              <a:rPr lang="en-US" baseline="30000" dirty="0"/>
+              <a:t>st</a:t>
+            </a:r>
+            <a:r>
+              <a:rPr lang="en-US" dirty="0"/>
+              <a:t>, 15</a:t>
+            </a:r>
+            <a:r>
+              <a:rPr lang="en-US" baseline="30000" dirty="0"/>
+              <a:t>th</a:t>
+            </a:r>
+            <a:r>
+              <a:rPr lang="en-US" dirty="0"/>
+              <a:t>, and 30</a:t>
+            </a:r>
+            <a:r>
+              <a:rPr lang="en-US" baseline="30000" dirty="0"/>
+              <a:t>th</a:t>
+            </a:r>
+            <a:r>
+              <a:rPr lang="en-US" dirty="0"/>
+              <a:t> ranked teams</a:t>
+            </a:r>
+          </a:p>
+          <a:p>
+            <a:r>
+              <a:rPr lang="en-US" dirty="0"/>
+              <a:t>Orlando Magic vs League</a:t>
+            </a:r>
+          </a:p>
+          <a:p>
             <a:endParaRPr lang="en-US" dirty="0"/>
           </a:p>
-        </p:txBody>
-      </p:sp>
-      <p:sp>
-        <p:nvSpPr>
-          <p:cNvPr id="4" name="Content Placeholder 3"/>
-          <p:cNvSpPr>
-            <a:spLocks noGrp="1"/>
-          </p:cNvSpPr>
-          <p:nvPr>
-            <p:ph idx="1"/>
-          </p:nvPr>
-        </p:nvSpPr>
-        <p:spPr/>
-        <p:txBody>
-          <a:bodyPr/>
-          <a:lstStyle/>
-          <a:p>
-            <a:endParaRPr lang="en-US"/>
+          <a:p>
+            <a:r>
+              <a:rPr lang="en-US" dirty="0"/>
+              <a:t>5 chosen KPIs</a:t>
+            </a:r>
+          </a:p>
+          <a:p>
+            <a:pPr lvl="1"/>
+            <a:r>
+              <a:rPr lang="en-US" dirty="0"/>
+              <a:t>Points Scored</a:t>
+            </a:r>
+          </a:p>
+          <a:p>
+            <a:pPr lvl="1"/>
+            <a:r>
+              <a:rPr lang="en-US" dirty="0"/>
+              <a:t>3 Pointers </a:t>
+            </a:r>
+          </a:p>
+          <a:p>
+            <a:pPr lvl="1"/>
+            <a:r>
+              <a:rPr lang="en-US" dirty="0"/>
+              <a:t>Field Goals</a:t>
+            </a:r>
+          </a:p>
+          <a:p>
+            <a:pPr lvl="1"/>
+            <a:r>
+              <a:rPr lang="en-US" dirty="0"/>
+              <a:t>Rebounds</a:t>
+            </a:r>
+          </a:p>
+          <a:p>
+            <a:pPr lvl="1"/>
+            <a:r>
+              <a:rPr lang="en-US" dirty="0"/>
+              <a:t>Turnovers</a:t>
+            </a:r>
           </a:p>
         </p:txBody>
       </p:sp>
@@ -6873,13 +6746,6 @@
   <p:clrMapOvr>
     <a:masterClrMapping/>
   </p:clrMapOvr>
-  <p:timing>
-    <p:tnLst>
-      <p:par>
-        <p:cTn id="1" dur="indefinite" restart="never" nodeType="tmRoot"/>
-      </p:par>
-    </p:tnLst>
-  </p:timing>
 </p:sld>
 </file>
 
@@ -6900,298 +6766,187 @@
           <a:chExt cx="0" cy="0"/>
         </a:xfrm>
       </p:grpSpPr>
-      <p:sp>
-        <p:nvSpPr>
-          <p:cNvPr id="2" name="Title 1"/>
-          <p:cNvSpPr>
-            <a:spLocks noGrp="1"/>
-          </p:cNvSpPr>
-          <p:nvPr>
-            <p:ph type="title"/>
-          </p:nvPr>
-        </p:nvSpPr>
+      <p:pic>
+        <p:nvPicPr>
+          <p:cNvPr id="9" name="Picture 8" descr="Chart, box and whisker chart&#10;&#10;Description automatically generated">
+            <a:extLst>
+              <a:ext uri="{FF2B5EF4-FFF2-40B4-BE49-F238E27FC236}">
+                <a16:creationId xmlns:a16="http://schemas.microsoft.com/office/drawing/2014/main" id="{E43BBEB8-47FE-9D80-DA86-0E032C2F32A6}"/>
+              </a:ext>
+            </a:extLst>
+          </p:cNvPr>
+          <p:cNvPicPr>
+            <a:picLocks noChangeAspect="1"/>
+          </p:cNvPicPr>
+          <p:nvPr/>
+        </p:nvPicPr>
+        <p:blipFill rotWithShape="1">
+          <a:blip r:embed="rId2"/>
+          <a:srcRect l="21" r="3" b="3"/>
+          <a:stretch/>
+        </p:blipFill>
         <p:spPr>
           <a:xfrm>
-            <a:off x="831850" y="239561"/>
-            <a:ext cx="10515600" cy="1427874"/>
+            <a:off x="-1" y="1828800"/>
+            <a:ext cx="7208820" cy="5029200"/>
           </a:xfrm>
+          <a:prstGeom prst="rect">
+            <a:avLst/>
+          </a:prstGeom>
         </p:spPr>
-        <p:txBody>
-          <a:bodyPr>
-            <a:normAutofit/>
-          </a:bodyPr>
-          <a:lstStyle/>
-          <a:p>
-            <a:pPr algn="ctr"/>
-            <a:r>
-              <a:rPr lang="en-US" dirty="0">
-                <a:solidFill>
-                  <a:prstClr val="black"/>
-                </a:solidFill>
-              </a:rPr>
-              <a:t>SECTION </a:t>
-            </a:r>
-            <a:r>
-              <a:rPr lang="en-US" dirty="0" smtClean="0">
-                <a:solidFill>
-                  <a:prstClr val="black"/>
-                </a:solidFill>
-              </a:rPr>
-              <a:t>5</a:t>
-            </a:r>
-            <a:endParaRPr lang="en-US" sz="2400" dirty="0"/>
-          </a:p>
-        </p:txBody>
-      </p:sp>
-      <p:sp>
-        <p:nvSpPr>
-          <p:cNvPr id="3" name="Text Placeholder 2"/>
-          <p:cNvSpPr>
-            <a:spLocks noGrp="1"/>
-          </p:cNvSpPr>
-          <p:nvPr>
-            <p:ph type="body" idx="1"/>
-          </p:nvPr>
-        </p:nvSpPr>
+      </p:pic>
+      <p:pic>
+        <p:nvPicPr>
+          <p:cNvPr id="19" name="Picture 18" descr="Chart, bar chart, histogram&#10;&#10;Description automatically generated">
+            <a:extLst>
+              <a:ext uri="{FF2B5EF4-FFF2-40B4-BE49-F238E27FC236}">
+                <a16:creationId xmlns:a16="http://schemas.microsoft.com/office/drawing/2014/main" id="{F6D78484-4440-8245-7869-BB45A79451FD}"/>
+              </a:ext>
+            </a:extLst>
+          </p:cNvPr>
+          <p:cNvPicPr>
+            <a:picLocks noChangeAspect="1"/>
+          </p:cNvPicPr>
+          <p:nvPr/>
+        </p:nvPicPr>
+        <p:blipFill>
+          <a:blip r:embed="rId3"/>
+          <a:stretch>
+            <a:fillRect/>
+          </a:stretch>
+        </p:blipFill>
         <p:spPr>
           <a:xfrm>
-            <a:off x="831850" y="1721225"/>
-            <a:ext cx="10515600" cy="4368426"/>
+            <a:off x="6720121" y="-2287"/>
+            <a:ext cx="5489449" cy="4117087"/>
           </a:xfrm>
+          <a:prstGeom prst="rect">
+            <a:avLst/>
+          </a:prstGeom>
         </p:spPr>
-        <p:txBody>
-          <a:bodyPr>
-            <a:noAutofit/>
+      </p:pic>
+      <p:pic>
+        <p:nvPicPr>
+          <p:cNvPr id="22" name="Picture 21" descr="Chart, waterfall chart&#10;&#10;Description automatically generated">
+            <a:extLst>
+              <a:ext uri="{FF2B5EF4-FFF2-40B4-BE49-F238E27FC236}">
+                <a16:creationId xmlns:a16="http://schemas.microsoft.com/office/drawing/2014/main" id="{9BDC5DA7-AEC1-1113-4950-7CD1187E0D45}"/>
+              </a:ext>
+            </a:extLst>
+          </p:cNvPr>
+          <p:cNvPicPr>
+            <a:picLocks noChangeAspect="1"/>
+          </p:cNvPicPr>
+          <p:nvPr/>
+        </p:nvPicPr>
+        <p:blipFill>
+          <a:blip r:embed="rId4"/>
+          <a:stretch>
+            <a:fillRect/>
+          </a:stretch>
+        </p:blipFill>
+        <p:spPr>
+          <a:xfrm>
+            <a:off x="6683596" y="4115944"/>
+            <a:ext cx="5486400" cy="2743200"/>
+          </a:xfrm>
+          <a:prstGeom prst="rect">
+            <a:avLst/>
+          </a:prstGeom>
+        </p:spPr>
+      </p:pic>
+      <p:sp>
+        <p:nvSpPr>
+          <p:cNvPr id="23" name="TextBox 22">
+            <a:extLst>
+              <a:ext uri="{FF2B5EF4-FFF2-40B4-BE49-F238E27FC236}">
+                <a16:creationId xmlns:a16="http://schemas.microsoft.com/office/drawing/2014/main" id="{E492EA35-F853-C549-25DD-8833D4ADF337}"/>
+              </a:ext>
+            </a:extLst>
+          </p:cNvPr>
+          <p:cNvSpPr txBox="1"/>
+          <p:nvPr/>
+        </p:nvSpPr>
+        <p:spPr>
+          <a:xfrm>
+            <a:off x="720667" y="1042309"/>
+            <a:ext cx="5978835" cy="1015663"/>
+          </a:xfrm>
+          <a:prstGeom prst="rect">
+            <a:avLst/>
+          </a:prstGeom>
+          <a:noFill/>
+        </p:spPr>
+        <p:txBody>
+          <a:bodyPr wrap="square" rtlCol="0">
+            <a:spAutoFit/>
           </a:bodyPr>
           <a:lstStyle/>
           <a:p>
-            <a:pPr>
-              <a:buFont typeface="Arial"/>
-              <a:buChar char="•"/>
-            </a:pPr>
-            <a:r>
-              <a:rPr lang="en-US" sz="1600" dirty="0" smtClean="0">
-                <a:solidFill>
-                  <a:srgbClr val="2B2B2B"/>
-                </a:solidFill>
-              </a:rPr>
-              <a:t>Course requirement</a:t>
-            </a:r>
-            <a:endParaRPr lang="en-US" sz="1600" dirty="0">
-              <a:solidFill>
-                <a:srgbClr val="2B2B2B"/>
-              </a:solidFill>
-            </a:endParaRPr>
-          </a:p>
-          <a:p>
-            <a:pPr lvl="1">
-              <a:buFont typeface="Arial"/>
-              <a:buChar char="•"/>
-            </a:pPr>
-            <a:r>
-              <a:rPr lang="en-US" sz="1600" dirty="0">
-                <a:solidFill>
-                  <a:srgbClr val="2B2B2B"/>
-                </a:solidFill>
-              </a:rPr>
-              <a:t>Next steps:</a:t>
-            </a:r>
-          </a:p>
-          <a:p>
-            <a:pPr marL="1200150" lvl="2" indent="-285750">
-              <a:buFont typeface="Arial"/>
-              <a:buChar char="•"/>
-            </a:pPr>
-            <a:r>
-              <a:rPr lang="en-US" sz="1400" dirty="0">
-                <a:solidFill>
-                  <a:srgbClr val="2B2B2B"/>
-                </a:solidFill>
-              </a:rPr>
-              <a:t>Briefly discuss potential next steps for the project.</a:t>
-            </a:r>
-          </a:p>
-          <a:p>
-            <a:r>
-              <a:rPr lang="en-US" sz="1600" dirty="0" smtClean="0">
-                <a:solidFill>
-                  <a:srgbClr val="2B2B2B"/>
-                </a:solidFill>
-              </a:rPr>
-              <a:t>Cindy’s requirement</a:t>
-            </a:r>
-          </a:p>
-          <a:p>
-            <a:pPr marL="742950" lvl="1" indent="-285750">
-              <a:buFont typeface="Arial"/>
-              <a:buChar char="•"/>
-            </a:pPr>
-            <a:r>
-              <a:rPr lang="en-US" sz="1600" dirty="0" smtClean="0">
-                <a:solidFill>
-                  <a:srgbClr val="2B2B2B"/>
-                </a:solidFill>
-              </a:rPr>
-              <a:t>The implications of your findings: what do your findings mean?</a:t>
-            </a:r>
-            <a:endParaRPr lang="en-US" sz="1600" dirty="0">
-              <a:solidFill>
-                <a:srgbClr val="2B2B2B"/>
-              </a:solidFill>
-            </a:endParaRPr>
-          </a:p>
-          <a:p>
-            <a:pPr marL="285750" indent="-285750">
-              <a:buFont typeface="Arial"/>
-              <a:buChar char="•"/>
-            </a:pPr>
-            <a:r>
-              <a:rPr lang="en-US" sz="1600" dirty="0" smtClean="0">
-                <a:solidFill>
-                  <a:srgbClr val="2B2B2B"/>
-                </a:solidFill>
-              </a:rPr>
-              <a:t>Time: .5 minutes</a:t>
-            </a:r>
-          </a:p>
-          <a:p>
-            <a:pPr marL="285750" indent="-285750">
-              <a:buFont typeface="Arial"/>
-              <a:buChar char="•"/>
-            </a:pPr>
-            <a:r>
-              <a:rPr lang="en-US" sz="1600" dirty="0" smtClean="0">
-                <a:solidFill>
-                  <a:srgbClr val="2B2B2B"/>
-                </a:solidFill>
-              </a:rPr>
-              <a:t>Assignment</a:t>
-            </a:r>
-          </a:p>
-          <a:p>
-            <a:pPr marL="742950" lvl="1" indent="-285750">
-              <a:buFont typeface="Arial"/>
-              <a:buChar char="•"/>
-            </a:pPr>
-            <a:r>
-              <a:rPr lang="en-US" sz="1600" dirty="0" smtClean="0">
-                <a:solidFill>
-                  <a:srgbClr val="2B2B2B"/>
-                </a:solidFill>
-              </a:rPr>
-              <a:t>Intro – Candace</a:t>
-            </a:r>
-          </a:p>
-          <a:p>
-            <a:pPr marL="1200150" lvl="2" indent="-285750">
-              <a:buFont typeface="Arial"/>
-              <a:buChar char="•"/>
-            </a:pPr>
-            <a:r>
-              <a:rPr lang="en-US" sz="1600" dirty="0" smtClean="0">
-                <a:solidFill>
-                  <a:srgbClr val="2B2B2B"/>
-                </a:solidFill>
-              </a:rPr>
-              <a:t>Slides</a:t>
-            </a:r>
-          </a:p>
-          <a:p>
-            <a:pPr marL="1657350" lvl="3" indent="-285750">
-              <a:buFont typeface="Arial"/>
-              <a:buChar char="•"/>
-            </a:pPr>
-            <a:r>
-              <a:rPr lang="en-US" dirty="0" smtClean="0">
-                <a:solidFill>
-                  <a:srgbClr val="2B2B2B"/>
-                </a:solidFill>
-              </a:rPr>
-              <a:t>Dario</a:t>
-            </a:r>
-          </a:p>
-          <a:p>
-            <a:pPr marL="1657350" lvl="3" indent="-285750">
-              <a:buFont typeface="Arial"/>
-              <a:buChar char="•"/>
-            </a:pPr>
-            <a:r>
-              <a:rPr lang="en-US" dirty="0" smtClean="0">
-                <a:solidFill>
-                  <a:srgbClr val="2B2B2B"/>
-                </a:solidFill>
-              </a:rPr>
-              <a:t>Mark</a:t>
-            </a:r>
-          </a:p>
-          <a:p>
-            <a:pPr marL="1657350" lvl="3" indent="-285750">
-              <a:buFont typeface="Arial"/>
-              <a:buChar char="•"/>
-            </a:pPr>
-            <a:r>
-              <a:rPr lang="en-US" dirty="0" smtClean="0">
-                <a:solidFill>
-                  <a:srgbClr val="2B2B2B"/>
-                </a:solidFill>
-              </a:rPr>
-              <a:t>Jessica</a:t>
-            </a:r>
-          </a:p>
-          <a:p>
-            <a:pPr marL="1657350" lvl="3" indent="-285750">
-              <a:buFont typeface="Arial"/>
-              <a:buChar char="•"/>
-            </a:pPr>
-            <a:r>
-              <a:rPr lang="en-US" dirty="0">
-                <a:solidFill>
-                  <a:srgbClr val="2B2B2B"/>
-                </a:solidFill>
-              </a:rPr>
-              <a:t>Candace</a:t>
-            </a:r>
-          </a:p>
-          <a:p>
-            <a:pPr marL="1657350" lvl="3" indent="-285750">
-              <a:buFont typeface="Arial"/>
-              <a:buChar char="•"/>
-            </a:pPr>
-            <a:r>
-              <a:rPr lang="en-US">
-                <a:solidFill>
-                  <a:srgbClr val="2B2B2B"/>
-                </a:solidFill>
-              </a:rPr>
-              <a:t>Brenton</a:t>
-            </a:r>
-          </a:p>
-          <a:p>
-            <a:pPr lvl="3"/>
-            <a:endParaRPr lang="en-US" dirty="0" smtClean="0"/>
-          </a:p>
-          <a:p>
-            <a:endParaRPr lang="en-US" sz="1600" dirty="0"/>
+            <a:r>
+              <a:rPr lang="en-US" sz="2000" dirty="0"/>
+              <a:t>Mean : 114.686667</a:t>
+            </a:r>
+          </a:p>
+          <a:p>
+            <a:r>
+              <a:rPr lang="en-US" sz="2000" dirty="0"/>
+              <a:t>STD : 2.778207</a:t>
+            </a:r>
+          </a:p>
+          <a:p>
+            <a:r>
+              <a:rPr lang="en-US" sz="2000" dirty="0"/>
+              <a:t>Z-Score : -1.2032409750947137   </a:t>
+            </a:r>
+          </a:p>
+        </p:txBody>
+      </p:sp>
+      <p:sp>
+        <p:nvSpPr>
+          <p:cNvPr id="24" name="TextBox 23">
+            <a:extLst>
+              <a:ext uri="{FF2B5EF4-FFF2-40B4-BE49-F238E27FC236}">
+                <a16:creationId xmlns:a16="http://schemas.microsoft.com/office/drawing/2014/main" id="{1CDF34BE-5078-FA3F-D836-FE3694EEC6CE}"/>
+              </a:ext>
+            </a:extLst>
+          </p:cNvPr>
+          <p:cNvSpPr txBox="1"/>
+          <p:nvPr/>
+        </p:nvSpPr>
+        <p:spPr>
+          <a:xfrm>
+            <a:off x="717619" y="-111281"/>
+            <a:ext cx="5600700" cy="1446550"/>
+          </a:xfrm>
+          <a:prstGeom prst="rect">
+            <a:avLst/>
+          </a:prstGeom>
+          <a:noFill/>
+        </p:spPr>
+        <p:txBody>
+          <a:bodyPr wrap="square" rtlCol="0">
+            <a:spAutoFit/>
+          </a:bodyPr>
+          <a:lstStyle/>
+          <a:p>
+            <a:r>
+              <a:rPr lang="en-US" sz="8800" dirty="0"/>
+              <a:t>POINTS</a:t>
+            </a:r>
           </a:p>
         </p:txBody>
       </p:sp>
     </p:spTree>
     <p:extLst>
       <p:ext uri="{BB962C8B-B14F-4D97-AF65-F5344CB8AC3E}">
-        <p14:creationId xmlns:p14="http://schemas.microsoft.com/office/powerpoint/2010/main" val="3968192572"/>
+        <p14:creationId xmlns:p14="http://schemas.microsoft.com/office/powerpoint/2010/main" val="1965986416"/>
       </p:ext>
     </p:extLst>
   </p:cSld>
   <p:clrMapOvr>
     <a:masterClrMapping/>
   </p:clrMapOvr>
-  <p:timing>
-    <p:tnLst>
-      <p:par>
-        <p:cTn id="1" dur="indefinite" restart="never" nodeType="tmRoot"/>
-      </p:par>
-    </p:tnLst>
-  </p:timing>
 </p:sld>
 </file>
 
@@ -7212,82 +6967,188 @@
           <a:chExt cx="0" cy="0"/>
         </a:xfrm>
       </p:grpSpPr>
-      <p:sp>
-        <p:nvSpPr>
-          <p:cNvPr id="2" name="Title 1"/>
-          <p:cNvSpPr>
-            <a:spLocks noGrp="1"/>
-          </p:cNvSpPr>
-          <p:nvPr>
-            <p:ph type="title"/>
-          </p:nvPr>
-        </p:nvSpPr>
-        <p:spPr/>
-        <p:txBody>
-          <a:bodyPr/>
-          <a:lstStyle/>
-          <a:p>
-            <a:pPr algn="ctr"/>
-            <a:r>
-              <a:rPr lang="en-US" sz="3600" b="1" dirty="0"/>
-              <a:t>Question 1 – Regular Season vs Playoff Percentage</a:t>
-            </a:r>
-            <a:endParaRPr lang="en-US" dirty="0"/>
-          </a:p>
-        </p:txBody>
-      </p:sp>
-      <p:sp>
-        <p:nvSpPr>
-          <p:cNvPr id="3" name="Content Placeholder 2"/>
-          <p:cNvSpPr>
-            <a:spLocks noGrp="1"/>
-          </p:cNvSpPr>
-          <p:nvPr>
-            <p:ph idx="1"/>
-          </p:nvPr>
-        </p:nvSpPr>
-        <p:spPr/>
-        <p:txBody>
-          <a:bodyPr/>
-          <a:lstStyle/>
-          <a:p>
-            <a:r>
-              <a:rPr lang="en-US" dirty="0" smtClean="0"/>
-              <a:t>The correlation of season winning percentage versus playoff winning percentage is important because the regular season winning percentage determines home court advantage throughout the playoffs.</a:t>
-            </a:r>
-          </a:p>
-          <a:p>
-            <a:r>
-              <a:rPr lang="en-US" dirty="0" smtClean="0"/>
-              <a:t> Statistics show the team with the home court advantage has won 53 of 74 championships, or 71.6% of the time. </a:t>
-            </a:r>
-          </a:p>
-          <a:p>
-            <a:r>
-              <a:rPr lang="en-US" dirty="0" smtClean="0"/>
-              <a:t>There are no next steps with regard to this KPI</a:t>
-            </a:r>
-            <a:endParaRPr lang="en-US" dirty="0"/>
+      <p:pic>
+        <p:nvPicPr>
+          <p:cNvPr id="7" name="Picture 6" descr="Chart, box and whisker chart&#10;&#10;Description automatically generated">
+            <a:extLst>
+              <a:ext uri="{FF2B5EF4-FFF2-40B4-BE49-F238E27FC236}">
+                <a16:creationId xmlns:a16="http://schemas.microsoft.com/office/drawing/2014/main" id="{673DBD13-CEEE-01BD-F80C-5584F02F4D88}"/>
+              </a:ext>
+            </a:extLst>
+          </p:cNvPr>
+          <p:cNvPicPr>
+            <a:picLocks noChangeAspect="1"/>
+          </p:cNvPicPr>
+          <p:nvPr/>
+        </p:nvPicPr>
+        <p:blipFill>
+          <a:blip r:embed="rId2"/>
+          <a:stretch>
+            <a:fillRect/>
+          </a:stretch>
+        </p:blipFill>
+        <p:spPr>
+          <a:xfrm>
+            <a:off x="0" y="1714499"/>
+            <a:ext cx="7162800" cy="5143501"/>
+          </a:xfrm>
+          <a:prstGeom prst="rect">
+            <a:avLst/>
+          </a:prstGeom>
+        </p:spPr>
+      </p:pic>
+      <p:pic>
+        <p:nvPicPr>
+          <p:cNvPr id="9" name="Picture 8" descr="Chart, waterfall chart&#10;&#10;Description automatically generated">
+            <a:extLst>
+              <a:ext uri="{FF2B5EF4-FFF2-40B4-BE49-F238E27FC236}">
+                <a16:creationId xmlns:a16="http://schemas.microsoft.com/office/drawing/2014/main" id="{A0AE94CE-0B9C-E713-C61C-18931029D723}"/>
+              </a:ext>
+            </a:extLst>
+          </p:cNvPr>
+          <p:cNvPicPr>
+            <a:picLocks noChangeAspect="1"/>
+          </p:cNvPicPr>
+          <p:nvPr/>
+        </p:nvPicPr>
+        <p:blipFill>
+          <a:blip r:embed="rId3"/>
+          <a:stretch>
+            <a:fillRect/>
+          </a:stretch>
+        </p:blipFill>
+        <p:spPr>
+          <a:xfrm>
+            <a:off x="6934198" y="4229099"/>
+            <a:ext cx="5257802" cy="2628901"/>
+          </a:xfrm>
+          <a:prstGeom prst="rect">
+            <a:avLst/>
+          </a:prstGeom>
+        </p:spPr>
+      </p:pic>
+      <p:pic>
+        <p:nvPicPr>
+          <p:cNvPr id="5" name="Picture 4" descr="Chart, bar chart&#10;&#10;Description automatically generated">
+            <a:extLst>
+              <a:ext uri="{FF2B5EF4-FFF2-40B4-BE49-F238E27FC236}">
+                <a16:creationId xmlns:a16="http://schemas.microsoft.com/office/drawing/2014/main" id="{BC5BDEA8-3968-461A-6A48-B0B1CC67DEBB}"/>
+              </a:ext>
+            </a:extLst>
+          </p:cNvPr>
+          <p:cNvPicPr>
+            <a:picLocks noChangeAspect="1"/>
+          </p:cNvPicPr>
+          <p:nvPr/>
+        </p:nvPicPr>
+        <p:blipFill>
+          <a:blip r:embed="rId4"/>
+          <a:stretch>
+            <a:fillRect/>
+          </a:stretch>
+        </p:blipFill>
+        <p:spPr>
+          <a:xfrm>
+            <a:off x="6457950" y="0"/>
+            <a:ext cx="5734050" cy="4300538"/>
+          </a:xfrm>
+          <a:prstGeom prst="rect">
+            <a:avLst/>
+          </a:prstGeom>
+        </p:spPr>
+      </p:pic>
+      <p:sp>
+        <p:nvSpPr>
+          <p:cNvPr id="10" name="TextBox 9">
+            <a:extLst>
+              <a:ext uri="{FF2B5EF4-FFF2-40B4-BE49-F238E27FC236}">
+                <a16:creationId xmlns:a16="http://schemas.microsoft.com/office/drawing/2014/main" id="{53E6EA2F-14A3-39A3-F001-D76606BC2284}"/>
+              </a:ext>
+            </a:extLst>
+          </p:cNvPr>
+          <p:cNvSpPr txBox="1"/>
+          <p:nvPr/>
+        </p:nvSpPr>
+        <p:spPr>
+          <a:xfrm>
+            <a:off x="717619" y="1063219"/>
+            <a:ext cx="5585214" cy="923330"/>
+          </a:xfrm>
+          <a:prstGeom prst="rect">
+            <a:avLst/>
+          </a:prstGeom>
+          <a:noFill/>
+        </p:spPr>
+        <p:txBody>
+          <a:bodyPr wrap="square" rtlCol="0">
+            <a:spAutoFit/>
+          </a:bodyPr>
+          <a:lstStyle/>
+          <a:p>
+            <a:r>
+              <a:rPr lang="en-US" dirty="0"/>
+              <a:t>Mean : 12.340000</a:t>
+            </a:r>
+          </a:p>
+          <a:p>
+            <a:r>
+              <a:rPr lang="en-US" dirty="0"/>
+              <a:t>STD : 1.636776</a:t>
+            </a:r>
+          </a:p>
+          <a:p>
+            <a:r>
+              <a:rPr lang="en-US" dirty="0"/>
+              <a:t>Z-Score : -0.9569587051933831</a:t>
+            </a:r>
+          </a:p>
+        </p:txBody>
+      </p:sp>
+      <p:sp>
+        <p:nvSpPr>
+          <p:cNvPr id="12" name="TextBox 11">
+            <a:extLst>
+              <a:ext uri="{FF2B5EF4-FFF2-40B4-BE49-F238E27FC236}">
+                <a16:creationId xmlns:a16="http://schemas.microsoft.com/office/drawing/2014/main" id="{79F29013-65AF-D5CC-83DA-9F2F9199E9A5}"/>
+              </a:ext>
+            </a:extLst>
+          </p:cNvPr>
+          <p:cNvSpPr txBox="1"/>
+          <p:nvPr/>
+        </p:nvSpPr>
+        <p:spPr>
+          <a:xfrm>
+            <a:off x="717619" y="-111281"/>
+            <a:ext cx="5600700" cy="1446550"/>
+          </a:xfrm>
+          <a:prstGeom prst="rect">
+            <a:avLst/>
+          </a:prstGeom>
+          <a:noFill/>
+        </p:spPr>
+        <p:txBody>
+          <a:bodyPr wrap="square" rtlCol="0">
+            <a:spAutoFit/>
+          </a:bodyPr>
+          <a:lstStyle/>
+          <a:p>
+            <a:r>
+              <a:rPr lang="en-US" sz="8800" dirty="0"/>
+              <a:t>3 POINTERS</a:t>
+            </a:r>
           </a:p>
         </p:txBody>
       </p:sp>
     </p:spTree>
     <p:extLst>
       <p:ext uri="{BB962C8B-B14F-4D97-AF65-F5344CB8AC3E}">
-        <p14:creationId xmlns:p14="http://schemas.microsoft.com/office/powerpoint/2010/main" val="3669989009"/>
+        <p14:creationId xmlns:p14="http://schemas.microsoft.com/office/powerpoint/2010/main" val="2092867181"/>
       </p:ext>
     </p:extLst>
   </p:cSld>
   <p:clrMapOvr>
     <a:masterClrMapping/>
   </p:clrMapOvr>
-  <p:timing>
-    <p:tnLst>
-      <p:par>
-        <p:cTn id="1" dur="indefinite" restart="never" nodeType="tmRoot"/>
-      </p:par>
-    </p:tnLst>
-  </p:timing>
 </p:sld>
 </file>
 
@@ -7308,65 +7169,187 @@
           <a:chExt cx="0" cy="0"/>
         </a:xfrm>
       </p:grpSpPr>
-      <p:sp>
-        <p:nvSpPr>
-          <p:cNvPr id="2" name="Title 1"/>
-          <p:cNvSpPr>
-            <a:spLocks noGrp="1"/>
-          </p:cNvSpPr>
-          <p:nvPr>
-            <p:ph type="title"/>
-          </p:nvPr>
-        </p:nvSpPr>
-        <p:spPr/>
-        <p:txBody>
-          <a:bodyPr/>
-          <a:lstStyle/>
-          <a:p>
-            <a:r>
-              <a:rPr lang="en-US" dirty="0" smtClean="0"/>
-              <a:t>Dario</a:t>
-            </a:r>
-            <a:endParaRPr lang="en-US" dirty="0"/>
-          </a:p>
-        </p:txBody>
-      </p:sp>
-      <p:sp>
-        <p:nvSpPr>
-          <p:cNvPr id="3" name="Content Placeholder 2"/>
-          <p:cNvSpPr>
-            <a:spLocks noGrp="1"/>
-          </p:cNvSpPr>
+      <p:pic>
+        <p:nvPicPr>
+          <p:cNvPr id="7" name="Picture 6" descr="Chart, box and whisker chart&#10;&#10;Description automatically generated">
+            <a:extLst>
+              <a:ext uri="{FF2B5EF4-FFF2-40B4-BE49-F238E27FC236}">
+                <a16:creationId xmlns:a16="http://schemas.microsoft.com/office/drawing/2014/main" id="{571B0C43-F5A2-CE4B-F0F0-BBEAB88388C2}"/>
+              </a:ext>
+            </a:extLst>
+          </p:cNvPr>
+          <p:cNvPicPr>
+            <a:picLocks noChangeAspect="1"/>
+          </p:cNvPicPr>
+          <p:nvPr/>
+        </p:nvPicPr>
+        <p:blipFill>
+          <a:blip r:embed="rId2"/>
+          <a:stretch>
+            <a:fillRect/>
+          </a:stretch>
+        </p:blipFill>
+        <p:spPr>
+          <a:xfrm>
+            <a:off x="0" y="1785490"/>
+            <a:ext cx="7035800" cy="5029200"/>
+          </a:xfrm>
+          <a:prstGeom prst="rect">
+            <a:avLst/>
+          </a:prstGeom>
+        </p:spPr>
+      </p:pic>
+      <p:pic>
+        <p:nvPicPr>
+          <p:cNvPr id="5" name="Content Placeholder 4" descr="Chart, bar chart&#10;&#10;Description automatically generated">
+            <a:extLst>
+              <a:ext uri="{FF2B5EF4-FFF2-40B4-BE49-F238E27FC236}">
+                <a16:creationId xmlns:a16="http://schemas.microsoft.com/office/drawing/2014/main" id="{85864E5B-CDEB-BBC1-7623-E8B82E57EAE7}"/>
+              </a:ext>
+            </a:extLst>
+          </p:cNvPr>
+          <p:cNvPicPr>
+            <a:picLocks noGrp="1" noChangeAspect="1"/>
+          </p:cNvPicPr>
           <p:nvPr>
             <p:ph idx="1"/>
           </p:nvPr>
-        </p:nvSpPr>
-        <p:spPr/>
-        <p:txBody>
-          <a:bodyPr/>
-          <a:lstStyle/>
-          <a:p>
-            <a:endParaRPr lang="en-US" dirty="0"/>
+        </p:nvPicPr>
+        <p:blipFill>
+          <a:blip r:embed="rId3"/>
+          <a:stretch>
+            <a:fillRect/>
+          </a:stretch>
+        </p:blipFill>
+        <p:spPr>
+          <a:xfrm>
+            <a:off x="6390216" y="43310"/>
+            <a:ext cx="5801784" cy="4351338"/>
+          </a:xfrm>
+        </p:spPr>
+      </p:pic>
+      <p:pic>
+        <p:nvPicPr>
+          <p:cNvPr id="9" name="Picture 8" descr="Chart, waterfall chart&#10;&#10;Description automatically generated">
+            <a:extLst>
+              <a:ext uri="{FF2B5EF4-FFF2-40B4-BE49-F238E27FC236}">
+                <a16:creationId xmlns:a16="http://schemas.microsoft.com/office/drawing/2014/main" id="{8774639A-46B7-CDD1-E2D3-06C72BFB3B7C}"/>
+              </a:ext>
+            </a:extLst>
+          </p:cNvPr>
+          <p:cNvPicPr>
+            <a:picLocks noChangeAspect="1"/>
+          </p:cNvPicPr>
+          <p:nvPr/>
+        </p:nvPicPr>
+        <p:blipFill>
+          <a:blip r:embed="rId4"/>
+          <a:stretch>
+            <a:fillRect/>
+          </a:stretch>
+        </p:blipFill>
+        <p:spPr>
+          <a:xfrm>
+            <a:off x="6705600" y="4114800"/>
+            <a:ext cx="5486400" cy="2743200"/>
+          </a:xfrm>
+          <a:prstGeom prst="rect">
+            <a:avLst/>
+          </a:prstGeom>
+        </p:spPr>
+      </p:pic>
+      <p:sp>
+        <p:nvSpPr>
+          <p:cNvPr id="10" name="TextBox 9">
+            <a:extLst>
+              <a:ext uri="{FF2B5EF4-FFF2-40B4-BE49-F238E27FC236}">
+                <a16:creationId xmlns:a16="http://schemas.microsoft.com/office/drawing/2014/main" id="{A0675332-BE2F-FD9B-E9BF-B896EB942C0C}"/>
+              </a:ext>
+            </a:extLst>
+          </p:cNvPr>
+          <p:cNvSpPr txBox="1"/>
+          <p:nvPr/>
+        </p:nvSpPr>
+        <p:spPr>
+          <a:xfrm>
+            <a:off x="740569" y="1077496"/>
+            <a:ext cx="5224462" cy="923330"/>
+          </a:xfrm>
+          <a:prstGeom prst="rect">
+            <a:avLst/>
+          </a:prstGeom>
+          <a:noFill/>
+        </p:spPr>
+        <p:txBody>
+          <a:bodyPr wrap="square" rtlCol="0">
+            <a:spAutoFit/>
+          </a:bodyPr>
+          <a:lstStyle/>
+          <a:p>
+            <a:r>
+              <a:rPr lang="en-US" dirty="0"/>
+              <a:t>Mean : 41.976667</a:t>
+            </a:r>
+          </a:p>
+          <a:p>
+            <a:r>
+              <a:rPr lang="en-US" dirty="0"/>
+              <a:t>STD : 1.290197</a:t>
+            </a:r>
+          </a:p>
+          <a:p>
+            <a:r>
+              <a:rPr lang="en-US" dirty="0"/>
+              <a:t>Z-Score : -1.164093743854465      </a:t>
+            </a:r>
+          </a:p>
+        </p:txBody>
+      </p:sp>
+      <p:sp>
+        <p:nvSpPr>
+          <p:cNvPr id="11" name="TextBox 10">
+            <a:extLst>
+              <a:ext uri="{FF2B5EF4-FFF2-40B4-BE49-F238E27FC236}">
+                <a16:creationId xmlns:a16="http://schemas.microsoft.com/office/drawing/2014/main" id="{F71C0988-C48A-4F5E-7C33-6FB2DCA7C87B}"/>
+              </a:ext>
+            </a:extLst>
+          </p:cNvPr>
+          <p:cNvSpPr txBox="1"/>
+          <p:nvPr/>
+        </p:nvSpPr>
+        <p:spPr>
+          <a:xfrm>
+            <a:off x="717619" y="-111281"/>
+            <a:ext cx="6111806" cy="1446550"/>
+          </a:xfrm>
+          <a:prstGeom prst="rect">
+            <a:avLst/>
+          </a:prstGeom>
+          <a:noFill/>
+        </p:spPr>
+        <p:txBody>
+          <a:bodyPr wrap="square" rtlCol="0">
+            <a:spAutoFit/>
+          </a:bodyPr>
+          <a:lstStyle/>
+          <a:p>
+            <a:r>
+              <a:rPr lang="en-US" sz="8800" dirty="0"/>
+              <a:t>FIELD GOALS</a:t>
+            </a:r>
           </a:p>
         </p:txBody>
       </p:sp>
     </p:spTree>
     <p:extLst>
       <p:ext uri="{BB962C8B-B14F-4D97-AF65-F5344CB8AC3E}">
-        <p14:creationId xmlns:p14="http://schemas.microsoft.com/office/powerpoint/2010/main" val="3628214694"/>
+        <p14:creationId xmlns:p14="http://schemas.microsoft.com/office/powerpoint/2010/main" val="1351282298"/>
       </p:ext>
     </p:extLst>
   </p:cSld>
   <p:clrMapOvr>
     <a:masterClrMapping/>
   </p:clrMapOvr>
-  <p:timing>
-    <p:tnLst>
-      <p:par>
-        <p:cTn id="1" dur="indefinite" restart="never" nodeType="tmRoot"/>
-      </p:par>
-    </p:tnLst>
-  </p:timing>
 </p:sld>
 </file>
 
@@ -7387,65 +7370,187 @@
           <a:chExt cx="0" cy="0"/>
         </a:xfrm>
       </p:grpSpPr>
-      <p:sp>
-        <p:nvSpPr>
-          <p:cNvPr id="2" name="Title 1"/>
-          <p:cNvSpPr>
-            <a:spLocks noGrp="1"/>
-          </p:cNvSpPr>
-          <p:nvPr>
-            <p:ph type="title"/>
-          </p:nvPr>
-        </p:nvSpPr>
-        <p:spPr/>
-        <p:txBody>
-          <a:bodyPr/>
-          <a:lstStyle/>
-          <a:p>
-            <a:r>
-              <a:rPr lang="en-US" dirty="0" smtClean="0"/>
-              <a:t>Jessica	</a:t>
-            </a:r>
-            <a:endParaRPr lang="en-US" dirty="0"/>
-          </a:p>
-        </p:txBody>
-      </p:sp>
-      <p:sp>
-        <p:nvSpPr>
-          <p:cNvPr id="4" name="Content Placeholder 3"/>
-          <p:cNvSpPr>
-            <a:spLocks noGrp="1"/>
-          </p:cNvSpPr>
+      <p:pic>
+        <p:nvPicPr>
+          <p:cNvPr id="7" name="Picture 6" descr="Chart, box and whisker chart&#10;&#10;Description automatically generated">
+            <a:extLst>
+              <a:ext uri="{FF2B5EF4-FFF2-40B4-BE49-F238E27FC236}">
+                <a16:creationId xmlns:a16="http://schemas.microsoft.com/office/drawing/2014/main" id="{0CF6731B-1235-D502-0766-AE84CAD517B9}"/>
+              </a:ext>
+            </a:extLst>
+          </p:cNvPr>
+          <p:cNvPicPr>
+            <a:picLocks noChangeAspect="1"/>
+          </p:cNvPicPr>
+          <p:nvPr/>
+        </p:nvPicPr>
+        <p:blipFill>
+          <a:blip r:embed="rId2"/>
+          <a:stretch>
+            <a:fillRect/>
+          </a:stretch>
+        </p:blipFill>
+        <p:spPr>
+          <a:xfrm>
+            <a:off x="0" y="1887537"/>
+            <a:ext cx="7035800" cy="4970463"/>
+          </a:xfrm>
+          <a:prstGeom prst="rect">
+            <a:avLst/>
+          </a:prstGeom>
+        </p:spPr>
+      </p:pic>
+      <p:pic>
+        <p:nvPicPr>
+          <p:cNvPr id="5" name="Content Placeholder 4" descr="Chart, bar chart&#10;&#10;Description automatically generated">
+            <a:extLst>
+              <a:ext uri="{FF2B5EF4-FFF2-40B4-BE49-F238E27FC236}">
+                <a16:creationId xmlns:a16="http://schemas.microsoft.com/office/drawing/2014/main" id="{22713D47-33E4-344B-8941-72BB2FB30B62}"/>
+              </a:ext>
+            </a:extLst>
+          </p:cNvPr>
+          <p:cNvPicPr>
+            <a:picLocks noGrp="1" noChangeAspect="1"/>
+          </p:cNvPicPr>
           <p:nvPr>
             <p:ph idx="1"/>
           </p:nvPr>
-        </p:nvSpPr>
-        <p:spPr/>
-        <p:txBody>
-          <a:bodyPr/>
-          <a:lstStyle/>
-          <a:p>
-            <a:endParaRPr lang="en-US"/>
+        </p:nvPicPr>
+        <p:blipFill>
+          <a:blip r:embed="rId3"/>
+          <a:stretch>
+            <a:fillRect/>
+          </a:stretch>
+        </p:blipFill>
+        <p:spPr>
+          <a:xfrm>
+            <a:off x="6350000" y="30162"/>
+            <a:ext cx="5842000" cy="4381500"/>
+          </a:xfrm>
+        </p:spPr>
+      </p:pic>
+      <p:pic>
+        <p:nvPicPr>
+          <p:cNvPr id="9" name="Picture 8" descr="Chart, waterfall chart&#10;&#10;Description automatically generated">
+            <a:extLst>
+              <a:ext uri="{FF2B5EF4-FFF2-40B4-BE49-F238E27FC236}">
+                <a16:creationId xmlns:a16="http://schemas.microsoft.com/office/drawing/2014/main" id="{5969452F-D778-EC06-3C32-3EB541A161AD}"/>
+              </a:ext>
+            </a:extLst>
+          </p:cNvPr>
+          <p:cNvPicPr>
+            <a:picLocks noChangeAspect="1"/>
+          </p:cNvPicPr>
+          <p:nvPr/>
+        </p:nvPicPr>
+        <p:blipFill>
+          <a:blip r:embed="rId4"/>
+          <a:stretch>
+            <a:fillRect/>
+          </a:stretch>
+        </p:blipFill>
+        <p:spPr>
+          <a:xfrm>
+            <a:off x="6705600" y="4114800"/>
+            <a:ext cx="5486400" cy="2743200"/>
+          </a:xfrm>
+          <a:prstGeom prst="rect">
+            <a:avLst/>
+          </a:prstGeom>
+        </p:spPr>
+      </p:pic>
+      <p:sp>
+        <p:nvSpPr>
+          <p:cNvPr id="10" name="TextBox 9">
+            <a:extLst>
+              <a:ext uri="{FF2B5EF4-FFF2-40B4-BE49-F238E27FC236}">
+                <a16:creationId xmlns:a16="http://schemas.microsoft.com/office/drawing/2014/main" id="{2C5D9DC3-0DE1-02A8-69FB-5830C925B3DC}"/>
+              </a:ext>
+            </a:extLst>
+          </p:cNvPr>
+          <p:cNvSpPr txBox="1"/>
+          <p:nvPr/>
+        </p:nvSpPr>
+        <p:spPr>
+          <a:xfrm>
+            <a:off x="738187" y="1081594"/>
+            <a:ext cx="5713146" cy="1015663"/>
+          </a:xfrm>
+          <a:prstGeom prst="rect">
+            <a:avLst/>
+          </a:prstGeom>
+          <a:noFill/>
+        </p:spPr>
+        <p:txBody>
+          <a:bodyPr wrap="square" rtlCol="0">
+            <a:spAutoFit/>
+          </a:bodyPr>
+          <a:lstStyle/>
+          <a:p>
+            <a:r>
+              <a:rPr lang="en-US" sz="2000" dirty="0"/>
+              <a:t>Mean : 43.430000</a:t>
+            </a:r>
+          </a:p>
+          <a:p>
+            <a:r>
+              <a:rPr lang="en-US" sz="2000" dirty="0"/>
+              <a:t>STD : 2.213462</a:t>
+            </a:r>
+          </a:p>
+          <a:p>
+            <a:r>
+              <a:rPr lang="en-US" sz="2000" dirty="0"/>
+              <a:t>Z-Score : -0.10568598615921526</a:t>
+            </a:r>
+          </a:p>
+        </p:txBody>
+      </p:sp>
+      <p:sp>
+        <p:nvSpPr>
+          <p:cNvPr id="11" name="TextBox 10">
+            <a:extLst>
+              <a:ext uri="{FF2B5EF4-FFF2-40B4-BE49-F238E27FC236}">
+                <a16:creationId xmlns:a16="http://schemas.microsoft.com/office/drawing/2014/main" id="{91DCE221-08F8-C49F-58D1-08CDD7971689}"/>
+              </a:ext>
+            </a:extLst>
+          </p:cNvPr>
+          <p:cNvSpPr txBox="1"/>
+          <p:nvPr/>
+        </p:nvSpPr>
+        <p:spPr>
+          <a:xfrm>
+            <a:off x="717619" y="-111281"/>
+            <a:ext cx="5600700" cy="1446550"/>
+          </a:xfrm>
+          <a:prstGeom prst="rect">
+            <a:avLst/>
+          </a:prstGeom>
+          <a:noFill/>
+        </p:spPr>
+        <p:txBody>
+          <a:bodyPr wrap="square" rtlCol="0">
+            <a:spAutoFit/>
+          </a:bodyPr>
+          <a:lstStyle/>
+          <a:p>
+            <a:r>
+              <a:rPr lang="en-US" sz="8800" dirty="0"/>
+              <a:t>REBOUNDS</a:t>
+            </a:r>
           </a:p>
         </p:txBody>
       </p:sp>
     </p:spTree>
     <p:extLst>
       <p:ext uri="{BB962C8B-B14F-4D97-AF65-F5344CB8AC3E}">
-        <p14:creationId xmlns:p14="http://schemas.microsoft.com/office/powerpoint/2010/main" val="4112603086"/>
+        <p14:creationId xmlns:p14="http://schemas.microsoft.com/office/powerpoint/2010/main" val="3438332265"/>
       </p:ext>
     </p:extLst>
   </p:cSld>
   <p:clrMapOvr>
     <a:masterClrMapping/>
   </p:clrMapOvr>
-  <p:timing>
-    <p:tnLst>
-      <p:par>
-        <p:cTn id="1" dur="indefinite" restart="never" nodeType="tmRoot"/>
-      </p:par>
-    </p:tnLst>
-  </p:timing>
 </p:sld>
 </file>
 
@@ -7483,10 +7588,9 @@
           <a:p>
             <a:pPr algn="ctr"/>
             <a:r>
-              <a:rPr lang="en-US" dirty="0" smtClean="0"/>
+              <a:rPr lang="en-US" dirty="0"/>
               <a:t>Project Overview</a:t>
             </a:r>
-            <a:endParaRPr lang="en-US" dirty="0"/>
           </a:p>
         </p:txBody>
       </p:sp>
@@ -7516,10 +7620,9 @@
               <a:buNone/>
             </a:pPr>
             <a:r>
-              <a:rPr lang="en-US" sz="1800" dirty="0" smtClean="0"/>
+              <a:rPr lang="en-US" sz="1800" dirty="0"/>
               <a:t>The Orlando Magic has contracted this group to perform an EDA to look into key performance indicators (KPIs) to determine areas of play that need improvement so the Magic can become a winning team. The group quickly put together a list of questions to look into some of the more popular indicators known throughout the basketball industry.  One motivational factor about this project is that the Magic is local to the Orlando area and an improvement in their performance would help drive fan support. </a:t>
             </a:r>
-            <a:endParaRPr lang="en-US" sz="1800" dirty="0"/>
           </a:p>
           <a:p>
             <a:endParaRPr lang="en-US" sz="1800" dirty="0"/>
@@ -7530,21 +7633,8 @@
             </a:pPr>
             <a:r>
               <a:rPr lang="en-US" sz="1800" dirty="0"/>
-              <a:t>    1. Is there a correlation between </a:t>
-            </a:r>
-            <a:r>
-              <a:rPr lang="en-US" sz="1800" dirty="0" smtClean="0"/>
-              <a:t>regular season and playoff </a:t>
-            </a:r>
-            <a:r>
-              <a:rPr lang="en-US" sz="1800" dirty="0"/>
-              <a:t>winning </a:t>
-            </a:r>
-            <a:r>
-              <a:rPr lang="en-US" sz="1800" dirty="0" smtClean="0"/>
-              <a:t>percentage?</a:t>
-            </a:r>
-            <a:endParaRPr lang="en-US" sz="1800" dirty="0"/>
+              <a:t>    1. Is there a correlation between regular season and playoff winning percentage?</a:t>
+            </a:r>
           </a:p>
           <a:p>
             <a:pPr marL="0" indent="0">
@@ -7561,7 +7651,7 @@
             </a:pPr>
             <a:r>
               <a:rPr lang="en-US" sz="1800" dirty="0"/>
-              <a:t>    3. Is there a question 3</a:t>
+              <a:t>    3. How does the Orlando Magic, as a team, compare to other teams in the league and the league as a whole?</a:t>
             </a:r>
           </a:p>
           <a:p>
@@ -7576,67 +7666,15 @@
             </a:pPr>
             <a:r>
               <a:rPr lang="en-US" sz="1800" dirty="0"/>
-              <a:t>    4. </a:t>
-            </a:r>
-            <a:r>
-              <a:rPr lang="en-US" sz="1800" dirty="0" smtClean="0"/>
-              <a:t>W</a:t>
-            </a:r>
-            <a:r>
-              <a:rPr lang="en-US" sz="1800" dirty="0" smtClean="0">
+              <a:t>    4. W</a:t>
+            </a:r>
+            <a:r>
+              <a:rPr lang="en-US" sz="1800" dirty="0">
                 <a:solidFill>
                   <a:srgbClr val="000000"/>
                 </a:solidFill>
               </a:rPr>
-              <a:t>hich </a:t>
-            </a:r>
-            <a:r>
-              <a:rPr lang="en-US" sz="1800" dirty="0">
-                <a:solidFill>
-                  <a:srgbClr val="000000"/>
-                </a:solidFill>
-              </a:rPr>
-              <a:t>KPIs most closely </a:t>
-            </a:r>
-            <a:r>
-              <a:rPr lang="en-US" sz="1800" dirty="0" smtClean="0">
-                <a:solidFill>
-                  <a:srgbClr val="000000"/>
-                </a:solidFill>
-              </a:rPr>
-              <a:t>related </a:t>
-            </a:r>
-            <a:r>
-              <a:rPr lang="en-US" sz="1800" dirty="0">
-                <a:solidFill>
-                  <a:srgbClr val="000000"/>
-                </a:solidFill>
-              </a:rPr>
-              <a:t>to wins for the Orlando Magic Team in the 2022 </a:t>
-            </a:r>
-            <a:r>
-              <a:rPr lang="en-US" sz="1800" dirty="0" smtClean="0">
-                <a:solidFill>
-                  <a:srgbClr val="000000"/>
-                </a:solidFill>
-              </a:rPr>
-              <a:t>- 2023 </a:t>
-            </a:r>
-            <a:r>
-              <a:rPr lang="en-US" sz="1800" dirty="0">
-                <a:solidFill>
-                  <a:srgbClr val="000000"/>
-                </a:solidFill>
-              </a:rPr>
-              <a:t>Games</a:t>
-            </a:r>
-            <a:r>
-              <a:rPr lang="en-US" sz="1800" b="1" i="1" dirty="0">
-                <a:solidFill>
-                  <a:srgbClr val="000000"/>
-                </a:solidFill>
-              </a:rPr>
-              <a:t/>
+              <a:t>hich KPIs most closely related to wins for the Orlando Magic Team in the 2022 - 2023 Games</a:t>
             </a:r>
             <a:br>
               <a:rPr lang="en-US" sz="1800" b="1" i="1" dirty="0">
@@ -7646,12 +7684,8 @@
               </a:rPr>
             </a:br>
             <a:r>
-              <a:rPr lang="en-US" sz="1800" dirty="0" smtClean="0"/>
-              <a:t>    </a:t>
-            </a:r>
-            <a:r>
               <a:rPr lang="en-US" sz="1800" dirty="0"/>
-              <a:t>5. Is there a question 5</a:t>
+              <a:t>    5. Is there a question 5</a:t>
             </a:r>
           </a:p>
           <a:p>
@@ -7675,13 +7709,6 @@
   <p:clrMapOvr>
     <a:masterClrMapping/>
   </p:clrMapOvr>
-  <p:timing>
-    <p:tnLst>
-      <p:par>
-        <p:cTn id="1" dur="indefinite" restart="never" nodeType="tmRoot"/>
-      </p:par>
-    </p:tnLst>
-  </p:timing>
 </p:sld>
 </file>
 
@@ -7702,65 +7729,193 @@
           <a:chExt cx="0" cy="0"/>
         </a:xfrm>
       </p:grpSpPr>
-      <p:sp>
-        <p:nvSpPr>
-          <p:cNvPr id="2" name="Title 1"/>
-          <p:cNvSpPr>
-            <a:spLocks noGrp="1"/>
-          </p:cNvSpPr>
-          <p:nvPr>
-            <p:ph type="title"/>
-          </p:nvPr>
-        </p:nvSpPr>
-        <p:spPr/>
-        <p:txBody>
-          <a:bodyPr/>
-          <a:lstStyle/>
-          <a:p>
-            <a:r>
-              <a:rPr lang="en-US" dirty="0" smtClean="0"/>
-              <a:t>Candace</a:t>
-            </a:r>
+      <p:pic>
+        <p:nvPicPr>
+          <p:cNvPr id="7" name="Picture 6" descr="Chart, box and whisker chart&#10;&#10;Description automatically generated">
+            <a:extLst>
+              <a:ext uri="{FF2B5EF4-FFF2-40B4-BE49-F238E27FC236}">
+                <a16:creationId xmlns:a16="http://schemas.microsoft.com/office/drawing/2014/main" id="{62F9A557-682B-BB6E-9FFC-DAB4D9D0B879}"/>
+              </a:ext>
+            </a:extLst>
+          </p:cNvPr>
+          <p:cNvPicPr>
+            <a:picLocks noChangeAspect="1"/>
+          </p:cNvPicPr>
+          <p:nvPr/>
+        </p:nvPicPr>
+        <p:blipFill>
+          <a:blip r:embed="rId2"/>
+          <a:stretch>
+            <a:fillRect/>
+          </a:stretch>
+        </p:blipFill>
+        <p:spPr>
+          <a:xfrm>
+            <a:off x="0" y="1714500"/>
+            <a:ext cx="7340600" cy="5143500"/>
+          </a:xfrm>
+          <a:prstGeom prst="rect">
+            <a:avLst/>
+          </a:prstGeom>
+        </p:spPr>
+      </p:pic>
+      <p:pic>
+        <p:nvPicPr>
+          <p:cNvPr id="9" name="Picture 8" descr="Chart, waterfall chart&#10;&#10;Description automatically generated">
+            <a:extLst>
+              <a:ext uri="{FF2B5EF4-FFF2-40B4-BE49-F238E27FC236}">
+                <a16:creationId xmlns:a16="http://schemas.microsoft.com/office/drawing/2014/main" id="{519265D6-F3D1-05BD-0974-9F4A84EA4F19}"/>
+              </a:ext>
+            </a:extLst>
+          </p:cNvPr>
+          <p:cNvPicPr>
+            <a:picLocks noChangeAspect="1"/>
+          </p:cNvPicPr>
+          <p:nvPr/>
+        </p:nvPicPr>
+        <p:blipFill>
+          <a:blip r:embed="rId3"/>
+          <a:stretch>
+            <a:fillRect/>
+          </a:stretch>
+        </p:blipFill>
+        <p:spPr>
+          <a:xfrm>
+            <a:off x="6705595" y="4114798"/>
+            <a:ext cx="5486404" cy="2743202"/>
+          </a:xfrm>
+          <a:prstGeom prst="rect">
+            <a:avLst/>
+          </a:prstGeom>
+        </p:spPr>
+      </p:pic>
+      <p:pic>
+        <p:nvPicPr>
+          <p:cNvPr id="5" name="Picture 4">
+            <a:extLst>
+              <a:ext uri="{FF2B5EF4-FFF2-40B4-BE49-F238E27FC236}">
+                <a16:creationId xmlns:a16="http://schemas.microsoft.com/office/drawing/2014/main" id="{FD739AB8-BC60-67C6-6022-00B55B28DBB6}"/>
+              </a:ext>
+            </a:extLst>
+          </p:cNvPr>
+          <p:cNvPicPr>
+            <a:picLocks noChangeAspect="1"/>
+          </p:cNvPicPr>
+          <p:nvPr/>
+        </p:nvPicPr>
+        <p:blipFill>
+          <a:blip r:embed="rId4"/>
+          <a:srcRect/>
+          <a:stretch/>
+        </p:blipFill>
+        <p:spPr>
+          <a:xfrm>
+            <a:off x="6705595" y="-3"/>
+            <a:ext cx="5486401" cy="4114800"/>
+          </a:xfrm>
+          <a:prstGeom prst="rect">
+            <a:avLst/>
+          </a:prstGeom>
+        </p:spPr>
+      </p:pic>
+      <p:sp>
+        <p:nvSpPr>
+          <p:cNvPr id="10" name="TextBox 9">
+            <a:extLst>
+              <a:ext uri="{FF2B5EF4-FFF2-40B4-BE49-F238E27FC236}">
+                <a16:creationId xmlns:a16="http://schemas.microsoft.com/office/drawing/2014/main" id="{E7087A4F-34AE-DCFE-1CD7-40695B9B990F}"/>
+              </a:ext>
+            </a:extLst>
+          </p:cNvPr>
+          <p:cNvSpPr txBox="1"/>
+          <p:nvPr/>
+        </p:nvSpPr>
+        <p:spPr>
+          <a:xfrm>
+            <a:off x="717616" y="1072545"/>
+            <a:ext cx="5355433" cy="1569660"/>
+          </a:xfrm>
+          <a:prstGeom prst="rect">
+            <a:avLst/>
+          </a:prstGeom>
+          <a:noFill/>
+        </p:spPr>
+        <p:txBody>
+          <a:bodyPr wrap="square" rtlCol="0">
+            <a:spAutoFit/>
+          </a:bodyPr>
+          <a:lstStyle/>
+          <a:p>
+            <a:r>
+              <a:rPr lang="en-US" sz="2000" dirty="0"/>
+              <a:t>Mean : 14.093333</a:t>
+            </a:r>
+          </a:p>
+          <a:p>
+            <a:r>
+              <a:rPr lang="en-US" sz="2000" dirty="0"/>
+              <a:t>STD : 1.079570</a:t>
+            </a:r>
+          </a:p>
+          <a:p>
+            <a:r>
+              <a:rPr lang="en-US" sz="2000" dirty="0"/>
+              <a:t>Z-Score : 0.9484108889758592</a:t>
+            </a:r>
+          </a:p>
+          <a:p>
             <a:endParaRPr lang="en-US" dirty="0"/>
           </a:p>
-        </p:txBody>
-      </p:sp>
-      <p:sp>
-        <p:nvSpPr>
-          <p:cNvPr id="4" name="Content Placeholder 3"/>
-          <p:cNvSpPr>
-            <a:spLocks noGrp="1"/>
-          </p:cNvSpPr>
-          <p:nvPr>
-            <p:ph idx="1"/>
-          </p:nvPr>
-        </p:nvSpPr>
-        <p:spPr/>
-        <p:txBody>
-          <a:bodyPr/>
-          <a:lstStyle/>
-          <a:p>
-            <a:endParaRPr lang="en-US"/>
+          <a:p>
+            <a:endParaRPr lang="en-US" dirty="0"/>
+          </a:p>
+        </p:txBody>
+      </p:sp>
+      <p:sp>
+        <p:nvSpPr>
+          <p:cNvPr id="11" name="TextBox 10">
+            <a:extLst>
+              <a:ext uri="{FF2B5EF4-FFF2-40B4-BE49-F238E27FC236}">
+                <a16:creationId xmlns:a16="http://schemas.microsoft.com/office/drawing/2014/main" id="{F061ACA2-FCFF-2FBB-FE82-6E7A9AB3FABF}"/>
+              </a:ext>
+            </a:extLst>
+          </p:cNvPr>
+          <p:cNvSpPr txBox="1"/>
+          <p:nvPr/>
+        </p:nvSpPr>
+        <p:spPr>
+          <a:xfrm>
+            <a:off x="717619" y="-111281"/>
+            <a:ext cx="5826056" cy="1446550"/>
+          </a:xfrm>
+          <a:prstGeom prst="rect">
+            <a:avLst/>
+          </a:prstGeom>
+          <a:noFill/>
+        </p:spPr>
+        <p:txBody>
+          <a:bodyPr wrap="square" rtlCol="0">
+            <a:spAutoFit/>
+          </a:bodyPr>
+          <a:lstStyle/>
+          <a:p>
+            <a:r>
+              <a:rPr lang="en-US" sz="8800" dirty="0"/>
+              <a:t>TURNOVERS</a:t>
+            </a:r>
           </a:p>
         </p:txBody>
       </p:sp>
     </p:spTree>
     <p:extLst>
       <p:ext uri="{BB962C8B-B14F-4D97-AF65-F5344CB8AC3E}">
-        <p14:creationId xmlns:p14="http://schemas.microsoft.com/office/powerpoint/2010/main" val="2593243344"/>
+        <p14:creationId xmlns:p14="http://schemas.microsoft.com/office/powerpoint/2010/main" val="1960610940"/>
       </p:ext>
     </p:extLst>
   </p:cSld>
   <p:clrMapOvr>
     <a:masterClrMapping/>
   </p:clrMapOvr>
-  <p:timing>
-    <p:tnLst>
-      <p:par>
-        <p:cTn id="1" dur="indefinite" restart="never" nodeType="tmRoot"/>
-      </p:par>
-    </p:tnLst>
-  </p:timing>
 </p:sld>
 </file>
 
@@ -7791,16 +7946,624 @@
             <p:ph type="title"/>
           </p:nvPr>
         </p:nvSpPr>
+        <p:spPr>
+          <a:xfrm>
+            <a:off x="831850" y="239561"/>
+            <a:ext cx="10515600" cy="1427874"/>
+          </a:xfrm>
+        </p:spPr>
+        <p:txBody>
+          <a:bodyPr>
+            <a:normAutofit/>
+          </a:bodyPr>
+          <a:lstStyle/>
+          <a:p>
+            <a:pPr algn="ctr"/>
+            <a:r>
+              <a:rPr lang="en-US" dirty="0">
+                <a:solidFill>
+                  <a:prstClr val="black"/>
+                </a:solidFill>
+              </a:rPr>
+              <a:t>SECTION 5</a:t>
+            </a:r>
+            <a:endParaRPr lang="en-US" sz="2400" dirty="0"/>
+          </a:p>
+        </p:txBody>
+      </p:sp>
+      <p:sp>
+        <p:nvSpPr>
+          <p:cNvPr id="3" name="Text Placeholder 2"/>
+          <p:cNvSpPr>
+            <a:spLocks noGrp="1"/>
+          </p:cNvSpPr>
+          <p:nvPr>
+            <p:ph type="body" idx="1"/>
+          </p:nvPr>
+        </p:nvSpPr>
+        <p:spPr>
+          <a:xfrm>
+            <a:off x="831850" y="1721225"/>
+            <a:ext cx="10515600" cy="4368426"/>
+          </a:xfrm>
+        </p:spPr>
+        <p:txBody>
+          <a:bodyPr>
+            <a:noAutofit/>
+          </a:bodyPr>
+          <a:lstStyle/>
+          <a:p>
+            <a:pPr>
+              <a:buFont typeface="Arial"/>
+              <a:buChar char="•"/>
+            </a:pPr>
+            <a:r>
+              <a:rPr lang="en-US" sz="1600" dirty="0">
+                <a:solidFill>
+                  <a:srgbClr val="2B2B2B"/>
+                </a:solidFill>
+              </a:rPr>
+              <a:t>Course requirement</a:t>
+            </a:r>
+          </a:p>
+          <a:p>
+            <a:pPr lvl="1">
+              <a:buFont typeface="Arial"/>
+              <a:buChar char="•"/>
+            </a:pPr>
+            <a:r>
+              <a:rPr lang="en-US" sz="1600" dirty="0">
+                <a:solidFill>
+                  <a:srgbClr val="2B2B2B"/>
+                </a:solidFill>
+              </a:rPr>
+              <a:t>Next steps:</a:t>
+            </a:r>
+          </a:p>
+          <a:p>
+            <a:pPr marL="1200150" lvl="2" indent="-285750">
+              <a:buFont typeface="Arial"/>
+              <a:buChar char="•"/>
+            </a:pPr>
+            <a:r>
+              <a:rPr lang="en-US" sz="1400" dirty="0">
+                <a:solidFill>
+                  <a:srgbClr val="2B2B2B"/>
+                </a:solidFill>
+              </a:rPr>
+              <a:t>Briefly discuss potential next steps for the project.</a:t>
+            </a:r>
+          </a:p>
+          <a:p>
+            <a:r>
+              <a:rPr lang="en-US" sz="1600" dirty="0">
+                <a:solidFill>
+                  <a:srgbClr val="2B2B2B"/>
+                </a:solidFill>
+              </a:rPr>
+              <a:t>Cindy’s requirement</a:t>
+            </a:r>
+          </a:p>
+          <a:p>
+            <a:pPr marL="742950" lvl="1" indent="-285750">
+              <a:buFont typeface="Arial"/>
+              <a:buChar char="•"/>
+            </a:pPr>
+            <a:r>
+              <a:rPr lang="en-US" sz="1600" dirty="0">
+                <a:solidFill>
+                  <a:srgbClr val="2B2B2B"/>
+                </a:solidFill>
+              </a:rPr>
+              <a:t>The implications of your findings: what do your findings mean?</a:t>
+            </a:r>
+          </a:p>
+          <a:p>
+            <a:pPr marL="285750" indent="-285750">
+              <a:buFont typeface="Arial"/>
+              <a:buChar char="•"/>
+            </a:pPr>
+            <a:r>
+              <a:rPr lang="en-US" sz="1600" dirty="0">
+                <a:solidFill>
+                  <a:srgbClr val="2B2B2B"/>
+                </a:solidFill>
+              </a:rPr>
+              <a:t>Time: .5 minutes</a:t>
+            </a:r>
+          </a:p>
+          <a:p>
+            <a:pPr marL="285750" indent="-285750">
+              <a:buFont typeface="Arial"/>
+              <a:buChar char="•"/>
+            </a:pPr>
+            <a:r>
+              <a:rPr lang="en-US" sz="1600" dirty="0">
+                <a:solidFill>
+                  <a:srgbClr val="2B2B2B"/>
+                </a:solidFill>
+              </a:rPr>
+              <a:t>Assignment</a:t>
+            </a:r>
+          </a:p>
+          <a:p>
+            <a:pPr marL="742950" lvl="1" indent="-285750">
+              <a:buFont typeface="Arial"/>
+              <a:buChar char="•"/>
+            </a:pPr>
+            <a:r>
+              <a:rPr lang="en-US" sz="1600" dirty="0">
+                <a:solidFill>
+                  <a:srgbClr val="2B2B2B"/>
+                </a:solidFill>
+              </a:rPr>
+              <a:t>Intro – Candace</a:t>
+            </a:r>
+          </a:p>
+          <a:p>
+            <a:pPr marL="1200150" lvl="2" indent="-285750">
+              <a:buFont typeface="Arial"/>
+              <a:buChar char="•"/>
+            </a:pPr>
+            <a:r>
+              <a:rPr lang="en-US" sz="1600" dirty="0">
+                <a:solidFill>
+                  <a:srgbClr val="2B2B2B"/>
+                </a:solidFill>
+              </a:rPr>
+              <a:t>Slides</a:t>
+            </a:r>
+          </a:p>
+          <a:p>
+            <a:pPr marL="1657350" lvl="3" indent="-285750">
+              <a:buFont typeface="Arial"/>
+              <a:buChar char="•"/>
+            </a:pPr>
+            <a:r>
+              <a:rPr lang="en-US" dirty="0">
+                <a:solidFill>
+                  <a:srgbClr val="2B2B2B"/>
+                </a:solidFill>
+              </a:rPr>
+              <a:t>Dario</a:t>
+            </a:r>
+          </a:p>
+          <a:p>
+            <a:pPr marL="1657350" lvl="3" indent="-285750">
+              <a:buFont typeface="Arial"/>
+              <a:buChar char="•"/>
+            </a:pPr>
+            <a:r>
+              <a:rPr lang="en-US" dirty="0">
+                <a:solidFill>
+                  <a:srgbClr val="2B2B2B"/>
+                </a:solidFill>
+              </a:rPr>
+              <a:t>Mark</a:t>
+            </a:r>
+          </a:p>
+          <a:p>
+            <a:pPr marL="1657350" lvl="3" indent="-285750">
+              <a:buFont typeface="Arial"/>
+              <a:buChar char="•"/>
+            </a:pPr>
+            <a:r>
+              <a:rPr lang="en-US" dirty="0">
+                <a:solidFill>
+                  <a:srgbClr val="2B2B2B"/>
+                </a:solidFill>
+              </a:rPr>
+              <a:t>Jessica</a:t>
+            </a:r>
+          </a:p>
+          <a:p>
+            <a:pPr marL="1657350" lvl="3" indent="-285750">
+              <a:buFont typeface="Arial"/>
+              <a:buChar char="•"/>
+            </a:pPr>
+            <a:r>
+              <a:rPr lang="en-US" dirty="0">
+                <a:solidFill>
+                  <a:srgbClr val="2B2B2B"/>
+                </a:solidFill>
+              </a:rPr>
+              <a:t>Candace</a:t>
+            </a:r>
+          </a:p>
+          <a:p>
+            <a:pPr marL="1657350" lvl="3" indent="-285750">
+              <a:buFont typeface="Arial"/>
+              <a:buChar char="•"/>
+            </a:pPr>
+            <a:r>
+              <a:rPr lang="en-US" dirty="0">
+                <a:solidFill>
+                  <a:srgbClr val="2B2B2B"/>
+                </a:solidFill>
+              </a:rPr>
+              <a:t>Brenton</a:t>
+            </a:r>
+          </a:p>
+          <a:p>
+            <a:pPr lvl="3"/>
+            <a:endParaRPr lang="en-US" dirty="0"/>
+          </a:p>
+          <a:p>
+            <a:endParaRPr lang="en-US" sz="1600" dirty="0"/>
+          </a:p>
+        </p:txBody>
+      </p:sp>
+    </p:spTree>
+    <p:extLst>
+      <p:ext uri="{BB962C8B-B14F-4D97-AF65-F5344CB8AC3E}">
+        <p14:creationId xmlns:p14="http://schemas.microsoft.com/office/powerpoint/2010/main" val="3968192572"/>
+      </p:ext>
+    </p:extLst>
+  </p:cSld>
+  <p:clrMapOvr>
+    <a:masterClrMapping/>
+  </p:clrMapOvr>
+</p:sld>
+</file>
+
+<file path=ppt/slides/slide32.xml><?xml version="1.0" encoding="utf-8"?>
+<p:sld xmlns:a="http://schemas.openxmlformats.org/drawingml/2006/main" xmlns:r="http://schemas.openxmlformats.org/officeDocument/2006/relationships" xmlns:p="http://schemas.openxmlformats.org/presentationml/2006/main">
+  <p:cSld>
+    <p:spTree>
+      <p:nvGrpSpPr>
+        <p:cNvPr id="1" name=""/>
+        <p:cNvGrpSpPr/>
+        <p:nvPr/>
+      </p:nvGrpSpPr>
+      <p:grpSpPr>
+        <a:xfrm>
+          <a:off x="0" y="0"/>
+          <a:ext cx="0" cy="0"/>
+          <a:chOff x="0" y="0"/>
+          <a:chExt cx="0" cy="0"/>
+        </a:xfrm>
+      </p:grpSpPr>
+      <p:sp>
+        <p:nvSpPr>
+          <p:cNvPr id="2" name="Title 1"/>
+          <p:cNvSpPr>
+            <a:spLocks noGrp="1"/>
+          </p:cNvSpPr>
+          <p:nvPr>
+            <p:ph type="title"/>
+          </p:nvPr>
+        </p:nvSpPr>
         <p:spPr/>
         <p:txBody>
           <a:bodyPr/>
           <a:lstStyle/>
           <a:p>
-            <a:r>
-              <a:rPr lang="en-US" dirty="0" smtClean="0"/>
+            <a:pPr algn="ctr"/>
+            <a:r>
+              <a:rPr lang="en-US" sz="3600" b="1" dirty="0"/>
+              <a:t>Question 1 – Regular Season vs Playoff Percentage</a:t>
+            </a:r>
+            <a:endParaRPr lang="en-US" dirty="0"/>
+          </a:p>
+        </p:txBody>
+      </p:sp>
+      <p:sp>
+        <p:nvSpPr>
+          <p:cNvPr id="3" name="Content Placeholder 2"/>
+          <p:cNvSpPr>
+            <a:spLocks noGrp="1"/>
+          </p:cNvSpPr>
+          <p:nvPr>
+            <p:ph idx="1"/>
+          </p:nvPr>
+        </p:nvSpPr>
+        <p:spPr/>
+        <p:txBody>
+          <a:bodyPr/>
+          <a:lstStyle/>
+          <a:p>
+            <a:r>
+              <a:rPr lang="en-US" dirty="0"/>
+              <a:t>The correlation of season winning percentage versus playoff winning percentage is important because the regular season winning percentage determines home court advantage throughout the playoffs.</a:t>
+            </a:r>
+          </a:p>
+          <a:p>
+            <a:r>
+              <a:rPr lang="en-US" dirty="0"/>
+              <a:t> Statistics show the team with the home court advantage has won 53 of 74 championships, or 71.6% of the time. </a:t>
+            </a:r>
+          </a:p>
+          <a:p>
+            <a:r>
+              <a:rPr lang="en-US" dirty="0"/>
+              <a:t>There are no next steps with regard to this KPI</a:t>
+            </a:r>
+          </a:p>
+        </p:txBody>
+      </p:sp>
+    </p:spTree>
+    <p:extLst>
+      <p:ext uri="{BB962C8B-B14F-4D97-AF65-F5344CB8AC3E}">
+        <p14:creationId xmlns:p14="http://schemas.microsoft.com/office/powerpoint/2010/main" val="3669989009"/>
+      </p:ext>
+    </p:extLst>
+  </p:cSld>
+  <p:clrMapOvr>
+    <a:masterClrMapping/>
+  </p:clrMapOvr>
+</p:sld>
+</file>
+
+<file path=ppt/slides/slide33.xml><?xml version="1.0" encoding="utf-8"?>
+<p:sld xmlns:a="http://schemas.openxmlformats.org/drawingml/2006/main" xmlns:r="http://schemas.openxmlformats.org/officeDocument/2006/relationships" xmlns:p="http://schemas.openxmlformats.org/presentationml/2006/main">
+  <p:cSld>
+    <p:spTree>
+      <p:nvGrpSpPr>
+        <p:cNvPr id="1" name=""/>
+        <p:cNvGrpSpPr/>
+        <p:nvPr/>
+      </p:nvGrpSpPr>
+      <p:grpSpPr>
+        <a:xfrm>
+          <a:off x="0" y="0"/>
+          <a:ext cx="0" cy="0"/>
+          <a:chOff x="0" y="0"/>
+          <a:chExt cx="0" cy="0"/>
+        </a:xfrm>
+      </p:grpSpPr>
+      <p:sp>
+        <p:nvSpPr>
+          <p:cNvPr id="2" name="Title 1"/>
+          <p:cNvSpPr>
+            <a:spLocks noGrp="1"/>
+          </p:cNvSpPr>
+          <p:nvPr>
+            <p:ph type="title"/>
+          </p:nvPr>
+        </p:nvSpPr>
+        <p:spPr/>
+        <p:txBody>
+          <a:bodyPr/>
+          <a:lstStyle/>
+          <a:p>
+            <a:r>
+              <a:rPr lang="en-US" dirty="0"/>
+              <a:t>Dario</a:t>
+            </a:r>
+          </a:p>
+        </p:txBody>
+      </p:sp>
+      <p:sp>
+        <p:nvSpPr>
+          <p:cNvPr id="3" name="Content Placeholder 2"/>
+          <p:cNvSpPr>
+            <a:spLocks noGrp="1"/>
+          </p:cNvSpPr>
+          <p:nvPr>
+            <p:ph idx="1"/>
+          </p:nvPr>
+        </p:nvSpPr>
+        <p:spPr/>
+        <p:txBody>
+          <a:bodyPr/>
+          <a:lstStyle/>
+          <a:p>
+            <a:endParaRPr lang="en-US" dirty="0"/>
+          </a:p>
+        </p:txBody>
+      </p:sp>
+    </p:spTree>
+    <p:extLst>
+      <p:ext uri="{BB962C8B-B14F-4D97-AF65-F5344CB8AC3E}">
+        <p14:creationId xmlns:p14="http://schemas.microsoft.com/office/powerpoint/2010/main" val="3628214694"/>
+      </p:ext>
+    </p:extLst>
+  </p:cSld>
+  <p:clrMapOvr>
+    <a:masterClrMapping/>
+  </p:clrMapOvr>
+</p:sld>
+</file>
+
+<file path=ppt/slides/slide34.xml><?xml version="1.0" encoding="utf-8"?>
+<p:sld xmlns:a="http://schemas.openxmlformats.org/drawingml/2006/main" xmlns:r="http://schemas.openxmlformats.org/officeDocument/2006/relationships" xmlns:p="http://schemas.openxmlformats.org/presentationml/2006/main">
+  <p:cSld>
+    <p:spTree>
+      <p:nvGrpSpPr>
+        <p:cNvPr id="1" name=""/>
+        <p:cNvGrpSpPr/>
+        <p:nvPr/>
+      </p:nvGrpSpPr>
+      <p:grpSpPr>
+        <a:xfrm>
+          <a:off x="0" y="0"/>
+          <a:ext cx="0" cy="0"/>
+          <a:chOff x="0" y="0"/>
+          <a:chExt cx="0" cy="0"/>
+        </a:xfrm>
+      </p:grpSpPr>
+      <p:sp>
+        <p:nvSpPr>
+          <p:cNvPr id="2" name="Title 1"/>
+          <p:cNvSpPr>
+            <a:spLocks noGrp="1"/>
+          </p:cNvSpPr>
+          <p:nvPr>
+            <p:ph type="title"/>
+          </p:nvPr>
+        </p:nvSpPr>
+        <p:spPr/>
+        <p:txBody>
+          <a:bodyPr/>
+          <a:lstStyle/>
+          <a:p>
+            <a:r>
+              <a:rPr lang="en-US" dirty="0"/>
+              <a:t>Jessica	</a:t>
+            </a:r>
+          </a:p>
+        </p:txBody>
+      </p:sp>
+      <p:sp>
+        <p:nvSpPr>
+          <p:cNvPr id="4" name="Content Placeholder 3"/>
+          <p:cNvSpPr>
+            <a:spLocks noGrp="1"/>
+          </p:cNvSpPr>
+          <p:nvPr>
+            <p:ph idx="1"/>
+          </p:nvPr>
+        </p:nvSpPr>
+        <p:spPr/>
+        <p:txBody>
+          <a:bodyPr/>
+          <a:lstStyle/>
+          <a:p>
+            <a:endParaRPr lang="en-US" dirty="0"/>
+          </a:p>
+        </p:txBody>
+      </p:sp>
+    </p:spTree>
+    <p:extLst>
+      <p:ext uri="{BB962C8B-B14F-4D97-AF65-F5344CB8AC3E}">
+        <p14:creationId xmlns:p14="http://schemas.microsoft.com/office/powerpoint/2010/main" val="4112603086"/>
+      </p:ext>
+    </p:extLst>
+  </p:cSld>
+  <p:clrMapOvr>
+    <a:masterClrMapping/>
+  </p:clrMapOvr>
+</p:sld>
+</file>
+
+<file path=ppt/slides/slide35.xml><?xml version="1.0" encoding="utf-8"?>
+<p:sld xmlns:a="http://schemas.openxmlformats.org/drawingml/2006/main" xmlns:r="http://schemas.openxmlformats.org/officeDocument/2006/relationships" xmlns:p="http://schemas.openxmlformats.org/presentationml/2006/main">
+  <p:cSld>
+    <p:spTree>
+      <p:nvGrpSpPr>
+        <p:cNvPr id="1" name=""/>
+        <p:cNvGrpSpPr/>
+        <p:nvPr/>
+      </p:nvGrpSpPr>
+      <p:grpSpPr>
+        <a:xfrm>
+          <a:off x="0" y="0"/>
+          <a:ext cx="0" cy="0"/>
+          <a:chOff x="0" y="0"/>
+          <a:chExt cx="0" cy="0"/>
+        </a:xfrm>
+      </p:grpSpPr>
+      <p:sp>
+        <p:nvSpPr>
+          <p:cNvPr id="2" name="Title 1"/>
+          <p:cNvSpPr>
+            <a:spLocks noGrp="1"/>
+          </p:cNvSpPr>
+          <p:nvPr>
+            <p:ph type="title"/>
+          </p:nvPr>
+        </p:nvSpPr>
+        <p:spPr/>
+        <p:txBody>
+          <a:bodyPr/>
+          <a:lstStyle/>
+          <a:p>
+            <a:r>
+              <a:rPr lang="en-US" dirty="0"/>
+              <a:t>Question 3 – Orlando Magic v League</a:t>
+            </a:r>
+          </a:p>
+        </p:txBody>
+      </p:sp>
+      <p:sp>
+        <p:nvSpPr>
+          <p:cNvPr id="4" name="Content Placeholder 3"/>
+          <p:cNvSpPr>
+            <a:spLocks noGrp="1"/>
+          </p:cNvSpPr>
+          <p:nvPr>
+            <p:ph idx="1"/>
+          </p:nvPr>
+        </p:nvSpPr>
+        <p:spPr/>
+        <p:txBody>
+          <a:bodyPr/>
+          <a:lstStyle/>
+          <a:p>
+            <a:r>
+              <a:rPr lang="en-US" dirty="0"/>
+              <a:t>Going forward, the team overall should work on reducing the number of turnovers that they make every game.</a:t>
+            </a:r>
+          </a:p>
+          <a:p>
+            <a:endParaRPr lang="en-US" dirty="0"/>
+          </a:p>
+          <a:p>
+            <a:r>
+              <a:rPr lang="en-US" dirty="0"/>
+              <a:t>In addition, they need to focus on their shooting percentage and generally scoring more points. </a:t>
+            </a:r>
+          </a:p>
+          <a:p>
+            <a:endParaRPr lang="en-US" dirty="0"/>
+          </a:p>
+          <a:p>
+            <a:r>
+              <a:rPr lang="en-US" dirty="0"/>
+              <a:t>While scoring more points per game doesn’t correlate to winning games, even attempting more shots per game will have an effect on their outcome. </a:t>
+            </a:r>
+          </a:p>
+        </p:txBody>
+      </p:sp>
+    </p:spTree>
+    <p:extLst>
+      <p:ext uri="{BB962C8B-B14F-4D97-AF65-F5344CB8AC3E}">
+        <p14:creationId xmlns:p14="http://schemas.microsoft.com/office/powerpoint/2010/main" val="2593243344"/>
+      </p:ext>
+    </p:extLst>
+  </p:cSld>
+  <p:clrMapOvr>
+    <a:masterClrMapping/>
+  </p:clrMapOvr>
+</p:sld>
+</file>
+
+<file path=ppt/slides/slide36.xml><?xml version="1.0" encoding="utf-8"?>
+<p:sld xmlns:a="http://schemas.openxmlformats.org/drawingml/2006/main" xmlns:r="http://schemas.openxmlformats.org/officeDocument/2006/relationships" xmlns:p="http://schemas.openxmlformats.org/presentationml/2006/main">
+  <p:cSld>
+    <p:spTree>
+      <p:nvGrpSpPr>
+        <p:cNvPr id="1" name=""/>
+        <p:cNvGrpSpPr/>
+        <p:nvPr/>
+      </p:nvGrpSpPr>
+      <p:grpSpPr>
+        <a:xfrm>
+          <a:off x="0" y="0"/>
+          <a:ext cx="0" cy="0"/>
+          <a:chOff x="0" y="0"/>
+          <a:chExt cx="0" cy="0"/>
+        </a:xfrm>
+      </p:grpSpPr>
+      <p:sp>
+        <p:nvSpPr>
+          <p:cNvPr id="2" name="Title 1"/>
+          <p:cNvSpPr>
+            <a:spLocks noGrp="1"/>
+          </p:cNvSpPr>
+          <p:nvPr>
+            <p:ph type="title"/>
+          </p:nvPr>
+        </p:nvSpPr>
+        <p:spPr/>
+        <p:txBody>
+          <a:bodyPr/>
+          <a:lstStyle/>
+          <a:p>
+            <a:r>
+              <a:rPr lang="en-US" dirty="0"/>
               <a:t>Brenton</a:t>
             </a:r>
-            <a:endParaRPr lang="en-US" dirty="0"/>
           </a:p>
         </p:txBody>
       </p:sp>
@@ -7833,13 +8596,6 @@
   <p:clrMapOvr>
     <a:masterClrMapping/>
   </p:clrMapOvr>
-  <p:timing>
-    <p:tnLst>
-      <p:par>
-        <p:cTn id="1" dur="indefinite" restart="never" nodeType="tmRoot"/>
-      </p:par>
-    </p:tnLst>
-  </p:timing>
 </p:sld>
 </file>
 
@@ -7889,15 +8645,7 @@
                   <a:prstClr val="black"/>
                 </a:solidFill>
               </a:rPr>
-              <a:t>SECTION </a:t>
-            </a:r>
-            <a:r>
-              <a:rPr lang="en-US" dirty="0" smtClean="0">
-                <a:solidFill>
-                  <a:prstClr val="black"/>
-                </a:solidFill>
-              </a:rPr>
-              <a:t>2</a:t>
+              <a:t>SECTION 2</a:t>
             </a:r>
             <a:endParaRPr lang="en-US" dirty="0"/>
           </a:p>
@@ -7930,7 +8678,7 @@
               <a:buChar char="•"/>
             </a:pPr>
             <a:r>
-              <a:rPr lang="en-US" sz="1600" dirty="0" smtClean="0">
+              <a:rPr lang="en-US" sz="1600" dirty="0">
                 <a:solidFill>
                   <a:srgbClr val="2B2B2B"/>
                 </a:solidFill>
@@ -8002,7 +8750,7 @@
               <a:buChar char="•"/>
             </a:pPr>
             <a:r>
-              <a:rPr lang="en-US" sz="1600" dirty="0" smtClean="0">
+              <a:rPr lang="en-US" sz="1600" dirty="0">
                 <a:solidFill>
                   <a:srgbClr val="2B2B2B"/>
                 </a:solidFill>
@@ -8017,7 +8765,7 @@
               <a:buChar char="•"/>
             </a:pPr>
             <a:r>
-              <a:rPr lang="en-US" sz="1600" dirty="0" smtClean="0">
+              <a:rPr lang="en-US" sz="1600" dirty="0">
                 <a:solidFill>
                   <a:srgbClr val="2B2B2B"/>
                 </a:solidFill>
@@ -8032,38 +8780,14 @@
               <a:buChar char="•"/>
             </a:pPr>
             <a:r>
-              <a:rPr lang="en-US" sz="1600" dirty="0" smtClean="0">
+              <a:rPr lang="en-US" sz="1600" dirty="0">
                 <a:solidFill>
                   <a:srgbClr val="2B2B2B"/>
                 </a:solidFill>
                 <a:latin typeface="Roboto"/>
               </a:rPr>
-              <a:t>The data exploration and cleanup process (accompanied by your </a:t>
-            </a:r>
-            <a:r>
-              <a:rPr lang="en-US" sz="1600" dirty="0" err="1" smtClean="0">
-                <a:solidFill>
-                  <a:srgbClr val="2B2B2B"/>
-                </a:solidFill>
-                <a:latin typeface="Roboto"/>
-              </a:rPr>
-              <a:t>Jupyter</a:t>
-            </a:r>
-            <a:r>
-              <a:rPr lang="en-US" sz="1600" dirty="0" smtClean="0">
-                <a:solidFill>
-                  <a:srgbClr val="2B2B2B"/>
-                </a:solidFill>
-                <a:latin typeface="Roboto"/>
-              </a:rPr>
-              <a:t> Notebook)</a:t>
-            </a:r>
-            <a:endParaRPr lang="en-US" sz="1600" dirty="0">
-              <a:solidFill>
-                <a:srgbClr val="2B2B2B"/>
-              </a:solidFill>
-              <a:latin typeface="Roboto"/>
-            </a:endParaRPr>
+              <a:t>The data exploration and cleanup process (accompanied by your Jupyter Notebook)</a:t>
+            </a:r>
           </a:p>
           <a:p>
             <a:pPr marL="285750" indent="-285750">
@@ -8071,7 +8795,7 @@
               <a:buChar char="•"/>
             </a:pPr>
             <a:r>
-              <a:rPr lang="en-US" sz="1600" dirty="0" smtClean="0">
+              <a:rPr lang="en-US" sz="1600" dirty="0">
                 <a:solidFill>
                   <a:srgbClr val="2B2B2B"/>
                 </a:solidFill>
@@ -8086,7 +8810,7 @@
               <a:buChar char="•"/>
             </a:pPr>
             <a:r>
-              <a:rPr lang="en-US" sz="1600" dirty="0" smtClean="0">
+              <a:rPr lang="en-US" sz="1600" dirty="0">
                 <a:solidFill>
                   <a:srgbClr val="2B2B2B"/>
                 </a:solidFill>
@@ -8101,7 +8825,7 @@
               <a:buChar char="•"/>
             </a:pPr>
             <a:r>
-              <a:rPr lang="en-US" sz="1600" dirty="0" smtClean="0">
+              <a:rPr lang="en-US" sz="1600" dirty="0">
                 <a:solidFill>
                   <a:srgbClr val="2B2B2B"/>
                 </a:solidFill>
@@ -8116,7 +8840,7 @@
               <a:buChar char="•"/>
             </a:pPr>
             <a:r>
-              <a:rPr lang="en-US" sz="1600" dirty="0" smtClean="0">
+              <a:rPr lang="en-US" sz="1600" dirty="0">
                 <a:solidFill>
                   <a:srgbClr val="2B2B2B"/>
                 </a:solidFill>
@@ -8131,7 +8855,7 @@
               <a:buChar char="•"/>
             </a:pPr>
             <a:r>
-              <a:rPr lang="en-US" dirty="0" smtClean="0">
+              <a:rPr lang="en-US" dirty="0">
                 <a:solidFill>
                   <a:srgbClr val="2B2B2B"/>
                 </a:solidFill>
@@ -8146,7 +8870,7 @@
               <a:buChar char="•"/>
             </a:pPr>
             <a:r>
-              <a:rPr lang="en-US" dirty="0" smtClean="0">
+              <a:rPr lang="en-US" dirty="0">
                 <a:solidFill>
                   <a:srgbClr val="2B2B2B"/>
                 </a:solidFill>
@@ -8161,7 +8885,7 @@
               <a:buChar char="•"/>
             </a:pPr>
             <a:r>
-              <a:rPr lang="en-US" dirty="0" smtClean="0">
+              <a:rPr lang="en-US" dirty="0">
                 <a:solidFill>
                   <a:srgbClr val="2B2B2B"/>
                 </a:solidFill>
@@ -8176,7 +8900,7 @@
               <a:buChar char="•"/>
             </a:pPr>
             <a:r>
-              <a:rPr lang="en-US" dirty="0" smtClean="0">
+              <a:rPr lang="en-US" dirty="0">
                 <a:solidFill>
                   <a:srgbClr val="2B2B2B"/>
                 </a:solidFill>
@@ -8191,7 +8915,7 @@
               <a:buChar char="•"/>
             </a:pPr>
             <a:r>
-              <a:rPr lang="en-US" dirty="0" smtClean="0">
+              <a:rPr lang="en-US" dirty="0">
                 <a:solidFill>
                   <a:srgbClr val="2B2B2B"/>
                 </a:solidFill>
@@ -8203,7 +8927,7 @@
           <a:p>
             <a:pPr lvl="3"/>
             <a:r>
-              <a:rPr lang="en-US" dirty="0" smtClean="0">
+              <a:rPr lang="en-US" dirty="0">
                 <a:solidFill>
                   <a:srgbClr val="2B2B2B"/>
                 </a:solidFill>
@@ -8211,7 +8935,7 @@
               </a:rPr>
               <a:t>	</a:t>
             </a:r>
-            <a:endParaRPr lang="en-US" dirty="0" smtClean="0"/>
+            <a:endParaRPr lang="en-US" dirty="0"/>
           </a:p>
           <a:p>
             <a:endParaRPr lang="en-US" sz="1600" dirty="0"/>
@@ -8228,13 +8952,6 @@
   <p:clrMapOvr>
     <a:masterClrMapping/>
   </p:clrMapOvr>
-  <p:timing>
-    <p:tnLst>
-      <p:par>
-        <p:cTn id="1" dur="indefinite" restart="never" nodeType="tmRoot"/>
-      </p:par>
-    </p:tnLst>
-  </p:timing>
 </p:sld>
 </file>
 
@@ -8272,7 +8989,7 @@
           <a:p>
             <a:pPr algn="ctr"/>
             <a:r>
-              <a:rPr lang="en-US" sz="3600" b="1" dirty="0" smtClean="0"/>
+              <a:rPr lang="en-US" sz="3600" b="1" dirty="0"/>
               <a:t>API’s Used for Data Collection</a:t>
             </a:r>
             <a:endParaRPr lang="en-US" dirty="0"/>
@@ -8295,69 +9012,37 @@
           <a:lstStyle/>
           <a:p>
             <a:r>
-              <a:rPr lang="en-US" dirty="0" smtClean="0"/>
-              <a:t>One source of data came from the python module </a:t>
-            </a:r>
-            <a:r>
-              <a:rPr lang="en-US" dirty="0" err="1" smtClean="0"/>
-              <a:t>nba_api</a:t>
-            </a:r>
-            <a:endParaRPr lang="en-US" dirty="0" smtClean="0"/>
-          </a:p>
-          <a:p>
-            <a:r>
-              <a:rPr lang="en-US" dirty="0" smtClean="0"/>
-              <a:t>The </a:t>
-            </a:r>
-            <a:r>
-              <a:rPr lang="en-US" dirty="0" err="1" smtClean="0"/>
-              <a:t>nba_api</a:t>
-            </a:r>
-            <a:r>
-              <a:rPr lang="en-US" dirty="0" smtClean="0"/>
-              <a:t> contains official data from the NBA  and is the source of data for the website NBA.com</a:t>
-            </a:r>
-          </a:p>
-          <a:p>
-            <a:r>
-              <a:rPr lang="en-US" dirty="0" smtClean="0"/>
+              <a:rPr lang="en-US" dirty="0"/>
+              <a:t>One source of data came from the python module nba_api</a:t>
+            </a:r>
+          </a:p>
+          <a:p>
+            <a:r>
+              <a:rPr lang="en-US" dirty="0"/>
+              <a:t>The nba_api contains official data from the NBA  and is the source of data for the website NBA.com</a:t>
+            </a:r>
+          </a:p>
+          <a:p>
+            <a:r>
+              <a:rPr lang="en-US" dirty="0"/>
               <a:t>The API was easy to learn but going through the documentation was time consuming, which the group to use other methods in addition to this one</a:t>
             </a:r>
           </a:p>
           <a:p>
             <a:r>
               <a:rPr lang="en-US" dirty="0"/>
-              <a:t>The </a:t>
-            </a:r>
-            <a:r>
-              <a:rPr lang="en-US" dirty="0" err="1"/>
-              <a:t>nba_api</a:t>
-            </a:r>
-            <a:r>
-              <a:rPr lang="en-US" dirty="0"/>
-              <a:t> package is Open Source with an </a:t>
+              <a:t>The nba_api package is Open Source with an </a:t>
             </a:r>
             <a:r>
               <a:rPr lang="en-US" dirty="0">
                 <a:hlinkClick r:id="rId2"/>
               </a:rPr>
-              <a:t>MIT </a:t>
-            </a:r>
-            <a:r>
-              <a:rPr lang="en-US" dirty="0" smtClean="0">
-                <a:hlinkClick r:id="rId2"/>
-              </a:rPr>
-              <a:t>License</a:t>
+              <a:t>MIT License</a:t>
             </a:r>
             <a:r>
               <a:rPr lang="en-US" dirty="0"/>
-              <a:t> </a:t>
-            </a:r>
-            <a:r>
-              <a:rPr lang="en-US" dirty="0" smtClean="0"/>
-              <a:t>and does not require an API key</a:t>
-            </a:r>
-            <a:endParaRPr lang="en-US" dirty="0"/>
+              <a:t> and does not require an API key</a:t>
+            </a:r>
           </a:p>
         </p:txBody>
       </p:sp>
@@ -8371,13 +9056,6 @@
   <p:clrMapOvr>
     <a:masterClrMapping/>
   </p:clrMapOvr>
-  <p:timing>
-    <p:tnLst>
-      <p:par>
-        <p:cTn id="1" dur="indefinite" restart="never" nodeType="tmRoot"/>
-      </p:par>
-    </p:tnLst>
-  </p:timing>
 </p:sld>
 </file>
 
@@ -8414,29 +9092,28 @@
           <a:lstStyle/>
           <a:p>
             <a:r>
-              <a:rPr lang="en-US" dirty="0" smtClean="0"/>
+              <a:rPr lang="en-US" dirty="0"/>
               <a:t>Jessica	</a:t>
             </a:r>
+          </a:p>
+        </p:txBody>
+      </p:sp>
+      <p:sp>
+        <p:nvSpPr>
+          <p:cNvPr id="4" name="Content Placeholder 3"/>
+          <p:cNvSpPr>
+            <a:spLocks noGrp="1"/>
+          </p:cNvSpPr>
+          <p:nvPr>
+            <p:ph idx="1"/>
+          </p:nvPr>
+        </p:nvSpPr>
+        <p:spPr/>
+        <p:txBody>
+          <a:bodyPr/>
+          <a:lstStyle/>
+          <a:p>
             <a:endParaRPr lang="en-US" dirty="0"/>
-          </a:p>
-        </p:txBody>
-      </p:sp>
-      <p:sp>
-        <p:nvSpPr>
-          <p:cNvPr id="4" name="Content Placeholder 3"/>
-          <p:cNvSpPr>
-            <a:spLocks noGrp="1"/>
-          </p:cNvSpPr>
-          <p:nvPr>
-            <p:ph idx="1"/>
-          </p:nvPr>
-        </p:nvSpPr>
-        <p:spPr/>
-        <p:txBody>
-          <a:bodyPr/>
-          <a:lstStyle/>
-          <a:p>
-            <a:endParaRPr lang="en-US"/>
           </a:p>
         </p:txBody>
       </p:sp>
@@ -8450,13 +9127,6 @@
   <p:clrMapOvr>
     <a:masterClrMapping/>
   </p:clrMapOvr>
-  <p:timing>
-    <p:tnLst>
-      <p:par>
-        <p:cTn id="1" dur="indefinite" restart="never" nodeType="tmRoot"/>
-      </p:par>
-    </p:tnLst>
-  </p:timing>
 </p:sld>
 </file>
 
@@ -8493,29 +9163,49 @@
           <a:lstStyle/>
           <a:p>
             <a:r>
-              <a:rPr lang="en-US" dirty="0" smtClean="0"/>
+              <a:rPr lang="en-US" dirty="0"/>
               <a:t>Candace</a:t>
             </a:r>
+          </a:p>
+        </p:txBody>
+      </p:sp>
+      <p:sp>
+        <p:nvSpPr>
+          <p:cNvPr id="4" name="Content Placeholder 3"/>
+          <p:cNvSpPr>
+            <a:spLocks noGrp="1"/>
+          </p:cNvSpPr>
+          <p:nvPr>
+            <p:ph idx="1"/>
+          </p:nvPr>
+        </p:nvSpPr>
+        <p:spPr/>
+        <p:txBody>
+          <a:bodyPr/>
+          <a:lstStyle/>
+          <a:p>
+            <a:r>
+              <a:rPr lang="en-US" dirty="0"/>
+              <a:t>I pulled the data directly from NBA.com and put the data into CSV files. </a:t>
+            </a:r>
+          </a:p>
+          <a:p>
             <a:endParaRPr lang="en-US" dirty="0"/>
           </a:p>
-        </p:txBody>
-      </p:sp>
-      <p:sp>
-        <p:nvSpPr>
-          <p:cNvPr id="4" name="Content Placeholder 3"/>
-          <p:cNvSpPr>
-            <a:spLocks noGrp="1"/>
-          </p:cNvSpPr>
-          <p:nvPr>
-            <p:ph idx="1"/>
-          </p:nvPr>
-        </p:nvSpPr>
-        <p:spPr/>
-        <p:txBody>
-          <a:bodyPr/>
-          <a:lstStyle/>
-          <a:p>
-            <a:endParaRPr lang="en-US"/>
+          <a:p>
+            <a:r>
+              <a:rPr lang="en-US" dirty="0"/>
+              <a:t>I was able to choose which data was needed based on the results that I got from my first objective of finding the rankings of the NBA teams. </a:t>
+            </a:r>
+          </a:p>
+          <a:p>
+            <a:endParaRPr lang="en-US" dirty="0"/>
+          </a:p>
+          <a:p>
+            <a:r>
+              <a:rPr lang="en-US" dirty="0"/>
+              <a:t>I started the cleaning process in excel making sure that all of the data was formatted correctly. I then imported it into a Jupyter Notebook to continue my analysis. </a:t>
+            </a:r>
           </a:p>
         </p:txBody>
       </p:sp>
@@ -8529,13 +9219,6 @@
   <p:clrMapOvr>
     <a:masterClrMapping/>
   </p:clrMapOvr>
-  <p:timing>
-    <p:tnLst>
-      <p:par>
-        <p:cTn id="1" dur="indefinite" restart="never" nodeType="tmRoot"/>
-      </p:par>
-    </p:tnLst>
-  </p:timing>
 </p:sld>
 </file>
 
@@ -8572,10 +9255,9 @@
           <a:lstStyle/>
           <a:p>
             <a:r>
-              <a:rPr lang="en-US" dirty="0" smtClean="0"/>
+              <a:rPr lang="en-US" dirty="0"/>
               <a:t>Brenton</a:t>
             </a:r>
-            <a:endParaRPr lang="en-US" dirty="0"/>
           </a:p>
         </p:txBody>
       </p:sp>
@@ -8608,13 +9290,6 @@
   <p:clrMapOvr>
     <a:masterClrMapping/>
   </p:clrMapOvr>
-  <p:timing>
-    <p:tnLst>
-      <p:par>
-        <p:cTn id="1" dur="indefinite" restart="never" nodeType="tmRoot"/>
-      </p:par>
-    </p:tnLst>
-  </p:timing>
 </p:sld>
 </file>
 
@@ -8651,29 +9326,28 @@
           <a:lstStyle/>
           <a:p>
             <a:r>
-              <a:rPr lang="en-US" dirty="0" smtClean="0"/>
+              <a:rPr lang="en-US" dirty="0"/>
               <a:t>Dario</a:t>
             </a:r>
+          </a:p>
+        </p:txBody>
+      </p:sp>
+      <p:sp>
+        <p:nvSpPr>
+          <p:cNvPr id="4" name="Content Placeholder 3"/>
+          <p:cNvSpPr>
+            <a:spLocks noGrp="1"/>
+          </p:cNvSpPr>
+          <p:nvPr>
+            <p:ph idx="1"/>
+          </p:nvPr>
+        </p:nvSpPr>
+        <p:spPr/>
+        <p:txBody>
+          <a:bodyPr/>
+          <a:lstStyle/>
+          <a:p>
             <a:endParaRPr lang="en-US" dirty="0"/>
-          </a:p>
-        </p:txBody>
-      </p:sp>
-      <p:sp>
-        <p:nvSpPr>
-          <p:cNvPr id="4" name="Content Placeholder 3"/>
-          <p:cNvSpPr>
-            <a:spLocks noGrp="1"/>
-          </p:cNvSpPr>
-          <p:nvPr>
-            <p:ph idx="1"/>
-          </p:nvPr>
-        </p:nvSpPr>
-        <p:spPr/>
-        <p:txBody>
-          <a:bodyPr/>
-          <a:lstStyle/>
-          <a:p>
-            <a:endParaRPr lang="en-US"/>
           </a:p>
         </p:txBody>
       </p:sp>
@@ -8687,13 +9361,6 @@
   <p:clrMapOvr>
     <a:masterClrMapping/>
   </p:clrMapOvr>
-  <p:timing>
-    <p:tnLst>
-      <p:par>
-        <p:cTn id="1" dur="indefinite" restart="never" nodeType="tmRoot"/>
-      </p:par>
-    </p:tnLst>
-  </p:timing>
 </p:sld>
 </file>
 
@@ -8986,7 +9653,7 @@
   <a:extraClrSchemeLst/>
   <a:extLst>
     <a:ext uri="{05A4C25C-085E-4340-85A3-A5531E510DB2}">
-      <thm15:themeFamily xmlns:thm15="http://schemas.microsoft.com/office/thememl/2012/main" xmlns="" name="Office Theme" id="{62F939B6-93AF-4DB8-9C6B-D6C7DFDC589F}" vid="{4A3C46E8-61CC-4603-A589-7422A47A8E4A}"/>
+      <thm15:themeFamily xmlns:thm15="http://schemas.microsoft.com/office/thememl/2012/main" name="Office Theme" id="{62F939B6-93AF-4DB8-9C6B-D6C7DFDC589F}" vid="{4A3C46E8-61CC-4603-A589-7422A47A8E4A}"/>
     </a:ext>
   </a:extLst>
 </a:theme>

--- a/mm_Group3_Project_1_Presentation.pptx
+++ b/mm_Group3_Project_1_Presentation.pptx
@@ -5,45 +5,44 @@
     <p:sldMasterId id="2147483648" r:id="rId1"/>
   </p:sldMasterIdLst>
   <p:notesMasterIdLst>
-    <p:notesMasterId r:id="rId38"/>
+    <p:notesMasterId r:id="rId37"/>
   </p:notesMasterIdLst>
   <p:sldIdLst>
     <p:sldId id="256" r:id="rId2"/>
     <p:sldId id="262" r:id="rId3"/>
     <p:sldId id="263" r:id="rId4"/>
     <p:sldId id="264" r:id="rId5"/>
-    <p:sldId id="269" r:id="rId6"/>
-    <p:sldId id="265" r:id="rId7"/>
-    <p:sldId id="266" r:id="rId8"/>
-    <p:sldId id="267" r:id="rId9"/>
-    <p:sldId id="268" r:id="rId10"/>
-    <p:sldId id="270" r:id="rId11"/>
-    <p:sldId id="278" r:id="rId12"/>
-    <p:sldId id="295" r:id="rId13"/>
-    <p:sldId id="271" r:id="rId14"/>
-    <p:sldId id="276" r:id="rId15"/>
-    <p:sldId id="277" r:id="rId16"/>
-    <p:sldId id="274" r:id="rId17"/>
-    <p:sldId id="272" r:id="rId18"/>
-    <p:sldId id="283" r:id="rId19"/>
-    <p:sldId id="290" r:id="rId20"/>
-    <p:sldId id="291" r:id="rId21"/>
-    <p:sldId id="292" r:id="rId22"/>
-    <p:sldId id="294" r:id="rId23"/>
-    <p:sldId id="282" r:id="rId24"/>
-    <p:sldId id="279" r:id="rId25"/>
-    <p:sldId id="280" r:id="rId26"/>
-    <p:sldId id="261" r:id="rId27"/>
-    <p:sldId id="296" r:id="rId28"/>
-    <p:sldId id="297" r:id="rId29"/>
-    <p:sldId id="298" r:id="rId30"/>
-    <p:sldId id="299" r:id="rId31"/>
-    <p:sldId id="273" r:id="rId32"/>
-    <p:sldId id="285" r:id="rId33"/>
-    <p:sldId id="284" r:id="rId34"/>
-    <p:sldId id="286" r:id="rId35"/>
-    <p:sldId id="287" r:id="rId36"/>
-    <p:sldId id="288" r:id="rId37"/>
+    <p:sldId id="265" r:id="rId6"/>
+    <p:sldId id="266" r:id="rId7"/>
+    <p:sldId id="269" r:id="rId8"/>
+    <p:sldId id="268" r:id="rId9"/>
+    <p:sldId id="270" r:id="rId10"/>
+    <p:sldId id="278" r:id="rId11"/>
+    <p:sldId id="297" r:id="rId12"/>
+    <p:sldId id="299" r:id="rId13"/>
+    <p:sldId id="295" r:id="rId14"/>
+    <p:sldId id="277" r:id="rId15"/>
+    <p:sldId id="272" r:id="rId16"/>
+    <p:sldId id="283" r:id="rId17"/>
+    <p:sldId id="298" r:id="rId18"/>
+    <p:sldId id="300" r:id="rId19"/>
+    <p:sldId id="301" r:id="rId20"/>
+    <p:sldId id="302" r:id="rId21"/>
+    <p:sldId id="303" r:id="rId22"/>
+    <p:sldId id="304" r:id="rId23"/>
+    <p:sldId id="305" r:id="rId24"/>
+    <p:sldId id="290" r:id="rId25"/>
+    <p:sldId id="291" r:id="rId26"/>
+    <p:sldId id="292" r:id="rId27"/>
+    <p:sldId id="294" r:id="rId28"/>
+    <p:sldId id="282" r:id="rId29"/>
+    <p:sldId id="273" r:id="rId30"/>
+    <p:sldId id="285" r:id="rId31"/>
+    <p:sldId id="284" r:id="rId32"/>
+    <p:sldId id="286" r:id="rId33"/>
+    <p:sldId id="287" r:id="rId34"/>
+    <p:sldId id="288" r:id="rId35"/>
+    <p:sldId id="296" r:id="rId36"/>
   </p:sldIdLst>
   <p:sldSz cx="12192000" cy="6858000"/>
   <p:notesSz cx="6858000" cy="9144000"/>
@@ -151,55 +150,40 @@
             <p14:sldId id="262"/>
             <p14:sldId id="263"/>
             <p14:sldId id="264"/>
-            <p14:sldId id="269"/>
             <p14:sldId id="265"/>
             <p14:sldId id="266"/>
-            <p14:sldId id="267"/>
+            <p14:sldId id="269"/>
             <p14:sldId id="268"/>
             <p14:sldId id="270"/>
             <p14:sldId id="278"/>
+            <p14:sldId id="297"/>
+            <p14:sldId id="299"/>
             <p14:sldId id="295"/>
-            <p14:sldId id="271"/>
-            <p14:sldId id="276"/>
             <p14:sldId id="277"/>
-            <p14:sldId id="274"/>
             <p14:sldId id="272"/>
             <p14:sldId id="283"/>
+            <p14:sldId id="298"/>
+            <p14:sldId id="300"/>
+            <p14:sldId id="301"/>
+            <p14:sldId id="302"/>
+            <p14:sldId id="303"/>
+            <p14:sldId id="304"/>
+            <p14:sldId id="305"/>
             <p14:sldId id="290"/>
             <p14:sldId id="291"/>
             <p14:sldId id="292"/>
             <p14:sldId id="294"/>
             <p14:sldId id="282"/>
-            <p14:sldId id="279"/>
-            <p14:sldId id="280"/>
-            <p14:sldId id="261"/>
-            <p14:sldId id="296"/>
-            <p14:sldId id="297"/>
-            <p14:sldId id="298"/>
-            <p14:sldId id="299"/>
             <p14:sldId id="273"/>
             <p14:sldId id="285"/>
             <p14:sldId id="284"/>
             <p14:sldId id="286"/>
             <p14:sldId id="287"/>
             <p14:sldId id="288"/>
+            <p14:sldId id="296"/>
           </p14:sldIdLst>
         </p14:section>
       </p14:sectionLst>
-    </p:ext>
-    <p:ext uri="{EFAFB233-063F-42B5-8137-9DF3F51BA10A}">
-      <p15:sldGuideLst xmlns:p15="http://schemas.microsoft.com/office/powerpoint/2012/main">
-        <p15:guide id="1" orient="horz" pos="2160">
-          <p15:clr>
-            <a:srgbClr val="A4A3A4"/>
-          </p15:clr>
-        </p15:guide>
-        <p15:guide id="2" pos="3840">
-          <p15:clr>
-            <a:srgbClr val="A4A3A4"/>
-          </p15:clr>
-        </p15:guide>
-      </p15:sldGuideLst>
     </p:ext>
   </p:extLst>
 </p:presentation>
@@ -254,7 +238,7 @@
             </a:lvl1pPr>
           </a:lstStyle>
           <a:p>
-            <a:endParaRPr lang="en-US" dirty="0"/>
+            <a:endParaRPr lang="en-US"/>
           </a:p>
         </p:txBody>
       </p:sp>
@@ -287,9 +271,9 @@
           <a:p>
             <a:fld id="{2BDC494C-2600-49DE-8E12-4ADCEEE338A0}" type="datetimeFigureOut">
               <a:rPr lang="en-US" smtClean="0"/>
-              <a:t>5/3/23</a:t>
+              <a:t>5/4/2023</a:t>
             </a:fld>
-            <a:endParaRPr lang="en-US" dirty="0"/>
+            <a:endParaRPr lang="en-US"/>
           </a:p>
         </p:txBody>
       </p:sp>
@@ -322,7 +306,7 @@
           <a:bodyPr vert="horz" lIns="91440" tIns="45720" rIns="91440" bIns="45720" rtlCol="0" anchor="ctr"/>
           <a:lstStyle/>
           <a:p>
-            <a:endParaRPr lang="en-US" dirty="0"/>
+            <a:endParaRPr lang="en-US"/>
           </a:p>
         </p:txBody>
       </p:sp>
@@ -351,37 +335,38 @@
           <a:p>
             <a:pPr lvl="0"/>
             <a:r>
-              <a:rPr lang="en-US"/>
+              <a:rPr lang="en-US" smtClean="0"/>
               <a:t>Click to edit Master text styles</a:t>
             </a:r>
           </a:p>
           <a:p>
             <a:pPr lvl="1"/>
             <a:r>
-              <a:rPr lang="en-US"/>
+              <a:rPr lang="en-US" smtClean="0"/>
               <a:t>Second level</a:t>
             </a:r>
           </a:p>
           <a:p>
             <a:pPr lvl="2"/>
             <a:r>
-              <a:rPr lang="en-US"/>
+              <a:rPr lang="en-US" smtClean="0"/>
               <a:t>Third level</a:t>
             </a:r>
           </a:p>
           <a:p>
             <a:pPr lvl="3"/>
             <a:r>
-              <a:rPr lang="en-US"/>
+              <a:rPr lang="en-US" smtClean="0"/>
               <a:t>Fourth level</a:t>
             </a:r>
           </a:p>
           <a:p>
             <a:pPr lvl="4"/>
             <a:r>
-              <a:rPr lang="en-US"/>
+              <a:rPr lang="en-US" smtClean="0"/>
               <a:t>Fifth level</a:t>
             </a:r>
+            <a:endParaRPr lang="en-US"/>
           </a:p>
         </p:txBody>
       </p:sp>
@@ -412,7 +397,7 @@
             </a:lvl1pPr>
           </a:lstStyle>
           <a:p>
-            <a:endParaRPr lang="en-US" dirty="0"/>
+            <a:endParaRPr lang="en-US"/>
           </a:p>
         </p:txBody>
       </p:sp>
@@ -447,7 +432,7 @@
               <a:rPr lang="en-US" smtClean="0"/>
               <a:t>‹#›</a:t>
             </a:fld>
-            <a:endParaRPr lang="en-US" dirty="0"/>
+            <a:endParaRPr lang="en-US"/>
           </a:p>
         </p:txBody>
       </p:sp>
@@ -599,9 +584,10 @@
           <a:lstStyle/>
           <a:p>
             <a:r>
-              <a:rPr lang="en-US" dirty="0"/>
+              <a:rPr lang="en-US" dirty="0" smtClean="0"/>
               <a:t>Business Title Page</a:t>
             </a:r>
+            <a:endParaRPr lang="en-US" dirty="0"/>
           </a:p>
         </p:txBody>
       </p:sp>
@@ -663,7 +649,7 @@
           <p:cNvPr id="2" name="Title 1">
             <a:extLst>
               <a:ext uri="{FF2B5EF4-FFF2-40B4-BE49-F238E27FC236}">
-                <a16:creationId xmlns:a16="http://schemas.microsoft.com/office/drawing/2014/main" id="{C26A6E78-EADA-0877-E4E4-7A54410847BF}"/>
+                <a16:creationId xmlns:a16="http://schemas.microsoft.com/office/drawing/2014/main" xmlns="" id="{C26A6E78-EADA-0877-E4E4-7A54410847BF}"/>
               </a:ext>
             </a:extLst>
           </p:cNvPr>
@@ -700,7 +686,7 @@
           <p:cNvPr id="3" name="Subtitle 2">
             <a:extLst>
               <a:ext uri="{FF2B5EF4-FFF2-40B4-BE49-F238E27FC236}">
-                <a16:creationId xmlns:a16="http://schemas.microsoft.com/office/drawing/2014/main" id="{B98E5113-1D46-24A5-AAA2-B1068DD9B362}"/>
+                <a16:creationId xmlns:a16="http://schemas.microsoft.com/office/drawing/2014/main" xmlns="" id="{B98E5113-1D46-24A5-AAA2-B1068DD9B362}"/>
               </a:ext>
             </a:extLst>
           </p:cNvPr>
@@ -770,7 +756,7 @@
           <p:cNvPr id="4" name="Date Placeholder 3">
             <a:extLst>
               <a:ext uri="{FF2B5EF4-FFF2-40B4-BE49-F238E27FC236}">
-                <a16:creationId xmlns:a16="http://schemas.microsoft.com/office/drawing/2014/main" id="{9E5F5324-DEED-857D-5E57-C08FFE8F762E}"/>
+                <a16:creationId xmlns:a16="http://schemas.microsoft.com/office/drawing/2014/main" xmlns="" id="{9E5F5324-DEED-857D-5E57-C08FFE8F762E}"/>
               </a:ext>
             </a:extLst>
           </p:cNvPr>
@@ -788,9 +774,9 @@
           <a:p>
             <a:fld id="{D0854996-1FBB-4E33-95BB-317CB7872D99}" type="datetimeFigureOut">
               <a:rPr lang="en-US" smtClean="0"/>
-              <a:t>5/3/23</a:t>
+              <a:t>5/4/2023</a:t>
             </a:fld>
-            <a:endParaRPr lang="en-US" dirty="0"/>
+            <a:endParaRPr lang="en-US"/>
           </a:p>
         </p:txBody>
       </p:sp>
@@ -799,7 +785,7 @@
           <p:cNvPr id="5" name="Footer Placeholder 4">
             <a:extLst>
               <a:ext uri="{FF2B5EF4-FFF2-40B4-BE49-F238E27FC236}">
-                <a16:creationId xmlns:a16="http://schemas.microsoft.com/office/drawing/2014/main" id="{DD603586-51D6-A836-1376-6B23AA0F47B1}"/>
+                <a16:creationId xmlns:a16="http://schemas.microsoft.com/office/drawing/2014/main" xmlns="" id="{DD603586-51D6-A836-1376-6B23AA0F47B1}"/>
               </a:ext>
             </a:extLst>
           </p:cNvPr>
@@ -815,7 +801,7 @@
           <a:bodyPr/>
           <a:lstStyle/>
           <a:p>
-            <a:endParaRPr lang="en-US" dirty="0"/>
+            <a:endParaRPr lang="en-US"/>
           </a:p>
         </p:txBody>
       </p:sp>
@@ -824,7 +810,7 @@
           <p:cNvPr id="6" name="Slide Number Placeholder 5">
             <a:extLst>
               <a:ext uri="{FF2B5EF4-FFF2-40B4-BE49-F238E27FC236}">
-                <a16:creationId xmlns:a16="http://schemas.microsoft.com/office/drawing/2014/main" id="{32BC0964-58EB-59D0-9F0A-00F87C261FD6}"/>
+                <a16:creationId xmlns:a16="http://schemas.microsoft.com/office/drawing/2014/main" xmlns="" id="{32BC0964-58EB-59D0-9F0A-00F87C261FD6}"/>
               </a:ext>
             </a:extLst>
           </p:cNvPr>
@@ -844,7 +830,7 @@
               <a:rPr lang="en-US" smtClean="0"/>
               <a:t>‹#›</a:t>
             </a:fld>
-            <a:endParaRPr lang="en-US" dirty="0"/>
+            <a:endParaRPr lang="en-US"/>
           </a:p>
         </p:txBody>
       </p:sp>
@@ -883,7 +869,7 @@
           <p:cNvPr id="2" name="Title 1">
             <a:extLst>
               <a:ext uri="{FF2B5EF4-FFF2-40B4-BE49-F238E27FC236}">
-                <a16:creationId xmlns:a16="http://schemas.microsoft.com/office/drawing/2014/main" id="{B491F420-F134-26B6-2CD5-0F4CDF9910D9}"/>
+                <a16:creationId xmlns:a16="http://schemas.microsoft.com/office/drawing/2014/main" xmlns="" id="{B491F420-F134-26B6-2CD5-0F4CDF9910D9}"/>
               </a:ext>
             </a:extLst>
           </p:cNvPr>
@@ -911,7 +897,7 @@
           <p:cNvPr id="3" name="Vertical Text Placeholder 2">
             <a:extLst>
               <a:ext uri="{FF2B5EF4-FFF2-40B4-BE49-F238E27FC236}">
-                <a16:creationId xmlns:a16="http://schemas.microsoft.com/office/drawing/2014/main" id="{6FD508D2-D202-FD9B-1EE9-D097B163C3E9}"/>
+                <a16:creationId xmlns:a16="http://schemas.microsoft.com/office/drawing/2014/main" xmlns="" id="{6FD508D2-D202-FD9B-1EE9-D097B163C3E9}"/>
               </a:ext>
             </a:extLst>
           </p:cNvPr>
@@ -968,7 +954,7 @@
           <p:cNvPr id="4" name="Date Placeholder 3">
             <a:extLst>
               <a:ext uri="{FF2B5EF4-FFF2-40B4-BE49-F238E27FC236}">
-                <a16:creationId xmlns:a16="http://schemas.microsoft.com/office/drawing/2014/main" id="{6ACBC9A3-04FC-4E95-AA8F-E07E8EAA7F74}"/>
+                <a16:creationId xmlns:a16="http://schemas.microsoft.com/office/drawing/2014/main" xmlns="" id="{6ACBC9A3-04FC-4E95-AA8F-E07E8EAA7F74}"/>
               </a:ext>
             </a:extLst>
           </p:cNvPr>
@@ -986,9 +972,9 @@
           <a:p>
             <a:fld id="{D0854996-1FBB-4E33-95BB-317CB7872D99}" type="datetimeFigureOut">
               <a:rPr lang="en-US" smtClean="0"/>
-              <a:t>5/3/23</a:t>
+              <a:t>5/4/2023</a:t>
             </a:fld>
-            <a:endParaRPr lang="en-US" dirty="0"/>
+            <a:endParaRPr lang="en-US"/>
           </a:p>
         </p:txBody>
       </p:sp>
@@ -997,7 +983,7 @@
           <p:cNvPr id="5" name="Footer Placeholder 4">
             <a:extLst>
               <a:ext uri="{FF2B5EF4-FFF2-40B4-BE49-F238E27FC236}">
-                <a16:creationId xmlns:a16="http://schemas.microsoft.com/office/drawing/2014/main" id="{B280F340-C07D-C230-78A2-7894FBC4C7E5}"/>
+                <a16:creationId xmlns:a16="http://schemas.microsoft.com/office/drawing/2014/main" xmlns="" id="{B280F340-C07D-C230-78A2-7894FBC4C7E5}"/>
               </a:ext>
             </a:extLst>
           </p:cNvPr>
@@ -1013,7 +999,7 @@
           <a:bodyPr/>
           <a:lstStyle/>
           <a:p>
-            <a:endParaRPr lang="en-US" dirty="0"/>
+            <a:endParaRPr lang="en-US"/>
           </a:p>
         </p:txBody>
       </p:sp>
@@ -1022,7 +1008,7 @@
           <p:cNvPr id="6" name="Slide Number Placeholder 5">
             <a:extLst>
               <a:ext uri="{FF2B5EF4-FFF2-40B4-BE49-F238E27FC236}">
-                <a16:creationId xmlns:a16="http://schemas.microsoft.com/office/drawing/2014/main" id="{BEC89597-8A87-DF40-A148-C271BAF68DF7}"/>
+                <a16:creationId xmlns:a16="http://schemas.microsoft.com/office/drawing/2014/main" xmlns="" id="{BEC89597-8A87-DF40-A148-C271BAF68DF7}"/>
               </a:ext>
             </a:extLst>
           </p:cNvPr>
@@ -1042,7 +1028,7 @@
               <a:rPr lang="en-US" smtClean="0"/>
               <a:t>‹#›</a:t>
             </a:fld>
-            <a:endParaRPr lang="en-US" dirty="0"/>
+            <a:endParaRPr lang="en-US"/>
           </a:p>
         </p:txBody>
       </p:sp>
@@ -1081,7 +1067,7 @@
           <p:cNvPr id="2" name="Vertical Title 1">
             <a:extLst>
               <a:ext uri="{FF2B5EF4-FFF2-40B4-BE49-F238E27FC236}">
-                <a16:creationId xmlns:a16="http://schemas.microsoft.com/office/drawing/2014/main" id="{17D3CADE-FCBF-AD39-2A3A-A0759116FE96}"/>
+                <a16:creationId xmlns:a16="http://schemas.microsoft.com/office/drawing/2014/main" xmlns="" id="{17D3CADE-FCBF-AD39-2A3A-A0759116FE96}"/>
               </a:ext>
             </a:extLst>
           </p:cNvPr>
@@ -1114,7 +1100,7 @@
           <p:cNvPr id="3" name="Vertical Text Placeholder 2">
             <a:extLst>
               <a:ext uri="{FF2B5EF4-FFF2-40B4-BE49-F238E27FC236}">
-                <a16:creationId xmlns:a16="http://schemas.microsoft.com/office/drawing/2014/main" id="{8A6A0359-7757-03C6-41F0-42CDB1BC2D44}"/>
+                <a16:creationId xmlns:a16="http://schemas.microsoft.com/office/drawing/2014/main" xmlns="" id="{8A6A0359-7757-03C6-41F0-42CDB1BC2D44}"/>
               </a:ext>
             </a:extLst>
           </p:cNvPr>
@@ -1176,7 +1162,7 @@
           <p:cNvPr id="4" name="Date Placeholder 3">
             <a:extLst>
               <a:ext uri="{FF2B5EF4-FFF2-40B4-BE49-F238E27FC236}">
-                <a16:creationId xmlns:a16="http://schemas.microsoft.com/office/drawing/2014/main" id="{DA506DEA-BF6D-340D-84F9-C396AAED664C}"/>
+                <a16:creationId xmlns:a16="http://schemas.microsoft.com/office/drawing/2014/main" xmlns="" id="{DA506DEA-BF6D-340D-84F9-C396AAED664C}"/>
               </a:ext>
             </a:extLst>
           </p:cNvPr>
@@ -1194,9 +1180,9 @@
           <a:p>
             <a:fld id="{D0854996-1FBB-4E33-95BB-317CB7872D99}" type="datetimeFigureOut">
               <a:rPr lang="en-US" smtClean="0"/>
-              <a:t>5/3/23</a:t>
+              <a:t>5/4/2023</a:t>
             </a:fld>
-            <a:endParaRPr lang="en-US" dirty="0"/>
+            <a:endParaRPr lang="en-US"/>
           </a:p>
         </p:txBody>
       </p:sp>
@@ -1205,7 +1191,7 @@
           <p:cNvPr id="5" name="Footer Placeholder 4">
             <a:extLst>
               <a:ext uri="{FF2B5EF4-FFF2-40B4-BE49-F238E27FC236}">
-                <a16:creationId xmlns:a16="http://schemas.microsoft.com/office/drawing/2014/main" id="{723D2974-1B4C-82C2-030D-AEAF59955D18}"/>
+                <a16:creationId xmlns:a16="http://schemas.microsoft.com/office/drawing/2014/main" xmlns="" id="{723D2974-1B4C-82C2-030D-AEAF59955D18}"/>
               </a:ext>
             </a:extLst>
           </p:cNvPr>
@@ -1221,7 +1207,7 @@
           <a:bodyPr/>
           <a:lstStyle/>
           <a:p>
-            <a:endParaRPr lang="en-US" dirty="0"/>
+            <a:endParaRPr lang="en-US"/>
           </a:p>
         </p:txBody>
       </p:sp>
@@ -1230,7 +1216,7 @@
           <p:cNvPr id="6" name="Slide Number Placeholder 5">
             <a:extLst>
               <a:ext uri="{FF2B5EF4-FFF2-40B4-BE49-F238E27FC236}">
-                <a16:creationId xmlns:a16="http://schemas.microsoft.com/office/drawing/2014/main" id="{34A38BA7-7CA7-B7DF-27D7-109C9FB6DE37}"/>
+                <a16:creationId xmlns:a16="http://schemas.microsoft.com/office/drawing/2014/main" xmlns="" id="{34A38BA7-7CA7-B7DF-27D7-109C9FB6DE37}"/>
               </a:ext>
             </a:extLst>
           </p:cNvPr>
@@ -1250,7 +1236,7 @@
               <a:rPr lang="en-US" smtClean="0"/>
               <a:t>‹#›</a:t>
             </a:fld>
-            <a:endParaRPr lang="en-US" dirty="0"/>
+            <a:endParaRPr lang="en-US"/>
           </a:p>
         </p:txBody>
       </p:sp>
@@ -1289,7 +1275,7 @@
           <p:cNvPr id="2" name="Title 1">
             <a:extLst>
               <a:ext uri="{FF2B5EF4-FFF2-40B4-BE49-F238E27FC236}">
-                <a16:creationId xmlns:a16="http://schemas.microsoft.com/office/drawing/2014/main" id="{EA208DBE-C1CC-B7FB-EBE1-7990BA17E0AB}"/>
+                <a16:creationId xmlns:a16="http://schemas.microsoft.com/office/drawing/2014/main" xmlns="" id="{EA208DBE-C1CC-B7FB-EBE1-7990BA17E0AB}"/>
               </a:ext>
             </a:extLst>
           </p:cNvPr>
@@ -1317,7 +1303,7 @@
           <p:cNvPr id="3" name="Content Placeholder 2">
             <a:extLst>
               <a:ext uri="{FF2B5EF4-FFF2-40B4-BE49-F238E27FC236}">
-                <a16:creationId xmlns:a16="http://schemas.microsoft.com/office/drawing/2014/main" id="{80A22C23-BFC2-58C0-0D68-88937172D459}"/>
+                <a16:creationId xmlns:a16="http://schemas.microsoft.com/office/drawing/2014/main" xmlns="" id="{80A22C23-BFC2-58C0-0D68-88937172D459}"/>
               </a:ext>
             </a:extLst>
           </p:cNvPr>
@@ -1374,7 +1360,7 @@
           <p:cNvPr id="4" name="Date Placeholder 3">
             <a:extLst>
               <a:ext uri="{FF2B5EF4-FFF2-40B4-BE49-F238E27FC236}">
-                <a16:creationId xmlns:a16="http://schemas.microsoft.com/office/drawing/2014/main" id="{C7BF0553-7E38-2D36-F267-115A83C0CABE}"/>
+                <a16:creationId xmlns:a16="http://schemas.microsoft.com/office/drawing/2014/main" xmlns="" id="{C7BF0553-7E38-2D36-F267-115A83C0CABE}"/>
               </a:ext>
             </a:extLst>
           </p:cNvPr>
@@ -1392,9 +1378,9 @@
           <a:p>
             <a:fld id="{D0854996-1FBB-4E33-95BB-317CB7872D99}" type="datetimeFigureOut">
               <a:rPr lang="en-US" smtClean="0"/>
-              <a:t>5/3/23</a:t>
+              <a:t>5/4/2023</a:t>
             </a:fld>
-            <a:endParaRPr lang="en-US" dirty="0"/>
+            <a:endParaRPr lang="en-US"/>
           </a:p>
         </p:txBody>
       </p:sp>
@@ -1403,7 +1389,7 @@
           <p:cNvPr id="5" name="Footer Placeholder 4">
             <a:extLst>
               <a:ext uri="{FF2B5EF4-FFF2-40B4-BE49-F238E27FC236}">
-                <a16:creationId xmlns:a16="http://schemas.microsoft.com/office/drawing/2014/main" id="{D07898A0-9C5E-B5D6-DDB1-52BC9C29EF04}"/>
+                <a16:creationId xmlns:a16="http://schemas.microsoft.com/office/drawing/2014/main" xmlns="" id="{D07898A0-9C5E-B5D6-DDB1-52BC9C29EF04}"/>
               </a:ext>
             </a:extLst>
           </p:cNvPr>
@@ -1419,7 +1405,7 @@
           <a:bodyPr/>
           <a:lstStyle/>
           <a:p>
-            <a:endParaRPr lang="en-US" dirty="0"/>
+            <a:endParaRPr lang="en-US"/>
           </a:p>
         </p:txBody>
       </p:sp>
@@ -1428,7 +1414,7 @@
           <p:cNvPr id="6" name="Slide Number Placeholder 5">
             <a:extLst>
               <a:ext uri="{FF2B5EF4-FFF2-40B4-BE49-F238E27FC236}">
-                <a16:creationId xmlns:a16="http://schemas.microsoft.com/office/drawing/2014/main" id="{F6DD8C3F-C498-77DE-6EBA-8EB9D6BC8D93}"/>
+                <a16:creationId xmlns:a16="http://schemas.microsoft.com/office/drawing/2014/main" xmlns="" id="{F6DD8C3F-C498-77DE-6EBA-8EB9D6BC8D93}"/>
               </a:ext>
             </a:extLst>
           </p:cNvPr>
@@ -1448,7 +1434,7 @@
               <a:rPr lang="en-US" smtClean="0"/>
               <a:t>‹#›</a:t>
             </a:fld>
-            <a:endParaRPr lang="en-US" dirty="0"/>
+            <a:endParaRPr lang="en-US"/>
           </a:p>
         </p:txBody>
       </p:sp>
@@ -1487,7 +1473,7 @@
           <p:cNvPr id="2" name="Title 1">
             <a:extLst>
               <a:ext uri="{FF2B5EF4-FFF2-40B4-BE49-F238E27FC236}">
-                <a16:creationId xmlns:a16="http://schemas.microsoft.com/office/drawing/2014/main" id="{B6EE2795-D97C-7C26-9805-681F13B7BDF5}"/>
+                <a16:creationId xmlns:a16="http://schemas.microsoft.com/office/drawing/2014/main" xmlns="" id="{B6EE2795-D97C-7C26-9805-681F13B7BDF5}"/>
               </a:ext>
             </a:extLst>
           </p:cNvPr>
@@ -1524,7 +1510,7 @@
           <p:cNvPr id="3" name="Text Placeholder 2">
             <a:extLst>
               <a:ext uri="{FF2B5EF4-FFF2-40B4-BE49-F238E27FC236}">
-                <a16:creationId xmlns:a16="http://schemas.microsoft.com/office/drawing/2014/main" id="{79F5E2BB-21D5-3908-69DA-5FE2D3FAC4D6}"/>
+                <a16:creationId xmlns:a16="http://schemas.microsoft.com/office/drawing/2014/main" xmlns="" id="{79F5E2BB-21D5-3908-69DA-5FE2D3FAC4D6}"/>
               </a:ext>
             </a:extLst>
           </p:cNvPr>
@@ -1649,7 +1635,7 @@
           <p:cNvPr id="4" name="Date Placeholder 3">
             <a:extLst>
               <a:ext uri="{FF2B5EF4-FFF2-40B4-BE49-F238E27FC236}">
-                <a16:creationId xmlns:a16="http://schemas.microsoft.com/office/drawing/2014/main" id="{EB062665-D5D0-D7E8-A720-1C7EE892C45B}"/>
+                <a16:creationId xmlns:a16="http://schemas.microsoft.com/office/drawing/2014/main" xmlns="" id="{EB062665-D5D0-D7E8-A720-1C7EE892C45B}"/>
               </a:ext>
             </a:extLst>
           </p:cNvPr>
@@ -1667,9 +1653,9 @@
           <a:p>
             <a:fld id="{D0854996-1FBB-4E33-95BB-317CB7872D99}" type="datetimeFigureOut">
               <a:rPr lang="en-US" smtClean="0"/>
-              <a:t>5/3/23</a:t>
+              <a:t>5/4/2023</a:t>
             </a:fld>
-            <a:endParaRPr lang="en-US" dirty="0"/>
+            <a:endParaRPr lang="en-US"/>
           </a:p>
         </p:txBody>
       </p:sp>
@@ -1678,7 +1664,7 @@
           <p:cNvPr id="5" name="Footer Placeholder 4">
             <a:extLst>
               <a:ext uri="{FF2B5EF4-FFF2-40B4-BE49-F238E27FC236}">
-                <a16:creationId xmlns:a16="http://schemas.microsoft.com/office/drawing/2014/main" id="{03B29897-DB1A-5E0B-8C6C-93D82E772703}"/>
+                <a16:creationId xmlns:a16="http://schemas.microsoft.com/office/drawing/2014/main" xmlns="" id="{03B29897-DB1A-5E0B-8C6C-93D82E772703}"/>
               </a:ext>
             </a:extLst>
           </p:cNvPr>
@@ -1694,7 +1680,7 @@
           <a:bodyPr/>
           <a:lstStyle/>
           <a:p>
-            <a:endParaRPr lang="en-US" dirty="0"/>
+            <a:endParaRPr lang="en-US"/>
           </a:p>
         </p:txBody>
       </p:sp>
@@ -1703,7 +1689,7 @@
           <p:cNvPr id="6" name="Slide Number Placeholder 5">
             <a:extLst>
               <a:ext uri="{FF2B5EF4-FFF2-40B4-BE49-F238E27FC236}">
-                <a16:creationId xmlns:a16="http://schemas.microsoft.com/office/drawing/2014/main" id="{6D9AE3A4-3794-4A8F-E94B-5E3D41E7D58B}"/>
+                <a16:creationId xmlns:a16="http://schemas.microsoft.com/office/drawing/2014/main" xmlns="" id="{6D9AE3A4-3794-4A8F-E94B-5E3D41E7D58B}"/>
               </a:ext>
             </a:extLst>
           </p:cNvPr>
@@ -1723,7 +1709,7 @@
               <a:rPr lang="en-US" smtClean="0"/>
               <a:t>‹#›</a:t>
             </a:fld>
-            <a:endParaRPr lang="en-US" dirty="0"/>
+            <a:endParaRPr lang="en-US"/>
           </a:p>
         </p:txBody>
       </p:sp>
@@ -1762,7 +1748,7 @@
           <p:cNvPr id="2" name="Title 1">
             <a:extLst>
               <a:ext uri="{FF2B5EF4-FFF2-40B4-BE49-F238E27FC236}">
-                <a16:creationId xmlns:a16="http://schemas.microsoft.com/office/drawing/2014/main" id="{437FADD9-0D37-31D3-3762-2A4555C01562}"/>
+                <a16:creationId xmlns:a16="http://schemas.microsoft.com/office/drawing/2014/main" xmlns="" id="{437FADD9-0D37-31D3-3762-2A4555C01562}"/>
               </a:ext>
             </a:extLst>
           </p:cNvPr>
@@ -1790,7 +1776,7 @@
           <p:cNvPr id="3" name="Content Placeholder 2">
             <a:extLst>
               <a:ext uri="{FF2B5EF4-FFF2-40B4-BE49-F238E27FC236}">
-                <a16:creationId xmlns:a16="http://schemas.microsoft.com/office/drawing/2014/main" id="{4FE2A18B-5FDD-78ED-B903-7C6EFB474D15}"/>
+                <a16:creationId xmlns:a16="http://schemas.microsoft.com/office/drawing/2014/main" xmlns="" id="{4FE2A18B-5FDD-78ED-B903-7C6EFB474D15}"/>
               </a:ext>
             </a:extLst>
           </p:cNvPr>
@@ -1852,7 +1838,7 @@
           <p:cNvPr id="4" name="Content Placeholder 3">
             <a:extLst>
               <a:ext uri="{FF2B5EF4-FFF2-40B4-BE49-F238E27FC236}">
-                <a16:creationId xmlns:a16="http://schemas.microsoft.com/office/drawing/2014/main" id="{2322C815-ED44-0DD4-A7D1-05F6FDD919A4}"/>
+                <a16:creationId xmlns:a16="http://schemas.microsoft.com/office/drawing/2014/main" xmlns="" id="{2322C815-ED44-0DD4-A7D1-05F6FDD919A4}"/>
               </a:ext>
             </a:extLst>
           </p:cNvPr>
@@ -1914,7 +1900,7 @@
           <p:cNvPr id="5" name="Date Placeholder 4">
             <a:extLst>
               <a:ext uri="{FF2B5EF4-FFF2-40B4-BE49-F238E27FC236}">
-                <a16:creationId xmlns:a16="http://schemas.microsoft.com/office/drawing/2014/main" id="{B6862A28-53DE-3FFA-10DC-557A16CB9FA1}"/>
+                <a16:creationId xmlns:a16="http://schemas.microsoft.com/office/drawing/2014/main" xmlns="" id="{B6862A28-53DE-3FFA-10DC-557A16CB9FA1}"/>
               </a:ext>
             </a:extLst>
           </p:cNvPr>
@@ -1932,9 +1918,9 @@
           <a:p>
             <a:fld id="{D0854996-1FBB-4E33-95BB-317CB7872D99}" type="datetimeFigureOut">
               <a:rPr lang="en-US" smtClean="0"/>
-              <a:t>5/3/23</a:t>
+              <a:t>5/4/2023</a:t>
             </a:fld>
-            <a:endParaRPr lang="en-US" dirty="0"/>
+            <a:endParaRPr lang="en-US"/>
           </a:p>
         </p:txBody>
       </p:sp>
@@ -1943,7 +1929,7 @@
           <p:cNvPr id="6" name="Footer Placeholder 5">
             <a:extLst>
               <a:ext uri="{FF2B5EF4-FFF2-40B4-BE49-F238E27FC236}">
-                <a16:creationId xmlns:a16="http://schemas.microsoft.com/office/drawing/2014/main" id="{D9117D43-02A1-4AB2-C5EE-082AF7DCC9B9}"/>
+                <a16:creationId xmlns:a16="http://schemas.microsoft.com/office/drawing/2014/main" xmlns="" id="{D9117D43-02A1-4AB2-C5EE-082AF7DCC9B9}"/>
               </a:ext>
             </a:extLst>
           </p:cNvPr>
@@ -1959,7 +1945,7 @@
           <a:bodyPr/>
           <a:lstStyle/>
           <a:p>
-            <a:endParaRPr lang="en-US" dirty="0"/>
+            <a:endParaRPr lang="en-US"/>
           </a:p>
         </p:txBody>
       </p:sp>
@@ -1968,7 +1954,7 @@
           <p:cNvPr id="7" name="Slide Number Placeholder 6">
             <a:extLst>
               <a:ext uri="{FF2B5EF4-FFF2-40B4-BE49-F238E27FC236}">
-                <a16:creationId xmlns:a16="http://schemas.microsoft.com/office/drawing/2014/main" id="{6843E39E-286D-B8E2-0801-760CB25C878F}"/>
+                <a16:creationId xmlns:a16="http://schemas.microsoft.com/office/drawing/2014/main" xmlns="" id="{6843E39E-286D-B8E2-0801-760CB25C878F}"/>
               </a:ext>
             </a:extLst>
           </p:cNvPr>
@@ -1988,7 +1974,7 @@
               <a:rPr lang="en-US" smtClean="0"/>
               <a:t>‹#›</a:t>
             </a:fld>
-            <a:endParaRPr lang="en-US" dirty="0"/>
+            <a:endParaRPr lang="en-US"/>
           </a:p>
         </p:txBody>
       </p:sp>
@@ -2027,7 +2013,7 @@
           <p:cNvPr id="2" name="Title 1">
             <a:extLst>
               <a:ext uri="{FF2B5EF4-FFF2-40B4-BE49-F238E27FC236}">
-                <a16:creationId xmlns:a16="http://schemas.microsoft.com/office/drawing/2014/main" id="{8E18856C-5621-1D14-2E16-B6A5ADF4A6A1}"/>
+                <a16:creationId xmlns:a16="http://schemas.microsoft.com/office/drawing/2014/main" xmlns="" id="{8E18856C-5621-1D14-2E16-B6A5ADF4A6A1}"/>
               </a:ext>
             </a:extLst>
           </p:cNvPr>
@@ -2060,7 +2046,7 @@
           <p:cNvPr id="3" name="Text Placeholder 2">
             <a:extLst>
               <a:ext uri="{FF2B5EF4-FFF2-40B4-BE49-F238E27FC236}">
-                <a16:creationId xmlns:a16="http://schemas.microsoft.com/office/drawing/2014/main" id="{10939CFD-1387-ED03-A9C3-4F1C2E5DDB86}"/>
+                <a16:creationId xmlns:a16="http://schemas.microsoft.com/office/drawing/2014/main" xmlns="" id="{10939CFD-1387-ED03-A9C3-4F1C2E5DDB86}"/>
               </a:ext>
             </a:extLst>
           </p:cNvPr>
@@ -2131,7 +2117,7 @@
           <p:cNvPr id="4" name="Content Placeholder 3">
             <a:extLst>
               <a:ext uri="{FF2B5EF4-FFF2-40B4-BE49-F238E27FC236}">
-                <a16:creationId xmlns:a16="http://schemas.microsoft.com/office/drawing/2014/main" id="{CDD0D842-7521-DABF-523C-530EB07786AB}"/>
+                <a16:creationId xmlns:a16="http://schemas.microsoft.com/office/drawing/2014/main" xmlns="" id="{CDD0D842-7521-DABF-523C-530EB07786AB}"/>
               </a:ext>
             </a:extLst>
           </p:cNvPr>
@@ -2193,7 +2179,7 @@
           <p:cNvPr id="5" name="Text Placeholder 4">
             <a:extLst>
               <a:ext uri="{FF2B5EF4-FFF2-40B4-BE49-F238E27FC236}">
-                <a16:creationId xmlns:a16="http://schemas.microsoft.com/office/drawing/2014/main" id="{D2946555-4F1C-262A-D3EE-C38D8F57C1AB}"/>
+                <a16:creationId xmlns:a16="http://schemas.microsoft.com/office/drawing/2014/main" xmlns="" id="{D2946555-4F1C-262A-D3EE-C38D8F57C1AB}"/>
               </a:ext>
             </a:extLst>
           </p:cNvPr>
@@ -2264,7 +2250,7 @@
           <p:cNvPr id="6" name="Content Placeholder 5">
             <a:extLst>
               <a:ext uri="{FF2B5EF4-FFF2-40B4-BE49-F238E27FC236}">
-                <a16:creationId xmlns:a16="http://schemas.microsoft.com/office/drawing/2014/main" id="{CAF1A528-2FBD-1F79-A495-C46F13769C59}"/>
+                <a16:creationId xmlns:a16="http://schemas.microsoft.com/office/drawing/2014/main" xmlns="" id="{CAF1A528-2FBD-1F79-A495-C46F13769C59}"/>
               </a:ext>
             </a:extLst>
           </p:cNvPr>
@@ -2326,7 +2312,7 @@
           <p:cNvPr id="7" name="Date Placeholder 6">
             <a:extLst>
               <a:ext uri="{FF2B5EF4-FFF2-40B4-BE49-F238E27FC236}">
-                <a16:creationId xmlns:a16="http://schemas.microsoft.com/office/drawing/2014/main" id="{2778BE5C-04EF-E6BD-0717-37F872FF16C3}"/>
+                <a16:creationId xmlns:a16="http://schemas.microsoft.com/office/drawing/2014/main" xmlns="" id="{2778BE5C-04EF-E6BD-0717-37F872FF16C3}"/>
               </a:ext>
             </a:extLst>
           </p:cNvPr>
@@ -2344,9 +2330,9 @@
           <a:p>
             <a:fld id="{D0854996-1FBB-4E33-95BB-317CB7872D99}" type="datetimeFigureOut">
               <a:rPr lang="en-US" smtClean="0"/>
-              <a:t>5/3/23</a:t>
+              <a:t>5/4/2023</a:t>
             </a:fld>
-            <a:endParaRPr lang="en-US" dirty="0"/>
+            <a:endParaRPr lang="en-US"/>
           </a:p>
         </p:txBody>
       </p:sp>
@@ -2355,7 +2341,7 @@
           <p:cNvPr id="8" name="Footer Placeholder 7">
             <a:extLst>
               <a:ext uri="{FF2B5EF4-FFF2-40B4-BE49-F238E27FC236}">
-                <a16:creationId xmlns:a16="http://schemas.microsoft.com/office/drawing/2014/main" id="{38A96267-3810-CB64-D205-372FA67F7A09}"/>
+                <a16:creationId xmlns:a16="http://schemas.microsoft.com/office/drawing/2014/main" xmlns="" id="{38A96267-3810-CB64-D205-372FA67F7A09}"/>
               </a:ext>
             </a:extLst>
           </p:cNvPr>
@@ -2371,7 +2357,7 @@
           <a:bodyPr/>
           <a:lstStyle/>
           <a:p>
-            <a:endParaRPr lang="en-US" dirty="0"/>
+            <a:endParaRPr lang="en-US"/>
           </a:p>
         </p:txBody>
       </p:sp>
@@ -2380,7 +2366,7 @@
           <p:cNvPr id="9" name="Slide Number Placeholder 8">
             <a:extLst>
               <a:ext uri="{FF2B5EF4-FFF2-40B4-BE49-F238E27FC236}">
-                <a16:creationId xmlns:a16="http://schemas.microsoft.com/office/drawing/2014/main" id="{0D3B3BA1-2C34-F5D6-87F6-7B3B41E87C3F}"/>
+                <a16:creationId xmlns:a16="http://schemas.microsoft.com/office/drawing/2014/main" xmlns="" id="{0D3B3BA1-2C34-F5D6-87F6-7B3B41E87C3F}"/>
               </a:ext>
             </a:extLst>
           </p:cNvPr>
@@ -2400,7 +2386,7 @@
               <a:rPr lang="en-US" smtClean="0"/>
               <a:t>‹#›</a:t>
             </a:fld>
-            <a:endParaRPr lang="en-US" dirty="0"/>
+            <a:endParaRPr lang="en-US"/>
           </a:p>
         </p:txBody>
       </p:sp>
@@ -2439,7 +2425,7 @@
           <p:cNvPr id="2" name="Title 1">
             <a:extLst>
               <a:ext uri="{FF2B5EF4-FFF2-40B4-BE49-F238E27FC236}">
-                <a16:creationId xmlns:a16="http://schemas.microsoft.com/office/drawing/2014/main" id="{2BD0AAD7-06E9-6B86-C224-A84B16BC092F}"/>
+                <a16:creationId xmlns:a16="http://schemas.microsoft.com/office/drawing/2014/main" xmlns="" id="{2BD0AAD7-06E9-6B86-C224-A84B16BC092F}"/>
               </a:ext>
             </a:extLst>
           </p:cNvPr>
@@ -2467,7 +2453,7 @@
           <p:cNvPr id="3" name="Date Placeholder 2">
             <a:extLst>
               <a:ext uri="{FF2B5EF4-FFF2-40B4-BE49-F238E27FC236}">
-                <a16:creationId xmlns:a16="http://schemas.microsoft.com/office/drawing/2014/main" id="{85A9E503-8771-838F-5AAC-893EC50231D1}"/>
+                <a16:creationId xmlns:a16="http://schemas.microsoft.com/office/drawing/2014/main" xmlns="" id="{85A9E503-8771-838F-5AAC-893EC50231D1}"/>
               </a:ext>
             </a:extLst>
           </p:cNvPr>
@@ -2485,9 +2471,9 @@
           <a:p>
             <a:fld id="{D0854996-1FBB-4E33-95BB-317CB7872D99}" type="datetimeFigureOut">
               <a:rPr lang="en-US" smtClean="0"/>
-              <a:t>5/3/23</a:t>
+              <a:t>5/4/2023</a:t>
             </a:fld>
-            <a:endParaRPr lang="en-US" dirty="0"/>
+            <a:endParaRPr lang="en-US"/>
           </a:p>
         </p:txBody>
       </p:sp>
@@ -2496,7 +2482,7 @@
           <p:cNvPr id="4" name="Footer Placeholder 3">
             <a:extLst>
               <a:ext uri="{FF2B5EF4-FFF2-40B4-BE49-F238E27FC236}">
-                <a16:creationId xmlns:a16="http://schemas.microsoft.com/office/drawing/2014/main" id="{E473AE5A-85B9-E0C6-35EE-05D7579BFEBE}"/>
+                <a16:creationId xmlns:a16="http://schemas.microsoft.com/office/drawing/2014/main" xmlns="" id="{E473AE5A-85B9-E0C6-35EE-05D7579BFEBE}"/>
               </a:ext>
             </a:extLst>
           </p:cNvPr>
@@ -2512,7 +2498,7 @@
           <a:bodyPr/>
           <a:lstStyle/>
           <a:p>
-            <a:endParaRPr lang="en-US" dirty="0"/>
+            <a:endParaRPr lang="en-US"/>
           </a:p>
         </p:txBody>
       </p:sp>
@@ -2521,7 +2507,7 @@
           <p:cNvPr id="5" name="Slide Number Placeholder 4">
             <a:extLst>
               <a:ext uri="{FF2B5EF4-FFF2-40B4-BE49-F238E27FC236}">
-                <a16:creationId xmlns:a16="http://schemas.microsoft.com/office/drawing/2014/main" id="{02088C77-B791-6EC6-3382-1FDFD09DA7B1}"/>
+                <a16:creationId xmlns:a16="http://schemas.microsoft.com/office/drawing/2014/main" xmlns="" id="{02088C77-B791-6EC6-3382-1FDFD09DA7B1}"/>
               </a:ext>
             </a:extLst>
           </p:cNvPr>
@@ -2541,7 +2527,7 @@
               <a:rPr lang="en-US" smtClean="0"/>
               <a:t>‹#›</a:t>
             </a:fld>
-            <a:endParaRPr lang="en-US" dirty="0"/>
+            <a:endParaRPr lang="en-US"/>
           </a:p>
         </p:txBody>
       </p:sp>
@@ -2580,7 +2566,7 @@
           <p:cNvPr id="2" name="Date Placeholder 1">
             <a:extLst>
               <a:ext uri="{FF2B5EF4-FFF2-40B4-BE49-F238E27FC236}">
-                <a16:creationId xmlns:a16="http://schemas.microsoft.com/office/drawing/2014/main" id="{53F38818-2B01-FB61-F1D0-B3CFD45CE39C}"/>
+                <a16:creationId xmlns:a16="http://schemas.microsoft.com/office/drawing/2014/main" xmlns="" id="{53F38818-2B01-FB61-F1D0-B3CFD45CE39C}"/>
               </a:ext>
             </a:extLst>
           </p:cNvPr>
@@ -2598,9 +2584,9 @@
           <a:p>
             <a:fld id="{D0854996-1FBB-4E33-95BB-317CB7872D99}" type="datetimeFigureOut">
               <a:rPr lang="en-US" smtClean="0"/>
-              <a:t>5/3/23</a:t>
+              <a:t>5/4/2023</a:t>
             </a:fld>
-            <a:endParaRPr lang="en-US" dirty="0"/>
+            <a:endParaRPr lang="en-US"/>
           </a:p>
         </p:txBody>
       </p:sp>
@@ -2609,7 +2595,7 @@
           <p:cNvPr id="3" name="Footer Placeholder 2">
             <a:extLst>
               <a:ext uri="{FF2B5EF4-FFF2-40B4-BE49-F238E27FC236}">
-                <a16:creationId xmlns:a16="http://schemas.microsoft.com/office/drawing/2014/main" id="{2455AFB9-0F6F-1646-E3F9-164927FE5C3E}"/>
+                <a16:creationId xmlns:a16="http://schemas.microsoft.com/office/drawing/2014/main" xmlns="" id="{2455AFB9-0F6F-1646-E3F9-164927FE5C3E}"/>
               </a:ext>
             </a:extLst>
           </p:cNvPr>
@@ -2625,7 +2611,7 @@
           <a:bodyPr/>
           <a:lstStyle/>
           <a:p>
-            <a:endParaRPr lang="en-US" dirty="0"/>
+            <a:endParaRPr lang="en-US"/>
           </a:p>
         </p:txBody>
       </p:sp>
@@ -2634,7 +2620,7 @@
           <p:cNvPr id="4" name="Slide Number Placeholder 3">
             <a:extLst>
               <a:ext uri="{FF2B5EF4-FFF2-40B4-BE49-F238E27FC236}">
-                <a16:creationId xmlns:a16="http://schemas.microsoft.com/office/drawing/2014/main" id="{9668AD29-83CB-DCB3-07F7-E8FBC7A6037F}"/>
+                <a16:creationId xmlns:a16="http://schemas.microsoft.com/office/drawing/2014/main" xmlns="" id="{9668AD29-83CB-DCB3-07F7-E8FBC7A6037F}"/>
               </a:ext>
             </a:extLst>
           </p:cNvPr>
@@ -2654,7 +2640,7 @@
               <a:rPr lang="en-US" smtClean="0"/>
               <a:t>‹#›</a:t>
             </a:fld>
-            <a:endParaRPr lang="en-US" dirty="0"/>
+            <a:endParaRPr lang="en-US"/>
           </a:p>
         </p:txBody>
       </p:sp>
@@ -2693,7 +2679,7 @@
           <p:cNvPr id="2" name="Title 1">
             <a:extLst>
               <a:ext uri="{FF2B5EF4-FFF2-40B4-BE49-F238E27FC236}">
-                <a16:creationId xmlns:a16="http://schemas.microsoft.com/office/drawing/2014/main" id="{D7DC9D5E-27B8-AD9A-2659-5932A57F3DB5}"/>
+                <a16:creationId xmlns:a16="http://schemas.microsoft.com/office/drawing/2014/main" xmlns="" id="{D7DC9D5E-27B8-AD9A-2659-5932A57F3DB5}"/>
               </a:ext>
             </a:extLst>
           </p:cNvPr>
@@ -2730,7 +2716,7 @@
           <p:cNvPr id="3" name="Content Placeholder 2">
             <a:extLst>
               <a:ext uri="{FF2B5EF4-FFF2-40B4-BE49-F238E27FC236}">
-                <a16:creationId xmlns:a16="http://schemas.microsoft.com/office/drawing/2014/main" id="{30923FB5-E2BF-A4B2-A2D0-A00A3D1898BC}"/>
+                <a16:creationId xmlns:a16="http://schemas.microsoft.com/office/drawing/2014/main" xmlns="" id="{30923FB5-E2BF-A4B2-A2D0-A00A3D1898BC}"/>
               </a:ext>
             </a:extLst>
           </p:cNvPr>
@@ -2820,7 +2806,7 @@
           <p:cNvPr id="4" name="Text Placeholder 3">
             <a:extLst>
               <a:ext uri="{FF2B5EF4-FFF2-40B4-BE49-F238E27FC236}">
-                <a16:creationId xmlns:a16="http://schemas.microsoft.com/office/drawing/2014/main" id="{C893FAE0-A790-3272-ED87-714BF6202D63}"/>
+                <a16:creationId xmlns:a16="http://schemas.microsoft.com/office/drawing/2014/main" xmlns="" id="{C893FAE0-A790-3272-ED87-714BF6202D63}"/>
               </a:ext>
             </a:extLst>
           </p:cNvPr>
@@ -2891,7 +2877,7 @@
           <p:cNvPr id="5" name="Date Placeholder 4">
             <a:extLst>
               <a:ext uri="{FF2B5EF4-FFF2-40B4-BE49-F238E27FC236}">
-                <a16:creationId xmlns:a16="http://schemas.microsoft.com/office/drawing/2014/main" id="{B81C0A93-0475-6608-27DF-CFCC73458A8F}"/>
+                <a16:creationId xmlns:a16="http://schemas.microsoft.com/office/drawing/2014/main" xmlns="" id="{B81C0A93-0475-6608-27DF-CFCC73458A8F}"/>
               </a:ext>
             </a:extLst>
           </p:cNvPr>
@@ -2909,9 +2895,9 @@
           <a:p>
             <a:fld id="{D0854996-1FBB-4E33-95BB-317CB7872D99}" type="datetimeFigureOut">
               <a:rPr lang="en-US" smtClean="0"/>
-              <a:t>5/3/23</a:t>
+              <a:t>5/4/2023</a:t>
             </a:fld>
-            <a:endParaRPr lang="en-US" dirty="0"/>
+            <a:endParaRPr lang="en-US"/>
           </a:p>
         </p:txBody>
       </p:sp>
@@ -2920,7 +2906,7 @@
           <p:cNvPr id="6" name="Footer Placeholder 5">
             <a:extLst>
               <a:ext uri="{FF2B5EF4-FFF2-40B4-BE49-F238E27FC236}">
-                <a16:creationId xmlns:a16="http://schemas.microsoft.com/office/drawing/2014/main" id="{B04A9B06-1F86-EEF8-8473-D61924456931}"/>
+                <a16:creationId xmlns:a16="http://schemas.microsoft.com/office/drawing/2014/main" xmlns="" id="{B04A9B06-1F86-EEF8-8473-D61924456931}"/>
               </a:ext>
             </a:extLst>
           </p:cNvPr>
@@ -2936,7 +2922,7 @@
           <a:bodyPr/>
           <a:lstStyle/>
           <a:p>
-            <a:endParaRPr lang="en-US" dirty="0"/>
+            <a:endParaRPr lang="en-US"/>
           </a:p>
         </p:txBody>
       </p:sp>
@@ -2945,7 +2931,7 @@
           <p:cNvPr id="7" name="Slide Number Placeholder 6">
             <a:extLst>
               <a:ext uri="{FF2B5EF4-FFF2-40B4-BE49-F238E27FC236}">
-                <a16:creationId xmlns:a16="http://schemas.microsoft.com/office/drawing/2014/main" id="{6173C552-D150-C781-6D84-17DA2BBF1656}"/>
+                <a16:creationId xmlns:a16="http://schemas.microsoft.com/office/drawing/2014/main" xmlns="" id="{6173C552-D150-C781-6D84-17DA2BBF1656}"/>
               </a:ext>
             </a:extLst>
           </p:cNvPr>
@@ -2965,7 +2951,7 @@
               <a:rPr lang="en-US" smtClean="0"/>
               <a:t>‹#›</a:t>
             </a:fld>
-            <a:endParaRPr lang="en-US" dirty="0"/>
+            <a:endParaRPr lang="en-US"/>
           </a:p>
         </p:txBody>
       </p:sp>
@@ -3004,7 +2990,7 @@
           <p:cNvPr id="2" name="Title 1">
             <a:extLst>
               <a:ext uri="{FF2B5EF4-FFF2-40B4-BE49-F238E27FC236}">
-                <a16:creationId xmlns:a16="http://schemas.microsoft.com/office/drawing/2014/main" id="{86A723BF-75CB-BA9C-52EC-1BAAA2273C37}"/>
+                <a16:creationId xmlns:a16="http://schemas.microsoft.com/office/drawing/2014/main" xmlns="" id="{86A723BF-75CB-BA9C-52EC-1BAAA2273C37}"/>
               </a:ext>
             </a:extLst>
           </p:cNvPr>
@@ -3041,7 +3027,7 @@
           <p:cNvPr id="3" name="Picture Placeholder 2">
             <a:extLst>
               <a:ext uri="{FF2B5EF4-FFF2-40B4-BE49-F238E27FC236}">
-                <a16:creationId xmlns:a16="http://schemas.microsoft.com/office/drawing/2014/main" id="{D7342387-DCA6-0EBE-87AD-F51858ADD85C}"/>
+                <a16:creationId xmlns:a16="http://schemas.microsoft.com/office/drawing/2014/main" xmlns="" id="{D7342387-DCA6-0EBE-87AD-F51858ADD85C}"/>
               </a:ext>
             </a:extLst>
           </p:cNvPr>
@@ -3099,7 +3085,7 @@
             </a:lvl9pPr>
           </a:lstStyle>
           <a:p>
-            <a:endParaRPr lang="en-US" dirty="0"/>
+            <a:endParaRPr lang="en-US"/>
           </a:p>
         </p:txBody>
       </p:sp>
@@ -3108,7 +3094,7 @@
           <p:cNvPr id="4" name="Text Placeholder 3">
             <a:extLst>
               <a:ext uri="{FF2B5EF4-FFF2-40B4-BE49-F238E27FC236}">
-                <a16:creationId xmlns:a16="http://schemas.microsoft.com/office/drawing/2014/main" id="{4914F6DB-85BF-D03D-EE41-A7B0601C1B49}"/>
+                <a16:creationId xmlns:a16="http://schemas.microsoft.com/office/drawing/2014/main" xmlns="" id="{4914F6DB-85BF-D03D-EE41-A7B0601C1B49}"/>
               </a:ext>
             </a:extLst>
           </p:cNvPr>
@@ -3179,7 +3165,7 @@
           <p:cNvPr id="5" name="Date Placeholder 4">
             <a:extLst>
               <a:ext uri="{FF2B5EF4-FFF2-40B4-BE49-F238E27FC236}">
-                <a16:creationId xmlns:a16="http://schemas.microsoft.com/office/drawing/2014/main" id="{EFF8CA06-1788-C8CE-9527-09F3A79C0B43}"/>
+                <a16:creationId xmlns:a16="http://schemas.microsoft.com/office/drawing/2014/main" xmlns="" id="{EFF8CA06-1788-C8CE-9527-09F3A79C0B43}"/>
               </a:ext>
             </a:extLst>
           </p:cNvPr>
@@ -3197,9 +3183,9 @@
           <a:p>
             <a:fld id="{D0854996-1FBB-4E33-95BB-317CB7872D99}" type="datetimeFigureOut">
               <a:rPr lang="en-US" smtClean="0"/>
-              <a:t>5/3/23</a:t>
+              <a:t>5/4/2023</a:t>
             </a:fld>
-            <a:endParaRPr lang="en-US" dirty="0"/>
+            <a:endParaRPr lang="en-US"/>
           </a:p>
         </p:txBody>
       </p:sp>
@@ -3208,7 +3194,7 @@
           <p:cNvPr id="6" name="Footer Placeholder 5">
             <a:extLst>
               <a:ext uri="{FF2B5EF4-FFF2-40B4-BE49-F238E27FC236}">
-                <a16:creationId xmlns:a16="http://schemas.microsoft.com/office/drawing/2014/main" id="{637E81F4-FE36-EC6A-644C-8B7717C70BB1}"/>
+                <a16:creationId xmlns:a16="http://schemas.microsoft.com/office/drawing/2014/main" xmlns="" id="{637E81F4-FE36-EC6A-644C-8B7717C70BB1}"/>
               </a:ext>
             </a:extLst>
           </p:cNvPr>
@@ -3224,7 +3210,7 @@
           <a:bodyPr/>
           <a:lstStyle/>
           <a:p>
-            <a:endParaRPr lang="en-US" dirty="0"/>
+            <a:endParaRPr lang="en-US"/>
           </a:p>
         </p:txBody>
       </p:sp>
@@ -3233,7 +3219,7 @@
           <p:cNvPr id="7" name="Slide Number Placeholder 6">
             <a:extLst>
               <a:ext uri="{FF2B5EF4-FFF2-40B4-BE49-F238E27FC236}">
-                <a16:creationId xmlns:a16="http://schemas.microsoft.com/office/drawing/2014/main" id="{CD942980-D98D-3100-036C-E95E52FEB56D}"/>
+                <a16:creationId xmlns:a16="http://schemas.microsoft.com/office/drawing/2014/main" xmlns="" id="{CD942980-D98D-3100-036C-E95E52FEB56D}"/>
               </a:ext>
             </a:extLst>
           </p:cNvPr>
@@ -3253,7 +3239,7 @@
               <a:rPr lang="en-US" smtClean="0"/>
               <a:t>‹#›</a:t>
             </a:fld>
-            <a:endParaRPr lang="en-US" dirty="0"/>
+            <a:endParaRPr lang="en-US"/>
           </a:p>
         </p:txBody>
       </p:sp>
@@ -3297,7 +3283,7 @@
           <p:cNvPr id="2" name="Title Placeholder 1">
             <a:extLst>
               <a:ext uri="{FF2B5EF4-FFF2-40B4-BE49-F238E27FC236}">
-                <a16:creationId xmlns:a16="http://schemas.microsoft.com/office/drawing/2014/main" id="{D2A0DF5A-3A69-A5EC-E167-4D8338DCD260}"/>
+                <a16:creationId xmlns:a16="http://schemas.microsoft.com/office/drawing/2014/main" xmlns="" id="{D2A0DF5A-3A69-A5EC-E167-4D8338DCD260}"/>
               </a:ext>
             </a:extLst>
           </p:cNvPr>
@@ -3335,7 +3321,7 @@
           <p:cNvPr id="3" name="Text Placeholder 2">
             <a:extLst>
               <a:ext uri="{FF2B5EF4-FFF2-40B4-BE49-F238E27FC236}">
-                <a16:creationId xmlns:a16="http://schemas.microsoft.com/office/drawing/2014/main" id="{D6C72EDA-195E-D008-9012-693195B751A6}"/>
+                <a16:creationId xmlns:a16="http://schemas.microsoft.com/office/drawing/2014/main" xmlns="" id="{D6C72EDA-195E-D008-9012-693195B751A6}"/>
               </a:ext>
             </a:extLst>
           </p:cNvPr>
@@ -3402,7 +3388,7 @@
           <p:cNvPr id="4" name="Date Placeholder 3">
             <a:extLst>
               <a:ext uri="{FF2B5EF4-FFF2-40B4-BE49-F238E27FC236}">
-                <a16:creationId xmlns:a16="http://schemas.microsoft.com/office/drawing/2014/main" id="{B4F781D0-7BBD-6ACD-E311-BBECA04468ED}"/>
+                <a16:creationId xmlns:a16="http://schemas.microsoft.com/office/drawing/2014/main" xmlns="" id="{B4F781D0-7BBD-6ACD-E311-BBECA04468ED}"/>
               </a:ext>
             </a:extLst>
           </p:cNvPr>
@@ -3438,9 +3424,9 @@
           <a:p>
             <a:fld id="{D0854996-1FBB-4E33-95BB-317CB7872D99}" type="datetimeFigureOut">
               <a:rPr lang="en-US" smtClean="0"/>
-              <a:t>5/3/23</a:t>
+              <a:t>5/4/2023</a:t>
             </a:fld>
-            <a:endParaRPr lang="en-US" dirty="0"/>
+            <a:endParaRPr lang="en-US"/>
           </a:p>
         </p:txBody>
       </p:sp>
@@ -3449,7 +3435,7 @@
           <p:cNvPr id="5" name="Footer Placeholder 4">
             <a:extLst>
               <a:ext uri="{FF2B5EF4-FFF2-40B4-BE49-F238E27FC236}">
-                <a16:creationId xmlns:a16="http://schemas.microsoft.com/office/drawing/2014/main" id="{02469B86-7943-5512-14B4-A5099AFAEED6}"/>
+                <a16:creationId xmlns:a16="http://schemas.microsoft.com/office/drawing/2014/main" xmlns="" id="{02469B86-7943-5512-14B4-A5099AFAEED6}"/>
               </a:ext>
             </a:extLst>
           </p:cNvPr>
@@ -3483,7 +3469,7 @@
             </a:lvl1pPr>
           </a:lstStyle>
           <a:p>
-            <a:endParaRPr lang="en-US" dirty="0"/>
+            <a:endParaRPr lang="en-US"/>
           </a:p>
         </p:txBody>
       </p:sp>
@@ -3492,7 +3478,7 @@
           <p:cNvPr id="6" name="Slide Number Placeholder 5">
             <a:extLst>
               <a:ext uri="{FF2B5EF4-FFF2-40B4-BE49-F238E27FC236}">
-                <a16:creationId xmlns:a16="http://schemas.microsoft.com/office/drawing/2014/main" id="{DC623C1E-0FC3-571B-9CE7-2037AA9F7240}"/>
+                <a16:creationId xmlns:a16="http://schemas.microsoft.com/office/drawing/2014/main" xmlns="" id="{DC623C1E-0FC3-571B-9CE7-2037AA9F7240}"/>
               </a:ext>
             </a:extLst>
           </p:cNvPr>
@@ -3530,7 +3516,7 @@
               <a:rPr lang="en-US" smtClean="0"/>
               <a:t>‹#›</a:t>
             </a:fld>
-            <a:endParaRPr lang="en-US" dirty="0"/>
+            <a:endParaRPr lang="en-US"/>
           </a:p>
         </p:txBody>
       </p:sp>
@@ -3860,7 +3846,7 @@
           <p:cNvPr id="2" name="Title 1">
             <a:extLst>
               <a:ext uri="{FF2B5EF4-FFF2-40B4-BE49-F238E27FC236}">
-                <a16:creationId xmlns:a16="http://schemas.microsoft.com/office/drawing/2014/main" id="{E40C16C4-4789-4048-D9A5-1506B502EF1C}"/>
+                <a16:creationId xmlns:a16="http://schemas.microsoft.com/office/drawing/2014/main" xmlns="" id="{E40C16C4-4789-4048-D9A5-1506B502EF1C}"/>
               </a:ext>
             </a:extLst>
           </p:cNvPr>
@@ -3894,6 +3880,10 @@
             <a:r>
               <a:rPr lang="en-US" dirty="0"/>
               <a:t>of the </a:t>
+            </a:r>
+            <a:r>
+              <a:rPr lang="en-US" sz="5400" dirty="0"/>
+              <a:t/>
             </a:r>
             <a:br>
               <a:rPr lang="en-US" sz="5400" dirty="0"/>
@@ -3919,6 +3909,13 @@
   <p:clrMapOvr>
     <a:masterClrMapping/>
   </p:clrMapOvr>
+  <p:timing>
+    <p:tnLst>
+      <p:par>
+        <p:cTn id="1" dur="indefinite" restart="never" nodeType="tmRoot"/>
+      </p:par>
+    </p:tnLst>
+  </p:timing>
 </p:sld>
 </file>
 
@@ -3949,12 +3946,7 @@
             <p:ph type="title"/>
           </p:nvPr>
         </p:nvSpPr>
-        <p:spPr>
-          <a:xfrm>
-            <a:off x="831850" y="239561"/>
-            <a:ext cx="10515600" cy="1427874"/>
-          </a:xfrm>
-        </p:spPr>
+        <p:spPr/>
         <p:txBody>
           <a:bodyPr>
             <a:normAutofit/>
@@ -3963,275 +3955,86 @@
           <a:p>
             <a:pPr algn="ctr"/>
             <a:r>
-              <a:rPr lang="en-US" dirty="0">
+              <a:rPr lang="en-US" sz="3600" b="1" dirty="0">
                 <a:solidFill>
                   <a:prstClr val="black"/>
                 </a:solidFill>
               </a:rPr>
-              <a:t>SECTION 3</a:t>
-            </a:r>
-            <a:endParaRPr lang="en-US" sz="2400" dirty="0"/>
-          </a:p>
-        </p:txBody>
-      </p:sp>
-      <p:sp>
-        <p:nvSpPr>
-          <p:cNvPr id="3" name="Text Placeholder 2"/>
-          <p:cNvSpPr>
-            <a:spLocks noGrp="1"/>
-          </p:cNvSpPr>
-          <p:nvPr>
-            <p:ph type="body" idx="1"/>
-          </p:nvPr>
-        </p:nvSpPr>
-        <p:spPr>
-          <a:xfrm>
-            <a:off x="831850" y="1721224"/>
-            <a:ext cx="10515600" cy="4912657"/>
-          </a:xfrm>
-        </p:spPr>
-        <p:txBody>
-          <a:bodyPr>
-            <a:noAutofit/>
-          </a:bodyPr>
-          <a:lstStyle/>
-          <a:p>
-            <a:pPr>
-              <a:buFont typeface="Arial"/>
-              <a:buChar char="•"/>
-            </a:pPr>
-            <a:r>
-              <a:rPr lang="en-US" sz="1600" dirty="0">
-                <a:solidFill>
-                  <a:srgbClr val="2B2B2B"/>
-                </a:solidFill>
-              </a:rPr>
-              <a:t>Course requirement</a:t>
-            </a:r>
-          </a:p>
-          <a:p>
-            <a:pPr lvl="1">
-              <a:buFont typeface="Arial"/>
-              <a:buChar char="•"/>
-            </a:pPr>
-            <a:r>
-              <a:rPr lang="en-US" sz="1600" dirty="0">
-                <a:solidFill>
-                  <a:srgbClr val="2B2B2B"/>
-                </a:solidFill>
-              </a:rPr>
-              <a:t>The approach that your group took to achieve the project goals:</a:t>
-            </a:r>
-          </a:p>
-          <a:p>
-            <a:pPr marL="1200150" lvl="2" indent="-285750">
-              <a:buFont typeface="Arial"/>
-              <a:buChar char="•"/>
-            </a:pPr>
-            <a:r>
-              <a:rPr lang="en-US" sz="1600" dirty="0">
-                <a:solidFill>
-                  <a:srgbClr val="2B2B2B"/>
-                </a:solidFill>
-              </a:rPr>
-              <a:t>Include any relevant code or demonstrations of the application or analysis.</a:t>
-            </a:r>
-          </a:p>
-          <a:p>
-            <a:pPr marL="1200150" lvl="2" indent="-285750">
-              <a:buFont typeface="Arial"/>
-              <a:buChar char="•"/>
-            </a:pPr>
-            <a:r>
-              <a:rPr lang="en-US" sz="1600" dirty="0">
-                <a:solidFill>
-                  <a:srgbClr val="2B2B2B"/>
-                </a:solidFill>
-              </a:rPr>
-              <a:t>Discuss  any unanticipated insights or problems that arose and how you resolved them.</a:t>
-            </a:r>
-          </a:p>
-          <a:p>
-            <a:pPr marL="285750" indent="-285750">
-              <a:buFont typeface="Arial"/>
-              <a:buChar char="•"/>
-            </a:pPr>
-            <a:r>
-              <a:rPr lang="en-US" sz="1600" dirty="0">
-                <a:solidFill>
-                  <a:srgbClr val="2B2B2B"/>
-                </a:solidFill>
-              </a:rPr>
-              <a:t>Cindy’s requirement</a:t>
-            </a:r>
-          </a:p>
-          <a:p>
-            <a:pPr marL="742950" lvl="1" indent="-285750">
-              <a:buFont typeface="Arial"/>
-              <a:buChar char="•"/>
-            </a:pPr>
-            <a:r>
-              <a:rPr lang="en-US" sz="1600" dirty="0">
-                <a:solidFill>
-                  <a:srgbClr val="2B2B2B"/>
-                </a:solidFill>
-              </a:rPr>
-              <a:t>The analysis process (accompanied by your Jupyter Notebook)</a:t>
-            </a:r>
-          </a:p>
-          <a:p>
-            <a:pPr marL="285750" indent="-285750">
-              <a:buFont typeface="Arial"/>
-              <a:buChar char="•"/>
-            </a:pPr>
-            <a:r>
-              <a:rPr lang="en-US" sz="1600" dirty="0">
-                <a:solidFill>
-                  <a:srgbClr val="2B2B2B"/>
-                </a:solidFill>
-              </a:rPr>
-              <a:t>Time: 2 Minutes</a:t>
-            </a:r>
-          </a:p>
-          <a:p>
-            <a:pPr marL="285750" indent="-285750">
-              <a:buFont typeface="Arial"/>
-              <a:buChar char="•"/>
-            </a:pPr>
-            <a:r>
-              <a:rPr lang="en-US" sz="1600" dirty="0">
-                <a:solidFill>
-                  <a:srgbClr val="2B2B2B"/>
-                </a:solidFill>
-              </a:rPr>
-              <a:t>Assignment</a:t>
-            </a:r>
-          </a:p>
-          <a:p>
-            <a:pPr marL="742950" lvl="1" indent="-285750">
-              <a:buFont typeface="Arial"/>
-              <a:buChar char="•"/>
-            </a:pPr>
-            <a:r>
-              <a:rPr lang="en-US" sz="1600" dirty="0">
-                <a:solidFill>
-                  <a:srgbClr val="2B2B2B"/>
-                </a:solidFill>
-              </a:rPr>
-              <a:t>Intro – Candace</a:t>
-            </a:r>
-          </a:p>
-          <a:p>
-            <a:pPr marL="1200150" lvl="2" indent="-285750">
-              <a:buFont typeface="Arial"/>
-              <a:buChar char="•"/>
-            </a:pPr>
-            <a:r>
-              <a:rPr lang="en-US" sz="1600" dirty="0">
-                <a:solidFill>
-                  <a:srgbClr val="2B2B2B"/>
-                </a:solidFill>
-              </a:rPr>
-              <a:t>Slides</a:t>
-            </a:r>
-          </a:p>
-          <a:p>
-            <a:pPr marL="1657350" lvl="3" indent="-285750">
-              <a:buFont typeface="Arial"/>
-              <a:buChar char="•"/>
-            </a:pPr>
-            <a:r>
-              <a:rPr lang="en-US" dirty="0">
-                <a:solidFill>
-                  <a:srgbClr val="2B2B2B"/>
-                </a:solidFill>
-              </a:rPr>
-              <a:t>Candace</a:t>
-            </a:r>
-          </a:p>
-          <a:p>
-            <a:pPr marL="1657350" lvl="3" indent="-285750">
-              <a:buFont typeface="Arial"/>
-              <a:buChar char="•"/>
-            </a:pPr>
-            <a:r>
-              <a:rPr lang="en-US" dirty="0">
-                <a:solidFill>
-                  <a:srgbClr val="2B2B2B"/>
-                </a:solidFill>
-              </a:rPr>
-              <a:t>Brenton</a:t>
-            </a:r>
-          </a:p>
-          <a:p>
-            <a:pPr marL="1657350" lvl="3" indent="-285750">
-              <a:buFont typeface="Arial"/>
-              <a:buChar char="•"/>
-            </a:pPr>
-            <a:r>
-              <a:rPr lang="en-US" dirty="0">
-                <a:solidFill>
-                  <a:srgbClr val="2B2B2B"/>
-                </a:solidFill>
-              </a:rPr>
-              <a:t>Dario</a:t>
-            </a:r>
-          </a:p>
-          <a:p>
-            <a:pPr marL="1657350" lvl="3" indent="-285750">
-              <a:buFont typeface="Arial"/>
-              <a:buChar char="•"/>
-            </a:pPr>
-            <a:r>
-              <a:rPr lang="en-US" dirty="0">
-                <a:solidFill>
-                  <a:srgbClr val="2B2B2B"/>
-                </a:solidFill>
-              </a:rPr>
-              <a:t>Mark</a:t>
-            </a:r>
-          </a:p>
-          <a:p>
-            <a:pPr marL="1657350" lvl="3" indent="-285750">
-              <a:buFont typeface="Arial"/>
-              <a:buChar char="•"/>
-            </a:pPr>
-            <a:r>
-              <a:rPr lang="en-US" dirty="0">
-                <a:solidFill>
-                  <a:srgbClr val="2B2B2B"/>
-                </a:solidFill>
-              </a:rPr>
-              <a:t>Jessica</a:t>
-            </a:r>
-          </a:p>
-          <a:p>
-            <a:pPr lvl="3"/>
-            <a:r>
-              <a:rPr lang="en-US" dirty="0">
-                <a:solidFill>
-                  <a:srgbClr val="2B2B2B"/>
-                </a:solidFill>
-              </a:rPr>
-              <a:t>	</a:t>
+              <a:t>Question 1 – Regular Season vs Playoff Percentage</a:t>
+            </a:r>
+            <a:endParaRPr lang="en-US" sz="2800" b="1" dirty="0"/>
+          </a:p>
+        </p:txBody>
+      </p:sp>
+      <p:sp>
+        <p:nvSpPr>
+          <p:cNvPr id="3" name="Content Placeholder 2"/>
+          <p:cNvSpPr>
+            <a:spLocks noGrp="1"/>
+          </p:cNvSpPr>
+          <p:nvPr>
+            <p:ph idx="1"/>
+          </p:nvPr>
+        </p:nvSpPr>
+        <p:spPr/>
+        <p:txBody>
+          <a:bodyPr/>
+          <a:lstStyle/>
+          <a:p>
+            <a:r>
+              <a:rPr lang="en-US" dirty="0" smtClean="0"/>
+              <a:t>Data was collected through the python module </a:t>
+            </a:r>
+            <a:r>
+              <a:rPr lang="en-US" dirty="0" err="1" smtClean="0"/>
+              <a:t>nba_api</a:t>
+            </a:r>
+            <a:endParaRPr lang="en-US" dirty="0" smtClean="0"/>
+          </a:p>
+          <a:p>
+            <a:r>
+              <a:rPr lang="en-US" dirty="0" smtClean="0"/>
+              <a:t>The data was filtered to include only seasons where the Magic made the playoffs</a:t>
+            </a:r>
+          </a:p>
+          <a:p>
+            <a:r>
+              <a:rPr lang="en-US" dirty="0" smtClean="0"/>
+              <a:t>A two-plot line chart was created to show the different winning percentages</a:t>
+            </a:r>
+          </a:p>
+          <a:p>
+            <a:r>
+              <a:rPr lang="en-US" dirty="0" smtClean="0"/>
+              <a:t>A bar chart was created to show the number of games played in each playoff season</a:t>
+            </a:r>
+          </a:p>
+          <a:p>
+            <a:r>
+              <a:rPr lang="en-US" dirty="0" smtClean="0"/>
+              <a:t>A T test was applied to determine whether or not there was a correlation between regular season wins and playoff wins</a:t>
             </a:r>
             <a:endParaRPr lang="en-US" dirty="0"/>
-          </a:p>
-          <a:p>
-            <a:endParaRPr lang="en-US" sz="1600" dirty="0"/>
           </a:p>
         </p:txBody>
       </p:sp>
     </p:spTree>
     <p:extLst>
       <p:ext uri="{BB962C8B-B14F-4D97-AF65-F5344CB8AC3E}">
-        <p14:creationId xmlns:p14="http://schemas.microsoft.com/office/powerpoint/2010/main" val="846020092"/>
+        <p14:creationId xmlns:p14="http://schemas.microsoft.com/office/powerpoint/2010/main" val="235788088"/>
       </p:ext>
     </p:extLst>
   </p:cSld>
   <p:clrMapOvr>
     <a:masterClrMapping/>
   </p:clrMapOvr>
+  <p:timing>
+    <p:tnLst>
+      <p:par>
+        <p:cTn id="1" dur="indefinite" restart="never" nodeType="tmRoot"/>
+      </p:par>
+    </p:tnLst>
+  </p:timing>
 </p:sld>
 </file>
 
@@ -4271,20 +4074,15 @@
           <a:p>
             <a:pPr algn="ctr"/>
             <a:r>
-              <a:rPr lang="en-US" sz="3600" b="1" dirty="0">
-                <a:solidFill>
-                  <a:prstClr val="black"/>
-                </a:solidFill>
-              </a:rPr>
-              <a:t>Question 1 – Regular Season vs Playoff Percentage</a:t>
-            </a:r>
-            <a:endParaRPr lang="en-US" sz="2800" b="1" dirty="0"/>
-          </a:p>
-        </p:txBody>
-      </p:sp>
-      <p:sp>
-        <p:nvSpPr>
-          <p:cNvPr id="3" name="Content Placeholder 2"/>
+              <a:rPr lang="en-US" sz="3600" b="1" dirty="0"/>
+              <a:t>Question 2 – Last Season vs Best/Worst Seasons	</a:t>
+            </a:r>
+          </a:p>
+        </p:txBody>
+      </p:sp>
+      <p:sp>
+        <p:nvSpPr>
+          <p:cNvPr id="4" name="Content Placeholder 3"/>
           <p:cNvSpPr>
             <a:spLocks noGrp="1"/>
           </p:cNvSpPr>
@@ -4294,44 +4092,49 @@
         </p:nvSpPr>
         <p:spPr/>
         <p:txBody>
-          <a:bodyPr/>
+          <a:bodyPr>
+            <a:normAutofit/>
+          </a:bodyPr>
           <a:lstStyle/>
           <a:p>
             <a:r>
               <a:rPr lang="en-US" dirty="0"/>
-              <a:t>Data was collected through the python module nba_api</a:t>
+              <a:t>Data was collected from basketball-reference.com</a:t>
             </a:r>
           </a:p>
           <a:p>
             <a:r>
               <a:rPr lang="en-US" dirty="0"/>
-              <a:t>The data was filtered to include only seasons where the Magic made the playoffs</a:t>
+              <a:t>Overall team performance from all seasons, as well as individual player demographics from the top/bottom performing and most recent seasons were analyzed</a:t>
             </a:r>
           </a:p>
           <a:p>
             <a:r>
               <a:rPr lang="en-US" dirty="0"/>
-              <a:t>A two-plot line chart was created to show the different winning percentages</a:t>
+              <a:t>A bar chart was created to compare win/loss percentages</a:t>
             </a:r>
           </a:p>
           <a:p>
             <a:r>
               <a:rPr lang="en-US" dirty="0"/>
-              <a:t>A bar chart was created to show the number of games played in each playoff season</a:t>
+              <a:t>A scatter plot was created to compare offensive and defensive ratings</a:t>
             </a:r>
           </a:p>
           <a:p>
             <a:r>
               <a:rPr lang="en-US" dirty="0"/>
-              <a:t>A T test was applied to determine whether or not there was a correlation </a:t>
-            </a:r>
+              <a:t>A box plot was created to compare players’ years of experience coming into the season</a:t>
+            </a:r>
+          </a:p>
+          <a:p>
+            <a:endParaRPr lang="en-US" dirty="0"/>
           </a:p>
         </p:txBody>
       </p:sp>
     </p:spTree>
     <p:extLst>
       <p:ext uri="{BB962C8B-B14F-4D97-AF65-F5344CB8AC3E}">
-        <p14:creationId xmlns:p14="http://schemas.microsoft.com/office/powerpoint/2010/main" val="235788088"/>
+        <p14:creationId xmlns:p14="http://schemas.microsoft.com/office/powerpoint/2010/main" val="1116598434"/>
       </p:ext>
     </p:extLst>
   </p:cSld>
@@ -4360,13 +4163,7 @@
       </p:grpSpPr>
       <p:sp>
         <p:nvSpPr>
-          <p:cNvPr id="2" name="Title 1">
-            <a:extLst>
-              <a:ext uri="{FF2B5EF4-FFF2-40B4-BE49-F238E27FC236}">
-                <a16:creationId xmlns:a16="http://schemas.microsoft.com/office/drawing/2014/main" id="{F231DA39-FB02-DB33-0970-E23096131913}"/>
-              </a:ext>
-            </a:extLst>
-          </p:cNvPr>
+          <p:cNvPr id="2" name="Title 1"/>
           <p:cNvSpPr>
             <a:spLocks noGrp="1"/>
           </p:cNvSpPr>
@@ -4376,106 +4173,144 @@
         </p:nvSpPr>
         <p:spPr/>
         <p:txBody>
-          <a:bodyPr/>
-          <a:lstStyle/>
-          <a:p>
-            <a:pPr algn="ctr"/>
-            <a:r>
-              <a:rPr lang="en-US" b="1" dirty="0"/>
-              <a:t>Question 4 - </a:t>
-            </a:r>
-            <a:r>
-              <a:rPr lang="en-US" b="1" dirty="0">
+          <a:bodyPr>
+            <a:normAutofit/>
+          </a:bodyPr>
+          <a:lstStyle/>
+          <a:p>
+            <a:r>
+              <a:rPr lang="en-US" sz="3200" b="1" dirty="0">
                 <a:solidFill>
-                  <a:srgbClr val="000000"/>
+                  <a:prstClr val="black"/>
                 </a:solidFill>
               </a:rPr>
-              <a:t>KPIs most closely related to wins </a:t>
-            </a:r>
-            <a:br>
-              <a:rPr lang="en-US" b="1" dirty="0"/>
-            </a:br>
+              <a:t>Question </a:t>
+            </a:r>
+            <a:r>
+              <a:rPr lang="en-US" sz="3200" b="1" dirty="0" smtClean="0">
+                <a:solidFill>
+                  <a:prstClr val="black"/>
+                </a:solidFill>
+              </a:rPr>
+              <a:t>3 </a:t>
+            </a:r>
+            <a:r>
+              <a:rPr lang="en-US" sz="3200" b="1" dirty="0">
+                <a:solidFill>
+                  <a:prstClr val="black"/>
+                </a:solidFill>
+              </a:rPr>
+              <a:t>– </a:t>
+            </a:r>
+            <a:r>
+              <a:rPr lang="en-US" sz="3200" b="1" dirty="0" smtClean="0">
+                <a:solidFill>
+                  <a:prstClr val="black"/>
+                </a:solidFill>
+              </a:rPr>
+              <a:t>How Does the Magic Compare to the League</a:t>
+            </a:r>
+            <a:endParaRPr lang="en-US" sz="3200" dirty="0"/>
+          </a:p>
+        </p:txBody>
+      </p:sp>
+      <p:sp>
+        <p:nvSpPr>
+          <p:cNvPr id="3" name="Content Placeholder 2"/>
+          <p:cNvSpPr>
+            <a:spLocks noGrp="1"/>
+          </p:cNvSpPr>
+          <p:nvPr>
+            <p:ph idx="1"/>
+          </p:nvPr>
+        </p:nvSpPr>
+        <p:spPr/>
+        <p:txBody>
+          <a:bodyPr/>
+          <a:lstStyle/>
+          <a:p>
+            <a:r>
+              <a:rPr lang="en-US" dirty="0" smtClean="0"/>
+              <a:t>The following 5 major factors were analyzed in </a:t>
+            </a:r>
             <a:r>
               <a:rPr lang="en-US" dirty="0"/>
-              <a:t> KPIs studied for the Orlando Magic</a:t>
-            </a:r>
-          </a:p>
-        </p:txBody>
-      </p:sp>
-      <p:sp>
-        <p:nvSpPr>
-          <p:cNvPr id="3" name="Content Placeholder 2">
-            <a:extLst>
-              <a:ext uri="{FF2B5EF4-FFF2-40B4-BE49-F238E27FC236}">
-                <a16:creationId xmlns:a16="http://schemas.microsoft.com/office/drawing/2014/main" id="{6CBB8C9F-8AF7-7AF3-C4F4-7DEDCFB073B7}"/>
-              </a:ext>
-            </a:extLst>
-          </p:cNvPr>
-          <p:cNvSpPr>
-            <a:spLocks noGrp="1"/>
-          </p:cNvSpPr>
-          <p:nvPr>
-            <p:ph idx="1"/>
-          </p:nvPr>
-        </p:nvSpPr>
-        <p:spPr/>
-        <p:txBody>
-          <a:bodyPr/>
-          <a:lstStyle/>
-          <a:p>
+              <a:t>game performance. </a:t>
+            </a:r>
+          </a:p>
+          <a:p>
+            <a:pPr lvl="1"/>
+            <a:endParaRPr lang="en-US" dirty="0"/>
+          </a:p>
+          <a:p>
+            <a:pPr lvl="1"/>
             <a:r>
               <a:rPr lang="en-US" dirty="0"/>
-              <a:t>Steals </a:t>
-            </a:r>
-          </a:p>
-          <a:p>
+              <a:t>Points for an overall metric</a:t>
+            </a:r>
+          </a:p>
+          <a:p>
+            <a:pPr lvl="1"/>
             <a:r>
               <a:rPr lang="en-US" dirty="0"/>
-              <a:t>Blocks </a:t>
-            </a:r>
-          </a:p>
-          <a:p>
+              <a:t>2 Offensive Skills – 3 Pointers, and Field Goals</a:t>
+            </a:r>
+          </a:p>
+          <a:p>
+            <a:pPr lvl="1"/>
             <a:r>
               <a:rPr lang="en-US" dirty="0"/>
-              <a:t>Turnover </a:t>
-            </a:r>
-          </a:p>
-          <a:p>
-            <a:r>
-              <a:rPr lang="en-US" dirty="0"/>
-              <a:t>Field Goals Made </a:t>
-            </a:r>
-          </a:p>
-          <a:p>
-            <a:r>
-              <a:rPr lang="en-US" dirty="0"/>
-              <a:t>3 Points Made </a:t>
-            </a:r>
-          </a:p>
-          <a:p>
-            <a:r>
-              <a:rPr lang="en-US" dirty="0"/>
-              <a:t>Free Throw Made </a:t>
-            </a:r>
-          </a:p>
-          <a:p>
-            <a:r>
-              <a:rPr lang="en-US" dirty="0"/>
-              <a:t>Rebounds – includes offensive and defensives</a:t>
-            </a:r>
-          </a:p>
-          <a:p>
+              <a:t>2 Defensive Skills – Rebounds and Turnovers</a:t>
+            </a:r>
+          </a:p>
+          <a:p>
+            <a:pPr lvl="1"/>
             <a:endParaRPr lang="en-US" dirty="0"/>
           </a:p>
           <a:p>
-            <a:endParaRPr lang="en-US" dirty="0"/>
+            <a:pPr lvl="1"/>
+            <a:r>
+              <a:rPr lang="en-US" sz="2000" dirty="0" smtClean="0"/>
+              <a:t>The comparison of the Magic </a:t>
+            </a:r>
+            <a:r>
+              <a:rPr lang="en-US" sz="2000" dirty="0"/>
+              <a:t>to 3 other </a:t>
+            </a:r>
+            <a:r>
+              <a:rPr lang="en-US" sz="2000" dirty="0" smtClean="0"/>
+              <a:t>teams consisted of 3 </a:t>
+            </a:r>
+            <a:r>
+              <a:rPr lang="en-US" sz="2000" dirty="0"/>
+              <a:t>Point Percentage and Field Goal Percentage to get a wider view of the points being made.</a:t>
+            </a:r>
+          </a:p>
+          <a:p>
+            <a:pPr lvl="1"/>
+            <a:r>
+              <a:rPr lang="en-US" sz="2000" dirty="0" smtClean="0"/>
+              <a:t>The comparison of  </a:t>
+            </a:r>
+            <a:r>
+              <a:rPr lang="en-US" sz="2000" dirty="0"/>
+              <a:t>the Magic to the entire </a:t>
+            </a:r>
+            <a:r>
+              <a:rPr lang="en-US" sz="2000" dirty="0" smtClean="0"/>
+              <a:t>league consisted of 3 </a:t>
+            </a:r>
+            <a:r>
+              <a:rPr lang="en-US" sz="2000" dirty="0"/>
+              <a:t>Points Made and Field Goals Made to get a more specific look at where the points are coming from.</a:t>
+            </a:r>
           </a:p>
         </p:txBody>
       </p:sp>
     </p:spTree>
     <p:extLst>
       <p:ext uri="{BB962C8B-B14F-4D97-AF65-F5344CB8AC3E}">
-        <p14:creationId xmlns:p14="http://schemas.microsoft.com/office/powerpoint/2010/main" val="1664335298"/>
+        <p14:creationId xmlns:p14="http://schemas.microsoft.com/office/powerpoint/2010/main" val="57682373"/>
       </p:ext>
     </p:extLst>
   </p:cSld>
@@ -4504,7 +4339,13 @@
       </p:grpSpPr>
       <p:sp>
         <p:nvSpPr>
-          <p:cNvPr id="2" name="Title 1"/>
+          <p:cNvPr id="2" name="Title 1">
+            <a:extLst>
+              <a:ext uri="{FF2B5EF4-FFF2-40B4-BE49-F238E27FC236}">
+                <a16:creationId xmlns:a16="http://schemas.microsoft.com/office/drawing/2014/main" xmlns="" id="{F231DA39-FB02-DB33-0970-E23096131913}"/>
+              </a:ext>
+            </a:extLst>
+          </p:cNvPr>
           <p:cNvSpPr>
             <a:spLocks noGrp="1"/>
           </p:cNvSpPr>
@@ -4517,16 +4358,58 @@
           <a:bodyPr/>
           <a:lstStyle/>
           <a:p>
+            <a:pPr algn="ctr"/>
+            <a:r>
+              <a:rPr lang="en-US" b="1" dirty="0"/>
+              <a:t>Question 4 - </a:t>
+            </a:r>
+            <a:r>
+              <a:rPr lang="en-US" b="1" dirty="0">
+                <a:solidFill>
+                  <a:srgbClr val="000000"/>
+                </a:solidFill>
+              </a:rPr>
+              <a:t>KPIs most closely </a:t>
+            </a:r>
+            <a:r>
+              <a:rPr lang="en-US" b="1" dirty="0" smtClean="0">
+                <a:solidFill>
+                  <a:srgbClr val="000000"/>
+                </a:solidFill>
+              </a:rPr>
+              <a:t>related </a:t>
+            </a:r>
+            <a:r>
+              <a:rPr lang="en-US" b="1" dirty="0">
+                <a:solidFill>
+                  <a:srgbClr val="000000"/>
+                </a:solidFill>
+              </a:rPr>
+              <a:t>to wins </a:t>
+            </a:r>
+            <a:r>
+              <a:rPr lang="en-US" b="1" dirty="0" smtClean="0"/>
+              <a:t/>
+            </a:r>
+            <a:br>
+              <a:rPr lang="en-US" b="1" dirty="0" smtClean="0"/>
+            </a:br>
             <a:r>
               <a:rPr lang="en-US" dirty="0"/>
-              <a:t>Candace</a:t>
-            </a:r>
-          </a:p>
-        </p:txBody>
-      </p:sp>
-      <p:sp>
-        <p:nvSpPr>
-          <p:cNvPr id="3" name="Content Placeholder 2"/>
+              <a:t> KPIs studied for the Orlando Magic</a:t>
+            </a:r>
+          </a:p>
+        </p:txBody>
+      </p:sp>
+      <p:sp>
+        <p:nvSpPr>
+          <p:cNvPr id="3" name="Content Placeholder 2">
+            <a:extLst>
+              <a:ext uri="{FF2B5EF4-FFF2-40B4-BE49-F238E27FC236}">
+                <a16:creationId xmlns:a16="http://schemas.microsoft.com/office/drawing/2014/main" xmlns="" id="{6CBB8C9F-8AF7-7AF3-C4F4-7DEDCFB073B7}"/>
+              </a:ext>
+            </a:extLst>
+          </p:cNvPr>
           <p:cNvSpPr>
             <a:spLocks noGrp="1"/>
           </p:cNvSpPr>
@@ -4541,58 +4424,57 @@
           <a:p>
             <a:r>
               <a:rPr lang="en-US" dirty="0"/>
-              <a:t>I chose to analyze what I thought were the 5 major factors in game performance. </a:t>
-            </a:r>
-          </a:p>
-          <a:p>
-            <a:pPr lvl="1"/>
+              <a:t>Steals </a:t>
+            </a:r>
+          </a:p>
+          <a:p>
+            <a:r>
+              <a:rPr lang="en-US" dirty="0"/>
+              <a:t>Blocks </a:t>
+            </a:r>
+          </a:p>
+          <a:p>
+            <a:r>
+              <a:rPr lang="en-US" dirty="0"/>
+              <a:t>Turnover </a:t>
+            </a:r>
+          </a:p>
+          <a:p>
+            <a:r>
+              <a:rPr lang="en-US" dirty="0"/>
+              <a:t>Field Goals Made </a:t>
+            </a:r>
+          </a:p>
+          <a:p>
+            <a:r>
+              <a:rPr lang="en-US" dirty="0"/>
+              <a:t>3 Points Made </a:t>
+            </a:r>
+          </a:p>
+          <a:p>
+            <a:r>
+              <a:rPr lang="en-US" dirty="0"/>
+              <a:t>Free Throw Made </a:t>
+            </a:r>
+          </a:p>
+          <a:p>
+            <a:r>
+              <a:rPr lang="en-US" dirty="0"/>
+              <a:t>Rebounds – includes offensive and defensives</a:t>
+            </a:r>
+          </a:p>
+          <a:p>
             <a:endParaRPr lang="en-US" dirty="0"/>
           </a:p>
           <a:p>
-            <a:pPr lvl="1"/>
-            <a:r>
-              <a:rPr lang="en-US" dirty="0"/>
-              <a:t>Points for an overall metric</a:t>
-            </a:r>
-          </a:p>
-          <a:p>
-            <a:pPr lvl="1"/>
-            <a:r>
-              <a:rPr lang="en-US" dirty="0"/>
-              <a:t>2 Offensive Skills – 3 Pointers, and Field Goals</a:t>
-            </a:r>
-          </a:p>
-          <a:p>
-            <a:pPr lvl="1"/>
-            <a:r>
-              <a:rPr lang="en-US" dirty="0"/>
-              <a:t>2 Defensive Skills – Rebounds and Turnovers</a:t>
-            </a:r>
-          </a:p>
-          <a:p>
-            <a:pPr lvl="1"/>
             <a:endParaRPr lang="en-US" dirty="0"/>
-          </a:p>
-          <a:p>
-            <a:pPr lvl="1"/>
-            <a:r>
-              <a:rPr lang="en-US" sz="2000" dirty="0"/>
-              <a:t>When I’m comparing just the Magic to 3 other teams, I use 3 Point Percentage and Field Goal Percentage to get a wider view of the points being made.</a:t>
-            </a:r>
-          </a:p>
-          <a:p>
-            <a:pPr lvl="1"/>
-            <a:r>
-              <a:rPr lang="en-US" sz="2000" dirty="0"/>
-              <a:t>When I’m comparing the Magic to the entire league, I use 3 Points Made and Field Goals Made to get a more specific look at where the points are coming from.</a:t>
-            </a:r>
           </a:p>
         </p:txBody>
       </p:sp>
     </p:spTree>
     <p:extLst>
       <p:ext uri="{BB962C8B-B14F-4D97-AF65-F5344CB8AC3E}">
-        <p14:creationId xmlns:p14="http://schemas.microsoft.com/office/powerpoint/2010/main" val="763356041"/>
+        <p14:creationId xmlns:p14="http://schemas.microsoft.com/office/powerpoint/2010/main" val="1664335298"/>
       </p:ext>
     </p:extLst>
   </p:cSld>
@@ -4635,9 +4517,10 @@
           <a:lstStyle/>
           <a:p>
             <a:r>
-              <a:rPr lang="en-US" dirty="0"/>
-              <a:t>Brenton</a:t>
-            </a:r>
+              <a:rPr lang="en-US" dirty="0" smtClean="0"/>
+              <a:t>Dario</a:t>
+            </a:r>
+            <a:endParaRPr lang="en-US" dirty="0"/>
           </a:p>
         </p:txBody>
       </p:sp>
@@ -4663,13 +4546,20 @@
     </p:spTree>
     <p:extLst>
       <p:ext uri="{BB962C8B-B14F-4D97-AF65-F5344CB8AC3E}">
-        <p14:creationId xmlns:p14="http://schemas.microsoft.com/office/powerpoint/2010/main" val="2080606105"/>
+        <p14:creationId xmlns:p14="http://schemas.microsoft.com/office/powerpoint/2010/main" val="3429720316"/>
       </p:ext>
     </p:extLst>
   </p:cSld>
   <p:clrMapOvr>
     <a:masterClrMapping/>
   </p:clrMapOvr>
+  <p:timing>
+    <p:tnLst>
+      <p:par>
+        <p:cTn id="1" dur="indefinite" restart="never" nodeType="tmRoot"/>
+      </p:par>
+    </p:tnLst>
+  </p:timing>
 </p:sld>
 </file>
 
@@ -4700,47 +4590,107 @@
             <p:ph type="title"/>
           </p:nvPr>
         </p:nvSpPr>
-        <p:spPr/>
-        <p:txBody>
-          <a:bodyPr/>
-          <a:lstStyle/>
-          <a:p>
-            <a:r>
-              <a:rPr lang="en-US" dirty="0"/>
-              <a:t>Dario</a:t>
-            </a:r>
-          </a:p>
-        </p:txBody>
-      </p:sp>
-      <p:sp>
-        <p:nvSpPr>
-          <p:cNvPr id="3" name="Content Placeholder 2"/>
-          <p:cNvSpPr>
-            <a:spLocks noGrp="1"/>
-          </p:cNvSpPr>
-          <p:nvPr>
-            <p:ph idx="1"/>
-          </p:nvPr>
-        </p:nvSpPr>
-        <p:spPr/>
-        <p:txBody>
-          <a:bodyPr/>
-          <a:lstStyle/>
-          <a:p>
-            <a:endParaRPr lang="en-US" dirty="0"/>
+        <p:spPr>
+          <a:xfrm>
+            <a:off x="831850" y="239561"/>
+            <a:ext cx="10515600" cy="1427874"/>
+          </a:xfrm>
+        </p:spPr>
+        <p:txBody>
+          <a:bodyPr>
+            <a:normAutofit/>
+          </a:bodyPr>
+          <a:lstStyle/>
+          <a:p>
+            <a:pPr algn="ctr"/>
+            <a:r>
+              <a:rPr lang="en-US" dirty="0">
+                <a:solidFill>
+                  <a:prstClr val="black"/>
+                </a:solidFill>
+              </a:rPr>
+              <a:t>SECTION </a:t>
+            </a:r>
+            <a:r>
+              <a:rPr lang="en-US" dirty="0" smtClean="0">
+                <a:solidFill>
+                  <a:prstClr val="black"/>
+                </a:solidFill>
+              </a:rPr>
+              <a:t>4</a:t>
+            </a:r>
+            <a:endParaRPr lang="en-US" sz="2400" dirty="0"/>
+          </a:p>
+        </p:txBody>
+      </p:sp>
+      <p:sp>
+        <p:nvSpPr>
+          <p:cNvPr id="3" name="Text Placeholder 2"/>
+          <p:cNvSpPr>
+            <a:spLocks noGrp="1"/>
+          </p:cNvSpPr>
+          <p:nvPr>
+            <p:ph type="body" idx="1"/>
+          </p:nvPr>
+        </p:nvSpPr>
+        <p:spPr>
+          <a:xfrm>
+            <a:off x="831850" y="1721225"/>
+            <a:ext cx="10515600" cy="818775"/>
+          </a:xfrm>
+        </p:spPr>
+        <p:txBody>
+          <a:bodyPr>
+            <a:noAutofit/>
+          </a:bodyPr>
+          <a:lstStyle/>
+          <a:p>
+            <a:pPr algn="ctr"/>
+            <a:r>
+              <a:rPr lang="en-US" sz="2800" dirty="0" smtClean="0">
+                <a:solidFill>
+                  <a:prstClr val="black"/>
+                </a:solidFill>
+              </a:rPr>
+              <a:t>Results and conclusions </a:t>
+            </a:r>
+            <a:r>
+              <a:rPr lang="en-US" sz="2800" dirty="0">
+                <a:solidFill>
+                  <a:prstClr val="black"/>
+                </a:solidFill>
+              </a:rPr>
+              <a:t>of the </a:t>
+            </a:r>
+            <a:r>
+              <a:rPr lang="en-US" sz="2800" dirty="0" smtClean="0">
+                <a:solidFill>
+                  <a:prstClr val="black"/>
+                </a:solidFill>
+              </a:rPr>
+              <a:t>analysis</a:t>
+            </a:r>
+            <a:endParaRPr lang="en-US" sz="2800" dirty="0"/>
           </a:p>
         </p:txBody>
       </p:sp>
     </p:spTree>
     <p:extLst>
       <p:ext uri="{BB962C8B-B14F-4D97-AF65-F5344CB8AC3E}">
-        <p14:creationId xmlns:p14="http://schemas.microsoft.com/office/powerpoint/2010/main" val="3429720316"/>
+        <p14:creationId xmlns:p14="http://schemas.microsoft.com/office/powerpoint/2010/main" val="3578810854"/>
       </p:ext>
     </p:extLst>
   </p:cSld>
   <p:clrMapOvr>
     <a:masterClrMapping/>
   </p:clrMapOvr>
+  <p:timing>
+    <p:tnLst>
+      <p:par>
+        <p:cTn id="1" dur="indefinite" restart="never" nodeType="tmRoot"/>
+      </p:par>
+    </p:tnLst>
+  </p:timing>
 </p:sld>
 </file>
 
@@ -4776,42 +4726,136 @@
           <a:bodyPr/>
           <a:lstStyle/>
           <a:p>
+            <a:pPr algn="ctr"/>
+            <a:r>
+              <a:rPr lang="en-US" sz="3600" b="1" dirty="0"/>
+              <a:t>Question 1 – Regular Season vs Playoff Percentage</a:t>
+            </a:r>
+            <a:endParaRPr lang="en-US" sz="3600" dirty="0"/>
+          </a:p>
+        </p:txBody>
+      </p:sp>
+      <p:pic>
+        <p:nvPicPr>
+          <p:cNvPr id="4" name="Content Placeholder 3"/>
+          <p:cNvPicPr>
+            <a:picLocks noGrp="1" noChangeAspect="1"/>
+          </p:cNvPicPr>
+          <p:nvPr>
+            <p:ph sz="half" idx="1"/>
+          </p:nvPr>
+        </p:nvPicPr>
+        <p:blipFill>
+          <a:blip r:embed="rId2">
+            <a:extLst>
+              <a:ext uri="{28A0092B-C50C-407E-A947-70E740481C1C}">
+                <a14:useLocalDpi xmlns:a14="http://schemas.microsoft.com/office/drawing/2010/main" val="0"/>
+              </a:ext>
+            </a:extLst>
+          </a:blip>
+          <a:stretch>
+            <a:fillRect/>
+          </a:stretch>
+        </p:blipFill>
+        <p:spPr>
+          <a:xfrm>
+            <a:off x="6583680" y="4092734"/>
+            <a:ext cx="4983480" cy="2590800"/>
+          </a:xfrm>
+        </p:spPr>
+      </p:pic>
+      <p:sp>
+        <p:nvSpPr>
+          <p:cNvPr id="6" name="Content Placeholder 5"/>
+          <p:cNvSpPr>
+            <a:spLocks noGrp="1"/>
+          </p:cNvSpPr>
+          <p:nvPr>
+            <p:ph sz="half" idx="2"/>
+          </p:nvPr>
+        </p:nvSpPr>
+        <p:spPr>
+          <a:xfrm>
+            <a:off x="655320" y="1825625"/>
+            <a:ext cx="4541520" cy="4351338"/>
+          </a:xfrm>
+        </p:spPr>
+        <p:txBody>
+          <a:bodyPr/>
+          <a:lstStyle/>
+          <a:p>
             <a:r>
               <a:rPr lang="en-US" dirty="0"/>
-              <a:t>Jessica	</a:t>
-            </a:r>
-          </a:p>
-        </p:txBody>
-      </p:sp>
-      <p:sp>
-        <p:nvSpPr>
-          <p:cNvPr id="4" name="Content Placeholder 3"/>
-          <p:cNvSpPr>
-            <a:spLocks noGrp="1"/>
-          </p:cNvSpPr>
-          <p:nvPr>
-            <p:ph idx="1"/>
-          </p:nvPr>
-        </p:nvSpPr>
-        <p:spPr/>
-        <p:txBody>
-          <a:bodyPr/>
-          <a:lstStyle/>
-          <a:p>
-            <a:endParaRPr lang="en-US" dirty="0"/>
-          </a:p>
-        </p:txBody>
-      </p:sp>
+              <a:t>The two-line plot data </a:t>
+            </a:r>
+            <a:r>
+              <a:rPr lang="en-US" dirty="0" smtClean="0"/>
+              <a:t>of regular season vs playoff games was </a:t>
+            </a:r>
+            <a:r>
+              <a:rPr lang="en-US" dirty="0"/>
+              <a:t>used </a:t>
+            </a:r>
+            <a:r>
+              <a:rPr lang="en-US" dirty="0" smtClean="0"/>
+              <a:t>to determine the p value</a:t>
+            </a:r>
+          </a:p>
+          <a:p>
+            <a:r>
+              <a:rPr lang="en-US" dirty="0" smtClean="0"/>
+              <a:t>The p value was calculated as 6.11315173e-05, which shows a strong correlation. </a:t>
+            </a:r>
+          </a:p>
+        </p:txBody>
+      </p:sp>
+      <p:pic>
+        <p:nvPicPr>
+          <p:cNvPr id="5" name="Picture 4"/>
+          <p:cNvPicPr>
+            <a:picLocks noChangeAspect="1"/>
+          </p:cNvPicPr>
+          <p:nvPr/>
+        </p:nvPicPr>
+        <p:blipFill>
+          <a:blip r:embed="rId3">
+            <a:extLst>
+              <a:ext uri="{28A0092B-C50C-407E-A947-70E740481C1C}">
+                <a14:useLocalDpi xmlns:a14="http://schemas.microsoft.com/office/drawing/2010/main" val="0"/>
+              </a:ext>
+            </a:extLst>
+          </a:blip>
+          <a:stretch>
+            <a:fillRect/>
+          </a:stretch>
+        </p:blipFill>
+        <p:spPr>
+          <a:xfrm>
+            <a:off x="6598920" y="1600200"/>
+            <a:ext cx="5003940" cy="2407920"/>
+          </a:xfrm>
+          <a:prstGeom prst="rect">
+            <a:avLst/>
+          </a:prstGeom>
+        </p:spPr>
+      </p:pic>
     </p:spTree>
     <p:extLst>
       <p:ext uri="{BB962C8B-B14F-4D97-AF65-F5344CB8AC3E}">
-        <p14:creationId xmlns:p14="http://schemas.microsoft.com/office/powerpoint/2010/main" val="455439407"/>
+        <p14:creationId xmlns:p14="http://schemas.microsoft.com/office/powerpoint/2010/main" val="2896972427"/>
       </p:ext>
     </p:extLst>
   </p:cSld>
   <p:clrMapOvr>
     <a:masterClrMapping/>
   </p:clrMapOvr>
+  <p:timing>
+    <p:tnLst>
+      <p:par>
+        <p:cTn id="1" dur="indefinite" restart="never" nodeType="tmRoot"/>
+      </p:par>
+    </p:tnLst>
+  </p:timing>
 </p:sld>
 </file>
 
@@ -4842,12 +4886,7 @@
             <p:ph type="title"/>
           </p:nvPr>
         </p:nvSpPr>
-        <p:spPr>
-          <a:xfrm>
-            <a:off x="831850" y="239561"/>
-            <a:ext cx="10515600" cy="1427874"/>
-          </a:xfrm>
-        </p:spPr>
+        <p:spPr/>
         <p:txBody>
           <a:bodyPr>
             <a:normAutofit/>
@@ -4856,266 +4895,235 @@
           <a:p>
             <a:pPr algn="ctr"/>
             <a:r>
-              <a:rPr lang="en-US" dirty="0">
-                <a:solidFill>
-                  <a:prstClr val="black"/>
-                </a:solidFill>
-              </a:rPr>
-              <a:t>SECTION 4</a:t>
-            </a:r>
-            <a:endParaRPr lang="en-US" sz="2400" dirty="0"/>
-          </a:p>
-        </p:txBody>
-      </p:sp>
-      <p:sp>
-        <p:nvSpPr>
-          <p:cNvPr id="3" name="Text Placeholder 2"/>
-          <p:cNvSpPr>
-            <a:spLocks noGrp="1"/>
-          </p:cNvSpPr>
-          <p:nvPr>
-            <p:ph type="body" idx="1"/>
-          </p:nvPr>
+              <a:rPr lang="en-US" sz="3600" b="1" dirty="0"/>
+              <a:t>Question 2 – Last Season vs Best/Worst Seasons</a:t>
+            </a:r>
+          </a:p>
+        </p:txBody>
+      </p:sp>
+      <p:pic>
+        <p:nvPicPr>
+          <p:cNvPr id="3" name="Content Placeholder 2" descr="Chart, bar chart, histogram&#10;&#10;Description automatically generated">
+            <a:extLst>
+              <a:ext uri="{FF2B5EF4-FFF2-40B4-BE49-F238E27FC236}">
+                <a16:creationId xmlns="" xmlns:a16="http://schemas.microsoft.com/office/drawing/2014/main" id="{18A37965-FA94-2800-5618-C59BF5FEDD9D}"/>
+              </a:ext>
+            </a:extLst>
+          </p:cNvPr>
+          <p:cNvPicPr>
+            <a:picLocks noGrp="1" noChangeAspect="1"/>
+          </p:cNvPicPr>
+          <p:nvPr>
+            <p:ph idx="1"/>
+          </p:nvPr>
+        </p:nvPicPr>
+        <p:blipFill>
+          <a:blip r:embed="rId2">
+            <a:extLst>
+              <a:ext uri="{28A0092B-C50C-407E-A947-70E740481C1C}">
+                <a14:useLocalDpi xmlns:a14="http://schemas.microsoft.com/office/drawing/2010/main" val="0"/>
+              </a:ext>
+            </a:extLst>
+          </a:blip>
+          <a:srcRect/>
+          <a:stretch>
+            <a:fillRect/>
+          </a:stretch>
+        </p:blipFill>
+        <p:spPr bwMode="auto">
+          <a:xfrm>
+            <a:off x="431643" y="1619802"/>
+            <a:ext cx="2854483" cy="2721345"/>
+          </a:xfrm>
+          <a:prstGeom prst="rect">
+            <a:avLst/>
+          </a:prstGeom>
+          <a:noFill/>
+          <a:ln>
+            <a:noFill/>
+          </a:ln>
+        </p:spPr>
+      </p:pic>
+      <p:pic>
+        <p:nvPicPr>
+          <p:cNvPr id="5" name="Picture 4" descr="Chart, scatter chart&#10;&#10;Description automatically generated">
+            <a:extLst>
+              <a:ext uri="{FF2B5EF4-FFF2-40B4-BE49-F238E27FC236}">
+                <a16:creationId xmlns="" xmlns:a16="http://schemas.microsoft.com/office/drawing/2014/main" id="{3222F769-2358-55C2-F04C-E7E80DFFF16D}"/>
+              </a:ext>
+            </a:extLst>
+          </p:cNvPr>
+          <p:cNvPicPr>
+            <a:picLocks noChangeAspect="1"/>
+          </p:cNvPicPr>
+          <p:nvPr/>
+        </p:nvPicPr>
+        <p:blipFill>
+          <a:blip r:embed="rId3">
+            <a:extLst>
+              <a:ext uri="{28A0092B-C50C-407E-A947-70E740481C1C}">
+                <a14:useLocalDpi xmlns:a14="http://schemas.microsoft.com/office/drawing/2010/main" val="0"/>
+              </a:ext>
+            </a:extLst>
+          </a:blip>
+          <a:srcRect/>
+          <a:stretch>
+            <a:fillRect/>
+          </a:stretch>
+        </p:blipFill>
+        <p:spPr bwMode="auto">
+          <a:xfrm>
+            <a:off x="3772713" y="2301537"/>
+            <a:ext cx="3838038" cy="3271838"/>
+          </a:xfrm>
+          <a:prstGeom prst="rect">
+            <a:avLst/>
+          </a:prstGeom>
+          <a:noFill/>
+          <a:ln>
+            <a:noFill/>
+          </a:ln>
+        </p:spPr>
+      </p:pic>
+      <p:pic>
+        <p:nvPicPr>
+          <p:cNvPr id="6" name="Picture 5" descr="Chart, box and whisker chart&#10;&#10;Description automatically generated">
+            <a:extLst>
+              <a:ext uri="{FF2B5EF4-FFF2-40B4-BE49-F238E27FC236}">
+                <a16:creationId xmlns="" xmlns:a16="http://schemas.microsoft.com/office/drawing/2014/main" id="{22A32539-8CE3-25E1-BBA3-B665DEDA5BBF}"/>
+              </a:ext>
+            </a:extLst>
+          </p:cNvPr>
+          <p:cNvPicPr>
+            <a:picLocks noChangeAspect="1"/>
+          </p:cNvPicPr>
+          <p:nvPr/>
+        </p:nvPicPr>
+        <p:blipFill>
+          <a:blip r:embed="rId4">
+            <a:extLst>
+              <a:ext uri="{28A0092B-C50C-407E-A947-70E740481C1C}">
+                <a14:useLocalDpi xmlns:a14="http://schemas.microsoft.com/office/drawing/2010/main" val="0"/>
+              </a:ext>
+            </a:extLst>
+          </a:blip>
+          <a:srcRect/>
+          <a:stretch>
+            <a:fillRect/>
+          </a:stretch>
+        </p:blipFill>
+        <p:spPr bwMode="auto">
+          <a:xfrm>
+            <a:off x="8082237" y="3614942"/>
+            <a:ext cx="3271563" cy="2863113"/>
+          </a:xfrm>
+          <a:prstGeom prst="rect">
+            <a:avLst/>
+          </a:prstGeom>
+          <a:noFill/>
+          <a:ln>
+            <a:noFill/>
+          </a:ln>
+        </p:spPr>
+      </p:pic>
+      <p:sp>
+        <p:nvSpPr>
+          <p:cNvPr id="7" name="TextBox 6">
+            <a:extLst>
+              <a:ext uri="{FF2B5EF4-FFF2-40B4-BE49-F238E27FC236}">
+                <a16:creationId xmlns="" xmlns:a16="http://schemas.microsoft.com/office/drawing/2014/main" id="{7BD06AD1-0A1A-6ABB-FE68-1DE69ED54200}"/>
+              </a:ext>
+            </a:extLst>
+          </p:cNvPr>
+          <p:cNvSpPr txBox="1"/>
+          <p:nvPr/>
         </p:nvSpPr>
         <p:spPr>
           <a:xfrm>
-            <a:off x="831850" y="1721225"/>
-            <a:ext cx="10515600" cy="4368426"/>
+            <a:off x="265171" y="4557713"/>
+            <a:ext cx="3492441" cy="2031325"/>
           </a:xfrm>
+          <a:prstGeom prst="rect">
+            <a:avLst/>
+          </a:prstGeom>
+          <a:noFill/>
         </p:spPr>
         <p:txBody>
-          <a:bodyPr>
-            <a:noAutofit/>
+          <a:bodyPr wrap="square" rtlCol="0">
+            <a:spAutoFit/>
           </a:bodyPr>
           <a:lstStyle/>
           <a:p>
-            <a:pPr>
-              <a:buFont typeface="Arial"/>
-              <a:buChar char="•"/>
-            </a:pPr>
-            <a:r>
-              <a:rPr lang="en-US" sz="1600" dirty="0">
-                <a:solidFill>
-                  <a:srgbClr val="2B2B2B"/>
-                </a:solidFill>
-              </a:rPr>
-              <a:t>Course requirement</a:t>
-            </a:r>
-          </a:p>
-          <a:p>
-            <a:pPr marL="800100" lvl="1" indent="-342900">
+            <a:pPr marL="285750" indent="-285750">
               <a:buFont typeface="Arial" panose="020B0604020202020204" pitchFamily="34" charset="0"/>
               <a:buChar char="•"/>
             </a:pPr>
             <a:r>
-              <a:rPr lang="en-US" sz="1600" dirty="0">
-                <a:solidFill>
-                  <a:prstClr val="black"/>
-                </a:solidFill>
-                <a:latin typeface="Calibri Light" panose="020F0302020204030204"/>
-                <a:ea typeface="+mj-ea"/>
-                <a:cs typeface="+mj-cs"/>
+              <a:rPr lang="en-US" sz="1800" kern="100" dirty="0">
+                <a:effectLst/>
+                <a:latin typeface="Calibri" panose="020F0502020204030204" pitchFamily="34" charset="0"/>
+                <a:ea typeface="Calibri" panose="020F0502020204030204" pitchFamily="34" charset="0"/>
+                <a:cs typeface="Times New Roman" panose="02020603050405020304" pitchFamily="18" charset="0"/>
               </a:rPr>
-              <a:t>The results/conclusions of the application or analysis:</a:t>
-            </a:r>
-          </a:p>
-          <a:p>
-            <a:pPr marL="1200150" lvl="2" indent="-285750">
+              <a:t>In the 2022-2023 season, the Orlando Magic performed slightly below average (0.415 W/L%) compared to their 32 previous seasons dating back to 1989 (0.468 W/L%).</a:t>
+            </a:r>
+          </a:p>
+          <a:p>
+            <a:endParaRPr lang="en-US" dirty="0"/>
+          </a:p>
+        </p:txBody>
+      </p:sp>
+      <p:sp>
+        <p:nvSpPr>
+          <p:cNvPr id="8" name="TextBox 7">
+            <a:extLst>
+              <a:ext uri="{FF2B5EF4-FFF2-40B4-BE49-F238E27FC236}">
+                <a16:creationId xmlns="" xmlns:a16="http://schemas.microsoft.com/office/drawing/2014/main" id="{FF7D4CEC-2BD3-1EC7-711A-DC6ADEDD204B}"/>
+              </a:ext>
+            </a:extLst>
+          </p:cNvPr>
+          <p:cNvSpPr txBox="1"/>
+          <p:nvPr/>
+        </p:nvSpPr>
+        <p:spPr>
+          <a:xfrm>
+            <a:off x="7971797" y="1710290"/>
+            <a:ext cx="3492441" cy="1754326"/>
+          </a:xfrm>
+          <a:prstGeom prst="rect">
+            <a:avLst/>
+          </a:prstGeom>
+          <a:noFill/>
+        </p:spPr>
+        <p:txBody>
+          <a:bodyPr wrap="square" rtlCol="0">
+            <a:spAutoFit/>
+          </a:bodyPr>
+          <a:lstStyle/>
+          <a:p>
+            <a:pPr marL="285750" indent="-285750">
               <a:buFont typeface="Arial" panose="020B0604020202020204" pitchFamily="34" charset="0"/>
               <a:buChar char="•"/>
             </a:pPr>
             <a:r>
-              <a:rPr lang="en-US" sz="1400" dirty="0">
-                <a:solidFill>
-                  <a:srgbClr val="2B2B2B"/>
-                </a:solidFill>
+              <a:rPr lang="en-US" sz="1800" kern="100" dirty="0">
+                <a:effectLst/>
+                <a:latin typeface="Calibri" panose="020F0502020204030204" pitchFamily="34" charset="0"/>
+                <a:ea typeface="Calibri" panose="020F0502020204030204" pitchFamily="34" charset="0"/>
+                <a:cs typeface="Times New Roman" panose="02020603050405020304" pitchFamily="18" charset="0"/>
               </a:rPr>
-              <a:t>Include relevant images or examples to support your work.</a:t>
-            </a:r>
-          </a:p>
-          <a:p>
-            <a:pPr marL="1200150" lvl="2" indent="-285750">
-              <a:buFont typeface="Arial"/>
-              <a:buChar char="•"/>
-            </a:pPr>
-            <a:r>
-              <a:rPr lang="en-US" sz="1400" dirty="0">
-                <a:solidFill>
-                  <a:srgbClr val="2B2B2B"/>
-                </a:solidFill>
-              </a:rPr>
-              <a:t>If the project goal was not achieved, discuss the issues and how you attempted to resolve them.</a:t>
-            </a:r>
-          </a:p>
-          <a:p>
-            <a:br>
-              <a:rPr lang="en-US" sz="1600" dirty="0"/>
-            </a:br>
-            <a:r>
-              <a:rPr lang="en-US" sz="1600" dirty="0">
-                <a:solidFill>
-                  <a:srgbClr val="2B2B2B"/>
-                </a:solidFill>
-              </a:rPr>
-              <a:t>Cindy’s requirement</a:t>
-            </a:r>
-          </a:p>
-          <a:p>
-            <a:pPr marL="742950" lvl="1" indent="-285750">
-              <a:buFont typeface="Arial"/>
-              <a:buChar char="•"/>
-            </a:pPr>
-            <a:r>
-              <a:rPr lang="en-US" sz="1600" dirty="0">
-                <a:solidFill>
-                  <a:srgbClr val="2B2B2B"/>
-                </a:solidFill>
-              </a:rPr>
-              <a:t>Your conclusions, including a numerical summary and visualizations of the summary </a:t>
-            </a:r>
-          </a:p>
-          <a:p>
-            <a:pPr marL="285750" indent="-285750">
-              <a:buFont typeface="Arial"/>
-              <a:buChar char="•"/>
-            </a:pPr>
-            <a:r>
-              <a:rPr lang="en-US" sz="1600" dirty="0">
-                <a:solidFill>
-                  <a:srgbClr val="2B2B2B"/>
-                </a:solidFill>
-              </a:rPr>
-              <a:t>Time: 2 Minutes</a:t>
-            </a:r>
-          </a:p>
-          <a:p>
-            <a:pPr marL="285750" indent="-285750">
-              <a:buFont typeface="Arial"/>
-              <a:buChar char="•"/>
-            </a:pPr>
-            <a:r>
-              <a:rPr lang="en-US" sz="1600" dirty="0">
-                <a:solidFill>
-                  <a:srgbClr val="2B2B2B"/>
-                </a:solidFill>
-              </a:rPr>
-              <a:t>Assignment</a:t>
-            </a:r>
-          </a:p>
-          <a:p>
-            <a:pPr marL="742950" lvl="1" indent="-285750">
-              <a:buFont typeface="Arial"/>
-              <a:buChar char="•"/>
-            </a:pPr>
-            <a:r>
-              <a:rPr lang="en-US" sz="1600" dirty="0">
-                <a:solidFill>
-                  <a:srgbClr val="2B2B2B"/>
-                </a:solidFill>
-              </a:rPr>
-              <a:t>Intro – Candace</a:t>
-            </a:r>
-          </a:p>
-          <a:p>
-            <a:pPr marL="1200150" lvl="2" indent="-285750">
-              <a:buFont typeface="Arial"/>
-              <a:buChar char="•"/>
-            </a:pPr>
-            <a:r>
-              <a:rPr lang="en-US" sz="1600" dirty="0">
-                <a:solidFill>
-                  <a:srgbClr val="2B2B2B"/>
-                </a:solidFill>
-              </a:rPr>
-              <a:t>Slides</a:t>
-            </a:r>
-          </a:p>
-          <a:p>
-            <a:pPr marL="1657350" lvl="3" indent="-285750">
-              <a:buFont typeface="Arial"/>
-              <a:buChar char="•"/>
-            </a:pPr>
-            <a:r>
-              <a:rPr lang="en-US" dirty="0">
-                <a:solidFill>
-                  <a:srgbClr val="2B2B2B"/>
-                </a:solidFill>
-              </a:rPr>
-              <a:t>Brenton</a:t>
-            </a:r>
-          </a:p>
-          <a:p>
-            <a:pPr marL="1657350" lvl="3" indent="-285750">
-              <a:buFont typeface="Arial"/>
-              <a:buChar char="•"/>
-            </a:pPr>
-            <a:r>
-              <a:rPr lang="en-US" dirty="0">
-                <a:solidFill>
-                  <a:srgbClr val="2B2B2B"/>
-                </a:solidFill>
-              </a:rPr>
-              <a:t>Dario</a:t>
-            </a:r>
-          </a:p>
-          <a:p>
-            <a:pPr marL="1657350" lvl="3" indent="-285750">
-              <a:buFont typeface="Arial"/>
-              <a:buChar char="•"/>
-            </a:pPr>
-            <a:r>
-              <a:rPr lang="en-US" dirty="0">
-                <a:solidFill>
-                  <a:srgbClr val="2B2B2B"/>
-                </a:solidFill>
-              </a:rPr>
-              <a:t>Mark</a:t>
-            </a:r>
-          </a:p>
-          <a:p>
-            <a:pPr marL="1657350" lvl="3" indent="-285750">
-              <a:buFont typeface="Arial"/>
-              <a:buChar char="•"/>
-            </a:pPr>
-            <a:r>
-              <a:rPr lang="en-US" dirty="0">
-                <a:solidFill>
-                  <a:srgbClr val="2B2B2B"/>
-                </a:solidFill>
-              </a:rPr>
-              <a:t>Jessica</a:t>
-            </a:r>
-          </a:p>
-          <a:p>
-            <a:pPr marL="1657350" lvl="3" indent="-285750">
-              <a:buFont typeface="Arial"/>
-              <a:buChar char="•"/>
-            </a:pPr>
-            <a:r>
-              <a:rPr lang="en-US" dirty="0">
-                <a:solidFill>
-                  <a:srgbClr val="2B2B2B"/>
-                </a:solidFill>
-              </a:rPr>
-              <a:t>Candace</a:t>
-            </a:r>
-          </a:p>
-          <a:p>
-            <a:pPr marL="1657350" lvl="3" indent="-285750">
-              <a:buFont typeface="Arial"/>
-              <a:buChar char="•"/>
-            </a:pPr>
+              <a:t>Compared to their 5 best seasons, players’ average years of experience prior to the start of the season was 2.5 years lower in 2022-2023.</a:t>
+            </a:r>
+          </a:p>
+          <a:p>
             <a:endParaRPr lang="en-US" dirty="0"/>
-          </a:p>
-          <a:p>
-            <a:endParaRPr lang="en-US" sz="1600" dirty="0"/>
           </a:p>
         </p:txBody>
       </p:sp>
     </p:spTree>
     <p:extLst>
       <p:ext uri="{BB962C8B-B14F-4D97-AF65-F5344CB8AC3E}">
-        <p14:creationId xmlns:p14="http://schemas.microsoft.com/office/powerpoint/2010/main" val="3578810854"/>
+        <p14:creationId xmlns:p14="http://schemas.microsoft.com/office/powerpoint/2010/main" val="14831185"/>
       </p:ext>
     </p:extLst>
   </p:cSld>
@@ -5157,111 +5165,118 @@
           <a:bodyPr/>
           <a:lstStyle/>
           <a:p>
-            <a:pPr algn="ctr"/>
-            <a:r>
-              <a:rPr lang="en-US" sz="3600" b="1" dirty="0"/>
-              <a:t>Question 1 – Regular Season vs Playoff Percentage</a:t>
-            </a:r>
-            <a:endParaRPr lang="en-US" sz="3600" dirty="0"/>
-          </a:p>
-        </p:txBody>
-      </p:sp>
-      <p:pic>
-        <p:nvPicPr>
+            <a:r>
+              <a:rPr lang="en-US" sz="3200" b="1" dirty="0">
+                <a:solidFill>
+                  <a:prstClr val="black"/>
+                </a:solidFill>
+              </a:rPr>
+              <a:t>Question 3 – How Does the Magic Compare to the League</a:t>
+            </a:r>
+            <a:endParaRPr lang="en-US" dirty="0"/>
+          </a:p>
+        </p:txBody>
+      </p:sp>
+      <p:sp>
+        <p:nvSpPr>
           <p:cNvPr id="4" name="Content Placeholder 3"/>
-          <p:cNvPicPr>
-            <a:picLocks noGrp="1" noChangeAspect="1"/>
-          </p:cNvPicPr>
-          <p:nvPr>
-            <p:ph sz="half" idx="1"/>
-          </p:nvPr>
-        </p:nvPicPr>
-        <p:blipFill>
-          <a:blip r:embed="rId2">
-            <a:extLst>
-              <a:ext uri="{28A0092B-C50C-407E-A947-70E740481C1C}">
-                <a14:useLocalDpi xmlns:a14="http://schemas.microsoft.com/office/drawing/2010/main" val="0"/>
-              </a:ext>
-            </a:extLst>
-          </a:blip>
-          <a:stretch>
-            <a:fillRect/>
-          </a:stretch>
-        </p:blipFill>
-        <p:spPr>
-          <a:xfrm>
-            <a:off x="6583680" y="4092734"/>
-            <a:ext cx="4983480" cy="2590800"/>
-          </a:xfrm>
-        </p:spPr>
-      </p:pic>
-      <p:sp>
-        <p:nvSpPr>
-          <p:cNvPr id="6" name="Content Placeholder 5"/>
-          <p:cNvSpPr>
-            <a:spLocks noGrp="1"/>
-          </p:cNvSpPr>
-          <p:nvPr>
-            <p:ph sz="half" idx="2"/>
-          </p:nvPr>
-        </p:nvSpPr>
-        <p:spPr>
-          <a:xfrm>
-            <a:off x="655320" y="1825625"/>
-            <a:ext cx="4541520" cy="4351338"/>
-          </a:xfrm>
-        </p:spPr>
+          <p:cNvSpPr>
+            <a:spLocks noGrp="1"/>
+          </p:cNvSpPr>
+          <p:nvPr>
+            <p:ph idx="1"/>
+          </p:nvPr>
+        </p:nvSpPr>
+        <p:spPr/>
         <p:txBody>
           <a:bodyPr/>
           <a:lstStyle/>
           <a:p>
             <a:r>
               <a:rPr lang="en-US" dirty="0"/>
-              <a:t>The two-line plot data of regular season vs playoff games was used to determine the p value</a:t>
-            </a:r>
-          </a:p>
-          <a:p>
+              <a:t>Orlando Magic vs 1</a:t>
+            </a:r>
+            <a:r>
+              <a:rPr lang="en-US" baseline="30000" dirty="0"/>
+              <a:t>st</a:t>
+            </a:r>
             <a:r>
               <a:rPr lang="en-US" dirty="0"/>
-              <a:t>The p value was calculated as 6.11315173e-05, which shows a strong correlation. </a:t>
-            </a:r>
-          </a:p>
-        </p:txBody>
-      </p:sp>
-      <p:pic>
-        <p:nvPicPr>
-          <p:cNvPr id="5" name="Picture 4"/>
-          <p:cNvPicPr>
-            <a:picLocks noChangeAspect="1"/>
-          </p:cNvPicPr>
-          <p:nvPr/>
-        </p:nvPicPr>
-        <p:blipFill>
-          <a:blip r:embed="rId3">
-            <a:extLst>
-              <a:ext uri="{28A0092B-C50C-407E-A947-70E740481C1C}">
-                <a14:useLocalDpi xmlns:a14="http://schemas.microsoft.com/office/drawing/2010/main" val="0"/>
-              </a:ext>
-            </a:extLst>
-          </a:blip>
-          <a:stretch>
-            <a:fillRect/>
-          </a:stretch>
-        </p:blipFill>
-        <p:spPr>
-          <a:xfrm>
-            <a:off x="6598920" y="1600200"/>
-            <a:ext cx="5003940" cy="2407920"/>
-          </a:xfrm>
-          <a:prstGeom prst="rect">
-            <a:avLst/>
-          </a:prstGeom>
-        </p:spPr>
-      </p:pic>
+              <a:t>, 15</a:t>
+            </a:r>
+            <a:r>
+              <a:rPr lang="en-US" baseline="30000" dirty="0"/>
+              <a:t>th</a:t>
+            </a:r>
+            <a:r>
+              <a:rPr lang="en-US" dirty="0"/>
+              <a:t>, and 30</a:t>
+            </a:r>
+            <a:r>
+              <a:rPr lang="en-US" baseline="30000" dirty="0"/>
+              <a:t>th</a:t>
+            </a:r>
+            <a:r>
+              <a:rPr lang="en-US" dirty="0"/>
+              <a:t> ranked teams</a:t>
+            </a:r>
+          </a:p>
+          <a:p>
+            <a:r>
+              <a:rPr lang="en-US" dirty="0"/>
+              <a:t>Orlando Magic vs League</a:t>
+            </a:r>
+          </a:p>
+          <a:p>
+            <a:endParaRPr lang="en-US" dirty="0"/>
+          </a:p>
+          <a:p>
+            <a:r>
+              <a:rPr lang="en-US" dirty="0"/>
+              <a:t>5 chosen KPIs</a:t>
+            </a:r>
+          </a:p>
+          <a:p>
+            <a:pPr lvl="1"/>
+            <a:r>
+              <a:rPr lang="en-US" dirty="0"/>
+              <a:t>Points Scored</a:t>
+            </a:r>
+          </a:p>
+          <a:p>
+            <a:pPr lvl="1"/>
+            <a:r>
+              <a:rPr lang="en-US" dirty="0"/>
+              <a:t>3 Pointers </a:t>
+            </a:r>
+          </a:p>
+          <a:p>
+            <a:pPr lvl="1"/>
+            <a:r>
+              <a:rPr lang="en-US" dirty="0"/>
+              <a:t>Field Goals</a:t>
+            </a:r>
+          </a:p>
+          <a:p>
+            <a:pPr lvl="1"/>
+            <a:r>
+              <a:rPr lang="en-US" dirty="0"/>
+              <a:t>Rebounds</a:t>
+            </a:r>
+          </a:p>
+          <a:p>
+            <a:pPr lvl="1"/>
+            <a:r>
+              <a:rPr lang="en-US" dirty="0"/>
+              <a:t>Turnovers</a:t>
+            </a:r>
+          </a:p>
+        </p:txBody>
+      </p:sp>
     </p:spTree>
     <p:extLst>
       <p:ext uri="{BB962C8B-B14F-4D97-AF65-F5344CB8AC3E}">
-        <p14:creationId xmlns:p14="http://schemas.microsoft.com/office/powerpoint/2010/main" val="2896972427"/>
+        <p14:creationId xmlns:p14="http://schemas.microsoft.com/office/powerpoint/2010/main" val="1046711718"/>
       </p:ext>
     </p:extLst>
   </p:cSld>
@@ -5288,12 +5303,1138 @@
           <a:chExt cx="0" cy="0"/>
         </a:xfrm>
       </p:grpSpPr>
+      <p:pic>
+        <p:nvPicPr>
+          <p:cNvPr id="9" name="Picture 8" descr="Chart, box and whisker chart&#10;&#10;Description automatically generated">
+            <a:extLst>
+              <a:ext uri="{FF2B5EF4-FFF2-40B4-BE49-F238E27FC236}">
+                <a16:creationId xmlns:a16="http://schemas.microsoft.com/office/drawing/2014/main" xmlns="" id="{E43BBEB8-47FE-9D80-DA86-0E032C2F32A6}"/>
+              </a:ext>
+            </a:extLst>
+          </p:cNvPr>
+          <p:cNvPicPr>
+            <a:picLocks noChangeAspect="1"/>
+          </p:cNvPicPr>
+          <p:nvPr/>
+        </p:nvPicPr>
+        <p:blipFill rotWithShape="1">
+          <a:blip r:embed="rId2"/>
+          <a:srcRect l="21" r="3" b="3"/>
+          <a:stretch/>
+        </p:blipFill>
+        <p:spPr>
+          <a:xfrm>
+            <a:off x="-1" y="1828800"/>
+            <a:ext cx="7208820" cy="5029200"/>
+          </a:xfrm>
+          <a:prstGeom prst="rect">
+            <a:avLst/>
+          </a:prstGeom>
+        </p:spPr>
+      </p:pic>
+      <p:pic>
+        <p:nvPicPr>
+          <p:cNvPr id="19" name="Picture 18" descr="Chart, bar chart, histogram&#10;&#10;Description automatically generated">
+            <a:extLst>
+              <a:ext uri="{FF2B5EF4-FFF2-40B4-BE49-F238E27FC236}">
+                <a16:creationId xmlns:a16="http://schemas.microsoft.com/office/drawing/2014/main" xmlns="" id="{F6D78484-4440-8245-7869-BB45A79451FD}"/>
+              </a:ext>
+            </a:extLst>
+          </p:cNvPr>
+          <p:cNvPicPr>
+            <a:picLocks noChangeAspect="1"/>
+          </p:cNvPicPr>
+          <p:nvPr/>
+        </p:nvPicPr>
+        <p:blipFill>
+          <a:blip r:embed="rId3"/>
+          <a:stretch>
+            <a:fillRect/>
+          </a:stretch>
+        </p:blipFill>
+        <p:spPr>
+          <a:xfrm>
+            <a:off x="6720121" y="-2287"/>
+            <a:ext cx="5489449" cy="4117087"/>
+          </a:xfrm>
+          <a:prstGeom prst="rect">
+            <a:avLst/>
+          </a:prstGeom>
+        </p:spPr>
+      </p:pic>
+      <p:pic>
+        <p:nvPicPr>
+          <p:cNvPr id="22" name="Picture 21" descr="Chart, waterfall chart&#10;&#10;Description automatically generated">
+            <a:extLst>
+              <a:ext uri="{FF2B5EF4-FFF2-40B4-BE49-F238E27FC236}">
+                <a16:creationId xmlns:a16="http://schemas.microsoft.com/office/drawing/2014/main" xmlns="" id="{9BDC5DA7-AEC1-1113-4950-7CD1187E0D45}"/>
+              </a:ext>
+            </a:extLst>
+          </p:cNvPr>
+          <p:cNvPicPr>
+            <a:picLocks noChangeAspect="1"/>
+          </p:cNvPicPr>
+          <p:nvPr/>
+        </p:nvPicPr>
+        <p:blipFill>
+          <a:blip r:embed="rId4"/>
+          <a:stretch>
+            <a:fillRect/>
+          </a:stretch>
+        </p:blipFill>
+        <p:spPr>
+          <a:xfrm>
+            <a:off x="6683596" y="4115944"/>
+            <a:ext cx="5486400" cy="2743200"/>
+          </a:xfrm>
+          <a:prstGeom prst="rect">
+            <a:avLst/>
+          </a:prstGeom>
+        </p:spPr>
+      </p:pic>
+      <p:sp>
+        <p:nvSpPr>
+          <p:cNvPr id="23" name="TextBox 22">
+            <a:extLst>
+              <a:ext uri="{FF2B5EF4-FFF2-40B4-BE49-F238E27FC236}">
+                <a16:creationId xmlns:a16="http://schemas.microsoft.com/office/drawing/2014/main" xmlns="" id="{E492EA35-F853-C549-25DD-8833D4ADF337}"/>
+              </a:ext>
+            </a:extLst>
+          </p:cNvPr>
+          <p:cNvSpPr txBox="1"/>
+          <p:nvPr/>
+        </p:nvSpPr>
+        <p:spPr>
+          <a:xfrm>
+            <a:off x="720667" y="1042309"/>
+            <a:ext cx="5978835" cy="1015663"/>
+          </a:xfrm>
+          <a:prstGeom prst="rect">
+            <a:avLst/>
+          </a:prstGeom>
+          <a:noFill/>
+        </p:spPr>
+        <p:txBody>
+          <a:bodyPr wrap="square" rtlCol="0">
+            <a:spAutoFit/>
+          </a:bodyPr>
+          <a:lstStyle/>
+          <a:p>
+            <a:r>
+              <a:rPr lang="en-US" sz="2000" dirty="0"/>
+              <a:t>Mean : 114.686667</a:t>
+            </a:r>
+          </a:p>
+          <a:p>
+            <a:r>
+              <a:rPr lang="en-US" sz="2000" dirty="0"/>
+              <a:t>STD : 2.778207</a:t>
+            </a:r>
+          </a:p>
+          <a:p>
+            <a:r>
+              <a:rPr lang="en-US" sz="2000" dirty="0"/>
+              <a:t>Z-Score : -1.2032409750947137   </a:t>
+            </a:r>
+          </a:p>
+        </p:txBody>
+      </p:sp>
+      <p:sp>
+        <p:nvSpPr>
+          <p:cNvPr id="24" name="TextBox 23">
+            <a:extLst>
+              <a:ext uri="{FF2B5EF4-FFF2-40B4-BE49-F238E27FC236}">
+                <a16:creationId xmlns:a16="http://schemas.microsoft.com/office/drawing/2014/main" xmlns="" id="{1CDF34BE-5078-FA3F-D836-FE3694EEC6CE}"/>
+              </a:ext>
+            </a:extLst>
+          </p:cNvPr>
+          <p:cNvSpPr txBox="1"/>
+          <p:nvPr/>
+        </p:nvSpPr>
+        <p:spPr>
+          <a:xfrm>
+            <a:off x="717619" y="-111281"/>
+            <a:ext cx="5600700" cy="1446550"/>
+          </a:xfrm>
+          <a:prstGeom prst="rect">
+            <a:avLst/>
+          </a:prstGeom>
+          <a:noFill/>
+        </p:spPr>
+        <p:txBody>
+          <a:bodyPr wrap="square" rtlCol="0">
+            <a:spAutoFit/>
+          </a:bodyPr>
+          <a:lstStyle/>
+          <a:p>
+            <a:r>
+              <a:rPr lang="en-US" sz="8800" dirty="0"/>
+              <a:t>POINTS</a:t>
+            </a:r>
+          </a:p>
+        </p:txBody>
+      </p:sp>
+    </p:spTree>
+    <p:extLst>
+      <p:ext uri="{BB962C8B-B14F-4D97-AF65-F5344CB8AC3E}">
+        <p14:creationId xmlns:p14="http://schemas.microsoft.com/office/powerpoint/2010/main" val="1045547712"/>
+      </p:ext>
+    </p:extLst>
+  </p:cSld>
+  <p:clrMapOvr>
+    <a:masterClrMapping/>
+  </p:clrMapOvr>
+</p:sld>
+</file>
+
+<file path=ppt/slides/slide2.xml><?xml version="1.0" encoding="utf-8"?>
+<p:sld xmlns:a="http://schemas.openxmlformats.org/drawingml/2006/main" xmlns:r="http://schemas.openxmlformats.org/officeDocument/2006/relationships" xmlns:p="http://schemas.openxmlformats.org/presentationml/2006/main">
+  <p:cSld>
+    <p:spTree>
+      <p:nvGrpSpPr>
+        <p:cNvPr id="1" name=""/>
+        <p:cNvGrpSpPr/>
+        <p:nvPr/>
+      </p:nvGrpSpPr>
+      <p:grpSpPr>
+        <a:xfrm>
+          <a:off x="0" y="0"/>
+          <a:ext cx="0" cy="0"/>
+          <a:chOff x="0" y="0"/>
+          <a:chExt cx="0" cy="0"/>
+        </a:xfrm>
+      </p:grpSpPr>
+      <p:sp>
+        <p:nvSpPr>
+          <p:cNvPr id="2" name="Title 1"/>
+          <p:cNvSpPr>
+            <a:spLocks noGrp="1"/>
+          </p:cNvSpPr>
+          <p:nvPr>
+            <p:ph type="title"/>
+          </p:nvPr>
+        </p:nvSpPr>
+        <p:spPr>
+          <a:xfrm>
+            <a:off x="831850" y="239561"/>
+            <a:ext cx="10515600" cy="1427874"/>
+          </a:xfrm>
+        </p:spPr>
+        <p:txBody>
+          <a:bodyPr>
+            <a:normAutofit/>
+          </a:bodyPr>
+          <a:lstStyle/>
+          <a:p>
+            <a:pPr algn="ctr"/>
+            <a:r>
+              <a:rPr lang="en-US" dirty="0" smtClean="0"/>
+              <a:t>SECTION 1</a:t>
+            </a:r>
+            <a:br>
+              <a:rPr lang="en-US" dirty="0" smtClean="0"/>
+            </a:br>
+            <a:endParaRPr lang="en-US" sz="2000" dirty="0"/>
+          </a:p>
+        </p:txBody>
+      </p:sp>
+      <p:sp>
+        <p:nvSpPr>
+          <p:cNvPr id="3" name="Text Placeholder 2"/>
+          <p:cNvSpPr>
+            <a:spLocks noGrp="1"/>
+          </p:cNvSpPr>
+          <p:nvPr>
+            <p:ph type="body" idx="1"/>
+          </p:nvPr>
+        </p:nvSpPr>
+        <p:spPr>
+          <a:xfrm>
+            <a:off x="831850" y="1721225"/>
+            <a:ext cx="10515600" cy="4368426"/>
+          </a:xfrm>
+        </p:spPr>
+        <p:txBody>
+          <a:bodyPr>
+            <a:normAutofit/>
+          </a:bodyPr>
+          <a:lstStyle/>
+          <a:p>
+            <a:pPr algn="ctr"/>
+            <a:r>
+              <a:rPr lang="en-US" sz="2800" dirty="0" smtClean="0">
+                <a:solidFill>
+                  <a:srgbClr val="2B2B2B"/>
+                </a:solidFill>
+              </a:rPr>
+              <a:t>Overview </a:t>
+            </a:r>
+            <a:r>
+              <a:rPr lang="en-US" sz="2800" dirty="0">
+                <a:solidFill>
+                  <a:srgbClr val="2B2B2B"/>
+                </a:solidFill>
+              </a:rPr>
+              <a:t>of the project and project goals</a:t>
+            </a:r>
+            <a:endParaRPr lang="en-US" sz="2800" dirty="0"/>
+          </a:p>
+        </p:txBody>
+      </p:sp>
+    </p:spTree>
+    <p:extLst>
+      <p:ext uri="{BB962C8B-B14F-4D97-AF65-F5344CB8AC3E}">
+        <p14:creationId xmlns:p14="http://schemas.microsoft.com/office/powerpoint/2010/main" val="28424026"/>
+      </p:ext>
+    </p:extLst>
+  </p:cSld>
+  <p:clrMapOvr>
+    <a:masterClrMapping/>
+  </p:clrMapOvr>
+  <p:timing>
+    <p:tnLst>
+      <p:par>
+        <p:cTn id="1" dur="indefinite" restart="never" nodeType="tmRoot"/>
+      </p:par>
+    </p:tnLst>
+  </p:timing>
+</p:sld>
+</file>
+
+<file path=ppt/slides/slide20.xml><?xml version="1.0" encoding="utf-8"?>
+<p:sld xmlns:a="http://schemas.openxmlformats.org/drawingml/2006/main" xmlns:r="http://schemas.openxmlformats.org/officeDocument/2006/relationships" xmlns:p="http://schemas.openxmlformats.org/presentationml/2006/main">
+  <p:cSld>
+    <p:spTree>
+      <p:nvGrpSpPr>
+        <p:cNvPr id="1" name=""/>
+        <p:cNvGrpSpPr/>
+        <p:nvPr/>
+      </p:nvGrpSpPr>
+      <p:grpSpPr>
+        <a:xfrm>
+          <a:off x="0" y="0"/>
+          <a:ext cx="0" cy="0"/>
+          <a:chOff x="0" y="0"/>
+          <a:chExt cx="0" cy="0"/>
+        </a:xfrm>
+      </p:grpSpPr>
+      <p:pic>
+        <p:nvPicPr>
+          <p:cNvPr id="7" name="Picture 6" descr="Chart, box and whisker chart&#10;&#10;Description automatically generated">
+            <a:extLst>
+              <a:ext uri="{FF2B5EF4-FFF2-40B4-BE49-F238E27FC236}">
+                <a16:creationId xmlns:a16="http://schemas.microsoft.com/office/drawing/2014/main" xmlns="" id="{673DBD13-CEEE-01BD-F80C-5584F02F4D88}"/>
+              </a:ext>
+            </a:extLst>
+          </p:cNvPr>
+          <p:cNvPicPr>
+            <a:picLocks noChangeAspect="1"/>
+          </p:cNvPicPr>
+          <p:nvPr/>
+        </p:nvPicPr>
+        <p:blipFill>
+          <a:blip r:embed="rId2"/>
+          <a:stretch>
+            <a:fillRect/>
+          </a:stretch>
+        </p:blipFill>
+        <p:spPr>
+          <a:xfrm>
+            <a:off x="0" y="1714499"/>
+            <a:ext cx="7162800" cy="5143501"/>
+          </a:xfrm>
+          <a:prstGeom prst="rect">
+            <a:avLst/>
+          </a:prstGeom>
+        </p:spPr>
+      </p:pic>
+      <p:pic>
+        <p:nvPicPr>
+          <p:cNvPr id="9" name="Picture 8" descr="Chart, waterfall chart&#10;&#10;Description automatically generated">
+            <a:extLst>
+              <a:ext uri="{FF2B5EF4-FFF2-40B4-BE49-F238E27FC236}">
+                <a16:creationId xmlns:a16="http://schemas.microsoft.com/office/drawing/2014/main" xmlns="" id="{A0AE94CE-0B9C-E713-C61C-18931029D723}"/>
+              </a:ext>
+            </a:extLst>
+          </p:cNvPr>
+          <p:cNvPicPr>
+            <a:picLocks noChangeAspect="1"/>
+          </p:cNvPicPr>
+          <p:nvPr/>
+        </p:nvPicPr>
+        <p:blipFill>
+          <a:blip r:embed="rId3"/>
+          <a:stretch>
+            <a:fillRect/>
+          </a:stretch>
+        </p:blipFill>
+        <p:spPr>
+          <a:xfrm>
+            <a:off x="6934198" y="4229099"/>
+            <a:ext cx="5257802" cy="2628901"/>
+          </a:xfrm>
+          <a:prstGeom prst="rect">
+            <a:avLst/>
+          </a:prstGeom>
+        </p:spPr>
+      </p:pic>
+      <p:pic>
+        <p:nvPicPr>
+          <p:cNvPr id="5" name="Picture 4" descr="Chart, bar chart&#10;&#10;Description automatically generated">
+            <a:extLst>
+              <a:ext uri="{FF2B5EF4-FFF2-40B4-BE49-F238E27FC236}">
+                <a16:creationId xmlns:a16="http://schemas.microsoft.com/office/drawing/2014/main" xmlns="" id="{BC5BDEA8-3968-461A-6A48-B0B1CC67DEBB}"/>
+              </a:ext>
+            </a:extLst>
+          </p:cNvPr>
+          <p:cNvPicPr>
+            <a:picLocks noChangeAspect="1"/>
+          </p:cNvPicPr>
+          <p:nvPr/>
+        </p:nvPicPr>
+        <p:blipFill>
+          <a:blip r:embed="rId4"/>
+          <a:stretch>
+            <a:fillRect/>
+          </a:stretch>
+        </p:blipFill>
+        <p:spPr>
+          <a:xfrm>
+            <a:off x="6457950" y="0"/>
+            <a:ext cx="5734050" cy="4300538"/>
+          </a:xfrm>
+          <a:prstGeom prst="rect">
+            <a:avLst/>
+          </a:prstGeom>
+        </p:spPr>
+      </p:pic>
+      <p:sp>
+        <p:nvSpPr>
+          <p:cNvPr id="10" name="TextBox 9">
+            <a:extLst>
+              <a:ext uri="{FF2B5EF4-FFF2-40B4-BE49-F238E27FC236}">
+                <a16:creationId xmlns:a16="http://schemas.microsoft.com/office/drawing/2014/main" xmlns="" id="{53E6EA2F-14A3-39A3-F001-D76606BC2284}"/>
+              </a:ext>
+            </a:extLst>
+          </p:cNvPr>
+          <p:cNvSpPr txBox="1"/>
+          <p:nvPr/>
+        </p:nvSpPr>
+        <p:spPr>
+          <a:xfrm>
+            <a:off x="717619" y="1063219"/>
+            <a:ext cx="5585214" cy="923330"/>
+          </a:xfrm>
+          <a:prstGeom prst="rect">
+            <a:avLst/>
+          </a:prstGeom>
+          <a:noFill/>
+        </p:spPr>
+        <p:txBody>
+          <a:bodyPr wrap="square" rtlCol="0">
+            <a:spAutoFit/>
+          </a:bodyPr>
+          <a:lstStyle/>
+          <a:p>
+            <a:r>
+              <a:rPr lang="en-US" dirty="0"/>
+              <a:t>Mean : 12.340000</a:t>
+            </a:r>
+          </a:p>
+          <a:p>
+            <a:r>
+              <a:rPr lang="en-US" dirty="0"/>
+              <a:t>STD : 1.636776</a:t>
+            </a:r>
+          </a:p>
+          <a:p>
+            <a:r>
+              <a:rPr lang="en-US" dirty="0"/>
+              <a:t>Z-Score : -0.9569587051933831</a:t>
+            </a:r>
+          </a:p>
+        </p:txBody>
+      </p:sp>
+      <p:sp>
+        <p:nvSpPr>
+          <p:cNvPr id="12" name="TextBox 11">
+            <a:extLst>
+              <a:ext uri="{FF2B5EF4-FFF2-40B4-BE49-F238E27FC236}">
+                <a16:creationId xmlns:a16="http://schemas.microsoft.com/office/drawing/2014/main" xmlns="" id="{79F29013-65AF-D5CC-83DA-9F2F9199E9A5}"/>
+              </a:ext>
+            </a:extLst>
+          </p:cNvPr>
+          <p:cNvSpPr txBox="1"/>
+          <p:nvPr/>
+        </p:nvSpPr>
+        <p:spPr>
+          <a:xfrm>
+            <a:off x="717619" y="-111281"/>
+            <a:ext cx="5600700" cy="1446550"/>
+          </a:xfrm>
+          <a:prstGeom prst="rect">
+            <a:avLst/>
+          </a:prstGeom>
+          <a:noFill/>
+        </p:spPr>
+        <p:txBody>
+          <a:bodyPr wrap="square" rtlCol="0">
+            <a:spAutoFit/>
+          </a:bodyPr>
+          <a:lstStyle/>
+          <a:p>
+            <a:r>
+              <a:rPr lang="en-US" sz="8800" dirty="0"/>
+              <a:t>3 POINTERS</a:t>
+            </a:r>
+          </a:p>
+        </p:txBody>
+      </p:sp>
+    </p:spTree>
+    <p:extLst>
+      <p:ext uri="{BB962C8B-B14F-4D97-AF65-F5344CB8AC3E}">
+        <p14:creationId xmlns:p14="http://schemas.microsoft.com/office/powerpoint/2010/main" val="1953329787"/>
+      </p:ext>
+    </p:extLst>
+  </p:cSld>
+  <p:clrMapOvr>
+    <a:masterClrMapping/>
+  </p:clrMapOvr>
+</p:sld>
+</file>
+
+<file path=ppt/slides/slide21.xml><?xml version="1.0" encoding="utf-8"?>
+<p:sld xmlns:a="http://schemas.openxmlformats.org/drawingml/2006/main" xmlns:r="http://schemas.openxmlformats.org/officeDocument/2006/relationships" xmlns:p="http://schemas.openxmlformats.org/presentationml/2006/main">
+  <p:cSld>
+    <p:spTree>
+      <p:nvGrpSpPr>
+        <p:cNvPr id="1" name=""/>
+        <p:cNvGrpSpPr/>
+        <p:nvPr/>
+      </p:nvGrpSpPr>
+      <p:grpSpPr>
+        <a:xfrm>
+          <a:off x="0" y="0"/>
+          <a:ext cx="0" cy="0"/>
+          <a:chOff x="0" y="0"/>
+          <a:chExt cx="0" cy="0"/>
+        </a:xfrm>
+      </p:grpSpPr>
+      <p:pic>
+        <p:nvPicPr>
+          <p:cNvPr id="7" name="Picture 6" descr="Chart, box and whisker chart&#10;&#10;Description automatically generated">
+            <a:extLst>
+              <a:ext uri="{FF2B5EF4-FFF2-40B4-BE49-F238E27FC236}">
+                <a16:creationId xmlns:a16="http://schemas.microsoft.com/office/drawing/2014/main" xmlns="" id="{571B0C43-F5A2-CE4B-F0F0-BBEAB88388C2}"/>
+              </a:ext>
+            </a:extLst>
+          </p:cNvPr>
+          <p:cNvPicPr>
+            <a:picLocks noChangeAspect="1"/>
+          </p:cNvPicPr>
+          <p:nvPr/>
+        </p:nvPicPr>
+        <p:blipFill>
+          <a:blip r:embed="rId2"/>
+          <a:stretch>
+            <a:fillRect/>
+          </a:stretch>
+        </p:blipFill>
+        <p:spPr>
+          <a:xfrm>
+            <a:off x="0" y="1785490"/>
+            <a:ext cx="7035800" cy="5029200"/>
+          </a:xfrm>
+          <a:prstGeom prst="rect">
+            <a:avLst/>
+          </a:prstGeom>
+        </p:spPr>
+      </p:pic>
+      <p:pic>
+        <p:nvPicPr>
+          <p:cNvPr id="5" name="Content Placeholder 4" descr="Chart, bar chart&#10;&#10;Description automatically generated">
+            <a:extLst>
+              <a:ext uri="{FF2B5EF4-FFF2-40B4-BE49-F238E27FC236}">
+                <a16:creationId xmlns:a16="http://schemas.microsoft.com/office/drawing/2014/main" xmlns="" id="{85864E5B-CDEB-BBC1-7623-E8B82E57EAE7}"/>
+              </a:ext>
+            </a:extLst>
+          </p:cNvPr>
+          <p:cNvPicPr>
+            <a:picLocks noGrp="1" noChangeAspect="1"/>
+          </p:cNvPicPr>
+          <p:nvPr>
+            <p:ph idx="1"/>
+          </p:nvPr>
+        </p:nvPicPr>
+        <p:blipFill>
+          <a:blip r:embed="rId3"/>
+          <a:stretch>
+            <a:fillRect/>
+          </a:stretch>
+        </p:blipFill>
+        <p:spPr>
+          <a:xfrm>
+            <a:off x="6390216" y="43310"/>
+            <a:ext cx="5801784" cy="4351338"/>
+          </a:xfrm>
+        </p:spPr>
+      </p:pic>
+      <p:pic>
+        <p:nvPicPr>
+          <p:cNvPr id="9" name="Picture 8" descr="Chart, waterfall chart&#10;&#10;Description automatically generated">
+            <a:extLst>
+              <a:ext uri="{FF2B5EF4-FFF2-40B4-BE49-F238E27FC236}">
+                <a16:creationId xmlns:a16="http://schemas.microsoft.com/office/drawing/2014/main" xmlns="" id="{8774639A-46B7-CDD1-E2D3-06C72BFB3B7C}"/>
+              </a:ext>
+            </a:extLst>
+          </p:cNvPr>
+          <p:cNvPicPr>
+            <a:picLocks noChangeAspect="1"/>
+          </p:cNvPicPr>
+          <p:nvPr/>
+        </p:nvPicPr>
+        <p:blipFill>
+          <a:blip r:embed="rId4"/>
+          <a:stretch>
+            <a:fillRect/>
+          </a:stretch>
+        </p:blipFill>
+        <p:spPr>
+          <a:xfrm>
+            <a:off x="6705600" y="4114800"/>
+            <a:ext cx="5486400" cy="2743200"/>
+          </a:xfrm>
+          <a:prstGeom prst="rect">
+            <a:avLst/>
+          </a:prstGeom>
+        </p:spPr>
+      </p:pic>
+      <p:sp>
+        <p:nvSpPr>
+          <p:cNvPr id="10" name="TextBox 9">
+            <a:extLst>
+              <a:ext uri="{FF2B5EF4-FFF2-40B4-BE49-F238E27FC236}">
+                <a16:creationId xmlns:a16="http://schemas.microsoft.com/office/drawing/2014/main" xmlns="" id="{A0675332-BE2F-FD9B-E9BF-B896EB942C0C}"/>
+              </a:ext>
+            </a:extLst>
+          </p:cNvPr>
+          <p:cNvSpPr txBox="1"/>
+          <p:nvPr/>
+        </p:nvSpPr>
+        <p:spPr>
+          <a:xfrm>
+            <a:off x="740569" y="1077496"/>
+            <a:ext cx="5224462" cy="923330"/>
+          </a:xfrm>
+          <a:prstGeom prst="rect">
+            <a:avLst/>
+          </a:prstGeom>
+          <a:noFill/>
+        </p:spPr>
+        <p:txBody>
+          <a:bodyPr wrap="square" rtlCol="0">
+            <a:spAutoFit/>
+          </a:bodyPr>
+          <a:lstStyle/>
+          <a:p>
+            <a:r>
+              <a:rPr lang="en-US" dirty="0"/>
+              <a:t>Mean : 41.976667</a:t>
+            </a:r>
+          </a:p>
+          <a:p>
+            <a:r>
+              <a:rPr lang="en-US" dirty="0"/>
+              <a:t>STD : 1.290197</a:t>
+            </a:r>
+          </a:p>
+          <a:p>
+            <a:r>
+              <a:rPr lang="en-US" dirty="0"/>
+              <a:t>Z-Score : -1.164093743854465      </a:t>
+            </a:r>
+          </a:p>
+        </p:txBody>
+      </p:sp>
+      <p:sp>
+        <p:nvSpPr>
+          <p:cNvPr id="11" name="TextBox 10">
+            <a:extLst>
+              <a:ext uri="{FF2B5EF4-FFF2-40B4-BE49-F238E27FC236}">
+                <a16:creationId xmlns:a16="http://schemas.microsoft.com/office/drawing/2014/main" xmlns="" id="{F71C0988-C48A-4F5E-7C33-6FB2DCA7C87B}"/>
+              </a:ext>
+            </a:extLst>
+          </p:cNvPr>
+          <p:cNvSpPr txBox="1"/>
+          <p:nvPr/>
+        </p:nvSpPr>
+        <p:spPr>
+          <a:xfrm>
+            <a:off x="717619" y="-111281"/>
+            <a:ext cx="6111806" cy="1446550"/>
+          </a:xfrm>
+          <a:prstGeom prst="rect">
+            <a:avLst/>
+          </a:prstGeom>
+          <a:noFill/>
+        </p:spPr>
+        <p:txBody>
+          <a:bodyPr wrap="square" rtlCol="0">
+            <a:spAutoFit/>
+          </a:bodyPr>
+          <a:lstStyle/>
+          <a:p>
+            <a:r>
+              <a:rPr lang="en-US" sz="8800" dirty="0"/>
+              <a:t>FIELD GOALS</a:t>
+            </a:r>
+          </a:p>
+        </p:txBody>
+      </p:sp>
+    </p:spTree>
+    <p:extLst>
+      <p:ext uri="{BB962C8B-B14F-4D97-AF65-F5344CB8AC3E}">
+        <p14:creationId xmlns:p14="http://schemas.microsoft.com/office/powerpoint/2010/main" val="2920785466"/>
+      </p:ext>
+    </p:extLst>
+  </p:cSld>
+  <p:clrMapOvr>
+    <a:masterClrMapping/>
+  </p:clrMapOvr>
+</p:sld>
+</file>
+
+<file path=ppt/slides/slide22.xml><?xml version="1.0" encoding="utf-8"?>
+<p:sld xmlns:a="http://schemas.openxmlformats.org/drawingml/2006/main" xmlns:r="http://schemas.openxmlformats.org/officeDocument/2006/relationships" xmlns:p="http://schemas.openxmlformats.org/presentationml/2006/main">
+  <p:cSld>
+    <p:spTree>
+      <p:nvGrpSpPr>
+        <p:cNvPr id="1" name=""/>
+        <p:cNvGrpSpPr/>
+        <p:nvPr/>
+      </p:nvGrpSpPr>
+      <p:grpSpPr>
+        <a:xfrm>
+          <a:off x="0" y="0"/>
+          <a:ext cx="0" cy="0"/>
+          <a:chOff x="0" y="0"/>
+          <a:chExt cx="0" cy="0"/>
+        </a:xfrm>
+      </p:grpSpPr>
+      <p:pic>
+        <p:nvPicPr>
+          <p:cNvPr id="7" name="Picture 6" descr="Chart, box and whisker chart&#10;&#10;Description automatically generated">
+            <a:extLst>
+              <a:ext uri="{FF2B5EF4-FFF2-40B4-BE49-F238E27FC236}">
+                <a16:creationId xmlns:a16="http://schemas.microsoft.com/office/drawing/2014/main" xmlns="" id="{0CF6731B-1235-D502-0766-AE84CAD517B9}"/>
+              </a:ext>
+            </a:extLst>
+          </p:cNvPr>
+          <p:cNvPicPr>
+            <a:picLocks noChangeAspect="1"/>
+          </p:cNvPicPr>
+          <p:nvPr/>
+        </p:nvPicPr>
+        <p:blipFill>
+          <a:blip r:embed="rId2"/>
+          <a:stretch>
+            <a:fillRect/>
+          </a:stretch>
+        </p:blipFill>
+        <p:spPr>
+          <a:xfrm>
+            <a:off x="0" y="1887537"/>
+            <a:ext cx="7035800" cy="4970463"/>
+          </a:xfrm>
+          <a:prstGeom prst="rect">
+            <a:avLst/>
+          </a:prstGeom>
+        </p:spPr>
+      </p:pic>
+      <p:pic>
+        <p:nvPicPr>
+          <p:cNvPr id="5" name="Content Placeholder 4" descr="Chart, bar chart&#10;&#10;Description automatically generated">
+            <a:extLst>
+              <a:ext uri="{FF2B5EF4-FFF2-40B4-BE49-F238E27FC236}">
+                <a16:creationId xmlns:a16="http://schemas.microsoft.com/office/drawing/2014/main" xmlns="" id="{22713D47-33E4-344B-8941-72BB2FB30B62}"/>
+              </a:ext>
+            </a:extLst>
+          </p:cNvPr>
+          <p:cNvPicPr>
+            <a:picLocks noGrp="1" noChangeAspect="1"/>
+          </p:cNvPicPr>
+          <p:nvPr>
+            <p:ph idx="1"/>
+          </p:nvPr>
+        </p:nvPicPr>
+        <p:blipFill>
+          <a:blip r:embed="rId3"/>
+          <a:stretch>
+            <a:fillRect/>
+          </a:stretch>
+        </p:blipFill>
+        <p:spPr>
+          <a:xfrm>
+            <a:off x="6350000" y="30162"/>
+            <a:ext cx="5842000" cy="4381500"/>
+          </a:xfrm>
+        </p:spPr>
+      </p:pic>
+      <p:pic>
+        <p:nvPicPr>
+          <p:cNvPr id="9" name="Picture 8" descr="Chart, waterfall chart&#10;&#10;Description automatically generated">
+            <a:extLst>
+              <a:ext uri="{FF2B5EF4-FFF2-40B4-BE49-F238E27FC236}">
+                <a16:creationId xmlns:a16="http://schemas.microsoft.com/office/drawing/2014/main" xmlns="" id="{5969452F-D778-EC06-3C32-3EB541A161AD}"/>
+              </a:ext>
+            </a:extLst>
+          </p:cNvPr>
+          <p:cNvPicPr>
+            <a:picLocks noChangeAspect="1"/>
+          </p:cNvPicPr>
+          <p:nvPr/>
+        </p:nvPicPr>
+        <p:blipFill>
+          <a:blip r:embed="rId4"/>
+          <a:stretch>
+            <a:fillRect/>
+          </a:stretch>
+        </p:blipFill>
+        <p:spPr>
+          <a:xfrm>
+            <a:off x="6705600" y="4114800"/>
+            <a:ext cx="5486400" cy="2743200"/>
+          </a:xfrm>
+          <a:prstGeom prst="rect">
+            <a:avLst/>
+          </a:prstGeom>
+        </p:spPr>
+      </p:pic>
+      <p:sp>
+        <p:nvSpPr>
+          <p:cNvPr id="10" name="TextBox 9">
+            <a:extLst>
+              <a:ext uri="{FF2B5EF4-FFF2-40B4-BE49-F238E27FC236}">
+                <a16:creationId xmlns:a16="http://schemas.microsoft.com/office/drawing/2014/main" xmlns="" id="{2C5D9DC3-0DE1-02A8-69FB-5830C925B3DC}"/>
+              </a:ext>
+            </a:extLst>
+          </p:cNvPr>
+          <p:cNvSpPr txBox="1"/>
+          <p:nvPr/>
+        </p:nvSpPr>
+        <p:spPr>
+          <a:xfrm>
+            <a:off x="738187" y="1081594"/>
+            <a:ext cx="5713146" cy="1015663"/>
+          </a:xfrm>
+          <a:prstGeom prst="rect">
+            <a:avLst/>
+          </a:prstGeom>
+          <a:noFill/>
+        </p:spPr>
+        <p:txBody>
+          <a:bodyPr wrap="square" rtlCol="0">
+            <a:spAutoFit/>
+          </a:bodyPr>
+          <a:lstStyle/>
+          <a:p>
+            <a:r>
+              <a:rPr lang="en-US" sz="2000" dirty="0"/>
+              <a:t>Mean : 43.430000</a:t>
+            </a:r>
+          </a:p>
+          <a:p>
+            <a:r>
+              <a:rPr lang="en-US" sz="2000" dirty="0"/>
+              <a:t>STD : 2.213462</a:t>
+            </a:r>
+          </a:p>
+          <a:p>
+            <a:r>
+              <a:rPr lang="en-US" sz="2000" dirty="0"/>
+              <a:t>Z-Score : -0.10568598615921526</a:t>
+            </a:r>
+          </a:p>
+        </p:txBody>
+      </p:sp>
+      <p:sp>
+        <p:nvSpPr>
+          <p:cNvPr id="11" name="TextBox 10">
+            <a:extLst>
+              <a:ext uri="{FF2B5EF4-FFF2-40B4-BE49-F238E27FC236}">
+                <a16:creationId xmlns:a16="http://schemas.microsoft.com/office/drawing/2014/main" xmlns="" id="{91DCE221-08F8-C49F-58D1-08CDD7971689}"/>
+              </a:ext>
+            </a:extLst>
+          </p:cNvPr>
+          <p:cNvSpPr txBox="1"/>
+          <p:nvPr/>
+        </p:nvSpPr>
+        <p:spPr>
+          <a:xfrm>
+            <a:off x="717619" y="-111281"/>
+            <a:ext cx="5600700" cy="1446550"/>
+          </a:xfrm>
+          <a:prstGeom prst="rect">
+            <a:avLst/>
+          </a:prstGeom>
+          <a:noFill/>
+        </p:spPr>
+        <p:txBody>
+          <a:bodyPr wrap="square" rtlCol="0">
+            <a:spAutoFit/>
+          </a:bodyPr>
+          <a:lstStyle/>
+          <a:p>
+            <a:r>
+              <a:rPr lang="en-US" sz="8800" dirty="0"/>
+              <a:t>REBOUNDS</a:t>
+            </a:r>
+          </a:p>
+        </p:txBody>
+      </p:sp>
+    </p:spTree>
+    <p:extLst>
+      <p:ext uri="{BB962C8B-B14F-4D97-AF65-F5344CB8AC3E}">
+        <p14:creationId xmlns:p14="http://schemas.microsoft.com/office/powerpoint/2010/main" val="3223950611"/>
+      </p:ext>
+    </p:extLst>
+  </p:cSld>
+  <p:clrMapOvr>
+    <a:masterClrMapping/>
+  </p:clrMapOvr>
+</p:sld>
+</file>
+
+<file path=ppt/slides/slide23.xml><?xml version="1.0" encoding="utf-8"?>
+<p:sld xmlns:a="http://schemas.openxmlformats.org/drawingml/2006/main" xmlns:r="http://schemas.openxmlformats.org/officeDocument/2006/relationships" xmlns:p="http://schemas.openxmlformats.org/presentationml/2006/main">
+  <p:cSld>
+    <p:spTree>
+      <p:nvGrpSpPr>
+        <p:cNvPr id="1" name=""/>
+        <p:cNvGrpSpPr/>
+        <p:nvPr/>
+      </p:nvGrpSpPr>
+      <p:grpSpPr>
+        <a:xfrm>
+          <a:off x="0" y="0"/>
+          <a:ext cx="0" cy="0"/>
+          <a:chOff x="0" y="0"/>
+          <a:chExt cx="0" cy="0"/>
+        </a:xfrm>
+      </p:grpSpPr>
+      <p:pic>
+        <p:nvPicPr>
+          <p:cNvPr id="7" name="Picture 6" descr="Chart, box and whisker chart&#10;&#10;Description automatically generated">
+            <a:extLst>
+              <a:ext uri="{FF2B5EF4-FFF2-40B4-BE49-F238E27FC236}">
+                <a16:creationId xmlns:a16="http://schemas.microsoft.com/office/drawing/2014/main" xmlns="" id="{62F9A557-682B-BB6E-9FFC-DAB4D9D0B879}"/>
+              </a:ext>
+            </a:extLst>
+          </p:cNvPr>
+          <p:cNvPicPr>
+            <a:picLocks noChangeAspect="1"/>
+          </p:cNvPicPr>
+          <p:nvPr/>
+        </p:nvPicPr>
+        <p:blipFill>
+          <a:blip r:embed="rId2"/>
+          <a:stretch>
+            <a:fillRect/>
+          </a:stretch>
+        </p:blipFill>
+        <p:spPr>
+          <a:xfrm>
+            <a:off x="0" y="1714500"/>
+            <a:ext cx="7340600" cy="5143500"/>
+          </a:xfrm>
+          <a:prstGeom prst="rect">
+            <a:avLst/>
+          </a:prstGeom>
+        </p:spPr>
+      </p:pic>
+      <p:pic>
+        <p:nvPicPr>
+          <p:cNvPr id="9" name="Picture 8" descr="Chart, waterfall chart&#10;&#10;Description automatically generated">
+            <a:extLst>
+              <a:ext uri="{FF2B5EF4-FFF2-40B4-BE49-F238E27FC236}">
+                <a16:creationId xmlns:a16="http://schemas.microsoft.com/office/drawing/2014/main" xmlns="" id="{519265D6-F3D1-05BD-0974-9F4A84EA4F19}"/>
+              </a:ext>
+            </a:extLst>
+          </p:cNvPr>
+          <p:cNvPicPr>
+            <a:picLocks noChangeAspect="1"/>
+          </p:cNvPicPr>
+          <p:nvPr/>
+        </p:nvPicPr>
+        <p:blipFill>
+          <a:blip r:embed="rId3"/>
+          <a:stretch>
+            <a:fillRect/>
+          </a:stretch>
+        </p:blipFill>
+        <p:spPr>
+          <a:xfrm>
+            <a:off x="6705595" y="4114798"/>
+            <a:ext cx="5486404" cy="2743202"/>
+          </a:xfrm>
+          <a:prstGeom prst="rect">
+            <a:avLst/>
+          </a:prstGeom>
+        </p:spPr>
+      </p:pic>
+      <p:pic>
+        <p:nvPicPr>
+          <p:cNvPr id="5" name="Picture 4">
+            <a:extLst>
+              <a:ext uri="{FF2B5EF4-FFF2-40B4-BE49-F238E27FC236}">
+                <a16:creationId xmlns:a16="http://schemas.microsoft.com/office/drawing/2014/main" xmlns="" id="{FD739AB8-BC60-67C6-6022-00B55B28DBB6}"/>
+              </a:ext>
+            </a:extLst>
+          </p:cNvPr>
+          <p:cNvPicPr>
+            <a:picLocks noChangeAspect="1"/>
+          </p:cNvPicPr>
+          <p:nvPr/>
+        </p:nvPicPr>
+        <p:blipFill>
+          <a:blip r:embed="rId4"/>
+          <a:srcRect/>
+          <a:stretch/>
+        </p:blipFill>
+        <p:spPr>
+          <a:xfrm>
+            <a:off x="6705595" y="-3"/>
+            <a:ext cx="5486401" cy="4114800"/>
+          </a:xfrm>
+          <a:prstGeom prst="rect">
+            <a:avLst/>
+          </a:prstGeom>
+        </p:spPr>
+      </p:pic>
+      <p:sp>
+        <p:nvSpPr>
+          <p:cNvPr id="10" name="TextBox 9">
+            <a:extLst>
+              <a:ext uri="{FF2B5EF4-FFF2-40B4-BE49-F238E27FC236}">
+                <a16:creationId xmlns:a16="http://schemas.microsoft.com/office/drawing/2014/main" xmlns="" id="{E7087A4F-34AE-DCFE-1CD7-40695B9B990F}"/>
+              </a:ext>
+            </a:extLst>
+          </p:cNvPr>
+          <p:cNvSpPr txBox="1"/>
+          <p:nvPr/>
+        </p:nvSpPr>
+        <p:spPr>
+          <a:xfrm>
+            <a:off x="717616" y="1072545"/>
+            <a:ext cx="5355433" cy="1569660"/>
+          </a:xfrm>
+          <a:prstGeom prst="rect">
+            <a:avLst/>
+          </a:prstGeom>
+          <a:noFill/>
+        </p:spPr>
+        <p:txBody>
+          <a:bodyPr wrap="square" rtlCol="0">
+            <a:spAutoFit/>
+          </a:bodyPr>
+          <a:lstStyle/>
+          <a:p>
+            <a:r>
+              <a:rPr lang="en-US" sz="2000" dirty="0"/>
+              <a:t>Mean : 14.093333</a:t>
+            </a:r>
+          </a:p>
+          <a:p>
+            <a:r>
+              <a:rPr lang="en-US" sz="2000" dirty="0"/>
+              <a:t>STD : 1.079570</a:t>
+            </a:r>
+          </a:p>
+          <a:p>
+            <a:r>
+              <a:rPr lang="en-US" sz="2000" dirty="0"/>
+              <a:t>Z-Score : 0.9484108889758592</a:t>
+            </a:r>
+          </a:p>
+          <a:p>
+            <a:endParaRPr lang="en-US" dirty="0"/>
+          </a:p>
+          <a:p>
+            <a:endParaRPr lang="en-US" dirty="0"/>
+          </a:p>
+        </p:txBody>
+      </p:sp>
+      <p:sp>
+        <p:nvSpPr>
+          <p:cNvPr id="11" name="TextBox 10">
+            <a:extLst>
+              <a:ext uri="{FF2B5EF4-FFF2-40B4-BE49-F238E27FC236}">
+                <a16:creationId xmlns:a16="http://schemas.microsoft.com/office/drawing/2014/main" xmlns="" id="{F061ACA2-FCFF-2FBB-FE82-6E7A9AB3FABF}"/>
+              </a:ext>
+            </a:extLst>
+          </p:cNvPr>
+          <p:cNvSpPr txBox="1"/>
+          <p:nvPr/>
+        </p:nvSpPr>
+        <p:spPr>
+          <a:xfrm>
+            <a:off x="717619" y="-111281"/>
+            <a:ext cx="5826056" cy="1446550"/>
+          </a:xfrm>
+          <a:prstGeom prst="rect">
+            <a:avLst/>
+          </a:prstGeom>
+          <a:noFill/>
+        </p:spPr>
+        <p:txBody>
+          <a:bodyPr wrap="square" rtlCol="0">
+            <a:spAutoFit/>
+          </a:bodyPr>
+          <a:lstStyle/>
+          <a:p>
+            <a:r>
+              <a:rPr lang="en-US" sz="8800" dirty="0"/>
+              <a:t>TURNOVERS</a:t>
+            </a:r>
+          </a:p>
+        </p:txBody>
+      </p:sp>
+    </p:spTree>
+    <p:extLst>
+      <p:ext uri="{BB962C8B-B14F-4D97-AF65-F5344CB8AC3E}">
+        <p14:creationId xmlns:p14="http://schemas.microsoft.com/office/powerpoint/2010/main" val="2441234006"/>
+      </p:ext>
+    </p:extLst>
+  </p:cSld>
+  <p:clrMapOvr>
+    <a:masterClrMapping/>
+  </p:clrMapOvr>
+</p:sld>
+</file>
+
+<file path=ppt/slides/slide24.xml><?xml version="1.0" encoding="utf-8"?>
+<p:sld xmlns:a="http://schemas.openxmlformats.org/drawingml/2006/main" xmlns:r="http://schemas.openxmlformats.org/officeDocument/2006/relationships" xmlns:p="http://schemas.openxmlformats.org/presentationml/2006/main">
+  <p:cSld>
+    <p:spTree>
+      <p:nvGrpSpPr>
+        <p:cNvPr id="1" name=""/>
+        <p:cNvGrpSpPr/>
+        <p:nvPr/>
+      </p:nvGrpSpPr>
+      <p:grpSpPr>
+        <a:xfrm>
+          <a:off x="0" y="0"/>
+          <a:ext cx="0" cy="0"/>
+          <a:chOff x="0" y="0"/>
+          <a:chExt cx="0" cy="0"/>
+        </a:xfrm>
+      </p:grpSpPr>
       <p:sp>
         <p:nvSpPr>
           <p:cNvPr id="2" name="Title 1">
             <a:extLst>
               <a:ext uri="{FF2B5EF4-FFF2-40B4-BE49-F238E27FC236}">
-                <a16:creationId xmlns:a16="http://schemas.microsoft.com/office/drawing/2014/main" id="{4037983E-A1E4-8924-A985-57397BD6762A}"/>
+                <a16:creationId xmlns:a16="http://schemas.microsoft.com/office/drawing/2014/main" xmlns="" id="{4037983E-A1E4-8924-A985-57397BD6762A}"/>
               </a:ext>
             </a:extLst>
           </p:cNvPr>
@@ -5313,7 +6454,7 @@
           <a:p>
             <a:pPr algn="ctr"/>
             <a:r>
-              <a:rPr lang="en-US" sz="4000" b="1" dirty="0"/>
+              <a:rPr lang="en-US" sz="4000" b="1" dirty="0" smtClean="0"/>
               <a:t>Question 4 - </a:t>
             </a:r>
             <a:r>
@@ -5324,12 +6465,20 @@
               </a:rPr>
               <a:t>KPIs most closely relate to wins </a:t>
             </a:r>
+            <a:r>
+              <a:rPr lang="en-US" b="1" dirty="0" smtClean="0"/>
+              <a:t/>
+            </a:r>
             <a:br>
-              <a:rPr lang="en-US" b="1" dirty="0"/>
+              <a:rPr lang="en-US" b="1" dirty="0" smtClean="0"/>
             </a:br>
             <a:r>
+              <a:rPr lang="en-US" sz="3600" b="1" dirty="0" smtClean="0"/>
+              <a:t>Linear </a:t>
+            </a:r>
+            <a:r>
               <a:rPr lang="en-US" sz="3600" b="1" dirty="0"/>
-              <a:t>Linear Regression: </a:t>
+              <a:t>Regression: </a:t>
             </a:r>
             <a:br>
               <a:rPr lang="en-US" sz="3600" b="1" dirty="0"/>
@@ -5346,7 +6495,7 @@
           <p:cNvPr id="7" name="Content Placeholder 6" descr="Table&#10;&#10;Description automatically generated">
             <a:extLst>
               <a:ext uri="{FF2B5EF4-FFF2-40B4-BE49-F238E27FC236}">
-                <a16:creationId xmlns:a16="http://schemas.microsoft.com/office/drawing/2014/main" id="{07A5C1CF-BB1C-D01B-BC10-D02C55BB3FC7}"/>
+                <a16:creationId xmlns:a16="http://schemas.microsoft.com/office/drawing/2014/main" xmlns="" id="{07A5C1CF-BB1C-D01B-BC10-D02C55BB3FC7}"/>
               </a:ext>
             </a:extLst>
           </p:cNvPr>
@@ -5380,7 +6529,7 @@
           <p:cNvPr id="5" name="Picture 4">
             <a:extLst>
               <a:ext uri="{FF2B5EF4-FFF2-40B4-BE49-F238E27FC236}">
-                <a16:creationId xmlns:a16="http://schemas.microsoft.com/office/drawing/2014/main" id="{A4C6AC7E-EF8A-E3F5-9D18-07FECE5D4F52}"/>
+                <a16:creationId xmlns:a16="http://schemas.microsoft.com/office/drawing/2014/main" xmlns="" id="{A4C6AC7E-EF8A-E3F5-9D18-07FECE5D4F52}"/>
               </a:ext>
             </a:extLst>
           </p:cNvPr>
@@ -5418,227 +6567,7 @@
 </p:sld>
 </file>
 
-<file path=ppt/slides/slide2.xml><?xml version="1.0" encoding="utf-8"?>
-<p:sld xmlns:a="http://schemas.openxmlformats.org/drawingml/2006/main" xmlns:r="http://schemas.openxmlformats.org/officeDocument/2006/relationships" xmlns:p="http://schemas.openxmlformats.org/presentationml/2006/main">
-  <p:cSld>
-    <p:spTree>
-      <p:nvGrpSpPr>
-        <p:cNvPr id="1" name=""/>
-        <p:cNvGrpSpPr/>
-        <p:nvPr/>
-      </p:nvGrpSpPr>
-      <p:grpSpPr>
-        <a:xfrm>
-          <a:off x="0" y="0"/>
-          <a:ext cx="0" cy="0"/>
-          <a:chOff x="0" y="0"/>
-          <a:chExt cx="0" cy="0"/>
-        </a:xfrm>
-      </p:grpSpPr>
-      <p:sp>
-        <p:nvSpPr>
-          <p:cNvPr id="2" name="Title 1"/>
-          <p:cNvSpPr>
-            <a:spLocks noGrp="1"/>
-          </p:cNvSpPr>
-          <p:nvPr>
-            <p:ph type="title"/>
-          </p:nvPr>
-        </p:nvSpPr>
-        <p:spPr>
-          <a:xfrm>
-            <a:off x="831850" y="239561"/>
-            <a:ext cx="10515600" cy="1427874"/>
-          </a:xfrm>
-        </p:spPr>
-        <p:txBody>
-          <a:bodyPr>
-            <a:normAutofit/>
-          </a:bodyPr>
-          <a:lstStyle/>
-          <a:p>
-            <a:pPr algn="ctr"/>
-            <a:r>
-              <a:rPr lang="en-US" dirty="0"/>
-              <a:t>SECTION 1</a:t>
-            </a:r>
-            <a:br>
-              <a:rPr lang="en-US" dirty="0"/>
-            </a:br>
-            <a:endParaRPr lang="en-US" sz="2000" dirty="0"/>
-          </a:p>
-        </p:txBody>
-      </p:sp>
-      <p:sp>
-        <p:nvSpPr>
-          <p:cNvPr id="3" name="Text Placeholder 2"/>
-          <p:cNvSpPr>
-            <a:spLocks noGrp="1"/>
-          </p:cNvSpPr>
-          <p:nvPr>
-            <p:ph type="body" idx="1"/>
-          </p:nvPr>
-        </p:nvSpPr>
-        <p:spPr>
-          <a:xfrm>
-            <a:off x="831850" y="1721225"/>
-            <a:ext cx="10515600" cy="4368426"/>
-          </a:xfrm>
-        </p:spPr>
-        <p:txBody>
-          <a:bodyPr>
-            <a:normAutofit/>
-          </a:bodyPr>
-          <a:lstStyle/>
-          <a:p>
-            <a:pPr>
-              <a:buFont typeface="Arial"/>
-              <a:buChar char="•"/>
-            </a:pPr>
-            <a:r>
-              <a:rPr lang="en-US" dirty="0">
-                <a:solidFill>
-                  <a:srgbClr val="2B2B2B"/>
-                </a:solidFill>
-                <a:latin typeface="Roboto"/>
-              </a:rPr>
-              <a:t>Course requirement</a:t>
-            </a:r>
-          </a:p>
-          <a:p>
-            <a:pPr lvl="1">
-              <a:buFont typeface="Arial"/>
-              <a:buChar char="•"/>
-            </a:pPr>
-            <a:r>
-              <a:rPr lang="en-US" dirty="0">
-                <a:solidFill>
-                  <a:srgbClr val="2B2B2B"/>
-                </a:solidFill>
-                <a:latin typeface="Roboto"/>
-              </a:rPr>
-              <a:t>An executive summary or overview of the project and project goals:</a:t>
-            </a:r>
-          </a:p>
-          <a:p>
-            <a:pPr marL="1200150" lvl="2" indent="-285750">
-              <a:buFont typeface="Arial"/>
-              <a:buChar char="•"/>
-            </a:pPr>
-            <a:r>
-              <a:rPr lang="en-US" dirty="0">
-                <a:solidFill>
-                  <a:srgbClr val="2B2B2B"/>
-                </a:solidFill>
-                <a:latin typeface="Roboto"/>
-              </a:rPr>
-              <a:t>Explain how the project relates to the industry you selected.</a:t>
-            </a:r>
-          </a:p>
-          <a:p>
-            <a:pPr marL="742950" lvl="1" indent="-285750">
-              <a:buFont typeface="Arial"/>
-              <a:buChar char="•"/>
-            </a:pPr>
-            <a:endParaRPr lang="en-US" dirty="0">
-              <a:solidFill>
-                <a:srgbClr val="2B2B2B"/>
-              </a:solidFill>
-              <a:latin typeface="Roboto"/>
-            </a:endParaRPr>
-          </a:p>
-          <a:p>
-            <a:pPr marL="285750" indent="-285750">
-              <a:buFont typeface="Arial"/>
-              <a:buChar char="•"/>
-            </a:pPr>
-            <a:r>
-              <a:rPr lang="en-US" dirty="0">
-                <a:solidFill>
-                  <a:srgbClr val="2B2B2B"/>
-                </a:solidFill>
-                <a:latin typeface="Roboto"/>
-              </a:rPr>
-              <a:t>Cindy’s requirement</a:t>
-            </a:r>
-          </a:p>
-          <a:p>
-            <a:pPr marL="742950" lvl="1" indent="-285750">
-              <a:buFont typeface="Arial"/>
-              <a:buChar char="•"/>
-            </a:pPr>
-            <a:r>
-              <a:rPr lang="en-US" dirty="0">
-                <a:solidFill>
-                  <a:srgbClr val="2B2B2B"/>
-                </a:solidFill>
-                <a:latin typeface="Roboto"/>
-              </a:rPr>
-              <a:t>Questions that you found interesting and what motivated you to answer them</a:t>
-            </a:r>
-          </a:p>
-          <a:p>
-            <a:pPr marL="742950" lvl="1" indent="-285750">
-              <a:buFont typeface="Arial"/>
-              <a:buChar char="•"/>
-            </a:pPr>
-            <a:endParaRPr lang="en-US" dirty="0">
-              <a:solidFill>
-                <a:srgbClr val="2B2B2B"/>
-              </a:solidFill>
-              <a:latin typeface="Roboto"/>
-            </a:endParaRPr>
-          </a:p>
-          <a:p>
-            <a:pPr marL="285750" indent="-285750">
-              <a:buFont typeface="Arial"/>
-              <a:buChar char="•"/>
-            </a:pPr>
-            <a:r>
-              <a:rPr lang="en-US" dirty="0">
-                <a:solidFill>
-                  <a:srgbClr val="2B2B2B"/>
-                </a:solidFill>
-                <a:latin typeface="Roboto"/>
-              </a:rPr>
-              <a:t>Time: 30 Seconds</a:t>
-            </a:r>
-          </a:p>
-          <a:p>
-            <a:pPr marL="285750" indent="-285750">
-              <a:buFont typeface="Arial"/>
-              <a:buChar char="•"/>
-            </a:pPr>
-            <a:r>
-              <a:rPr lang="en-US" dirty="0">
-                <a:solidFill>
-                  <a:srgbClr val="2B2B2B"/>
-                </a:solidFill>
-                <a:latin typeface="Roboto"/>
-              </a:rPr>
-              <a:t>Assignment – Mark</a:t>
-            </a:r>
-            <a:endParaRPr lang="en-US" dirty="0"/>
-          </a:p>
-          <a:p>
-            <a:endParaRPr lang="en-US" dirty="0"/>
-          </a:p>
-        </p:txBody>
-      </p:sp>
-    </p:spTree>
-    <p:extLst>
-      <p:ext uri="{BB962C8B-B14F-4D97-AF65-F5344CB8AC3E}">
-        <p14:creationId xmlns:p14="http://schemas.microsoft.com/office/powerpoint/2010/main" val="28424026"/>
-      </p:ext>
-    </p:extLst>
-  </p:cSld>
-  <p:clrMapOvr>
-    <a:masterClrMapping/>
-  </p:clrMapOvr>
-</p:sld>
-</file>
-
-<file path=ppt/slides/slide20.xml><?xml version="1.0" encoding="utf-8"?>
+<file path=ppt/slides/slide25.xml><?xml version="1.0" encoding="utf-8"?>
 <p:sld xmlns:a="http://schemas.openxmlformats.org/drawingml/2006/main" xmlns:r="http://schemas.openxmlformats.org/officeDocument/2006/relationships" xmlns:p="http://schemas.openxmlformats.org/presentationml/2006/main">
   <p:cSld>
     <p:spTree>
@@ -5660,7 +6589,7 @@
           <p:cNvPr id="5" name="Picture 4">
             <a:extLst>
               <a:ext uri="{FF2B5EF4-FFF2-40B4-BE49-F238E27FC236}">
-                <a16:creationId xmlns:a16="http://schemas.microsoft.com/office/drawing/2014/main" id="{98A0F710-97E4-0DCB-02CF-E8885BE8DA0D}"/>
+                <a16:creationId xmlns:a16="http://schemas.microsoft.com/office/drawing/2014/main" xmlns="" id="{98A0F710-97E4-0DCB-02CF-E8885BE8DA0D}"/>
               </a:ext>
             </a:extLst>
           </p:cNvPr>
@@ -5690,7 +6619,7 @@
           <p:cNvPr id="7" name="Picture 6">
             <a:extLst>
               <a:ext uri="{FF2B5EF4-FFF2-40B4-BE49-F238E27FC236}">
-                <a16:creationId xmlns:a16="http://schemas.microsoft.com/office/drawing/2014/main" id="{5BF0E433-7AE4-0294-D087-C6C7A72301C8}"/>
+                <a16:creationId xmlns:a16="http://schemas.microsoft.com/office/drawing/2014/main" xmlns="" id="{5BF0E433-7AE4-0294-D087-C6C7A72301C8}"/>
               </a:ext>
             </a:extLst>
           </p:cNvPr>
@@ -5720,7 +6649,7 @@
           <p:cNvPr id="9" name="Picture 8">
             <a:extLst>
               <a:ext uri="{FF2B5EF4-FFF2-40B4-BE49-F238E27FC236}">
-                <a16:creationId xmlns:a16="http://schemas.microsoft.com/office/drawing/2014/main" id="{35FA5BE4-4E34-E5EB-A6E8-8CF96676ADA0}"/>
+                <a16:creationId xmlns:a16="http://schemas.microsoft.com/office/drawing/2014/main" xmlns="" id="{35FA5BE4-4E34-E5EB-A6E8-8CF96676ADA0}"/>
               </a:ext>
             </a:extLst>
           </p:cNvPr>
@@ -5750,7 +6679,7 @@
           <p:cNvPr id="11" name="TextBox 10">
             <a:extLst>
               <a:ext uri="{FF2B5EF4-FFF2-40B4-BE49-F238E27FC236}">
-                <a16:creationId xmlns:a16="http://schemas.microsoft.com/office/drawing/2014/main" id="{6D444E06-6FEA-449C-E4B5-46A6ADD0EC3D}"/>
+                <a16:creationId xmlns:a16="http://schemas.microsoft.com/office/drawing/2014/main" xmlns="" id="{6D444E06-6FEA-449C-E4B5-46A6ADD0EC3D}"/>
               </a:ext>
             </a:extLst>
           </p:cNvPr>
@@ -5793,7 +6722,7 @@
           <p:cNvPr id="13" name="TextBox 12">
             <a:extLst>
               <a:ext uri="{FF2B5EF4-FFF2-40B4-BE49-F238E27FC236}">
-                <a16:creationId xmlns:a16="http://schemas.microsoft.com/office/drawing/2014/main" id="{4789D743-00E9-4753-275C-5CEC0035F4DC}"/>
+                <a16:creationId xmlns:a16="http://schemas.microsoft.com/office/drawing/2014/main" xmlns="" id="{4789D743-00E9-4753-275C-5CEC0035F4DC}"/>
               </a:ext>
             </a:extLst>
           </p:cNvPr>
@@ -5836,7 +6765,7 @@
           <p:cNvPr id="15" name="Content Placeholder 6" descr="Table&#10;&#10;Description automatically generated">
             <a:extLst>
               <a:ext uri="{FF2B5EF4-FFF2-40B4-BE49-F238E27FC236}">
-                <a16:creationId xmlns:a16="http://schemas.microsoft.com/office/drawing/2014/main" id="{133673D8-5EBC-BA5D-4DA0-026A32E6208F}"/>
+                <a16:creationId xmlns:a16="http://schemas.microsoft.com/office/drawing/2014/main" xmlns="" id="{133673D8-5EBC-BA5D-4DA0-026A32E6208F}"/>
               </a:ext>
             </a:extLst>
           </p:cNvPr>
@@ -5878,7 +6807,7 @@
 </p:sld>
 </file>
 
-<file path=ppt/slides/slide21.xml><?xml version="1.0" encoding="utf-8"?>
+<file path=ppt/slides/slide26.xml><?xml version="1.0" encoding="utf-8"?>
 <p:sld xmlns:a="http://schemas.openxmlformats.org/drawingml/2006/main" xmlns:r="http://schemas.openxmlformats.org/officeDocument/2006/relationships" xmlns:p="http://schemas.openxmlformats.org/presentationml/2006/main">
   <p:cSld>
     <p:spTree>
@@ -5900,7 +6829,7 @@
           <p:cNvPr id="9" name="Picture 8">
             <a:extLst>
               <a:ext uri="{FF2B5EF4-FFF2-40B4-BE49-F238E27FC236}">
-                <a16:creationId xmlns:a16="http://schemas.microsoft.com/office/drawing/2014/main" id="{5EDA95B1-CDE9-9E3C-3319-7E6D4D88D641}"/>
+                <a16:creationId xmlns:a16="http://schemas.microsoft.com/office/drawing/2014/main" xmlns="" id="{5EDA95B1-CDE9-9E3C-3319-7E6D4D88D641}"/>
               </a:ext>
             </a:extLst>
           </p:cNvPr>
@@ -5930,7 +6859,7 @@
           <p:cNvPr id="11" name="Picture 10">
             <a:extLst>
               <a:ext uri="{FF2B5EF4-FFF2-40B4-BE49-F238E27FC236}">
-                <a16:creationId xmlns:a16="http://schemas.microsoft.com/office/drawing/2014/main" id="{1CBB3A9B-D3A7-15CF-39D3-A087976A0403}"/>
+                <a16:creationId xmlns:a16="http://schemas.microsoft.com/office/drawing/2014/main" xmlns="" id="{1CBB3A9B-D3A7-15CF-39D3-A087976A0403}"/>
               </a:ext>
             </a:extLst>
           </p:cNvPr>
@@ -5960,7 +6889,7 @@
           <p:cNvPr id="13" name="Picture 12">
             <a:extLst>
               <a:ext uri="{FF2B5EF4-FFF2-40B4-BE49-F238E27FC236}">
-                <a16:creationId xmlns:a16="http://schemas.microsoft.com/office/drawing/2014/main" id="{5DA2A6B4-8D45-DD28-2B69-CA1E6788FBAA}"/>
+                <a16:creationId xmlns:a16="http://schemas.microsoft.com/office/drawing/2014/main" xmlns="" id="{5DA2A6B4-8D45-DD28-2B69-CA1E6788FBAA}"/>
               </a:ext>
             </a:extLst>
           </p:cNvPr>
@@ -5990,7 +6919,7 @@
           <p:cNvPr id="15" name="TextBox 14">
             <a:extLst>
               <a:ext uri="{FF2B5EF4-FFF2-40B4-BE49-F238E27FC236}">
-                <a16:creationId xmlns:a16="http://schemas.microsoft.com/office/drawing/2014/main" id="{8CC867AD-C654-C86F-3DC2-F54C335198CB}"/>
+                <a16:creationId xmlns:a16="http://schemas.microsoft.com/office/drawing/2014/main" xmlns="" id="{8CC867AD-C654-C86F-3DC2-F54C335198CB}"/>
               </a:ext>
             </a:extLst>
           </p:cNvPr>
@@ -6077,7 +7006,7 @@
           <p:cNvPr id="16" name="Picture 15">
             <a:extLst>
               <a:ext uri="{FF2B5EF4-FFF2-40B4-BE49-F238E27FC236}">
-                <a16:creationId xmlns:a16="http://schemas.microsoft.com/office/drawing/2014/main" id="{6A417BEC-11D7-CA2A-6C85-8067DE322644}"/>
+                <a16:creationId xmlns:a16="http://schemas.microsoft.com/office/drawing/2014/main" xmlns="" id="{6A417BEC-11D7-CA2A-6C85-8067DE322644}"/>
               </a:ext>
             </a:extLst>
           </p:cNvPr>
@@ -6114,7 +7043,7 @@
 </p:sld>
 </file>
 
-<file path=ppt/slides/slide22.xml><?xml version="1.0" encoding="utf-8"?>
+<file path=ppt/slides/slide27.xml><?xml version="1.0" encoding="utf-8"?>
 <p:sld xmlns:a="http://schemas.openxmlformats.org/drawingml/2006/main" xmlns:r="http://schemas.openxmlformats.org/officeDocument/2006/relationships" xmlns:p="http://schemas.openxmlformats.org/presentationml/2006/main">
   <p:cSld>
     <p:spTree>
@@ -6136,7 +7065,7 @@
           <p:cNvPr id="2" name="Title 1">
             <a:extLst>
               <a:ext uri="{FF2B5EF4-FFF2-40B4-BE49-F238E27FC236}">
-                <a16:creationId xmlns:a16="http://schemas.microsoft.com/office/drawing/2014/main" id="{855EDE46-3743-DF08-EA17-75DBAD128524}"/>
+                <a16:creationId xmlns:a16="http://schemas.microsoft.com/office/drawing/2014/main" xmlns="" id="{855EDE46-3743-DF08-EA17-75DBAD128524}"/>
               </a:ext>
             </a:extLst>
           </p:cNvPr>
@@ -6160,7 +7089,7 @@
           <a:lstStyle/>
           <a:p>
             <a:r>
-              <a:rPr lang="en-US" sz="3600" dirty="0">
+              <a:rPr lang="en-US" sz="3600" dirty="0" smtClean="0">
                 <a:solidFill>
                   <a:srgbClr val="000000"/>
                 </a:solidFill>
@@ -6168,6 +7097,16 @@
                 <a:latin typeface="Helvetica Neue"/>
               </a:rPr>
               <a:t>Summary:</a:t>
+            </a:r>
+            <a:r>
+              <a:rPr lang="en-US" sz="1800" b="1" i="1" dirty="0">
+                <a:solidFill>
+                  <a:srgbClr val="000000"/>
+                </a:solidFill>
+                <a:effectLst/>
+                <a:latin typeface="Helvetica Neue"/>
+              </a:rPr>
+              <a:t/>
             </a:r>
             <a:br>
               <a:rPr lang="en-US" sz="1800" b="1" i="1" dirty="0">
@@ -6207,7 +7146,7 @@
           <p:cNvPr id="3" name="Content Placeholder 2">
             <a:extLst>
               <a:ext uri="{FF2B5EF4-FFF2-40B4-BE49-F238E27FC236}">
-                <a16:creationId xmlns:a16="http://schemas.microsoft.com/office/drawing/2014/main" id="{BF77DAA5-3E38-A91A-582E-0E0B9597C516}"/>
+                <a16:creationId xmlns:a16="http://schemas.microsoft.com/office/drawing/2014/main" xmlns="" id="{BF77DAA5-3E38-A91A-582E-0E0B9597C516}"/>
               </a:ext>
             </a:extLst>
           </p:cNvPr>
@@ -6404,7 +7343,7 @@
           <p:cNvPr id="1026" name="Picture 2">
             <a:extLst>
               <a:ext uri="{FF2B5EF4-FFF2-40B4-BE49-F238E27FC236}">
-                <a16:creationId xmlns:a16="http://schemas.microsoft.com/office/drawing/2014/main" id="{CB123D68-9F97-5D46-4820-4D45011766D7}"/>
+                <a16:creationId xmlns:a16="http://schemas.microsoft.com/office/drawing/2014/main" xmlns="" id="{CB123D68-9F97-5D46-4820-4D45011766D7}"/>
               </a:ext>
             </a:extLst>
           </p:cNvPr>
@@ -6459,699 +7398,6 @@
 </p:sld>
 </file>
 
-<file path=ppt/slides/slide23.xml><?xml version="1.0" encoding="utf-8"?>
-<p:sld xmlns:a="http://schemas.openxmlformats.org/drawingml/2006/main" xmlns:r="http://schemas.openxmlformats.org/officeDocument/2006/relationships" xmlns:p="http://schemas.openxmlformats.org/presentationml/2006/main">
-  <p:cSld>
-    <p:spTree>
-      <p:nvGrpSpPr>
-        <p:cNvPr id="1" name=""/>
-        <p:cNvGrpSpPr/>
-        <p:nvPr/>
-      </p:nvGrpSpPr>
-      <p:grpSpPr>
-        <a:xfrm>
-          <a:off x="0" y="0"/>
-          <a:ext cx="0" cy="0"/>
-          <a:chOff x="0" y="0"/>
-          <a:chExt cx="0" cy="0"/>
-        </a:xfrm>
-      </p:grpSpPr>
-      <p:sp>
-        <p:nvSpPr>
-          <p:cNvPr id="2" name="Title 1"/>
-          <p:cNvSpPr>
-            <a:spLocks noGrp="1"/>
-          </p:cNvSpPr>
-          <p:nvPr>
-            <p:ph type="title"/>
-          </p:nvPr>
-        </p:nvSpPr>
-        <p:spPr/>
-        <p:txBody>
-          <a:bodyPr/>
-          <a:lstStyle/>
-          <a:p>
-            <a:r>
-              <a:rPr lang="en-US" dirty="0"/>
-              <a:t>Dario</a:t>
-            </a:r>
-          </a:p>
-        </p:txBody>
-      </p:sp>
-      <p:sp>
-        <p:nvSpPr>
-          <p:cNvPr id="3" name="Content Placeholder 2"/>
-          <p:cNvSpPr>
-            <a:spLocks noGrp="1"/>
-          </p:cNvSpPr>
-          <p:nvPr>
-            <p:ph idx="1"/>
-          </p:nvPr>
-        </p:nvSpPr>
-        <p:spPr/>
-        <p:txBody>
-          <a:bodyPr/>
-          <a:lstStyle/>
-          <a:p>
-            <a:endParaRPr lang="en-US" dirty="0"/>
-          </a:p>
-        </p:txBody>
-      </p:sp>
-    </p:spTree>
-    <p:extLst>
-      <p:ext uri="{BB962C8B-B14F-4D97-AF65-F5344CB8AC3E}">
-        <p14:creationId xmlns:p14="http://schemas.microsoft.com/office/powerpoint/2010/main" val="804330140"/>
-      </p:ext>
-    </p:extLst>
-  </p:cSld>
-  <p:clrMapOvr>
-    <a:masterClrMapping/>
-  </p:clrMapOvr>
-</p:sld>
-</file>
-
-<file path=ppt/slides/slide24.xml><?xml version="1.0" encoding="utf-8"?>
-<p:sld xmlns:a="http://schemas.openxmlformats.org/drawingml/2006/main" xmlns:r="http://schemas.openxmlformats.org/officeDocument/2006/relationships" xmlns:p="http://schemas.openxmlformats.org/presentationml/2006/main">
-  <p:cSld>
-    <p:spTree>
-      <p:nvGrpSpPr>
-        <p:cNvPr id="1" name=""/>
-        <p:cNvGrpSpPr/>
-        <p:nvPr/>
-      </p:nvGrpSpPr>
-      <p:grpSpPr>
-        <a:xfrm>
-          <a:off x="0" y="0"/>
-          <a:ext cx="0" cy="0"/>
-          <a:chOff x="0" y="0"/>
-          <a:chExt cx="0" cy="0"/>
-        </a:xfrm>
-      </p:grpSpPr>
-      <p:sp>
-        <p:nvSpPr>
-          <p:cNvPr id="2" name="Title 1"/>
-          <p:cNvSpPr>
-            <a:spLocks noGrp="1"/>
-          </p:cNvSpPr>
-          <p:nvPr>
-            <p:ph type="title"/>
-          </p:nvPr>
-        </p:nvSpPr>
-        <p:spPr/>
-        <p:txBody>
-          <a:bodyPr/>
-          <a:lstStyle/>
-          <a:p>
-            <a:r>
-              <a:rPr lang="en-US" dirty="0"/>
-              <a:t>Jessica	</a:t>
-            </a:r>
-          </a:p>
-        </p:txBody>
-      </p:sp>
-      <p:sp>
-        <p:nvSpPr>
-          <p:cNvPr id="4" name="Content Placeholder 3"/>
-          <p:cNvSpPr>
-            <a:spLocks noGrp="1"/>
-          </p:cNvSpPr>
-          <p:nvPr>
-            <p:ph idx="1"/>
-          </p:nvPr>
-        </p:nvSpPr>
-        <p:spPr/>
-        <p:txBody>
-          <a:bodyPr/>
-          <a:lstStyle/>
-          <a:p>
-            <a:endParaRPr lang="en-US" dirty="0"/>
-          </a:p>
-        </p:txBody>
-      </p:sp>
-    </p:spTree>
-    <p:extLst>
-      <p:ext uri="{BB962C8B-B14F-4D97-AF65-F5344CB8AC3E}">
-        <p14:creationId xmlns:p14="http://schemas.microsoft.com/office/powerpoint/2010/main" val="3060557032"/>
-      </p:ext>
-    </p:extLst>
-  </p:cSld>
-  <p:clrMapOvr>
-    <a:masterClrMapping/>
-  </p:clrMapOvr>
-</p:sld>
-</file>
-
-<file path=ppt/slides/slide25.xml><?xml version="1.0" encoding="utf-8"?>
-<p:sld xmlns:a="http://schemas.openxmlformats.org/drawingml/2006/main" xmlns:r="http://schemas.openxmlformats.org/officeDocument/2006/relationships" xmlns:p="http://schemas.openxmlformats.org/presentationml/2006/main">
-  <p:cSld>
-    <p:spTree>
-      <p:nvGrpSpPr>
-        <p:cNvPr id="1" name=""/>
-        <p:cNvGrpSpPr/>
-        <p:nvPr/>
-      </p:nvGrpSpPr>
-      <p:grpSpPr>
-        <a:xfrm>
-          <a:off x="0" y="0"/>
-          <a:ext cx="0" cy="0"/>
-          <a:chOff x="0" y="0"/>
-          <a:chExt cx="0" cy="0"/>
-        </a:xfrm>
-      </p:grpSpPr>
-      <p:sp>
-        <p:nvSpPr>
-          <p:cNvPr id="2" name="Title 1"/>
-          <p:cNvSpPr>
-            <a:spLocks noGrp="1"/>
-          </p:cNvSpPr>
-          <p:nvPr>
-            <p:ph type="title"/>
-          </p:nvPr>
-        </p:nvSpPr>
-        <p:spPr/>
-        <p:txBody>
-          <a:bodyPr/>
-          <a:lstStyle/>
-          <a:p>
-            <a:r>
-              <a:rPr lang="en-US" dirty="0"/>
-              <a:t>Candace</a:t>
-            </a:r>
-          </a:p>
-        </p:txBody>
-      </p:sp>
-      <p:sp>
-        <p:nvSpPr>
-          <p:cNvPr id="4" name="Content Placeholder 3"/>
-          <p:cNvSpPr>
-            <a:spLocks noGrp="1"/>
-          </p:cNvSpPr>
-          <p:nvPr>
-            <p:ph idx="1"/>
-          </p:nvPr>
-        </p:nvSpPr>
-        <p:spPr/>
-        <p:txBody>
-          <a:bodyPr/>
-          <a:lstStyle/>
-          <a:p>
-            <a:r>
-              <a:rPr lang="en-US" dirty="0"/>
-              <a:t>Orlando Magic vs 1</a:t>
-            </a:r>
-            <a:r>
-              <a:rPr lang="en-US" baseline="30000" dirty="0"/>
-              <a:t>st</a:t>
-            </a:r>
-            <a:r>
-              <a:rPr lang="en-US" dirty="0"/>
-              <a:t>, 15</a:t>
-            </a:r>
-            <a:r>
-              <a:rPr lang="en-US" baseline="30000" dirty="0"/>
-              <a:t>th</a:t>
-            </a:r>
-            <a:r>
-              <a:rPr lang="en-US" dirty="0"/>
-              <a:t>, and 30</a:t>
-            </a:r>
-            <a:r>
-              <a:rPr lang="en-US" baseline="30000" dirty="0"/>
-              <a:t>th</a:t>
-            </a:r>
-            <a:r>
-              <a:rPr lang="en-US" dirty="0"/>
-              <a:t> ranked teams</a:t>
-            </a:r>
-          </a:p>
-          <a:p>
-            <a:r>
-              <a:rPr lang="en-US" dirty="0"/>
-              <a:t>Orlando Magic vs League</a:t>
-            </a:r>
-          </a:p>
-          <a:p>
-            <a:endParaRPr lang="en-US" dirty="0"/>
-          </a:p>
-          <a:p>
-            <a:r>
-              <a:rPr lang="en-US" dirty="0"/>
-              <a:t>5 chosen KPIs</a:t>
-            </a:r>
-          </a:p>
-          <a:p>
-            <a:pPr lvl="1"/>
-            <a:r>
-              <a:rPr lang="en-US" dirty="0"/>
-              <a:t>Points Scored</a:t>
-            </a:r>
-          </a:p>
-          <a:p>
-            <a:pPr lvl="1"/>
-            <a:r>
-              <a:rPr lang="en-US" dirty="0"/>
-              <a:t>3 Pointers </a:t>
-            </a:r>
-          </a:p>
-          <a:p>
-            <a:pPr lvl="1"/>
-            <a:r>
-              <a:rPr lang="en-US" dirty="0"/>
-              <a:t>Field Goals</a:t>
-            </a:r>
-          </a:p>
-          <a:p>
-            <a:pPr lvl="1"/>
-            <a:r>
-              <a:rPr lang="en-US" dirty="0"/>
-              <a:t>Rebounds</a:t>
-            </a:r>
-          </a:p>
-          <a:p>
-            <a:pPr lvl="1"/>
-            <a:r>
-              <a:rPr lang="en-US" dirty="0"/>
-              <a:t>Turnovers</a:t>
-            </a:r>
-          </a:p>
-        </p:txBody>
-      </p:sp>
-    </p:spTree>
-    <p:extLst>
-      <p:ext uri="{BB962C8B-B14F-4D97-AF65-F5344CB8AC3E}">
-        <p14:creationId xmlns:p14="http://schemas.microsoft.com/office/powerpoint/2010/main" val="3231821585"/>
-      </p:ext>
-    </p:extLst>
-  </p:cSld>
-  <p:clrMapOvr>
-    <a:masterClrMapping/>
-  </p:clrMapOvr>
-</p:sld>
-</file>
-
-<file path=ppt/slides/slide26.xml><?xml version="1.0" encoding="utf-8"?>
-<p:sld xmlns:a="http://schemas.openxmlformats.org/drawingml/2006/main" xmlns:r="http://schemas.openxmlformats.org/officeDocument/2006/relationships" xmlns:p="http://schemas.openxmlformats.org/presentationml/2006/main">
-  <p:cSld>
-    <p:spTree>
-      <p:nvGrpSpPr>
-        <p:cNvPr id="1" name=""/>
-        <p:cNvGrpSpPr/>
-        <p:nvPr/>
-      </p:nvGrpSpPr>
-      <p:grpSpPr>
-        <a:xfrm>
-          <a:off x="0" y="0"/>
-          <a:ext cx="0" cy="0"/>
-          <a:chOff x="0" y="0"/>
-          <a:chExt cx="0" cy="0"/>
-        </a:xfrm>
-      </p:grpSpPr>
-      <p:pic>
-        <p:nvPicPr>
-          <p:cNvPr id="9" name="Picture 8" descr="Chart, box and whisker chart&#10;&#10;Description automatically generated">
-            <a:extLst>
-              <a:ext uri="{FF2B5EF4-FFF2-40B4-BE49-F238E27FC236}">
-                <a16:creationId xmlns:a16="http://schemas.microsoft.com/office/drawing/2014/main" id="{E43BBEB8-47FE-9D80-DA86-0E032C2F32A6}"/>
-              </a:ext>
-            </a:extLst>
-          </p:cNvPr>
-          <p:cNvPicPr>
-            <a:picLocks noChangeAspect="1"/>
-          </p:cNvPicPr>
-          <p:nvPr/>
-        </p:nvPicPr>
-        <p:blipFill rotWithShape="1">
-          <a:blip r:embed="rId2"/>
-          <a:srcRect l="21" r="3" b="3"/>
-          <a:stretch/>
-        </p:blipFill>
-        <p:spPr>
-          <a:xfrm>
-            <a:off x="-1" y="1828800"/>
-            <a:ext cx="7208820" cy="5029200"/>
-          </a:xfrm>
-          <a:prstGeom prst="rect">
-            <a:avLst/>
-          </a:prstGeom>
-        </p:spPr>
-      </p:pic>
-      <p:pic>
-        <p:nvPicPr>
-          <p:cNvPr id="19" name="Picture 18" descr="Chart, bar chart, histogram&#10;&#10;Description automatically generated">
-            <a:extLst>
-              <a:ext uri="{FF2B5EF4-FFF2-40B4-BE49-F238E27FC236}">
-                <a16:creationId xmlns:a16="http://schemas.microsoft.com/office/drawing/2014/main" id="{F6D78484-4440-8245-7869-BB45A79451FD}"/>
-              </a:ext>
-            </a:extLst>
-          </p:cNvPr>
-          <p:cNvPicPr>
-            <a:picLocks noChangeAspect="1"/>
-          </p:cNvPicPr>
-          <p:nvPr/>
-        </p:nvPicPr>
-        <p:blipFill>
-          <a:blip r:embed="rId3"/>
-          <a:stretch>
-            <a:fillRect/>
-          </a:stretch>
-        </p:blipFill>
-        <p:spPr>
-          <a:xfrm>
-            <a:off x="6720121" y="-2287"/>
-            <a:ext cx="5489449" cy="4117087"/>
-          </a:xfrm>
-          <a:prstGeom prst="rect">
-            <a:avLst/>
-          </a:prstGeom>
-        </p:spPr>
-      </p:pic>
-      <p:pic>
-        <p:nvPicPr>
-          <p:cNvPr id="22" name="Picture 21" descr="Chart, waterfall chart&#10;&#10;Description automatically generated">
-            <a:extLst>
-              <a:ext uri="{FF2B5EF4-FFF2-40B4-BE49-F238E27FC236}">
-                <a16:creationId xmlns:a16="http://schemas.microsoft.com/office/drawing/2014/main" id="{9BDC5DA7-AEC1-1113-4950-7CD1187E0D45}"/>
-              </a:ext>
-            </a:extLst>
-          </p:cNvPr>
-          <p:cNvPicPr>
-            <a:picLocks noChangeAspect="1"/>
-          </p:cNvPicPr>
-          <p:nvPr/>
-        </p:nvPicPr>
-        <p:blipFill>
-          <a:blip r:embed="rId4"/>
-          <a:stretch>
-            <a:fillRect/>
-          </a:stretch>
-        </p:blipFill>
-        <p:spPr>
-          <a:xfrm>
-            <a:off x="6683596" y="4115944"/>
-            <a:ext cx="5486400" cy="2743200"/>
-          </a:xfrm>
-          <a:prstGeom prst="rect">
-            <a:avLst/>
-          </a:prstGeom>
-        </p:spPr>
-      </p:pic>
-      <p:sp>
-        <p:nvSpPr>
-          <p:cNvPr id="23" name="TextBox 22">
-            <a:extLst>
-              <a:ext uri="{FF2B5EF4-FFF2-40B4-BE49-F238E27FC236}">
-                <a16:creationId xmlns:a16="http://schemas.microsoft.com/office/drawing/2014/main" id="{E492EA35-F853-C549-25DD-8833D4ADF337}"/>
-              </a:ext>
-            </a:extLst>
-          </p:cNvPr>
-          <p:cNvSpPr txBox="1"/>
-          <p:nvPr/>
-        </p:nvSpPr>
-        <p:spPr>
-          <a:xfrm>
-            <a:off x="720667" y="1042309"/>
-            <a:ext cx="5978835" cy="1015663"/>
-          </a:xfrm>
-          <a:prstGeom prst="rect">
-            <a:avLst/>
-          </a:prstGeom>
-          <a:noFill/>
-        </p:spPr>
-        <p:txBody>
-          <a:bodyPr wrap="square" rtlCol="0">
-            <a:spAutoFit/>
-          </a:bodyPr>
-          <a:lstStyle/>
-          <a:p>
-            <a:r>
-              <a:rPr lang="en-US" sz="2000" dirty="0"/>
-              <a:t>Mean : 114.686667</a:t>
-            </a:r>
-          </a:p>
-          <a:p>
-            <a:r>
-              <a:rPr lang="en-US" sz="2000" dirty="0"/>
-              <a:t>STD : 2.778207</a:t>
-            </a:r>
-          </a:p>
-          <a:p>
-            <a:r>
-              <a:rPr lang="en-US" sz="2000" dirty="0"/>
-              <a:t>Z-Score : -1.2032409750947137   </a:t>
-            </a:r>
-          </a:p>
-        </p:txBody>
-      </p:sp>
-      <p:sp>
-        <p:nvSpPr>
-          <p:cNvPr id="24" name="TextBox 23">
-            <a:extLst>
-              <a:ext uri="{FF2B5EF4-FFF2-40B4-BE49-F238E27FC236}">
-                <a16:creationId xmlns:a16="http://schemas.microsoft.com/office/drawing/2014/main" id="{1CDF34BE-5078-FA3F-D836-FE3694EEC6CE}"/>
-              </a:ext>
-            </a:extLst>
-          </p:cNvPr>
-          <p:cNvSpPr txBox="1"/>
-          <p:nvPr/>
-        </p:nvSpPr>
-        <p:spPr>
-          <a:xfrm>
-            <a:off x="717619" y="-111281"/>
-            <a:ext cx="5600700" cy="1446550"/>
-          </a:xfrm>
-          <a:prstGeom prst="rect">
-            <a:avLst/>
-          </a:prstGeom>
-          <a:noFill/>
-        </p:spPr>
-        <p:txBody>
-          <a:bodyPr wrap="square" rtlCol="0">
-            <a:spAutoFit/>
-          </a:bodyPr>
-          <a:lstStyle/>
-          <a:p>
-            <a:r>
-              <a:rPr lang="en-US" sz="8800" dirty="0"/>
-              <a:t>POINTS</a:t>
-            </a:r>
-          </a:p>
-        </p:txBody>
-      </p:sp>
-    </p:spTree>
-    <p:extLst>
-      <p:ext uri="{BB962C8B-B14F-4D97-AF65-F5344CB8AC3E}">
-        <p14:creationId xmlns:p14="http://schemas.microsoft.com/office/powerpoint/2010/main" val="1965986416"/>
-      </p:ext>
-    </p:extLst>
-  </p:cSld>
-  <p:clrMapOvr>
-    <a:masterClrMapping/>
-  </p:clrMapOvr>
-</p:sld>
-</file>
-
-<file path=ppt/slides/slide27.xml><?xml version="1.0" encoding="utf-8"?>
-<p:sld xmlns:a="http://schemas.openxmlformats.org/drawingml/2006/main" xmlns:r="http://schemas.openxmlformats.org/officeDocument/2006/relationships" xmlns:p="http://schemas.openxmlformats.org/presentationml/2006/main">
-  <p:cSld>
-    <p:spTree>
-      <p:nvGrpSpPr>
-        <p:cNvPr id="1" name=""/>
-        <p:cNvGrpSpPr/>
-        <p:nvPr/>
-      </p:nvGrpSpPr>
-      <p:grpSpPr>
-        <a:xfrm>
-          <a:off x="0" y="0"/>
-          <a:ext cx="0" cy="0"/>
-          <a:chOff x="0" y="0"/>
-          <a:chExt cx="0" cy="0"/>
-        </a:xfrm>
-      </p:grpSpPr>
-      <p:pic>
-        <p:nvPicPr>
-          <p:cNvPr id="7" name="Picture 6" descr="Chart, box and whisker chart&#10;&#10;Description automatically generated">
-            <a:extLst>
-              <a:ext uri="{FF2B5EF4-FFF2-40B4-BE49-F238E27FC236}">
-                <a16:creationId xmlns:a16="http://schemas.microsoft.com/office/drawing/2014/main" id="{673DBD13-CEEE-01BD-F80C-5584F02F4D88}"/>
-              </a:ext>
-            </a:extLst>
-          </p:cNvPr>
-          <p:cNvPicPr>
-            <a:picLocks noChangeAspect="1"/>
-          </p:cNvPicPr>
-          <p:nvPr/>
-        </p:nvPicPr>
-        <p:blipFill>
-          <a:blip r:embed="rId2"/>
-          <a:stretch>
-            <a:fillRect/>
-          </a:stretch>
-        </p:blipFill>
-        <p:spPr>
-          <a:xfrm>
-            <a:off x="0" y="1714499"/>
-            <a:ext cx="7162800" cy="5143501"/>
-          </a:xfrm>
-          <a:prstGeom prst="rect">
-            <a:avLst/>
-          </a:prstGeom>
-        </p:spPr>
-      </p:pic>
-      <p:pic>
-        <p:nvPicPr>
-          <p:cNvPr id="9" name="Picture 8" descr="Chart, waterfall chart&#10;&#10;Description automatically generated">
-            <a:extLst>
-              <a:ext uri="{FF2B5EF4-FFF2-40B4-BE49-F238E27FC236}">
-                <a16:creationId xmlns:a16="http://schemas.microsoft.com/office/drawing/2014/main" id="{A0AE94CE-0B9C-E713-C61C-18931029D723}"/>
-              </a:ext>
-            </a:extLst>
-          </p:cNvPr>
-          <p:cNvPicPr>
-            <a:picLocks noChangeAspect="1"/>
-          </p:cNvPicPr>
-          <p:nvPr/>
-        </p:nvPicPr>
-        <p:blipFill>
-          <a:blip r:embed="rId3"/>
-          <a:stretch>
-            <a:fillRect/>
-          </a:stretch>
-        </p:blipFill>
-        <p:spPr>
-          <a:xfrm>
-            <a:off x="6934198" y="4229099"/>
-            <a:ext cx="5257802" cy="2628901"/>
-          </a:xfrm>
-          <a:prstGeom prst="rect">
-            <a:avLst/>
-          </a:prstGeom>
-        </p:spPr>
-      </p:pic>
-      <p:pic>
-        <p:nvPicPr>
-          <p:cNvPr id="5" name="Picture 4" descr="Chart, bar chart&#10;&#10;Description automatically generated">
-            <a:extLst>
-              <a:ext uri="{FF2B5EF4-FFF2-40B4-BE49-F238E27FC236}">
-                <a16:creationId xmlns:a16="http://schemas.microsoft.com/office/drawing/2014/main" id="{BC5BDEA8-3968-461A-6A48-B0B1CC67DEBB}"/>
-              </a:ext>
-            </a:extLst>
-          </p:cNvPr>
-          <p:cNvPicPr>
-            <a:picLocks noChangeAspect="1"/>
-          </p:cNvPicPr>
-          <p:nvPr/>
-        </p:nvPicPr>
-        <p:blipFill>
-          <a:blip r:embed="rId4"/>
-          <a:stretch>
-            <a:fillRect/>
-          </a:stretch>
-        </p:blipFill>
-        <p:spPr>
-          <a:xfrm>
-            <a:off x="6457950" y="0"/>
-            <a:ext cx="5734050" cy="4300538"/>
-          </a:xfrm>
-          <a:prstGeom prst="rect">
-            <a:avLst/>
-          </a:prstGeom>
-        </p:spPr>
-      </p:pic>
-      <p:sp>
-        <p:nvSpPr>
-          <p:cNvPr id="10" name="TextBox 9">
-            <a:extLst>
-              <a:ext uri="{FF2B5EF4-FFF2-40B4-BE49-F238E27FC236}">
-                <a16:creationId xmlns:a16="http://schemas.microsoft.com/office/drawing/2014/main" id="{53E6EA2F-14A3-39A3-F001-D76606BC2284}"/>
-              </a:ext>
-            </a:extLst>
-          </p:cNvPr>
-          <p:cNvSpPr txBox="1"/>
-          <p:nvPr/>
-        </p:nvSpPr>
-        <p:spPr>
-          <a:xfrm>
-            <a:off x="717619" y="1063219"/>
-            <a:ext cx="5585214" cy="923330"/>
-          </a:xfrm>
-          <a:prstGeom prst="rect">
-            <a:avLst/>
-          </a:prstGeom>
-          <a:noFill/>
-        </p:spPr>
-        <p:txBody>
-          <a:bodyPr wrap="square" rtlCol="0">
-            <a:spAutoFit/>
-          </a:bodyPr>
-          <a:lstStyle/>
-          <a:p>
-            <a:r>
-              <a:rPr lang="en-US" dirty="0"/>
-              <a:t>Mean : 12.340000</a:t>
-            </a:r>
-          </a:p>
-          <a:p>
-            <a:r>
-              <a:rPr lang="en-US" dirty="0"/>
-              <a:t>STD : 1.636776</a:t>
-            </a:r>
-          </a:p>
-          <a:p>
-            <a:r>
-              <a:rPr lang="en-US" dirty="0"/>
-              <a:t>Z-Score : -0.9569587051933831</a:t>
-            </a:r>
-          </a:p>
-        </p:txBody>
-      </p:sp>
-      <p:sp>
-        <p:nvSpPr>
-          <p:cNvPr id="12" name="TextBox 11">
-            <a:extLst>
-              <a:ext uri="{FF2B5EF4-FFF2-40B4-BE49-F238E27FC236}">
-                <a16:creationId xmlns:a16="http://schemas.microsoft.com/office/drawing/2014/main" id="{79F29013-65AF-D5CC-83DA-9F2F9199E9A5}"/>
-              </a:ext>
-            </a:extLst>
-          </p:cNvPr>
-          <p:cNvSpPr txBox="1"/>
-          <p:nvPr/>
-        </p:nvSpPr>
-        <p:spPr>
-          <a:xfrm>
-            <a:off x="717619" y="-111281"/>
-            <a:ext cx="5600700" cy="1446550"/>
-          </a:xfrm>
-          <a:prstGeom prst="rect">
-            <a:avLst/>
-          </a:prstGeom>
-          <a:noFill/>
-        </p:spPr>
-        <p:txBody>
-          <a:bodyPr wrap="square" rtlCol="0">
-            <a:spAutoFit/>
-          </a:bodyPr>
-          <a:lstStyle/>
-          <a:p>
-            <a:r>
-              <a:rPr lang="en-US" sz="8800" dirty="0"/>
-              <a:t>3 POINTERS</a:t>
-            </a:r>
-          </a:p>
-        </p:txBody>
-      </p:sp>
-    </p:spTree>
-    <p:extLst>
-      <p:ext uri="{BB962C8B-B14F-4D97-AF65-F5344CB8AC3E}">
-        <p14:creationId xmlns:p14="http://schemas.microsoft.com/office/powerpoint/2010/main" val="2092867181"/>
-      </p:ext>
-    </p:extLst>
-  </p:cSld>
-  <p:clrMapOvr>
-    <a:masterClrMapping/>
-  </p:clrMapOvr>
-</p:sld>
-</file>
-
 <file path=ppt/slides/slide28.xml><?xml version="1.0" encoding="utf-8"?>
 <p:sld xmlns:a="http://schemas.openxmlformats.org/drawingml/2006/main" xmlns:r="http://schemas.openxmlformats.org/officeDocument/2006/relationships" xmlns:p="http://schemas.openxmlformats.org/presentationml/2006/main">
   <p:cSld>
@@ -7169,187 +7415,65 @@
           <a:chExt cx="0" cy="0"/>
         </a:xfrm>
       </p:grpSpPr>
-      <p:pic>
-        <p:nvPicPr>
-          <p:cNvPr id="7" name="Picture 6" descr="Chart, box and whisker chart&#10;&#10;Description automatically generated">
-            <a:extLst>
-              <a:ext uri="{FF2B5EF4-FFF2-40B4-BE49-F238E27FC236}">
-                <a16:creationId xmlns:a16="http://schemas.microsoft.com/office/drawing/2014/main" id="{571B0C43-F5A2-CE4B-F0F0-BBEAB88388C2}"/>
-              </a:ext>
-            </a:extLst>
-          </p:cNvPr>
-          <p:cNvPicPr>
-            <a:picLocks noChangeAspect="1"/>
-          </p:cNvPicPr>
-          <p:nvPr/>
-        </p:nvPicPr>
-        <p:blipFill>
-          <a:blip r:embed="rId2"/>
-          <a:stretch>
-            <a:fillRect/>
-          </a:stretch>
-        </p:blipFill>
-        <p:spPr>
-          <a:xfrm>
-            <a:off x="0" y="1785490"/>
-            <a:ext cx="7035800" cy="5029200"/>
-          </a:xfrm>
-          <a:prstGeom prst="rect">
-            <a:avLst/>
-          </a:prstGeom>
-        </p:spPr>
-      </p:pic>
-      <p:pic>
-        <p:nvPicPr>
-          <p:cNvPr id="5" name="Content Placeholder 4" descr="Chart, bar chart&#10;&#10;Description automatically generated">
-            <a:extLst>
-              <a:ext uri="{FF2B5EF4-FFF2-40B4-BE49-F238E27FC236}">
-                <a16:creationId xmlns:a16="http://schemas.microsoft.com/office/drawing/2014/main" id="{85864E5B-CDEB-BBC1-7623-E8B82E57EAE7}"/>
-              </a:ext>
-            </a:extLst>
-          </p:cNvPr>
-          <p:cNvPicPr>
-            <a:picLocks noGrp="1" noChangeAspect="1"/>
-          </p:cNvPicPr>
+      <p:sp>
+        <p:nvSpPr>
+          <p:cNvPr id="2" name="Title 1"/>
+          <p:cNvSpPr>
+            <a:spLocks noGrp="1"/>
+          </p:cNvSpPr>
+          <p:nvPr>
+            <p:ph type="title"/>
+          </p:nvPr>
+        </p:nvSpPr>
+        <p:spPr/>
+        <p:txBody>
+          <a:bodyPr/>
+          <a:lstStyle/>
+          <a:p>
+            <a:r>
+              <a:rPr lang="en-US" dirty="0" smtClean="0"/>
+              <a:t>Dario</a:t>
+            </a:r>
+            <a:endParaRPr lang="en-US" dirty="0"/>
+          </a:p>
+        </p:txBody>
+      </p:sp>
+      <p:sp>
+        <p:nvSpPr>
+          <p:cNvPr id="3" name="Content Placeholder 2"/>
+          <p:cNvSpPr>
+            <a:spLocks noGrp="1"/>
+          </p:cNvSpPr>
           <p:nvPr>
             <p:ph idx="1"/>
           </p:nvPr>
-        </p:nvPicPr>
-        <p:blipFill>
-          <a:blip r:embed="rId3"/>
-          <a:stretch>
-            <a:fillRect/>
-          </a:stretch>
-        </p:blipFill>
-        <p:spPr>
-          <a:xfrm>
-            <a:off x="6390216" y="43310"/>
-            <a:ext cx="5801784" cy="4351338"/>
-          </a:xfrm>
-        </p:spPr>
-      </p:pic>
-      <p:pic>
-        <p:nvPicPr>
-          <p:cNvPr id="9" name="Picture 8" descr="Chart, waterfall chart&#10;&#10;Description automatically generated">
-            <a:extLst>
-              <a:ext uri="{FF2B5EF4-FFF2-40B4-BE49-F238E27FC236}">
-                <a16:creationId xmlns:a16="http://schemas.microsoft.com/office/drawing/2014/main" id="{8774639A-46B7-CDD1-E2D3-06C72BFB3B7C}"/>
-              </a:ext>
-            </a:extLst>
-          </p:cNvPr>
-          <p:cNvPicPr>
-            <a:picLocks noChangeAspect="1"/>
-          </p:cNvPicPr>
-          <p:nvPr/>
-        </p:nvPicPr>
-        <p:blipFill>
-          <a:blip r:embed="rId4"/>
-          <a:stretch>
-            <a:fillRect/>
-          </a:stretch>
-        </p:blipFill>
-        <p:spPr>
-          <a:xfrm>
-            <a:off x="6705600" y="4114800"/>
-            <a:ext cx="5486400" cy="2743200"/>
-          </a:xfrm>
-          <a:prstGeom prst="rect">
-            <a:avLst/>
-          </a:prstGeom>
-        </p:spPr>
-      </p:pic>
-      <p:sp>
-        <p:nvSpPr>
-          <p:cNvPr id="10" name="TextBox 9">
-            <a:extLst>
-              <a:ext uri="{FF2B5EF4-FFF2-40B4-BE49-F238E27FC236}">
-                <a16:creationId xmlns:a16="http://schemas.microsoft.com/office/drawing/2014/main" id="{A0675332-BE2F-FD9B-E9BF-B896EB942C0C}"/>
-              </a:ext>
-            </a:extLst>
-          </p:cNvPr>
-          <p:cNvSpPr txBox="1"/>
-          <p:nvPr/>
-        </p:nvSpPr>
-        <p:spPr>
-          <a:xfrm>
-            <a:off x="740569" y="1077496"/>
-            <a:ext cx="5224462" cy="923330"/>
-          </a:xfrm>
-          <a:prstGeom prst="rect">
-            <a:avLst/>
-          </a:prstGeom>
-          <a:noFill/>
-        </p:spPr>
-        <p:txBody>
-          <a:bodyPr wrap="square" rtlCol="0">
-            <a:spAutoFit/>
-          </a:bodyPr>
-          <a:lstStyle/>
-          <a:p>
-            <a:r>
-              <a:rPr lang="en-US" dirty="0"/>
-              <a:t>Mean : 41.976667</a:t>
-            </a:r>
-          </a:p>
-          <a:p>
-            <a:r>
-              <a:rPr lang="en-US" dirty="0"/>
-              <a:t>STD : 1.290197</a:t>
-            </a:r>
-          </a:p>
-          <a:p>
-            <a:r>
-              <a:rPr lang="en-US" dirty="0"/>
-              <a:t>Z-Score : -1.164093743854465      </a:t>
-            </a:r>
-          </a:p>
-        </p:txBody>
-      </p:sp>
-      <p:sp>
-        <p:nvSpPr>
-          <p:cNvPr id="11" name="TextBox 10">
-            <a:extLst>
-              <a:ext uri="{FF2B5EF4-FFF2-40B4-BE49-F238E27FC236}">
-                <a16:creationId xmlns:a16="http://schemas.microsoft.com/office/drawing/2014/main" id="{F71C0988-C48A-4F5E-7C33-6FB2DCA7C87B}"/>
-              </a:ext>
-            </a:extLst>
-          </p:cNvPr>
-          <p:cNvSpPr txBox="1"/>
-          <p:nvPr/>
-        </p:nvSpPr>
-        <p:spPr>
-          <a:xfrm>
-            <a:off x="717619" y="-111281"/>
-            <a:ext cx="6111806" cy="1446550"/>
-          </a:xfrm>
-          <a:prstGeom prst="rect">
-            <a:avLst/>
-          </a:prstGeom>
-          <a:noFill/>
-        </p:spPr>
-        <p:txBody>
-          <a:bodyPr wrap="square" rtlCol="0">
-            <a:spAutoFit/>
-          </a:bodyPr>
-          <a:lstStyle/>
-          <a:p>
-            <a:r>
-              <a:rPr lang="en-US" sz="8800" dirty="0"/>
-              <a:t>FIELD GOALS</a:t>
-            </a:r>
+        </p:nvSpPr>
+        <p:spPr/>
+        <p:txBody>
+          <a:bodyPr/>
+          <a:lstStyle/>
+          <a:p>
+            <a:endParaRPr lang="en-US" dirty="0"/>
           </a:p>
         </p:txBody>
       </p:sp>
     </p:spTree>
     <p:extLst>
       <p:ext uri="{BB962C8B-B14F-4D97-AF65-F5344CB8AC3E}">
-        <p14:creationId xmlns:p14="http://schemas.microsoft.com/office/powerpoint/2010/main" val="1351282298"/>
+        <p14:creationId xmlns:p14="http://schemas.microsoft.com/office/powerpoint/2010/main" val="804330140"/>
       </p:ext>
     </p:extLst>
   </p:cSld>
   <p:clrMapOvr>
     <a:masterClrMapping/>
   </p:clrMapOvr>
+  <p:timing>
+    <p:tnLst>
+      <p:par>
+        <p:cTn id="1" dur="indefinite" restart="never" nodeType="tmRoot"/>
+      </p:par>
+    </p:tnLst>
+  </p:timing>
 </p:sld>
 </file>
 
@@ -7370,187 +7494,117 @@
           <a:chExt cx="0" cy="0"/>
         </a:xfrm>
       </p:grpSpPr>
-      <p:pic>
-        <p:nvPicPr>
-          <p:cNvPr id="7" name="Picture 6" descr="Chart, box and whisker chart&#10;&#10;Description automatically generated">
-            <a:extLst>
-              <a:ext uri="{FF2B5EF4-FFF2-40B4-BE49-F238E27FC236}">
-                <a16:creationId xmlns:a16="http://schemas.microsoft.com/office/drawing/2014/main" id="{0CF6731B-1235-D502-0766-AE84CAD517B9}"/>
-              </a:ext>
-            </a:extLst>
-          </p:cNvPr>
-          <p:cNvPicPr>
-            <a:picLocks noChangeAspect="1"/>
-          </p:cNvPicPr>
-          <p:nvPr/>
-        </p:nvPicPr>
-        <p:blipFill>
-          <a:blip r:embed="rId2"/>
-          <a:stretch>
-            <a:fillRect/>
-          </a:stretch>
-        </p:blipFill>
+      <p:sp>
+        <p:nvSpPr>
+          <p:cNvPr id="2" name="Title 1"/>
+          <p:cNvSpPr>
+            <a:spLocks noGrp="1"/>
+          </p:cNvSpPr>
+          <p:nvPr>
+            <p:ph type="title"/>
+          </p:nvPr>
+        </p:nvSpPr>
         <p:spPr>
           <a:xfrm>
-            <a:off x="0" y="1887537"/>
-            <a:ext cx="7035800" cy="4970463"/>
+            <a:off x="831850" y="239561"/>
+            <a:ext cx="10515600" cy="1427874"/>
           </a:xfrm>
-          <a:prstGeom prst="rect">
-            <a:avLst/>
-          </a:prstGeom>
         </p:spPr>
-      </p:pic>
-      <p:pic>
-        <p:nvPicPr>
-          <p:cNvPr id="5" name="Content Placeholder 4" descr="Chart, bar chart&#10;&#10;Description automatically generated">
-            <a:extLst>
-              <a:ext uri="{FF2B5EF4-FFF2-40B4-BE49-F238E27FC236}">
-                <a16:creationId xmlns:a16="http://schemas.microsoft.com/office/drawing/2014/main" id="{22713D47-33E4-344B-8941-72BB2FB30B62}"/>
-              </a:ext>
-            </a:extLst>
-          </p:cNvPr>
-          <p:cNvPicPr>
-            <a:picLocks noGrp="1" noChangeAspect="1"/>
-          </p:cNvPicPr>
-          <p:nvPr>
-            <p:ph idx="1"/>
-          </p:nvPr>
-        </p:nvPicPr>
-        <p:blipFill>
-          <a:blip r:embed="rId3"/>
-          <a:stretch>
-            <a:fillRect/>
-          </a:stretch>
-        </p:blipFill>
+        <p:txBody>
+          <a:bodyPr>
+            <a:normAutofit/>
+          </a:bodyPr>
+          <a:lstStyle/>
+          <a:p>
+            <a:pPr algn="ctr"/>
+            <a:r>
+              <a:rPr lang="en-US" dirty="0">
+                <a:solidFill>
+                  <a:prstClr val="black"/>
+                </a:solidFill>
+              </a:rPr>
+              <a:t>SECTION </a:t>
+            </a:r>
+            <a:r>
+              <a:rPr lang="en-US" dirty="0" smtClean="0">
+                <a:solidFill>
+                  <a:prstClr val="black"/>
+                </a:solidFill>
+              </a:rPr>
+              <a:t>5</a:t>
+            </a:r>
+            <a:endParaRPr lang="en-US" sz="2400" dirty="0"/>
+          </a:p>
+        </p:txBody>
+      </p:sp>
+      <p:sp>
+        <p:nvSpPr>
+          <p:cNvPr id="3" name="Text Placeholder 2"/>
+          <p:cNvSpPr>
+            <a:spLocks noGrp="1"/>
+          </p:cNvSpPr>
+          <p:nvPr>
+            <p:ph type="body" idx="1"/>
+          </p:nvPr>
+        </p:nvSpPr>
         <p:spPr>
           <a:xfrm>
-            <a:off x="6350000" y="30162"/>
-            <a:ext cx="5842000" cy="4381500"/>
+            <a:off x="831850" y="1721225"/>
+            <a:ext cx="10515600" cy="1110875"/>
           </a:xfrm>
         </p:spPr>
-      </p:pic>
-      <p:pic>
-        <p:nvPicPr>
-          <p:cNvPr id="9" name="Picture 8" descr="Chart, waterfall chart&#10;&#10;Description automatically generated">
-            <a:extLst>
-              <a:ext uri="{FF2B5EF4-FFF2-40B4-BE49-F238E27FC236}">
-                <a16:creationId xmlns:a16="http://schemas.microsoft.com/office/drawing/2014/main" id="{5969452F-D778-EC06-3C32-3EB541A161AD}"/>
-              </a:ext>
-            </a:extLst>
-          </p:cNvPr>
-          <p:cNvPicPr>
-            <a:picLocks noChangeAspect="1"/>
-          </p:cNvPicPr>
-          <p:nvPr/>
-        </p:nvPicPr>
-        <p:blipFill>
-          <a:blip r:embed="rId4"/>
-          <a:stretch>
-            <a:fillRect/>
-          </a:stretch>
-        </p:blipFill>
-        <p:spPr>
-          <a:xfrm>
-            <a:off x="6705600" y="4114800"/>
-            <a:ext cx="5486400" cy="2743200"/>
-          </a:xfrm>
-          <a:prstGeom prst="rect">
-            <a:avLst/>
-          </a:prstGeom>
-        </p:spPr>
-      </p:pic>
-      <p:sp>
-        <p:nvSpPr>
-          <p:cNvPr id="10" name="TextBox 9">
-            <a:extLst>
-              <a:ext uri="{FF2B5EF4-FFF2-40B4-BE49-F238E27FC236}">
-                <a16:creationId xmlns:a16="http://schemas.microsoft.com/office/drawing/2014/main" id="{2C5D9DC3-0DE1-02A8-69FB-5830C925B3DC}"/>
-              </a:ext>
-            </a:extLst>
-          </p:cNvPr>
-          <p:cNvSpPr txBox="1"/>
-          <p:nvPr/>
-        </p:nvSpPr>
-        <p:spPr>
-          <a:xfrm>
-            <a:off x="738187" y="1081594"/>
-            <a:ext cx="5713146" cy="1015663"/>
-          </a:xfrm>
-          <a:prstGeom prst="rect">
-            <a:avLst/>
-          </a:prstGeom>
-          <a:noFill/>
-        </p:spPr>
-        <p:txBody>
-          <a:bodyPr wrap="square" rtlCol="0">
-            <a:spAutoFit/>
+        <p:txBody>
+          <a:bodyPr>
+            <a:noAutofit/>
           </a:bodyPr>
           <a:lstStyle/>
           <a:p>
-            <a:r>
-              <a:rPr lang="en-US" sz="2000" dirty="0"/>
-              <a:t>Mean : 43.430000</a:t>
-            </a:r>
-          </a:p>
-          <a:p>
-            <a:r>
-              <a:rPr lang="en-US" sz="2000" dirty="0"/>
-              <a:t>STD : 2.213462</a:t>
-            </a:r>
-          </a:p>
-          <a:p>
-            <a:r>
-              <a:rPr lang="en-US" sz="2000" dirty="0"/>
-              <a:t>Z-Score : -0.10568598615921526</a:t>
-            </a:r>
-          </a:p>
-        </p:txBody>
-      </p:sp>
-      <p:sp>
-        <p:nvSpPr>
-          <p:cNvPr id="11" name="TextBox 10">
-            <a:extLst>
-              <a:ext uri="{FF2B5EF4-FFF2-40B4-BE49-F238E27FC236}">
-                <a16:creationId xmlns:a16="http://schemas.microsoft.com/office/drawing/2014/main" id="{91DCE221-08F8-C49F-58D1-08CDD7971689}"/>
-              </a:ext>
-            </a:extLst>
-          </p:cNvPr>
-          <p:cNvSpPr txBox="1"/>
-          <p:nvPr/>
-        </p:nvSpPr>
-        <p:spPr>
-          <a:xfrm>
-            <a:off x="717619" y="-111281"/>
-            <a:ext cx="5600700" cy="1446550"/>
-          </a:xfrm>
-          <a:prstGeom prst="rect">
-            <a:avLst/>
-          </a:prstGeom>
-          <a:noFill/>
-        </p:spPr>
-        <p:txBody>
-          <a:bodyPr wrap="square" rtlCol="0">
-            <a:spAutoFit/>
-          </a:bodyPr>
-          <a:lstStyle/>
-          <a:p>
-            <a:r>
-              <a:rPr lang="en-US" sz="8800" dirty="0"/>
-              <a:t>REBOUNDS</a:t>
-            </a:r>
+            <a:pPr algn="ctr"/>
+            <a:r>
+              <a:rPr lang="en-US" sz="2800" dirty="0" smtClean="0">
+                <a:solidFill>
+                  <a:srgbClr val="2B2B2B"/>
+                </a:solidFill>
+              </a:rPr>
+              <a:t>Implications </a:t>
+            </a:r>
+            <a:r>
+              <a:rPr lang="en-US" sz="2800" dirty="0">
+                <a:solidFill>
+                  <a:srgbClr val="2B2B2B"/>
+                </a:solidFill>
+              </a:rPr>
+              <a:t>of </a:t>
+            </a:r>
+            <a:r>
+              <a:rPr lang="en-US" sz="2800" dirty="0" smtClean="0">
+                <a:solidFill>
+                  <a:srgbClr val="2B2B2B"/>
+                </a:solidFill>
+              </a:rPr>
+              <a:t>the findings/next steps</a:t>
+            </a:r>
+            <a:endParaRPr lang="en-US" sz="2800" dirty="0"/>
           </a:p>
         </p:txBody>
       </p:sp>
     </p:spTree>
     <p:extLst>
       <p:ext uri="{BB962C8B-B14F-4D97-AF65-F5344CB8AC3E}">
-        <p14:creationId xmlns:p14="http://schemas.microsoft.com/office/powerpoint/2010/main" val="3438332265"/>
+        <p14:creationId xmlns:p14="http://schemas.microsoft.com/office/powerpoint/2010/main" val="3968192572"/>
       </p:ext>
     </p:extLst>
   </p:cSld>
   <p:clrMapOvr>
     <a:masterClrMapping/>
   </p:clrMapOvr>
+  <p:timing>
+    <p:tnLst>
+      <p:par>
+        <p:cTn id="1" dur="indefinite" restart="never" nodeType="tmRoot"/>
+      </p:par>
+    </p:tnLst>
+  </p:timing>
 </p:sld>
 </file>
 
@@ -7588,9 +7642,10 @@
           <a:p>
             <a:pPr algn="ctr"/>
             <a:r>
-              <a:rPr lang="en-US" dirty="0"/>
+              <a:rPr lang="en-US" dirty="0" smtClean="0"/>
               <a:t>Project Overview</a:t>
             </a:r>
+            <a:endParaRPr lang="en-US" dirty="0"/>
           </a:p>
         </p:txBody>
       </p:sp>
@@ -7620,9 +7675,10 @@
               <a:buNone/>
             </a:pPr>
             <a:r>
-              <a:rPr lang="en-US" sz="1800" dirty="0"/>
+              <a:rPr lang="en-US" sz="1800" dirty="0" smtClean="0"/>
               <a:t>The Orlando Magic has contracted this group to perform an EDA to look into key performance indicators (KPIs) to determine areas of play that need improvement so the Magic can become a winning team. The group quickly put together a list of questions to look into some of the more popular indicators known throughout the basketball industry.  One motivational factor about this project is that the Magic is local to the Orlando area and an improvement in their performance would help drive fan support. </a:t>
             </a:r>
+            <a:endParaRPr lang="en-US" sz="1800" dirty="0"/>
           </a:p>
           <a:p>
             <a:endParaRPr lang="en-US" sz="1800" dirty="0"/>
@@ -7633,8 +7689,21 @@
             </a:pPr>
             <a:r>
               <a:rPr lang="en-US" sz="1800" dirty="0"/>
-              <a:t>    1. Is there a correlation between regular season and playoff winning percentage?</a:t>
-            </a:r>
+              <a:t>    1. Is there a correlation between </a:t>
+            </a:r>
+            <a:r>
+              <a:rPr lang="en-US" sz="1800" dirty="0" smtClean="0"/>
+              <a:t>regular season and playoff </a:t>
+            </a:r>
+            <a:r>
+              <a:rPr lang="en-US" sz="1800" dirty="0"/>
+              <a:t>winning </a:t>
+            </a:r>
+            <a:r>
+              <a:rPr lang="en-US" sz="1800" dirty="0" smtClean="0"/>
+              <a:t>percentage?</a:t>
+            </a:r>
+            <a:endParaRPr lang="en-US" sz="1800" dirty="0"/>
           </a:p>
           <a:p>
             <a:pPr marL="0" indent="0">
@@ -7642,7 +7711,7 @@
             </a:pPr>
             <a:r>
               <a:rPr lang="en-US" sz="1800" dirty="0"/>
-              <a:t>    2. Is there a question 2</a:t>
+              <a:t>    2. How does the team makeup and performance from last season compare to previous seasons?</a:t>
             </a:r>
           </a:p>
           <a:p>
@@ -7650,8 +7719,12 @@
               <a:buNone/>
             </a:pPr>
             <a:r>
+              <a:rPr lang="en-US" sz="1800" dirty="0" smtClean="0"/>
+              <a:t>    </a:t>
+            </a:r>
+            <a:r>
               <a:rPr lang="en-US" sz="1800" dirty="0"/>
-              <a:t>    3. How does the Orlando Magic, as a team, compare to other teams in the league and the league as a whole?</a:t>
+              <a:t>3. How does the Orlando Magic, as a team, compare to other teams in the league and the league as a whole?</a:t>
             </a:r>
           </a:p>
           <a:p>
@@ -7665,8 +7738,24 @@
               <a:buNone/>
             </a:pPr>
             <a:r>
+              <a:rPr lang="en-US" sz="1800" dirty="0" smtClean="0"/>
+              <a:t>    </a:t>
+            </a:r>
+            <a:r>
               <a:rPr lang="en-US" sz="1800" dirty="0"/>
-              <a:t>    4. W</a:t>
+              <a:t>4. </a:t>
+            </a:r>
+            <a:r>
+              <a:rPr lang="en-US" sz="1800" dirty="0" smtClean="0"/>
+              <a:t>W</a:t>
+            </a:r>
+            <a:r>
+              <a:rPr lang="en-US" sz="1800" dirty="0" smtClean="0">
+                <a:solidFill>
+                  <a:srgbClr val="000000"/>
+                </a:solidFill>
+              </a:rPr>
+              <a:t>hich </a:t>
             </a:r>
             <a:r>
               <a:rPr lang="en-US" sz="1800" dirty="0">
@@ -7674,7 +7763,47 @@
                   <a:srgbClr val="000000"/>
                 </a:solidFill>
               </a:rPr>
-              <a:t>hich KPIs most closely related to wins for the Orlando Magic Team in the 2022 - 2023 Games</a:t>
+              <a:t>KPIs most closely </a:t>
+            </a:r>
+            <a:r>
+              <a:rPr lang="en-US" sz="1800" dirty="0" smtClean="0">
+                <a:solidFill>
+                  <a:srgbClr val="000000"/>
+                </a:solidFill>
+              </a:rPr>
+              <a:t>relate </a:t>
+            </a:r>
+            <a:r>
+              <a:rPr lang="en-US" sz="1800" dirty="0">
+                <a:solidFill>
+                  <a:srgbClr val="000000"/>
+                </a:solidFill>
+              </a:rPr>
+              <a:t>to wins for the Orlando Magic Team in the 2022 </a:t>
+            </a:r>
+            <a:r>
+              <a:rPr lang="en-US" sz="1800" dirty="0" smtClean="0">
+                <a:solidFill>
+                  <a:srgbClr val="000000"/>
+                </a:solidFill>
+              </a:rPr>
+              <a:t>- 2023 </a:t>
+            </a:r>
+            <a:r>
+              <a:rPr lang="en-US" sz="1800" dirty="0">
+                <a:solidFill>
+                  <a:srgbClr val="000000"/>
+                </a:solidFill>
+              </a:rPr>
+              <a:t>Games</a:t>
+            </a:r>
+            <a:r>
+              <a:rPr lang="en-US" sz="1800" b="1" i="1" dirty="0">
+                <a:solidFill>
+                  <a:srgbClr val="000000"/>
+                </a:solidFill>
+              </a:rPr>
+              <a:t/>
             </a:r>
             <a:br>
               <a:rPr lang="en-US" sz="1800" b="1" i="1" dirty="0">
@@ -7684,8 +7813,12 @@
               </a:rPr>
             </a:br>
             <a:r>
+              <a:rPr lang="en-US" sz="1800" dirty="0" smtClean="0"/>
+              <a:t>    </a:t>
+            </a:r>
+            <a:r>
               <a:rPr lang="en-US" sz="1800" dirty="0"/>
-              <a:t>    5. Is there a question 5</a:t>
+              <a:t>5. Is there a question 5</a:t>
             </a:r>
           </a:p>
           <a:p>
@@ -7709,6 +7842,13 @@
   <p:clrMapOvr>
     <a:masterClrMapping/>
   </p:clrMapOvr>
+  <p:timing>
+    <p:tnLst>
+      <p:par>
+        <p:cTn id="1" dur="indefinite" restart="never" nodeType="tmRoot"/>
+      </p:par>
+    </p:tnLst>
+  </p:timing>
 </p:sld>
 </file>
 
@@ -7729,193 +7869,87 @@
           <a:chExt cx="0" cy="0"/>
         </a:xfrm>
       </p:grpSpPr>
-      <p:pic>
-        <p:nvPicPr>
-          <p:cNvPr id="7" name="Picture 6" descr="Chart, box and whisker chart&#10;&#10;Description automatically generated">
-            <a:extLst>
-              <a:ext uri="{FF2B5EF4-FFF2-40B4-BE49-F238E27FC236}">
-                <a16:creationId xmlns:a16="http://schemas.microsoft.com/office/drawing/2014/main" id="{62F9A557-682B-BB6E-9FFC-DAB4D9D0B879}"/>
-              </a:ext>
-            </a:extLst>
-          </p:cNvPr>
-          <p:cNvPicPr>
-            <a:picLocks noChangeAspect="1"/>
-          </p:cNvPicPr>
-          <p:nvPr/>
-        </p:nvPicPr>
-        <p:blipFill>
-          <a:blip r:embed="rId2"/>
-          <a:stretch>
-            <a:fillRect/>
-          </a:stretch>
-        </p:blipFill>
+      <p:sp>
+        <p:nvSpPr>
+          <p:cNvPr id="2" name="Title 1"/>
+          <p:cNvSpPr>
+            <a:spLocks noGrp="1"/>
+          </p:cNvSpPr>
+          <p:nvPr>
+            <p:ph type="title"/>
+          </p:nvPr>
+        </p:nvSpPr>
+        <p:spPr/>
+        <p:txBody>
+          <a:bodyPr/>
+          <a:lstStyle/>
+          <a:p>
+            <a:pPr algn="ctr"/>
+            <a:r>
+              <a:rPr lang="en-US" sz="3600" b="1" dirty="0"/>
+              <a:t>Question 1 – Regular Season vs Playoff Percentage</a:t>
+            </a:r>
+            <a:endParaRPr lang="en-US" dirty="0"/>
+          </a:p>
+        </p:txBody>
+      </p:sp>
+      <p:sp>
+        <p:nvSpPr>
+          <p:cNvPr id="3" name="Content Placeholder 2"/>
+          <p:cNvSpPr>
+            <a:spLocks noGrp="1"/>
+          </p:cNvSpPr>
+          <p:nvPr>
+            <p:ph idx="1"/>
+          </p:nvPr>
+        </p:nvSpPr>
         <p:spPr>
           <a:xfrm>
-            <a:off x="0" y="1714500"/>
-            <a:ext cx="7340600" cy="5143500"/>
+            <a:off x="838200" y="1825625"/>
+            <a:ext cx="10515600" cy="3343275"/>
           </a:xfrm>
-          <a:prstGeom prst="rect">
-            <a:avLst/>
-          </a:prstGeom>
         </p:spPr>
-      </p:pic>
-      <p:pic>
-        <p:nvPicPr>
-          <p:cNvPr id="9" name="Picture 8" descr="Chart, waterfall chart&#10;&#10;Description automatically generated">
-            <a:extLst>
-              <a:ext uri="{FF2B5EF4-FFF2-40B4-BE49-F238E27FC236}">
-                <a16:creationId xmlns:a16="http://schemas.microsoft.com/office/drawing/2014/main" id="{519265D6-F3D1-05BD-0974-9F4A84EA4F19}"/>
-              </a:ext>
-            </a:extLst>
-          </p:cNvPr>
-          <p:cNvPicPr>
-            <a:picLocks noChangeAspect="1"/>
-          </p:cNvPicPr>
-          <p:nvPr/>
-        </p:nvPicPr>
-        <p:blipFill>
-          <a:blip r:embed="rId3"/>
-          <a:stretch>
-            <a:fillRect/>
-          </a:stretch>
-        </p:blipFill>
-        <p:spPr>
-          <a:xfrm>
-            <a:off x="6705595" y="4114798"/>
-            <a:ext cx="5486404" cy="2743202"/>
-          </a:xfrm>
-          <a:prstGeom prst="rect">
-            <a:avLst/>
-          </a:prstGeom>
-        </p:spPr>
-      </p:pic>
-      <p:pic>
-        <p:nvPicPr>
-          <p:cNvPr id="5" name="Picture 4">
-            <a:extLst>
-              <a:ext uri="{FF2B5EF4-FFF2-40B4-BE49-F238E27FC236}">
-                <a16:creationId xmlns:a16="http://schemas.microsoft.com/office/drawing/2014/main" id="{FD739AB8-BC60-67C6-6022-00B55B28DBB6}"/>
-              </a:ext>
-            </a:extLst>
-          </p:cNvPr>
-          <p:cNvPicPr>
-            <a:picLocks noChangeAspect="1"/>
-          </p:cNvPicPr>
-          <p:nvPr/>
-        </p:nvPicPr>
-        <p:blipFill>
-          <a:blip r:embed="rId4"/>
-          <a:srcRect/>
-          <a:stretch/>
-        </p:blipFill>
-        <p:spPr>
-          <a:xfrm>
-            <a:off x="6705595" y="-3"/>
-            <a:ext cx="5486401" cy="4114800"/>
-          </a:xfrm>
-          <a:prstGeom prst="rect">
-            <a:avLst/>
-          </a:prstGeom>
-        </p:spPr>
-      </p:pic>
-      <p:sp>
-        <p:nvSpPr>
-          <p:cNvPr id="10" name="TextBox 9">
-            <a:extLst>
-              <a:ext uri="{FF2B5EF4-FFF2-40B4-BE49-F238E27FC236}">
-                <a16:creationId xmlns:a16="http://schemas.microsoft.com/office/drawing/2014/main" id="{E7087A4F-34AE-DCFE-1CD7-40695B9B990F}"/>
-              </a:ext>
-            </a:extLst>
-          </p:cNvPr>
-          <p:cNvSpPr txBox="1"/>
-          <p:nvPr/>
-        </p:nvSpPr>
-        <p:spPr>
-          <a:xfrm>
-            <a:off x="717616" y="1072545"/>
-            <a:ext cx="5355433" cy="1569660"/>
-          </a:xfrm>
-          <a:prstGeom prst="rect">
-            <a:avLst/>
-          </a:prstGeom>
-          <a:noFill/>
-        </p:spPr>
-        <p:txBody>
-          <a:bodyPr wrap="square" rtlCol="0">
-            <a:spAutoFit/>
-          </a:bodyPr>
-          <a:lstStyle/>
-          <a:p>
-            <a:r>
-              <a:rPr lang="en-US" sz="2000" dirty="0"/>
-              <a:t>Mean : 14.093333</a:t>
-            </a:r>
-          </a:p>
-          <a:p>
-            <a:r>
-              <a:rPr lang="en-US" sz="2000" dirty="0"/>
-              <a:t>STD : 1.079570</a:t>
-            </a:r>
-          </a:p>
-          <a:p>
-            <a:r>
-              <a:rPr lang="en-US" sz="2000" dirty="0"/>
-              <a:t>Z-Score : 0.9484108889758592</a:t>
-            </a:r>
-          </a:p>
-          <a:p>
+        <p:txBody>
+          <a:bodyPr/>
+          <a:lstStyle/>
+          <a:p>
+            <a:r>
+              <a:rPr lang="en-US" dirty="0" smtClean="0"/>
+              <a:t>The correlation of season winning percentage versus playoff winning percentage is important because the regular season winning percentage determines home court advantage throughout the playoffs.</a:t>
+            </a:r>
+          </a:p>
+          <a:p>
+            <a:r>
+              <a:rPr lang="en-US" dirty="0" smtClean="0"/>
+              <a:t> Statistics show the team with the home court advantage has won 53 of 74 championships, or 71.6% of the time. </a:t>
+            </a:r>
+          </a:p>
+          <a:p>
+            <a:r>
+              <a:rPr lang="en-US" dirty="0" smtClean="0"/>
+              <a:t>There are no next steps with regard to this KPI</a:t>
+            </a:r>
             <a:endParaRPr lang="en-US" dirty="0"/>
-          </a:p>
-          <a:p>
-            <a:endParaRPr lang="en-US" dirty="0"/>
-          </a:p>
-        </p:txBody>
-      </p:sp>
-      <p:sp>
-        <p:nvSpPr>
-          <p:cNvPr id="11" name="TextBox 10">
-            <a:extLst>
-              <a:ext uri="{FF2B5EF4-FFF2-40B4-BE49-F238E27FC236}">
-                <a16:creationId xmlns:a16="http://schemas.microsoft.com/office/drawing/2014/main" id="{F061ACA2-FCFF-2FBB-FE82-6E7A9AB3FABF}"/>
-              </a:ext>
-            </a:extLst>
-          </p:cNvPr>
-          <p:cNvSpPr txBox="1"/>
-          <p:nvPr/>
-        </p:nvSpPr>
-        <p:spPr>
-          <a:xfrm>
-            <a:off x="717619" y="-111281"/>
-            <a:ext cx="5826056" cy="1446550"/>
-          </a:xfrm>
-          <a:prstGeom prst="rect">
-            <a:avLst/>
-          </a:prstGeom>
-          <a:noFill/>
-        </p:spPr>
-        <p:txBody>
-          <a:bodyPr wrap="square" rtlCol="0">
-            <a:spAutoFit/>
-          </a:bodyPr>
-          <a:lstStyle/>
-          <a:p>
-            <a:r>
-              <a:rPr lang="en-US" sz="8800" dirty="0"/>
-              <a:t>TURNOVERS</a:t>
-            </a:r>
           </a:p>
         </p:txBody>
       </p:sp>
     </p:spTree>
     <p:extLst>
       <p:ext uri="{BB962C8B-B14F-4D97-AF65-F5344CB8AC3E}">
-        <p14:creationId xmlns:p14="http://schemas.microsoft.com/office/powerpoint/2010/main" val="1960610940"/>
+        <p14:creationId xmlns:p14="http://schemas.microsoft.com/office/powerpoint/2010/main" val="3669989009"/>
       </p:ext>
     </p:extLst>
   </p:cSld>
   <p:clrMapOvr>
     <a:masterClrMapping/>
   </p:clrMapOvr>
+  <p:timing>
+    <p:tnLst>
+      <p:par>
+        <p:cTn id="1" dur="indefinite" restart="never" nodeType="tmRoot"/>
+      </p:par>
+    </p:tnLst>
+  </p:timing>
 </p:sld>
 </file>
 
@@ -7946,263 +7980,55 @@
             <p:ph type="title"/>
           </p:nvPr>
         </p:nvSpPr>
-        <p:spPr>
-          <a:xfrm>
-            <a:off x="831850" y="239561"/>
-            <a:ext cx="10515600" cy="1427874"/>
-          </a:xfrm>
-        </p:spPr>
-        <p:txBody>
-          <a:bodyPr>
-            <a:normAutofit/>
-          </a:bodyPr>
-          <a:lstStyle/>
-          <a:p>
-            <a:pPr algn="ctr"/>
-            <a:r>
-              <a:rPr lang="en-US" dirty="0">
-                <a:solidFill>
-                  <a:prstClr val="black"/>
-                </a:solidFill>
-              </a:rPr>
-              <a:t>SECTION 5</a:t>
-            </a:r>
-            <a:endParaRPr lang="en-US" sz="2400" dirty="0"/>
-          </a:p>
-        </p:txBody>
-      </p:sp>
-      <p:sp>
-        <p:nvSpPr>
-          <p:cNvPr id="3" name="Text Placeholder 2"/>
-          <p:cNvSpPr>
-            <a:spLocks noGrp="1"/>
-          </p:cNvSpPr>
-          <p:nvPr>
-            <p:ph type="body" idx="1"/>
-          </p:nvPr>
-        </p:nvSpPr>
-        <p:spPr>
-          <a:xfrm>
-            <a:off x="831850" y="1721225"/>
-            <a:ext cx="10515600" cy="4368426"/>
-          </a:xfrm>
-        </p:spPr>
-        <p:txBody>
-          <a:bodyPr>
-            <a:noAutofit/>
-          </a:bodyPr>
-          <a:lstStyle/>
-          <a:p>
-            <a:pPr>
-              <a:buFont typeface="Arial"/>
-              <a:buChar char="•"/>
-            </a:pPr>
-            <a:r>
-              <a:rPr lang="en-US" sz="1600" dirty="0">
-                <a:solidFill>
-                  <a:srgbClr val="2B2B2B"/>
-                </a:solidFill>
-              </a:rPr>
-              <a:t>Course requirement</a:t>
-            </a:r>
-          </a:p>
-          <a:p>
-            <a:pPr lvl="1">
-              <a:buFont typeface="Arial"/>
-              <a:buChar char="•"/>
-            </a:pPr>
-            <a:r>
-              <a:rPr lang="en-US" sz="1600" dirty="0">
-                <a:solidFill>
-                  <a:srgbClr val="2B2B2B"/>
-                </a:solidFill>
-              </a:rPr>
-              <a:t>Next steps:</a:t>
-            </a:r>
-          </a:p>
-          <a:p>
-            <a:pPr marL="1200150" lvl="2" indent="-285750">
-              <a:buFont typeface="Arial"/>
-              <a:buChar char="•"/>
-            </a:pPr>
-            <a:r>
-              <a:rPr lang="en-US" sz="1400" dirty="0">
-                <a:solidFill>
-                  <a:srgbClr val="2B2B2B"/>
-                </a:solidFill>
-              </a:rPr>
-              <a:t>Briefly discuss potential next steps for the project.</a:t>
-            </a:r>
-          </a:p>
-          <a:p>
-            <a:r>
-              <a:rPr lang="en-US" sz="1600" dirty="0">
-                <a:solidFill>
-                  <a:srgbClr val="2B2B2B"/>
-                </a:solidFill>
-              </a:rPr>
-              <a:t>Cindy’s requirement</a:t>
-            </a:r>
-          </a:p>
-          <a:p>
-            <a:pPr marL="742950" lvl="1" indent="-285750">
-              <a:buFont typeface="Arial"/>
-              <a:buChar char="•"/>
-            </a:pPr>
-            <a:r>
-              <a:rPr lang="en-US" sz="1600" dirty="0">
-                <a:solidFill>
-                  <a:srgbClr val="2B2B2B"/>
-                </a:solidFill>
-              </a:rPr>
-              <a:t>The implications of your findings: what do your findings mean?</a:t>
-            </a:r>
-          </a:p>
-          <a:p>
-            <a:pPr marL="285750" indent="-285750">
-              <a:buFont typeface="Arial"/>
-              <a:buChar char="•"/>
-            </a:pPr>
-            <a:r>
-              <a:rPr lang="en-US" sz="1600" dirty="0">
-                <a:solidFill>
-                  <a:srgbClr val="2B2B2B"/>
-                </a:solidFill>
-              </a:rPr>
-              <a:t>Time: .5 minutes</a:t>
-            </a:r>
-          </a:p>
-          <a:p>
-            <a:pPr marL="285750" indent="-285750">
-              <a:buFont typeface="Arial"/>
-              <a:buChar char="•"/>
-            </a:pPr>
-            <a:r>
-              <a:rPr lang="en-US" sz="1600" dirty="0">
-                <a:solidFill>
-                  <a:srgbClr val="2B2B2B"/>
-                </a:solidFill>
-              </a:rPr>
-              <a:t>Assignment</a:t>
-            </a:r>
-          </a:p>
-          <a:p>
-            <a:pPr marL="742950" lvl="1" indent="-285750">
-              <a:buFont typeface="Arial"/>
-              <a:buChar char="•"/>
-            </a:pPr>
-            <a:r>
-              <a:rPr lang="en-US" sz="1600" dirty="0">
-                <a:solidFill>
-                  <a:srgbClr val="2B2B2B"/>
-                </a:solidFill>
-              </a:rPr>
-              <a:t>Intro – Candace</a:t>
-            </a:r>
-          </a:p>
-          <a:p>
-            <a:pPr marL="1200150" lvl="2" indent="-285750">
-              <a:buFont typeface="Arial"/>
-              <a:buChar char="•"/>
-            </a:pPr>
-            <a:r>
-              <a:rPr lang="en-US" sz="1600" dirty="0">
-                <a:solidFill>
-                  <a:srgbClr val="2B2B2B"/>
-                </a:solidFill>
-              </a:rPr>
-              <a:t>Slides</a:t>
-            </a:r>
-          </a:p>
-          <a:p>
-            <a:pPr marL="1657350" lvl="3" indent="-285750">
-              <a:buFont typeface="Arial"/>
-              <a:buChar char="•"/>
-            </a:pPr>
-            <a:r>
-              <a:rPr lang="en-US" dirty="0">
-                <a:solidFill>
-                  <a:srgbClr val="2B2B2B"/>
-                </a:solidFill>
-              </a:rPr>
+        <p:spPr/>
+        <p:txBody>
+          <a:bodyPr/>
+          <a:lstStyle/>
+          <a:p>
+            <a:r>
+              <a:rPr lang="en-US" dirty="0" smtClean="0"/>
               <a:t>Dario</a:t>
             </a:r>
-          </a:p>
-          <a:p>
-            <a:pPr marL="1657350" lvl="3" indent="-285750">
-              <a:buFont typeface="Arial"/>
-              <a:buChar char="•"/>
-            </a:pPr>
-            <a:r>
-              <a:rPr lang="en-US" dirty="0">
-                <a:solidFill>
-                  <a:srgbClr val="2B2B2B"/>
-                </a:solidFill>
-              </a:rPr>
-              <a:t>Mark</a:t>
-            </a:r>
-          </a:p>
-          <a:p>
-            <a:pPr marL="1657350" lvl="3" indent="-285750">
-              <a:buFont typeface="Arial"/>
-              <a:buChar char="•"/>
-            </a:pPr>
-            <a:r>
-              <a:rPr lang="en-US" dirty="0">
-                <a:solidFill>
-                  <a:srgbClr val="2B2B2B"/>
-                </a:solidFill>
-              </a:rPr>
-              <a:t>Jessica</a:t>
-            </a:r>
-          </a:p>
-          <a:p>
-            <a:pPr marL="1657350" lvl="3" indent="-285750">
-              <a:buFont typeface="Arial"/>
-              <a:buChar char="•"/>
-            </a:pPr>
-            <a:r>
-              <a:rPr lang="en-US" dirty="0">
-                <a:solidFill>
-                  <a:srgbClr val="2B2B2B"/>
-                </a:solidFill>
-              </a:rPr>
-              <a:t>Candace</a:t>
-            </a:r>
-          </a:p>
-          <a:p>
-            <a:pPr marL="1657350" lvl="3" indent="-285750">
-              <a:buFont typeface="Arial"/>
-              <a:buChar char="•"/>
-            </a:pPr>
-            <a:r>
-              <a:rPr lang="en-US" dirty="0">
-                <a:solidFill>
-                  <a:srgbClr val="2B2B2B"/>
-                </a:solidFill>
-              </a:rPr>
-              <a:t>Brenton</a:t>
-            </a:r>
-          </a:p>
-          <a:p>
-            <a:pPr lvl="3"/>
             <a:endParaRPr lang="en-US" dirty="0"/>
           </a:p>
-          <a:p>
-            <a:endParaRPr lang="en-US" sz="1600" dirty="0"/>
+        </p:txBody>
+      </p:sp>
+      <p:sp>
+        <p:nvSpPr>
+          <p:cNvPr id="3" name="Content Placeholder 2"/>
+          <p:cNvSpPr>
+            <a:spLocks noGrp="1"/>
+          </p:cNvSpPr>
+          <p:nvPr>
+            <p:ph idx="1"/>
+          </p:nvPr>
+        </p:nvSpPr>
+        <p:spPr/>
+        <p:txBody>
+          <a:bodyPr/>
+          <a:lstStyle/>
+          <a:p>
+            <a:endParaRPr lang="en-US" dirty="0"/>
           </a:p>
         </p:txBody>
       </p:sp>
     </p:spTree>
     <p:extLst>
       <p:ext uri="{BB962C8B-B14F-4D97-AF65-F5344CB8AC3E}">
-        <p14:creationId xmlns:p14="http://schemas.microsoft.com/office/powerpoint/2010/main" val="3968192572"/>
+        <p14:creationId xmlns:p14="http://schemas.microsoft.com/office/powerpoint/2010/main" val="3628214694"/>
       </p:ext>
     </p:extLst>
   </p:cSld>
   <p:clrMapOvr>
     <a:masterClrMapping/>
   </p:clrMapOvr>
+  <p:timing>
+    <p:tnLst>
+      <p:par>
+        <p:cTn id="1" dur="indefinite" restart="never" nodeType="tmRoot"/>
+      </p:par>
+    </p:tnLst>
+  </p:timing>
 </p:sld>
 </file>
 
@@ -8238,10 +8064,9 @@
           <a:bodyPr/>
           <a:lstStyle/>
           <a:p>
-            <a:pPr algn="ctr"/>
-            <a:r>
-              <a:rPr lang="en-US" sz="3600" b="1" dirty="0"/>
-              <a:t>Question 1 – Regular Season vs Playoff Percentage</a:t>
+            <a:r>
+              <a:rPr lang="en-US" dirty="0" smtClean="0"/>
+              <a:t>Jessica	</a:t>
             </a:r>
             <a:endParaRPr lang="en-US" dirty="0"/>
           </a:p>
@@ -8249,7 +8074,7 @@
       </p:sp>
       <p:sp>
         <p:nvSpPr>
-          <p:cNvPr id="3" name="Content Placeholder 2"/>
+          <p:cNvPr id="4" name="Content Placeholder 3"/>
           <p:cNvSpPr>
             <a:spLocks noGrp="1"/>
           </p:cNvSpPr>
@@ -8262,35 +8087,27 @@
           <a:bodyPr/>
           <a:lstStyle/>
           <a:p>
-            <a:r>
-              <a:rPr lang="en-US" dirty="0"/>
-              <a:t>The correlation of season winning percentage versus playoff winning percentage is important because the regular season winning percentage determines home court advantage throughout the playoffs.</a:t>
-            </a:r>
-          </a:p>
-          <a:p>
-            <a:r>
-              <a:rPr lang="en-US" dirty="0"/>
-              <a:t> Statistics show the team with the home court advantage has won 53 of 74 championships, or 71.6% of the time. </a:t>
-            </a:r>
-          </a:p>
-          <a:p>
-            <a:r>
-              <a:rPr lang="en-US" dirty="0"/>
-              <a:t>There are no next steps with regard to this KPI</a:t>
-            </a:r>
+            <a:endParaRPr lang="en-US"/>
           </a:p>
         </p:txBody>
       </p:sp>
     </p:spTree>
     <p:extLst>
       <p:ext uri="{BB962C8B-B14F-4D97-AF65-F5344CB8AC3E}">
-        <p14:creationId xmlns:p14="http://schemas.microsoft.com/office/powerpoint/2010/main" val="3669989009"/>
+        <p14:creationId xmlns:p14="http://schemas.microsoft.com/office/powerpoint/2010/main" val="4112603086"/>
       </p:ext>
     </p:extLst>
   </p:cSld>
   <p:clrMapOvr>
     <a:masterClrMapping/>
   </p:clrMapOvr>
+  <p:timing>
+    <p:tnLst>
+      <p:par>
+        <p:cTn id="1" dur="indefinite" restart="never" nodeType="tmRoot"/>
+      </p:par>
+    </p:tnLst>
+  </p:timing>
 </p:sld>
 </file>
 
@@ -8327,15 +8144,16 @@
           <a:lstStyle/>
           <a:p>
             <a:r>
-              <a:rPr lang="en-US" dirty="0"/>
-              <a:t>Dario</a:t>
-            </a:r>
-          </a:p>
-        </p:txBody>
-      </p:sp>
-      <p:sp>
-        <p:nvSpPr>
-          <p:cNvPr id="3" name="Content Placeholder 2"/>
+              <a:rPr lang="en-US" dirty="0" smtClean="0"/>
+              <a:t>Candace</a:t>
+            </a:r>
+            <a:endParaRPr lang="en-US" dirty="0"/>
+          </a:p>
+        </p:txBody>
+      </p:sp>
+      <p:sp>
+        <p:nvSpPr>
+          <p:cNvPr id="4" name="Content Placeholder 3"/>
           <p:cNvSpPr>
             <a:spLocks noGrp="1"/>
           </p:cNvSpPr>
@@ -8348,20 +8166,27 @@
           <a:bodyPr/>
           <a:lstStyle/>
           <a:p>
-            <a:endParaRPr lang="en-US" dirty="0"/>
+            <a:endParaRPr lang="en-US"/>
           </a:p>
         </p:txBody>
       </p:sp>
     </p:spTree>
     <p:extLst>
       <p:ext uri="{BB962C8B-B14F-4D97-AF65-F5344CB8AC3E}">
-        <p14:creationId xmlns:p14="http://schemas.microsoft.com/office/powerpoint/2010/main" val="3628214694"/>
+        <p14:creationId xmlns:p14="http://schemas.microsoft.com/office/powerpoint/2010/main" val="2593243344"/>
       </p:ext>
     </p:extLst>
   </p:cSld>
   <p:clrMapOvr>
     <a:masterClrMapping/>
   </p:clrMapOvr>
+  <p:timing>
+    <p:tnLst>
+      <p:par>
+        <p:cTn id="1" dur="indefinite" restart="never" nodeType="tmRoot"/>
+      </p:par>
+    </p:tnLst>
+  </p:timing>
 </p:sld>
 </file>
 
@@ -8398,15 +8223,16 @@
           <a:lstStyle/>
           <a:p>
             <a:r>
-              <a:rPr lang="en-US" dirty="0"/>
-              <a:t>Jessica	</a:t>
-            </a:r>
-          </a:p>
-        </p:txBody>
-      </p:sp>
-      <p:sp>
-        <p:nvSpPr>
-          <p:cNvPr id="4" name="Content Placeholder 3"/>
+              <a:rPr lang="en-US" dirty="0" smtClean="0"/>
+              <a:t>Brenton</a:t>
+            </a:r>
+            <a:endParaRPr lang="en-US" dirty="0"/>
+          </a:p>
+        </p:txBody>
+      </p:sp>
+      <p:sp>
+        <p:nvSpPr>
+          <p:cNvPr id="3" name="Content Placeholder 2"/>
           <p:cNvSpPr>
             <a:spLocks noGrp="1"/>
           </p:cNvSpPr>
@@ -8426,13 +8252,20 @@
     </p:spTree>
     <p:extLst>
       <p:ext uri="{BB962C8B-B14F-4D97-AF65-F5344CB8AC3E}">
-        <p14:creationId xmlns:p14="http://schemas.microsoft.com/office/powerpoint/2010/main" val="4112603086"/>
+        <p14:creationId xmlns:p14="http://schemas.microsoft.com/office/powerpoint/2010/main" val="3275018559"/>
       </p:ext>
     </p:extLst>
   </p:cSld>
   <p:clrMapOvr>
     <a:masterClrMapping/>
   </p:clrMapOvr>
+  <p:timing>
+    <p:tnLst>
+      <p:par>
+        <p:cTn id="1" dur="indefinite" restart="never" nodeType="tmRoot"/>
+      </p:par>
+    </p:tnLst>
+  </p:timing>
 </p:sld>
 </file>
 
@@ -8455,7 +8288,7 @@
       </p:grpSpPr>
       <p:sp>
         <p:nvSpPr>
-          <p:cNvPr id="2" name="Title 1"/>
+          <p:cNvPr id="4" name="Title 3"/>
           <p:cNvSpPr>
             <a:spLocks noGrp="1"/>
           </p:cNvSpPr>
@@ -8465,131 +8298,101 @@
         </p:nvSpPr>
         <p:spPr/>
         <p:txBody>
+          <a:bodyPr>
+            <a:normAutofit fontScale="90000"/>
+          </a:bodyPr>
+          <a:lstStyle/>
+          <a:p>
+            <a:pPr algn="ctr"/>
+            <a:r>
+              <a:rPr lang="en-US" dirty="0" smtClean="0"/>
+              <a:t/>
+            </a:r>
+            <a:br>
+              <a:rPr lang="en-US" dirty="0" smtClean="0"/>
+            </a:br>
+            <a:r>
+              <a:rPr lang="en-US" dirty="0" smtClean="0"/>
+              <a:t>Presented by</a:t>
+            </a:r>
+            <a:br>
+              <a:rPr lang="en-US" dirty="0" smtClean="0"/>
+            </a:br>
+            <a:endParaRPr lang="en-US" dirty="0"/>
+          </a:p>
+        </p:txBody>
+      </p:sp>
+      <p:sp>
+        <p:nvSpPr>
+          <p:cNvPr id="5" name="Content Placeholder 4"/>
+          <p:cNvSpPr>
+            <a:spLocks noGrp="1"/>
+          </p:cNvSpPr>
+          <p:nvPr>
+            <p:ph idx="1"/>
+          </p:nvPr>
+        </p:nvSpPr>
+        <p:spPr>
+          <a:xfrm>
+            <a:off x="838200" y="1825625"/>
+            <a:ext cx="10515600" cy="2746375"/>
+          </a:xfrm>
+        </p:spPr>
+        <p:txBody>
           <a:bodyPr/>
           <a:lstStyle/>
           <a:p>
-            <a:r>
-              <a:rPr lang="en-US" dirty="0"/>
-              <a:t>Question 3 – Orlando Magic v League</a:t>
-            </a:r>
-          </a:p>
-        </p:txBody>
-      </p:sp>
-      <p:sp>
-        <p:nvSpPr>
-          <p:cNvPr id="4" name="Content Placeholder 3"/>
-          <p:cNvSpPr>
-            <a:spLocks noGrp="1"/>
-          </p:cNvSpPr>
-          <p:nvPr>
-            <p:ph idx="1"/>
-          </p:nvPr>
-        </p:nvSpPr>
-        <p:spPr/>
-        <p:txBody>
-          <a:bodyPr/>
-          <a:lstStyle/>
-          <a:p>
-            <a:r>
-              <a:rPr lang="en-US" dirty="0"/>
-              <a:t>Going forward, the team overall should work on reducing the number of turnovers that they make every game.</a:t>
-            </a:r>
-          </a:p>
-          <a:p>
+            <a:pPr marL="0" indent="0" algn="ctr">
+              <a:buNone/>
+            </a:pPr>
+            <a:r>
+              <a:rPr lang="en-US" dirty="0" smtClean="0"/>
+              <a:t>Brenton Bethel</a:t>
+            </a:r>
+          </a:p>
+          <a:p>
+            <a:pPr marL="0" indent="0" algn="ctr">
+              <a:buNone/>
+            </a:pPr>
+            <a:r>
+              <a:rPr lang="en-US" dirty="0" smtClean="0"/>
+              <a:t>Candace Stingley</a:t>
+            </a:r>
+          </a:p>
+          <a:p>
+            <a:pPr marL="0" indent="0" algn="ctr">
+              <a:buNone/>
+            </a:pPr>
+            <a:r>
+              <a:rPr lang="en-US" dirty="0" smtClean="0"/>
+              <a:t>Dario Rangel</a:t>
+            </a:r>
+          </a:p>
+          <a:p>
+            <a:pPr marL="0" indent="0" algn="ctr">
+              <a:buNone/>
+            </a:pPr>
+            <a:r>
+              <a:rPr lang="en-US" dirty="0" smtClean="0"/>
+              <a:t>Jessica Richter</a:t>
+            </a:r>
+          </a:p>
+          <a:p>
+            <a:pPr marL="0" indent="0" algn="ctr">
+              <a:buNone/>
+            </a:pPr>
+            <a:r>
+              <a:rPr lang="en-US" dirty="0" smtClean="0"/>
+              <a:t>Mark Meinhardt</a:t>
+            </a:r>
             <a:endParaRPr lang="en-US" dirty="0"/>
-          </a:p>
-          <a:p>
-            <a:r>
-              <a:rPr lang="en-US" dirty="0"/>
-              <a:t>In addition, they need to focus on their shooting percentage and generally scoring more points. </a:t>
-            </a:r>
-          </a:p>
-          <a:p>
-            <a:endParaRPr lang="en-US" dirty="0"/>
-          </a:p>
-          <a:p>
-            <a:r>
-              <a:rPr lang="en-US" dirty="0"/>
-              <a:t>While scoring more points per game doesn’t correlate to winning games, even attempting more shots per game will have an effect on their outcome. </a:t>
-            </a:r>
           </a:p>
         </p:txBody>
       </p:sp>
     </p:spTree>
     <p:extLst>
       <p:ext uri="{BB962C8B-B14F-4D97-AF65-F5344CB8AC3E}">
-        <p14:creationId xmlns:p14="http://schemas.microsoft.com/office/powerpoint/2010/main" val="2593243344"/>
-      </p:ext>
-    </p:extLst>
-  </p:cSld>
-  <p:clrMapOvr>
-    <a:masterClrMapping/>
-  </p:clrMapOvr>
-</p:sld>
-</file>
-
-<file path=ppt/slides/slide36.xml><?xml version="1.0" encoding="utf-8"?>
-<p:sld xmlns:a="http://schemas.openxmlformats.org/drawingml/2006/main" xmlns:r="http://schemas.openxmlformats.org/officeDocument/2006/relationships" xmlns:p="http://schemas.openxmlformats.org/presentationml/2006/main">
-  <p:cSld>
-    <p:spTree>
-      <p:nvGrpSpPr>
-        <p:cNvPr id="1" name=""/>
-        <p:cNvGrpSpPr/>
-        <p:nvPr/>
-      </p:nvGrpSpPr>
-      <p:grpSpPr>
-        <a:xfrm>
-          <a:off x="0" y="0"/>
-          <a:ext cx="0" cy="0"/>
-          <a:chOff x="0" y="0"/>
-          <a:chExt cx="0" cy="0"/>
-        </a:xfrm>
-      </p:grpSpPr>
-      <p:sp>
-        <p:nvSpPr>
-          <p:cNvPr id="2" name="Title 1"/>
-          <p:cNvSpPr>
-            <a:spLocks noGrp="1"/>
-          </p:cNvSpPr>
-          <p:nvPr>
-            <p:ph type="title"/>
-          </p:nvPr>
-        </p:nvSpPr>
-        <p:spPr/>
-        <p:txBody>
-          <a:bodyPr/>
-          <a:lstStyle/>
-          <a:p>
-            <a:r>
-              <a:rPr lang="en-US" dirty="0"/>
-              <a:t>Brenton</a:t>
-            </a:r>
-          </a:p>
-        </p:txBody>
-      </p:sp>
-      <p:sp>
-        <p:nvSpPr>
-          <p:cNvPr id="3" name="Content Placeholder 2"/>
-          <p:cNvSpPr>
-            <a:spLocks noGrp="1"/>
-          </p:cNvSpPr>
-          <p:nvPr>
-            <p:ph idx="1"/>
-          </p:nvPr>
-        </p:nvSpPr>
-        <p:spPr/>
-        <p:txBody>
-          <a:bodyPr/>
-          <a:lstStyle/>
-          <a:p>
-            <a:endParaRPr lang="en-US" dirty="0"/>
-          </a:p>
-        </p:txBody>
-      </p:sp>
-    </p:spTree>
-    <p:extLst>
-      <p:ext uri="{BB962C8B-B14F-4D97-AF65-F5344CB8AC3E}">
-        <p14:creationId xmlns:p14="http://schemas.microsoft.com/office/powerpoint/2010/main" val="3275018559"/>
+        <p14:creationId xmlns:p14="http://schemas.microsoft.com/office/powerpoint/2010/main" val="2590784503"/>
       </p:ext>
     </p:extLst>
   </p:cSld>
@@ -8645,7 +8448,15 @@
                   <a:prstClr val="black"/>
                 </a:solidFill>
               </a:rPr>
-              <a:t>SECTION 2</a:t>
+              <a:t>SECTION </a:t>
+            </a:r>
+            <a:r>
+              <a:rPr lang="en-US" dirty="0" smtClean="0">
+                <a:solidFill>
+                  <a:prstClr val="black"/>
+                </a:solidFill>
+              </a:rPr>
+              <a:t>2</a:t>
             </a:r>
             <a:endParaRPr lang="en-US" dirty="0"/>
           </a:p>
@@ -8664,281 +8475,37 @@
         <p:spPr>
           <a:xfrm>
             <a:off x="831850" y="1721225"/>
-            <a:ext cx="10515600" cy="4368426"/>
+            <a:ext cx="10515600" cy="1390275"/>
           </a:xfrm>
         </p:spPr>
         <p:txBody>
           <a:bodyPr>
-            <a:normAutofit fontScale="92500" lnSpcReduction="20000"/>
+            <a:normAutofit/>
           </a:bodyPr>
           <a:lstStyle/>
           <a:p>
-            <a:pPr>
-              <a:buFont typeface="Arial"/>
-              <a:buChar char="•"/>
-            </a:pPr>
-            <a:r>
-              <a:rPr lang="en-US" sz="1600" dirty="0">
+            <a:pPr lvl="1" algn="ctr"/>
+            <a:r>
+              <a:rPr lang="en-US" sz="2800" dirty="0">
                 <a:solidFill>
                   <a:srgbClr val="2B2B2B"/>
                 </a:solidFill>
-                <a:latin typeface="Roboto"/>
               </a:rPr>
-              <a:t>Course requirement</a:t>
-            </a:r>
-          </a:p>
-          <a:p>
-            <a:pPr lvl="1">
-              <a:buFont typeface="Arial"/>
-              <a:buChar char="•"/>
-            </a:pPr>
-            <a:r>
-              <a:rPr lang="en-US" sz="1600" dirty="0">
+              <a:t>An overview of the data collection, cleanup, and exploration </a:t>
+            </a:r>
+            <a:r>
+              <a:rPr lang="en-US" sz="2800" dirty="0" smtClean="0">
                 <a:solidFill>
                   <a:srgbClr val="2B2B2B"/>
                 </a:solidFill>
-                <a:latin typeface="Roboto"/>
               </a:rPr>
-              <a:t>An overview of the data collection, cleanup, and exploration processes:</a:t>
-            </a:r>
-          </a:p>
-          <a:p>
-            <a:pPr marL="1200150" lvl="2" indent="-285750">
-              <a:buFont typeface="Arial"/>
-              <a:buChar char="•"/>
-            </a:pPr>
-            <a:r>
-              <a:rPr lang="en-US" sz="1600" dirty="0">
-                <a:solidFill>
-                  <a:srgbClr val="2B2B2B"/>
-                </a:solidFill>
-                <a:latin typeface="Roboto"/>
-              </a:rPr>
-              <a:t>Describe the source of your data and why you chose it for your project.</a:t>
-            </a:r>
-          </a:p>
-          <a:p>
-            <a:pPr marL="1200150" lvl="2" indent="-285750">
-              <a:buFont typeface="Arial"/>
-              <a:buChar char="•"/>
-            </a:pPr>
-            <a:r>
-              <a:rPr lang="en-US" sz="1600" dirty="0">
-                <a:solidFill>
-                  <a:srgbClr val="2B2B2B"/>
-                </a:solidFill>
-                <a:latin typeface="Roboto"/>
-              </a:rPr>
-              <a:t>Describe the collection, exploration, and cleanup process.</a:t>
-            </a:r>
-          </a:p>
-          <a:p>
-            <a:pPr marL="742950" lvl="1" indent="-285750">
-              <a:buFont typeface="Arial"/>
-              <a:buChar char="•"/>
-            </a:pPr>
-            <a:endParaRPr lang="en-US" sz="1600" dirty="0">
+              <a:t>processes</a:t>
+            </a:r>
+            <a:endParaRPr lang="en-US" sz="2800" dirty="0">
               <a:solidFill>
                 <a:srgbClr val="2B2B2B"/>
               </a:solidFill>
-              <a:latin typeface="Roboto"/>
             </a:endParaRPr>
-          </a:p>
-          <a:p>
-            <a:pPr marL="285750" indent="-285750">
-              <a:buFont typeface="Arial"/>
-              <a:buChar char="•"/>
-            </a:pPr>
-            <a:r>
-              <a:rPr lang="en-US" sz="1600" dirty="0">
-                <a:solidFill>
-                  <a:srgbClr val="2B2B2B"/>
-                </a:solidFill>
-                <a:latin typeface="Roboto"/>
-              </a:rPr>
-              <a:t>Cindy’s requirement</a:t>
-            </a:r>
-          </a:p>
-          <a:p>
-            <a:pPr marL="742950" lvl="1" indent="-285750">
-              <a:buFont typeface="Arial"/>
-              <a:buChar char="•"/>
-            </a:pPr>
-            <a:r>
-              <a:rPr lang="en-US" sz="1600" dirty="0">
-                <a:solidFill>
-                  <a:srgbClr val="2B2B2B"/>
-                </a:solidFill>
-                <a:latin typeface="Roboto"/>
-              </a:rPr>
-              <a:t>Where and how you found the data you used to answer these questions</a:t>
-            </a:r>
-          </a:p>
-          <a:p>
-            <a:pPr marL="742950" lvl="1" indent="-285750">
-              <a:buFont typeface="Arial"/>
-              <a:buChar char="•"/>
-            </a:pPr>
-            <a:r>
-              <a:rPr lang="en-US" sz="1600" dirty="0">
-                <a:solidFill>
-                  <a:srgbClr val="2B2B2B"/>
-                </a:solidFill>
-                <a:latin typeface="Roboto"/>
-              </a:rPr>
-              <a:t>The data exploration and cleanup process (accompanied by your Jupyter Notebook)</a:t>
-            </a:r>
-          </a:p>
-          <a:p>
-            <a:pPr marL="285750" indent="-285750">
-              <a:buFont typeface="Arial"/>
-              <a:buChar char="•"/>
-            </a:pPr>
-            <a:r>
-              <a:rPr lang="en-US" sz="1600" dirty="0">
-                <a:solidFill>
-                  <a:srgbClr val="2B2B2B"/>
-                </a:solidFill>
-                <a:latin typeface="Roboto"/>
-              </a:rPr>
-              <a:t>Time: 2 minutes</a:t>
-            </a:r>
-          </a:p>
-          <a:p>
-            <a:pPr marL="285750" indent="-285750">
-              <a:buFont typeface="Arial"/>
-              <a:buChar char="•"/>
-            </a:pPr>
-            <a:r>
-              <a:rPr lang="en-US" sz="1600" dirty="0">
-                <a:solidFill>
-                  <a:srgbClr val="2B2B2B"/>
-                </a:solidFill>
-                <a:latin typeface="Roboto"/>
-              </a:rPr>
-              <a:t>Assignment</a:t>
-            </a:r>
-          </a:p>
-          <a:p>
-            <a:pPr marL="742950" lvl="1" indent="-285750">
-              <a:buFont typeface="Arial"/>
-              <a:buChar char="•"/>
-            </a:pPr>
-            <a:r>
-              <a:rPr lang="en-US" sz="1600" dirty="0">
-                <a:solidFill>
-                  <a:srgbClr val="2B2B2B"/>
-                </a:solidFill>
-                <a:latin typeface="Roboto"/>
-              </a:rPr>
-              <a:t>Intro – Jessica</a:t>
-            </a:r>
-          </a:p>
-          <a:p>
-            <a:pPr marL="1200150" lvl="2" indent="-285750">
-              <a:buFont typeface="Arial"/>
-              <a:buChar char="•"/>
-            </a:pPr>
-            <a:r>
-              <a:rPr lang="en-US" sz="1600" dirty="0">
-                <a:solidFill>
-                  <a:srgbClr val="2B2B2B"/>
-                </a:solidFill>
-                <a:latin typeface="Roboto"/>
-              </a:rPr>
-              <a:t>Slides</a:t>
-            </a:r>
-          </a:p>
-          <a:p>
-            <a:pPr marL="1657350" lvl="3" indent="-285750">
-              <a:buFont typeface="Arial"/>
-              <a:buChar char="•"/>
-            </a:pPr>
-            <a:r>
-              <a:rPr lang="en-US" dirty="0">
-                <a:solidFill>
-                  <a:srgbClr val="2B2B2B"/>
-                </a:solidFill>
-                <a:latin typeface="Roboto"/>
-              </a:rPr>
-              <a:t>Jessica</a:t>
-            </a:r>
-          </a:p>
-          <a:p>
-            <a:pPr marL="1657350" lvl="3" indent="-285750">
-              <a:buFont typeface="Arial"/>
-              <a:buChar char="•"/>
-            </a:pPr>
-            <a:r>
-              <a:rPr lang="en-US" dirty="0">
-                <a:solidFill>
-                  <a:srgbClr val="2B2B2B"/>
-                </a:solidFill>
-                <a:latin typeface="Roboto"/>
-              </a:rPr>
-              <a:t>Candace</a:t>
-            </a:r>
-          </a:p>
-          <a:p>
-            <a:pPr marL="1657350" lvl="3" indent="-285750">
-              <a:buFont typeface="Arial"/>
-              <a:buChar char="•"/>
-            </a:pPr>
-            <a:r>
-              <a:rPr lang="en-US" dirty="0">
-                <a:solidFill>
-                  <a:srgbClr val="2B2B2B"/>
-                </a:solidFill>
-                <a:latin typeface="Roboto"/>
-              </a:rPr>
-              <a:t>Brenton</a:t>
-            </a:r>
-          </a:p>
-          <a:p>
-            <a:pPr marL="1657350" lvl="3" indent="-285750">
-              <a:buFont typeface="Arial"/>
-              <a:buChar char="•"/>
-            </a:pPr>
-            <a:r>
-              <a:rPr lang="en-US" dirty="0">
-                <a:solidFill>
-                  <a:srgbClr val="2B2B2B"/>
-                </a:solidFill>
-                <a:latin typeface="Roboto"/>
-              </a:rPr>
-              <a:t>Dario</a:t>
-            </a:r>
-          </a:p>
-          <a:p>
-            <a:pPr marL="1657350" lvl="3" indent="-285750">
-              <a:buFont typeface="Arial"/>
-              <a:buChar char="•"/>
-            </a:pPr>
-            <a:r>
-              <a:rPr lang="en-US" dirty="0">
-                <a:solidFill>
-                  <a:srgbClr val="2B2B2B"/>
-                </a:solidFill>
-                <a:latin typeface="Roboto"/>
-              </a:rPr>
-              <a:t>Mark</a:t>
-            </a:r>
-          </a:p>
-          <a:p>
-            <a:pPr lvl="3"/>
-            <a:r>
-              <a:rPr lang="en-US" dirty="0">
-                <a:solidFill>
-                  <a:srgbClr val="2B2B2B"/>
-                </a:solidFill>
-                <a:latin typeface="Roboto"/>
-              </a:rPr>
-              <a:t>	</a:t>
-            </a:r>
-            <a:endParaRPr lang="en-US" dirty="0"/>
-          </a:p>
-          <a:p>
-            <a:endParaRPr lang="en-US" sz="1600" dirty="0"/>
           </a:p>
         </p:txBody>
       </p:sp>
@@ -8952,6 +8519,13 @@
   <p:clrMapOvr>
     <a:masterClrMapping/>
   </p:clrMapOvr>
+  <p:timing>
+    <p:tnLst>
+      <p:par>
+        <p:cTn id="1" dur="indefinite" restart="never" nodeType="tmRoot"/>
+      </p:par>
+    </p:tnLst>
+  </p:timing>
 </p:sld>
 </file>
 
@@ -8984,78 +8558,161 @@
         </p:nvSpPr>
         <p:spPr/>
         <p:txBody>
+          <a:bodyPr>
+            <a:normAutofit/>
+          </a:bodyPr>
+          <a:lstStyle/>
+          <a:p>
+            <a:pPr algn="ctr"/>
+            <a:r>
+              <a:rPr lang="en-US" sz="3600" b="1" dirty="0" smtClean="0"/>
+              <a:t>Website Data Collection from </a:t>
+            </a:r>
+            <a:r>
+              <a:rPr lang="en-US" sz="3600" b="1" dirty="0"/>
+              <a:t>Basketball-Reference.com</a:t>
+            </a:r>
+          </a:p>
+        </p:txBody>
+      </p:sp>
+      <p:sp>
+        <p:nvSpPr>
+          <p:cNvPr id="4" name="Content Placeholder 3"/>
+          <p:cNvSpPr>
+            <a:spLocks noGrp="1"/>
+          </p:cNvSpPr>
+          <p:nvPr>
+            <p:ph idx="1"/>
+          </p:nvPr>
+        </p:nvSpPr>
+        <p:spPr/>
+        <p:txBody>
           <a:bodyPr/>
           <a:lstStyle/>
           <a:p>
-            <a:pPr algn="ctr"/>
-            <a:r>
-              <a:rPr lang="en-US" sz="3600" b="1" dirty="0"/>
-              <a:t>API’s Used for Data Collection</a:t>
-            </a:r>
-            <a:endParaRPr lang="en-US" dirty="0"/>
-          </a:p>
-        </p:txBody>
-      </p:sp>
-      <p:sp>
-        <p:nvSpPr>
-          <p:cNvPr id="3" name="Content Placeholder 2"/>
-          <p:cNvSpPr>
-            <a:spLocks noGrp="1"/>
-          </p:cNvSpPr>
-          <p:nvPr>
-            <p:ph idx="1"/>
-          </p:nvPr>
-        </p:nvSpPr>
-        <p:spPr/>
-        <p:txBody>
-          <a:bodyPr/>
-          <a:lstStyle/>
-          <a:p>
-            <a:r>
-              <a:rPr lang="en-US" dirty="0"/>
-              <a:t>One source of data came from the python module nba_api</a:t>
-            </a:r>
-          </a:p>
-          <a:p>
-            <a:r>
-              <a:rPr lang="en-US" dirty="0"/>
-              <a:t>The nba_api contains official data from the NBA  and is the source of data for the website NBA.com</a:t>
-            </a:r>
-          </a:p>
-          <a:p>
-            <a:r>
-              <a:rPr lang="en-US" dirty="0"/>
-              <a:t>The API was easy to learn but going through the documentation was time consuming, which the group to use other methods in addition to this one</a:t>
-            </a:r>
-          </a:p>
-          <a:p>
-            <a:r>
-              <a:rPr lang="en-US" dirty="0"/>
-              <a:t>The nba_api package is Open Source with an </a:t>
-            </a:r>
-            <a:r>
-              <a:rPr lang="en-US" dirty="0">
+            <a:pPr marL="342900" marR="0" lvl="0" indent="-342900">
+              <a:lnSpc>
+                <a:spcPct val="107000"/>
+              </a:lnSpc>
+              <a:spcBef>
+                <a:spcPts val="0"/>
+              </a:spcBef>
+              <a:spcAft>
+                <a:spcPts val="0"/>
+              </a:spcAft>
+              <a:buFont typeface="Symbol" panose="05050102010706020507" pitchFamily="18" charset="2"/>
+              <a:buChar char=""/>
+            </a:pPr>
+            <a:r>
+              <a:rPr lang="en-US" kern="100" dirty="0" smtClean="0">
+                <a:ea typeface="Calibri" panose="020F0502020204030204" pitchFamily="34" charset="0"/>
+                <a:cs typeface="Times New Roman" panose="02020603050405020304" pitchFamily="18" charset="0"/>
+              </a:rPr>
+              <a:t>One source </a:t>
+            </a:r>
+            <a:r>
+              <a:rPr lang="en-US" kern="100" dirty="0">
+                <a:ea typeface="Calibri" panose="020F0502020204030204" pitchFamily="34" charset="0"/>
+                <a:cs typeface="Times New Roman" panose="02020603050405020304" pitchFamily="18" charset="0"/>
+              </a:rPr>
+              <a:t>of data was </a:t>
+            </a:r>
+            <a:r>
+              <a:rPr lang="en-US" kern="100" dirty="0" smtClean="0">
+                <a:ea typeface="Calibri" panose="020F0502020204030204" pitchFamily="34" charset="0"/>
+                <a:cs typeface="Times New Roman" panose="02020603050405020304" pitchFamily="18" charset="0"/>
+              </a:rPr>
+              <a:t>from the </a:t>
+            </a:r>
+            <a:r>
+              <a:rPr lang="en-US" kern="100" dirty="0">
+                <a:ea typeface="Calibri" panose="020F0502020204030204" pitchFamily="34" charset="0"/>
+                <a:cs typeface="Times New Roman" panose="02020603050405020304" pitchFamily="18" charset="0"/>
+              </a:rPr>
+              <a:t>website: </a:t>
+            </a:r>
+            <a:r>
+              <a:rPr lang="en-US" u="sng" kern="100" dirty="0">
+                <a:solidFill>
+                  <a:srgbClr val="000000"/>
+                </a:solidFill>
+                <a:ea typeface="Calibri" panose="020F0502020204030204" pitchFamily="34" charset="0"/>
+                <a:cs typeface="Times New Roman" panose="02020603050405020304" pitchFamily="18" charset="0"/>
                 <a:hlinkClick r:id="rId2"/>
               </a:rPr>
-              <a:t>MIT License</a:t>
-            </a:r>
-            <a:r>
-              <a:rPr lang="en-US" dirty="0"/>
-              <a:t> and does not require an API key</a:t>
-            </a:r>
+              <a:t>https://www.basketball-reference.com/teams/ORL/</a:t>
+            </a:r>
+            <a:endParaRPr lang="en-US" kern="100" dirty="0">
+              <a:ea typeface="Calibri" panose="020F0502020204030204" pitchFamily="34" charset="0"/>
+              <a:cs typeface="Times New Roman" panose="02020603050405020304" pitchFamily="18" charset="0"/>
+            </a:endParaRPr>
+          </a:p>
+          <a:p>
+            <a:pPr marL="342900" marR="0" lvl="0" indent="-342900">
+              <a:lnSpc>
+                <a:spcPct val="107000"/>
+              </a:lnSpc>
+              <a:spcBef>
+                <a:spcPts val="0"/>
+              </a:spcBef>
+              <a:spcAft>
+                <a:spcPts val="0"/>
+              </a:spcAft>
+              <a:buFont typeface="Symbol" panose="05050102010706020507" pitchFamily="18" charset="2"/>
+              <a:buChar char=""/>
+            </a:pPr>
+            <a:r>
+              <a:rPr lang="en-US" kern="100" dirty="0">
+                <a:ea typeface="Calibri" panose="020F0502020204030204" pitchFamily="34" charset="0"/>
+                <a:cs typeface="Times New Roman" panose="02020603050405020304" pitchFamily="18" charset="0"/>
+              </a:rPr>
+              <a:t>This site is part of a larger reference site called Sports-Reference.com.</a:t>
+            </a:r>
+          </a:p>
+          <a:p>
+            <a:pPr marL="342900" marR="0" lvl="0" indent="-342900">
+              <a:lnSpc>
+                <a:spcPct val="107000"/>
+              </a:lnSpc>
+              <a:spcBef>
+                <a:spcPts val="0"/>
+              </a:spcBef>
+              <a:spcAft>
+                <a:spcPts val="0"/>
+              </a:spcAft>
+              <a:buFont typeface="Symbol" panose="05050102010706020507" pitchFamily="18" charset="2"/>
+              <a:buChar char=""/>
+            </a:pPr>
+            <a:r>
+              <a:rPr lang="en-US" kern="100" dirty="0">
+                <a:ea typeface="Calibri" panose="020F0502020204030204" pitchFamily="34" charset="0"/>
+                <a:cs typeface="Times New Roman" panose="02020603050405020304" pitchFamily="18" charset="0"/>
+              </a:rPr>
+              <a:t>The site is easy to navigate, and the data is available in csv format.</a:t>
+            </a:r>
+          </a:p>
+          <a:p>
+            <a:endParaRPr lang="en-US" dirty="0"/>
           </a:p>
         </p:txBody>
       </p:sp>
     </p:spTree>
     <p:extLst>
       <p:ext uri="{BB962C8B-B14F-4D97-AF65-F5344CB8AC3E}">
-        <p14:creationId xmlns:p14="http://schemas.microsoft.com/office/powerpoint/2010/main" val="2229222851"/>
+        <p14:creationId xmlns:p14="http://schemas.microsoft.com/office/powerpoint/2010/main" val="4136625144"/>
       </p:ext>
     </p:extLst>
   </p:cSld>
   <p:clrMapOvr>
     <a:masterClrMapping/>
   </p:clrMapOvr>
+  <p:timing>
+    <p:tnLst>
+      <p:par>
+        <p:cTn id="1" dur="indefinite" restart="never" nodeType="tmRoot"/>
+      </p:par>
+    </p:tnLst>
+  </p:timing>
 </p:sld>
 </file>
 
@@ -9091,27 +8748,143 @@
           <a:bodyPr/>
           <a:lstStyle/>
           <a:p>
+            <a:pPr algn="ctr"/>
+            <a:r>
+              <a:rPr lang="en-US" sz="3600" b="1" dirty="0">
+                <a:solidFill>
+                  <a:prstClr val="black"/>
+                </a:solidFill>
+              </a:rPr>
+              <a:t>Website Data Collection from </a:t>
+            </a:r>
+            <a:r>
+              <a:rPr lang="en-US" sz="3600" b="1" dirty="0" smtClean="0">
+                <a:solidFill>
+                  <a:prstClr val="black"/>
+                </a:solidFill>
+              </a:rPr>
+              <a:t>NBA.com</a:t>
+            </a:r>
+            <a:endParaRPr lang="en-US" dirty="0"/>
+          </a:p>
+        </p:txBody>
+      </p:sp>
+      <p:sp>
+        <p:nvSpPr>
+          <p:cNvPr id="4" name="Content Placeholder 3"/>
+          <p:cNvSpPr>
+            <a:spLocks noGrp="1"/>
+          </p:cNvSpPr>
+          <p:nvPr>
+            <p:ph idx="1"/>
+          </p:nvPr>
+        </p:nvSpPr>
+        <p:spPr/>
+        <p:txBody>
+          <a:bodyPr/>
+          <a:lstStyle/>
+          <a:p>
+            <a:r>
+              <a:rPr lang="en-US" dirty="0" smtClean="0"/>
+              <a:t>One source of data was pulled directly </a:t>
+            </a:r>
             <a:r>
               <a:rPr lang="en-US" dirty="0"/>
-              <a:t>Jessica	</a:t>
-            </a:r>
-          </a:p>
-        </p:txBody>
-      </p:sp>
-      <p:sp>
-        <p:nvSpPr>
-          <p:cNvPr id="4" name="Content Placeholder 3"/>
-          <p:cNvSpPr>
-            <a:spLocks noGrp="1"/>
-          </p:cNvSpPr>
-          <p:nvPr>
-            <p:ph idx="1"/>
-          </p:nvPr>
-        </p:nvSpPr>
-        <p:spPr/>
-        <p:txBody>
-          <a:bodyPr/>
-          <a:lstStyle/>
+              <a:t>from NBA.com and put the </a:t>
+            </a:r>
+            <a:r>
+              <a:rPr lang="en-US" dirty="0" smtClean="0"/>
+              <a:t>into </a:t>
+            </a:r>
+            <a:r>
+              <a:rPr lang="en-US" dirty="0"/>
+              <a:t>CSV </a:t>
+            </a:r>
+            <a:r>
+              <a:rPr lang="en-US" dirty="0" smtClean="0"/>
+              <a:t>files</a:t>
+            </a:r>
+            <a:endParaRPr lang="en-US" dirty="0"/>
+          </a:p>
+          <a:p>
+            <a:pPr marL="0" indent="0">
+              <a:buNone/>
+            </a:pPr>
+            <a:endParaRPr lang="en-US" dirty="0"/>
+          </a:p>
+          <a:p>
+            <a:r>
+              <a:rPr lang="en-US" dirty="0" smtClean="0"/>
+              <a:t>Data </a:t>
+            </a:r>
+            <a:r>
+              <a:rPr lang="en-US" dirty="0"/>
+              <a:t>was </a:t>
+            </a:r>
+            <a:r>
+              <a:rPr lang="en-US" dirty="0" smtClean="0"/>
+              <a:t>selected as needed based on </a:t>
+            </a:r>
+            <a:r>
+              <a:rPr lang="en-US" dirty="0"/>
+              <a:t>the results that </a:t>
+            </a:r>
+            <a:r>
+              <a:rPr lang="en-US" dirty="0" smtClean="0"/>
+              <a:t>from </a:t>
+            </a:r>
+            <a:r>
+              <a:rPr lang="en-US" dirty="0"/>
+              <a:t>my first objective of finding the rankings of the NBA </a:t>
+            </a:r>
+            <a:r>
+              <a:rPr lang="en-US" dirty="0" smtClean="0"/>
+              <a:t>teams </a:t>
+            </a:r>
+            <a:endParaRPr lang="en-US" dirty="0"/>
+          </a:p>
+          <a:p>
+            <a:endParaRPr lang="en-US" dirty="0"/>
+          </a:p>
+          <a:p>
+            <a:r>
+              <a:rPr lang="en-US" dirty="0" smtClean="0"/>
+              <a:t>Data was cleaned using excel to make sure  all </a:t>
+            </a:r>
+            <a:r>
+              <a:rPr lang="en-US" dirty="0"/>
+              <a:t>of the data was formatted correctly. </a:t>
+            </a:r>
+            <a:r>
+              <a:rPr lang="en-US" dirty="0" smtClean="0"/>
+              <a:t>The data was </a:t>
+            </a:r>
+            <a:r>
+              <a:rPr lang="en-US" dirty="0"/>
+              <a:t>then imported </a:t>
+            </a:r>
+            <a:r>
+              <a:rPr lang="en-US" dirty="0" smtClean="0"/>
+              <a:t>into </a:t>
+            </a:r>
+            <a:r>
+              <a:rPr lang="en-US" dirty="0"/>
+              <a:t>a </a:t>
+            </a:r>
+            <a:r>
+              <a:rPr lang="en-US" dirty="0" err="1"/>
+              <a:t>Jupyter</a:t>
+            </a:r>
+            <a:r>
+              <a:rPr lang="en-US" dirty="0"/>
+              <a:t> Notebook </a:t>
+            </a:r>
+            <a:r>
+              <a:rPr lang="en-US" dirty="0" smtClean="0"/>
+              <a:t>for analysis </a:t>
+            </a:r>
+            <a:endParaRPr lang="en-US" dirty="0"/>
+          </a:p>
           <a:p>
             <a:endParaRPr lang="en-US" dirty="0"/>
           </a:p>
@@ -9120,13 +8893,20 @@
     </p:spTree>
     <p:extLst>
       <p:ext uri="{BB962C8B-B14F-4D97-AF65-F5344CB8AC3E}">
-        <p14:creationId xmlns:p14="http://schemas.microsoft.com/office/powerpoint/2010/main" val="4136625144"/>
+        <p14:creationId xmlns:p14="http://schemas.microsoft.com/office/powerpoint/2010/main" val="2640450478"/>
       </p:ext>
     </p:extLst>
   </p:cSld>
   <p:clrMapOvr>
     <a:masterClrMapping/>
   </p:clrMapOvr>
+  <p:timing>
+    <p:tnLst>
+      <p:par>
+        <p:cTn id="1" dur="indefinite" restart="never" nodeType="tmRoot"/>
+      </p:par>
+    </p:tnLst>
+  </p:timing>
 </p:sld>
 </file>
 
@@ -9162,63 +8942,118 @@
           <a:bodyPr/>
           <a:lstStyle/>
           <a:p>
+            <a:pPr algn="ctr"/>
+            <a:r>
+              <a:rPr lang="en-US" sz="3600" b="1" dirty="0" smtClean="0"/>
+              <a:t>API Data Collection using </a:t>
+            </a:r>
+            <a:r>
+              <a:rPr lang="en-US" sz="3600" b="1" dirty="0" err="1" smtClean="0"/>
+              <a:t>nba_api</a:t>
+            </a:r>
+            <a:endParaRPr lang="en-US" dirty="0"/>
+          </a:p>
+        </p:txBody>
+      </p:sp>
+      <p:sp>
+        <p:nvSpPr>
+          <p:cNvPr id="3" name="Content Placeholder 2"/>
+          <p:cNvSpPr>
+            <a:spLocks noGrp="1"/>
+          </p:cNvSpPr>
+          <p:nvPr>
+            <p:ph idx="1"/>
+          </p:nvPr>
+        </p:nvSpPr>
+        <p:spPr/>
+        <p:txBody>
+          <a:bodyPr/>
+          <a:lstStyle/>
+          <a:p>
+            <a:r>
+              <a:rPr lang="en-US" dirty="0" smtClean="0"/>
+              <a:t>One source of data came from the python module </a:t>
+            </a:r>
+            <a:r>
+              <a:rPr lang="en-US" dirty="0" err="1" smtClean="0"/>
+              <a:t>nba_api</a:t>
+            </a:r>
+            <a:endParaRPr lang="en-US" dirty="0" smtClean="0"/>
+          </a:p>
+          <a:p>
+            <a:r>
+              <a:rPr lang="en-US" dirty="0" smtClean="0"/>
+              <a:t>The </a:t>
+            </a:r>
+            <a:r>
+              <a:rPr lang="en-US" dirty="0" err="1" smtClean="0"/>
+              <a:t>nba_api</a:t>
+            </a:r>
+            <a:r>
+              <a:rPr lang="en-US" dirty="0" smtClean="0"/>
+              <a:t> contains official data from the NBA  and is the source of data for the website NBA.com</a:t>
+            </a:r>
+          </a:p>
+          <a:p>
+            <a:r>
+              <a:rPr lang="en-US" dirty="0" smtClean="0"/>
+              <a:t>The API was easy to learn but going through the documentation was time consuming, which the group to use other methods in addition to this one</a:t>
+            </a:r>
+          </a:p>
+          <a:p>
             <a:r>
               <a:rPr lang="en-US" dirty="0"/>
-              <a:t>Candace</a:t>
-            </a:r>
-          </a:p>
-        </p:txBody>
-      </p:sp>
-      <p:sp>
-        <p:nvSpPr>
-          <p:cNvPr id="4" name="Content Placeholder 3"/>
-          <p:cNvSpPr>
-            <a:spLocks noGrp="1"/>
-          </p:cNvSpPr>
-          <p:nvPr>
-            <p:ph idx="1"/>
-          </p:nvPr>
-        </p:nvSpPr>
-        <p:spPr/>
-        <p:txBody>
-          <a:bodyPr/>
-          <a:lstStyle/>
-          <a:p>
+              <a:t>The </a:t>
+            </a:r>
+            <a:r>
+              <a:rPr lang="en-US" dirty="0" err="1"/>
+              <a:t>nba_api</a:t>
+            </a:r>
             <a:r>
               <a:rPr lang="en-US" dirty="0"/>
-              <a:t>I pulled the data directly from NBA.com and put the data into CSV files. </a:t>
-            </a:r>
-          </a:p>
-          <a:p>
+              <a:t> package is Open Source with an </a:t>
+            </a:r>
+            <a:r>
+              <a:rPr lang="en-US" dirty="0">
+                <a:hlinkClick r:id="rId2"/>
+              </a:rPr>
+              <a:t>MIT </a:t>
+            </a:r>
+            <a:r>
+              <a:rPr lang="en-US" dirty="0" smtClean="0">
+                <a:hlinkClick r:id="rId2"/>
+              </a:rPr>
+              <a:t>License</a:t>
+            </a:r>
+            <a:r>
+              <a:rPr lang="en-US" dirty="0"/>
+              <a:t> </a:t>
+            </a:r>
+            <a:r>
+              <a:rPr lang="en-US" dirty="0" smtClean="0"/>
+              <a:t>and does not require an API key</a:t>
+            </a:r>
             <a:endParaRPr lang="en-US" dirty="0"/>
-          </a:p>
-          <a:p>
-            <a:r>
-              <a:rPr lang="en-US" dirty="0"/>
-              <a:t>I was able to choose which data was needed based on the results that I got from my first objective of finding the rankings of the NBA teams. </a:t>
-            </a:r>
-          </a:p>
-          <a:p>
-            <a:endParaRPr lang="en-US" dirty="0"/>
-          </a:p>
-          <a:p>
-            <a:r>
-              <a:rPr lang="en-US" dirty="0"/>
-              <a:t>I started the cleaning process in excel making sure that all of the data was formatted correctly. I then imported it into a Jupyter Notebook to continue my analysis. </a:t>
-            </a:r>
           </a:p>
         </p:txBody>
       </p:sp>
     </p:spTree>
     <p:extLst>
       <p:ext uri="{BB962C8B-B14F-4D97-AF65-F5344CB8AC3E}">
-        <p14:creationId xmlns:p14="http://schemas.microsoft.com/office/powerpoint/2010/main" val="2640450478"/>
+        <p14:creationId xmlns:p14="http://schemas.microsoft.com/office/powerpoint/2010/main" val="2229222851"/>
       </p:ext>
     </p:extLst>
   </p:cSld>
   <p:clrMapOvr>
     <a:masterClrMapping/>
   </p:clrMapOvr>
+  <p:timing>
+    <p:tnLst>
+      <p:par>
+        <p:cTn id="1" dur="indefinite" restart="never" nodeType="tmRoot"/>
+      </p:par>
+    </p:tnLst>
+  </p:timing>
 </p:sld>
 </file>
 
@@ -9255,15 +9090,16 @@
           <a:lstStyle/>
           <a:p>
             <a:r>
-              <a:rPr lang="en-US" dirty="0"/>
-              <a:t>Brenton</a:t>
-            </a:r>
-          </a:p>
-        </p:txBody>
-      </p:sp>
-      <p:sp>
-        <p:nvSpPr>
-          <p:cNvPr id="3" name="Content Placeholder 2"/>
+              <a:rPr lang="en-US" dirty="0" smtClean="0"/>
+              <a:t>Dario</a:t>
+            </a:r>
+            <a:endParaRPr lang="en-US" dirty="0"/>
+          </a:p>
+        </p:txBody>
+      </p:sp>
+      <p:sp>
+        <p:nvSpPr>
+          <p:cNvPr id="4" name="Content Placeholder 3"/>
           <p:cNvSpPr>
             <a:spLocks noGrp="1"/>
           </p:cNvSpPr>
@@ -9276,20 +9112,27 @@
           <a:bodyPr/>
           <a:lstStyle/>
           <a:p>
-            <a:endParaRPr lang="en-US" dirty="0"/>
+            <a:endParaRPr lang="en-US"/>
           </a:p>
         </p:txBody>
       </p:sp>
     </p:spTree>
     <p:extLst>
       <p:ext uri="{BB962C8B-B14F-4D97-AF65-F5344CB8AC3E}">
-        <p14:creationId xmlns:p14="http://schemas.microsoft.com/office/powerpoint/2010/main" val="2323426858"/>
+        <p14:creationId xmlns:p14="http://schemas.microsoft.com/office/powerpoint/2010/main" val="1004952624"/>
       </p:ext>
     </p:extLst>
   </p:cSld>
   <p:clrMapOvr>
     <a:masterClrMapping/>
   </p:clrMapOvr>
+  <p:timing>
+    <p:tnLst>
+      <p:par>
+        <p:cTn id="1" dur="indefinite" restart="never" nodeType="tmRoot"/>
+      </p:par>
+    </p:tnLst>
+  </p:timing>
 </p:sld>
 </file>
 
@@ -9320,47 +9163,115 @@
             <p:ph type="title"/>
           </p:nvPr>
         </p:nvSpPr>
-        <p:spPr/>
-        <p:txBody>
-          <a:bodyPr/>
-          <a:lstStyle/>
-          <a:p>
-            <a:r>
-              <a:rPr lang="en-US" dirty="0"/>
-              <a:t>Dario</a:t>
-            </a:r>
-          </a:p>
-        </p:txBody>
-      </p:sp>
-      <p:sp>
-        <p:nvSpPr>
-          <p:cNvPr id="4" name="Content Placeholder 3"/>
-          <p:cNvSpPr>
-            <a:spLocks noGrp="1"/>
-          </p:cNvSpPr>
-          <p:nvPr>
-            <p:ph idx="1"/>
-          </p:nvPr>
-        </p:nvSpPr>
-        <p:spPr/>
-        <p:txBody>
-          <a:bodyPr/>
-          <a:lstStyle/>
-          <a:p>
-            <a:endParaRPr lang="en-US" dirty="0"/>
+        <p:spPr>
+          <a:xfrm>
+            <a:off x="831850" y="239561"/>
+            <a:ext cx="10515600" cy="1081239"/>
+          </a:xfrm>
+        </p:spPr>
+        <p:txBody>
+          <a:bodyPr>
+            <a:normAutofit/>
+          </a:bodyPr>
+          <a:lstStyle/>
+          <a:p>
+            <a:pPr algn="ctr"/>
+            <a:r>
+              <a:rPr lang="en-US" dirty="0">
+                <a:solidFill>
+                  <a:prstClr val="black"/>
+                </a:solidFill>
+              </a:rPr>
+              <a:t>SECTION </a:t>
+            </a:r>
+            <a:r>
+              <a:rPr lang="en-US" dirty="0" smtClean="0">
+                <a:solidFill>
+                  <a:prstClr val="black"/>
+                </a:solidFill>
+              </a:rPr>
+              <a:t>3</a:t>
+            </a:r>
+            <a:endParaRPr lang="en-US" sz="2400" dirty="0"/>
+          </a:p>
+        </p:txBody>
+      </p:sp>
+      <p:sp>
+        <p:nvSpPr>
+          <p:cNvPr id="3" name="Text Placeholder 2"/>
+          <p:cNvSpPr>
+            <a:spLocks noGrp="1"/>
+          </p:cNvSpPr>
+          <p:nvPr>
+            <p:ph type="body" idx="1"/>
+          </p:nvPr>
+        </p:nvSpPr>
+        <p:spPr>
+          <a:xfrm>
+            <a:off x="831850" y="1721225"/>
+            <a:ext cx="10515600" cy="1225176"/>
+          </a:xfrm>
+        </p:spPr>
+        <p:txBody>
+          <a:bodyPr>
+            <a:noAutofit/>
+          </a:bodyPr>
+          <a:lstStyle/>
+          <a:p>
+            <a:pPr algn="ctr"/>
+            <a:r>
+              <a:rPr lang="en-US" sz="2800" dirty="0">
+                <a:solidFill>
+                  <a:srgbClr val="2B2B2B"/>
+                </a:solidFill>
+              </a:rPr>
+              <a:t>The </a:t>
+            </a:r>
+            <a:r>
+              <a:rPr lang="en-US" sz="2800" dirty="0" smtClean="0">
+                <a:solidFill>
+                  <a:srgbClr val="2B2B2B"/>
+                </a:solidFill>
+              </a:rPr>
+              <a:t>approach </a:t>
+            </a:r>
+            <a:r>
+              <a:rPr lang="en-US" sz="2800" dirty="0" smtClean="0">
+                <a:solidFill>
+                  <a:srgbClr val="2B2B2B"/>
+                </a:solidFill>
+              </a:rPr>
+              <a:t>to </a:t>
+            </a:r>
+            <a:r>
+              <a:rPr lang="en-US" sz="2800" dirty="0">
+                <a:solidFill>
+                  <a:srgbClr val="2B2B2B"/>
+                </a:solidFill>
+              </a:rPr>
+              <a:t>achieve the project goals</a:t>
+            </a:r>
+            <a:endParaRPr lang="en-US" sz="2800" dirty="0"/>
           </a:p>
         </p:txBody>
       </p:sp>
     </p:spTree>
     <p:extLst>
       <p:ext uri="{BB962C8B-B14F-4D97-AF65-F5344CB8AC3E}">
-        <p14:creationId xmlns:p14="http://schemas.microsoft.com/office/powerpoint/2010/main" val="1004952624"/>
+        <p14:creationId xmlns:p14="http://schemas.microsoft.com/office/powerpoint/2010/main" val="846020092"/>
       </p:ext>
     </p:extLst>
   </p:cSld>
   <p:clrMapOvr>
     <a:masterClrMapping/>
   </p:clrMapOvr>
+  <p:timing>
+    <p:tnLst>
+      <p:par>
+        <p:cTn id="1" dur="indefinite" restart="never" nodeType="tmRoot"/>
+      </p:par>
+    </p:tnLst>
+  </p:timing>
 </p:sld>
 </file>
 
@@ -9653,7 +9564,7 @@
   <a:extraClrSchemeLst/>
   <a:extLst>
     <a:ext uri="{05A4C25C-085E-4340-85A3-A5531E510DB2}">
-      <thm15:themeFamily xmlns:thm15="http://schemas.microsoft.com/office/thememl/2012/main" name="Office Theme" id="{62F939B6-93AF-4DB8-9C6B-D6C7DFDC589F}" vid="{4A3C46E8-61CC-4603-A589-7422A47A8E4A}"/>
+      <thm15:themeFamily xmlns:thm15="http://schemas.microsoft.com/office/thememl/2012/main" xmlns="" name="Office Theme" id="{62F939B6-93AF-4DB8-9C6B-D6C7DFDC589F}" vid="{4A3C46E8-61CC-4603-A589-7422A47A8E4A}"/>
     </a:ext>
   </a:extLst>
 </a:theme>

--- a/mm_Group3_Project_1_Presentation.pptx
+++ b/mm_Group3_Project_1_Presentation.pptx
@@ -26,11 +26,11 @@
     <p:sldId id="283" r:id="rId17"/>
     <p:sldId id="298" r:id="rId18"/>
     <p:sldId id="300" r:id="rId19"/>
-    <p:sldId id="301" r:id="rId20"/>
-    <p:sldId id="302" r:id="rId21"/>
-    <p:sldId id="303" r:id="rId22"/>
-    <p:sldId id="304" r:id="rId23"/>
-    <p:sldId id="305" r:id="rId24"/>
+    <p:sldId id="261" r:id="rId20"/>
+    <p:sldId id="301" r:id="rId21"/>
+    <p:sldId id="302" r:id="rId22"/>
+    <p:sldId id="303" r:id="rId23"/>
+    <p:sldId id="304" r:id="rId24"/>
     <p:sldId id="290" r:id="rId25"/>
     <p:sldId id="291" r:id="rId26"/>
     <p:sldId id="292" r:id="rId27"/>
@@ -164,11 +164,11 @@
             <p14:sldId id="283"/>
             <p14:sldId id="298"/>
             <p14:sldId id="300"/>
+            <p14:sldId id="261"/>
             <p14:sldId id="301"/>
             <p14:sldId id="302"/>
             <p14:sldId id="303"/>
             <p14:sldId id="304"/>
-            <p14:sldId id="305"/>
             <p14:sldId id="290"/>
             <p14:sldId id="291"/>
             <p14:sldId id="292"/>
@@ -184,6 +184,20 @@
           </p14:sldIdLst>
         </p14:section>
       </p14:sectionLst>
+    </p:ext>
+    <p:ext uri="{EFAFB233-063F-42B5-8137-9DF3F51BA10A}">
+      <p15:sldGuideLst xmlns:p15="http://schemas.microsoft.com/office/powerpoint/2012/main">
+        <p15:guide id="1" orient="horz" pos="2160">
+          <p15:clr>
+            <a:srgbClr val="A4A3A4"/>
+          </p15:clr>
+        </p15:guide>
+        <p15:guide id="2" pos="3840">
+          <p15:clr>
+            <a:srgbClr val="A4A3A4"/>
+          </p15:clr>
+        </p15:guide>
+      </p15:sldGuideLst>
     </p:ext>
   </p:extLst>
 </p:presentation>
@@ -271,7 +285,7 @@
           <a:p>
             <a:fld id="{2BDC494C-2600-49DE-8E12-4ADCEEE338A0}" type="datetimeFigureOut">
               <a:rPr lang="en-US" smtClean="0"/>
-              <a:t>5/4/2023</a:t>
+              <a:t>5/4/23</a:t>
             </a:fld>
             <a:endParaRPr lang="en-US"/>
           </a:p>
@@ -335,38 +349,37 @@
           <a:p>
             <a:pPr lvl="0"/>
             <a:r>
-              <a:rPr lang="en-US" smtClean="0"/>
+              <a:rPr lang="en-US"/>
               <a:t>Click to edit Master text styles</a:t>
             </a:r>
           </a:p>
           <a:p>
             <a:pPr lvl="1"/>
             <a:r>
-              <a:rPr lang="en-US" smtClean="0"/>
+              <a:rPr lang="en-US"/>
               <a:t>Second level</a:t>
             </a:r>
           </a:p>
           <a:p>
             <a:pPr lvl="2"/>
             <a:r>
-              <a:rPr lang="en-US" smtClean="0"/>
+              <a:rPr lang="en-US"/>
               <a:t>Third level</a:t>
             </a:r>
           </a:p>
           <a:p>
             <a:pPr lvl="3"/>
             <a:r>
-              <a:rPr lang="en-US" smtClean="0"/>
+              <a:rPr lang="en-US"/>
               <a:t>Fourth level</a:t>
             </a:r>
           </a:p>
           <a:p>
             <a:pPr lvl="4"/>
             <a:r>
-              <a:rPr lang="en-US" smtClean="0"/>
+              <a:rPr lang="en-US"/>
               <a:t>Fifth level</a:t>
             </a:r>
-            <a:endParaRPr lang="en-US"/>
           </a:p>
         </p:txBody>
       </p:sp>
@@ -584,10 +597,9 @@
           <a:lstStyle/>
           <a:p>
             <a:r>
-              <a:rPr lang="en-US" dirty="0" smtClean="0"/>
+              <a:rPr lang="en-US" dirty="0"/>
               <a:t>Business Title Page</a:t>
             </a:r>
-            <a:endParaRPr lang="en-US" dirty="0"/>
           </a:p>
         </p:txBody>
       </p:sp>
@@ -618,6 +630,602 @@
     <p:extLst>
       <p:ext uri="{BB962C8B-B14F-4D97-AF65-F5344CB8AC3E}">
         <p14:creationId xmlns:p14="http://schemas.microsoft.com/office/powerpoint/2010/main" val="1937341488"/>
+      </p:ext>
+    </p:extLst>
+  </p:cSld>
+  <p:clrMapOvr>
+    <a:masterClrMapping/>
+  </p:clrMapOvr>
+</p:notes>
+</file>
+
+<file path=ppt/notesSlides/notesSlide2.xml><?xml version="1.0" encoding="utf-8"?>
+<p:notes xmlns:a="http://schemas.openxmlformats.org/drawingml/2006/main" xmlns:r="http://schemas.openxmlformats.org/officeDocument/2006/relationships" xmlns:p="http://schemas.openxmlformats.org/presentationml/2006/main">
+  <p:cSld>
+    <p:spTree>
+      <p:nvGrpSpPr>
+        <p:cNvPr id="1" name=""/>
+        <p:cNvGrpSpPr/>
+        <p:nvPr/>
+      </p:nvGrpSpPr>
+      <p:grpSpPr>
+        <a:xfrm>
+          <a:off x="0" y="0"/>
+          <a:ext cx="0" cy="0"/>
+          <a:chOff x="0" y="0"/>
+          <a:chExt cx="0" cy="0"/>
+        </a:xfrm>
+      </p:grpSpPr>
+      <p:sp>
+        <p:nvSpPr>
+          <p:cNvPr id="2" name="Slide Image Placeholder 1"/>
+          <p:cNvSpPr>
+            <a:spLocks noGrp="1" noRot="1" noChangeAspect="1"/>
+          </p:cNvSpPr>
+          <p:nvPr>
+            <p:ph type="sldImg"/>
+          </p:nvPr>
+        </p:nvSpPr>
+        <p:spPr/>
+      </p:sp>
+      <p:sp>
+        <p:nvSpPr>
+          <p:cNvPr id="3" name="Notes Placeholder 2"/>
+          <p:cNvSpPr>
+            <a:spLocks noGrp="1"/>
+          </p:cNvSpPr>
+          <p:nvPr>
+            <p:ph type="body" idx="1"/>
+          </p:nvPr>
+        </p:nvSpPr>
+        <p:spPr/>
+        <p:txBody>
+          <a:bodyPr/>
+          <a:lstStyle/>
+          <a:p>
+            <a:pPr marL="171450" indent="-171450">
+              <a:buFontTx/>
+              <a:buChar char="-"/>
+            </a:pPr>
+            <a:r>
+              <a:rPr lang="en-US" dirty="0"/>
+              <a:t>The Magic, as a team, are WELL below average in terms of scoring points per game. </a:t>
+            </a:r>
+          </a:p>
+          <a:p>
+            <a:pPr marL="171450" indent="-171450">
+              <a:buFontTx/>
+              <a:buChar char="-"/>
+            </a:pPr>
+            <a:r>
+              <a:rPr lang="en-US" dirty="0"/>
+              <a:t>There is a high variance amongst points scored which gives us a standard deviation on the higher side, 2.7. This variance is apparent when we look at the league points bar chart. </a:t>
+            </a:r>
+          </a:p>
+          <a:p>
+            <a:pPr marL="171450" indent="-171450">
+              <a:buFontTx/>
+              <a:buChar char="-"/>
+            </a:pPr>
+            <a:r>
+              <a:rPr lang="en-US" dirty="0"/>
+              <a:t>One interesting point, while the Magic didn’t score as many points as the Milwaukee Bucks who are ranked first in the league, the Bucks themselves didn’t score the most points in the league. </a:t>
+            </a:r>
+          </a:p>
+          <a:p>
+            <a:pPr marL="171450" indent="-171450">
+              <a:buFontTx/>
+              <a:buChar char="-"/>
+            </a:pPr>
+            <a:r>
+              <a:rPr lang="en-US" dirty="0"/>
+              <a:t>The Sacramento Kings scored by far the most points per game on average. This shows that scoring the most points per game is not the ONLY factor in winning games and being ranked higher. </a:t>
+            </a:r>
+          </a:p>
+          <a:p>
+            <a:pPr marL="171450" indent="-171450">
+              <a:buFontTx/>
+              <a:buChar char="-"/>
+            </a:pPr>
+            <a:endParaRPr lang="en-US" dirty="0"/>
+          </a:p>
+        </p:txBody>
+      </p:sp>
+      <p:sp>
+        <p:nvSpPr>
+          <p:cNvPr id="4" name="Slide Number Placeholder 3"/>
+          <p:cNvSpPr>
+            <a:spLocks noGrp="1"/>
+          </p:cNvSpPr>
+          <p:nvPr>
+            <p:ph type="sldNum" sz="quarter" idx="5"/>
+          </p:nvPr>
+        </p:nvSpPr>
+        <p:spPr/>
+        <p:txBody>
+          <a:bodyPr/>
+          <a:lstStyle/>
+          <a:p>
+            <a:fld id="{7CE02DDE-5292-304A-AA17-8105D6E6D60D}" type="slidenum">
+              <a:rPr lang="en-US" smtClean="0"/>
+              <a:t>19</a:t>
+            </a:fld>
+            <a:endParaRPr lang="en-US"/>
+          </a:p>
+        </p:txBody>
+      </p:sp>
+    </p:spTree>
+    <p:extLst>
+      <p:ext uri="{BB962C8B-B14F-4D97-AF65-F5344CB8AC3E}">
+        <p14:creationId xmlns:p14="http://schemas.microsoft.com/office/powerpoint/2010/main" val="2082105111"/>
+      </p:ext>
+    </p:extLst>
+  </p:cSld>
+  <p:clrMapOvr>
+    <a:masterClrMapping/>
+  </p:clrMapOvr>
+</p:notes>
+</file>
+
+<file path=ppt/notesSlides/notesSlide3.xml><?xml version="1.0" encoding="utf-8"?>
+<p:notes xmlns:a="http://schemas.openxmlformats.org/drawingml/2006/main" xmlns:r="http://schemas.openxmlformats.org/officeDocument/2006/relationships" xmlns:p="http://schemas.openxmlformats.org/presentationml/2006/main">
+  <p:cSld>
+    <p:spTree>
+      <p:nvGrpSpPr>
+        <p:cNvPr id="1" name=""/>
+        <p:cNvGrpSpPr/>
+        <p:nvPr/>
+      </p:nvGrpSpPr>
+      <p:grpSpPr>
+        <a:xfrm>
+          <a:off x="0" y="0"/>
+          <a:ext cx="0" cy="0"/>
+          <a:chOff x="0" y="0"/>
+          <a:chExt cx="0" cy="0"/>
+        </a:xfrm>
+      </p:grpSpPr>
+      <p:sp>
+        <p:nvSpPr>
+          <p:cNvPr id="2" name="Slide Image Placeholder 1"/>
+          <p:cNvSpPr>
+            <a:spLocks noGrp="1" noRot="1" noChangeAspect="1"/>
+          </p:cNvSpPr>
+          <p:nvPr>
+            <p:ph type="sldImg"/>
+          </p:nvPr>
+        </p:nvSpPr>
+        <p:spPr/>
+      </p:sp>
+      <p:sp>
+        <p:nvSpPr>
+          <p:cNvPr id="3" name="Notes Placeholder 2"/>
+          <p:cNvSpPr>
+            <a:spLocks noGrp="1"/>
+          </p:cNvSpPr>
+          <p:nvPr>
+            <p:ph type="body" idx="1"/>
+          </p:nvPr>
+        </p:nvSpPr>
+        <p:spPr/>
+        <p:txBody>
+          <a:bodyPr/>
+          <a:lstStyle/>
+          <a:p>
+            <a:pPr marL="171450" indent="-171450">
+              <a:buFontTx/>
+              <a:buChar char="-"/>
+            </a:pPr>
+            <a:r>
+              <a:rPr lang="en-US" dirty="0"/>
+              <a:t>The Magic as a team are still below the lower quartile when it comes to making 3-point shots, but this statistic has a smaller variance between average shots made. The standard deviation is still on the high side but comes in at a more acceptable 1.6. </a:t>
+            </a:r>
+          </a:p>
+          <a:p>
+            <a:pPr marL="171450" indent="-171450">
+              <a:buFontTx/>
+              <a:buChar char="-"/>
+            </a:pPr>
+            <a:r>
+              <a:rPr lang="en-US" dirty="0"/>
+              <a:t>Orlando’s 3-point percentage is 34.6%. Calculating their 3-point attempts, they only attempt, on average, 31.21 3-point shots per game. This is lower than the average of 34.206. So not only are they not making as many 3-point shots, but they’re also not making as many attempts. </a:t>
+            </a:r>
+          </a:p>
+          <a:p>
+            <a:pPr marL="171450" indent="-171450">
+              <a:buFontTx/>
+              <a:buChar char="-"/>
+            </a:pPr>
+            <a:r>
+              <a:rPr lang="en-US" dirty="0"/>
+              <a:t>The outliers in this case, The Golden State Warriors and the Boston Celtics, should be investigated further for a better analysis as to what a successful 3-point team looks like. </a:t>
+            </a:r>
+          </a:p>
+        </p:txBody>
+      </p:sp>
+      <p:sp>
+        <p:nvSpPr>
+          <p:cNvPr id="4" name="Slide Number Placeholder 3"/>
+          <p:cNvSpPr>
+            <a:spLocks noGrp="1"/>
+          </p:cNvSpPr>
+          <p:nvPr>
+            <p:ph type="sldNum" sz="quarter" idx="5"/>
+          </p:nvPr>
+        </p:nvSpPr>
+        <p:spPr/>
+        <p:txBody>
+          <a:bodyPr/>
+          <a:lstStyle/>
+          <a:p>
+            <a:fld id="{7CE02DDE-5292-304A-AA17-8105D6E6D60D}" type="slidenum">
+              <a:rPr lang="en-US" smtClean="0"/>
+              <a:t>20</a:t>
+            </a:fld>
+            <a:endParaRPr lang="en-US"/>
+          </a:p>
+        </p:txBody>
+      </p:sp>
+    </p:spTree>
+    <p:extLst>
+      <p:ext uri="{BB962C8B-B14F-4D97-AF65-F5344CB8AC3E}">
+        <p14:creationId xmlns:p14="http://schemas.microsoft.com/office/powerpoint/2010/main" val="2564310098"/>
+      </p:ext>
+    </p:extLst>
+  </p:cSld>
+  <p:clrMapOvr>
+    <a:masterClrMapping/>
+  </p:clrMapOvr>
+</p:notes>
+</file>
+
+<file path=ppt/notesSlides/notesSlide4.xml><?xml version="1.0" encoding="utf-8"?>
+<p:notes xmlns:a="http://schemas.openxmlformats.org/drawingml/2006/main" xmlns:r="http://schemas.openxmlformats.org/officeDocument/2006/relationships" xmlns:p="http://schemas.openxmlformats.org/presentationml/2006/main">
+  <p:cSld>
+    <p:spTree>
+      <p:nvGrpSpPr>
+        <p:cNvPr id="1" name=""/>
+        <p:cNvGrpSpPr/>
+        <p:nvPr/>
+      </p:nvGrpSpPr>
+      <p:grpSpPr>
+        <a:xfrm>
+          <a:off x="0" y="0"/>
+          <a:ext cx="0" cy="0"/>
+          <a:chOff x="0" y="0"/>
+          <a:chExt cx="0" cy="0"/>
+        </a:xfrm>
+      </p:grpSpPr>
+      <p:sp>
+        <p:nvSpPr>
+          <p:cNvPr id="2" name="Slide Image Placeholder 1"/>
+          <p:cNvSpPr>
+            <a:spLocks noGrp="1" noRot="1" noChangeAspect="1"/>
+          </p:cNvSpPr>
+          <p:nvPr>
+            <p:ph type="sldImg"/>
+          </p:nvPr>
+        </p:nvSpPr>
+        <p:spPr/>
+      </p:sp>
+      <p:sp>
+        <p:nvSpPr>
+          <p:cNvPr id="3" name="Notes Placeholder 2"/>
+          <p:cNvSpPr>
+            <a:spLocks noGrp="1"/>
+          </p:cNvSpPr>
+          <p:nvPr>
+            <p:ph type="body" idx="1"/>
+          </p:nvPr>
+        </p:nvSpPr>
+        <p:spPr/>
+        <p:txBody>
+          <a:bodyPr/>
+          <a:lstStyle/>
+          <a:p>
+            <a:r>
+              <a:rPr lang="en-US" dirty="0"/>
+              <a:t>- This statistic is more evenly distributed as we see the Standard Deviation coming down to 1.2. However, our Z-Score remains around the -1 mark and the Magic are once again below the lower quartile.</a:t>
+            </a:r>
+          </a:p>
+          <a:p>
+            <a:pPr marL="171450" indent="-171450">
+              <a:buFontTx/>
+              <a:buChar char="-"/>
+            </a:pPr>
+            <a:r>
+              <a:rPr lang="en-US" dirty="0"/>
+              <a:t>Both the Bucks and the Magic have lower amount of field goals made than the 15</a:t>
+            </a:r>
+            <a:r>
+              <a:rPr lang="en-US" baseline="30000" dirty="0"/>
+              <a:t>th</a:t>
+            </a:r>
+            <a:r>
+              <a:rPr lang="en-US" dirty="0"/>
+              <a:t> team, the Minnesota Timberwolves. </a:t>
+            </a:r>
+          </a:p>
+          <a:p>
+            <a:pPr marL="171450" indent="-171450">
+              <a:buFontTx/>
+              <a:buChar char="-"/>
+            </a:pPr>
+            <a:r>
+              <a:rPr lang="en-US" dirty="0"/>
+              <a:t>I also find it interesting that the Detroit Pistons have not come in last regarding points, 3-pointers, or field goals. So, if they don’t score the least points in the league, what are they struggling with that leaves them in last place? And what can we learn from them to avoid doing?</a:t>
+            </a:r>
+          </a:p>
+        </p:txBody>
+      </p:sp>
+      <p:sp>
+        <p:nvSpPr>
+          <p:cNvPr id="4" name="Slide Number Placeholder 3"/>
+          <p:cNvSpPr>
+            <a:spLocks noGrp="1"/>
+          </p:cNvSpPr>
+          <p:nvPr>
+            <p:ph type="sldNum" sz="quarter" idx="5"/>
+          </p:nvPr>
+        </p:nvSpPr>
+        <p:spPr/>
+        <p:txBody>
+          <a:bodyPr/>
+          <a:lstStyle/>
+          <a:p>
+            <a:fld id="{7CE02DDE-5292-304A-AA17-8105D6E6D60D}" type="slidenum">
+              <a:rPr lang="en-US" smtClean="0"/>
+              <a:t>21</a:t>
+            </a:fld>
+            <a:endParaRPr lang="en-US"/>
+          </a:p>
+        </p:txBody>
+      </p:sp>
+    </p:spTree>
+    <p:extLst>
+      <p:ext uri="{BB962C8B-B14F-4D97-AF65-F5344CB8AC3E}">
+        <p14:creationId xmlns:p14="http://schemas.microsoft.com/office/powerpoint/2010/main" val="1768369979"/>
+      </p:ext>
+    </p:extLst>
+  </p:cSld>
+  <p:clrMapOvr>
+    <a:masterClrMapping/>
+  </p:clrMapOvr>
+</p:notes>
+</file>
+
+<file path=ppt/notesSlides/notesSlide5.xml><?xml version="1.0" encoding="utf-8"?>
+<p:notes xmlns:a="http://schemas.openxmlformats.org/drawingml/2006/main" xmlns:r="http://schemas.openxmlformats.org/officeDocument/2006/relationships" xmlns:p="http://schemas.openxmlformats.org/presentationml/2006/main">
+  <p:cSld>
+    <p:spTree>
+      <p:nvGrpSpPr>
+        <p:cNvPr id="1" name=""/>
+        <p:cNvGrpSpPr/>
+        <p:nvPr/>
+      </p:nvGrpSpPr>
+      <p:grpSpPr>
+        <a:xfrm>
+          <a:off x="0" y="0"/>
+          <a:ext cx="0" cy="0"/>
+          <a:chOff x="0" y="0"/>
+          <a:chExt cx="0" cy="0"/>
+        </a:xfrm>
+      </p:grpSpPr>
+      <p:sp>
+        <p:nvSpPr>
+          <p:cNvPr id="2" name="Slide Image Placeholder 1"/>
+          <p:cNvSpPr>
+            <a:spLocks noGrp="1" noRot="1" noChangeAspect="1"/>
+          </p:cNvSpPr>
+          <p:nvPr>
+            <p:ph type="sldImg"/>
+          </p:nvPr>
+        </p:nvSpPr>
+        <p:spPr/>
+      </p:sp>
+      <p:sp>
+        <p:nvSpPr>
+          <p:cNvPr id="3" name="Notes Placeholder 2"/>
+          <p:cNvSpPr>
+            <a:spLocks noGrp="1"/>
+          </p:cNvSpPr>
+          <p:nvPr>
+            <p:ph type="body" idx="1"/>
+          </p:nvPr>
+        </p:nvSpPr>
+        <p:spPr/>
+        <p:txBody>
+          <a:bodyPr/>
+          <a:lstStyle/>
+          <a:p>
+            <a:pPr marL="285750" indent="-285750">
+              <a:buFont typeface="Arial" panose="020B0604020202020204" pitchFamily="34" charset="0"/>
+              <a:buChar char="•"/>
+            </a:pPr>
+            <a:r>
+              <a:rPr lang="en-US" dirty="0"/>
+              <a:t>This is the first KPI that has landed inside of the IQR. The Orlando Magic is comfortably in the middle of the pack when it comes to rebounds.</a:t>
+            </a:r>
+          </a:p>
+          <a:p>
+            <a:pPr marL="285750" indent="-285750">
+              <a:buFont typeface="Arial" panose="020B0604020202020204" pitchFamily="34" charset="0"/>
+              <a:buChar char="•"/>
+            </a:pPr>
+            <a:r>
+              <a:rPr lang="en-US" dirty="0"/>
+              <a:t>There is a higher variance with this KPI with a Standard Deviation of 2.2. You can see from the bar chart that there is a significant drop from the highest rebounding team to the lowest. </a:t>
+            </a:r>
+          </a:p>
+          <a:p>
+            <a:pPr marL="285750" indent="-285750">
+              <a:buFont typeface="Arial" panose="020B0604020202020204" pitchFamily="34" charset="0"/>
+              <a:buChar char="•"/>
+            </a:pPr>
+            <a:r>
+              <a:rPr lang="en-US" dirty="0"/>
+              <a:t>The Milwaukee Bucks are the high outlier of the league with an average 48.6 rebounds per game. I’m wondering if their dominance in this regard has any correlation to the height of the players on their team. </a:t>
+            </a:r>
+          </a:p>
+          <a:p>
+            <a:pPr marL="285750" indent="-285750">
+              <a:buFont typeface="Arial" panose="020B0604020202020204" pitchFamily="34" charset="0"/>
+              <a:buChar char="•"/>
+            </a:pPr>
+            <a:endParaRPr lang="en-US" dirty="0"/>
+          </a:p>
+          <a:p>
+            <a:endParaRPr lang="en-US" dirty="0"/>
+          </a:p>
+        </p:txBody>
+      </p:sp>
+      <p:sp>
+        <p:nvSpPr>
+          <p:cNvPr id="4" name="Slide Number Placeholder 3"/>
+          <p:cNvSpPr>
+            <a:spLocks noGrp="1"/>
+          </p:cNvSpPr>
+          <p:nvPr>
+            <p:ph type="sldNum" sz="quarter" idx="5"/>
+          </p:nvPr>
+        </p:nvSpPr>
+        <p:spPr/>
+        <p:txBody>
+          <a:bodyPr/>
+          <a:lstStyle/>
+          <a:p>
+            <a:fld id="{7CE02DDE-5292-304A-AA17-8105D6E6D60D}" type="slidenum">
+              <a:rPr lang="en-US" smtClean="0"/>
+              <a:t>22</a:t>
+            </a:fld>
+            <a:endParaRPr lang="en-US"/>
+          </a:p>
+        </p:txBody>
+      </p:sp>
+    </p:spTree>
+    <p:extLst>
+      <p:ext uri="{BB962C8B-B14F-4D97-AF65-F5344CB8AC3E}">
+        <p14:creationId xmlns:p14="http://schemas.microsoft.com/office/powerpoint/2010/main" val="73254478"/>
+      </p:ext>
+    </p:extLst>
+  </p:cSld>
+  <p:clrMapOvr>
+    <a:masterClrMapping/>
+  </p:clrMapOvr>
+</p:notes>
+</file>
+
+<file path=ppt/notesSlides/notesSlide6.xml><?xml version="1.0" encoding="utf-8"?>
+<p:notes xmlns:a="http://schemas.openxmlformats.org/drawingml/2006/main" xmlns:r="http://schemas.openxmlformats.org/officeDocument/2006/relationships" xmlns:p="http://schemas.openxmlformats.org/presentationml/2006/main">
+  <p:cSld>
+    <p:spTree>
+      <p:nvGrpSpPr>
+        <p:cNvPr id="1" name=""/>
+        <p:cNvGrpSpPr/>
+        <p:nvPr/>
+      </p:nvGrpSpPr>
+      <p:grpSpPr>
+        <a:xfrm>
+          <a:off x="0" y="0"/>
+          <a:ext cx="0" cy="0"/>
+          <a:chOff x="0" y="0"/>
+          <a:chExt cx="0" cy="0"/>
+        </a:xfrm>
+      </p:grpSpPr>
+      <p:sp>
+        <p:nvSpPr>
+          <p:cNvPr id="2" name="Slide Image Placeholder 1"/>
+          <p:cNvSpPr>
+            <a:spLocks noGrp="1" noRot="1" noChangeAspect="1"/>
+          </p:cNvSpPr>
+          <p:nvPr>
+            <p:ph type="sldImg"/>
+          </p:nvPr>
+        </p:nvSpPr>
+        <p:spPr/>
+      </p:sp>
+      <p:sp>
+        <p:nvSpPr>
+          <p:cNvPr id="3" name="Notes Placeholder 2"/>
+          <p:cNvSpPr>
+            <a:spLocks noGrp="1"/>
+          </p:cNvSpPr>
+          <p:nvPr>
+            <p:ph type="body" idx="1"/>
+          </p:nvPr>
+        </p:nvSpPr>
+        <p:spPr/>
+        <p:txBody>
+          <a:bodyPr/>
+          <a:lstStyle/>
+          <a:p>
+            <a:pPr marL="171450" indent="-171450">
+              <a:buFontTx/>
+              <a:buChar char="-"/>
+            </a:pPr>
+            <a:r>
+              <a:rPr lang="en-US" dirty="0"/>
+              <a:t>This Is the first KPI that I have measured where the Magic have come in above the average. The only caveat is that this is not a metric that is good to have a high average in. </a:t>
+            </a:r>
+          </a:p>
+          <a:p>
+            <a:pPr marL="171450" indent="-171450">
+              <a:buFontTx/>
+              <a:buChar char="-"/>
+            </a:pPr>
+            <a:r>
+              <a:rPr lang="en-US" dirty="0"/>
+              <a:t>The team’s struggle to hold onto the ball may have an impact on their ability to keep the other team from scoring points. </a:t>
+            </a:r>
+          </a:p>
+          <a:p>
+            <a:pPr marL="171450" indent="-171450">
+              <a:buFontTx/>
+              <a:buChar char="-"/>
+            </a:pPr>
+            <a:r>
+              <a:rPr lang="en-US" dirty="0"/>
+              <a:t>One thing about the bar graph that I find interesting is that the Golden State Warriors, a team who ranks highly in all of our scoring charts, also comes in the highest team in terms of turnovers per game. </a:t>
+            </a:r>
+          </a:p>
+          <a:p>
+            <a:pPr marL="171450" indent="-171450">
+              <a:buFontTx/>
+              <a:buChar char="-"/>
+            </a:pPr>
+            <a:r>
+              <a:rPr lang="en-US" dirty="0"/>
+              <a:t>One metric that I feel is missing from the data is ‘How Many Points the Other Team Scored Per Game’. We can look at how many points the team scored and how many ball fumbles they had, but the most important metric appears to be, simply, how many points they gave up to the other team. From here I would look into Blocks and Personal Fouls.</a:t>
+            </a:r>
+          </a:p>
+        </p:txBody>
+      </p:sp>
+      <p:sp>
+        <p:nvSpPr>
+          <p:cNvPr id="4" name="Slide Number Placeholder 3"/>
+          <p:cNvSpPr>
+            <a:spLocks noGrp="1"/>
+          </p:cNvSpPr>
+          <p:nvPr>
+            <p:ph type="sldNum" sz="quarter" idx="5"/>
+          </p:nvPr>
+        </p:nvSpPr>
+        <p:spPr/>
+        <p:txBody>
+          <a:bodyPr/>
+          <a:lstStyle/>
+          <a:p>
+            <a:fld id="{7CE02DDE-5292-304A-AA17-8105D6E6D60D}" type="slidenum">
+              <a:rPr lang="en-US" smtClean="0"/>
+              <a:t>23</a:t>
+            </a:fld>
+            <a:endParaRPr lang="en-US"/>
+          </a:p>
+        </p:txBody>
+      </p:sp>
+    </p:spTree>
+    <p:extLst>
+      <p:ext uri="{BB962C8B-B14F-4D97-AF65-F5344CB8AC3E}">
+        <p14:creationId xmlns:p14="http://schemas.microsoft.com/office/powerpoint/2010/main" val="4079103895"/>
       </p:ext>
     </p:extLst>
   </p:cSld>
@@ -649,7 +1257,7 @@
           <p:cNvPr id="2" name="Title 1">
             <a:extLst>
               <a:ext uri="{FF2B5EF4-FFF2-40B4-BE49-F238E27FC236}">
-                <a16:creationId xmlns:a16="http://schemas.microsoft.com/office/drawing/2014/main" xmlns="" id="{C26A6E78-EADA-0877-E4E4-7A54410847BF}"/>
+                <a16:creationId xmlns:a16="http://schemas.microsoft.com/office/drawing/2014/main" id="{C26A6E78-EADA-0877-E4E4-7A54410847BF}"/>
               </a:ext>
             </a:extLst>
           </p:cNvPr>
@@ -686,7 +1294,7 @@
           <p:cNvPr id="3" name="Subtitle 2">
             <a:extLst>
               <a:ext uri="{FF2B5EF4-FFF2-40B4-BE49-F238E27FC236}">
-                <a16:creationId xmlns:a16="http://schemas.microsoft.com/office/drawing/2014/main" xmlns="" id="{B98E5113-1D46-24A5-AAA2-B1068DD9B362}"/>
+                <a16:creationId xmlns:a16="http://schemas.microsoft.com/office/drawing/2014/main" id="{B98E5113-1D46-24A5-AAA2-B1068DD9B362}"/>
               </a:ext>
             </a:extLst>
           </p:cNvPr>
@@ -756,7 +1364,7 @@
           <p:cNvPr id="4" name="Date Placeholder 3">
             <a:extLst>
               <a:ext uri="{FF2B5EF4-FFF2-40B4-BE49-F238E27FC236}">
-                <a16:creationId xmlns:a16="http://schemas.microsoft.com/office/drawing/2014/main" xmlns="" id="{9E5F5324-DEED-857D-5E57-C08FFE8F762E}"/>
+                <a16:creationId xmlns:a16="http://schemas.microsoft.com/office/drawing/2014/main" id="{9E5F5324-DEED-857D-5E57-C08FFE8F762E}"/>
               </a:ext>
             </a:extLst>
           </p:cNvPr>
@@ -774,7 +1382,7 @@
           <a:p>
             <a:fld id="{D0854996-1FBB-4E33-95BB-317CB7872D99}" type="datetimeFigureOut">
               <a:rPr lang="en-US" smtClean="0"/>
-              <a:t>5/4/2023</a:t>
+              <a:t>5/4/23</a:t>
             </a:fld>
             <a:endParaRPr lang="en-US"/>
           </a:p>
@@ -785,7 +1393,7 @@
           <p:cNvPr id="5" name="Footer Placeholder 4">
             <a:extLst>
               <a:ext uri="{FF2B5EF4-FFF2-40B4-BE49-F238E27FC236}">
-                <a16:creationId xmlns:a16="http://schemas.microsoft.com/office/drawing/2014/main" xmlns="" id="{DD603586-51D6-A836-1376-6B23AA0F47B1}"/>
+                <a16:creationId xmlns:a16="http://schemas.microsoft.com/office/drawing/2014/main" id="{DD603586-51D6-A836-1376-6B23AA0F47B1}"/>
               </a:ext>
             </a:extLst>
           </p:cNvPr>
@@ -810,7 +1418,7 @@
           <p:cNvPr id="6" name="Slide Number Placeholder 5">
             <a:extLst>
               <a:ext uri="{FF2B5EF4-FFF2-40B4-BE49-F238E27FC236}">
-                <a16:creationId xmlns:a16="http://schemas.microsoft.com/office/drawing/2014/main" xmlns="" id="{32BC0964-58EB-59D0-9F0A-00F87C261FD6}"/>
+                <a16:creationId xmlns:a16="http://schemas.microsoft.com/office/drawing/2014/main" id="{32BC0964-58EB-59D0-9F0A-00F87C261FD6}"/>
               </a:ext>
             </a:extLst>
           </p:cNvPr>
@@ -869,7 +1477,7 @@
           <p:cNvPr id="2" name="Title 1">
             <a:extLst>
               <a:ext uri="{FF2B5EF4-FFF2-40B4-BE49-F238E27FC236}">
-                <a16:creationId xmlns:a16="http://schemas.microsoft.com/office/drawing/2014/main" xmlns="" id="{B491F420-F134-26B6-2CD5-0F4CDF9910D9}"/>
+                <a16:creationId xmlns:a16="http://schemas.microsoft.com/office/drawing/2014/main" id="{B491F420-F134-26B6-2CD5-0F4CDF9910D9}"/>
               </a:ext>
             </a:extLst>
           </p:cNvPr>
@@ -897,7 +1505,7 @@
           <p:cNvPr id="3" name="Vertical Text Placeholder 2">
             <a:extLst>
               <a:ext uri="{FF2B5EF4-FFF2-40B4-BE49-F238E27FC236}">
-                <a16:creationId xmlns:a16="http://schemas.microsoft.com/office/drawing/2014/main" xmlns="" id="{6FD508D2-D202-FD9B-1EE9-D097B163C3E9}"/>
+                <a16:creationId xmlns:a16="http://schemas.microsoft.com/office/drawing/2014/main" id="{6FD508D2-D202-FD9B-1EE9-D097B163C3E9}"/>
               </a:ext>
             </a:extLst>
           </p:cNvPr>
@@ -954,7 +1562,7 @@
           <p:cNvPr id="4" name="Date Placeholder 3">
             <a:extLst>
               <a:ext uri="{FF2B5EF4-FFF2-40B4-BE49-F238E27FC236}">
-                <a16:creationId xmlns:a16="http://schemas.microsoft.com/office/drawing/2014/main" xmlns="" id="{6ACBC9A3-04FC-4E95-AA8F-E07E8EAA7F74}"/>
+                <a16:creationId xmlns:a16="http://schemas.microsoft.com/office/drawing/2014/main" id="{6ACBC9A3-04FC-4E95-AA8F-E07E8EAA7F74}"/>
               </a:ext>
             </a:extLst>
           </p:cNvPr>
@@ -972,7 +1580,7 @@
           <a:p>
             <a:fld id="{D0854996-1FBB-4E33-95BB-317CB7872D99}" type="datetimeFigureOut">
               <a:rPr lang="en-US" smtClean="0"/>
-              <a:t>5/4/2023</a:t>
+              <a:t>5/4/23</a:t>
             </a:fld>
             <a:endParaRPr lang="en-US"/>
           </a:p>
@@ -983,7 +1591,7 @@
           <p:cNvPr id="5" name="Footer Placeholder 4">
             <a:extLst>
               <a:ext uri="{FF2B5EF4-FFF2-40B4-BE49-F238E27FC236}">
-                <a16:creationId xmlns:a16="http://schemas.microsoft.com/office/drawing/2014/main" xmlns="" id="{B280F340-C07D-C230-78A2-7894FBC4C7E5}"/>
+                <a16:creationId xmlns:a16="http://schemas.microsoft.com/office/drawing/2014/main" id="{B280F340-C07D-C230-78A2-7894FBC4C7E5}"/>
               </a:ext>
             </a:extLst>
           </p:cNvPr>
@@ -1008,7 +1616,7 @@
           <p:cNvPr id="6" name="Slide Number Placeholder 5">
             <a:extLst>
               <a:ext uri="{FF2B5EF4-FFF2-40B4-BE49-F238E27FC236}">
-                <a16:creationId xmlns:a16="http://schemas.microsoft.com/office/drawing/2014/main" xmlns="" id="{BEC89597-8A87-DF40-A148-C271BAF68DF7}"/>
+                <a16:creationId xmlns:a16="http://schemas.microsoft.com/office/drawing/2014/main" id="{BEC89597-8A87-DF40-A148-C271BAF68DF7}"/>
               </a:ext>
             </a:extLst>
           </p:cNvPr>
@@ -1067,7 +1675,7 @@
           <p:cNvPr id="2" name="Vertical Title 1">
             <a:extLst>
               <a:ext uri="{FF2B5EF4-FFF2-40B4-BE49-F238E27FC236}">
-                <a16:creationId xmlns:a16="http://schemas.microsoft.com/office/drawing/2014/main" xmlns="" id="{17D3CADE-FCBF-AD39-2A3A-A0759116FE96}"/>
+                <a16:creationId xmlns:a16="http://schemas.microsoft.com/office/drawing/2014/main" id="{17D3CADE-FCBF-AD39-2A3A-A0759116FE96}"/>
               </a:ext>
             </a:extLst>
           </p:cNvPr>
@@ -1100,7 +1708,7 @@
           <p:cNvPr id="3" name="Vertical Text Placeholder 2">
             <a:extLst>
               <a:ext uri="{FF2B5EF4-FFF2-40B4-BE49-F238E27FC236}">
-                <a16:creationId xmlns:a16="http://schemas.microsoft.com/office/drawing/2014/main" xmlns="" id="{8A6A0359-7757-03C6-41F0-42CDB1BC2D44}"/>
+                <a16:creationId xmlns:a16="http://schemas.microsoft.com/office/drawing/2014/main" id="{8A6A0359-7757-03C6-41F0-42CDB1BC2D44}"/>
               </a:ext>
             </a:extLst>
           </p:cNvPr>
@@ -1162,7 +1770,7 @@
           <p:cNvPr id="4" name="Date Placeholder 3">
             <a:extLst>
               <a:ext uri="{FF2B5EF4-FFF2-40B4-BE49-F238E27FC236}">
-                <a16:creationId xmlns:a16="http://schemas.microsoft.com/office/drawing/2014/main" xmlns="" id="{DA506DEA-BF6D-340D-84F9-C396AAED664C}"/>
+                <a16:creationId xmlns:a16="http://schemas.microsoft.com/office/drawing/2014/main" id="{DA506DEA-BF6D-340D-84F9-C396AAED664C}"/>
               </a:ext>
             </a:extLst>
           </p:cNvPr>
@@ -1180,7 +1788,7 @@
           <a:p>
             <a:fld id="{D0854996-1FBB-4E33-95BB-317CB7872D99}" type="datetimeFigureOut">
               <a:rPr lang="en-US" smtClean="0"/>
-              <a:t>5/4/2023</a:t>
+              <a:t>5/4/23</a:t>
             </a:fld>
             <a:endParaRPr lang="en-US"/>
           </a:p>
@@ -1191,7 +1799,7 @@
           <p:cNvPr id="5" name="Footer Placeholder 4">
             <a:extLst>
               <a:ext uri="{FF2B5EF4-FFF2-40B4-BE49-F238E27FC236}">
-                <a16:creationId xmlns:a16="http://schemas.microsoft.com/office/drawing/2014/main" xmlns="" id="{723D2974-1B4C-82C2-030D-AEAF59955D18}"/>
+                <a16:creationId xmlns:a16="http://schemas.microsoft.com/office/drawing/2014/main" id="{723D2974-1B4C-82C2-030D-AEAF59955D18}"/>
               </a:ext>
             </a:extLst>
           </p:cNvPr>
@@ -1216,7 +1824,7 @@
           <p:cNvPr id="6" name="Slide Number Placeholder 5">
             <a:extLst>
               <a:ext uri="{FF2B5EF4-FFF2-40B4-BE49-F238E27FC236}">
-                <a16:creationId xmlns:a16="http://schemas.microsoft.com/office/drawing/2014/main" xmlns="" id="{34A38BA7-7CA7-B7DF-27D7-109C9FB6DE37}"/>
+                <a16:creationId xmlns:a16="http://schemas.microsoft.com/office/drawing/2014/main" id="{34A38BA7-7CA7-B7DF-27D7-109C9FB6DE37}"/>
               </a:ext>
             </a:extLst>
           </p:cNvPr>
@@ -1275,7 +1883,7 @@
           <p:cNvPr id="2" name="Title 1">
             <a:extLst>
               <a:ext uri="{FF2B5EF4-FFF2-40B4-BE49-F238E27FC236}">
-                <a16:creationId xmlns:a16="http://schemas.microsoft.com/office/drawing/2014/main" xmlns="" id="{EA208DBE-C1CC-B7FB-EBE1-7990BA17E0AB}"/>
+                <a16:creationId xmlns:a16="http://schemas.microsoft.com/office/drawing/2014/main" id="{EA208DBE-C1CC-B7FB-EBE1-7990BA17E0AB}"/>
               </a:ext>
             </a:extLst>
           </p:cNvPr>
@@ -1303,7 +1911,7 @@
           <p:cNvPr id="3" name="Content Placeholder 2">
             <a:extLst>
               <a:ext uri="{FF2B5EF4-FFF2-40B4-BE49-F238E27FC236}">
-                <a16:creationId xmlns:a16="http://schemas.microsoft.com/office/drawing/2014/main" xmlns="" id="{80A22C23-BFC2-58C0-0D68-88937172D459}"/>
+                <a16:creationId xmlns:a16="http://schemas.microsoft.com/office/drawing/2014/main" id="{80A22C23-BFC2-58C0-0D68-88937172D459}"/>
               </a:ext>
             </a:extLst>
           </p:cNvPr>
@@ -1360,7 +1968,7 @@
           <p:cNvPr id="4" name="Date Placeholder 3">
             <a:extLst>
               <a:ext uri="{FF2B5EF4-FFF2-40B4-BE49-F238E27FC236}">
-                <a16:creationId xmlns:a16="http://schemas.microsoft.com/office/drawing/2014/main" xmlns="" id="{C7BF0553-7E38-2D36-F267-115A83C0CABE}"/>
+                <a16:creationId xmlns:a16="http://schemas.microsoft.com/office/drawing/2014/main" id="{C7BF0553-7E38-2D36-F267-115A83C0CABE}"/>
               </a:ext>
             </a:extLst>
           </p:cNvPr>
@@ -1378,7 +1986,7 @@
           <a:p>
             <a:fld id="{D0854996-1FBB-4E33-95BB-317CB7872D99}" type="datetimeFigureOut">
               <a:rPr lang="en-US" smtClean="0"/>
-              <a:t>5/4/2023</a:t>
+              <a:t>5/4/23</a:t>
             </a:fld>
             <a:endParaRPr lang="en-US"/>
           </a:p>
@@ -1389,7 +1997,7 @@
           <p:cNvPr id="5" name="Footer Placeholder 4">
             <a:extLst>
               <a:ext uri="{FF2B5EF4-FFF2-40B4-BE49-F238E27FC236}">
-                <a16:creationId xmlns:a16="http://schemas.microsoft.com/office/drawing/2014/main" xmlns="" id="{D07898A0-9C5E-B5D6-DDB1-52BC9C29EF04}"/>
+                <a16:creationId xmlns:a16="http://schemas.microsoft.com/office/drawing/2014/main" id="{D07898A0-9C5E-B5D6-DDB1-52BC9C29EF04}"/>
               </a:ext>
             </a:extLst>
           </p:cNvPr>
@@ -1414,7 +2022,7 @@
           <p:cNvPr id="6" name="Slide Number Placeholder 5">
             <a:extLst>
               <a:ext uri="{FF2B5EF4-FFF2-40B4-BE49-F238E27FC236}">
-                <a16:creationId xmlns:a16="http://schemas.microsoft.com/office/drawing/2014/main" xmlns="" id="{F6DD8C3F-C498-77DE-6EBA-8EB9D6BC8D93}"/>
+                <a16:creationId xmlns:a16="http://schemas.microsoft.com/office/drawing/2014/main" id="{F6DD8C3F-C498-77DE-6EBA-8EB9D6BC8D93}"/>
               </a:ext>
             </a:extLst>
           </p:cNvPr>
@@ -1473,7 +2081,7 @@
           <p:cNvPr id="2" name="Title 1">
             <a:extLst>
               <a:ext uri="{FF2B5EF4-FFF2-40B4-BE49-F238E27FC236}">
-                <a16:creationId xmlns:a16="http://schemas.microsoft.com/office/drawing/2014/main" xmlns="" id="{B6EE2795-D97C-7C26-9805-681F13B7BDF5}"/>
+                <a16:creationId xmlns:a16="http://schemas.microsoft.com/office/drawing/2014/main" id="{B6EE2795-D97C-7C26-9805-681F13B7BDF5}"/>
               </a:ext>
             </a:extLst>
           </p:cNvPr>
@@ -1510,7 +2118,7 @@
           <p:cNvPr id="3" name="Text Placeholder 2">
             <a:extLst>
               <a:ext uri="{FF2B5EF4-FFF2-40B4-BE49-F238E27FC236}">
-                <a16:creationId xmlns:a16="http://schemas.microsoft.com/office/drawing/2014/main" xmlns="" id="{79F5E2BB-21D5-3908-69DA-5FE2D3FAC4D6}"/>
+                <a16:creationId xmlns:a16="http://schemas.microsoft.com/office/drawing/2014/main" id="{79F5E2BB-21D5-3908-69DA-5FE2D3FAC4D6}"/>
               </a:ext>
             </a:extLst>
           </p:cNvPr>
@@ -1635,7 +2243,7 @@
           <p:cNvPr id="4" name="Date Placeholder 3">
             <a:extLst>
               <a:ext uri="{FF2B5EF4-FFF2-40B4-BE49-F238E27FC236}">
-                <a16:creationId xmlns:a16="http://schemas.microsoft.com/office/drawing/2014/main" xmlns="" id="{EB062665-D5D0-D7E8-A720-1C7EE892C45B}"/>
+                <a16:creationId xmlns:a16="http://schemas.microsoft.com/office/drawing/2014/main" id="{EB062665-D5D0-D7E8-A720-1C7EE892C45B}"/>
               </a:ext>
             </a:extLst>
           </p:cNvPr>
@@ -1653,7 +2261,7 @@
           <a:p>
             <a:fld id="{D0854996-1FBB-4E33-95BB-317CB7872D99}" type="datetimeFigureOut">
               <a:rPr lang="en-US" smtClean="0"/>
-              <a:t>5/4/2023</a:t>
+              <a:t>5/4/23</a:t>
             </a:fld>
             <a:endParaRPr lang="en-US"/>
           </a:p>
@@ -1664,7 +2272,7 @@
           <p:cNvPr id="5" name="Footer Placeholder 4">
             <a:extLst>
               <a:ext uri="{FF2B5EF4-FFF2-40B4-BE49-F238E27FC236}">
-                <a16:creationId xmlns:a16="http://schemas.microsoft.com/office/drawing/2014/main" xmlns="" id="{03B29897-DB1A-5E0B-8C6C-93D82E772703}"/>
+                <a16:creationId xmlns:a16="http://schemas.microsoft.com/office/drawing/2014/main" id="{03B29897-DB1A-5E0B-8C6C-93D82E772703}"/>
               </a:ext>
             </a:extLst>
           </p:cNvPr>
@@ -1689,7 +2297,7 @@
           <p:cNvPr id="6" name="Slide Number Placeholder 5">
             <a:extLst>
               <a:ext uri="{FF2B5EF4-FFF2-40B4-BE49-F238E27FC236}">
-                <a16:creationId xmlns:a16="http://schemas.microsoft.com/office/drawing/2014/main" xmlns="" id="{6D9AE3A4-3794-4A8F-E94B-5E3D41E7D58B}"/>
+                <a16:creationId xmlns:a16="http://schemas.microsoft.com/office/drawing/2014/main" id="{6D9AE3A4-3794-4A8F-E94B-5E3D41E7D58B}"/>
               </a:ext>
             </a:extLst>
           </p:cNvPr>
@@ -1748,7 +2356,7 @@
           <p:cNvPr id="2" name="Title 1">
             <a:extLst>
               <a:ext uri="{FF2B5EF4-FFF2-40B4-BE49-F238E27FC236}">
-                <a16:creationId xmlns:a16="http://schemas.microsoft.com/office/drawing/2014/main" xmlns="" id="{437FADD9-0D37-31D3-3762-2A4555C01562}"/>
+                <a16:creationId xmlns:a16="http://schemas.microsoft.com/office/drawing/2014/main" id="{437FADD9-0D37-31D3-3762-2A4555C01562}"/>
               </a:ext>
             </a:extLst>
           </p:cNvPr>
@@ -1776,7 +2384,7 @@
           <p:cNvPr id="3" name="Content Placeholder 2">
             <a:extLst>
               <a:ext uri="{FF2B5EF4-FFF2-40B4-BE49-F238E27FC236}">
-                <a16:creationId xmlns:a16="http://schemas.microsoft.com/office/drawing/2014/main" xmlns="" id="{4FE2A18B-5FDD-78ED-B903-7C6EFB474D15}"/>
+                <a16:creationId xmlns:a16="http://schemas.microsoft.com/office/drawing/2014/main" id="{4FE2A18B-5FDD-78ED-B903-7C6EFB474D15}"/>
               </a:ext>
             </a:extLst>
           </p:cNvPr>
@@ -1838,7 +2446,7 @@
           <p:cNvPr id="4" name="Content Placeholder 3">
             <a:extLst>
               <a:ext uri="{FF2B5EF4-FFF2-40B4-BE49-F238E27FC236}">
-                <a16:creationId xmlns:a16="http://schemas.microsoft.com/office/drawing/2014/main" xmlns="" id="{2322C815-ED44-0DD4-A7D1-05F6FDD919A4}"/>
+                <a16:creationId xmlns:a16="http://schemas.microsoft.com/office/drawing/2014/main" id="{2322C815-ED44-0DD4-A7D1-05F6FDD919A4}"/>
               </a:ext>
             </a:extLst>
           </p:cNvPr>
@@ -1900,7 +2508,7 @@
           <p:cNvPr id="5" name="Date Placeholder 4">
             <a:extLst>
               <a:ext uri="{FF2B5EF4-FFF2-40B4-BE49-F238E27FC236}">
-                <a16:creationId xmlns:a16="http://schemas.microsoft.com/office/drawing/2014/main" xmlns="" id="{B6862A28-53DE-3FFA-10DC-557A16CB9FA1}"/>
+                <a16:creationId xmlns:a16="http://schemas.microsoft.com/office/drawing/2014/main" id="{B6862A28-53DE-3FFA-10DC-557A16CB9FA1}"/>
               </a:ext>
             </a:extLst>
           </p:cNvPr>
@@ -1918,7 +2526,7 @@
           <a:p>
             <a:fld id="{D0854996-1FBB-4E33-95BB-317CB7872D99}" type="datetimeFigureOut">
               <a:rPr lang="en-US" smtClean="0"/>
-              <a:t>5/4/2023</a:t>
+              <a:t>5/4/23</a:t>
             </a:fld>
             <a:endParaRPr lang="en-US"/>
           </a:p>
@@ -1929,7 +2537,7 @@
           <p:cNvPr id="6" name="Footer Placeholder 5">
             <a:extLst>
               <a:ext uri="{FF2B5EF4-FFF2-40B4-BE49-F238E27FC236}">
-                <a16:creationId xmlns:a16="http://schemas.microsoft.com/office/drawing/2014/main" xmlns="" id="{D9117D43-02A1-4AB2-C5EE-082AF7DCC9B9}"/>
+                <a16:creationId xmlns:a16="http://schemas.microsoft.com/office/drawing/2014/main" id="{D9117D43-02A1-4AB2-C5EE-082AF7DCC9B9}"/>
               </a:ext>
             </a:extLst>
           </p:cNvPr>
@@ -1954,7 +2562,7 @@
           <p:cNvPr id="7" name="Slide Number Placeholder 6">
             <a:extLst>
               <a:ext uri="{FF2B5EF4-FFF2-40B4-BE49-F238E27FC236}">
-                <a16:creationId xmlns:a16="http://schemas.microsoft.com/office/drawing/2014/main" xmlns="" id="{6843E39E-286D-B8E2-0801-760CB25C878F}"/>
+                <a16:creationId xmlns:a16="http://schemas.microsoft.com/office/drawing/2014/main" id="{6843E39E-286D-B8E2-0801-760CB25C878F}"/>
               </a:ext>
             </a:extLst>
           </p:cNvPr>
@@ -2013,7 +2621,7 @@
           <p:cNvPr id="2" name="Title 1">
             <a:extLst>
               <a:ext uri="{FF2B5EF4-FFF2-40B4-BE49-F238E27FC236}">
-                <a16:creationId xmlns:a16="http://schemas.microsoft.com/office/drawing/2014/main" xmlns="" id="{8E18856C-5621-1D14-2E16-B6A5ADF4A6A1}"/>
+                <a16:creationId xmlns:a16="http://schemas.microsoft.com/office/drawing/2014/main" id="{8E18856C-5621-1D14-2E16-B6A5ADF4A6A1}"/>
               </a:ext>
             </a:extLst>
           </p:cNvPr>
@@ -2046,7 +2654,7 @@
           <p:cNvPr id="3" name="Text Placeholder 2">
             <a:extLst>
               <a:ext uri="{FF2B5EF4-FFF2-40B4-BE49-F238E27FC236}">
-                <a16:creationId xmlns:a16="http://schemas.microsoft.com/office/drawing/2014/main" xmlns="" id="{10939CFD-1387-ED03-A9C3-4F1C2E5DDB86}"/>
+                <a16:creationId xmlns:a16="http://schemas.microsoft.com/office/drawing/2014/main" id="{10939CFD-1387-ED03-A9C3-4F1C2E5DDB86}"/>
               </a:ext>
             </a:extLst>
           </p:cNvPr>
@@ -2117,7 +2725,7 @@
           <p:cNvPr id="4" name="Content Placeholder 3">
             <a:extLst>
               <a:ext uri="{FF2B5EF4-FFF2-40B4-BE49-F238E27FC236}">
-                <a16:creationId xmlns:a16="http://schemas.microsoft.com/office/drawing/2014/main" xmlns="" id="{CDD0D842-7521-DABF-523C-530EB07786AB}"/>
+                <a16:creationId xmlns:a16="http://schemas.microsoft.com/office/drawing/2014/main" id="{CDD0D842-7521-DABF-523C-530EB07786AB}"/>
               </a:ext>
             </a:extLst>
           </p:cNvPr>
@@ -2179,7 +2787,7 @@
           <p:cNvPr id="5" name="Text Placeholder 4">
             <a:extLst>
               <a:ext uri="{FF2B5EF4-FFF2-40B4-BE49-F238E27FC236}">
-                <a16:creationId xmlns:a16="http://schemas.microsoft.com/office/drawing/2014/main" xmlns="" id="{D2946555-4F1C-262A-D3EE-C38D8F57C1AB}"/>
+                <a16:creationId xmlns:a16="http://schemas.microsoft.com/office/drawing/2014/main" id="{D2946555-4F1C-262A-D3EE-C38D8F57C1AB}"/>
               </a:ext>
             </a:extLst>
           </p:cNvPr>
@@ -2250,7 +2858,7 @@
           <p:cNvPr id="6" name="Content Placeholder 5">
             <a:extLst>
               <a:ext uri="{FF2B5EF4-FFF2-40B4-BE49-F238E27FC236}">
-                <a16:creationId xmlns:a16="http://schemas.microsoft.com/office/drawing/2014/main" xmlns="" id="{CAF1A528-2FBD-1F79-A495-C46F13769C59}"/>
+                <a16:creationId xmlns:a16="http://schemas.microsoft.com/office/drawing/2014/main" id="{CAF1A528-2FBD-1F79-A495-C46F13769C59}"/>
               </a:ext>
             </a:extLst>
           </p:cNvPr>
@@ -2312,7 +2920,7 @@
           <p:cNvPr id="7" name="Date Placeholder 6">
             <a:extLst>
               <a:ext uri="{FF2B5EF4-FFF2-40B4-BE49-F238E27FC236}">
-                <a16:creationId xmlns:a16="http://schemas.microsoft.com/office/drawing/2014/main" xmlns="" id="{2778BE5C-04EF-E6BD-0717-37F872FF16C3}"/>
+                <a16:creationId xmlns:a16="http://schemas.microsoft.com/office/drawing/2014/main" id="{2778BE5C-04EF-E6BD-0717-37F872FF16C3}"/>
               </a:ext>
             </a:extLst>
           </p:cNvPr>
@@ -2330,7 +2938,7 @@
           <a:p>
             <a:fld id="{D0854996-1FBB-4E33-95BB-317CB7872D99}" type="datetimeFigureOut">
               <a:rPr lang="en-US" smtClean="0"/>
-              <a:t>5/4/2023</a:t>
+              <a:t>5/4/23</a:t>
             </a:fld>
             <a:endParaRPr lang="en-US"/>
           </a:p>
@@ -2341,7 +2949,7 @@
           <p:cNvPr id="8" name="Footer Placeholder 7">
             <a:extLst>
               <a:ext uri="{FF2B5EF4-FFF2-40B4-BE49-F238E27FC236}">
-                <a16:creationId xmlns:a16="http://schemas.microsoft.com/office/drawing/2014/main" xmlns="" id="{38A96267-3810-CB64-D205-372FA67F7A09}"/>
+                <a16:creationId xmlns:a16="http://schemas.microsoft.com/office/drawing/2014/main" id="{38A96267-3810-CB64-D205-372FA67F7A09}"/>
               </a:ext>
             </a:extLst>
           </p:cNvPr>
@@ -2366,7 +2974,7 @@
           <p:cNvPr id="9" name="Slide Number Placeholder 8">
             <a:extLst>
               <a:ext uri="{FF2B5EF4-FFF2-40B4-BE49-F238E27FC236}">
-                <a16:creationId xmlns:a16="http://schemas.microsoft.com/office/drawing/2014/main" xmlns="" id="{0D3B3BA1-2C34-F5D6-87F6-7B3B41E87C3F}"/>
+                <a16:creationId xmlns:a16="http://schemas.microsoft.com/office/drawing/2014/main" id="{0D3B3BA1-2C34-F5D6-87F6-7B3B41E87C3F}"/>
               </a:ext>
             </a:extLst>
           </p:cNvPr>
@@ -2425,7 +3033,7 @@
           <p:cNvPr id="2" name="Title 1">
             <a:extLst>
               <a:ext uri="{FF2B5EF4-FFF2-40B4-BE49-F238E27FC236}">
-                <a16:creationId xmlns:a16="http://schemas.microsoft.com/office/drawing/2014/main" xmlns="" id="{2BD0AAD7-06E9-6B86-C224-A84B16BC092F}"/>
+                <a16:creationId xmlns:a16="http://schemas.microsoft.com/office/drawing/2014/main" id="{2BD0AAD7-06E9-6B86-C224-A84B16BC092F}"/>
               </a:ext>
             </a:extLst>
           </p:cNvPr>
@@ -2453,7 +3061,7 @@
           <p:cNvPr id="3" name="Date Placeholder 2">
             <a:extLst>
               <a:ext uri="{FF2B5EF4-FFF2-40B4-BE49-F238E27FC236}">
-                <a16:creationId xmlns:a16="http://schemas.microsoft.com/office/drawing/2014/main" xmlns="" id="{85A9E503-8771-838F-5AAC-893EC50231D1}"/>
+                <a16:creationId xmlns:a16="http://schemas.microsoft.com/office/drawing/2014/main" id="{85A9E503-8771-838F-5AAC-893EC50231D1}"/>
               </a:ext>
             </a:extLst>
           </p:cNvPr>
@@ -2471,7 +3079,7 @@
           <a:p>
             <a:fld id="{D0854996-1FBB-4E33-95BB-317CB7872D99}" type="datetimeFigureOut">
               <a:rPr lang="en-US" smtClean="0"/>
-              <a:t>5/4/2023</a:t>
+              <a:t>5/4/23</a:t>
             </a:fld>
             <a:endParaRPr lang="en-US"/>
           </a:p>
@@ -2482,7 +3090,7 @@
           <p:cNvPr id="4" name="Footer Placeholder 3">
             <a:extLst>
               <a:ext uri="{FF2B5EF4-FFF2-40B4-BE49-F238E27FC236}">
-                <a16:creationId xmlns:a16="http://schemas.microsoft.com/office/drawing/2014/main" xmlns="" id="{E473AE5A-85B9-E0C6-35EE-05D7579BFEBE}"/>
+                <a16:creationId xmlns:a16="http://schemas.microsoft.com/office/drawing/2014/main" id="{E473AE5A-85B9-E0C6-35EE-05D7579BFEBE}"/>
               </a:ext>
             </a:extLst>
           </p:cNvPr>
@@ -2507,7 +3115,7 @@
           <p:cNvPr id="5" name="Slide Number Placeholder 4">
             <a:extLst>
               <a:ext uri="{FF2B5EF4-FFF2-40B4-BE49-F238E27FC236}">
-                <a16:creationId xmlns:a16="http://schemas.microsoft.com/office/drawing/2014/main" xmlns="" id="{02088C77-B791-6EC6-3382-1FDFD09DA7B1}"/>
+                <a16:creationId xmlns:a16="http://schemas.microsoft.com/office/drawing/2014/main" id="{02088C77-B791-6EC6-3382-1FDFD09DA7B1}"/>
               </a:ext>
             </a:extLst>
           </p:cNvPr>
@@ -2566,7 +3174,7 @@
           <p:cNvPr id="2" name="Date Placeholder 1">
             <a:extLst>
               <a:ext uri="{FF2B5EF4-FFF2-40B4-BE49-F238E27FC236}">
-                <a16:creationId xmlns:a16="http://schemas.microsoft.com/office/drawing/2014/main" xmlns="" id="{53F38818-2B01-FB61-F1D0-B3CFD45CE39C}"/>
+                <a16:creationId xmlns:a16="http://schemas.microsoft.com/office/drawing/2014/main" id="{53F38818-2B01-FB61-F1D0-B3CFD45CE39C}"/>
               </a:ext>
             </a:extLst>
           </p:cNvPr>
@@ -2584,7 +3192,7 @@
           <a:p>
             <a:fld id="{D0854996-1FBB-4E33-95BB-317CB7872D99}" type="datetimeFigureOut">
               <a:rPr lang="en-US" smtClean="0"/>
-              <a:t>5/4/2023</a:t>
+              <a:t>5/4/23</a:t>
             </a:fld>
             <a:endParaRPr lang="en-US"/>
           </a:p>
@@ -2595,7 +3203,7 @@
           <p:cNvPr id="3" name="Footer Placeholder 2">
             <a:extLst>
               <a:ext uri="{FF2B5EF4-FFF2-40B4-BE49-F238E27FC236}">
-                <a16:creationId xmlns:a16="http://schemas.microsoft.com/office/drawing/2014/main" xmlns="" id="{2455AFB9-0F6F-1646-E3F9-164927FE5C3E}"/>
+                <a16:creationId xmlns:a16="http://schemas.microsoft.com/office/drawing/2014/main" id="{2455AFB9-0F6F-1646-E3F9-164927FE5C3E}"/>
               </a:ext>
             </a:extLst>
           </p:cNvPr>
@@ -2620,7 +3228,7 @@
           <p:cNvPr id="4" name="Slide Number Placeholder 3">
             <a:extLst>
               <a:ext uri="{FF2B5EF4-FFF2-40B4-BE49-F238E27FC236}">
-                <a16:creationId xmlns:a16="http://schemas.microsoft.com/office/drawing/2014/main" xmlns="" id="{9668AD29-83CB-DCB3-07F7-E8FBC7A6037F}"/>
+                <a16:creationId xmlns:a16="http://schemas.microsoft.com/office/drawing/2014/main" id="{9668AD29-83CB-DCB3-07F7-E8FBC7A6037F}"/>
               </a:ext>
             </a:extLst>
           </p:cNvPr>
@@ -2679,7 +3287,7 @@
           <p:cNvPr id="2" name="Title 1">
             <a:extLst>
               <a:ext uri="{FF2B5EF4-FFF2-40B4-BE49-F238E27FC236}">
-                <a16:creationId xmlns:a16="http://schemas.microsoft.com/office/drawing/2014/main" xmlns="" id="{D7DC9D5E-27B8-AD9A-2659-5932A57F3DB5}"/>
+                <a16:creationId xmlns:a16="http://schemas.microsoft.com/office/drawing/2014/main" id="{D7DC9D5E-27B8-AD9A-2659-5932A57F3DB5}"/>
               </a:ext>
             </a:extLst>
           </p:cNvPr>
@@ -2716,7 +3324,7 @@
           <p:cNvPr id="3" name="Content Placeholder 2">
             <a:extLst>
               <a:ext uri="{FF2B5EF4-FFF2-40B4-BE49-F238E27FC236}">
-                <a16:creationId xmlns:a16="http://schemas.microsoft.com/office/drawing/2014/main" xmlns="" id="{30923FB5-E2BF-A4B2-A2D0-A00A3D1898BC}"/>
+                <a16:creationId xmlns:a16="http://schemas.microsoft.com/office/drawing/2014/main" id="{30923FB5-E2BF-A4B2-A2D0-A00A3D1898BC}"/>
               </a:ext>
             </a:extLst>
           </p:cNvPr>
@@ -2806,7 +3414,7 @@
           <p:cNvPr id="4" name="Text Placeholder 3">
             <a:extLst>
               <a:ext uri="{FF2B5EF4-FFF2-40B4-BE49-F238E27FC236}">
-                <a16:creationId xmlns:a16="http://schemas.microsoft.com/office/drawing/2014/main" xmlns="" id="{C893FAE0-A790-3272-ED87-714BF6202D63}"/>
+                <a16:creationId xmlns:a16="http://schemas.microsoft.com/office/drawing/2014/main" id="{C893FAE0-A790-3272-ED87-714BF6202D63}"/>
               </a:ext>
             </a:extLst>
           </p:cNvPr>
@@ -2877,7 +3485,7 @@
           <p:cNvPr id="5" name="Date Placeholder 4">
             <a:extLst>
               <a:ext uri="{FF2B5EF4-FFF2-40B4-BE49-F238E27FC236}">
-                <a16:creationId xmlns:a16="http://schemas.microsoft.com/office/drawing/2014/main" xmlns="" id="{B81C0A93-0475-6608-27DF-CFCC73458A8F}"/>
+                <a16:creationId xmlns:a16="http://schemas.microsoft.com/office/drawing/2014/main" id="{B81C0A93-0475-6608-27DF-CFCC73458A8F}"/>
               </a:ext>
             </a:extLst>
           </p:cNvPr>
@@ -2895,7 +3503,7 @@
           <a:p>
             <a:fld id="{D0854996-1FBB-4E33-95BB-317CB7872D99}" type="datetimeFigureOut">
               <a:rPr lang="en-US" smtClean="0"/>
-              <a:t>5/4/2023</a:t>
+              <a:t>5/4/23</a:t>
             </a:fld>
             <a:endParaRPr lang="en-US"/>
           </a:p>
@@ -2906,7 +3514,7 @@
           <p:cNvPr id="6" name="Footer Placeholder 5">
             <a:extLst>
               <a:ext uri="{FF2B5EF4-FFF2-40B4-BE49-F238E27FC236}">
-                <a16:creationId xmlns:a16="http://schemas.microsoft.com/office/drawing/2014/main" xmlns="" id="{B04A9B06-1F86-EEF8-8473-D61924456931}"/>
+                <a16:creationId xmlns:a16="http://schemas.microsoft.com/office/drawing/2014/main" id="{B04A9B06-1F86-EEF8-8473-D61924456931}"/>
               </a:ext>
             </a:extLst>
           </p:cNvPr>
@@ -2931,7 +3539,7 @@
           <p:cNvPr id="7" name="Slide Number Placeholder 6">
             <a:extLst>
               <a:ext uri="{FF2B5EF4-FFF2-40B4-BE49-F238E27FC236}">
-                <a16:creationId xmlns:a16="http://schemas.microsoft.com/office/drawing/2014/main" xmlns="" id="{6173C552-D150-C781-6D84-17DA2BBF1656}"/>
+                <a16:creationId xmlns:a16="http://schemas.microsoft.com/office/drawing/2014/main" id="{6173C552-D150-C781-6D84-17DA2BBF1656}"/>
               </a:ext>
             </a:extLst>
           </p:cNvPr>
@@ -2990,7 +3598,7 @@
           <p:cNvPr id="2" name="Title 1">
             <a:extLst>
               <a:ext uri="{FF2B5EF4-FFF2-40B4-BE49-F238E27FC236}">
-                <a16:creationId xmlns:a16="http://schemas.microsoft.com/office/drawing/2014/main" xmlns="" id="{86A723BF-75CB-BA9C-52EC-1BAAA2273C37}"/>
+                <a16:creationId xmlns:a16="http://schemas.microsoft.com/office/drawing/2014/main" id="{86A723BF-75CB-BA9C-52EC-1BAAA2273C37}"/>
               </a:ext>
             </a:extLst>
           </p:cNvPr>
@@ -3027,7 +3635,7 @@
           <p:cNvPr id="3" name="Picture Placeholder 2">
             <a:extLst>
               <a:ext uri="{FF2B5EF4-FFF2-40B4-BE49-F238E27FC236}">
-                <a16:creationId xmlns:a16="http://schemas.microsoft.com/office/drawing/2014/main" xmlns="" id="{D7342387-DCA6-0EBE-87AD-F51858ADD85C}"/>
+                <a16:creationId xmlns:a16="http://schemas.microsoft.com/office/drawing/2014/main" id="{D7342387-DCA6-0EBE-87AD-F51858ADD85C}"/>
               </a:ext>
             </a:extLst>
           </p:cNvPr>
@@ -3094,7 +3702,7 @@
           <p:cNvPr id="4" name="Text Placeholder 3">
             <a:extLst>
               <a:ext uri="{FF2B5EF4-FFF2-40B4-BE49-F238E27FC236}">
-                <a16:creationId xmlns:a16="http://schemas.microsoft.com/office/drawing/2014/main" xmlns="" id="{4914F6DB-85BF-D03D-EE41-A7B0601C1B49}"/>
+                <a16:creationId xmlns:a16="http://schemas.microsoft.com/office/drawing/2014/main" id="{4914F6DB-85BF-D03D-EE41-A7B0601C1B49}"/>
               </a:ext>
             </a:extLst>
           </p:cNvPr>
@@ -3165,7 +3773,7 @@
           <p:cNvPr id="5" name="Date Placeholder 4">
             <a:extLst>
               <a:ext uri="{FF2B5EF4-FFF2-40B4-BE49-F238E27FC236}">
-                <a16:creationId xmlns:a16="http://schemas.microsoft.com/office/drawing/2014/main" xmlns="" id="{EFF8CA06-1788-C8CE-9527-09F3A79C0B43}"/>
+                <a16:creationId xmlns:a16="http://schemas.microsoft.com/office/drawing/2014/main" id="{EFF8CA06-1788-C8CE-9527-09F3A79C0B43}"/>
               </a:ext>
             </a:extLst>
           </p:cNvPr>
@@ -3183,7 +3791,7 @@
           <a:p>
             <a:fld id="{D0854996-1FBB-4E33-95BB-317CB7872D99}" type="datetimeFigureOut">
               <a:rPr lang="en-US" smtClean="0"/>
-              <a:t>5/4/2023</a:t>
+              <a:t>5/4/23</a:t>
             </a:fld>
             <a:endParaRPr lang="en-US"/>
           </a:p>
@@ -3194,7 +3802,7 @@
           <p:cNvPr id="6" name="Footer Placeholder 5">
             <a:extLst>
               <a:ext uri="{FF2B5EF4-FFF2-40B4-BE49-F238E27FC236}">
-                <a16:creationId xmlns:a16="http://schemas.microsoft.com/office/drawing/2014/main" xmlns="" id="{637E81F4-FE36-EC6A-644C-8B7717C70BB1}"/>
+                <a16:creationId xmlns:a16="http://schemas.microsoft.com/office/drawing/2014/main" id="{637E81F4-FE36-EC6A-644C-8B7717C70BB1}"/>
               </a:ext>
             </a:extLst>
           </p:cNvPr>
@@ -3219,7 +3827,7 @@
           <p:cNvPr id="7" name="Slide Number Placeholder 6">
             <a:extLst>
               <a:ext uri="{FF2B5EF4-FFF2-40B4-BE49-F238E27FC236}">
-                <a16:creationId xmlns:a16="http://schemas.microsoft.com/office/drawing/2014/main" xmlns="" id="{CD942980-D98D-3100-036C-E95E52FEB56D}"/>
+                <a16:creationId xmlns:a16="http://schemas.microsoft.com/office/drawing/2014/main" id="{CD942980-D98D-3100-036C-E95E52FEB56D}"/>
               </a:ext>
             </a:extLst>
           </p:cNvPr>
@@ -3283,7 +3891,7 @@
           <p:cNvPr id="2" name="Title Placeholder 1">
             <a:extLst>
               <a:ext uri="{FF2B5EF4-FFF2-40B4-BE49-F238E27FC236}">
-                <a16:creationId xmlns:a16="http://schemas.microsoft.com/office/drawing/2014/main" xmlns="" id="{D2A0DF5A-3A69-A5EC-E167-4D8338DCD260}"/>
+                <a16:creationId xmlns:a16="http://schemas.microsoft.com/office/drawing/2014/main" id="{D2A0DF5A-3A69-A5EC-E167-4D8338DCD260}"/>
               </a:ext>
             </a:extLst>
           </p:cNvPr>
@@ -3321,7 +3929,7 @@
           <p:cNvPr id="3" name="Text Placeholder 2">
             <a:extLst>
               <a:ext uri="{FF2B5EF4-FFF2-40B4-BE49-F238E27FC236}">
-                <a16:creationId xmlns:a16="http://schemas.microsoft.com/office/drawing/2014/main" xmlns="" id="{D6C72EDA-195E-D008-9012-693195B751A6}"/>
+                <a16:creationId xmlns:a16="http://schemas.microsoft.com/office/drawing/2014/main" id="{D6C72EDA-195E-D008-9012-693195B751A6}"/>
               </a:ext>
             </a:extLst>
           </p:cNvPr>
@@ -3388,7 +3996,7 @@
           <p:cNvPr id="4" name="Date Placeholder 3">
             <a:extLst>
               <a:ext uri="{FF2B5EF4-FFF2-40B4-BE49-F238E27FC236}">
-                <a16:creationId xmlns:a16="http://schemas.microsoft.com/office/drawing/2014/main" xmlns="" id="{B4F781D0-7BBD-6ACD-E311-BBECA04468ED}"/>
+                <a16:creationId xmlns:a16="http://schemas.microsoft.com/office/drawing/2014/main" id="{B4F781D0-7BBD-6ACD-E311-BBECA04468ED}"/>
               </a:ext>
             </a:extLst>
           </p:cNvPr>
@@ -3424,7 +4032,7 @@
           <a:p>
             <a:fld id="{D0854996-1FBB-4E33-95BB-317CB7872D99}" type="datetimeFigureOut">
               <a:rPr lang="en-US" smtClean="0"/>
-              <a:t>5/4/2023</a:t>
+              <a:t>5/4/23</a:t>
             </a:fld>
             <a:endParaRPr lang="en-US"/>
           </a:p>
@@ -3435,7 +4043,7 @@
           <p:cNvPr id="5" name="Footer Placeholder 4">
             <a:extLst>
               <a:ext uri="{FF2B5EF4-FFF2-40B4-BE49-F238E27FC236}">
-                <a16:creationId xmlns:a16="http://schemas.microsoft.com/office/drawing/2014/main" xmlns="" id="{02469B86-7943-5512-14B4-A5099AFAEED6}"/>
+                <a16:creationId xmlns:a16="http://schemas.microsoft.com/office/drawing/2014/main" id="{02469B86-7943-5512-14B4-A5099AFAEED6}"/>
               </a:ext>
             </a:extLst>
           </p:cNvPr>
@@ -3478,7 +4086,7 @@
           <p:cNvPr id="6" name="Slide Number Placeholder 5">
             <a:extLst>
               <a:ext uri="{FF2B5EF4-FFF2-40B4-BE49-F238E27FC236}">
-                <a16:creationId xmlns:a16="http://schemas.microsoft.com/office/drawing/2014/main" xmlns="" id="{DC623C1E-0FC3-571B-9CE7-2037AA9F7240}"/>
+                <a16:creationId xmlns:a16="http://schemas.microsoft.com/office/drawing/2014/main" id="{DC623C1E-0FC3-571B-9CE7-2037AA9F7240}"/>
               </a:ext>
             </a:extLst>
           </p:cNvPr>
@@ -3846,7 +4454,7 @@
           <p:cNvPr id="2" name="Title 1">
             <a:extLst>
               <a:ext uri="{FF2B5EF4-FFF2-40B4-BE49-F238E27FC236}">
-                <a16:creationId xmlns:a16="http://schemas.microsoft.com/office/drawing/2014/main" xmlns="" id="{E40C16C4-4789-4048-D9A5-1506B502EF1C}"/>
+                <a16:creationId xmlns:a16="http://schemas.microsoft.com/office/drawing/2014/main" id="{E40C16C4-4789-4048-D9A5-1506B502EF1C}"/>
               </a:ext>
             </a:extLst>
           </p:cNvPr>
@@ -3880,10 +4488,6 @@
             <a:r>
               <a:rPr lang="en-US" dirty="0"/>
               <a:t>of the </a:t>
-            </a:r>
-            <a:r>
-              <a:rPr lang="en-US" sz="5400" dirty="0"/>
-              <a:t/>
             </a:r>
             <a:br>
               <a:rPr lang="en-US" sz="5400" dirty="0"/>
@@ -3909,13 +4513,6 @@
   <p:clrMapOvr>
     <a:masterClrMapping/>
   </p:clrMapOvr>
-  <p:timing>
-    <p:tnLst>
-      <p:par>
-        <p:cTn id="1" dur="indefinite" restart="never" nodeType="tmRoot"/>
-      </p:par>
-    </p:tnLst>
-  </p:timing>
 </p:sld>
 </file>
 
@@ -3982,39 +4579,38 @@
           <a:lstStyle/>
           <a:p>
             <a:r>
-              <a:rPr lang="en-US" dirty="0" smtClean="0"/>
+              <a:rPr lang="en-US" dirty="0"/>
               <a:t>Data was collected through the python module </a:t>
             </a:r>
             <a:r>
-              <a:rPr lang="en-US" dirty="0" err="1" smtClean="0"/>
+              <a:rPr lang="en-US" dirty="0" err="1"/>
               <a:t>nba_api</a:t>
             </a:r>
-            <a:endParaRPr lang="en-US" dirty="0" smtClean="0"/>
-          </a:p>
-          <a:p>
-            <a:r>
-              <a:rPr lang="en-US" dirty="0" smtClean="0"/>
+            <a:endParaRPr lang="en-US" dirty="0"/>
+          </a:p>
+          <a:p>
+            <a:r>
+              <a:rPr lang="en-US" dirty="0"/>
               <a:t>The data was filtered to include only seasons where the Magic made the playoffs</a:t>
             </a:r>
           </a:p>
           <a:p>
             <a:r>
-              <a:rPr lang="en-US" dirty="0" smtClean="0"/>
+              <a:rPr lang="en-US" dirty="0"/>
               <a:t>A two-plot line chart was created to show the different winning percentages</a:t>
             </a:r>
           </a:p>
           <a:p>
             <a:r>
-              <a:rPr lang="en-US" dirty="0" smtClean="0"/>
+              <a:rPr lang="en-US" dirty="0"/>
               <a:t>A bar chart was created to show the number of games played in each playoff season</a:t>
             </a:r>
           </a:p>
           <a:p>
             <a:r>
-              <a:rPr lang="en-US" dirty="0" smtClean="0"/>
+              <a:rPr lang="en-US" dirty="0"/>
               <a:t>A T test was applied to determine whether or not there was a correlation between regular season wins and playoff wins</a:t>
             </a:r>
-            <a:endParaRPr lang="en-US" dirty="0"/>
           </a:p>
         </p:txBody>
       </p:sp>
@@ -4028,13 +4624,6 @@
   <p:clrMapOvr>
     <a:masterClrMapping/>
   </p:clrMapOvr>
-  <p:timing>
-    <p:tnLst>
-      <p:par>
-        <p:cTn id="1" dur="indefinite" restart="never" nodeType="tmRoot"/>
-      </p:par>
-    </p:tnLst>
-  </p:timing>
 </p:sld>
 </file>
 
@@ -4184,31 +4773,7 @@
                   <a:prstClr val="black"/>
                 </a:solidFill>
               </a:rPr>
-              <a:t>Question </a:t>
-            </a:r>
-            <a:r>
-              <a:rPr lang="en-US" sz="3200" b="1" dirty="0" smtClean="0">
-                <a:solidFill>
-                  <a:prstClr val="black"/>
-                </a:solidFill>
-              </a:rPr>
-              <a:t>3 </a:t>
-            </a:r>
-            <a:r>
-              <a:rPr lang="en-US" sz="3200" b="1" dirty="0">
-                <a:solidFill>
-                  <a:prstClr val="black"/>
-                </a:solidFill>
-              </a:rPr>
-              <a:t>– </a:t>
-            </a:r>
-            <a:r>
-              <a:rPr lang="en-US" sz="3200" b="1" dirty="0" smtClean="0">
-                <a:solidFill>
-                  <a:prstClr val="black"/>
-                </a:solidFill>
-              </a:rPr>
-              <a:t>How Does the Magic Compare to the League</a:t>
+              <a:t>Question 3 – How Does the Magic Compare to the League</a:t>
             </a:r>
             <a:endParaRPr lang="en-US" sz="3200" dirty="0"/>
           </a:p>
@@ -4230,12 +4795,8 @@
           <a:lstStyle/>
           <a:p>
             <a:r>
-              <a:rPr lang="en-US" dirty="0" smtClean="0"/>
-              <a:t>The following 5 major factors were analyzed in </a:t>
-            </a:r>
-            <a:r>
-              <a:rPr lang="en-US" dirty="0"/>
-              <a:t>game performance. </a:t>
+              <a:rPr lang="en-US" dirty="0"/>
+              <a:t>The following 5 major factors were analyzed in game performance. </a:t>
             </a:r>
           </a:p>
           <a:p>
@@ -4270,39 +4831,15 @@
           <a:p>
             <a:pPr lvl="1"/>
             <a:r>
-              <a:rPr lang="en-US" sz="2000" dirty="0" smtClean="0"/>
-              <a:t>The comparison of the Magic </a:t>
-            </a:r>
-            <a:r>
               <a:rPr lang="en-US" sz="2000" dirty="0"/>
-              <a:t>to 3 other </a:t>
-            </a:r>
-            <a:r>
-              <a:rPr lang="en-US" sz="2000" dirty="0" smtClean="0"/>
-              <a:t>teams consisted of 3 </a:t>
-            </a:r>
+              <a:t>The comparison of the Magic to 3 other teams consisted of 3 Point Percentage and Field Goal Percentage to get a wider view of the points being made.</a:t>
+            </a:r>
+          </a:p>
+          <a:p>
+            <a:pPr lvl="1"/>
             <a:r>
               <a:rPr lang="en-US" sz="2000" dirty="0"/>
-              <a:t>Point Percentage and Field Goal Percentage to get a wider view of the points being made.</a:t>
-            </a:r>
-          </a:p>
-          <a:p>
-            <a:pPr lvl="1"/>
-            <a:r>
-              <a:rPr lang="en-US" sz="2000" dirty="0" smtClean="0"/>
-              <a:t>The comparison of  </a:t>
-            </a:r>
-            <a:r>
-              <a:rPr lang="en-US" sz="2000" dirty="0"/>
-              <a:t>the Magic to the entire </a:t>
-            </a:r>
-            <a:r>
-              <a:rPr lang="en-US" sz="2000" dirty="0" smtClean="0"/>
-              <a:t>league consisted of 3 </a:t>
-            </a:r>
-            <a:r>
-              <a:rPr lang="en-US" sz="2000" dirty="0"/>
-              <a:t>Points Made and Field Goals Made to get a more specific look at where the points are coming from.</a:t>
+              <a:t>The comparison of  the Magic to the entire league consisted of 3 Points Made and Field Goals Made to get a more specific look at where the points are coming from.</a:t>
             </a:r>
           </a:p>
         </p:txBody>
@@ -4342,7 +4879,7 @@
           <p:cNvPr id="2" name="Title 1">
             <a:extLst>
               <a:ext uri="{FF2B5EF4-FFF2-40B4-BE49-F238E27FC236}">
-                <a16:creationId xmlns:a16="http://schemas.microsoft.com/office/drawing/2014/main" xmlns="" id="{F231DA39-FB02-DB33-0970-E23096131913}"/>
+                <a16:creationId xmlns:a16="http://schemas.microsoft.com/office/drawing/2014/main" id="{F231DA39-FB02-DB33-0970-E23096131913}"/>
               </a:ext>
             </a:extLst>
           </p:cNvPr>
@@ -4369,30 +4906,10 @@
                   <a:srgbClr val="000000"/>
                 </a:solidFill>
               </a:rPr>
-              <a:t>KPIs most closely </a:t>
-            </a:r>
-            <a:r>
-              <a:rPr lang="en-US" b="1" dirty="0" smtClean="0">
-                <a:solidFill>
-                  <a:srgbClr val="000000"/>
-                </a:solidFill>
-              </a:rPr>
-              <a:t>related </a:t>
-            </a:r>
-            <a:r>
-              <a:rPr lang="en-US" b="1" dirty="0">
-                <a:solidFill>
-                  <a:srgbClr val="000000"/>
-                </a:solidFill>
-              </a:rPr>
-              <a:t>to wins </a:t>
-            </a:r>
-            <a:r>
-              <a:rPr lang="en-US" b="1" dirty="0" smtClean="0"/>
-              <a:t/>
+              <a:t>KPIs most closely related to wins </a:t>
             </a:r>
             <a:br>
-              <a:rPr lang="en-US" b="1" dirty="0" smtClean="0"/>
+              <a:rPr lang="en-US" b="1" dirty="0"/>
             </a:br>
             <a:r>
               <a:rPr lang="en-US" dirty="0"/>
@@ -4406,7 +4923,7 @@
           <p:cNvPr id="3" name="Content Placeholder 2">
             <a:extLst>
               <a:ext uri="{FF2B5EF4-FFF2-40B4-BE49-F238E27FC236}">
-                <a16:creationId xmlns:a16="http://schemas.microsoft.com/office/drawing/2014/main" xmlns="" id="{6CBB8C9F-8AF7-7AF3-C4F4-7DEDCFB073B7}"/>
+                <a16:creationId xmlns:a16="http://schemas.microsoft.com/office/drawing/2014/main" id="{6CBB8C9F-8AF7-7AF3-C4F4-7DEDCFB073B7}"/>
               </a:ext>
             </a:extLst>
           </p:cNvPr>
@@ -4517,10 +5034,9 @@
           <a:lstStyle/>
           <a:p>
             <a:r>
-              <a:rPr lang="en-US" dirty="0" smtClean="0"/>
+              <a:rPr lang="en-US" dirty="0"/>
               <a:t>Dario</a:t>
             </a:r>
-            <a:endParaRPr lang="en-US" dirty="0"/>
           </a:p>
         </p:txBody>
       </p:sp>
@@ -4553,13 +5069,6 @@
   <p:clrMapOvr>
     <a:masterClrMapping/>
   </p:clrMapOvr>
-  <p:timing>
-    <p:tnLst>
-      <p:par>
-        <p:cTn id="1" dur="indefinite" restart="never" nodeType="tmRoot"/>
-      </p:par>
-    </p:tnLst>
-  </p:timing>
 </p:sld>
 </file>
 
@@ -4609,15 +5118,7 @@
                   <a:prstClr val="black"/>
                 </a:solidFill>
               </a:rPr>
-              <a:t>SECTION </a:t>
-            </a:r>
-            <a:r>
-              <a:rPr lang="en-US" dirty="0" smtClean="0">
-                <a:solidFill>
-                  <a:prstClr val="black"/>
-                </a:solidFill>
-              </a:rPr>
-              <a:t>4</a:t>
+              <a:t>SECTION 4</a:t>
             </a:r>
             <a:endParaRPr lang="en-US" sz="2400" dirty="0"/>
           </a:p>
@@ -4647,28 +5148,12 @@
           <a:p>
             <a:pPr algn="ctr"/>
             <a:r>
-              <a:rPr lang="en-US" sz="2800" dirty="0" smtClean="0">
-                <a:solidFill>
-                  <a:prstClr val="black"/>
-                </a:solidFill>
-              </a:rPr>
-              <a:t>Results and conclusions </a:t>
-            </a:r>
-            <a:r>
               <a:rPr lang="en-US" sz="2800" dirty="0">
                 <a:solidFill>
                   <a:prstClr val="black"/>
                 </a:solidFill>
               </a:rPr>
-              <a:t>of the </a:t>
-            </a:r>
-            <a:r>
-              <a:rPr lang="en-US" sz="2800" dirty="0" smtClean="0">
-                <a:solidFill>
-                  <a:prstClr val="black"/>
-                </a:solidFill>
-              </a:rPr>
-              <a:t>analysis</a:t>
+              <a:t>Results and conclusions of the analysis</a:t>
             </a:r>
             <a:endParaRPr lang="en-US" sz="2800" dirty="0"/>
           </a:p>
@@ -4684,13 +5169,6 @@
   <p:clrMapOvr>
     <a:masterClrMapping/>
   </p:clrMapOvr>
-  <p:timing>
-    <p:tnLst>
-      <p:par>
-        <p:cTn id="1" dur="indefinite" restart="never" nodeType="tmRoot"/>
-      </p:par>
-    </p:tnLst>
-  </p:timing>
 </p:sld>
 </file>
 
@@ -4786,24 +5264,12 @@
           <a:p>
             <a:r>
               <a:rPr lang="en-US" dirty="0"/>
-              <a:t>The two-line plot data </a:t>
-            </a:r>
-            <a:r>
-              <a:rPr lang="en-US" dirty="0" smtClean="0"/>
-              <a:t>of regular season vs playoff games was </a:t>
-            </a:r>
-            <a:r>
-              <a:rPr lang="en-US" dirty="0"/>
-              <a:t>used </a:t>
-            </a:r>
-            <a:r>
-              <a:rPr lang="en-US" dirty="0" smtClean="0"/>
-              <a:t>to determine the p value</a:t>
-            </a:r>
-          </a:p>
-          <a:p>
-            <a:r>
-              <a:rPr lang="en-US" dirty="0" smtClean="0"/>
+              <a:t>The two-line plot data of regular season vs playoff games was used to determine the p value</a:t>
+            </a:r>
+          </a:p>
+          <a:p>
+            <a:r>
+              <a:rPr lang="en-US" dirty="0"/>
               <a:t>The p value was calculated as 6.11315173e-05, which shows a strong correlation. </a:t>
             </a:r>
           </a:p>
@@ -4849,13 +5315,6 @@
   <p:clrMapOvr>
     <a:masterClrMapping/>
   </p:clrMapOvr>
-  <p:timing>
-    <p:tnLst>
-      <p:par>
-        <p:cTn id="1" dur="indefinite" restart="never" nodeType="tmRoot"/>
-      </p:par>
-    </p:tnLst>
-  </p:timing>
 </p:sld>
 </file>
 
@@ -4906,7 +5365,7 @@
           <p:cNvPr id="3" name="Content Placeholder 2" descr="Chart, bar chart, histogram&#10;&#10;Description automatically generated">
             <a:extLst>
               <a:ext uri="{FF2B5EF4-FFF2-40B4-BE49-F238E27FC236}">
-                <a16:creationId xmlns="" xmlns:a16="http://schemas.microsoft.com/office/drawing/2014/main" id="{18A37965-FA94-2800-5618-C59BF5FEDD9D}"/>
+                <a16:creationId xmlns:a16="http://schemas.microsoft.com/office/drawing/2014/main" id="{18A37965-FA94-2800-5618-C59BF5FEDD9D}"/>
               </a:ext>
             </a:extLst>
           </p:cNvPr>
@@ -4949,7 +5408,7 @@
           <p:cNvPr id="5" name="Picture 4" descr="Chart, scatter chart&#10;&#10;Description automatically generated">
             <a:extLst>
               <a:ext uri="{FF2B5EF4-FFF2-40B4-BE49-F238E27FC236}">
-                <a16:creationId xmlns="" xmlns:a16="http://schemas.microsoft.com/office/drawing/2014/main" id="{3222F769-2358-55C2-F04C-E7E80DFFF16D}"/>
+                <a16:creationId xmlns:a16="http://schemas.microsoft.com/office/drawing/2014/main" id="{3222F769-2358-55C2-F04C-E7E80DFFF16D}"/>
               </a:ext>
             </a:extLst>
           </p:cNvPr>
@@ -4990,7 +5449,7 @@
           <p:cNvPr id="6" name="Picture 5" descr="Chart, box and whisker chart&#10;&#10;Description automatically generated">
             <a:extLst>
               <a:ext uri="{FF2B5EF4-FFF2-40B4-BE49-F238E27FC236}">
-                <a16:creationId xmlns="" xmlns:a16="http://schemas.microsoft.com/office/drawing/2014/main" id="{22A32539-8CE3-25E1-BBA3-B665DEDA5BBF}"/>
+                <a16:creationId xmlns:a16="http://schemas.microsoft.com/office/drawing/2014/main" id="{22A32539-8CE3-25E1-BBA3-B665DEDA5BBF}"/>
               </a:ext>
             </a:extLst>
           </p:cNvPr>
@@ -5031,7 +5490,7 @@
           <p:cNvPr id="7" name="TextBox 6">
             <a:extLst>
               <a:ext uri="{FF2B5EF4-FFF2-40B4-BE49-F238E27FC236}">
-                <a16:creationId xmlns="" xmlns:a16="http://schemas.microsoft.com/office/drawing/2014/main" id="{7BD06AD1-0A1A-6ABB-FE68-1DE69ED54200}"/>
+                <a16:creationId xmlns:a16="http://schemas.microsoft.com/office/drawing/2014/main" id="{7BD06AD1-0A1A-6ABB-FE68-1DE69ED54200}"/>
               </a:ext>
             </a:extLst>
           </p:cNvPr>
@@ -5078,7 +5537,7 @@
           <p:cNvPr id="8" name="TextBox 7">
             <a:extLst>
               <a:ext uri="{FF2B5EF4-FFF2-40B4-BE49-F238E27FC236}">
-                <a16:creationId xmlns="" xmlns:a16="http://schemas.microsoft.com/office/drawing/2014/main" id="{FF7D4CEC-2BD3-1EC7-711A-DC6ADEDD204B}"/>
+                <a16:creationId xmlns:a16="http://schemas.microsoft.com/office/drawing/2014/main" id="{FF7D4CEC-2BD3-1EC7-711A-DC6ADEDD204B}"/>
               </a:ext>
             </a:extLst>
           </p:cNvPr>
@@ -5308,7 +5767,7 @@
           <p:cNvPr id="9" name="Picture 8" descr="Chart, box and whisker chart&#10;&#10;Description automatically generated">
             <a:extLst>
               <a:ext uri="{FF2B5EF4-FFF2-40B4-BE49-F238E27FC236}">
-                <a16:creationId xmlns:a16="http://schemas.microsoft.com/office/drawing/2014/main" xmlns="" id="{E43BBEB8-47FE-9D80-DA86-0E032C2F32A6}"/>
+                <a16:creationId xmlns:a16="http://schemas.microsoft.com/office/drawing/2014/main" id="{E43BBEB8-47FE-9D80-DA86-0E032C2F32A6}"/>
               </a:ext>
             </a:extLst>
           </p:cNvPr>
@@ -5318,44 +5777,14 @@
           <p:nvPr/>
         </p:nvPicPr>
         <p:blipFill rotWithShape="1">
-          <a:blip r:embed="rId2"/>
+          <a:blip r:embed="rId3"/>
           <a:srcRect l="21" r="3" b="3"/>
           <a:stretch/>
         </p:blipFill>
         <p:spPr>
           <a:xfrm>
-            <a:off x="-1" y="1828800"/>
-            <a:ext cx="7208820" cy="5029200"/>
-          </a:xfrm>
-          <a:prstGeom prst="rect">
-            <a:avLst/>
-          </a:prstGeom>
-        </p:spPr>
-      </p:pic>
-      <p:pic>
-        <p:nvPicPr>
-          <p:cNvPr id="19" name="Picture 18" descr="Chart, bar chart, histogram&#10;&#10;Description automatically generated">
-            <a:extLst>
-              <a:ext uri="{FF2B5EF4-FFF2-40B4-BE49-F238E27FC236}">
-                <a16:creationId xmlns:a16="http://schemas.microsoft.com/office/drawing/2014/main" xmlns="" id="{F6D78484-4440-8245-7869-BB45A79451FD}"/>
-              </a:ext>
-            </a:extLst>
-          </p:cNvPr>
-          <p:cNvPicPr>
-            <a:picLocks noChangeAspect="1"/>
-          </p:cNvPicPr>
-          <p:nvPr/>
-        </p:nvPicPr>
-        <p:blipFill>
-          <a:blip r:embed="rId3"/>
-          <a:stretch>
-            <a:fillRect/>
-          </a:stretch>
-        </p:blipFill>
-        <p:spPr>
-          <a:xfrm>
-            <a:off x="6720121" y="-2287"/>
-            <a:ext cx="5489449" cy="4117087"/>
+            <a:off x="7217636" y="0"/>
+            <a:ext cx="4974365" cy="3429000"/>
           </a:xfrm>
           <a:prstGeom prst="rect">
             <a:avLst/>
@@ -5367,7 +5796,7 @@
           <p:cNvPr id="22" name="Picture 21" descr="Chart, waterfall chart&#10;&#10;Description automatically generated">
             <a:extLst>
               <a:ext uri="{FF2B5EF4-FFF2-40B4-BE49-F238E27FC236}">
-                <a16:creationId xmlns:a16="http://schemas.microsoft.com/office/drawing/2014/main" xmlns="" id="{9BDC5DA7-AEC1-1113-4950-7CD1187E0D45}"/>
+                <a16:creationId xmlns:a16="http://schemas.microsoft.com/office/drawing/2014/main" id="{9BDC5DA7-AEC1-1113-4950-7CD1187E0D45}"/>
               </a:ext>
             </a:extLst>
           </p:cNvPr>
@@ -5384,20 +5813,50 @@
         </p:blipFill>
         <p:spPr>
           <a:xfrm>
-            <a:off x="6683596" y="4115944"/>
-            <a:ext cx="5486400" cy="2743200"/>
+            <a:off x="7124700" y="3327400"/>
+            <a:ext cx="5081822" cy="3530600"/>
           </a:xfrm>
           <a:prstGeom prst="rect">
             <a:avLst/>
           </a:prstGeom>
         </p:spPr>
       </p:pic>
-      <p:sp>
-        <p:nvSpPr>
-          <p:cNvPr id="23" name="TextBox 22">
-            <a:extLst>
-              <a:ext uri="{FF2B5EF4-FFF2-40B4-BE49-F238E27FC236}">
-                <a16:creationId xmlns:a16="http://schemas.microsoft.com/office/drawing/2014/main" xmlns="" id="{E492EA35-F853-C549-25DD-8833D4ADF337}"/>
+      <p:pic>
+        <p:nvPicPr>
+          <p:cNvPr id="19" name="Picture 18" descr="Chart, bar chart, histogram&#10;&#10;Description automatically generated">
+            <a:extLst>
+              <a:ext uri="{FF2B5EF4-FFF2-40B4-BE49-F238E27FC236}">
+                <a16:creationId xmlns:a16="http://schemas.microsoft.com/office/drawing/2014/main" id="{F6D78484-4440-8245-7869-BB45A79451FD}"/>
+              </a:ext>
+            </a:extLst>
+          </p:cNvPr>
+          <p:cNvPicPr>
+            <a:picLocks noChangeAspect="1"/>
+          </p:cNvPicPr>
+          <p:nvPr/>
+        </p:nvPicPr>
+        <p:blipFill>
+          <a:blip r:embed="rId5"/>
+          <a:stretch>
+            <a:fillRect/>
+          </a:stretch>
+        </p:blipFill>
+        <p:spPr>
+          <a:xfrm>
+            <a:off x="3942" y="2308324"/>
+            <a:ext cx="7213694" cy="4549676"/>
+          </a:xfrm>
+          <a:prstGeom prst="rect">
+            <a:avLst/>
+          </a:prstGeom>
+        </p:spPr>
+      </p:pic>
+      <p:sp>
+        <p:nvSpPr>
+          <p:cNvPr id="29" name="TextBox 28">
+            <a:extLst>
+              <a:ext uri="{FF2B5EF4-FFF2-40B4-BE49-F238E27FC236}">
+                <a16:creationId xmlns:a16="http://schemas.microsoft.com/office/drawing/2014/main" id="{84225DD0-E65F-B710-27C2-F1AE289CC4AE}"/>
               </a:ext>
             </a:extLst>
           </p:cNvPr>
@@ -5406,8 +5865,53 @@
         </p:nvSpPr>
         <p:spPr>
           <a:xfrm>
-            <a:off x="720667" y="1042309"/>
-            <a:ext cx="5978835" cy="1015663"/>
+            <a:off x="0" y="0"/>
+            <a:ext cx="2506050" cy="2308324"/>
+          </a:xfrm>
+          <a:prstGeom prst="rect">
+            <a:avLst/>
+          </a:prstGeom>
+        </p:spPr>
+        <p:style>
+          <a:lnRef idx="2">
+            <a:schemeClr val="dk1"/>
+          </a:lnRef>
+          <a:fillRef idx="1">
+            <a:schemeClr val="lt1"/>
+          </a:fillRef>
+          <a:effectRef idx="0">
+            <a:schemeClr val="dk1"/>
+          </a:effectRef>
+          <a:fontRef idx="minor">
+            <a:schemeClr val="dk1"/>
+          </a:fontRef>
+        </p:style>
+        <p:txBody>
+          <a:bodyPr wrap="square" rtlCol="0">
+            <a:spAutoFit/>
+          </a:bodyPr>
+          <a:lstStyle/>
+          <a:p>
+            <a:endParaRPr lang="en-US" dirty="0"/>
+          </a:p>
+        </p:txBody>
+      </p:sp>
+      <p:sp>
+        <p:nvSpPr>
+          <p:cNvPr id="23" name="TextBox 22">
+            <a:extLst>
+              <a:ext uri="{FF2B5EF4-FFF2-40B4-BE49-F238E27FC236}">
+                <a16:creationId xmlns:a16="http://schemas.microsoft.com/office/drawing/2014/main" id="{E492EA35-F853-C549-25DD-8833D4ADF337}"/>
+              </a:ext>
+            </a:extLst>
+          </p:cNvPr>
+          <p:cNvSpPr txBox="1"/>
+          <p:nvPr/>
+        </p:nvSpPr>
+        <p:spPr>
+          <a:xfrm>
+            <a:off x="-1" y="817122"/>
+            <a:ext cx="2461979" cy="1200329"/>
           </a:xfrm>
           <a:prstGeom prst="rect">
             <a:avLst/>
@@ -5421,30 +5925,36 @@
           <a:lstStyle/>
           <a:p>
             <a:r>
-              <a:rPr lang="en-US" sz="2000" dirty="0"/>
-              <a:t>Mean : 114.686667</a:t>
-            </a:r>
-          </a:p>
-          <a:p>
-            <a:r>
-              <a:rPr lang="en-US" sz="2000" dirty="0"/>
-              <a:t>STD : 2.778207</a:t>
-            </a:r>
-          </a:p>
-          <a:p>
-            <a:r>
-              <a:rPr lang="en-US" sz="2000" dirty="0"/>
-              <a:t>Z-Score : -1.2032409750947137   </a:t>
-            </a:r>
-          </a:p>
-        </p:txBody>
-      </p:sp>
-      <p:sp>
-        <p:nvSpPr>
-          <p:cNvPr id="24" name="TextBox 23">
-            <a:extLst>
-              <a:ext uri="{FF2B5EF4-FFF2-40B4-BE49-F238E27FC236}">
-                <a16:creationId xmlns:a16="http://schemas.microsoft.com/office/drawing/2014/main" xmlns="" id="{1CDF34BE-5078-FA3F-D836-FE3694EEC6CE}"/>
+              <a:rPr lang="en-US" dirty="0"/>
+              <a:t>Orlando : 111.4</a:t>
+            </a:r>
+          </a:p>
+          <a:p>
+            <a:r>
+              <a:rPr lang="en-US" dirty="0"/>
+              <a:t>Mean : 114.6867</a:t>
+            </a:r>
+          </a:p>
+          <a:p>
+            <a:r>
+              <a:rPr lang="en-US" dirty="0"/>
+              <a:t>STD : 2.7782</a:t>
+            </a:r>
+          </a:p>
+          <a:p>
+            <a:r>
+              <a:rPr lang="en-US" dirty="0"/>
+              <a:t>Z-Score : -1.20324</a:t>
+            </a:r>
+          </a:p>
+        </p:txBody>
+      </p:sp>
+      <p:sp>
+        <p:nvSpPr>
+          <p:cNvPr id="28" name="TextBox 27">
+            <a:extLst>
+              <a:ext uri="{FF2B5EF4-FFF2-40B4-BE49-F238E27FC236}">
+                <a16:creationId xmlns:a16="http://schemas.microsoft.com/office/drawing/2014/main" id="{5BDBE0E3-0C33-CD1C-C995-4AB40CC0230B}"/>
               </a:ext>
             </a:extLst>
           </p:cNvPr>
@@ -5453,8 +5963,84 @@
         </p:nvSpPr>
         <p:spPr>
           <a:xfrm>
-            <a:off x="717619" y="-111281"/>
-            <a:ext cx="5600700" cy="1446550"/>
+            <a:off x="2476500" y="0"/>
+            <a:ext cx="4559300" cy="2308324"/>
+          </a:xfrm>
+          <a:prstGeom prst="rect">
+            <a:avLst/>
+          </a:prstGeom>
+        </p:spPr>
+        <p:style>
+          <a:lnRef idx="2">
+            <a:schemeClr val="dk1"/>
+          </a:lnRef>
+          <a:fillRef idx="1">
+            <a:schemeClr val="lt1"/>
+          </a:fillRef>
+          <a:effectRef idx="0">
+            <a:schemeClr val="dk1"/>
+          </a:effectRef>
+          <a:fontRef idx="minor">
+            <a:schemeClr val="dk1"/>
+          </a:fontRef>
+        </p:style>
+        <p:txBody>
+          <a:bodyPr wrap="square" rtlCol="0">
+            <a:spAutoFit/>
+          </a:bodyPr>
+          <a:lstStyle/>
+          <a:p>
+            <a:pPr marL="285750" indent="-285750">
+              <a:buFont typeface="Arial" panose="020B0604020202020204" pitchFamily="34" charset="0"/>
+              <a:buChar char="•"/>
+            </a:pPr>
+            <a:r>
+              <a:rPr lang="en-US" dirty="0"/>
+              <a:t> The Orlando Magic score well below average points per game. </a:t>
+            </a:r>
+          </a:p>
+          <a:p>
+            <a:pPr marL="285750" indent="-285750">
+              <a:buFont typeface="Arial" panose="020B0604020202020204" pitchFamily="34" charset="0"/>
+              <a:buChar char="•"/>
+            </a:pPr>
+            <a:endParaRPr lang="en-US" dirty="0"/>
+          </a:p>
+          <a:p>
+            <a:pPr marL="285750" indent="-285750">
+              <a:buFont typeface="Arial" panose="020B0604020202020204" pitchFamily="34" charset="0"/>
+              <a:buChar char="•"/>
+            </a:pPr>
+            <a:r>
+              <a:rPr lang="en-US" dirty="0"/>
+              <a:t>While the Magic scored less points than the league leader, the Milwaukee Bucks, the Bucks themselves did not score the most points per game throughout the season. </a:t>
+            </a:r>
+          </a:p>
+          <a:p>
+            <a:pPr marL="285750" indent="-285750">
+              <a:buFont typeface="Arial" panose="020B0604020202020204" pitchFamily="34" charset="0"/>
+              <a:buChar char="•"/>
+            </a:pPr>
+            <a:endParaRPr lang="en-US" dirty="0"/>
+          </a:p>
+        </p:txBody>
+      </p:sp>
+      <p:sp>
+        <p:nvSpPr>
+          <p:cNvPr id="24" name="TextBox 23">
+            <a:extLst>
+              <a:ext uri="{FF2B5EF4-FFF2-40B4-BE49-F238E27FC236}">
+                <a16:creationId xmlns:a16="http://schemas.microsoft.com/office/drawing/2014/main" id="{1CDF34BE-5078-FA3F-D836-FE3694EEC6CE}"/>
+              </a:ext>
+            </a:extLst>
+          </p:cNvPr>
+          <p:cNvSpPr txBox="1"/>
+          <p:nvPr/>
+        </p:nvSpPr>
+        <p:spPr>
+          <a:xfrm>
+            <a:off x="0" y="124120"/>
+            <a:ext cx="2461979" cy="646331"/>
           </a:xfrm>
           <a:prstGeom prst="rect">
             <a:avLst/>
@@ -5468,16 +6054,17 @@
           <a:lstStyle/>
           <a:p>
             <a:r>
-              <a:rPr lang="en-US" sz="8800" dirty="0"/>
+              <a:rPr lang="en-US" sz="3600" b="1" dirty="0"/>
               <a:t>POINTS</a:t>
             </a:r>
+            <a:endParaRPr lang="en-US" sz="6000" b="1" dirty="0"/>
           </a:p>
         </p:txBody>
       </p:sp>
     </p:spTree>
     <p:extLst>
       <p:ext uri="{BB962C8B-B14F-4D97-AF65-F5344CB8AC3E}">
-        <p14:creationId xmlns:p14="http://schemas.microsoft.com/office/powerpoint/2010/main" val="1045547712"/>
+        <p14:creationId xmlns:p14="http://schemas.microsoft.com/office/powerpoint/2010/main" val="1965986416"/>
       </p:ext>
     </p:extLst>
   </p:cSld>
@@ -5528,11 +6115,11 @@
           <a:p>
             <a:pPr algn="ctr"/>
             <a:r>
-              <a:rPr lang="en-US" dirty="0" smtClean="0"/>
+              <a:rPr lang="en-US" dirty="0"/>
               <a:t>SECTION 1</a:t>
             </a:r>
             <a:br>
-              <a:rPr lang="en-US" dirty="0" smtClean="0"/>
+              <a:rPr lang="en-US" dirty="0"/>
             </a:br>
             <a:endParaRPr lang="en-US" sz="2000" dirty="0"/>
           </a:p>
@@ -5562,20 +6149,12 @@
           <a:p>
             <a:pPr algn="ctr"/>
             <a:r>
-              <a:rPr lang="en-US" sz="2800" dirty="0" smtClean="0">
-                <a:solidFill>
-                  <a:srgbClr val="2B2B2B"/>
-                </a:solidFill>
-              </a:rPr>
-              <a:t>Overview </a:t>
-            </a:r>
-            <a:r>
               <a:rPr lang="en-US" sz="2800" dirty="0">
                 <a:solidFill>
                   <a:srgbClr val="2B2B2B"/>
                 </a:solidFill>
               </a:rPr>
-              <a:t>of the project and project goals</a:t>
+              <a:t>Overview of the project and project goals</a:t>
             </a:r>
             <a:endParaRPr lang="en-US" sz="2800" dirty="0"/>
           </a:p>
@@ -5591,13 +6170,6 @@
   <p:clrMapOvr>
     <a:masterClrMapping/>
   </p:clrMapOvr>
-  <p:timing>
-    <p:tnLst>
-      <p:par>
-        <p:cTn id="1" dur="indefinite" restart="never" nodeType="tmRoot"/>
-      </p:par>
-    </p:tnLst>
-  </p:timing>
 </p:sld>
 </file>
 
@@ -5620,40 +6192,10 @@
       </p:grpSpPr>
       <p:pic>
         <p:nvPicPr>
-          <p:cNvPr id="7" name="Picture 6" descr="Chart, box and whisker chart&#10;&#10;Description automatically generated">
-            <a:extLst>
-              <a:ext uri="{FF2B5EF4-FFF2-40B4-BE49-F238E27FC236}">
-                <a16:creationId xmlns:a16="http://schemas.microsoft.com/office/drawing/2014/main" xmlns="" id="{673DBD13-CEEE-01BD-F80C-5584F02F4D88}"/>
-              </a:ext>
-            </a:extLst>
-          </p:cNvPr>
-          <p:cNvPicPr>
-            <a:picLocks noChangeAspect="1"/>
-          </p:cNvPicPr>
-          <p:nvPr/>
-        </p:nvPicPr>
-        <p:blipFill>
-          <a:blip r:embed="rId2"/>
-          <a:stretch>
-            <a:fillRect/>
-          </a:stretch>
-        </p:blipFill>
-        <p:spPr>
-          <a:xfrm>
-            <a:off x="0" y="1714499"/>
-            <a:ext cx="7162800" cy="5143501"/>
-          </a:xfrm>
-          <a:prstGeom prst="rect">
-            <a:avLst/>
-          </a:prstGeom>
-        </p:spPr>
-      </p:pic>
-      <p:pic>
-        <p:nvPicPr>
-          <p:cNvPr id="9" name="Picture 8" descr="Chart, waterfall chart&#10;&#10;Description automatically generated">
-            <a:extLst>
-              <a:ext uri="{FF2B5EF4-FFF2-40B4-BE49-F238E27FC236}">
-                <a16:creationId xmlns:a16="http://schemas.microsoft.com/office/drawing/2014/main" xmlns="" id="{A0AE94CE-0B9C-E713-C61C-18931029D723}"/>
+          <p:cNvPr id="13" name="Picture 12" descr="Chart, box and whisker chart&#10;&#10;Description automatically generated">
+            <a:extLst>
+              <a:ext uri="{FF2B5EF4-FFF2-40B4-BE49-F238E27FC236}">
+                <a16:creationId xmlns:a16="http://schemas.microsoft.com/office/drawing/2014/main" id="{5D5E6A11-F128-BC4C-C8C0-E6E872362B92}"/>
               </a:ext>
             </a:extLst>
           </p:cNvPr>
@@ -5670,20 +6212,57 @@
         </p:blipFill>
         <p:spPr>
           <a:xfrm>
-            <a:off x="6934198" y="4229099"/>
-            <a:ext cx="5257802" cy="2628901"/>
+            <a:off x="5853505" y="2086988"/>
+            <a:ext cx="6338495" cy="4753869"/>
           </a:xfrm>
           <a:prstGeom prst="rect">
             <a:avLst/>
           </a:prstGeom>
         </p:spPr>
       </p:pic>
+      <p:sp>
+        <p:nvSpPr>
+          <p:cNvPr id="27" name="TextBox 26">
+            <a:extLst>
+              <a:ext uri="{FF2B5EF4-FFF2-40B4-BE49-F238E27FC236}">
+                <a16:creationId xmlns:a16="http://schemas.microsoft.com/office/drawing/2014/main" id="{84A26EED-910C-C7B8-0F12-2475C08C7C87}"/>
+              </a:ext>
+            </a:extLst>
+          </p:cNvPr>
+          <p:cNvSpPr txBox="1"/>
+          <p:nvPr/>
+        </p:nvSpPr>
+        <p:spPr>
+          <a:xfrm>
+            <a:off x="2476499" y="0"/>
+            <a:ext cx="9715501" cy="2187233"/>
+          </a:xfrm>
+          <a:prstGeom prst="rect">
+            <a:avLst/>
+          </a:prstGeom>
+          <a:noFill/>
+          <a:ln>
+            <a:solidFill>
+              <a:schemeClr val="dk1"/>
+            </a:solidFill>
+          </a:ln>
+        </p:spPr>
+        <p:txBody>
+          <a:bodyPr wrap="square" rtlCol="0">
+            <a:spAutoFit/>
+          </a:bodyPr>
+          <a:lstStyle/>
+          <a:p>
+            <a:endParaRPr lang="en-US" dirty="0"/>
+          </a:p>
+        </p:txBody>
+      </p:sp>
       <p:pic>
         <p:nvPicPr>
-          <p:cNvPr id="5" name="Picture 4" descr="Chart, bar chart&#10;&#10;Description automatically generated">
-            <a:extLst>
-              <a:ext uri="{FF2B5EF4-FFF2-40B4-BE49-F238E27FC236}">
-                <a16:creationId xmlns:a16="http://schemas.microsoft.com/office/drawing/2014/main" xmlns="" id="{BC5BDEA8-3968-461A-6A48-B0B1CC67DEBB}"/>
+          <p:cNvPr id="15" name="Picture 14">
+            <a:extLst>
+              <a:ext uri="{FF2B5EF4-FFF2-40B4-BE49-F238E27FC236}">
+                <a16:creationId xmlns:a16="http://schemas.microsoft.com/office/drawing/2014/main" id="{4AA2E58B-BBB7-B574-D261-0A376CEA1FD3}"/>
               </a:ext>
             </a:extLst>
           </p:cNvPr>
@@ -5694,14 +6273,12 @@
         </p:nvPicPr>
         <p:blipFill>
           <a:blip r:embed="rId4"/>
-          <a:stretch>
-            <a:fillRect/>
-          </a:stretch>
+          <a:stretch/>
         </p:blipFill>
         <p:spPr>
           <a:xfrm>
-            <a:off x="6457950" y="0"/>
-            <a:ext cx="5734050" cy="4300538"/>
+            <a:off x="0" y="2348864"/>
+            <a:ext cx="5989328" cy="4491994"/>
           </a:xfrm>
           <a:prstGeom prst="rect">
             <a:avLst/>
@@ -5710,10 +6287,10 @@
       </p:pic>
       <p:sp>
         <p:nvSpPr>
-          <p:cNvPr id="10" name="TextBox 9">
-            <a:extLst>
-              <a:ext uri="{FF2B5EF4-FFF2-40B4-BE49-F238E27FC236}">
-                <a16:creationId xmlns:a16="http://schemas.microsoft.com/office/drawing/2014/main" xmlns="" id="{53E6EA2F-14A3-39A3-F001-D76606BC2284}"/>
+          <p:cNvPr id="16" name="TextBox 15">
+            <a:extLst>
+              <a:ext uri="{FF2B5EF4-FFF2-40B4-BE49-F238E27FC236}">
+                <a16:creationId xmlns:a16="http://schemas.microsoft.com/office/drawing/2014/main" id="{07319BBA-A49F-8B3E-55AA-3E215B7B3853}"/>
               </a:ext>
             </a:extLst>
           </p:cNvPr>
@@ -5722,8 +6299,267 @@
         </p:nvSpPr>
         <p:spPr>
           <a:xfrm>
-            <a:off x="717619" y="1063219"/>
-            <a:ext cx="5585214" cy="923330"/>
+            <a:off x="2476500" y="0"/>
+            <a:ext cx="9715500" cy="2031325"/>
+          </a:xfrm>
+          <a:prstGeom prst="rect">
+            <a:avLst/>
+          </a:prstGeom>
+          <a:ln>
+            <a:noFill/>
+          </a:ln>
+        </p:spPr>
+        <p:style>
+          <a:lnRef idx="2">
+            <a:schemeClr val="dk1"/>
+          </a:lnRef>
+          <a:fillRef idx="1">
+            <a:schemeClr val="lt1"/>
+          </a:fillRef>
+          <a:effectRef idx="0">
+            <a:schemeClr val="dk1"/>
+          </a:effectRef>
+          <a:fontRef idx="minor">
+            <a:schemeClr val="dk1"/>
+          </a:fontRef>
+        </p:style>
+        <p:txBody>
+          <a:bodyPr wrap="square" rtlCol="0">
+            <a:spAutoFit/>
+          </a:bodyPr>
+          <a:lstStyle/>
+          <a:p>
+            <a:pPr marL="285750" indent="-285750">
+              <a:buFont typeface="Arial" panose="020B0604020202020204" pitchFamily="34" charset="0"/>
+              <a:buChar char="•"/>
+            </a:pPr>
+            <a:endParaRPr lang="en-US" dirty="0"/>
+          </a:p>
+          <a:p>
+            <a:pPr marL="285750" indent="-285750">
+              <a:buFont typeface="Arial" panose="020B0604020202020204" pitchFamily="34" charset="0"/>
+              <a:buChar char="•"/>
+            </a:pPr>
+            <a:r>
+              <a:rPr lang="en-US" dirty="0"/>
+              <a:t>The Magic are once again below the lower quartile in regard to making 3-point shots. </a:t>
+            </a:r>
+          </a:p>
+          <a:p>
+            <a:pPr marL="285750" indent="-285750">
+              <a:buFont typeface="Arial" panose="020B0604020202020204" pitchFamily="34" charset="0"/>
+              <a:buChar char="•"/>
+            </a:pPr>
+            <a:endParaRPr lang="en-US" dirty="0"/>
+          </a:p>
+          <a:p>
+            <a:pPr marL="285750" indent="-285750">
+              <a:buFont typeface="Arial" panose="020B0604020202020204" pitchFamily="34" charset="0"/>
+              <a:buChar char="•"/>
+            </a:pPr>
+            <a:r>
+              <a:rPr lang="en-US" dirty="0"/>
+              <a:t>Orlando’s 3-point percentage is 34.6%.</a:t>
+            </a:r>
+          </a:p>
+          <a:p>
+            <a:pPr marL="285750" indent="-285750">
+              <a:buFont typeface="Arial" panose="020B0604020202020204" pitchFamily="34" charset="0"/>
+              <a:buChar char="•"/>
+            </a:pPr>
+            <a:endParaRPr lang="en-US" dirty="0"/>
+          </a:p>
+          <a:p>
+            <a:pPr marL="285750" indent="-285750">
+              <a:buFont typeface="Arial" panose="020B0604020202020204" pitchFamily="34" charset="0"/>
+              <a:buChar char="•"/>
+            </a:pPr>
+            <a:r>
+              <a:rPr lang="en-US" dirty="0"/>
+              <a:t>The two outliers, The Golden State Warriors and the Boston Celtics, should be looked at more in depth to better analyze a successful 3-point program. </a:t>
+            </a:r>
+          </a:p>
+        </p:txBody>
+      </p:sp>
+      <p:sp>
+        <p:nvSpPr>
+          <p:cNvPr id="18" name="TextBox 17">
+            <a:extLst>
+              <a:ext uri="{FF2B5EF4-FFF2-40B4-BE49-F238E27FC236}">
+                <a16:creationId xmlns:a16="http://schemas.microsoft.com/office/drawing/2014/main" id="{48CC2705-E621-509D-8986-A0F717C4E69F}"/>
+              </a:ext>
+            </a:extLst>
+          </p:cNvPr>
+          <p:cNvSpPr txBox="1"/>
+          <p:nvPr/>
+        </p:nvSpPr>
+        <p:spPr>
+          <a:xfrm>
+            <a:off x="0" y="0"/>
+            <a:ext cx="2476500" cy="2187233"/>
+          </a:xfrm>
+          <a:prstGeom prst="rect">
+            <a:avLst/>
+          </a:prstGeom>
+        </p:spPr>
+        <p:style>
+          <a:lnRef idx="2">
+            <a:schemeClr val="dk1"/>
+          </a:lnRef>
+          <a:fillRef idx="1">
+            <a:schemeClr val="lt1"/>
+          </a:fillRef>
+          <a:effectRef idx="0">
+            <a:schemeClr val="dk1"/>
+          </a:effectRef>
+          <a:fontRef idx="minor">
+            <a:schemeClr val="dk1"/>
+          </a:fontRef>
+        </p:style>
+        <p:txBody>
+          <a:bodyPr wrap="square" rtlCol="0">
+            <a:spAutoFit/>
+          </a:bodyPr>
+          <a:lstStyle/>
+          <a:p>
+            <a:endParaRPr lang="en-US" dirty="0"/>
+          </a:p>
+        </p:txBody>
+      </p:sp>
+      <p:sp>
+        <p:nvSpPr>
+          <p:cNvPr id="14" name="TextBox 13">
+            <a:extLst>
+              <a:ext uri="{FF2B5EF4-FFF2-40B4-BE49-F238E27FC236}">
+                <a16:creationId xmlns:a16="http://schemas.microsoft.com/office/drawing/2014/main" id="{5B7BED2E-3C52-6084-0729-04D51CEC7FB8}"/>
+              </a:ext>
+            </a:extLst>
+          </p:cNvPr>
+          <p:cNvSpPr txBox="1"/>
+          <p:nvPr/>
+        </p:nvSpPr>
+        <p:spPr>
+          <a:xfrm>
+            <a:off x="0" y="769585"/>
+            <a:ext cx="2476499" cy="1208825"/>
+          </a:xfrm>
+          <a:prstGeom prst="rect">
+            <a:avLst/>
+          </a:prstGeom>
+          <a:noFill/>
+          <a:ln>
+            <a:noFill/>
+          </a:ln>
+        </p:spPr>
+        <p:style>
+          <a:lnRef idx="2">
+            <a:schemeClr val="dk1"/>
+          </a:lnRef>
+          <a:fillRef idx="1">
+            <a:schemeClr val="lt1"/>
+          </a:fillRef>
+          <a:effectRef idx="0">
+            <a:schemeClr val="dk1"/>
+          </a:effectRef>
+          <a:fontRef idx="minor">
+            <a:schemeClr val="dk1"/>
+          </a:fontRef>
+        </p:style>
+        <p:txBody>
+          <a:bodyPr vert="horz" lIns="91440" tIns="45720" rIns="91440" bIns="45720" rtlCol="0">
+            <a:normAutofit lnSpcReduction="10000"/>
+          </a:bodyPr>
+          <a:lstStyle/>
+          <a:p>
+            <a:pPr>
+              <a:lnSpc>
+                <a:spcPct val="90000"/>
+              </a:lnSpc>
+              <a:spcAft>
+                <a:spcPts val="600"/>
+              </a:spcAft>
+            </a:pPr>
+            <a:r>
+              <a:rPr lang="en-US" dirty="0">
+                <a:solidFill>
+                  <a:schemeClr val="tx1"/>
+                </a:solidFill>
+              </a:rPr>
+              <a:t>Orlando : 10.8 </a:t>
+            </a:r>
+          </a:p>
+          <a:p>
+            <a:pPr>
+              <a:lnSpc>
+                <a:spcPct val="90000"/>
+              </a:lnSpc>
+              <a:spcAft>
+                <a:spcPts val="600"/>
+              </a:spcAft>
+            </a:pPr>
+            <a:r>
+              <a:rPr lang="en-US" dirty="0">
+                <a:solidFill>
+                  <a:schemeClr val="tx1"/>
+                </a:solidFill>
+              </a:rPr>
+              <a:t>Mean : 12.3400</a:t>
+            </a:r>
+          </a:p>
+          <a:p>
+            <a:pPr>
+              <a:lnSpc>
+                <a:spcPct val="90000"/>
+              </a:lnSpc>
+              <a:spcAft>
+                <a:spcPts val="600"/>
+              </a:spcAft>
+            </a:pPr>
+            <a:r>
+              <a:rPr lang="en-US" dirty="0">
+                <a:solidFill>
+                  <a:schemeClr val="tx1"/>
+                </a:solidFill>
+              </a:rPr>
+              <a:t>STD : 1.6368</a:t>
+            </a:r>
+          </a:p>
+          <a:p>
+            <a:pPr>
+              <a:lnSpc>
+                <a:spcPct val="90000"/>
+              </a:lnSpc>
+              <a:spcAft>
+                <a:spcPts val="600"/>
+              </a:spcAft>
+            </a:pPr>
+            <a:r>
+              <a:rPr lang="en-US" dirty="0">
+                <a:solidFill>
+                  <a:schemeClr val="tx1"/>
+                </a:solidFill>
+              </a:rPr>
+              <a:t>Z-Score : -0.95696</a:t>
+            </a:r>
+          </a:p>
+        </p:txBody>
+      </p:sp>
+      <p:sp>
+        <p:nvSpPr>
+          <p:cNvPr id="22" name="TextBox 21">
+            <a:extLst>
+              <a:ext uri="{FF2B5EF4-FFF2-40B4-BE49-F238E27FC236}">
+                <a16:creationId xmlns:a16="http://schemas.microsoft.com/office/drawing/2014/main" id="{172646F8-48A0-01F1-ED83-0C40FF6F1A47}"/>
+              </a:ext>
+            </a:extLst>
+          </p:cNvPr>
+          <p:cNvSpPr txBox="1"/>
+          <p:nvPr/>
+        </p:nvSpPr>
+        <p:spPr>
+          <a:xfrm>
+            <a:off x="1" y="123254"/>
+            <a:ext cx="2476500" cy="646331"/>
           </a:xfrm>
           <a:prstGeom prst="rect">
             <a:avLst/>
@@ -5737,54 +6573,7 @@
           <a:lstStyle/>
           <a:p>
             <a:r>
-              <a:rPr lang="en-US" dirty="0"/>
-              <a:t>Mean : 12.340000</a:t>
-            </a:r>
-          </a:p>
-          <a:p>
-            <a:r>
-              <a:rPr lang="en-US" dirty="0"/>
-              <a:t>STD : 1.636776</a:t>
-            </a:r>
-          </a:p>
-          <a:p>
-            <a:r>
-              <a:rPr lang="en-US" dirty="0"/>
-              <a:t>Z-Score : -0.9569587051933831</a:t>
-            </a:r>
-          </a:p>
-        </p:txBody>
-      </p:sp>
-      <p:sp>
-        <p:nvSpPr>
-          <p:cNvPr id="12" name="TextBox 11">
-            <a:extLst>
-              <a:ext uri="{FF2B5EF4-FFF2-40B4-BE49-F238E27FC236}">
-                <a16:creationId xmlns:a16="http://schemas.microsoft.com/office/drawing/2014/main" xmlns="" id="{79F29013-65AF-D5CC-83DA-9F2F9199E9A5}"/>
-              </a:ext>
-            </a:extLst>
-          </p:cNvPr>
-          <p:cNvSpPr txBox="1"/>
-          <p:nvPr/>
-        </p:nvSpPr>
-        <p:spPr>
-          <a:xfrm>
-            <a:off x="717619" y="-111281"/>
-            <a:ext cx="5600700" cy="1446550"/>
-          </a:xfrm>
-          <a:prstGeom prst="rect">
-            <a:avLst/>
-          </a:prstGeom>
-          <a:noFill/>
-        </p:spPr>
-        <p:txBody>
-          <a:bodyPr wrap="square" rtlCol="0">
-            <a:spAutoFit/>
-          </a:bodyPr>
-          <a:lstStyle/>
-          <a:p>
-            <a:r>
-              <a:rPr lang="en-US" sz="8800" dirty="0"/>
+              <a:rPr lang="en-US" sz="3600" b="1" dirty="0"/>
               <a:t>3 POINTERS</a:t>
             </a:r>
           </a:p>
@@ -5793,7 +6582,7 @@
     </p:spTree>
     <p:extLst>
       <p:ext uri="{BB962C8B-B14F-4D97-AF65-F5344CB8AC3E}">
-        <p14:creationId xmlns:p14="http://schemas.microsoft.com/office/powerpoint/2010/main" val="1953329787"/>
+        <p14:creationId xmlns:p14="http://schemas.microsoft.com/office/powerpoint/2010/main" val="2092867181"/>
       </p:ext>
     </p:extLst>
   </p:cSld>
@@ -5825,7 +6614,7 @@
           <p:cNvPr id="7" name="Picture 6" descr="Chart, box and whisker chart&#10;&#10;Description automatically generated">
             <a:extLst>
               <a:ext uri="{FF2B5EF4-FFF2-40B4-BE49-F238E27FC236}">
-                <a16:creationId xmlns:a16="http://schemas.microsoft.com/office/drawing/2014/main" xmlns="" id="{571B0C43-F5A2-CE4B-F0F0-BBEAB88388C2}"/>
+                <a16:creationId xmlns:a16="http://schemas.microsoft.com/office/drawing/2014/main" id="{571B0C43-F5A2-CE4B-F0F0-BBEAB88388C2}"/>
               </a:ext>
             </a:extLst>
           </p:cNvPr>
@@ -5833,38 +6622,6 @@
             <a:picLocks noChangeAspect="1"/>
           </p:cNvPicPr>
           <p:nvPr/>
-        </p:nvPicPr>
-        <p:blipFill>
-          <a:blip r:embed="rId2"/>
-          <a:stretch>
-            <a:fillRect/>
-          </a:stretch>
-        </p:blipFill>
-        <p:spPr>
-          <a:xfrm>
-            <a:off x="0" y="1785490"/>
-            <a:ext cx="7035800" cy="5029200"/>
-          </a:xfrm>
-          <a:prstGeom prst="rect">
-            <a:avLst/>
-          </a:prstGeom>
-        </p:spPr>
-      </p:pic>
-      <p:pic>
-        <p:nvPicPr>
-          <p:cNvPr id="5" name="Content Placeholder 4" descr="Chart, bar chart&#10;&#10;Description automatically generated">
-            <a:extLst>
-              <a:ext uri="{FF2B5EF4-FFF2-40B4-BE49-F238E27FC236}">
-                <a16:creationId xmlns:a16="http://schemas.microsoft.com/office/drawing/2014/main" xmlns="" id="{85864E5B-CDEB-BBC1-7623-E8B82E57EAE7}"/>
-              </a:ext>
-            </a:extLst>
-          </p:cNvPr>
-          <p:cNvPicPr>
-            <a:picLocks noGrp="1" noChangeAspect="1"/>
-          </p:cNvPicPr>
-          <p:nvPr>
-            <p:ph idx="1"/>
-          </p:nvPr>
         </p:nvPicPr>
         <p:blipFill>
           <a:blip r:embed="rId3"/>
@@ -5874,17 +6631,252 @@
         </p:blipFill>
         <p:spPr>
           <a:xfrm>
-            <a:off x="6390216" y="43310"/>
-            <a:ext cx="5801784" cy="4351338"/>
+            <a:off x="0" y="2187232"/>
+            <a:ext cx="7188200" cy="4627457"/>
           </a:xfrm>
+          <a:prstGeom prst="rect">
+            <a:avLst/>
+          </a:prstGeom>
         </p:spPr>
       </p:pic>
+      <p:sp>
+        <p:nvSpPr>
+          <p:cNvPr id="13" name="TextBox 12">
+            <a:extLst>
+              <a:ext uri="{FF2B5EF4-FFF2-40B4-BE49-F238E27FC236}">
+                <a16:creationId xmlns:a16="http://schemas.microsoft.com/office/drawing/2014/main" id="{1899E0F4-7C0C-AFD8-A946-5C44652224F9}"/>
+              </a:ext>
+            </a:extLst>
+          </p:cNvPr>
+          <p:cNvSpPr txBox="1"/>
+          <p:nvPr/>
+        </p:nvSpPr>
+        <p:spPr>
+          <a:xfrm>
+            <a:off x="0" y="0"/>
+            <a:ext cx="2692400" cy="2308324"/>
+          </a:xfrm>
+          <a:prstGeom prst="rect">
+            <a:avLst/>
+          </a:prstGeom>
+        </p:spPr>
+        <p:style>
+          <a:lnRef idx="2">
+            <a:schemeClr val="dk1"/>
+          </a:lnRef>
+          <a:fillRef idx="1">
+            <a:schemeClr val="lt1"/>
+          </a:fillRef>
+          <a:effectRef idx="0">
+            <a:schemeClr val="dk1"/>
+          </a:effectRef>
+          <a:fontRef idx="minor">
+            <a:schemeClr val="dk1"/>
+          </a:fontRef>
+        </p:style>
+        <p:txBody>
+          <a:bodyPr wrap="square" rtlCol="0">
+            <a:spAutoFit/>
+          </a:bodyPr>
+          <a:lstStyle/>
+          <a:p>
+            <a:endParaRPr lang="en-US" dirty="0"/>
+          </a:p>
+        </p:txBody>
+      </p:sp>
+      <p:sp>
+        <p:nvSpPr>
+          <p:cNvPr id="14" name="TextBox 13">
+            <a:extLst>
+              <a:ext uri="{FF2B5EF4-FFF2-40B4-BE49-F238E27FC236}">
+                <a16:creationId xmlns:a16="http://schemas.microsoft.com/office/drawing/2014/main" id="{26C2532B-CB63-FC73-866B-8F3AF94C97C5}"/>
+              </a:ext>
+            </a:extLst>
+          </p:cNvPr>
+          <p:cNvSpPr txBox="1"/>
+          <p:nvPr/>
+        </p:nvSpPr>
+        <p:spPr>
+          <a:xfrm>
+            <a:off x="0" y="795855"/>
+            <a:ext cx="2692400" cy="1359630"/>
+          </a:xfrm>
+          <a:prstGeom prst="rect">
+            <a:avLst/>
+          </a:prstGeom>
+          <a:noFill/>
+          <a:ln>
+            <a:noFill/>
+          </a:ln>
+        </p:spPr>
+        <p:style>
+          <a:lnRef idx="2">
+            <a:schemeClr val="dk1"/>
+          </a:lnRef>
+          <a:fillRef idx="1">
+            <a:schemeClr val="lt1"/>
+          </a:fillRef>
+          <a:effectRef idx="0">
+            <a:schemeClr val="dk1"/>
+          </a:effectRef>
+          <a:fontRef idx="minor">
+            <a:schemeClr val="dk1"/>
+          </a:fontRef>
+        </p:style>
+        <p:txBody>
+          <a:bodyPr vert="horz" lIns="91440" tIns="45720" rIns="91440" bIns="45720" rtlCol="0">
+            <a:normAutofit/>
+          </a:bodyPr>
+          <a:lstStyle/>
+          <a:p>
+            <a:r>
+              <a:rPr lang="en-US" dirty="0"/>
+              <a:t>Orlando : 40.5</a:t>
+            </a:r>
+          </a:p>
+          <a:p>
+            <a:r>
+              <a:rPr lang="en-US" dirty="0"/>
+              <a:t>Mean : 41.9767</a:t>
+            </a:r>
+          </a:p>
+          <a:p>
+            <a:r>
+              <a:rPr lang="en-US" dirty="0"/>
+              <a:t>STD : 1.2902</a:t>
+            </a:r>
+          </a:p>
+          <a:p>
+            <a:r>
+              <a:rPr lang="en-US" dirty="0"/>
+              <a:t>Z-Score : -1.16409</a:t>
+            </a:r>
+            <a:endParaRPr lang="en-US" dirty="0">
+              <a:solidFill>
+                <a:schemeClr val="tx1"/>
+              </a:solidFill>
+            </a:endParaRPr>
+          </a:p>
+        </p:txBody>
+      </p:sp>
+      <p:sp>
+        <p:nvSpPr>
+          <p:cNvPr id="15" name="TextBox 14">
+            <a:extLst>
+              <a:ext uri="{FF2B5EF4-FFF2-40B4-BE49-F238E27FC236}">
+                <a16:creationId xmlns:a16="http://schemas.microsoft.com/office/drawing/2014/main" id="{EFFC6B80-C9B5-5F6E-4DB1-8B3320E3D598}"/>
+              </a:ext>
+            </a:extLst>
+          </p:cNvPr>
+          <p:cNvSpPr txBox="1"/>
+          <p:nvPr/>
+        </p:nvSpPr>
+        <p:spPr>
+          <a:xfrm>
+            <a:off x="1" y="123254"/>
+            <a:ext cx="2692400" cy="646331"/>
+          </a:xfrm>
+          <a:prstGeom prst="rect">
+            <a:avLst/>
+          </a:prstGeom>
+          <a:noFill/>
+        </p:spPr>
+        <p:txBody>
+          <a:bodyPr wrap="square" rtlCol="0">
+            <a:spAutoFit/>
+          </a:bodyPr>
+          <a:lstStyle/>
+          <a:p>
+            <a:r>
+              <a:rPr lang="en-US" sz="3600" b="1" dirty="0"/>
+              <a:t>FIELD GOALS</a:t>
+            </a:r>
+          </a:p>
+        </p:txBody>
+      </p:sp>
+      <p:sp>
+        <p:nvSpPr>
+          <p:cNvPr id="12" name="TextBox 11">
+            <a:extLst>
+              <a:ext uri="{FF2B5EF4-FFF2-40B4-BE49-F238E27FC236}">
+                <a16:creationId xmlns:a16="http://schemas.microsoft.com/office/drawing/2014/main" id="{C24C0949-7E96-4201-102D-D7A219EE7A3A}"/>
+              </a:ext>
+            </a:extLst>
+          </p:cNvPr>
+          <p:cNvSpPr txBox="1"/>
+          <p:nvPr/>
+        </p:nvSpPr>
+        <p:spPr>
+          <a:xfrm>
+            <a:off x="2552700" y="0"/>
+            <a:ext cx="3921066" cy="2308324"/>
+          </a:xfrm>
+          <a:prstGeom prst="rect">
+            <a:avLst/>
+          </a:prstGeom>
+        </p:spPr>
+        <p:style>
+          <a:lnRef idx="2">
+            <a:schemeClr val="dk1"/>
+          </a:lnRef>
+          <a:fillRef idx="1">
+            <a:schemeClr val="lt1"/>
+          </a:fillRef>
+          <a:effectRef idx="0">
+            <a:schemeClr val="dk1"/>
+          </a:effectRef>
+          <a:fontRef idx="minor">
+            <a:schemeClr val="dk1"/>
+          </a:fontRef>
+        </p:style>
+        <p:txBody>
+          <a:bodyPr wrap="square" rtlCol="0">
+            <a:spAutoFit/>
+          </a:bodyPr>
+          <a:lstStyle/>
+          <a:p>
+            <a:pPr marL="285750" indent="-285750">
+              <a:buFont typeface="Arial" panose="020B0604020202020204" pitchFamily="34" charset="0"/>
+              <a:buChar char="•"/>
+            </a:pPr>
+            <a:r>
+              <a:rPr lang="en-US" dirty="0"/>
+              <a:t>The average Field Goals per games in more evenly distributed across the league. </a:t>
+            </a:r>
+          </a:p>
+          <a:p>
+            <a:pPr marL="285750" indent="-285750">
+              <a:buFont typeface="Arial" panose="020B0604020202020204" pitchFamily="34" charset="0"/>
+              <a:buChar char="•"/>
+            </a:pPr>
+            <a:endParaRPr lang="en-US" dirty="0"/>
+          </a:p>
+          <a:p>
+            <a:pPr marL="285750" indent="-285750">
+              <a:buFont typeface="Arial" panose="020B0604020202020204" pitchFamily="34" charset="0"/>
+              <a:buChar char="•"/>
+            </a:pPr>
+            <a:r>
+              <a:rPr lang="en-US" dirty="0"/>
+              <a:t>The Magic have a close Field Goal % to the Milwaukee Bucks, but both teams are beat by the 15</a:t>
+            </a:r>
+            <a:r>
+              <a:rPr lang="en-US" baseline="30000" dirty="0"/>
+              <a:t>th</a:t>
+            </a:r>
+            <a:r>
+              <a:rPr lang="en-US" dirty="0"/>
+              <a:t> place Minnesota Timberwolves. </a:t>
+            </a:r>
+          </a:p>
+        </p:txBody>
+      </p:sp>
       <p:pic>
         <p:nvPicPr>
           <p:cNvPr id="9" name="Picture 8" descr="Chart, waterfall chart&#10;&#10;Description automatically generated">
             <a:extLst>
               <a:ext uri="{FF2B5EF4-FFF2-40B4-BE49-F238E27FC236}">
-                <a16:creationId xmlns:a16="http://schemas.microsoft.com/office/drawing/2014/main" xmlns="" id="{8774639A-46B7-CDD1-E2D3-06C72BFB3B7C}"/>
+                <a16:creationId xmlns:a16="http://schemas.microsoft.com/office/drawing/2014/main" id="{8774639A-46B7-CDD1-E2D3-06C72BFB3B7C}"/>
               </a:ext>
             </a:extLst>
           </p:cNvPr>
@@ -5901,7 +6893,7 @@
         </p:blipFill>
         <p:spPr>
           <a:xfrm>
-            <a:off x="6705600" y="4114800"/>
+            <a:off x="6705600" y="106809"/>
             <a:ext cx="5486400" cy="2743200"/>
           </a:xfrm>
           <a:prstGeom prst="rect">
@@ -5909,92 +6901,39 @@
           </a:prstGeom>
         </p:spPr>
       </p:pic>
-      <p:sp>
-        <p:nvSpPr>
-          <p:cNvPr id="10" name="TextBox 9">
-            <a:extLst>
-              <a:ext uri="{FF2B5EF4-FFF2-40B4-BE49-F238E27FC236}">
-                <a16:creationId xmlns:a16="http://schemas.microsoft.com/office/drawing/2014/main" xmlns="" id="{A0675332-BE2F-FD9B-E9BF-B896EB942C0C}"/>
-              </a:ext>
-            </a:extLst>
-          </p:cNvPr>
-          <p:cNvSpPr txBox="1"/>
-          <p:nvPr/>
-        </p:nvSpPr>
+      <p:pic>
+        <p:nvPicPr>
+          <p:cNvPr id="5" name="Content Placeholder 4" descr="Chart, bar chart&#10;&#10;Description automatically generated">
+            <a:extLst>
+              <a:ext uri="{FF2B5EF4-FFF2-40B4-BE49-F238E27FC236}">
+                <a16:creationId xmlns:a16="http://schemas.microsoft.com/office/drawing/2014/main" id="{85864E5B-CDEB-BBC1-7623-E8B82E57EAE7}"/>
+              </a:ext>
+            </a:extLst>
+          </p:cNvPr>
+          <p:cNvPicPr>
+            <a:picLocks noGrp="1" noChangeAspect="1"/>
+          </p:cNvPicPr>
+          <p:nvPr>
+            <p:ph idx="1"/>
+          </p:nvPr>
+        </p:nvPicPr>
+        <p:blipFill>
+          <a:blip r:embed="rId5"/>
+          <a:stretch>
+            <a:fillRect/>
+          </a:stretch>
+        </p:blipFill>
         <p:spPr>
           <a:xfrm>
-            <a:off x="740569" y="1077496"/>
-            <a:ext cx="5224462" cy="923330"/>
+            <a:off x="6705600" y="2565399"/>
+            <a:ext cx="5486400" cy="4281037"/>
           </a:xfrm>
-          <a:prstGeom prst="rect">
-            <a:avLst/>
-          </a:prstGeom>
-          <a:noFill/>
         </p:spPr>
-        <p:txBody>
-          <a:bodyPr wrap="square" rtlCol="0">
-            <a:spAutoFit/>
-          </a:bodyPr>
-          <a:lstStyle/>
-          <a:p>
-            <a:r>
-              <a:rPr lang="en-US" dirty="0"/>
-              <a:t>Mean : 41.976667</a:t>
-            </a:r>
-          </a:p>
-          <a:p>
-            <a:r>
-              <a:rPr lang="en-US" dirty="0"/>
-              <a:t>STD : 1.290197</a:t>
-            </a:r>
-          </a:p>
-          <a:p>
-            <a:r>
-              <a:rPr lang="en-US" dirty="0"/>
-              <a:t>Z-Score : -1.164093743854465      </a:t>
-            </a:r>
-          </a:p>
-        </p:txBody>
-      </p:sp>
-      <p:sp>
-        <p:nvSpPr>
-          <p:cNvPr id="11" name="TextBox 10">
-            <a:extLst>
-              <a:ext uri="{FF2B5EF4-FFF2-40B4-BE49-F238E27FC236}">
-                <a16:creationId xmlns:a16="http://schemas.microsoft.com/office/drawing/2014/main" xmlns="" id="{F71C0988-C48A-4F5E-7C33-6FB2DCA7C87B}"/>
-              </a:ext>
-            </a:extLst>
-          </p:cNvPr>
-          <p:cNvSpPr txBox="1"/>
-          <p:nvPr/>
-        </p:nvSpPr>
-        <p:spPr>
-          <a:xfrm>
-            <a:off x="717619" y="-111281"/>
-            <a:ext cx="6111806" cy="1446550"/>
-          </a:xfrm>
-          <a:prstGeom prst="rect">
-            <a:avLst/>
-          </a:prstGeom>
-          <a:noFill/>
-        </p:spPr>
-        <p:txBody>
-          <a:bodyPr wrap="square" rtlCol="0">
-            <a:spAutoFit/>
-          </a:bodyPr>
-          <a:lstStyle/>
-          <a:p>
-            <a:r>
-              <a:rPr lang="en-US" sz="8800" dirty="0"/>
-              <a:t>FIELD GOALS</a:t>
-            </a:r>
-          </a:p>
-        </p:txBody>
-      </p:sp>
+      </p:pic>
     </p:spTree>
     <p:extLst>
       <p:ext uri="{BB962C8B-B14F-4D97-AF65-F5344CB8AC3E}">
-        <p14:creationId xmlns:p14="http://schemas.microsoft.com/office/powerpoint/2010/main" val="2920785466"/>
+        <p14:creationId xmlns:p14="http://schemas.microsoft.com/office/powerpoint/2010/main" val="1351282298"/>
       </p:ext>
     </p:extLst>
   </p:cSld>
@@ -6026,7 +6965,7 @@
           <p:cNvPr id="7" name="Picture 6" descr="Chart, box and whisker chart&#10;&#10;Description automatically generated">
             <a:extLst>
               <a:ext uri="{FF2B5EF4-FFF2-40B4-BE49-F238E27FC236}">
-                <a16:creationId xmlns:a16="http://schemas.microsoft.com/office/drawing/2014/main" xmlns="" id="{0CF6731B-1235-D502-0766-AE84CAD517B9}"/>
+                <a16:creationId xmlns:a16="http://schemas.microsoft.com/office/drawing/2014/main" id="{0CF6731B-1235-D502-0766-AE84CAD517B9}"/>
               </a:ext>
             </a:extLst>
           </p:cNvPr>
@@ -6036,7 +6975,7 @@
           <p:nvPr/>
         </p:nvPicPr>
         <p:blipFill>
-          <a:blip r:embed="rId2"/>
+          <a:blip r:embed="rId3"/>
           <a:stretch>
             <a:fillRect/>
           </a:stretch>
@@ -6051,12 +6990,296 @@
           </a:prstGeom>
         </p:spPr>
       </p:pic>
+      <p:sp>
+        <p:nvSpPr>
+          <p:cNvPr id="16" name="TextBox 15">
+            <a:extLst>
+              <a:ext uri="{FF2B5EF4-FFF2-40B4-BE49-F238E27FC236}">
+                <a16:creationId xmlns:a16="http://schemas.microsoft.com/office/drawing/2014/main" id="{E9DC06BE-101F-F93B-897F-4C12AE4E16B6}"/>
+              </a:ext>
+            </a:extLst>
+          </p:cNvPr>
+          <p:cNvSpPr txBox="1"/>
+          <p:nvPr/>
+        </p:nvSpPr>
+        <p:spPr>
+          <a:xfrm>
+            <a:off x="2540000" y="0"/>
+            <a:ext cx="9652000" cy="2187232"/>
+          </a:xfrm>
+          <a:prstGeom prst="rect">
+            <a:avLst/>
+          </a:prstGeom>
+          <a:noFill/>
+          <a:ln>
+            <a:solidFill>
+              <a:schemeClr val="tx1"/>
+            </a:solidFill>
+          </a:ln>
+        </p:spPr>
+        <p:txBody>
+          <a:bodyPr wrap="square" rtlCol="0">
+            <a:spAutoFit/>
+          </a:bodyPr>
+          <a:lstStyle/>
+          <a:p>
+            <a:endParaRPr lang="en-US" dirty="0"/>
+          </a:p>
+        </p:txBody>
+      </p:sp>
+      <p:sp>
+        <p:nvSpPr>
+          <p:cNvPr id="12" name="TextBox 11">
+            <a:extLst>
+              <a:ext uri="{FF2B5EF4-FFF2-40B4-BE49-F238E27FC236}">
+                <a16:creationId xmlns:a16="http://schemas.microsoft.com/office/drawing/2014/main" id="{BF9EF508-25C6-AC8C-6C0F-9C2464570415}"/>
+              </a:ext>
+            </a:extLst>
+          </p:cNvPr>
+          <p:cNvSpPr txBox="1"/>
+          <p:nvPr/>
+        </p:nvSpPr>
+        <p:spPr>
+          <a:xfrm>
+            <a:off x="2540000" y="0"/>
+            <a:ext cx="9652000" cy="1754326"/>
+          </a:xfrm>
+          <a:prstGeom prst="rect">
+            <a:avLst/>
+          </a:prstGeom>
+          <a:ln>
+            <a:noFill/>
+          </a:ln>
+        </p:spPr>
+        <p:style>
+          <a:lnRef idx="2">
+            <a:schemeClr val="dk1"/>
+          </a:lnRef>
+          <a:fillRef idx="1">
+            <a:schemeClr val="lt1"/>
+          </a:fillRef>
+          <a:effectRef idx="0">
+            <a:schemeClr val="dk1"/>
+          </a:effectRef>
+          <a:fontRef idx="minor">
+            <a:schemeClr val="dk1"/>
+          </a:fontRef>
+        </p:style>
+        <p:txBody>
+          <a:bodyPr wrap="square" rtlCol="0">
+            <a:spAutoFit/>
+          </a:bodyPr>
+          <a:lstStyle/>
+          <a:p>
+            <a:pPr marL="285750" indent="-285750">
+              <a:buFont typeface="Arial" panose="020B0604020202020204" pitchFamily="34" charset="0"/>
+              <a:buChar char="•"/>
+            </a:pPr>
+            <a:endParaRPr lang="en-US" dirty="0"/>
+          </a:p>
+          <a:p>
+            <a:pPr marL="285750" indent="-285750">
+              <a:buFont typeface="Arial" panose="020B0604020202020204" pitchFamily="34" charset="0"/>
+              <a:buChar char="•"/>
+            </a:pPr>
+            <a:r>
+              <a:rPr lang="en-US" dirty="0"/>
+              <a:t>The Orlando Magic is comfortably in the middle of the pack when it comes to rebounds.</a:t>
+            </a:r>
+          </a:p>
+          <a:p>
+            <a:pPr marL="285750" indent="-285750">
+              <a:buFont typeface="Arial" panose="020B0604020202020204" pitchFamily="34" charset="0"/>
+              <a:buChar char="•"/>
+            </a:pPr>
+            <a:endParaRPr lang="en-US" dirty="0"/>
+          </a:p>
+          <a:p>
+            <a:pPr marL="285750" indent="-285750">
+              <a:buFont typeface="Arial" panose="020B0604020202020204" pitchFamily="34" charset="0"/>
+              <a:buChar char="•"/>
+            </a:pPr>
+            <a:r>
+              <a:rPr lang="en-US" dirty="0"/>
+              <a:t>There is a higher variance with this KPI with a Standard Deviation of 2.2.</a:t>
+            </a:r>
+          </a:p>
+          <a:p>
+            <a:pPr marL="285750" indent="-285750">
+              <a:buFont typeface="Arial" panose="020B0604020202020204" pitchFamily="34" charset="0"/>
+              <a:buChar char="•"/>
+            </a:pPr>
+            <a:endParaRPr lang="en-US" dirty="0"/>
+          </a:p>
+          <a:p>
+            <a:pPr marL="285750" indent="-285750">
+              <a:buFont typeface="Arial" panose="020B0604020202020204" pitchFamily="34" charset="0"/>
+              <a:buChar char="•"/>
+            </a:pPr>
+            <a:r>
+              <a:rPr lang="en-US" dirty="0"/>
+              <a:t>The Milwaukee Bucks are the high outlier of the league with an average 48.6 rebounds per game.</a:t>
+            </a:r>
+          </a:p>
+        </p:txBody>
+      </p:sp>
+      <p:sp>
+        <p:nvSpPr>
+          <p:cNvPr id="13" name="TextBox 12">
+            <a:extLst>
+              <a:ext uri="{FF2B5EF4-FFF2-40B4-BE49-F238E27FC236}">
+                <a16:creationId xmlns:a16="http://schemas.microsoft.com/office/drawing/2014/main" id="{E5689CCD-E170-413E-57F6-8D72C3892BF1}"/>
+              </a:ext>
+            </a:extLst>
+          </p:cNvPr>
+          <p:cNvSpPr txBox="1"/>
+          <p:nvPr/>
+        </p:nvSpPr>
+        <p:spPr>
+          <a:xfrm>
+            <a:off x="0" y="0"/>
+            <a:ext cx="2540000" cy="2187233"/>
+          </a:xfrm>
+          <a:prstGeom prst="rect">
+            <a:avLst/>
+          </a:prstGeom>
+        </p:spPr>
+        <p:style>
+          <a:lnRef idx="2">
+            <a:schemeClr val="dk1"/>
+          </a:lnRef>
+          <a:fillRef idx="1">
+            <a:schemeClr val="lt1"/>
+          </a:fillRef>
+          <a:effectRef idx="0">
+            <a:schemeClr val="dk1"/>
+          </a:effectRef>
+          <a:fontRef idx="minor">
+            <a:schemeClr val="dk1"/>
+          </a:fontRef>
+        </p:style>
+        <p:txBody>
+          <a:bodyPr wrap="square" rtlCol="0">
+            <a:spAutoFit/>
+          </a:bodyPr>
+          <a:lstStyle/>
+          <a:p>
+            <a:endParaRPr lang="en-US" dirty="0"/>
+          </a:p>
+        </p:txBody>
+      </p:sp>
+      <p:sp>
+        <p:nvSpPr>
+          <p:cNvPr id="14" name="TextBox 13">
+            <a:extLst>
+              <a:ext uri="{FF2B5EF4-FFF2-40B4-BE49-F238E27FC236}">
+                <a16:creationId xmlns:a16="http://schemas.microsoft.com/office/drawing/2014/main" id="{811BD2D6-5D13-1806-AA02-FBF1B5474F35}"/>
+              </a:ext>
+            </a:extLst>
+          </p:cNvPr>
+          <p:cNvSpPr txBox="1"/>
+          <p:nvPr/>
+        </p:nvSpPr>
+        <p:spPr>
+          <a:xfrm>
+            <a:off x="1" y="978407"/>
+            <a:ext cx="2540000" cy="1208825"/>
+          </a:xfrm>
+          <a:prstGeom prst="rect">
+            <a:avLst/>
+          </a:prstGeom>
+          <a:noFill/>
+          <a:ln>
+            <a:noFill/>
+          </a:ln>
+        </p:spPr>
+        <p:style>
+          <a:lnRef idx="2">
+            <a:schemeClr val="dk1"/>
+          </a:lnRef>
+          <a:fillRef idx="1">
+            <a:schemeClr val="lt1"/>
+          </a:fillRef>
+          <a:effectRef idx="0">
+            <a:schemeClr val="dk1"/>
+          </a:effectRef>
+          <a:fontRef idx="minor">
+            <a:schemeClr val="dk1"/>
+          </a:fontRef>
+        </p:style>
+        <p:txBody>
+          <a:bodyPr vert="horz" lIns="91440" tIns="45720" rIns="91440" bIns="45720" rtlCol="0">
+            <a:normAutofit/>
+          </a:bodyPr>
+          <a:lstStyle/>
+          <a:p>
+            <a:r>
+              <a:rPr lang="en-US" sz="1800" dirty="0"/>
+              <a:t>Orlando : 43.2</a:t>
+            </a:r>
+          </a:p>
+          <a:p>
+            <a:r>
+              <a:rPr lang="en-US" sz="1800" dirty="0"/>
+              <a:t>Mean : 43.4300</a:t>
+            </a:r>
+          </a:p>
+          <a:p>
+            <a:r>
+              <a:rPr lang="en-US" sz="1800" dirty="0"/>
+              <a:t>STD : 2.2135</a:t>
+            </a:r>
+          </a:p>
+          <a:p>
+            <a:r>
+              <a:rPr lang="en-US" sz="1800" dirty="0"/>
+              <a:t>Z-Score : -0.10569</a:t>
+            </a:r>
+          </a:p>
+        </p:txBody>
+      </p:sp>
+      <p:sp>
+        <p:nvSpPr>
+          <p:cNvPr id="15" name="TextBox 14">
+            <a:extLst>
+              <a:ext uri="{FF2B5EF4-FFF2-40B4-BE49-F238E27FC236}">
+                <a16:creationId xmlns:a16="http://schemas.microsoft.com/office/drawing/2014/main" id="{E7B2BD0B-6667-9677-9712-BD83C533314C}"/>
+              </a:ext>
+            </a:extLst>
+          </p:cNvPr>
+          <p:cNvSpPr txBox="1"/>
+          <p:nvPr/>
+        </p:nvSpPr>
+        <p:spPr>
+          <a:xfrm>
+            <a:off x="1" y="123254"/>
+            <a:ext cx="2641600" cy="707886"/>
+          </a:xfrm>
+          <a:prstGeom prst="rect">
+            <a:avLst/>
+          </a:prstGeom>
+          <a:noFill/>
+        </p:spPr>
+        <p:txBody>
+          <a:bodyPr wrap="square" rtlCol="0">
+            <a:spAutoFit/>
+          </a:bodyPr>
+          <a:lstStyle/>
+          <a:p>
+            <a:r>
+              <a:rPr lang="en-US" sz="4000" b="1" dirty="0"/>
+              <a:t>REBOUNDS</a:t>
+            </a:r>
+            <a:endParaRPr lang="en-US" sz="3600" b="1" dirty="0"/>
+          </a:p>
+        </p:txBody>
+      </p:sp>
       <p:pic>
         <p:nvPicPr>
           <p:cNvPr id="5" name="Content Placeholder 4" descr="Chart, bar chart&#10;&#10;Description automatically generated">
             <a:extLst>
               <a:ext uri="{FF2B5EF4-FFF2-40B4-BE49-F238E27FC236}">
-                <a16:creationId xmlns:a16="http://schemas.microsoft.com/office/drawing/2014/main" xmlns="" id="{22713D47-33E4-344B-8941-72BB2FB30B62}"/>
+                <a16:creationId xmlns:a16="http://schemas.microsoft.com/office/drawing/2014/main" id="{22713D47-33E4-344B-8941-72BB2FB30B62}"/>
               </a:ext>
             </a:extLst>
           </p:cNvPr>
@@ -6066,33 +7289,6 @@
           <p:nvPr>
             <p:ph idx="1"/>
           </p:nvPr>
-        </p:nvPicPr>
-        <p:blipFill>
-          <a:blip r:embed="rId3"/>
-          <a:stretch>
-            <a:fillRect/>
-          </a:stretch>
-        </p:blipFill>
-        <p:spPr>
-          <a:xfrm>
-            <a:off x="6350000" y="30162"/>
-            <a:ext cx="5842000" cy="4381500"/>
-          </a:xfrm>
-        </p:spPr>
-      </p:pic>
-      <p:pic>
-        <p:nvPicPr>
-          <p:cNvPr id="9" name="Picture 8" descr="Chart, waterfall chart&#10;&#10;Description automatically generated">
-            <a:extLst>
-              <a:ext uri="{FF2B5EF4-FFF2-40B4-BE49-F238E27FC236}">
-                <a16:creationId xmlns:a16="http://schemas.microsoft.com/office/drawing/2014/main" xmlns="" id="{5969452F-D778-EC06-3C32-3EB541A161AD}"/>
-              </a:ext>
-            </a:extLst>
-          </p:cNvPr>
-          <p:cNvPicPr>
-            <a:picLocks noChangeAspect="1"/>
-          </p:cNvPicPr>
-          <p:nvPr/>
         </p:nvPicPr>
         <p:blipFill>
           <a:blip r:embed="rId4"/>
@@ -6102,100 +7298,15 @@
         </p:blipFill>
         <p:spPr>
           <a:xfrm>
-            <a:off x="6705600" y="4114800"/>
-            <a:ext cx="5486400" cy="2743200"/>
+            <a:off x="6350000" y="2476500"/>
+            <a:ext cx="5842000" cy="4381500"/>
           </a:xfrm>
-          <a:prstGeom prst="rect">
-            <a:avLst/>
-          </a:prstGeom>
         </p:spPr>
       </p:pic>
-      <p:sp>
-        <p:nvSpPr>
-          <p:cNvPr id="10" name="TextBox 9">
-            <a:extLst>
-              <a:ext uri="{FF2B5EF4-FFF2-40B4-BE49-F238E27FC236}">
-                <a16:creationId xmlns:a16="http://schemas.microsoft.com/office/drawing/2014/main" xmlns="" id="{2C5D9DC3-0DE1-02A8-69FB-5830C925B3DC}"/>
-              </a:ext>
-            </a:extLst>
-          </p:cNvPr>
-          <p:cNvSpPr txBox="1"/>
-          <p:nvPr/>
-        </p:nvSpPr>
-        <p:spPr>
-          <a:xfrm>
-            <a:off x="738187" y="1081594"/>
-            <a:ext cx="5713146" cy="1015663"/>
-          </a:xfrm>
-          <a:prstGeom prst="rect">
-            <a:avLst/>
-          </a:prstGeom>
-          <a:noFill/>
-        </p:spPr>
-        <p:txBody>
-          <a:bodyPr wrap="square" rtlCol="0">
-            <a:spAutoFit/>
-          </a:bodyPr>
-          <a:lstStyle/>
-          <a:p>
-            <a:r>
-              <a:rPr lang="en-US" sz="2000" dirty="0"/>
-              <a:t>Mean : 43.430000</a:t>
-            </a:r>
-          </a:p>
-          <a:p>
-            <a:r>
-              <a:rPr lang="en-US" sz="2000" dirty="0"/>
-              <a:t>STD : 2.213462</a:t>
-            </a:r>
-          </a:p>
-          <a:p>
-            <a:r>
-              <a:rPr lang="en-US" sz="2000" dirty="0"/>
-              <a:t>Z-Score : -0.10568598615921526</a:t>
-            </a:r>
-          </a:p>
-        </p:txBody>
-      </p:sp>
-      <p:sp>
-        <p:nvSpPr>
-          <p:cNvPr id="11" name="TextBox 10">
-            <a:extLst>
-              <a:ext uri="{FF2B5EF4-FFF2-40B4-BE49-F238E27FC236}">
-                <a16:creationId xmlns:a16="http://schemas.microsoft.com/office/drawing/2014/main" xmlns="" id="{91DCE221-08F8-C49F-58D1-08CDD7971689}"/>
-              </a:ext>
-            </a:extLst>
-          </p:cNvPr>
-          <p:cNvSpPr txBox="1"/>
-          <p:nvPr/>
-        </p:nvSpPr>
-        <p:spPr>
-          <a:xfrm>
-            <a:off x="717619" y="-111281"/>
-            <a:ext cx="5600700" cy="1446550"/>
-          </a:xfrm>
-          <a:prstGeom prst="rect">
-            <a:avLst/>
-          </a:prstGeom>
-          <a:noFill/>
-        </p:spPr>
-        <p:txBody>
-          <a:bodyPr wrap="square" rtlCol="0">
-            <a:spAutoFit/>
-          </a:bodyPr>
-          <a:lstStyle/>
-          <a:p>
-            <a:r>
-              <a:rPr lang="en-US" sz="8800" dirty="0"/>
-              <a:t>REBOUNDS</a:t>
-            </a:r>
-          </a:p>
-        </p:txBody>
-      </p:sp>
     </p:spTree>
     <p:extLst>
       <p:ext uri="{BB962C8B-B14F-4D97-AF65-F5344CB8AC3E}">
-        <p14:creationId xmlns:p14="http://schemas.microsoft.com/office/powerpoint/2010/main" val="3223950611"/>
+        <p14:creationId xmlns:p14="http://schemas.microsoft.com/office/powerpoint/2010/main" val="3438332265"/>
       </p:ext>
     </p:extLst>
   </p:cSld>
@@ -6227,37 +7338,7 @@
           <p:cNvPr id="7" name="Picture 6" descr="Chart, box and whisker chart&#10;&#10;Description automatically generated">
             <a:extLst>
               <a:ext uri="{FF2B5EF4-FFF2-40B4-BE49-F238E27FC236}">
-                <a16:creationId xmlns:a16="http://schemas.microsoft.com/office/drawing/2014/main" xmlns="" id="{62F9A557-682B-BB6E-9FFC-DAB4D9D0B879}"/>
-              </a:ext>
-            </a:extLst>
-          </p:cNvPr>
-          <p:cNvPicPr>
-            <a:picLocks noChangeAspect="1"/>
-          </p:cNvPicPr>
-          <p:nvPr/>
-        </p:nvPicPr>
-        <p:blipFill>
-          <a:blip r:embed="rId2"/>
-          <a:stretch>
-            <a:fillRect/>
-          </a:stretch>
-        </p:blipFill>
-        <p:spPr>
-          <a:xfrm>
-            <a:off x="0" y="1714500"/>
-            <a:ext cx="7340600" cy="5143500"/>
-          </a:xfrm>
-          <a:prstGeom prst="rect">
-            <a:avLst/>
-          </a:prstGeom>
-        </p:spPr>
-      </p:pic>
-      <p:pic>
-        <p:nvPicPr>
-          <p:cNvPr id="9" name="Picture 8" descr="Chart, waterfall chart&#10;&#10;Description automatically generated">
-            <a:extLst>
-              <a:ext uri="{FF2B5EF4-FFF2-40B4-BE49-F238E27FC236}">
-                <a16:creationId xmlns:a16="http://schemas.microsoft.com/office/drawing/2014/main" xmlns="" id="{519265D6-F3D1-05BD-0974-9F4A84EA4F19}"/>
+                <a16:creationId xmlns:a16="http://schemas.microsoft.com/office/drawing/2014/main" id="{62F9A557-682B-BB6E-9FFC-DAB4D9D0B879}"/>
               </a:ext>
             </a:extLst>
           </p:cNvPr>
@@ -6274,20 +7355,239 @@
         </p:blipFill>
         <p:spPr>
           <a:xfrm>
-            <a:off x="6705595" y="4114798"/>
-            <a:ext cx="5486404" cy="2743202"/>
+            <a:off x="6362700" y="0"/>
+            <a:ext cx="5829299" cy="6857999"/>
           </a:xfrm>
           <a:prstGeom prst="rect">
             <a:avLst/>
           </a:prstGeom>
         </p:spPr>
       </p:pic>
+      <p:sp>
+        <p:nvSpPr>
+          <p:cNvPr id="16" name="TextBox 15">
+            <a:extLst>
+              <a:ext uri="{FF2B5EF4-FFF2-40B4-BE49-F238E27FC236}">
+                <a16:creationId xmlns:a16="http://schemas.microsoft.com/office/drawing/2014/main" id="{A61CAA6D-C5D5-324F-AA15-CEE47EBB5CF5}"/>
+              </a:ext>
+            </a:extLst>
+          </p:cNvPr>
+          <p:cNvSpPr txBox="1"/>
+          <p:nvPr/>
+        </p:nvSpPr>
+        <p:spPr>
+          <a:xfrm>
+            <a:off x="2540000" y="0"/>
+            <a:ext cx="3933766" cy="2031325"/>
+          </a:xfrm>
+          <a:prstGeom prst="rect">
+            <a:avLst/>
+          </a:prstGeom>
+          <a:ln>
+            <a:noFill/>
+          </a:ln>
+        </p:spPr>
+        <p:style>
+          <a:lnRef idx="2">
+            <a:schemeClr val="dk1"/>
+          </a:lnRef>
+          <a:fillRef idx="1">
+            <a:schemeClr val="lt1"/>
+          </a:fillRef>
+          <a:effectRef idx="0">
+            <a:schemeClr val="dk1"/>
+          </a:effectRef>
+          <a:fontRef idx="minor">
+            <a:schemeClr val="dk1"/>
+          </a:fontRef>
+        </p:style>
+        <p:txBody>
+          <a:bodyPr wrap="square" rtlCol="0">
+            <a:spAutoFit/>
+          </a:bodyPr>
+          <a:lstStyle/>
+          <a:p>
+            <a:pPr marL="285750" indent="-285750">
+              <a:buFont typeface="Arial" panose="020B0604020202020204" pitchFamily="34" charset="0"/>
+              <a:buChar char="•"/>
+            </a:pPr>
+            <a:endParaRPr lang="en-US" dirty="0"/>
+          </a:p>
+          <a:p>
+            <a:pPr marL="285750" indent="-285750">
+              <a:buFont typeface="Arial" panose="020B0604020202020204" pitchFamily="34" charset="0"/>
+              <a:buChar char="•"/>
+            </a:pPr>
+            <a:r>
+              <a:rPr lang="en-US" dirty="0"/>
+              <a:t>The Magic are above average when it comes to turnovers. </a:t>
+            </a:r>
+          </a:p>
+          <a:p>
+            <a:pPr marL="285750" indent="-285750">
+              <a:buFont typeface="Arial" panose="020B0604020202020204" pitchFamily="34" charset="0"/>
+              <a:buChar char="•"/>
+            </a:pPr>
+            <a:endParaRPr lang="en-US" dirty="0"/>
+          </a:p>
+          <a:p>
+            <a:pPr marL="285750" indent="-285750">
+              <a:buFont typeface="Arial" panose="020B0604020202020204" pitchFamily="34" charset="0"/>
+              <a:buChar char="•"/>
+            </a:pPr>
+            <a:r>
+              <a:rPr lang="en-US" dirty="0"/>
+              <a:t>The Bucks, Timberwolves, and Pistons have very similar Turnover rates.</a:t>
+            </a:r>
+          </a:p>
+        </p:txBody>
+      </p:sp>
+      <p:sp>
+        <p:nvSpPr>
+          <p:cNvPr id="13" name="TextBox 12">
+            <a:extLst>
+              <a:ext uri="{FF2B5EF4-FFF2-40B4-BE49-F238E27FC236}">
+                <a16:creationId xmlns:a16="http://schemas.microsoft.com/office/drawing/2014/main" id="{E5C009C6-7EDE-BAAA-B6AC-03FDA5C4FB9D}"/>
+              </a:ext>
+            </a:extLst>
+          </p:cNvPr>
+          <p:cNvSpPr txBox="1"/>
+          <p:nvPr/>
+        </p:nvSpPr>
+        <p:spPr>
+          <a:xfrm>
+            <a:off x="0" y="0"/>
+            <a:ext cx="2540000" cy="2187233"/>
+          </a:xfrm>
+          <a:prstGeom prst="rect">
+            <a:avLst/>
+          </a:prstGeom>
+        </p:spPr>
+        <p:style>
+          <a:lnRef idx="2">
+            <a:schemeClr val="dk1"/>
+          </a:lnRef>
+          <a:fillRef idx="1">
+            <a:schemeClr val="lt1"/>
+          </a:fillRef>
+          <a:effectRef idx="0">
+            <a:schemeClr val="dk1"/>
+          </a:effectRef>
+          <a:fontRef idx="minor">
+            <a:schemeClr val="dk1"/>
+          </a:fontRef>
+        </p:style>
+        <p:txBody>
+          <a:bodyPr wrap="square" rtlCol="0">
+            <a:spAutoFit/>
+          </a:bodyPr>
+          <a:lstStyle/>
+          <a:p>
+            <a:endParaRPr lang="en-US" dirty="0"/>
+          </a:p>
+        </p:txBody>
+      </p:sp>
+      <p:sp>
+        <p:nvSpPr>
+          <p:cNvPr id="11" name="TextBox 10">
+            <a:extLst>
+              <a:ext uri="{FF2B5EF4-FFF2-40B4-BE49-F238E27FC236}">
+                <a16:creationId xmlns:a16="http://schemas.microsoft.com/office/drawing/2014/main" id="{F061ACA2-FCFF-2FBB-FE82-6E7A9AB3FABF}"/>
+              </a:ext>
+            </a:extLst>
+          </p:cNvPr>
+          <p:cNvSpPr txBox="1"/>
+          <p:nvPr/>
+        </p:nvSpPr>
+        <p:spPr>
+          <a:xfrm>
+            <a:off x="0" y="154031"/>
+            <a:ext cx="2540000" cy="646331"/>
+          </a:xfrm>
+          <a:prstGeom prst="rect">
+            <a:avLst/>
+          </a:prstGeom>
+          <a:noFill/>
+        </p:spPr>
+        <p:txBody>
+          <a:bodyPr wrap="square" rtlCol="0">
+            <a:spAutoFit/>
+          </a:bodyPr>
+          <a:lstStyle/>
+          <a:p>
+            <a:r>
+              <a:rPr lang="en-US" sz="3600" b="1" dirty="0"/>
+              <a:t>TURNOVERS</a:t>
+            </a:r>
+            <a:endParaRPr lang="en-US" sz="6600" b="1" dirty="0"/>
+          </a:p>
+        </p:txBody>
+      </p:sp>
+      <p:sp>
+        <p:nvSpPr>
+          <p:cNvPr id="10" name="TextBox 9">
+            <a:extLst>
+              <a:ext uri="{FF2B5EF4-FFF2-40B4-BE49-F238E27FC236}">
+                <a16:creationId xmlns:a16="http://schemas.microsoft.com/office/drawing/2014/main" id="{E7087A4F-34AE-DCFE-1CD7-40695B9B990F}"/>
+              </a:ext>
+            </a:extLst>
+          </p:cNvPr>
+          <p:cNvSpPr txBox="1"/>
+          <p:nvPr/>
+        </p:nvSpPr>
+        <p:spPr>
+          <a:xfrm>
+            <a:off x="0" y="894160"/>
+            <a:ext cx="2540000" cy="1754326"/>
+          </a:xfrm>
+          <a:prstGeom prst="rect">
+            <a:avLst/>
+          </a:prstGeom>
+          <a:noFill/>
+        </p:spPr>
+        <p:txBody>
+          <a:bodyPr wrap="square" rtlCol="0">
+            <a:spAutoFit/>
+          </a:bodyPr>
+          <a:lstStyle/>
+          <a:p>
+            <a:r>
+              <a:rPr lang="en-US" dirty="0"/>
+              <a:t>Orlando : 15.1</a:t>
+            </a:r>
+          </a:p>
+          <a:p>
+            <a:r>
+              <a:rPr lang="en-US" dirty="0"/>
+              <a:t>Mean : 14.0933</a:t>
+            </a:r>
+          </a:p>
+          <a:p>
+            <a:r>
+              <a:rPr lang="en-US" dirty="0"/>
+              <a:t>STD : 1.0796</a:t>
+            </a:r>
+          </a:p>
+          <a:p>
+            <a:r>
+              <a:rPr lang="en-US" dirty="0"/>
+              <a:t>Z-Score : 0.94841</a:t>
+            </a:r>
+          </a:p>
+          <a:p>
+            <a:endParaRPr lang="en-US" dirty="0"/>
+          </a:p>
+          <a:p>
+            <a:endParaRPr lang="en-US" dirty="0"/>
+          </a:p>
+        </p:txBody>
+      </p:sp>
       <p:pic>
         <p:nvPicPr>
-          <p:cNvPr id="5" name="Picture 4">
-            <a:extLst>
-              <a:ext uri="{FF2B5EF4-FFF2-40B4-BE49-F238E27FC236}">
-                <a16:creationId xmlns:a16="http://schemas.microsoft.com/office/drawing/2014/main" xmlns="" id="{FD739AB8-BC60-67C6-6022-00B55B28DBB6}"/>
+          <p:cNvPr id="18" name="Picture 17">
+            <a:extLst>
+              <a:ext uri="{FF2B5EF4-FFF2-40B4-BE49-F238E27FC236}">
+                <a16:creationId xmlns:a16="http://schemas.microsoft.com/office/drawing/2014/main" id="{10B492B2-3BA6-2B91-D49E-918159086F02}"/>
               </a:ext>
             </a:extLst>
           </p:cNvPr>
@@ -6303,8 +7603,8 @@
         </p:blipFill>
         <p:spPr>
           <a:xfrm>
-            <a:off x="6705595" y="-3"/>
-            <a:ext cx="5486401" cy="4114800"/>
+            <a:off x="0" y="2341263"/>
+            <a:ext cx="6654800" cy="4516735"/>
           </a:xfrm>
           <a:prstGeom prst="rect">
             <a:avLst/>
@@ -6313,10 +7613,10 @@
       </p:pic>
       <p:sp>
         <p:nvSpPr>
-          <p:cNvPr id="10" name="TextBox 9">
-            <a:extLst>
-              <a:ext uri="{FF2B5EF4-FFF2-40B4-BE49-F238E27FC236}">
-                <a16:creationId xmlns:a16="http://schemas.microsoft.com/office/drawing/2014/main" xmlns="" id="{E7087A4F-34AE-DCFE-1CD7-40695B9B990F}"/>
+          <p:cNvPr id="19" name="TextBox 18">
+            <a:extLst>
+              <a:ext uri="{FF2B5EF4-FFF2-40B4-BE49-F238E27FC236}">
+                <a16:creationId xmlns:a16="http://schemas.microsoft.com/office/drawing/2014/main" id="{EAD0A887-299A-4DCF-A07D-C8266612ECF6}"/>
               </a:ext>
             </a:extLst>
           </p:cNvPr>
@@ -6325,13 +7625,18 @@
         </p:nvSpPr>
         <p:spPr>
           <a:xfrm>
-            <a:off x="717616" y="1072545"/>
-            <a:ext cx="5355433" cy="1569660"/>
+            <a:off x="2540000" y="0"/>
+            <a:ext cx="3933766" cy="2187233"/>
           </a:xfrm>
           <a:prstGeom prst="rect">
             <a:avLst/>
           </a:prstGeom>
           <a:noFill/>
+          <a:ln>
+            <a:solidFill>
+              <a:schemeClr val="tx1"/>
+            </a:solidFill>
+          </a:ln>
         </p:spPr>
         <p:txBody>
           <a:bodyPr wrap="square" rtlCol="0">
@@ -6339,70 +7644,14 @@
           </a:bodyPr>
           <a:lstStyle/>
           <a:p>
-            <a:r>
-              <a:rPr lang="en-US" sz="2000" dirty="0"/>
-              <a:t>Mean : 14.093333</a:t>
-            </a:r>
-          </a:p>
-          <a:p>
-            <a:r>
-              <a:rPr lang="en-US" sz="2000" dirty="0"/>
-              <a:t>STD : 1.079570</a:t>
-            </a:r>
-          </a:p>
-          <a:p>
-            <a:r>
-              <a:rPr lang="en-US" sz="2000" dirty="0"/>
-              <a:t>Z-Score : 0.9484108889758592</a:t>
-            </a:r>
-          </a:p>
-          <a:p>
             <a:endParaRPr lang="en-US" dirty="0"/>
-          </a:p>
-          <a:p>
-            <a:endParaRPr lang="en-US" dirty="0"/>
-          </a:p>
-        </p:txBody>
-      </p:sp>
-      <p:sp>
-        <p:nvSpPr>
-          <p:cNvPr id="11" name="TextBox 10">
-            <a:extLst>
-              <a:ext uri="{FF2B5EF4-FFF2-40B4-BE49-F238E27FC236}">
-                <a16:creationId xmlns:a16="http://schemas.microsoft.com/office/drawing/2014/main" xmlns="" id="{F061ACA2-FCFF-2FBB-FE82-6E7A9AB3FABF}"/>
-              </a:ext>
-            </a:extLst>
-          </p:cNvPr>
-          <p:cNvSpPr txBox="1"/>
-          <p:nvPr/>
-        </p:nvSpPr>
-        <p:spPr>
-          <a:xfrm>
-            <a:off x="717619" y="-111281"/>
-            <a:ext cx="5826056" cy="1446550"/>
-          </a:xfrm>
-          <a:prstGeom prst="rect">
-            <a:avLst/>
-          </a:prstGeom>
-          <a:noFill/>
-        </p:spPr>
-        <p:txBody>
-          <a:bodyPr wrap="square" rtlCol="0">
-            <a:spAutoFit/>
-          </a:bodyPr>
-          <a:lstStyle/>
-          <a:p>
-            <a:r>
-              <a:rPr lang="en-US" sz="8800" dirty="0"/>
-              <a:t>TURNOVERS</a:t>
-            </a:r>
           </a:p>
         </p:txBody>
       </p:sp>
     </p:spTree>
     <p:extLst>
       <p:ext uri="{BB962C8B-B14F-4D97-AF65-F5344CB8AC3E}">
-        <p14:creationId xmlns:p14="http://schemas.microsoft.com/office/powerpoint/2010/main" val="2441234006"/>
+        <p14:creationId xmlns:p14="http://schemas.microsoft.com/office/powerpoint/2010/main" val="1960610940"/>
       </p:ext>
     </p:extLst>
   </p:cSld>
@@ -6434,7 +7683,7 @@
           <p:cNvPr id="2" name="Title 1">
             <a:extLst>
               <a:ext uri="{FF2B5EF4-FFF2-40B4-BE49-F238E27FC236}">
-                <a16:creationId xmlns:a16="http://schemas.microsoft.com/office/drawing/2014/main" xmlns="" id="{4037983E-A1E4-8924-A985-57397BD6762A}"/>
+                <a16:creationId xmlns:a16="http://schemas.microsoft.com/office/drawing/2014/main" id="{4037983E-A1E4-8924-A985-57397BD6762A}"/>
               </a:ext>
             </a:extLst>
           </p:cNvPr>
@@ -6454,7 +7703,7 @@
           <a:p>
             <a:pPr algn="ctr"/>
             <a:r>
-              <a:rPr lang="en-US" sz="4000" b="1" dirty="0" smtClean="0"/>
+              <a:rPr lang="en-US" sz="4000" b="1" dirty="0"/>
               <a:t>Question 4 - </a:t>
             </a:r>
             <a:r>
@@ -6465,20 +7714,12 @@
               </a:rPr>
               <a:t>KPIs most closely relate to wins </a:t>
             </a:r>
-            <a:r>
-              <a:rPr lang="en-US" b="1" dirty="0" smtClean="0"/>
-              <a:t/>
-            </a:r>
             <a:br>
-              <a:rPr lang="en-US" b="1" dirty="0" smtClean="0"/>
+              <a:rPr lang="en-US" b="1" dirty="0"/>
             </a:br>
             <a:r>
-              <a:rPr lang="en-US" sz="3600" b="1" dirty="0" smtClean="0"/>
-              <a:t>Linear </a:t>
-            </a:r>
-            <a:r>
               <a:rPr lang="en-US" sz="3600" b="1" dirty="0"/>
-              <a:t>Regression: </a:t>
+              <a:t>Linear Regression: </a:t>
             </a:r>
             <a:br>
               <a:rPr lang="en-US" sz="3600" b="1" dirty="0"/>
@@ -6495,7 +7736,7 @@
           <p:cNvPr id="7" name="Content Placeholder 6" descr="Table&#10;&#10;Description automatically generated">
             <a:extLst>
               <a:ext uri="{FF2B5EF4-FFF2-40B4-BE49-F238E27FC236}">
-                <a16:creationId xmlns:a16="http://schemas.microsoft.com/office/drawing/2014/main" xmlns="" id="{07A5C1CF-BB1C-D01B-BC10-D02C55BB3FC7}"/>
+                <a16:creationId xmlns:a16="http://schemas.microsoft.com/office/drawing/2014/main" id="{07A5C1CF-BB1C-D01B-BC10-D02C55BB3FC7}"/>
               </a:ext>
             </a:extLst>
           </p:cNvPr>
@@ -6529,7 +7770,7 @@
           <p:cNvPr id="5" name="Picture 4">
             <a:extLst>
               <a:ext uri="{FF2B5EF4-FFF2-40B4-BE49-F238E27FC236}">
-                <a16:creationId xmlns:a16="http://schemas.microsoft.com/office/drawing/2014/main" xmlns="" id="{A4C6AC7E-EF8A-E3F5-9D18-07FECE5D4F52}"/>
+                <a16:creationId xmlns:a16="http://schemas.microsoft.com/office/drawing/2014/main" id="{A4C6AC7E-EF8A-E3F5-9D18-07FECE5D4F52}"/>
               </a:ext>
             </a:extLst>
           </p:cNvPr>
@@ -6589,7 +7830,7 @@
           <p:cNvPr id="5" name="Picture 4">
             <a:extLst>
               <a:ext uri="{FF2B5EF4-FFF2-40B4-BE49-F238E27FC236}">
-                <a16:creationId xmlns:a16="http://schemas.microsoft.com/office/drawing/2014/main" xmlns="" id="{98A0F710-97E4-0DCB-02CF-E8885BE8DA0D}"/>
+                <a16:creationId xmlns:a16="http://schemas.microsoft.com/office/drawing/2014/main" id="{98A0F710-97E4-0DCB-02CF-E8885BE8DA0D}"/>
               </a:ext>
             </a:extLst>
           </p:cNvPr>
@@ -6619,7 +7860,7 @@
           <p:cNvPr id="7" name="Picture 6">
             <a:extLst>
               <a:ext uri="{FF2B5EF4-FFF2-40B4-BE49-F238E27FC236}">
-                <a16:creationId xmlns:a16="http://schemas.microsoft.com/office/drawing/2014/main" xmlns="" id="{5BF0E433-7AE4-0294-D087-C6C7A72301C8}"/>
+                <a16:creationId xmlns:a16="http://schemas.microsoft.com/office/drawing/2014/main" id="{5BF0E433-7AE4-0294-D087-C6C7A72301C8}"/>
               </a:ext>
             </a:extLst>
           </p:cNvPr>
@@ -6649,7 +7890,7 @@
           <p:cNvPr id="9" name="Picture 8">
             <a:extLst>
               <a:ext uri="{FF2B5EF4-FFF2-40B4-BE49-F238E27FC236}">
-                <a16:creationId xmlns:a16="http://schemas.microsoft.com/office/drawing/2014/main" xmlns="" id="{35FA5BE4-4E34-E5EB-A6E8-8CF96676ADA0}"/>
+                <a16:creationId xmlns:a16="http://schemas.microsoft.com/office/drawing/2014/main" id="{35FA5BE4-4E34-E5EB-A6E8-8CF96676ADA0}"/>
               </a:ext>
             </a:extLst>
           </p:cNvPr>
@@ -6679,7 +7920,7 @@
           <p:cNvPr id="11" name="TextBox 10">
             <a:extLst>
               <a:ext uri="{FF2B5EF4-FFF2-40B4-BE49-F238E27FC236}">
-                <a16:creationId xmlns:a16="http://schemas.microsoft.com/office/drawing/2014/main" xmlns="" id="{6D444E06-6FEA-449C-E4B5-46A6ADD0EC3D}"/>
+                <a16:creationId xmlns:a16="http://schemas.microsoft.com/office/drawing/2014/main" id="{6D444E06-6FEA-449C-E4B5-46A6ADD0EC3D}"/>
               </a:ext>
             </a:extLst>
           </p:cNvPr>
@@ -6722,7 +7963,7 @@
           <p:cNvPr id="13" name="TextBox 12">
             <a:extLst>
               <a:ext uri="{FF2B5EF4-FFF2-40B4-BE49-F238E27FC236}">
-                <a16:creationId xmlns:a16="http://schemas.microsoft.com/office/drawing/2014/main" xmlns="" id="{4789D743-00E9-4753-275C-5CEC0035F4DC}"/>
+                <a16:creationId xmlns:a16="http://schemas.microsoft.com/office/drawing/2014/main" id="{4789D743-00E9-4753-275C-5CEC0035F4DC}"/>
               </a:ext>
             </a:extLst>
           </p:cNvPr>
@@ -6765,7 +8006,7 @@
           <p:cNvPr id="15" name="Content Placeholder 6" descr="Table&#10;&#10;Description automatically generated">
             <a:extLst>
               <a:ext uri="{FF2B5EF4-FFF2-40B4-BE49-F238E27FC236}">
-                <a16:creationId xmlns:a16="http://schemas.microsoft.com/office/drawing/2014/main" xmlns="" id="{133673D8-5EBC-BA5D-4DA0-026A32E6208F}"/>
+                <a16:creationId xmlns:a16="http://schemas.microsoft.com/office/drawing/2014/main" id="{133673D8-5EBC-BA5D-4DA0-026A32E6208F}"/>
               </a:ext>
             </a:extLst>
           </p:cNvPr>
@@ -6829,7 +8070,7 @@
           <p:cNvPr id="9" name="Picture 8">
             <a:extLst>
               <a:ext uri="{FF2B5EF4-FFF2-40B4-BE49-F238E27FC236}">
-                <a16:creationId xmlns:a16="http://schemas.microsoft.com/office/drawing/2014/main" xmlns="" id="{5EDA95B1-CDE9-9E3C-3319-7E6D4D88D641}"/>
+                <a16:creationId xmlns:a16="http://schemas.microsoft.com/office/drawing/2014/main" id="{5EDA95B1-CDE9-9E3C-3319-7E6D4D88D641}"/>
               </a:ext>
             </a:extLst>
           </p:cNvPr>
@@ -6859,7 +8100,7 @@
           <p:cNvPr id="11" name="Picture 10">
             <a:extLst>
               <a:ext uri="{FF2B5EF4-FFF2-40B4-BE49-F238E27FC236}">
-                <a16:creationId xmlns:a16="http://schemas.microsoft.com/office/drawing/2014/main" xmlns="" id="{1CBB3A9B-D3A7-15CF-39D3-A087976A0403}"/>
+                <a16:creationId xmlns:a16="http://schemas.microsoft.com/office/drawing/2014/main" id="{1CBB3A9B-D3A7-15CF-39D3-A087976A0403}"/>
               </a:ext>
             </a:extLst>
           </p:cNvPr>
@@ -6889,7 +8130,7 @@
           <p:cNvPr id="13" name="Picture 12">
             <a:extLst>
               <a:ext uri="{FF2B5EF4-FFF2-40B4-BE49-F238E27FC236}">
-                <a16:creationId xmlns:a16="http://schemas.microsoft.com/office/drawing/2014/main" xmlns="" id="{5DA2A6B4-8D45-DD28-2B69-CA1E6788FBAA}"/>
+                <a16:creationId xmlns:a16="http://schemas.microsoft.com/office/drawing/2014/main" id="{5DA2A6B4-8D45-DD28-2B69-CA1E6788FBAA}"/>
               </a:ext>
             </a:extLst>
           </p:cNvPr>
@@ -6919,7 +8160,7 @@
           <p:cNvPr id="15" name="TextBox 14">
             <a:extLst>
               <a:ext uri="{FF2B5EF4-FFF2-40B4-BE49-F238E27FC236}">
-                <a16:creationId xmlns:a16="http://schemas.microsoft.com/office/drawing/2014/main" xmlns="" id="{8CC867AD-C654-C86F-3DC2-F54C335198CB}"/>
+                <a16:creationId xmlns:a16="http://schemas.microsoft.com/office/drawing/2014/main" id="{8CC867AD-C654-C86F-3DC2-F54C335198CB}"/>
               </a:ext>
             </a:extLst>
           </p:cNvPr>
@@ -7006,7 +8247,7 @@
           <p:cNvPr id="16" name="Picture 15">
             <a:extLst>
               <a:ext uri="{FF2B5EF4-FFF2-40B4-BE49-F238E27FC236}">
-                <a16:creationId xmlns:a16="http://schemas.microsoft.com/office/drawing/2014/main" xmlns="" id="{6A417BEC-11D7-CA2A-6C85-8067DE322644}"/>
+                <a16:creationId xmlns:a16="http://schemas.microsoft.com/office/drawing/2014/main" id="{6A417BEC-11D7-CA2A-6C85-8067DE322644}"/>
               </a:ext>
             </a:extLst>
           </p:cNvPr>
@@ -7065,7 +8306,7 @@
           <p:cNvPr id="2" name="Title 1">
             <a:extLst>
               <a:ext uri="{FF2B5EF4-FFF2-40B4-BE49-F238E27FC236}">
-                <a16:creationId xmlns:a16="http://schemas.microsoft.com/office/drawing/2014/main" xmlns="" id="{855EDE46-3743-DF08-EA17-75DBAD128524}"/>
+                <a16:creationId xmlns:a16="http://schemas.microsoft.com/office/drawing/2014/main" id="{855EDE46-3743-DF08-EA17-75DBAD128524}"/>
               </a:ext>
             </a:extLst>
           </p:cNvPr>
@@ -7089,7 +8330,7 @@
           <a:lstStyle/>
           <a:p>
             <a:r>
-              <a:rPr lang="en-US" sz="3600" dirty="0" smtClean="0">
+              <a:rPr lang="en-US" sz="3600" dirty="0">
                 <a:solidFill>
                   <a:srgbClr val="000000"/>
                 </a:solidFill>
@@ -7097,16 +8338,6 @@
                 <a:latin typeface="Helvetica Neue"/>
               </a:rPr>
               <a:t>Summary:</a:t>
-            </a:r>
-            <a:r>
-              <a:rPr lang="en-US" sz="1800" b="1" i="1" dirty="0">
-                <a:solidFill>
-                  <a:srgbClr val="000000"/>
-                </a:solidFill>
-                <a:effectLst/>
-                <a:latin typeface="Helvetica Neue"/>
-              </a:rPr>
-              <a:t/>
             </a:r>
             <a:br>
               <a:rPr lang="en-US" sz="1800" b="1" i="1" dirty="0">
@@ -7146,7 +8377,7 @@
           <p:cNvPr id="3" name="Content Placeholder 2">
             <a:extLst>
               <a:ext uri="{FF2B5EF4-FFF2-40B4-BE49-F238E27FC236}">
-                <a16:creationId xmlns:a16="http://schemas.microsoft.com/office/drawing/2014/main" xmlns="" id="{BF77DAA5-3E38-A91A-582E-0E0B9597C516}"/>
+                <a16:creationId xmlns:a16="http://schemas.microsoft.com/office/drawing/2014/main" id="{BF77DAA5-3E38-A91A-582E-0E0B9597C516}"/>
               </a:ext>
             </a:extLst>
           </p:cNvPr>
@@ -7343,7 +8574,7 @@
           <p:cNvPr id="1026" name="Picture 2">
             <a:extLst>
               <a:ext uri="{FF2B5EF4-FFF2-40B4-BE49-F238E27FC236}">
-                <a16:creationId xmlns:a16="http://schemas.microsoft.com/office/drawing/2014/main" xmlns="" id="{CB123D68-9F97-5D46-4820-4D45011766D7}"/>
+                <a16:creationId xmlns:a16="http://schemas.microsoft.com/office/drawing/2014/main" id="{CB123D68-9F97-5D46-4820-4D45011766D7}"/>
               </a:ext>
             </a:extLst>
           </p:cNvPr>
@@ -7431,10 +8662,9 @@
           <a:lstStyle/>
           <a:p>
             <a:r>
-              <a:rPr lang="en-US" dirty="0" smtClean="0"/>
+              <a:rPr lang="en-US" dirty="0"/>
               <a:t>Dario</a:t>
             </a:r>
-            <a:endParaRPr lang="en-US" dirty="0"/>
           </a:p>
         </p:txBody>
       </p:sp>
@@ -7467,13 +8697,6 @@
   <p:clrMapOvr>
     <a:masterClrMapping/>
   </p:clrMapOvr>
-  <p:timing>
-    <p:tnLst>
-      <p:par>
-        <p:cTn id="1" dur="indefinite" restart="never" nodeType="tmRoot"/>
-      </p:par>
-    </p:tnLst>
-  </p:timing>
 </p:sld>
 </file>
 
@@ -7523,15 +8746,7 @@
                   <a:prstClr val="black"/>
                 </a:solidFill>
               </a:rPr>
-              <a:t>SECTION </a:t>
-            </a:r>
-            <a:r>
-              <a:rPr lang="en-US" dirty="0" smtClean="0">
-                <a:solidFill>
-                  <a:prstClr val="black"/>
-                </a:solidFill>
-              </a:rPr>
-              <a:t>5</a:t>
+              <a:t>SECTION 5</a:t>
             </a:r>
             <a:endParaRPr lang="en-US" sz="2400" dirty="0"/>
           </a:p>
@@ -7561,28 +8776,12 @@
           <a:p>
             <a:pPr algn="ctr"/>
             <a:r>
-              <a:rPr lang="en-US" sz="2800" dirty="0" smtClean="0">
-                <a:solidFill>
-                  <a:srgbClr val="2B2B2B"/>
-                </a:solidFill>
-              </a:rPr>
-              <a:t>Implications </a:t>
-            </a:r>
-            <a:r>
               <a:rPr lang="en-US" sz="2800" dirty="0">
                 <a:solidFill>
                   <a:srgbClr val="2B2B2B"/>
                 </a:solidFill>
               </a:rPr>
-              <a:t>of </a:t>
-            </a:r>
-            <a:r>
-              <a:rPr lang="en-US" sz="2800" dirty="0" smtClean="0">
-                <a:solidFill>
-                  <a:srgbClr val="2B2B2B"/>
-                </a:solidFill>
-              </a:rPr>
-              <a:t>the findings/next steps</a:t>
+              <a:t>Implications of the findings/next steps</a:t>
             </a:r>
             <a:endParaRPr lang="en-US" sz="2800" dirty="0"/>
           </a:p>
@@ -7598,13 +8797,6 @@
   <p:clrMapOvr>
     <a:masterClrMapping/>
   </p:clrMapOvr>
-  <p:timing>
-    <p:tnLst>
-      <p:par>
-        <p:cTn id="1" dur="indefinite" restart="never" nodeType="tmRoot"/>
-      </p:par>
-    </p:tnLst>
-  </p:timing>
 </p:sld>
 </file>
 
@@ -7642,10 +8834,9 @@
           <a:p>
             <a:pPr algn="ctr"/>
             <a:r>
-              <a:rPr lang="en-US" dirty="0" smtClean="0"/>
+              <a:rPr lang="en-US" dirty="0"/>
               <a:t>Project Overview</a:t>
             </a:r>
-            <a:endParaRPr lang="en-US" dirty="0"/>
           </a:p>
         </p:txBody>
       </p:sp>
@@ -7675,10 +8866,9 @@
               <a:buNone/>
             </a:pPr>
             <a:r>
-              <a:rPr lang="en-US" sz="1800" dirty="0" smtClean="0"/>
+              <a:rPr lang="en-US" sz="1800" dirty="0"/>
               <a:t>The Orlando Magic has contracted this group to perform an EDA to look into key performance indicators (KPIs) to determine areas of play that need improvement so the Magic can become a winning team. The group quickly put together a list of questions to look into some of the more popular indicators known throughout the basketball industry.  One motivational factor about this project is that the Magic is local to the Orlando area and an improvement in their performance would help drive fan support. </a:t>
             </a:r>
-            <a:endParaRPr lang="en-US" sz="1800" dirty="0"/>
           </a:p>
           <a:p>
             <a:endParaRPr lang="en-US" sz="1800" dirty="0"/>
@@ -7689,21 +8879,8 @@
             </a:pPr>
             <a:r>
               <a:rPr lang="en-US" sz="1800" dirty="0"/>
-              <a:t>    1. Is there a correlation between </a:t>
-            </a:r>
-            <a:r>
-              <a:rPr lang="en-US" sz="1800" dirty="0" smtClean="0"/>
-              <a:t>regular season and playoff </a:t>
-            </a:r>
-            <a:r>
-              <a:rPr lang="en-US" sz="1800" dirty="0"/>
-              <a:t>winning </a:t>
-            </a:r>
-            <a:r>
-              <a:rPr lang="en-US" sz="1800" dirty="0" smtClean="0"/>
-              <a:t>percentage?</a:t>
-            </a:r>
-            <a:endParaRPr lang="en-US" sz="1800" dirty="0"/>
+              <a:t>    1. Is there a correlation between regular season and playoff winning percentage?</a:t>
+            </a:r>
           </a:p>
           <a:p>
             <a:pPr marL="0" indent="0">
@@ -7719,12 +8896,8 @@
               <a:buNone/>
             </a:pPr>
             <a:r>
-              <a:rPr lang="en-US" sz="1800" dirty="0" smtClean="0"/>
-              <a:t>    </a:t>
-            </a:r>
-            <a:r>
               <a:rPr lang="en-US" sz="1800" dirty="0"/>
-              <a:t>3. How does the Orlando Magic, as a team, compare to other teams in the league and the league as a whole?</a:t>
+              <a:t>    3. How does the Orlando Magic, as a team, compare to other teams in the league and the league as a whole?</a:t>
             </a:r>
           </a:p>
           <a:p>
@@ -7738,24 +8911,8 @@
               <a:buNone/>
             </a:pPr>
             <a:r>
-              <a:rPr lang="en-US" sz="1800" dirty="0" smtClean="0"/>
-              <a:t>    </a:t>
-            </a:r>
-            <a:r>
               <a:rPr lang="en-US" sz="1800" dirty="0"/>
-              <a:t>4. </a:t>
-            </a:r>
-            <a:r>
-              <a:rPr lang="en-US" sz="1800" dirty="0" smtClean="0"/>
-              <a:t>W</a:t>
-            </a:r>
-            <a:r>
-              <a:rPr lang="en-US" sz="1800" dirty="0" smtClean="0">
-                <a:solidFill>
-                  <a:srgbClr val="000000"/>
-                </a:solidFill>
-              </a:rPr>
-              <a:t>hich </a:t>
+              <a:t>    4. W</a:t>
             </a:r>
             <a:r>
               <a:rPr lang="en-US" sz="1800" dirty="0">
@@ -7763,47 +8920,7 @@
                   <a:srgbClr val="000000"/>
                 </a:solidFill>
               </a:rPr>
-              <a:t>KPIs most closely </a:t>
-            </a:r>
-            <a:r>
-              <a:rPr lang="en-US" sz="1800" dirty="0" smtClean="0">
-                <a:solidFill>
-                  <a:srgbClr val="000000"/>
-                </a:solidFill>
-              </a:rPr>
-              <a:t>relate </a:t>
-            </a:r>
-            <a:r>
-              <a:rPr lang="en-US" sz="1800" dirty="0">
-                <a:solidFill>
-                  <a:srgbClr val="000000"/>
-                </a:solidFill>
-              </a:rPr>
-              <a:t>to wins for the Orlando Magic Team in the 2022 </a:t>
-            </a:r>
-            <a:r>
-              <a:rPr lang="en-US" sz="1800" dirty="0" smtClean="0">
-                <a:solidFill>
-                  <a:srgbClr val="000000"/>
-                </a:solidFill>
-              </a:rPr>
-              <a:t>- 2023 </a:t>
-            </a:r>
-            <a:r>
-              <a:rPr lang="en-US" sz="1800" dirty="0">
-                <a:solidFill>
-                  <a:srgbClr val="000000"/>
-                </a:solidFill>
-              </a:rPr>
-              <a:t>Games</a:t>
-            </a:r>
-            <a:r>
-              <a:rPr lang="en-US" sz="1800" b="1" i="1" dirty="0">
-                <a:solidFill>
-                  <a:srgbClr val="000000"/>
-                </a:solidFill>
-              </a:rPr>
-              <a:t/>
+              <a:t>hich KPIs most closely relate to wins for the Orlando Magic Team in the 2022 - 2023 Games</a:t>
             </a:r>
             <a:br>
               <a:rPr lang="en-US" sz="1800" b="1" i="1" dirty="0">
@@ -7813,12 +8930,8 @@
               </a:rPr>
             </a:br>
             <a:r>
-              <a:rPr lang="en-US" sz="1800" dirty="0" smtClean="0"/>
-              <a:t>    </a:t>
-            </a:r>
-            <a:r>
               <a:rPr lang="en-US" sz="1800" dirty="0"/>
-              <a:t>5. Is there a question 5</a:t>
+              <a:t>    5. Is there a question 5</a:t>
             </a:r>
           </a:p>
           <a:p>
@@ -7842,13 +8955,6 @@
   <p:clrMapOvr>
     <a:masterClrMapping/>
   </p:clrMapOvr>
-  <p:timing>
-    <p:tnLst>
-      <p:par>
-        <p:cTn id="1" dur="indefinite" restart="never" nodeType="tmRoot"/>
-      </p:par>
-    </p:tnLst>
-  </p:timing>
 </p:sld>
 </file>
 
@@ -7914,22 +9020,21 @@
           <a:lstStyle/>
           <a:p>
             <a:r>
-              <a:rPr lang="en-US" dirty="0" smtClean="0"/>
+              <a:rPr lang="en-US" dirty="0"/>
               <a:t>The correlation of season winning percentage versus playoff winning percentage is important because the regular season winning percentage determines home court advantage throughout the playoffs.</a:t>
             </a:r>
           </a:p>
           <a:p>
             <a:r>
-              <a:rPr lang="en-US" dirty="0" smtClean="0"/>
+              <a:rPr lang="en-US" dirty="0"/>
               <a:t> Statistics show the team with the home court advantage has won 53 of 74 championships, or 71.6% of the time. </a:t>
             </a:r>
           </a:p>
           <a:p>
             <a:r>
-              <a:rPr lang="en-US" dirty="0" smtClean="0"/>
+              <a:rPr lang="en-US" dirty="0"/>
               <a:t>There are no next steps with regard to this KPI</a:t>
             </a:r>
-            <a:endParaRPr lang="en-US" dirty="0"/>
           </a:p>
         </p:txBody>
       </p:sp>
@@ -7943,13 +9048,6 @@
   <p:clrMapOvr>
     <a:masterClrMapping/>
   </p:clrMapOvr>
-  <p:timing>
-    <p:tnLst>
-      <p:par>
-        <p:cTn id="1" dur="indefinite" restart="never" nodeType="tmRoot"/>
-      </p:par>
-    </p:tnLst>
-  </p:timing>
 </p:sld>
 </file>
 
@@ -7986,10 +9084,9 @@
           <a:lstStyle/>
           <a:p>
             <a:r>
-              <a:rPr lang="en-US" dirty="0" smtClean="0"/>
+              <a:rPr lang="en-US" dirty="0"/>
               <a:t>Dario</a:t>
             </a:r>
-            <a:endParaRPr lang="en-US" dirty="0"/>
           </a:p>
         </p:txBody>
       </p:sp>
@@ -8022,13 +9119,6 @@
   <p:clrMapOvr>
     <a:masterClrMapping/>
   </p:clrMapOvr>
-  <p:timing>
-    <p:tnLst>
-      <p:par>
-        <p:cTn id="1" dur="indefinite" restart="never" nodeType="tmRoot"/>
-      </p:par>
-    </p:tnLst>
-  </p:timing>
 </p:sld>
 </file>
 
@@ -8065,10 +9155,9 @@
           <a:lstStyle/>
           <a:p>
             <a:r>
-              <a:rPr lang="en-US" dirty="0" smtClean="0"/>
+              <a:rPr lang="en-US" dirty="0"/>
               <a:t>Jessica	</a:t>
             </a:r>
-            <a:endParaRPr lang="en-US" dirty="0"/>
           </a:p>
         </p:txBody>
       </p:sp>
@@ -8101,13 +9190,6 @@
   <p:clrMapOvr>
     <a:masterClrMapping/>
   </p:clrMapOvr>
-  <p:timing>
-    <p:tnLst>
-      <p:par>
-        <p:cTn id="1" dur="indefinite" restart="never" nodeType="tmRoot"/>
-      </p:par>
-    </p:tnLst>
-  </p:timing>
 </p:sld>
 </file>
 
@@ -8144,10 +9226,9 @@
           <a:lstStyle/>
           <a:p>
             <a:r>
-              <a:rPr lang="en-US" dirty="0" smtClean="0"/>
+              <a:rPr lang="en-US" dirty="0"/>
               <a:t>Candace</a:t>
             </a:r>
-            <a:endParaRPr lang="en-US" dirty="0"/>
           </a:p>
         </p:txBody>
       </p:sp>
@@ -8180,13 +9261,6 @@
   <p:clrMapOvr>
     <a:masterClrMapping/>
   </p:clrMapOvr>
-  <p:timing>
-    <p:tnLst>
-      <p:par>
-        <p:cTn id="1" dur="indefinite" restart="never" nodeType="tmRoot"/>
-      </p:par>
-    </p:tnLst>
-  </p:timing>
 </p:sld>
 </file>
 
@@ -8223,10 +9297,9 @@
           <a:lstStyle/>
           <a:p>
             <a:r>
-              <a:rPr lang="en-US" dirty="0" smtClean="0"/>
+              <a:rPr lang="en-US" dirty="0"/>
               <a:t>Brenton</a:t>
             </a:r>
-            <a:endParaRPr lang="en-US" dirty="0"/>
           </a:p>
         </p:txBody>
       </p:sp>
@@ -8259,13 +9332,6 @@
   <p:clrMapOvr>
     <a:masterClrMapping/>
   </p:clrMapOvr>
-  <p:timing>
-    <p:tnLst>
-      <p:par>
-        <p:cTn id="1" dur="indefinite" restart="never" nodeType="tmRoot"/>
-      </p:par>
-    </p:tnLst>
-  </p:timing>
 </p:sld>
 </file>
 
@@ -8304,19 +9370,15 @@
           <a:lstStyle/>
           <a:p>
             <a:pPr algn="ctr"/>
-            <a:r>
-              <a:rPr lang="en-US" dirty="0" smtClean="0"/>
-              <a:t/>
-            </a:r>
             <a:br>
-              <a:rPr lang="en-US" dirty="0" smtClean="0"/>
+              <a:rPr lang="en-US" dirty="0"/>
             </a:br>
             <a:r>
-              <a:rPr lang="en-US" dirty="0" smtClean="0"/>
+              <a:rPr lang="en-US" dirty="0"/>
               <a:t>Presented by</a:t>
             </a:r>
             <a:br>
-              <a:rPr lang="en-US" dirty="0" smtClean="0"/>
+              <a:rPr lang="en-US" dirty="0"/>
             </a:br>
             <a:endParaRPr lang="en-US" dirty="0"/>
           </a:p>
@@ -8346,7 +9408,7 @@
               <a:buNone/>
             </a:pPr>
             <a:r>
-              <a:rPr lang="en-US" dirty="0" smtClean="0"/>
+              <a:rPr lang="en-US" dirty="0"/>
               <a:t>Brenton Bethel</a:t>
             </a:r>
           </a:p>
@@ -8355,7 +9417,7 @@
               <a:buNone/>
             </a:pPr>
             <a:r>
-              <a:rPr lang="en-US" dirty="0" smtClean="0"/>
+              <a:rPr lang="en-US" dirty="0"/>
               <a:t>Candace Stingley</a:t>
             </a:r>
           </a:p>
@@ -8364,7 +9426,7 @@
               <a:buNone/>
             </a:pPr>
             <a:r>
-              <a:rPr lang="en-US" dirty="0" smtClean="0"/>
+              <a:rPr lang="en-US" dirty="0"/>
               <a:t>Dario Rangel</a:t>
             </a:r>
           </a:p>
@@ -8373,7 +9435,7 @@
               <a:buNone/>
             </a:pPr>
             <a:r>
-              <a:rPr lang="en-US" dirty="0" smtClean="0"/>
+              <a:rPr lang="en-US" dirty="0"/>
               <a:t>Jessica Richter</a:t>
             </a:r>
           </a:p>
@@ -8382,10 +9444,9 @@
               <a:buNone/>
             </a:pPr>
             <a:r>
-              <a:rPr lang="en-US" dirty="0" smtClean="0"/>
+              <a:rPr lang="en-US" dirty="0"/>
               <a:t>Mark Meinhardt</a:t>
             </a:r>
-            <a:endParaRPr lang="en-US" dirty="0"/>
           </a:p>
         </p:txBody>
       </p:sp>
@@ -8448,15 +9509,7 @@
                   <a:prstClr val="black"/>
                 </a:solidFill>
               </a:rPr>
-              <a:t>SECTION </a:t>
-            </a:r>
-            <a:r>
-              <a:rPr lang="en-US" dirty="0" smtClean="0">
-                <a:solidFill>
-                  <a:prstClr val="black"/>
-                </a:solidFill>
-              </a:rPr>
-              <a:t>2</a:t>
+              <a:t>SECTION 2</a:t>
             </a:r>
             <a:endParaRPr lang="en-US" dirty="0"/>
           </a:p>
@@ -8491,21 +9544,8 @@
                   <a:srgbClr val="2B2B2B"/>
                 </a:solidFill>
               </a:rPr>
-              <a:t>An overview of the data collection, cleanup, and exploration </a:t>
-            </a:r>
-            <a:r>
-              <a:rPr lang="en-US" sz="2800" dirty="0" smtClean="0">
-                <a:solidFill>
-                  <a:srgbClr val="2B2B2B"/>
-                </a:solidFill>
-              </a:rPr>
-              <a:t>processes</a:t>
-            </a:r>
-            <a:endParaRPr lang="en-US" sz="2800" dirty="0">
-              <a:solidFill>
-                <a:srgbClr val="2B2B2B"/>
-              </a:solidFill>
-            </a:endParaRPr>
+              <a:t>An overview of the data collection, cleanup, and exploration processes</a:t>
+            </a:r>
           </a:p>
         </p:txBody>
       </p:sp>
@@ -8519,13 +9559,6 @@
   <p:clrMapOvr>
     <a:masterClrMapping/>
   </p:clrMapOvr>
-  <p:timing>
-    <p:tnLst>
-      <p:par>
-        <p:cTn id="1" dur="indefinite" restart="never" nodeType="tmRoot"/>
-      </p:par>
-    </p:tnLst>
-  </p:timing>
 </p:sld>
 </file>
 
@@ -8565,12 +9598,8 @@
           <a:p>
             <a:pPr algn="ctr"/>
             <a:r>
-              <a:rPr lang="en-US" sz="3600" b="1" dirty="0" smtClean="0"/>
-              <a:t>Website Data Collection from </a:t>
-            </a:r>
-            <a:r>
               <a:rPr lang="en-US" sz="3600" b="1" dirty="0"/>
-              <a:t>Basketball-Reference.com</a:t>
+              <a:t>Website Data Collection from Basketball-Reference.com</a:t>
             </a:r>
           </a:p>
         </p:txBody>
@@ -8604,32 +9633,11 @@
               <a:buChar char=""/>
             </a:pPr>
             <a:r>
-              <a:rPr lang="en-US" kern="100" dirty="0" smtClean="0">
-                <a:ea typeface="Calibri" panose="020F0502020204030204" pitchFamily="34" charset="0"/>
-                <a:cs typeface="Times New Roman" panose="02020603050405020304" pitchFamily="18" charset="0"/>
-              </a:rPr>
-              <a:t>One source </a:t>
-            </a:r>
-            <a:r>
               <a:rPr lang="en-US" kern="100" dirty="0">
                 <a:ea typeface="Calibri" panose="020F0502020204030204" pitchFamily="34" charset="0"/>
                 <a:cs typeface="Times New Roman" panose="02020603050405020304" pitchFamily="18" charset="0"/>
               </a:rPr>
-              <a:t>of data was </a:t>
-            </a:r>
-            <a:r>
-              <a:rPr lang="en-US" kern="100" dirty="0" smtClean="0">
-                <a:ea typeface="Calibri" panose="020F0502020204030204" pitchFamily="34" charset="0"/>
-                <a:cs typeface="Times New Roman" panose="02020603050405020304" pitchFamily="18" charset="0"/>
-              </a:rPr>
-              <a:t>from the </a:t>
-            </a:r>
-            <a:r>
-              <a:rPr lang="en-US" kern="100" dirty="0">
-                <a:ea typeface="Calibri" panose="020F0502020204030204" pitchFamily="34" charset="0"/>
-                <a:cs typeface="Times New Roman" panose="02020603050405020304" pitchFamily="18" charset="0"/>
-              </a:rPr>
-              <a:t>website: </a:t>
+              <a:t>One source of data was from the website: </a:t>
             </a:r>
             <a:r>
               <a:rPr lang="en-US" u="sng" kern="100" dirty="0">
@@ -8706,13 +9714,6 @@
   <p:clrMapOvr>
     <a:masterClrMapping/>
   </p:clrMapOvr>
-  <p:timing>
-    <p:tnLst>
-      <p:par>
-        <p:cTn id="1" dur="indefinite" restart="never" nodeType="tmRoot"/>
-      </p:par>
-    </p:tnLst>
-  </p:timing>
 </p:sld>
 </file>
 
@@ -8755,15 +9756,7 @@
                   <a:prstClr val="black"/>
                 </a:solidFill>
               </a:rPr>
-              <a:t>Website Data Collection from </a:t>
-            </a:r>
-            <a:r>
-              <a:rPr lang="en-US" sz="3600" b="1" dirty="0" smtClean="0">
-                <a:solidFill>
-                  <a:prstClr val="black"/>
-                </a:solidFill>
-              </a:rPr>
-              <a:t>NBA.com</a:t>
+              <a:t>Website Data Collection from NBA.com</a:t>
             </a:r>
             <a:endParaRPr lang="en-US" dirty="0"/>
           </a:p>
@@ -8785,26 +9778,9 @@
           <a:lstStyle/>
           <a:p>
             <a:r>
-              <a:rPr lang="en-US" dirty="0" smtClean="0"/>
-              <a:t>One source of data was pulled directly </a:t>
-            </a:r>
-            <a:r>
-              <a:rPr lang="en-US" dirty="0"/>
-              <a:t>from NBA.com and put the </a:t>
-            </a:r>
-            <a:r>
-              <a:rPr lang="en-US" dirty="0" smtClean="0"/>
-              <a:t>into </a:t>
-            </a:r>
-            <a:r>
-              <a:rPr lang="en-US" dirty="0"/>
-              <a:t>CSV </a:t>
-            </a:r>
-            <a:r>
-              <a:rPr lang="en-US" dirty="0" smtClean="0"/>
-              <a:t>files</a:t>
-            </a:r>
-            <a:endParaRPr lang="en-US" dirty="0"/>
+              <a:rPr lang="en-US" dirty="0"/>
+              <a:t>One source of data was pulled directly from NBA.com and put the into CSV files</a:t>
+            </a:r>
           </a:p>
           <a:p>
             <a:pPr marL="0" indent="0">
@@ -8814,62 +9790,17 @@
           </a:p>
           <a:p>
             <a:r>
-              <a:rPr lang="en-US" dirty="0" smtClean="0"/>
-              <a:t>Data </a:t>
-            </a:r>
-            <a:r>
-              <a:rPr lang="en-US" dirty="0"/>
-              <a:t>was </a:t>
-            </a:r>
-            <a:r>
-              <a:rPr lang="en-US" dirty="0" smtClean="0"/>
-              <a:t>selected as needed based on </a:t>
-            </a:r>
-            <a:r>
-              <a:rPr lang="en-US" dirty="0"/>
-              <a:t>the results that </a:t>
-            </a:r>
-            <a:r>
-              <a:rPr lang="en-US" dirty="0" smtClean="0"/>
-              <a:t>from </a:t>
-            </a:r>
-            <a:r>
-              <a:rPr lang="en-US" dirty="0"/>
-              <a:t>my first objective of finding the rankings of the NBA </a:t>
-            </a:r>
-            <a:r>
-              <a:rPr lang="en-US" dirty="0" smtClean="0"/>
-              <a:t>teams </a:t>
-            </a:r>
+              <a:rPr lang="en-US" dirty="0"/>
+              <a:t>Data was selected as needed based on the results that from my first objective of finding the rankings of the NBA teams </a:t>
+            </a:r>
+          </a:p>
+          <a:p>
             <a:endParaRPr lang="en-US" dirty="0"/>
           </a:p>
           <a:p>
-            <a:endParaRPr lang="en-US" dirty="0"/>
-          </a:p>
-          <a:p>
-            <a:r>
-              <a:rPr lang="en-US" dirty="0" smtClean="0"/>
-              <a:t>Data was cleaned using excel to make sure  all </a:t>
-            </a:r>
-            <a:r>
-              <a:rPr lang="en-US" dirty="0"/>
-              <a:t>of the data was formatted correctly. </a:t>
-            </a:r>
-            <a:r>
-              <a:rPr lang="en-US" dirty="0" smtClean="0"/>
-              <a:t>The data was </a:t>
-            </a:r>
-            <a:r>
-              <a:rPr lang="en-US" dirty="0"/>
-              <a:t>then imported </a:t>
-            </a:r>
-            <a:r>
-              <a:rPr lang="en-US" dirty="0" smtClean="0"/>
-              <a:t>into </a:t>
-            </a:r>
-            <a:r>
-              <a:rPr lang="en-US" dirty="0"/>
-              <a:t>a </a:t>
+            <a:r>
+              <a:rPr lang="en-US" dirty="0"/>
+              <a:t>Data was cleaned using excel to make sure  all of the data was formatted correctly. The data was then imported into a </a:t>
             </a:r>
             <a:r>
               <a:rPr lang="en-US" dirty="0" err="1"/>
@@ -8877,13 +9808,8 @@
             </a:r>
             <a:r>
               <a:rPr lang="en-US" dirty="0"/>
-              <a:t> Notebook </a:t>
-            </a:r>
-            <a:r>
-              <a:rPr lang="en-US" dirty="0" smtClean="0"/>
-              <a:t>for analysis </a:t>
-            </a:r>
-            <a:endParaRPr lang="en-US" dirty="0"/>
+              <a:t> Notebook for analysis </a:t>
+            </a:r>
           </a:p>
           <a:p>
             <a:endParaRPr lang="en-US" dirty="0"/>
@@ -8900,13 +9826,6 @@
   <p:clrMapOvr>
     <a:masterClrMapping/>
   </p:clrMapOvr>
-  <p:timing>
-    <p:tnLst>
-      <p:par>
-        <p:cTn id="1" dur="indefinite" restart="never" nodeType="tmRoot"/>
-      </p:par>
-    </p:tnLst>
-  </p:timing>
 </p:sld>
 </file>
 
@@ -8944,11 +9863,11 @@
           <a:p>
             <a:pPr algn="ctr"/>
             <a:r>
-              <a:rPr lang="en-US" sz="3600" b="1" dirty="0" smtClean="0"/>
+              <a:rPr lang="en-US" sz="3600" b="1" dirty="0"/>
               <a:t>API Data Collection using </a:t>
             </a:r>
             <a:r>
-              <a:rPr lang="en-US" sz="3600" b="1" dirty="0" err="1" smtClean="0"/>
+              <a:rPr lang="en-US" sz="3600" b="1" dirty="0" err="1"/>
               <a:t>nba_api</a:t>
             </a:r>
             <a:endParaRPr lang="en-US" dirty="0"/>
@@ -8971,32 +9890,32 @@
           <a:lstStyle/>
           <a:p>
             <a:r>
-              <a:rPr lang="en-US" dirty="0" smtClean="0"/>
+              <a:rPr lang="en-US" dirty="0"/>
               <a:t>One source of data came from the python module </a:t>
             </a:r>
             <a:r>
-              <a:rPr lang="en-US" dirty="0" err="1" smtClean="0"/>
+              <a:rPr lang="en-US" dirty="0" err="1"/>
               <a:t>nba_api</a:t>
             </a:r>
-            <a:endParaRPr lang="en-US" dirty="0" smtClean="0"/>
-          </a:p>
-          <a:p>
-            <a:r>
-              <a:rPr lang="en-US" dirty="0" smtClean="0"/>
+            <a:endParaRPr lang="en-US" dirty="0"/>
+          </a:p>
+          <a:p>
+            <a:r>
+              <a:rPr lang="en-US" dirty="0"/>
               <a:t>The </a:t>
             </a:r>
             <a:r>
-              <a:rPr lang="en-US" dirty="0" err="1" smtClean="0"/>
+              <a:rPr lang="en-US" dirty="0" err="1"/>
               <a:t>nba_api</a:t>
             </a:r>
             <a:r>
-              <a:rPr lang="en-US" dirty="0" smtClean="0"/>
+              <a:rPr lang="en-US" dirty="0"/>
               <a:t> contains official data from the NBA  and is the source of data for the website NBA.com</a:t>
             </a:r>
           </a:p>
           <a:p>
             <a:r>
-              <a:rPr lang="en-US" dirty="0" smtClean="0"/>
+              <a:rPr lang="en-US" dirty="0"/>
               <a:t>The API was easy to learn but going through the documentation was time consuming, which the group to use other methods in addition to this one</a:t>
             </a:r>
           </a:p>
@@ -9017,23 +9936,12 @@
               <a:rPr lang="en-US" dirty="0">
                 <a:hlinkClick r:id="rId2"/>
               </a:rPr>
-              <a:t>MIT </a:t>
-            </a:r>
-            <a:r>
-              <a:rPr lang="en-US" dirty="0" smtClean="0">
-                <a:hlinkClick r:id="rId2"/>
-              </a:rPr>
-              <a:t>License</a:t>
-            </a:r>
-            <a:r>
-              <a:rPr lang="en-US" dirty="0"/>
-              <a:t> </a:t>
-            </a:r>
-            <a:r>
-              <a:rPr lang="en-US" dirty="0" smtClean="0"/>
-              <a:t>and does not require an API key</a:t>
-            </a:r>
-            <a:endParaRPr lang="en-US" dirty="0"/>
+              <a:t>MIT License</a:t>
+            </a:r>
+            <a:r>
+              <a:rPr lang="en-US" dirty="0"/>
+              <a:t> and does not require an API key</a:t>
+            </a:r>
           </a:p>
         </p:txBody>
       </p:sp>
@@ -9047,13 +9955,6 @@
   <p:clrMapOvr>
     <a:masterClrMapping/>
   </p:clrMapOvr>
-  <p:timing>
-    <p:tnLst>
-      <p:par>
-        <p:cTn id="1" dur="indefinite" restart="never" nodeType="tmRoot"/>
-      </p:par>
-    </p:tnLst>
-  </p:timing>
 </p:sld>
 </file>
 
@@ -9090,10 +9991,9 @@
           <a:lstStyle/>
           <a:p>
             <a:r>
-              <a:rPr lang="en-US" dirty="0" smtClean="0"/>
+              <a:rPr lang="en-US" dirty="0"/>
               <a:t>Dario</a:t>
             </a:r>
-            <a:endParaRPr lang="en-US" dirty="0"/>
           </a:p>
         </p:txBody>
       </p:sp>
@@ -9126,13 +10026,6 @@
   <p:clrMapOvr>
     <a:masterClrMapping/>
   </p:clrMapOvr>
-  <p:timing>
-    <p:tnLst>
-      <p:par>
-        <p:cTn id="1" dur="indefinite" restart="never" nodeType="tmRoot"/>
-      </p:par>
-    </p:tnLst>
-  </p:timing>
 </p:sld>
 </file>
 
@@ -9182,15 +10075,7 @@
                   <a:prstClr val="black"/>
                 </a:solidFill>
               </a:rPr>
-              <a:t>SECTION </a:t>
-            </a:r>
-            <a:r>
-              <a:rPr lang="en-US" dirty="0" smtClean="0">
-                <a:solidFill>
-                  <a:prstClr val="black"/>
-                </a:solidFill>
-              </a:rPr>
-              <a:t>3</a:t>
+              <a:t>SECTION 3</a:t>
             </a:r>
             <a:endParaRPr lang="en-US" sz="2400" dirty="0"/>
           </a:p>
@@ -9225,31 +10110,7 @@
                   <a:srgbClr val="2B2B2B"/>
                 </a:solidFill>
               </a:rPr>
-              <a:t>The </a:t>
-            </a:r>
-            <a:r>
-              <a:rPr lang="en-US" sz="2800" dirty="0" smtClean="0">
-                <a:solidFill>
-                  <a:srgbClr val="2B2B2B"/>
-                </a:solidFill>
-              </a:rPr>
-              <a:t>approach </a:t>
-            </a:r>
-            <a:r>
-              <a:rPr lang="en-US" sz="2800" dirty="0" smtClean="0">
-                <a:solidFill>
-                  <a:srgbClr val="2B2B2B"/>
-                </a:solidFill>
-              </a:rPr>
-              <a:t>to </a:t>
-            </a:r>
-            <a:r>
-              <a:rPr lang="en-US" sz="2800" dirty="0">
-                <a:solidFill>
-                  <a:srgbClr val="2B2B2B"/>
-                </a:solidFill>
-              </a:rPr>
-              <a:t>achieve the project goals</a:t>
+              <a:t>The approach to achieve the project goals</a:t>
             </a:r>
             <a:endParaRPr lang="en-US" sz="2800" dirty="0"/>
           </a:p>
@@ -9265,13 +10126,6 @@
   <p:clrMapOvr>
     <a:masterClrMapping/>
   </p:clrMapOvr>
-  <p:timing>
-    <p:tnLst>
-      <p:par>
-        <p:cTn id="1" dur="indefinite" restart="never" nodeType="tmRoot"/>
-      </p:par>
-    </p:tnLst>
-  </p:timing>
 </p:sld>
 </file>
 
@@ -9564,7 +10418,7 @@
   <a:extraClrSchemeLst/>
   <a:extLst>
     <a:ext uri="{05A4C25C-085E-4340-85A3-A5531E510DB2}">
-      <thm15:themeFamily xmlns:thm15="http://schemas.microsoft.com/office/thememl/2012/main" xmlns="" name="Office Theme" id="{62F939B6-93AF-4DB8-9C6B-D6C7DFDC589F}" vid="{4A3C46E8-61CC-4603-A589-7422A47A8E4A}"/>
+      <thm15:themeFamily xmlns:thm15="http://schemas.microsoft.com/office/thememl/2012/main" name="Office Theme" id="{62F939B6-93AF-4DB8-9C6B-D6C7DFDC589F}" vid="{4A3C46E8-61CC-4603-A589-7422A47A8E4A}"/>
     </a:ext>
   </a:extLst>
 </a:theme>
